--- a/Idea/Idea_Presentation.pptx
+++ b/Idea/Idea_Presentation.pptx
@@ -4,9 +4,14 @@
   <p:sldMasterIdLst>
     <p:sldMasterId id="2147483648" r:id="rId1"/>
   </p:sldMasterIdLst>
+  <p:notesMasterIdLst>
+    <p:notesMasterId r:id="rId6"/>
+  </p:notesMasterIdLst>
   <p:sldIdLst>
     <p:sldId id="256" r:id="rId2"/>
-    <p:sldId id="257" r:id="rId3"/>
+    <p:sldId id="258" r:id="rId3"/>
+    <p:sldId id="259" r:id="rId4"/>
+    <p:sldId id="257" r:id="rId5"/>
   </p:sldIdLst>
   <p:sldSz cx="12192000" cy="6858000"/>
   <p:notesSz cx="6858000" cy="9144000"/>
@@ -105,7 +110,694 @@
       </a:defRPr>
     </a:lvl9pPr>
   </p:defaultTextStyle>
+  <p:extLst>
+    <p:ext uri="{EFAFB233-063F-42B5-8137-9DF3F51BA10A}">
+      <p15:sldGuideLst xmlns:p15="http://schemas.microsoft.com/office/powerpoint/2012/main"/>
+    </p:ext>
+  </p:extLst>
 </p:presentation>
+</file>
+
+<file path=ppt/notesMasters/notesMaster1.xml><?xml version="1.0" encoding="utf-8"?>
+<p:notesMaster xmlns:a="http://schemas.openxmlformats.org/drawingml/2006/main" xmlns:r="http://schemas.openxmlformats.org/officeDocument/2006/relationships" xmlns:p="http://schemas.openxmlformats.org/presentationml/2006/main">
+  <p:cSld>
+    <p:bg>
+      <p:bgRef idx="1001">
+        <a:schemeClr val="bg1"/>
+      </p:bgRef>
+    </p:bg>
+    <p:spTree>
+      <p:nvGrpSpPr>
+        <p:cNvPr id="1" name=""/>
+        <p:cNvGrpSpPr/>
+        <p:nvPr/>
+      </p:nvGrpSpPr>
+      <p:grpSpPr>
+        <a:xfrm>
+          <a:off x="0" y="0"/>
+          <a:ext cx="0" cy="0"/>
+          <a:chOff x="0" y="0"/>
+          <a:chExt cx="0" cy="0"/>
+        </a:xfrm>
+      </p:grpSpPr>
+      <p:sp>
+        <p:nvSpPr>
+          <p:cNvPr id="2" name="Segnaposto intestazione 1"/>
+          <p:cNvSpPr>
+            <a:spLocks noGrp="1"/>
+          </p:cNvSpPr>
+          <p:nvPr>
+            <p:ph type="hdr" sz="quarter"/>
+          </p:nvPr>
+        </p:nvSpPr>
+        <p:spPr>
+          <a:xfrm>
+            <a:off x="0" y="0"/>
+            <a:ext cx="2971800" cy="458788"/>
+          </a:xfrm>
+          <a:prstGeom prst="rect">
+            <a:avLst/>
+          </a:prstGeom>
+        </p:spPr>
+        <p:txBody>
+          <a:bodyPr vert="horz" lIns="91440" tIns="45720" rIns="91440" bIns="45720" rtlCol="0"/>
+          <a:lstStyle>
+            <a:lvl1pPr algn="l">
+              <a:defRPr sz="1200"/>
+            </a:lvl1pPr>
+          </a:lstStyle>
+          <a:p>
+            <a:endParaRPr lang="it-IT"/>
+          </a:p>
+        </p:txBody>
+      </p:sp>
+      <p:sp>
+        <p:nvSpPr>
+          <p:cNvPr id="3" name="Segnaposto data 2"/>
+          <p:cNvSpPr>
+            <a:spLocks noGrp="1"/>
+          </p:cNvSpPr>
+          <p:nvPr>
+            <p:ph type="dt" idx="1"/>
+          </p:nvPr>
+        </p:nvSpPr>
+        <p:spPr>
+          <a:xfrm>
+            <a:off x="3884613" y="0"/>
+            <a:ext cx="2971800" cy="458788"/>
+          </a:xfrm>
+          <a:prstGeom prst="rect">
+            <a:avLst/>
+          </a:prstGeom>
+        </p:spPr>
+        <p:txBody>
+          <a:bodyPr vert="horz" lIns="91440" tIns="45720" rIns="91440" bIns="45720" rtlCol="0"/>
+          <a:lstStyle>
+            <a:lvl1pPr algn="r">
+              <a:defRPr sz="1200"/>
+            </a:lvl1pPr>
+          </a:lstStyle>
+          <a:p>
+            <a:fld id="{F05F3A0F-052B-4D45-ADDD-90AEB5AB3DF4}" type="datetimeFigureOut">
+              <a:rPr lang="it-IT" smtClean="0"/>
+              <a:t>13/11/2024</a:t>
+            </a:fld>
+            <a:endParaRPr lang="it-IT"/>
+          </a:p>
+        </p:txBody>
+      </p:sp>
+      <p:sp>
+        <p:nvSpPr>
+          <p:cNvPr id="4" name="Segnaposto immagine diapositiva 3"/>
+          <p:cNvSpPr>
+            <a:spLocks noGrp="1" noRot="1" noChangeAspect="1"/>
+          </p:cNvSpPr>
+          <p:nvPr>
+            <p:ph type="sldImg" idx="2"/>
+          </p:nvPr>
+        </p:nvSpPr>
+        <p:spPr>
+          <a:xfrm>
+            <a:off x="685800" y="1143000"/>
+            <a:ext cx="5486400" cy="3086100"/>
+          </a:xfrm>
+          <a:prstGeom prst="rect">
+            <a:avLst/>
+          </a:prstGeom>
+          <a:noFill/>
+          <a:ln w="12700">
+            <a:solidFill>
+              <a:prstClr val="black"/>
+            </a:solidFill>
+          </a:ln>
+        </p:spPr>
+        <p:txBody>
+          <a:bodyPr vert="horz" lIns="91440" tIns="45720" rIns="91440" bIns="45720" rtlCol="0" anchor="ctr"/>
+          <a:lstStyle/>
+          <a:p>
+            <a:endParaRPr lang="it-IT"/>
+          </a:p>
+        </p:txBody>
+      </p:sp>
+      <p:sp>
+        <p:nvSpPr>
+          <p:cNvPr id="5" name="Segnaposto note 4"/>
+          <p:cNvSpPr>
+            <a:spLocks noGrp="1"/>
+          </p:cNvSpPr>
+          <p:nvPr>
+            <p:ph type="body" sz="quarter" idx="3"/>
+          </p:nvPr>
+        </p:nvSpPr>
+        <p:spPr>
+          <a:xfrm>
+            <a:off x="685800" y="4400550"/>
+            <a:ext cx="5486400" cy="3600450"/>
+          </a:xfrm>
+          <a:prstGeom prst="rect">
+            <a:avLst/>
+          </a:prstGeom>
+        </p:spPr>
+        <p:txBody>
+          <a:bodyPr vert="horz" lIns="91440" tIns="45720" rIns="91440" bIns="45720" rtlCol="0"/>
+          <a:lstStyle/>
+          <a:p>
+            <a:pPr lvl="0"/>
+            <a:r>
+              <a:rPr lang="it-IT"/>
+              <a:t>Fare clic per modificare gli stili del testo dello schema</a:t>
+            </a:r>
+          </a:p>
+          <a:p>
+            <a:pPr lvl="1"/>
+            <a:r>
+              <a:rPr lang="it-IT"/>
+              <a:t>Secondo livello</a:t>
+            </a:r>
+          </a:p>
+          <a:p>
+            <a:pPr lvl="2"/>
+            <a:r>
+              <a:rPr lang="it-IT"/>
+              <a:t>Terzo livello</a:t>
+            </a:r>
+          </a:p>
+          <a:p>
+            <a:pPr lvl="3"/>
+            <a:r>
+              <a:rPr lang="it-IT"/>
+              <a:t>Quarto livello</a:t>
+            </a:r>
+          </a:p>
+          <a:p>
+            <a:pPr lvl="4"/>
+            <a:r>
+              <a:rPr lang="it-IT"/>
+              <a:t>Quinto livello</a:t>
+            </a:r>
+          </a:p>
+        </p:txBody>
+      </p:sp>
+      <p:sp>
+        <p:nvSpPr>
+          <p:cNvPr id="6" name="Segnaposto piè di pagina 5"/>
+          <p:cNvSpPr>
+            <a:spLocks noGrp="1"/>
+          </p:cNvSpPr>
+          <p:nvPr>
+            <p:ph type="ftr" sz="quarter" idx="4"/>
+          </p:nvPr>
+        </p:nvSpPr>
+        <p:spPr>
+          <a:xfrm>
+            <a:off x="0" y="8685213"/>
+            <a:ext cx="2971800" cy="458787"/>
+          </a:xfrm>
+          <a:prstGeom prst="rect">
+            <a:avLst/>
+          </a:prstGeom>
+        </p:spPr>
+        <p:txBody>
+          <a:bodyPr vert="horz" lIns="91440" tIns="45720" rIns="91440" bIns="45720" rtlCol="0" anchor="b"/>
+          <a:lstStyle>
+            <a:lvl1pPr algn="l">
+              <a:defRPr sz="1200"/>
+            </a:lvl1pPr>
+          </a:lstStyle>
+          <a:p>
+            <a:endParaRPr lang="it-IT"/>
+          </a:p>
+        </p:txBody>
+      </p:sp>
+      <p:sp>
+        <p:nvSpPr>
+          <p:cNvPr id="7" name="Segnaposto numero diapositiva 6"/>
+          <p:cNvSpPr>
+            <a:spLocks noGrp="1"/>
+          </p:cNvSpPr>
+          <p:nvPr>
+            <p:ph type="sldNum" sz="quarter" idx="5"/>
+          </p:nvPr>
+        </p:nvSpPr>
+        <p:spPr>
+          <a:xfrm>
+            <a:off x="3884613" y="8685213"/>
+            <a:ext cx="2971800" cy="458787"/>
+          </a:xfrm>
+          <a:prstGeom prst="rect">
+            <a:avLst/>
+          </a:prstGeom>
+        </p:spPr>
+        <p:txBody>
+          <a:bodyPr vert="horz" lIns="91440" tIns="45720" rIns="91440" bIns="45720" rtlCol="0" anchor="b"/>
+          <a:lstStyle>
+            <a:lvl1pPr algn="r">
+              <a:defRPr sz="1200"/>
+            </a:lvl1pPr>
+          </a:lstStyle>
+          <a:p>
+            <a:fld id="{3F2DB5A4-1ADC-4498-B442-720211AEF2E0}" type="slidenum">
+              <a:rPr lang="it-IT" smtClean="0"/>
+              <a:t>‹N›</a:t>
+            </a:fld>
+            <a:endParaRPr lang="it-IT"/>
+          </a:p>
+        </p:txBody>
+      </p:sp>
+    </p:spTree>
+    <p:extLst>
+      <p:ext uri="{BB962C8B-B14F-4D97-AF65-F5344CB8AC3E}">
+        <p14:creationId xmlns:p14="http://schemas.microsoft.com/office/powerpoint/2010/main" val="3791825088"/>
+      </p:ext>
+    </p:extLst>
+  </p:cSld>
+  <p:clrMap bg1="lt1" tx1="dk1" bg2="lt2" tx2="dk2" accent1="accent1" accent2="accent2" accent3="accent3" accent4="accent4" accent5="accent5" accent6="accent6" hlink="hlink" folHlink="folHlink"/>
+  <p:notesStyle>
+    <a:lvl1pPr marL="0" algn="l" defTabSz="914400" rtl="0" eaLnBrk="1" latinLnBrk="0" hangingPunct="1">
+      <a:defRPr sz="1200" kern="1200">
+        <a:solidFill>
+          <a:schemeClr val="tx1"/>
+        </a:solidFill>
+        <a:latin typeface="+mn-lt"/>
+        <a:ea typeface="+mn-ea"/>
+        <a:cs typeface="+mn-cs"/>
+      </a:defRPr>
+    </a:lvl1pPr>
+    <a:lvl2pPr marL="457200" algn="l" defTabSz="914400" rtl="0" eaLnBrk="1" latinLnBrk="0" hangingPunct="1">
+      <a:defRPr sz="1200" kern="1200">
+        <a:solidFill>
+          <a:schemeClr val="tx1"/>
+        </a:solidFill>
+        <a:latin typeface="+mn-lt"/>
+        <a:ea typeface="+mn-ea"/>
+        <a:cs typeface="+mn-cs"/>
+      </a:defRPr>
+    </a:lvl2pPr>
+    <a:lvl3pPr marL="914400" algn="l" defTabSz="914400" rtl="0" eaLnBrk="1" latinLnBrk="0" hangingPunct="1">
+      <a:defRPr sz="1200" kern="1200">
+        <a:solidFill>
+          <a:schemeClr val="tx1"/>
+        </a:solidFill>
+        <a:latin typeface="+mn-lt"/>
+        <a:ea typeface="+mn-ea"/>
+        <a:cs typeface="+mn-cs"/>
+      </a:defRPr>
+    </a:lvl3pPr>
+    <a:lvl4pPr marL="1371600" algn="l" defTabSz="914400" rtl="0" eaLnBrk="1" latinLnBrk="0" hangingPunct="1">
+      <a:defRPr sz="1200" kern="1200">
+        <a:solidFill>
+          <a:schemeClr val="tx1"/>
+        </a:solidFill>
+        <a:latin typeface="+mn-lt"/>
+        <a:ea typeface="+mn-ea"/>
+        <a:cs typeface="+mn-cs"/>
+      </a:defRPr>
+    </a:lvl4pPr>
+    <a:lvl5pPr marL="1828800" algn="l" defTabSz="914400" rtl="0" eaLnBrk="1" latinLnBrk="0" hangingPunct="1">
+      <a:defRPr sz="1200" kern="1200">
+        <a:solidFill>
+          <a:schemeClr val="tx1"/>
+        </a:solidFill>
+        <a:latin typeface="+mn-lt"/>
+        <a:ea typeface="+mn-ea"/>
+        <a:cs typeface="+mn-cs"/>
+      </a:defRPr>
+    </a:lvl5pPr>
+    <a:lvl6pPr marL="2286000" algn="l" defTabSz="914400" rtl="0" eaLnBrk="1" latinLnBrk="0" hangingPunct="1">
+      <a:defRPr sz="1200" kern="1200">
+        <a:solidFill>
+          <a:schemeClr val="tx1"/>
+        </a:solidFill>
+        <a:latin typeface="+mn-lt"/>
+        <a:ea typeface="+mn-ea"/>
+        <a:cs typeface="+mn-cs"/>
+      </a:defRPr>
+    </a:lvl6pPr>
+    <a:lvl7pPr marL="2743200" algn="l" defTabSz="914400" rtl="0" eaLnBrk="1" latinLnBrk="0" hangingPunct="1">
+      <a:defRPr sz="1200" kern="1200">
+        <a:solidFill>
+          <a:schemeClr val="tx1"/>
+        </a:solidFill>
+        <a:latin typeface="+mn-lt"/>
+        <a:ea typeface="+mn-ea"/>
+        <a:cs typeface="+mn-cs"/>
+      </a:defRPr>
+    </a:lvl7pPr>
+    <a:lvl8pPr marL="3200400" algn="l" defTabSz="914400" rtl="0" eaLnBrk="1" latinLnBrk="0" hangingPunct="1">
+      <a:defRPr sz="1200" kern="1200">
+        <a:solidFill>
+          <a:schemeClr val="tx1"/>
+        </a:solidFill>
+        <a:latin typeface="+mn-lt"/>
+        <a:ea typeface="+mn-ea"/>
+        <a:cs typeface="+mn-cs"/>
+      </a:defRPr>
+    </a:lvl8pPr>
+    <a:lvl9pPr marL="3657600" algn="l" defTabSz="914400" rtl="0" eaLnBrk="1" latinLnBrk="0" hangingPunct="1">
+      <a:defRPr sz="1200" kern="1200">
+        <a:solidFill>
+          <a:schemeClr val="tx1"/>
+        </a:solidFill>
+        <a:latin typeface="+mn-lt"/>
+        <a:ea typeface="+mn-ea"/>
+        <a:cs typeface="+mn-cs"/>
+      </a:defRPr>
+    </a:lvl9pPr>
+  </p:notesStyle>
+</p:notesMaster>
+</file>
+
+<file path=ppt/notesSlides/notesSlide1.xml><?xml version="1.0" encoding="utf-8"?>
+<p:notes xmlns:a="http://schemas.openxmlformats.org/drawingml/2006/main" xmlns:r="http://schemas.openxmlformats.org/officeDocument/2006/relationships" xmlns:p="http://schemas.openxmlformats.org/presentationml/2006/main">
+  <p:cSld>
+    <p:spTree>
+      <p:nvGrpSpPr>
+        <p:cNvPr id="1" name="">
+          <a:extLst>
+            <a:ext uri="{FF2B5EF4-FFF2-40B4-BE49-F238E27FC236}">
+              <a16:creationId xmlns:a16="http://schemas.microsoft.com/office/drawing/2014/main" id="{510A136C-17F4-C1A9-BF4D-26F7434EB174}"/>
+            </a:ext>
+          </a:extLst>
+        </p:cNvPr>
+        <p:cNvGrpSpPr/>
+        <p:nvPr/>
+      </p:nvGrpSpPr>
+      <p:grpSpPr>
+        <a:xfrm>
+          <a:off x="0" y="0"/>
+          <a:ext cx="0" cy="0"/>
+          <a:chOff x="0" y="0"/>
+          <a:chExt cx="0" cy="0"/>
+        </a:xfrm>
+      </p:grpSpPr>
+      <p:sp>
+        <p:nvSpPr>
+          <p:cNvPr id="2" name="Segnaposto immagine diapositiva 1">
+            <a:extLst>
+              <a:ext uri="{FF2B5EF4-FFF2-40B4-BE49-F238E27FC236}">
+                <a16:creationId xmlns:a16="http://schemas.microsoft.com/office/drawing/2014/main" id="{0B400054-D276-0615-8E4E-2353AF5DE72E}"/>
+              </a:ext>
+            </a:extLst>
+          </p:cNvPr>
+          <p:cNvSpPr>
+            <a:spLocks noGrp="1" noRot="1" noChangeAspect="1"/>
+          </p:cNvSpPr>
+          <p:nvPr>
+            <p:ph type="sldImg"/>
+          </p:nvPr>
+        </p:nvSpPr>
+        <p:spPr/>
+      </p:sp>
+      <p:sp>
+        <p:nvSpPr>
+          <p:cNvPr id="3" name="Segnaposto note 2">
+            <a:extLst>
+              <a:ext uri="{FF2B5EF4-FFF2-40B4-BE49-F238E27FC236}">
+                <a16:creationId xmlns:a16="http://schemas.microsoft.com/office/drawing/2014/main" id="{C401CDA8-BEA7-3687-CE30-27B2F4F6A7F0}"/>
+              </a:ext>
+            </a:extLst>
+          </p:cNvPr>
+          <p:cNvSpPr>
+            <a:spLocks noGrp="1"/>
+          </p:cNvSpPr>
+          <p:nvPr>
+            <p:ph type="body" idx="1"/>
+          </p:nvPr>
+        </p:nvSpPr>
+        <p:spPr/>
+        <p:txBody>
+          <a:bodyPr/>
+          <a:lstStyle/>
+          <a:p>
+            <a:r>
+              <a:rPr lang="it-IT" dirty="0"/>
+              <a:t>Didi </a:t>
+            </a:r>
+            <a:r>
+              <a:rPr lang="it-IT" dirty="0" err="1"/>
+              <a:t>Chuxing</a:t>
+            </a:r>
+            <a:r>
+              <a:rPr lang="it-IT" dirty="0"/>
+              <a:t> implementa il monitoraggio telemetrico della guida (algoritmo di machine learning per verificare frenate brusche, accelerazioni brusche e altri parametri che definiscono una guida pericolosa.</a:t>
+            </a:r>
+          </a:p>
+        </p:txBody>
+      </p:sp>
+      <p:sp>
+        <p:nvSpPr>
+          <p:cNvPr id="4" name="Segnaposto numero diapositiva 3">
+            <a:extLst>
+              <a:ext uri="{FF2B5EF4-FFF2-40B4-BE49-F238E27FC236}">
+                <a16:creationId xmlns:a16="http://schemas.microsoft.com/office/drawing/2014/main" id="{291DD75F-5FDE-FBAC-A455-78538A9ECFCE}"/>
+              </a:ext>
+            </a:extLst>
+          </p:cNvPr>
+          <p:cNvSpPr>
+            <a:spLocks noGrp="1"/>
+          </p:cNvSpPr>
+          <p:nvPr>
+            <p:ph type="sldNum" sz="quarter" idx="5"/>
+          </p:nvPr>
+        </p:nvSpPr>
+        <p:spPr/>
+        <p:txBody>
+          <a:bodyPr/>
+          <a:lstStyle/>
+          <a:p>
+            <a:fld id="{3F2DB5A4-1ADC-4498-B442-720211AEF2E0}" type="slidenum">
+              <a:rPr lang="it-IT" smtClean="0"/>
+              <a:t>2</a:t>
+            </a:fld>
+            <a:endParaRPr lang="it-IT"/>
+          </a:p>
+        </p:txBody>
+      </p:sp>
+    </p:spTree>
+    <p:extLst>
+      <p:ext uri="{BB962C8B-B14F-4D97-AF65-F5344CB8AC3E}">
+        <p14:creationId xmlns:p14="http://schemas.microsoft.com/office/powerpoint/2010/main" val="3003293312"/>
+      </p:ext>
+    </p:extLst>
+  </p:cSld>
+  <p:clrMapOvr>
+    <a:masterClrMapping/>
+  </p:clrMapOvr>
+</p:notes>
+</file>
+
+<file path=ppt/notesSlides/notesSlide2.xml><?xml version="1.0" encoding="utf-8"?>
+<p:notes xmlns:a="http://schemas.openxmlformats.org/drawingml/2006/main" xmlns:r="http://schemas.openxmlformats.org/officeDocument/2006/relationships" xmlns:p="http://schemas.openxmlformats.org/presentationml/2006/main">
+  <p:cSld>
+    <p:spTree>
+      <p:nvGrpSpPr>
+        <p:cNvPr id="1" name="">
+          <a:extLst>
+            <a:ext uri="{FF2B5EF4-FFF2-40B4-BE49-F238E27FC236}">
+              <a16:creationId xmlns:a16="http://schemas.microsoft.com/office/drawing/2014/main" id="{E6CDB94E-25EB-9D9C-9D9D-1BDA47289AAF}"/>
+            </a:ext>
+          </a:extLst>
+        </p:cNvPr>
+        <p:cNvGrpSpPr/>
+        <p:nvPr/>
+      </p:nvGrpSpPr>
+      <p:grpSpPr>
+        <a:xfrm>
+          <a:off x="0" y="0"/>
+          <a:ext cx="0" cy="0"/>
+          <a:chOff x="0" y="0"/>
+          <a:chExt cx="0" cy="0"/>
+        </a:xfrm>
+      </p:grpSpPr>
+      <p:sp>
+        <p:nvSpPr>
+          <p:cNvPr id="2" name="Segnaposto immagine diapositiva 1">
+            <a:extLst>
+              <a:ext uri="{FF2B5EF4-FFF2-40B4-BE49-F238E27FC236}">
+                <a16:creationId xmlns:a16="http://schemas.microsoft.com/office/drawing/2014/main" id="{8F76C19F-52EC-EDDE-9B43-B6085297F576}"/>
+              </a:ext>
+            </a:extLst>
+          </p:cNvPr>
+          <p:cNvSpPr>
+            <a:spLocks noGrp="1" noRot="1" noChangeAspect="1"/>
+          </p:cNvSpPr>
+          <p:nvPr>
+            <p:ph type="sldImg"/>
+          </p:nvPr>
+        </p:nvSpPr>
+        <p:spPr/>
+      </p:sp>
+      <p:sp>
+        <p:nvSpPr>
+          <p:cNvPr id="3" name="Segnaposto note 2">
+            <a:extLst>
+              <a:ext uri="{FF2B5EF4-FFF2-40B4-BE49-F238E27FC236}">
+                <a16:creationId xmlns:a16="http://schemas.microsoft.com/office/drawing/2014/main" id="{EAF88D69-D092-E162-7B55-B2009468C62F}"/>
+              </a:ext>
+            </a:extLst>
+          </p:cNvPr>
+          <p:cNvSpPr>
+            <a:spLocks noGrp="1"/>
+          </p:cNvSpPr>
+          <p:nvPr>
+            <p:ph type="body" idx="1"/>
+          </p:nvPr>
+        </p:nvSpPr>
+        <p:spPr/>
+        <p:txBody>
+          <a:bodyPr/>
+          <a:lstStyle/>
+          <a:p>
+            <a:r>
+              <a:rPr lang="it-IT" dirty="0"/>
+              <a:t>Didi </a:t>
+            </a:r>
+            <a:r>
+              <a:rPr lang="it-IT" dirty="0" err="1"/>
+              <a:t>Chuxing</a:t>
+            </a:r>
+            <a:r>
+              <a:rPr lang="it-IT" dirty="0"/>
+              <a:t> implementa il monitoraggio telemetrico della guida (algoritmo di machine learning per verificare frenate brusche, accelerazioni brusche e altri parametri che definiscono una guida pericolosa.</a:t>
+            </a:r>
+          </a:p>
+        </p:txBody>
+      </p:sp>
+      <p:sp>
+        <p:nvSpPr>
+          <p:cNvPr id="4" name="Segnaposto numero diapositiva 3">
+            <a:extLst>
+              <a:ext uri="{FF2B5EF4-FFF2-40B4-BE49-F238E27FC236}">
+                <a16:creationId xmlns:a16="http://schemas.microsoft.com/office/drawing/2014/main" id="{37DC71B0-5AFC-4616-F3D7-A737F0B4344D}"/>
+              </a:ext>
+            </a:extLst>
+          </p:cNvPr>
+          <p:cNvSpPr>
+            <a:spLocks noGrp="1"/>
+          </p:cNvSpPr>
+          <p:nvPr>
+            <p:ph type="sldNum" sz="quarter" idx="5"/>
+          </p:nvPr>
+        </p:nvSpPr>
+        <p:spPr/>
+        <p:txBody>
+          <a:bodyPr/>
+          <a:lstStyle/>
+          <a:p>
+            <a:fld id="{3F2DB5A4-1ADC-4498-B442-720211AEF2E0}" type="slidenum">
+              <a:rPr lang="it-IT" smtClean="0"/>
+              <a:t>3</a:t>
+            </a:fld>
+            <a:endParaRPr lang="it-IT"/>
+          </a:p>
+        </p:txBody>
+      </p:sp>
+    </p:spTree>
+    <p:extLst>
+      <p:ext uri="{BB962C8B-B14F-4D97-AF65-F5344CB8AC3E}">
+        <p14:creationId xmlns:p14="http://schemas.microsoft.com/office/powerpoint/2010/main" val="2035355348"/>
+      </p:ext>
+    </p:extLst>
+  </p:cSld>
+  <p:clrMapOvr>
+    <a:masterClrMapping/>
+  </p:clrMapOvr>
+</p:notes>
+</file>
+
+<file path=ppt/notesSlides/notesSlide3.xml><?xml version="1.0" encoding="utf-8"?>
+<p:notes xmlns:a="http://schemas.openxmlformats.org/drawingml/2006/main" xmlns:r="http://schemas.openxmlformats.org/officeDocument/2006/relationships" xmlns:p="http://schemas.openxmlformats.org/presentationml/2006/main">
+  <p:cSld>
+    <p:spTree>
+      <p:nvGrpSpPr>
+        <p:cNvPr id="1" name=""/>
+        <p:cNvGrpSpPr/>
+        <p:nvPr/>
+      </p:nvGrpSpPr>
+      <p:grpSpPr>
+        <a:xfrm>
+          <a:off x="0" y="0"/>
+          <a:ext cx="0" cy="0"/>
+          <a:chOff x="0" y="0"/>
+          <a:chExt cx="0" cy="0"/>
+        </a:xfrm>
+      </p:grpSpPr>
+      <p:sp>
+        <p:nvSpPr>
+          <p:cNvPr id="2" name="Segnaposto immagine diapositiva 1"/>
+          <p:cNvSpPr>
+            <a:spLocks noGrp="1" noRot="1" noChangeAspect="1"/>
+          </p:cNvSpPr>
+          <p:nvPr>
+            <p:ph type="sldImg"/>
+          </p:nvPr>
+        </p:nvSpPr>
+        <p:spPr/>
+      </p:sp>
+      <p:sp>
+        <p:nvSpPr>
+          <p:cNvPr id="3" name="Segnaposto note 2"/>
+          <p:cNvSpPr>
+            <a:spLocks noGrp="1"/>
+          </p:cNvSpPr>
+          <p:nvPr>
+            <p:ph type="body" idx="1"/>
+          </p:nvPr>
+        </p:nvSpPr>
+        <p:spPr/>
+        <p:txBody>
+          <a:bodyPr/>
+          <a:lstStyle/>
+          <a:p>
+            <a:r>
+              <a:rPr lang="it-IT" dirty="0"/>
+              <a:t>Didi </a:t>
+            </a:r>
+            <a:r>
+              <a:rPr lang="it-IT" dirty="0" err="1"/>
+              <a:t>Chuxing</a:t>
+            </a:r>
+            <a:r>
+              <a:rPr lang="it-IT" dirty="0"/>
+              <a:t> implementa il monitoraggio telemetrico della guida (algoritmo di machine learning per verificare frenate brusche, accelerazioni brusche e altri parametri che definiscono una guida pericolosa.</a:t>
+            </a:r>
+          </a:p>
+        </p:txBody>
+      </p:sp>
+      <p:sp>
+        <p:nvSpPr>
+          <p:cNvPr id="4" name="Segnaposto numero diapositiva 3"/>
+          <p:cNvSpPr>
+            <a:spLocks noGrp="1"/>
+          </p:cNvSpPr>
+          <p:nvPr>
+            <p:ph type="sldNum" sz="quarter" idx="5"/>
+          </p:nvPr>
+        </p:nvSpPr>
+        <p:spPr/>
+        <p:txBody>
+          <a:bodyPr/>
+          <a:lstStyle/>
+          <a:p>
+            <a:fld id="{3F2DB5A4-1ADC-4498-B442-720211AEF2E0}" type="slidenum">
+              <a:rPr lang="it-IT" smtClean="0"/>
+              <a:t>4</a:t>
+            </a:fld>
+            <a:endParaRPr lang="it-IT"/>
+          </a:p>
+        </p:txBody>
+      </p:sp>
+    </p:spTree>
+    <p:extLst>
+      <p:ext uri="{BB962C8B-B14F-4D97-AF65-F5344CB8AC3E}">
+        <p14:creationId xmlns:p14="http://schemas.microsoft.com/office/powerpoint/2010/main" val="2431964140"/>
+      </p:ext>
+    </p:extLst>
+  </p:cSld>
+  <p:clrMapOvr>
+    <a:masterClrMapping/>
+  </p:clrMapOvr>
+</p:notes>
 </file>
 
 <file path=ppt/slideLayouts/slideLayout1.xml><?xml version="1.0" encoding="utf-8"?>
@@ -255,7 +947,7 @@
           <a:p>
             <a:fld id="{F648D57F-990B-4693-B9DF-7283B5F03356}" type="datetimeFigureOut">
               <a:rPr lang="it-IT" smtClean="0"/>
-              <a:t>07/11/2024</a:t>
+              <a:t>13/11/2024</a:t>
             </a:fld>
             <a:endParaRPr lang="it-IT"/>
           </a:p>
@@ -453,7 +1145,7 @@
           <a:p>
             <a:fld id="{F648D57F-990B-4693-B9DF-7283B5F03356}" type="datetimeFigureOut">
               <a:rPr lang="it-IT" smtClean="0"/>
-              <a:t>07/11/2024</a:t>
+              <a:t>13/11/2024</a:t>
             </a:fld>
             <a:endParaRPr lang="it-IT"/>
           </a:p>
@@ -661,7 +1353,7 @@
           <a:p>
             <a:fld id="{F648D57F-990B-4693-B9DF-7283B5F03356}" type="datetimeFigureOut">
               <a:rPr lang="it-IT" smtClean="0"/>
-              <a:t>07/11/2024</a:t>
+              <a:t>13/11/2024</a:t>
             </a:fld>
             <a:endParaRPr lang="it-IT"/>
           </a:p>
@@ -859,7 +1551,7 @@
           <a:p>
             <a:fld id="{F648D57F-990B-4693-B9DF-7283B5F03356}" type="datetimeFigureOut">
               <a:rPr lang="it-IT" smtClean="0"/>
-              <a:t>07/11/2024</a:t>
+              <a:t>13/11/2024</a:t>
             </a:fld>
             <a:endParaRPr lang="it-IT"/>
           </a:p>
@@ -1134,7 +1826,7 @@
           <a:p>
             <a:fld id="{F648D57F-990B-4693-B9DF-7283B5F03356}" type="datetimeFigureOut">
               <a:rPr lang="it-IT" smtClean="0"/>
-              <a:t>07/11/2024</a:t>
+              <a:t>13/11/2024</a:t>
             </a:fld>
             <a:endParaRPr lang="it-IT"/>
           </a:p>
@@ -1399,7 +2091,7 @@
           <a:p>
             <a:fld id="{F648D57F-990B-4693-B9DF-7283B5F03356}" type="datetimeFigureOut">
               <a:rPr lang="it-IT" smtClean="0"/>
-              <a:t>07/11/2024</a:t>
+              <a:t>13/11/2024</a:t>
             </a:fld>
             <a:endParaRPr lang="it-IT"/>
           </a:p>
@@ -1811,7 +2503,7 @@
           <a:p>
             <a:fld id="{F648D57F-990B-4693-B9DF-7283B5F03356}" type="datetimeFigureOut">
               <a:rPr lang="it-IT" smtClean="0"/>
-              <a:t>07/11/2024</a:t>
+              <a:t>13/11/2024</a:t>
             </a:fld>
             <a:endParaRPr lang="it-IT"/>
           </a:p>
@@ -1952,7 +2644,7 @@
           <a:p>
             <a:fld id="{F648D57F-990B-4693-B9DF-7283B5F03356}" type="datetimeFigureOut">
               <a:rPr lang="it-IT" smtClean="0"/>
-              <a:t>07/11/2024</a:t>
+              <a:t>13/11/2024</a:t>
             </a:fld>
             <a:endParaRPr lang="it-IT"/>
           </a:p>
@@ -2065,7 +2757,7 @@
           <a:p>
             <a:fld id="{F648D57F-990B-4693-B9DF-7283B5F03356}" type="datetimeFigureOut">
               <a:rPr lang="it-IT" smtClean="0"/>
-              <a:t>07/11/2024</a:t>
+              <a:t>13/11/2024</a:t>
             </a:fld>
             <a:endParaRPr lang="it-IT"/>
           </a:p>
@@ -2376,7 +3068,7 @@
           <a:p>
             <a:fld id="{F648D57F-990B-4693-B9DF-7283B5F03356}" type="datetimeFigureOut">
               <a:rPr lang="it-IT" smtClean="0"/>
-              <a:t>07/11/2024</a:t>
+              <a:t>13/11/2024</a:t>
             </a:fld>
             <a:endParaRPr lang="it-IT"/>
           </a:p>
@@ -2664,7 +3356,7 @@
           <a:p>
             <a:fld id="{F648D57F-990B-4693-B9DF-7283B5F03356}" type="datetimeFigureOut">
               <a:rPr lang="it-IT" smtClean="0"/>
-              <a:t>07/11/2024</a:t>
+              <a:t>13/11/2024</a:t>
             </a:fld>
             <a:endParaRPr lang="it-IT"/>
           </a:p>
@@ -2905,7 +3597,7 @@
           <a:p>
             <a:fld id="{F648D57F-990B-4693-B9DF-7283B5F03356}" type="datetimeFigureOut">
               <a:rPr lang="it-IT" smtClean="0"/>
-              <a:t>07/11/2024</a:t>
+              <a:t>13/11/2024</a:t>
             </a:fld>
             <a:endParaRPr lang="it-IT"/>
           </a:p>
@@ -3311,7 +4003,7 @@
     <p:bg>
       <p:bgPr>
         <a:solidFill>
-          <a:srgbClr val="2D3142"/>
+          <a:srgbClr val="0D0628"/>
         </a:solidFill>
         <a:effectLst/>
       </p:bgPr>
@@ -3485,9 +4177,9 @@
         <p:grpSpPr>
           <a:xfrm>
             <a:off x="1643692" y="2163068"/>
-            <a:ext cx="8904617" cy="888337"/>
+            <a:ext cx="8904617" cy="1103780"/>
             <a:chOff x="1643688" y="2144018"/>
-            <a:chExt cx="8904617" cy="888337"/>
+            <a:chExt cx="8904617" cy="1103780"/>
           </a:xfrm>
         </p:grpSpPr>
         <p:sp>
@@ -3505,7 +4197,7 @@
           <p:spPr>
             <a:xfrm>
               <a:off x="1643688" y="2478357"/>
-              <a:ext cx="8904617" cy="553998"/>
+              <a:ext cx="8904617" cy="769441"/>
             </a:xfrm>
             <a:prstGeom prst="rect">
               <a:avLst/>
@@ -3520,24 +4212,24 @@
             <a:p>
               <a:pPr algn="ctr"/>
               <a:r>
-                <a:rPr lang="en-US" sz="3000" b="1" dirty="0" err="1">
+                <a:rPr lang="en-US" sz="4400" b="1" dirty="0" err="1">
+                  <a:solidFill>
+                    <a:srgbClr val="DA627D"/>
+                  </a:solidFill>
+                </a:rPr>
+                <a:t>Mood</a:t>
+              </a:r>
+              <a:r>
+                <a:rPr lang="en-US" sz="4400" b="1" dirty="0" err="1">
                   <a:solidFill>
                     <a:schemeClr val="bg1"/>
                   </a:solidFill>
                 </a:rPr>
-                <a:t>Cruise</a:t>
+                <a:t>Pilot</a:t>
               </a:r>
-              <a:r>
-                <a:rPr lang="en-US" sz="3000" b="1" dirty="0" err="1">
-                  <a:solidFill>
-                    <a:srgbClr val="EF8354"/>
-                  </a:solidFill>
-                </a:rPr>
-                <a:t>Control</a:t>
-              </a:r>
-              <a:endParaRPr lang="it-IT" sz="3000" b="1" dirty="0">
+              <a:endParaRPr lang="it-IT" sz="4400" b="1" dirty="0">
                 <a:solidFill>
-                  <a:srgbClr val="EF8354"/>
+                  <a:srgbClr val="DA627D"/>
                 </a:solidFill>
               </a:endParaRPr>
             </a:p>
@@ -3932,7 +4624,7 @@
                       <a:schemeClr val="bg1"/>
                     </a:solidFill>
                   </a:rPr>
-                  <a:t>STUDENT</a:t>
+                  <a:t>STUDENTS</a:t>
                 </a:r>
               </a:p>
             </p:txBody>
@@ -3953,8 +4645,8 @@
             </p:nvCxnSpPr>
             <p:spPr>
               <a:xfrm>
-                <a:off x="8952478" y="4299605"/>
-                <a:ext cx="928687" cy="0"/>
+                <a:off x="8855528" y="4299605"/>
+                <a:ext cx="1025637" cy="0"/>
               </a:xfrm>
               <a:prstGeom prst="line">
                 <a:avLst/>
@@ -4001,7 +4693,1064 @@
     <p:bg>
       <p:bgPr>
         <a:solidFill>
-          <a:srgbClr val="2D3142"/>
+          <a:srgbClr val="0D0628"/>
+        </a:solidFill>
+        <a:effectLst/>
+      </p:bgPr>
+    </p:bg>
+    <p:spTree>
+      <p:nvGrpSpPr>
+        <p:cNvPr id="1" name="">
+          <a:extLst>
+            <a:ext uri="{FF2B5EF4-FFF2-40B4-BE49-F238E27FC236}">
+              <a16:creationId xmlns:a16="http://schemas.microsoft.com/office/drawing/2014/main" id="{84027BA3-7AC2-92BC-91DE-BD7C67F87434}"/>
+            </a:ext>
+          </a:extLst>
+        </p:cNvPr>
+        <p:cNvGrpSpPr/>
+        <p:nvPr/>
+      </p:nvGrpSpPr>
+      <p:grpSpPr>
+        <a:xfrm>
+          <a:off x="0" y="0"/>
+          <a:ext cx="0" cy="0"/>
+          <a:chOff x="0" y="0"/>
+          <a:chExt cx="0" cy="0"/>
+        </a:xfrm>
+      </p:grpSpPr>
+      <p:sp>
+        <p:nvSpPr>
+          <p:cNvPr id="6" name="CasellaDiTesto 5">
+            <a:extLst>
+              <a:ext uri="{FF2B5EF4-FFF2-40B4-BE49-F238E27FC236}">
+                <a16:creationId xmlns:a16="http://schemas.microsoft.com/office/drawing/2014/main" id="{784E3A96-FF7F-6D64-0372-4A7E89628AD3}"/>
+              </a:ext>
+            </a:extLst>
+          </p:cNvPr>
+          <p:cNvSpPr txBox="1"/>
+          <p:nvPr/>
+        </p:nvSpPr>
+        <p:spPr>
+          <a:xfrm>
+            <a:off x="3335453" y="385551"/>
+            <a:ext cx="5521087" cy="400110"/>
+          </a:xfrm>
+          <a:prstGeom prst="rect">
+            <a:avLst/>
+          </a:prstGeom>
+          <a:noFill/>
+        </p:spPr>
+        <p:txBody>
+          <a:bodyPr wrap="square" rtlCol="0">
+            <a:spAutoFit/>
+          </a:bodyPr>
+          <a:lstStyle/>
+          <a:p>
+            <a:pPr algn="ctr"/>
+            <a:r>
+              <a:rPr lang="it-IT" sz="2000" b="1" dirty="0">
+                <a:solidFill>
+                  <a:schemeClr val="bg1"/>
+                </a:solidFill>
+              </a:rPr>
+              <a:t>STATE</a:t>
+            </a:r>
+            <a:r>
+              <a:rPr lang="it-IT" sz="2000" dirty="0">
+                <a:solidFill>
+                  <a:schemeClr val="bg1"/>
+                </a:solidFill>
+              </a:rPr>
+              <a:t> OF THE </a:t>
+            </a:r>
+            <a:r>
+              <a:rPr lang="it-IT" sz="2000" b="1" dirty="0">
+                <a:solidFill>
+                  <a:schemeClr val="bg1"/>
+                </a:solidFill>
+              </a:rPr>
+              <a:t>ART</a:t>
+            </a:r>
+          </a:p>
+        </p:txBody>
+      </p:sp>
+      <p:cxnSp>
+        <p:nvCxnSpPr>
+          <p:cNvPr id="3" name="Connettore diritto 2">
+            <a:extLst>
+              <a:ext uri="{FF2B5EF4-FFF2-40B4-BE49-F238E27FC236}">
+                <a16:creationId xmlns:a16="http://schemas.microsoft.com/office/drawing/2014/main" id="{F4D495AF-263A-5DF6-98EA-017B69B63FF5}"/>
+              </a:ext>
+            </a:extLst>
+          </p:cNvPr>
+          <p:cNvCxnSpPr>
+            <a:cxnSpLocks/>
+          </p:cNvCxnSpPr>
+          <p:nvPr/>
+        </p:nvCxnSpPr>
+        <p:spPr>
+          <a:xfrm>
+            <a:off x="5651521" y="874265"/>
+            <a:ext cx="888959" cy="0"/>
+          </a:xfrm>
+          <a:prstGeom prst="line">
+            <a:avLst/>
+          </a:prstGeom>
+          <a:ln w="28575">
+            <a:solidFill>
+              <a:srgbClr val="DA627D"/>
+            </a:solidFill>
+          </a:ln>
+        </p:spPr>
+        <p:style>
+          <a:lnRef idx="2">
+            <a:schemeClr val="accent1"/>
+          </a:lnRef>
+          <a:fillRef idx="0">
+            <a:schemeClr val="accent1"/>
+          </a:fillRef>
+          <a:effectRef idx="1">
+            <a:schemeClr val="accent1"/>
+          </a:effectRef>
+          <a:fontRef idx="minor">
+            <a:schemeClr val="tx1"/>
+          </a:fontRef>
+        </p:style>
+      </p:cxnSp>
+      <p:pic>
+        <p:nvPicPr>
+          <p:cNvPr id="20" name="Immagine 19" descr="Immagine che contiene simbolo, clipart, cerchio, Elementi grafici&#10;&#10;Descrizione generata automaticamente">
+            <a:extLst>
+              <a:ext uri="{FF2B5EF4-FFF2-40B4-BE49-F238E27FC236}">
+                <a16:creationId xmlns:a16="http://schemas.microsoft.com/office/drawing/2014/main" id="{B5F1072A-5E7F-071E-44C9-0C4C7EB8D3C4}"/>
+              </a:ext>
+            </a:extLst>
+          </p:cNvPr>
+          <p:cNvPicPr>
+            <a:picLocks noChangeAspect="1"/>
+          </p:cNvPicPr>
+          <p:nvPr/>
+        </p:nvPicPr>
+        <p:blipFill>
+          <a:blip r:embed="rId3">
+            <a:extLst>
+              <a:ext uri="{28A0092B-C50C-407E-A947-70E740481C1C}">
+                <a14:useLocalDpi xmlns:a14="http://schemas.microsoft.com/office/drawing/2010/main" val="0"/>
+              </a:ext>
+            </a:extLst>
+          </a:blip>
+          <a:stretch>
+            <a:fillRect/>
+          </a:stretch>
+        </p:blipFill>
+        <p:spPr>
+          <a:xfrm>
+            <a:off x="8024558" y="1520888"/>
+            <a:ext cx="712690" cy="712690"/>
+          </a:xfrm>
+          <a:prstGeom prst="rect">
+            <a:avLst/>
+          </a:prstGeom>
+        </p:spPr>
+      </p:pic>
+      <p:grpSp>
+        <p:nvGrpSpPr>
+          <p:cNvPr id="41" name="Gruppo 40">
+            <a:extLst>
+              <a:ext uri="{FF2B5EF4-FFF2-40B4-BE49-F238E27FC236}">
+                <a16:creationId xmlns:a16="http://schemas.microsoft.com/office/drawing/2014/main" id="{B745860E-7F50-1527-5330-D5D0552C3CF7}"/>
+              </a:ext>
+            </a:extLst>
+          </p:cNvPr>
+          <p:cNvGrpSpPr/>
+          <p:nvPr/>
+        </p:nvGrpSpPr>
+        <p:grpSpPr>
+          <a:xfrm>
+            <a:off x="7994042" y="504528"/>
+            <a:ext cx="1953185" cy="712691"/>
+            <a:chOff x="2910529" y="3540985"/>
+            <a:chExt cx="6370944" cy="2324672"/>
+          </a:xfrm>
+        </p:grpSpPr>
+        <p:pic>
+          <p:nvPicPr>
+            <p:cNvPr id="22" name="Immagine 21" descr="Immagine che contiene clipart, Elementi grafici, bianco, design&#10;&#10;Descrizione generata automaticamente">
+              <a:extLst>
+                <a:ext uri="{FF2B5EF4-FFF2-40B4-BE49-F238E27FC236}">
+                  <a16:creationId xmlns:a16="http://schemas.microsoft.com/office/drawing/2014/main" id="{472509DC-58FF-C9A4-416F-B9977DCE04ED}"/>
+                </a:ext>
+              </a:extLst>
+            </p:cNvPr>
+            <p:cNvPicPr>
+              <a:picLocks noChangeAspect="1"/>
+            </p:cNvPicPr>
+            <p:nvPr/>
+          </p:nvPicPr>
+          <p:blipFill>
+            <a:blip r:embed="rId4">
+              <a:extLst>
+                <a:ext uri="{28A0092B-C50C-407E-A947-70E740481C1C}">
+                  <a14:useLocalDpi xmlns:a14="http://schemas.microsoft.com/office/drawing/2010/main" val="0"/>
+                </a:ext>
+              </a:extLst>
+            </a:blip>
+            <a:stretch>
+              <a:fillRect/>
+            </a:stretch>
+          </p:blipFill>
+          <p:spPr>
+            <a:xfrm>
+              <a:off x="2910529" y="3540985"/>
+              <a:ext cx="2324672" cy="2324672"/>
+            </a:xfrm>
+            <a:prstGeom prst="rect">
+              <a:avLst/>
+            </a:prstGeom>
+          </p:spPr>
+        </p:pic>
+        <p:pic>
+          <p:nvPicPr>
+            <p:cNvPr id="36" name="Immagine 35" descr="Immagine che contiene cerchio, simbolo, clipart, Elementi grafici&#10;&#10;Descrizione generata automaticamente">
+              <a:extLst>
+                <a:ext uri="{FF2B5EF4-FFF2-40B4-BE49-F238E27FC236}">
+                  <a16:creationId xmlns:a16="http://schemas.microsoft.com/office/drawing/2014/main" id="{65E4EF61-F80E-7852-8EC8-B2EA5C0A959A}"/>
+                </a:ext>
+              </a:extLst>
+            </p:cNvPr>
+            <p:cNvPicPr>
+              <a:picLocks noChangeAspect="1"/>
+            </p:cNvPicPr>
+            <p:nvPr/>
+          </p:nvPicPr>
+          <p:blipFill>
+            <a:blip r:embed="rId5">
+              <a:extLst>
+                <a:ext uri="{28A0092B-C50C-407E-A947-70E740481C1C}">
+                  <a14:useLocalDpi xmlns:a14="http://schemas.microsoft.com/office/drawing/2010/main" val="0"/>
+                </a:ext>
+              </a:extLst>
+            </a:blip>
+            <a:stretch>
+              <a:fillRect/>
+            </a:stretch>
+          </p:blipFill>
+          <p:spPr>
+            <a:xfrm>
+              <a:off x="6956801" y="3540985"/>
+              <a:ext cx="2324672" cy="2324672"/>
+            </a:xfrm>
+            <a:prstGeom prst="rect">
+              <a:avLst/>
+            </a:prstGeom>
+          </p:spPr>
+        </p:pic>
+        <p:pic>
+          <p:nvPicPr>
+            <p:cNvPr id="38" name="Immagine 37" descr="Immagine che contiene Elementi grafici, Carattere, simbolo, grafica&#10;&#10;Descrizione generata automaticamente">
+              <a:extLst>
+                <a:ext uri="{FF2B5EF4-FFF2-40B4-BE49-F238E27FC236}">
+                  <a16:creationId xmlns:a16="http://schemas.microsoft.com/office/drawing/2014/main" id="{4F4BED34-714D-E091-F07F-567045F09E53}"/>
+                </a:ext>
+              </a:extLst>
+            </p:cNvPr>
+            <p:cNvPicPr>
+              <a:picLocks noChangeAspect="1"/>
+            </p:cNvPicPr>
+            <p:nvPr/>
+          </p:nvPicPr>
+          <p:blipFill>
+            <a:blip r:embed="rId6">
+              <a:extLst>
+                <a:ext uri="{28A0092B-C50C-407E-A947-70E740481C1C}">
+                  <a14:useLocalDpi xmlns:a14="http://schemas.microsoft.com/office/drawing/2010/main" val="0"/>
+                </a:ext>
+              </a:extLst>
+            </a:blip>
+            <a:stretch>
+              <a:fillRect/>
+            </a:stretch>
+          </p:blipFill>
+          <p:spPr>
+            <a:xfrm>
+              <a:off x="5334736" y="4086283"/>
+              <a:ext cx="1234075" cy="1234075"/>
+            </a:xfrm>
+            <a:prstGeom prst="rect">
+              <a:avLst/>
+            </a:prstGeom>
+          </p:spPr>
+        </p:pic>
+      </p:grpSp>
+      <p:sp>
+        <p:nvSpPr>
+          <p:cNvPr id="43" name="CasellaDiTesto 42">
+            <a:extLst>
+              <a:ext uri="{FF2B5EF4-FFF2-40B4-BE49-F238E27FC236}">
+                <a16:creationId xmlns:a16="http://schemas.microsoft.com/office/drawing/2014/main" id="{0AD48CC1-010B-EB51-14AB-7EDFBEA07D22}"/>
+              </a:ext>
+            </a:extLst>
+          </p:cNvPr>
+          <p:cNvSpPr txBox="1"/>
+          <p:nvPr/>
+        </p:nvSpPr>
+        <p:spPr>
+          <a:xfrm>
+            <a:off x="422886" y="1811999"/>
+            <a:ext cx="8433654" cy="400110"/>
+          </a:xfrm>
+          <a:prstGeom prst="rect">
+            <a:avLst/>
+          </a:prstGeom>
+          <a:noFill/>
+        </p:spPr>
+        <p:txBody>
+          <a:bodyPr wrap="square" rtlCol="0">
+            <a:spAutoFit/>
+          </a:bodyPr>
+          <a:lstStyle/>
+          <a:p>
+            <a:r>
+              <a:rPr lang="it-IT" sz="2000" b="1" dirty="0" err="1">
+                <a:solidFill>
+                  <a:schemeClr val="bg1"/>
+                </a:solidFill>
+              </a:rPr>
+              <a:t>Facial</a:t>
+            </a:r>
+            <a:r>
+              <a:rPr lang="it-IT" sz="2000" b="1" dirty="0">
+                <a:solidFill>
+                  <a:schemeClr val="bg1"/>
+                </a:solidFill>
+              </a:rPr>
+              <a:t> </a:t>
+            </a:r>
+            <a:r>
+              <a:rPr lang="it-IT" sz="2000" b="1" dirty="0" err="1">
+                <a:solidFill>
+                  <a:schemeClr val="bg1"/>
+                </a:solidFill>
+              </a:rPr>
+              <a:t>Expression</a:t>
+            </a:r>
+            <a:r>
+              <a:rPr lang="it-IT" sz="2000" b="1" dirty="0">
+                <a:solidFill>
+                  <a:schemeClr val="bg1"/>
+                </a:solidFill>
+              </a:rPr>
+              <a:t> </a:t>
+            </a:r>
+            <a:r>
+              <a:rPr lang="it-IT" sz="2000" b="1" dirty="0" err="1">
+                <a:solidFill>
+                  <a:schemeClr val="bg1"/>
+                </a:solidFill>
+              </a:rPr>
+              <a:t>Recognition</a:t>
+            </a:r>
+            <a:r>
+              <a:rPr lang="it-IT" sz="2000" b="1" dirty="0">
+                <a:solidFill>
+                  <a:schemeClr val="bg1"/>
+                </a:solidFill>
+              </a:rPr>
+              <a:t> (FER) in Automotive </a:t>
+            </a:r>
+            <a:r>
+              <a:rPr lang="it-IT" sz="2000" b="1" dirty="0" err="1">
+                <a:solidFill>
+                  <a:schemeClr val="bg1"/>
+                </a:solidFill>
+              </a:rPr>
+              <a:t>Contexts</a:t>
+            </a:r>
+            <a:endParaRPr lang="it-IT" sz="2000" b="1" dirty="0">
+              <a:solidFill>
+                <a:schemeClr val="bg1"/>
+              </a:solidFill>
+            </a:endParaRPr>
+          </a:p>
+        </p:txBody>
+      </p:sp>
+      <p:sp>
+        <p:nvSpPr>
+          <p:cNvPr id="49" name="CasellaDiTesto 48">
+            <a:extLst>
+              <a:ext uri="{FF2B5EF4-FFF2-40B4-BE49-F238E27FC236}">
+                <a16:creationId xmlns:a16="http://schemas.microsoft.com/office/drawing/2014/main" id="{166E565A-DABA-773E-E064-2EFA2CFAA40A}"/>
+              </a:ext>
+            </a:extLst>
+          </p:cNvPr>
+          <p:cNvSpPr txBox="1"/>
+          <p:nvPr/>
+        </p:nvSpPr>
+        <p:spPr>
+          <a:xfrm>
+            <a:off x="128302" y="2828358"/>
+            <a:ext cx="12063698" cy="4708981"/>
+          </a:xfrm>
+          <a:prstGeom prst="rect">
+            <a:avLst/>
+          </a:prstGeom>
+          <a:noFill/>
+        </p:spPr>
+        <p:txBody>
+          <a:bodyPr wrap="square" rtlCol="0">
+            <a:spAutoFit/>
+          </a:bodyPr>
+          <a:lstStyle/>
+          <a:p>
+            <a:pPr algn="ctr"/>
+            <a:r>
+              <a:rPr lang="en-US" sz="2000" dirty="0">
+                <a:solidFill>
+                  <a:schemeClr val="bg1"/>
+                </a:solidFill>
+              </a:rPr>
+              <a:t>Recent research has explored FER integration in vehicles to enhance passenger safety and experience. Key studies include:</a:t>
+            </a:r>
+          </a:p>
+          <a:p>
+            <a:pPr algn="ctr"/>
+            <a:r>
+              <a:rPr lang="en-US" sz="2000" dirty="0">
+                <a:solidFill>
+                  <a:schemeClr val="bg1"/>
+                </a:solidFill>
+              </a:rPr>
+              <a:t>    •    “Driver Emotion Recognition for Intelligent Vehicles: A Survey” (2020)</a:t>
+            </a:r>
+          </a:p>
+          <a:p>
+            <a:pPr algn="ctr"/>
+            <a:r>
+              <a:rPr lang="en-US" sz="2000" dirty="0">
+                <a:solidFill>
+                  <a:schemeClr val="bg1"/>
+                </a:solidFill>
+              </a:rPr>
+              <a:t>Provides a comprehensive overview of emotion recognition techniques applied to drivers, discussing methodologies, challenges, and future applications in intelligent vehicles.</a:t>
+            </a:r>
+          </a:p>
+          <a:p>
+            <a:pPr algn="ctr"/>
+            <a:r>
+              <a:rPr lang="en-US" sz="2000" dirty="0">
+                <a:solidFill>
+                  <a:schemeClr val="bg1"/>
+                </a:solidFill>
+              </a:rPr>
+              <a:t>Source: MIT Media Lab</a:t>
+            </a:r>
+          </a:p>
+          <a:p>
+            <a:pPr algn="ctr"/>
+            <a:r>
+              <a:rPr lang="en-US" sz="2000" dirty="0">
+                <a:solidFill>
+                  <a:schemeClr val="bg1"/>
+                </a:solidFill>
+              </a:rPr>
+              <a:t>    •    “Audiovisual Affect Recognition for Autonomous Vehicles: Applications, Challenges, and Opportunities” (2023)</a:t>
+            </a:r>
+          </a:p>
+          <a:p>
+            <a:pPr algn="ctr"/>
+            <a:r>
+              <a:rPr lang="en-US" sz="2000" dirty="0">
+                <a:solidFill>
+                  <a:schemeClr val="bg1"/>
+                </a:solidFill>
+              </a:rPr>
+              <a:t>Examines the use of audiovisual emotion recognition in autonomous vehicles, highlighting technical challenges and opportunities for improving human-machine interaction.</a:t>
+            </a:r>
+          </a:p>
+          <a:p>
+            <a:pPr algn="ctr"/>
+            <a:r>
+              <a:rPr lang="en-US" sz="2000" dirty="0">
+                <a:solidFill>
+                  <a:schemeClr val="bg1"/>
+                </a:solidFill>
+              </a:rPr>
+              <a:t>Source: IEEE Xplore</a:t>
+            </a:r>
+          </a:p>
+          <a:p>
+            <a:pPr algn="ctr"/>
+            <a:r>
+              <a:rPr lang="en-US" sz="2000" dirty="0">
+                <a:solidFill>
+                  <a:schemeClr val="bg1"/>
+                </a:solidFill>
+              </a:rPr>
+              <a:t>    •    “Review and Perspectives on Human Emotion for Connected Automated Vehicles” (2023)</a:t>
+            </a:r>
+          </a:p>
+          <a:p>
+            <a:pPr algn="ctr"/>
+            <a:r>
+              <a:rPr lang="en-US" sz="2000" dirty="0">
+                <a:solidFill>
+                  <a:schemeClr val="bg1"/>
+                </a:solidFill>
+              </a:rPr>
+              <a:t>Discusses the importance of recognizing human emotions in connected automated vehicles, focusing on implications for passenger safety and experience.</a:t>
+            </a:r>
+          </a:p>
+          <a:p>
+            <a:pPr algn="ctr"/>
+            <a:r>
+              <a:rPr lang="en-US" sz="2000" dirty="0">
+                <a:solidFill>
+                  <a:schemeClr val="bg1"/>
+                </a:solidFill>
+              </a:rPr>
+              <a:t>Source: Springer Link</a:t>
+            </a:r>
+            <a:endParaRPr lang="it-IT" sz="2000" dirty="0">
+              <a:solidFill>
+                <a:schemeClr val="bg1"/>
+              </a:solidFill>
+            </a:endParaRPr>
+          </a:p>
+        </p:txBody>
+      </p:sp>
+    </p:spTree>
+    <p:extLst>
+      <p:ext uri="{BB962C8B-B14F-4D97-AF65-F5344CB8AC3E}">
+        <p14:creationId xmlns:p14="http://schemas.microsoft.com/office/powerpoint/2010/main" val="1345700555"/>
+      </p:ext>
+    </p:extLst>
+  </p:cSld>
+  <p:clrMapOvr>
+    <a:masterClrMapping/>
+  </p:clrMapOvr>
+</p:sld>
+</file>
+
+<file path=ppt/slides/slide3.xml><?xml version="1.0" encoding="utf-8"?>
+<p:sld xmlns:a="http://schemas.openxmlformats.org/drawingml/2006/main" xmlns:r="http://schemas.openxmlformats.org/officeDocument/2006/relationships" xmlns:p="http://schemas.openxmlformats.org/presentationml/2006/main">
+  <p:cSld>
+    <p:bg>
+      <p:bgPr>
+        <a:solidFill>
+          <a:srgbClr val="0D0628"/>
+        </a:solidFill>
+        <a:effectLst/>
+      </p:bgPr>
+    </p:bg>
+    <p:spTree>
+      <p:nvGrpSpPr>
+        <p:cNvPr id="1" name="">
+          <a:extLst>
+            <a:ext uri="{FF2B5EF4-FFF2-40B4-BE49-F238E27FC236}">
+              <a16:creationId xmlns:a16="http://schemas.microsoft.com/office/drawing/2014/main" id="{726FBA7B-7F5F-9432-8EED-598E438ADA64}"/>
+            </a:ext>
+          </a:extLst>
+        </p:cNvPr>
+        <p:cNvGrpSpPr/>
+        <p:nvPr/>
+      </p:nvGrpSpPr>
+      <p:grpSpPr>
+        <a:xfrm>
+          <a:off x="0" y="0"/>
+          <a:ext cx="0" cy="0"/>
+          <a:chOff x="0" y="0"/>
+          <a:chExt cx="0" cy="0"/>
+        </a:xfrm>
+      </p:grpSpPr>
+      <p:sp>
+        <p:nvSpPr>
+          <p:cNvPr id="6" name="CasellaDiTesto 5">
+            <a:extLst>
+              <a:ext uri="{FF2B5EF4-FFF2-40B4-BE49-F238E27FC236}">
+                <a16:creationId xmlns:a16="http://schemas.microsoft.com/office/drawing/2014/main" id="{87009DD4-A571-7A86-F6D0-4DC7B9B5A941}"/>
+              </a:ext>
+            </a:extLst>
+          </p:cNvPr>
+          <p:cNvSpPr txBox="1"/>
+          <p:nvPr/>
+        </p:nvSpPr>
+        <p:spPr>
+          <a:xfrm>
+            <a:off x="3335453" y="385551"/>
+            <a:ext cx="5521087" cy="400110"/>
+          </a:xfrm>
+          <a:prstGeom prst="rect">
+            <a:avLst/>
+          </a:prstGeom>
+          <a:noFill/>
+        </p:spPr>
+        <p:txBody>
+          <a:bodyPr wrap="square" rtlCol="0">
+            <a:spAutoFit/>
+          </a:bodyPr>
+          <a:lstStyle/>
+          <a:p>
+            <a:pPr algn="ctr"/>
+            <a:r>
+              <a:rPr lang="it-IT" sz="2000" b="1" dirty="0">
+                <a:solidFill>
+                  <a:schemeClr val="bg1"/>
+                </a:solidFill>
+              </a:rPr>
+              <a:t>STATE</a:t>
+            </a:r>
+            <a:r>
+              <a:rPr lang="it-IT" sz="2000" dirty="0">
+                <a:solidFill>
+                  <a:schemeClr val="bg1"/>
+                </a:solidFill>
+              </a:rPr>
+              <a:t> OF THE </a:t>
+            </a:r>
+            <a:r>
+              <a:rPr lang="it-IT" sz="2000" b="1" dirty="0">
+                <a:solidFill>
+                  <a:schemeClr val="bg1"/>
+                </a:solidFill>
+              </a:rPr>
+              <a:t>ART</a:t>
+            </a:r>
+          </a:p>
+        </p:txBody>
+      </p:sp>
+      <p:cxnSp>
+        <p:nvCxnSpPr>
+          <p:cNvPr id="3" name="Connettore diritto 2">
+            <a:extLst>
+              <a:ext uri="{FF2B5EF4-FFF2-40B4-BE49-F238E27FC236}">
+                <a16:creationId xmlns:a16="http://schemas.microsoft.com/office/drawing/2014/main" id="{0FAF0207-5046-1DED-2FD9-47721F143E41}"/>
+              </a:ext>
+            </a:extLst>
+          </p:cNvPr>
+          <p:cNvCxnSpPr>
+            <a:cxnSpLocks/>
+          </p:cNvCxnSpPr>
+          <p:nvPr/>
+        </p:nvCxnSpPr>
+        <p:spPr>
+          <a:xfrm>
+            <a:off x="5651521" y="874265"/>
+            <a:ext cx="888959" cy="0"/>
+          </a:xfrm>
+          <a:prstGeom prst="line">
+            <a:avLst/>
+          </a:prstGeom>
+          <a:ln w="28575">
+            <a:solidFill>
+              <a:srgbClr val="DA627D"/>
+            </a:solidFill>
+          </a:ln>
+        </p:spPr>
+        <p:style>
+          <a:lnRef idx="2">
+            <a:schemeClr val="accent1"/>
+          </a:lnRef>
+          <a:fillRef idx="0">
+            <a:schemeClr val="accent1"/>
+          </a:fillRef>
+          <a:effectRef idx="1">
+            <a:schemeClr val="accent1"/>
+          </a:effectRef>
+          <a:fontRef idx="minor">
+            <a:schemeClr val="tx1"/>
+          </a:fontRef>
+        </p:style>
+      </p:cxnSp>
+      <p:pic>
+        <p:nvPicPr>
+          <p:cNvPr id="20" name="Immagine 19" descr="Immagine che contiene simbolo, clipart, cerchio, Elementi grafici&#10;&#10;Descrizione generata automaticamente">
+            <a:extLst>
+              <a:ext uri="{FF2B5EF4-FFF2-40B4-BE49-F238E27FC236}">
+                <a16:creationId xmlns:a16="http://schemas.microsoft.com/office/drawing/2014/main" id="{55792BE8-B031-7B71-BE8D-B8BC77DCC3AD}"/>
+              </a:ext>
+            </a:extLst>
+          </p:cNvPr>
+          <p:cNvPicPr>
+            <a:picLocks noChangeAspect="1"/>
+          </p:cNvPicPr>
+          <p:nvPr/>
+        </p:nvPicPr>
+        <p:blipFill>
+          <a:blip r:embed="rId3">
+            <a:extLst>
+              <a:ext uri="{28A0092B-C50C-407E-A947-70E740481C1C}">
+                <a14:useLocalDpi xmlns:a14="http://schemas.microsoft.com/office/drawing/2010/main" val="0"/>
+              </a:ext>
+            </a:extLst>
+          </a:blip>
+          <a:stretch>
+            <a:fillRect/>
+          </a:stretch>
+        </p:blipFill>
+        <p:spPr>
+          <a:xfrm>
+            <a:off x="2857095" y="629157"/>
+            <a:ext cx="712690" cy="712690"/>
+          </a:xfrm>
+          <a:prstGeom prst="rect">
+            <a:avLst/>
+          </a:prstGeom>
+        </p:spPr>
+      </p:pic>
+      <p:grpSp>
+        <p:nvGrpSpPr>
+          <p:cNvPr id="41" name="Gruppo 40">
+            <a:extLst>
+              <a:ext uri="{FF2B5EF4-FFF2-40B4-BE49-F238E27FC236}">
+                <a16:creationId xmlns:a16="http://schemas.microsoft.com/office/drawing/2014/main" id="{BACBABFC-BE24-21D8-74AF-ACC6EF754B2B}"/>
+              </a:ext>
+            </a:extLst>
+          </p:cNvPr>
+          <p:cNvGrpSpPr/>
+          <p:nvPr/>
+        </p:nvGrpSpPr>
+        <p:grpSpPr>
+          <a:xfrm>
+            <a:off x="8221508" y="473618"/>
+            <a:ext cx="1953185" cy="712691"/>
+            <a:chOff x="2910529" y="3540985"/>
+            <a:chExt cx="6370944" cy="2324672"/>
+          </a:xfrm>
+        </p:grpSpPr>
+        <p:pic>
+          <p:nvPicPr>
+            <p:cNvPr id="22" name="Immagine 21" descr="Immagine che contiene clipart, Elementi grafici, bianco, design&#10;&#10;Descrizione generata automaticamente">
+              <a:extLst>
+                <a:ext uri="{FF2B5EF4-FFF2-40B4-BE49-F238E27FC236}">
+                  <a16:creationId xmlns:a16="http://schemas.microsoft.com/office/drawing/2014/main" id="{D30E579B-49BF-8E5B-D12B-BB842840D8B4}"/>
+                </a:ext>
+              </a:extLst>
+            </p:cNvPr>
+            <p:cNvPicPr>
+              <a:picLocks noChangeAspect="1"/>
+            </p:cNvPicPr>
+            <p:nvPr/>
+          </p:nvPicPr>
+          <p:blipFill>
+            <a:blip r:embed="rId4">
+              <a:extLst>
+                <a:ext uri="{28A0092B-C50C-407E-A947-70E740481C1C}">
+                  <a14:useLocalDpi xmlns:a14="http://schemas.microsoft.com/office/drawing/2010/main" val="0"/>
+                </a:ext>
+              </a:extLst>
+            </a:blip>
+            <a:stretch>
+              <a:fillRect/>
+            </a:stretch>
+          </p:blipFill>
+          <p:spPr>
+            <a:xfrm>
+              <a:off x="2910529" y="3540985"/>
+              <a:ext cx="2324672" cy="2324672"/>
+            </a:xfrm>
+            <a:prstGeom prst="rect">
+              <a:avLst/>
+            </a:prstGeom>
+          </p:spPr>
+        </p:pic>
+        <p:pic>
+          <p:nvPicPr>
+            <p:cNvPr id="36" name="Immagine 35" descr="Immagine che contiene cerchio, simbolo, clipart, Elementi grafici&#10;&#10;Descrizione generata automaticamente">
+              <a:extLst>
+                <a:ext uri="{FF2B5EF4-FFF2-40B4-BE49-F238E27FC236}">
+                  <a16:creationId xmlns:a16="http://schemas.microsoft.com/office/drawing/2014/main" id="{A472EF5D-C222-BC76-7D87-F7E585A0C6A0}"/>
+                </a:ext>
+              </a:extLst>
+            </p:cNvPr>
+            <p:cNvPicPr>
+              <a:picLocks noChangeAspect="1"/>
+            </p:cNvPicPr>
+            <p:nvPr/>
+          </p:nvPicPr>
+          <p:blipFill>
+            <a:blip r:embed="rId5">
+              <a:extLst>
+                <a:ext uri="{28A0092B-C50C-407E-A947-70E740481C1C}">
+                  <a14:useLocalDpi xmlns:a14="http://schemas.microsoft.com/office/drawing/2010/main" val="0"/>
+                </a:ext>
+              </a:extLst>
+            </a:blip>
+            <a:stretch>
+              <a:fillRect/>
+            </a:stretch>
+          </p:blipFill>
+          <p:spPr>
+            <a:xfrm>
+              <a:off x="6956801" y="3540985"/>
+              <a:ext cx="2324672" cy="2324672"/>
+            </a:xfrm>
+            <a:prstGeom prst="rect">
+              <a:avLst/>
+            </a:prstGeom>
+          </p:spPr>
+        </p:pic>
+        <p:pic>
+          <p:nvPicPr>
+            <p:cNvPr id="38" name="Immagine 37" descr="Immagine che contiene Elementi grafici, Carattere, simbolo, grafica&#10;&#10;Descrizione generata automaticamente">
+              <a:extLst>
+                <a:ext uri="{FF2B5EF4-FFF2-40B4-BE49-F238E27FC236}">
+                  <a16:creationId xmlns:a16="http://schemas.microsoft.com/office/drawing/2014/main" id="{0E6D7F17-3A51-5D77-AA55-5945CCA52002}"/>
+                </a:ext>
+              </a:extLst>
+            </p:cNvPr>
+            <p:cNvPicPr>
+              <a:picLocks noChangeAspect="1"/>
+            </p:cNvPicPr>
+            <p:nvPr/>
+          </p:nvPicPr>
+          <p:blipFill>
+            <a:blip r:embed="rId6">
+              <a:extLst>
+                <a:ext uri="{28A0092B-C50C-407E-A947-70E740481C1C}">
+                  <a14:useLocalDpi xmlns:a14="http://schemas.microsoft.com/office/drawing/2010/main" val="0"/>
+                </a:ext>
+              </a:extLst>
+            </a:blip>
+            <a:stretch>
+              <a:fillRect/>
+            </a:stretch>
+          </p:blipFill>
+          <p:spPr>
+            <a:xfrm>
+              <a:off x="5334736" y="4086283"/>
+              <a:ext cx="1234075" cy="1234075"/>
+            </a:xfrm>
+            <a:prstGeom prst="rect">
+              <a:avLst/>
+            </a:prstGeom>
+          </p:spPr>
+        </p:pic>
+      </p:grpSp>
+      <p:sp>
+        <p:nvSpPr>
+          <p:cNvPr id="2" name="CasellaDiTesto 1">
+            <a:extLst>
+              <a:ext uri="{FF2B5EF4-FFF2-40B4-BE49-F238E27FC236}">
+                <a16:creationId xmlns:a16="http://schemas.microsoft.com/office/drawing/2014/main" id="{834C034B-AD5C-87CC-A44E-9BFF12CBEF6C}"/>
+              </a:ext>
+            </a:extLst>
+          </p:cNvPr>
+          <p:cNvSpPr txBox="1"/>
+          <p:nvPr/>
+        </p:nvSpPr>
+        <p:spPr>
+          <a:xfrm>
+            <a:off x="-212146" y="1560172"/>
+            <a:ext cx="8433654" cy="400110"/>
+          </a:xfrm>
+          <a:prstGeom prst="rect">
+            <a:avLst/>
+          </a:prstGeom>
+          <a:noFill/>
+        </p:spPr>
+        <p:txBody>
+          <a:bodyPr wrap="square" rtlCol="0">
+            <a:spAutoFit/>
+          </a:bodyPr>
+          <a:lstStyle/>
+          <a:p>
+            <a:pPr algn="ctr"/>
+            <a:r>
+              <a:rPr lang="en-US" sz="2000" b="1" dirty="0">
+                <a:solidFill>
+                  <a:schemeClr val="bg1"/>
+                </a:solidFill>
+              </a:rPr>
+              <a:t>Effectiveness of Two-Way Rating Systems for Driver Evaluation</a:t>
+            </a:r>
+            <a:endParaRPr lang="it-IT" sz="2000" b="1" dirty="0">
+              <a:solidFill>
+                <a:schemeClr val="bg1"/>
+              </a:solidFill>
+            </a:endParaRPr>
+          </a:p>
+        </p:txBody>
+      </p:sp>
+      <p:sp>
+        <p:nvSpPr>
+          <p:cNvPr id="5" name="CasellaDiTesto 4">
+            <a:extLst>
+              <a:ext uri="{FF2B5EF4-FFF2-40B4-BE49-F238E27FC236}">
+                <a16:creationId xmlns:a16="http://schemas.microsoft.com/office/drawing/2014/main" id="{C7C8DB53-0411-2BF9-7F27-296C0DEB7AA3}"/>
+              </a:ext>
+            </a:extLst>
+          </p:cNvPr>
+          <p:cNvSpPr txBox="1"/>
+          <p:nvPr/>
+        </p:nvSpPr>
+        <p:spPr>
+          <a:xfrm>
+            <a:off x="328870" y="2178607"/>
+            <a:ext cx="11534252" cy="4401205"/>
+          </a:xfrm>
+          <a:prstGeom prst="rect">
+            <a:avLst/>
+          </a:prstGeom>
+          <a:noFill/>
+        </p:spPr>
+        <p:txBody>
+          <a:bodyPr wrap="square" rtlCol="0">
+            <a:spAutoFit/>
+          </a:bodyPr>
+          <a:lstStyle/>
+          <a:p>
+            <a:pPr algn="ctr"/>
+            <a:r>
+              <a:rPr lang="en-US" sz="2000" dirty="0">
+                <a:solidFill>
+                  <a:schemeClr val="bg1"/>
+                </a:solidFill>
+              </a:rPr>
+              <a:t>Two-way rating systems, used by platforms like Uber and Didi </a:t>
+            </a:r>
+            <a:r>
+              <a:rPr lang="en-US" sz="2000" dirty="0" err="1">
+                <a:solidFill>
+                  <a:schemeClr val="bg1"/>
+                </a:solidFill>
+              </a:rPr>
+              <a:t>Chuxing</a:t>
+            </a:r>
+            <a:r>
+              <a:rPr lang="en-US" sz="2000" dirty="0">
+                <a:solidFill>
+                  <a:schemeClr val="bg1"/>
+                </a:solidFill>
+              </a:rPr>
+              <a:t>, are evaluated for their effectiveness in assessing driver performance. Key studies include:</a:t>
+            </a:r>
+          </a:p>
+          <a:p>
+            <a:pPr algn="ctr"/>
+            <a:r>
+              <a:rPr lang="en-US" sz="2000" dirty="0">
+                <a:solidFill>
+                  <a:schemeClr val="bg1"/>
+                </a:solidFill>
+              </a:rPr>
+              <a:t>    •    “Platform-Mediated Reputation Systems in the Sharing Economy” (2020)</a:t>
+            </a:r>
+          </a:p>
+          <a:p>
+            <a:pPr algn="ctr"/>
+            <a:r>
+              <a:rPr lang="en-US" sz="2000" dirty="0">
+                <a:solidFill>
+                  <a:schemeClr val="bg1"/>
+                </a:solidFill>
+              </a:rPr>
+              <a:t>Analyzes how platform-driven reputation systems impact service quality in ride-sharing, highlighting benefits and limitations in maintaining consistent quality.</a:t>
+            </a:r>
+          </a:p>
+          <a:p>
+            <a:pPr algn="ctr"/>
+            <a:r>
+              <a:rPr lang="en-US" sz="2000" dirty="0">
+                <a:solidFill>
+                  <a:schemeClr val="bg1"/>
+                </a:solidFill>
+              </a:rPr>
+              <a:t>Source: Academia.edu</a:t>
+            </a:r>
+          </a:p>
+          <a:p>
+            <a:pPr algn="ctr"/>
+            <a:r>
+              <a:rPr lang="en-US" sz="2000" dirty="0">
+                <a:solidFill>
+                  <a:schemeClr val="bg1"/>
+                </a:solidFill>
+              </a:rPr>
+              <a:t>    •    “A Systematic Literature Review of Ride-Sharing Platforms, User Factors, and Barriers” (2021)</a:t>
+            </a:r>
+          </a:p>
+          <a:p>
+            <a:pPr algn="ctr"/>
+            <a:r>
+              <a:rPr lang="en-US" sz="2000" dirty="0">
+                <a:solidFill>
+                  <a:schemeClr val="bg1"/>
+                </a:solidFill>
+              </a:rPr>
+              <a:t>Provides a systematic review of ride-sharing platforms, focusing on user adoption factors and barriers, including the effectiveness of rating systems.</a:t>
+            </a:r>
+          </a:p>
+          <a:p>
+            <a:pPr algn="ctr"/>
+            <a:r>
+              <a:rPr lang="en-US" sz="2000" dirty="0">
+                <a:solidFill>
+                  <a:schemeClr val="bg1"/>
+                </a:solidFill>
+              </a:rPr>
+              <a:t>Source: ETRR (European Transport Research Review)</a:t>
+            </a:r>
+          </a:p>
+          <a:p>
+            <a:pPr algn="ctr"/>
+            <a:r>
+              <a:rPr lang="en-US" sz="2000" dirty="0">
+                <a:solidFill>
+                  <a:schemeClr val="bg1"/>
+                </a:solidFill>
+              </a:rPr>
+              <a:t>    •    “Understanding Ride-Sharing Systems in Urban Areas: Location, Users, and Barriers” (2020)</a:t>
+            </a:r>
+          </a:p>
+          <a:p>
+            <a:pPr algn="ctr"/>
+            <a:r>
+              <a:rPr lang="en-US" sz="2000" dirty="0">
+                <a:solidFill>
+                  <a:schemeClr val="bg1"/>
+                </a:solidFill>
+              </a:rPr>
+              <a:t>Explores ride-sharing in urban areas, examining the role of location, user types, and system barriers with specific reference to two-way rating mechanisms.</a:t>
+            </a:r>
+          </a:p>
+          <a:p>
+            <a:pPr algn="ctr"/>
+            <a:r>
+              <a:rPr lang="en-US" sz="2000" dirty="0">
+                <a:solidFill>
+                  <a:schemeClr val="bg1"/>
+                </a:solidFill>
+              </a:rPr>
+              <a:t>Source: Academia.edu</a:t>
+            </a:r>
+            <a:endParaRPr lang="it-IT" sz="2000" dirty="0">
+              <a:solidFill>
+                <a:schemeClr val="bg1"/>
+              </a:solidFill>
+            </a:endParaRPr>
+          </a:p>
+        </p:txBody>
+      </p:sp>
+    </p:spTree>
+    <p:extLst>
+      <p:ext uri="{BB962C8B-B14F-4D97-AF65-F5344CB8AC3E}">
+        <p14:creationId xmlns:p14="http://schemas.microsoft.com/office/powerpoint/2010/main" val="2433820656"/>
+      </p:ext>
+    </p:extLst>
+  </p:cSld>
+  <p:clrMapOvr>
+    <a:masterClrMapping/>
+  </p:clrMapOvr>
+</p:sld>
+</file>
+
+<file path=ppt/slides/slide4.xml><?xml version="1.0" encoding="utf-8"?>
+<p:sld xmlns:a="http://schemas.openxmlformats.org/drawingml/2006/main" xmlns:r="http://schemas.openxmlformats.org/officeDocument/2006/relationships" xmlns:p="http://schemas.openxmlformats.org/presentationml/2006/main">
+  <p:cSld>
+    <p:bg>
+      <p:bgPr>
+        <a:solidFill>
+          <a:srgbClr val="0D0628"/>
         </a:solidFill>
         <a:effectLst/>
       </p:bgPr>
@@ -4028,6 +5777,384 @@
       </p:grpSpPr>
       <p:sp>
         <p:nvSpPr>
+          <p:cNvPr id="48" name="Rettangolo 47">
+            <a:extLst>
+              <a:ext uri="{FF2B5EF4-FFF2-40B4-BE49-F238E27FC236}">
+                <a16:creationId xmlns:a16="http://schemas.microsoft.com/office/drawing/2014/main" id="{43D3BB2B-1E64-2E85-0069-B77106BF5DCF}"/>
+              </a:ext>
+            </a:extLst>
+          </p:cNvPr>
+          <p:cNvSpPr/>
+          <p:nvPr/>
+        </p:nvSpPr>
+        <p:spPr>
+          <a:xfrm>
+            <a:off x="0" y="6170199"/>
+            <a:ext cx="12192000" cy="689110"/>
+          </a:xfrm>
+          <a:prstGeom prst="rect">
+            <a:avLst/>
+          </a:prstGeom>
+          <a:solidFill>
+            <a:srgbClr val="F9DBBD">
+              <a:alpha val="10000"/>
+            </a:srgbClr>
+          </a:solidFill>
+          <a:ln>
+            <a:noFill/>
+          </a:ln>
+        </p:spPr>
+        <p:style>
+          <a:lnRef idx="2">
+            <a:schemeClr val="accent1">
+              <a:shade val="15000"/>
+            </a:schemeClr>
+          </a:lnRef>
+          <a:fillRef idx="1">
+            <a:schemeClr val="accent1"/>
+          </a:fillRef>
+          <a:effectRef idx="0">
+            <a:schemeClr val="accent1"/>
+          </a:effectRef>
+          <a:fontRef idx="minor">
+            <a:schemeClr val="lt1"/>
+          </a:fontRef>
+        </p:style>
+        <p:txBody>
+          <a:bodyPr rtlCol="0" anchor="ctr"/>
+          <a:lstStyle/>
+          <a:p>
+            <a:pPr algn="ctr"/>
+            <a:endParaRPr lang="it-IT" dirty="0"/>
+          </a:p>
+        </p:txBody>
+      </p:sp>
+      <p:sp>
+        <p:nvSpPr>
+          <p:cNvPr id="47" name="Rettangolo 46">
+            <a:extLst>
+              <a:ext uri="{FF2B5EF4-FFF2-40B4-BE49-F238E27FC236}">
+                <a16:creationId xmlns:a16="http://schemas.microsoft.com/office/drawing/2014/main" id="{636EF5F6-9C44-5AF6-725E-6BE2B9612BD1}"/>
+              </a:ext>
+            </a:extLst>
+          </p:cNvPr>
+          <p:cNvSpPr/>
+          <p:nvPr/>
+        </p:nvSpPr>
+        <p:spPr>
+          <a:xfrm>
+            <a:off x="0" y="5479396"/>
+            <a:ext cx="12192000" cy="689110"/>
+          </a:xfrm>
+          <a:prstGeom prst="rect">
+            <a:avLst/>
+          </a:prstGeom>
+          <a:solidFill>
+            <a:srgbClr val="F9DBBD">
+              <a:alpha val="0"/>
+            </a:srgbClr>
+          </a:solidFill>
+          <a:ln>
+            <a:noFill/>
+          </a:ln>
+        </p:spPr>
+        <p:style>
+          <a:lnRef idx="2">
+            <a:schemeClr val="accent1">
+              <a:shade val="15000"/>
+            </a:schemeClr>
+          </a:lnRef>
+          <a:fillRef idx="1">
+            <a:schemeClr val="accent1"/>
+          </a:fillRef>
+          <a:effectRef idx="0">
+            <a:schemeClr val="accent1"/>
+          </a:effectRef>
+          <a:fontRef idx="minor">
+            <a:schemeClr val="lt1"/>
+          </a:fontRef>
+        </p:style>
+        <p:txBody>
+          <a:bodyPr rtlCol="0" anchor="ctr"/>
+          <a:lstStyle/>
+          <a:p>
+            <a:pPr algn="ctr"/>
+            <a:endParaRPr lang="it-IT" dirty="0"/>
+          </a:p>
+        </p:txBody>
+      </p:sp>
+      <p:sp>
+        <p:nvSpPr>
+          <p:cNvPr id="45" name="Rettangolo 44">
+            <a:extLst>
+              <a:ext uri="{FF2B5EF4-FFF2-40B4-BE49-F238E27FC236}">
+                <a16:creationId xmlns:a16="http://schemas.microsoft.com/office/drawing/2014/main" id="{8503C109-620D-5C31-3097-419704D6EE0E}"/>
+              </a:ext>
+            </a:extLst>
+          </p:cNvPr>
+          <p:cNvSpPr/>
+          <p:nvPr/>
+        </p:nvSpPr>
+        <p:spPr>
+          <a:xfrm>
+            <a:off x="-3" y="4090178"/>
+            <a:ext cx="12192000" cy="689110"/>
+          </a:xfrm>
+          <a:prstGeom prst="rect">
+            <a:avLst/>
+          </a:prstGeom>
+          <a:solidFill>
+            <a:srgbClr val="F9DBBD">
+              <a:alpha val="0"/>
+            </a:srgbClr>
+          </a:solidFill>
+          <a:ln>
+            <a:noFill/>
+          </a:ln>
+        </p:spPr>
+        <p:style>
+          <a:lnRef idx="2">
+            <a:schemeClr val="accent1">
+              <a:shade val="15000"/>
+            </a:schemeClr>
+          </a:lnRef>
+          <a:fillRef idx="1">
+            <a:schemeClr val="accent1"/>
+          </a:fillRef>
+          <a:effectRef idx="0">
+            <a:schemeClr val="accent1"/>
+          </a:effectRef>
+          <a:fontRef idx="minor">
+            <a:schemeClr val="lt1"/>
+          </a:fontRef>
+        </p:style>
+        <p:txBody>
+          <a:bodyPr rtlCol="0" anchor="ctr"/>
+          <a:lstStyle/>
+          <a:p>
+            <a:pPr algn="ctr"/>
+            <a:endParaRPr lang="it-IT" dirty="0"/>
+          </a:p>
+        </p:txBody>
+      </p:sp>
+      <p:sp>
+        <p:nvSpPr>
+          <p:cNvPr id="46" name="Rettangolo 45">
+            <a:extLst>
+              <a:ext uri="{FF2B5EF4-FFF2-40B4-BE49-F238E27FC236}">
+                <a16:creationId xmlns:a16="http://schemas.microsoft.com/office/drawing/2014/main" id="{ED5DBBC6-42AB-8C64-8C1C-08D2546B5C37}"/>
+              </a:ext>
+            </a:extLst>
+          </p:cNvPr>
+          <p:cNvSpPr/>
+          <p:nvPr/>
+        </p:nvSpPr>
+        <p:spPr>
+          <a:xfrm>
+            <a:off x="0" y="4784787"/>
+            <a:ext cx="12192000" cy="689110"/>
+          </a:xfrm>
+          <a:prstGeom prst="rect">
+            <a:avLst/>
+          </a:prstGeom>
+          <a:solidFill>
+            <a:srgbClr val="F9DBBD">
+              <a:alpha val="10000"/>
+            </a:srgbClr>
+          </a:solidFill>
+          <a:ln>
+            <a:noFill/>
+          </a:ln>
+        </p:spPr>
+        <p:style>
+          <a:lnRef idx="2">
+            <a:schemeClr val="accent1">
+              <a:shade val="15000"/>
+            </a:schemeClr>
+          </a:lnRef>
+          <a:fillRef idx="1">
+            <a:schemeClr val="accent1"/>
+          </a:fillRef>
+          <a:effectRef idx="0">
+            <a:schemeClr val="accent1"/>
+          </a:effectRef>
+          <a:fontRef idx="minor">
+            <a:schemeClr val="lt1"/>
+          </a:fontRef>
+        </p:style>
+        <p:txBody>
+          <a:bodyPr rtlCol="0" anchor="ctr"/>
+          <a:lstStyle/>
+          <a:p>
+            <a:pPr algn="ctr"/>
+            <a:endParaRPr lang="it-IT" dirty="0"/>
+          </a:p>
+        </p:txBody>
+      </p:sp>
+      <p:sp>
+        <p:nvSpPr>
+          <p:cNvPr id="39" name="Rettangolo 38">
+            <a:extLst>
+              <a:ext uri="{FF2B5EF4-FFF2-40B4-BE49-F238E27FC236}">
+                <a16:creationId xmlns:a16="http://schemas.microsoft.com/office/drawing/2014/main" id="{D1129CF4-75B5-365E-ACD2-B8BDE365AEB8}"/>
+              </a:ext>
+            </a:extLst>
+          </p:cNvPr>
+          <p:cNvSpPr/>
+          <p:nvPr/>
+        </p:nvSpPr>
+        <p:spPr>
+          <a:xfrm>
+            <a:off x="-3" y="2708301"/>
+            <a:ext cx="12192000" cy="689110"/>
+          </a:xfrm>
+          <a:prstGeom prst="rect">
+            <a:avLst/>
+          </a:prstGeom>
+          <a:solidFill>
+            <a:srgbClr val="F9DBBD">
+              <a:alpha val="0"/>
+            </a:srgbClr>
+          </a:solidFill>
+          <a:ln>
+            <a:noFill/>
+          </a:ln>
+        </p:spPr>
+        <p:style>
+          <a:lnRef idx="2">
+            <a:schemeClr val="accent1">
+              <a:shade val="15000"/>
+            </a:schemeClr>
+          </a:lnRef>
+          <a:fillRef idx="1">
+            <a:schemeClr val="accent1"/>
+          </a:fillRef>
+          <a:effectRef idx="0">
+            <a:schemeClr val="accent1"/>
+          </a:effectRef>
+          <a:fontRef idx="minor">
+            <a:schemeClr val="lt1"/>
+          </a:fontRef>
+        </p:style>
+        <p:txBody>
+          <a:bodyPr rtlCol="0" anchor="ctr"/>
+          <a:lstStyle/>
+          <a:p>
+            <a:pPr algn="ctr"/>
+            <a:endParaRPr lang="it-IT" dirty="0"/>
+          </a:p>
+        </p:txBody>
+      </p:sp>
+      <p:sp>
+        <p:nvSpPr>
+          <p:cNvPr id="40" name="Rettangolo 39">
+            <a:extLst>
+              <a:ext uri="{FF2B5EF4-FFF2-40B4-BE49-F238E27FC236}">
+                <a16:creationId xmlns:a16="http://schemas.microsoft.com/office/drawing/2014/main" id="{C2B4D2C7-B7A1-0214-3341-65C525A94037}"/>
+              </a:ext>
+            </a:extLst>
+          </p:cNvPr>
+          <p:cNvSpPr/>
+          <p:nvPr/>
+        </p:nvSpPr>
+        <p:spPr>
+          <a:xfrm>
+            <a:off x="0" y="3395569"/>
+            <a:ext cx="12192000" cy="689110"/>
+          </a:xfrm>
+          <a:prstGeom prst="rect">
+            <a:avLst/>
+          </a:prstGeom>
+          <a:solidFill>
+            <a:srgbClr val="F9DBBD">
+              <a:alpha val="10000"/>
+            </a:srgbClr>
+          </a:solidFill>
+          <a:ln>
+            <a:noFill/>
+          </a:ln>
+        </p:spPr>
+        <p:style>
+          <a:lnRef idx="2">
+            <a:schemeClr val="accent1">
+              <a:shade val="15000"/>
+            </a:schemeClr>
+          </a:lnRef>
+          <a:fillRef idx="1">
+            <a:schemeClr val="accent1"/>
+          </a:fillRef>
+          <a:effectRef idx="0">
+            <a:schemeClr val="accent1"/>
+          </a:effectRef>
+          <a:fontRef idx="minor">
+            <a:schemeClr val="lt1"/>
+          </a:fontRef>
+        </p:style>
+        <p:txBody>
+          <a:bodyPr rtlCol="0" anchor="ctr"/>
+          <a:lstStyle/>
+          <a:p>
+            <a:pPr algn="ctr"/>
+            <a:endParaRPr lang="it-IT" dirty="0"/>
+          </a:p>
+        </p:txBody>
+      </p:sp>
+      <p:sp>
+        <p:nvSpPr>
+          <p:cNvPr id="30" name="Rettangolo 29">
+            <a:extLst>
+              <a:ext uri="{FF2B5EF4-FFF2-40B4-BE49-F238E27FC236}">
+                <a16:creationId xmlns:a16="http://schemas.microsoft.com/office/drawing/2014/main" id="{06B840FA-656E-1164-CD30-0D67FD79C84A}"/>
+              </a:ext>
+            </a:extLst>
+          </p:cNvPr>
+          <p:cNvSpPr/>
+          <p:nvPr/>
+        </p:nvSpPr>
+        <p:spPr>
+          <a:xfrm>
+            <a:off x="1" y="2021872"/>
+            <a:ext cx="12192000" cy="689110"/>
+          </a:xfrm>
+          <a:prstGeom prst="rect">
+            <a:avLst/>
+          </a:prstGeom>
+          <a:solidFill>
+            <a:srgbClr val="F9DBBD">
+              <a:alpha val="10000"/>
+            </a:srgbClr>
+          </a:solidFill>
+          <a:ln>
+            <a:noFill/>
+          </a:ln>
+        </p:spPr>
+        <p:style>
+          <a:lnRef idx="2">
+            <a:schemeClr val="accent1">
+              <a:shade val="15000"/>
+            </a:schemeClr>
+          </a:lnRef>
+          <a:fillRef idx="1">
+            <a:schemeClr val="accent1"/>
+          </a:fillRef>
+          <a:effectRef idx="0">
+            <a:schemeClr val="accent1"/>
+          </a:effectRef>
+          <a:fontRef idx="minor">
+            <a:schemeClr val="lt1"/>
+          </a:fontRef>
+        </p:style>
+        <p:txBody>
+          <a:bodyPr rtlCol="0" anchor="ctr"/>
+          <a:lstStyle/>
+          <a:p>
+            <a:pPr algn="ctr"/>
+            <a:endParaRPr lang="it-IT" dirty="0"/>
+          </a:p>
+        </p:txBody>
+      </p:sp>
+      <p:sp>
+        <p:nvSpPr>
           <p:cNvPr id="6" name="CasellaDiTesto 5">
             <a:extLst>
               <a:ext uri="{FF2B5EF4-FFF2-40B4-BE49-F238E27FC236}">
@@ -4040,7 +6167,7 @@
         </p:nvSpPr>
         <p:spPr>
           <a:xfrm>
-            <a:off x="3335456" y="455648"/>
+            <a:off x="-1014706" y="415389"/>
             <a:ext cx="5521087" cy="400110"/>
           </a:xfrm>
           <a:prstGeom prst="rect">
@@ -4090,58 +6217,15 @@
         </p:nvCxnSpPr>
         <p:spPr>
           <a:xfrm>
-            <a:off x="5429250" y="923758"/>
-            <a:ext cx="1333500" cy="0"/>
+            <a:off x="-3" y="815499"/>
+            <a:ext cx="3232153" cy="0"/>
           </a:xfrm>
           <a:prstGeom prst="line">
             <a:avLst/>
           </a:prstGeom>
           <a:ln w="28575">
             <a:solidFill>
-              <a:srgbClr val="EF8354"/>
-            </a:solidFill>
-          </a:ln>
-        </p:spPr>
-        <p:style>
-          <a:lnRef idx="2">
-            <a:schemeClr val="accent1"/>
-          </a:lnRef>
-          <a:fillRef idx="0">
-            <a:schemeClr val="accent1"/>
-          </a:fillRef>
-          <a:effectRef idx="1">
-            <a:schemeClr val="accent1"/>
-          </a:effectRef>
-          <a:fontRef idx="minor">
-            <a:schemeClr val="tx1"/>
-          </a:fontRef>
-        </p:style>
-      </p:cxnSp>
-      <p:cxnSp>
-        <p:nvCxnSpPr>
-          <p:cNvPr id="26" name="Connettore diritto 25">
-            <a:extLst>
-              <a:ext uri="{FF2B5EF4-FFF2-40B4-BE49-F238E27FC236}">
-                <a16:creationId xmlns:a16="http://schemas.microsoft.com/office/drawing/2014/main" id="{03AB7B18-958F-C0B8-0160-C9DD92C143FD}"/>
-              </a:ext>
-            </a:extLst>
-          </p:cNvPr>
-          <p:cNvCxnSpPr>
-            <a:cxnSpLocks/>
-          </p:cNvCxnSpPr>
-          <p:nvPr/>
-        </p:nvCxnSpPr>
-        <p:spPr>
-          <a:xfrm>
-            <a:off x="742192" y="2443712"/>
-            <a:ext cx="10707617" cy="0"/>
-          </a:xfrm>
-          <a:prstGeom prst="line">
-            <a:avLst/>
-          </a:prstGeom>
-          <a:ln w="28575">
-            <a:solidFill>
-              <a:schemeClr val="bg1"/>
+              <a:srgbClr val="DA627D"/>
             </a:solidFill>
           </a:ln>
         </p:spPr>
@@ -4176,8 +6260,8 @@
         </p:nvCxnSpPr>
         <p:spPr>
           <a:xfrm flipV="1">
-            <a:off x="3751081" y="1642092"/>
-            <a:ext cx="0" cy="4394566"/>
+            <a:off x="4980136" y="1409637"/>
+            <a:ext cx="0" cy="5448363"/>
           </a:xfrm>
           <a:prstGeom prst="line">
             <a:avLst/>
@@ -4219,8 +6303,8 @@
         </p:nvCxnSpPr>
         <p:spPr>
           <a:xfrm flipV="1">
-            <a:off x="6476324" y="1642092"/>
-            <a:ext cx="0" cy="4394566"/>
+            <a:off x="7384090" y="1409637"/>
+            <a:ext cx="0" cy="5448363"/>
           </a:xfrm>
           <a:prstGeom prst="line">
             <a:avLst/>
@@ -4262,8 +6346,8 @@
         </p:nvCxnSpPr>
         <p:spPr>
           <a:xfrm flipV="1">
-            <a:off x="9009556" y="1642092"/>
-            <a:ext cx="0" cy="4394566"/>
+            <a:off x="9788044" y="1409637"/>
+            <a:ext cx="0" cy="5448363"/>
           </a:xfrm>
           <a:prstGeom prst="line">
             <a:avLst/>
@@ -4303,8 +6387,8 @@
         </p:nvSpPr>
         <p:spPr>
           <a:xfrm>
-            <a:off x="3536410" y="1840130"/>
-            <a:ext cx="3123336" cy="400110"/>
+            <a:off x="4980137" y="1373010"/>
+            <a:ext cx="2403951" cy="400110"/>
           </a:xfrm>
           <a:prstGeom prst="rect">
             <a:avLst/>
@@ -4319,110 +6403,22 @@
           <a:p>
             <a:pPr algn="ctr"/>
             <a:r>
-              <a:rPr lang="it-IT" sz="2000" b="1" dirty="0">
+              <a:rPr lang="it-IT" sz="2000" b="1" dirty="0" err="1">
+                <a:solidFill>
+                  <a:srgbClr val="DA627D"/>
+                </a:solidFill>
+              </a:rPr>
+              <a:t>Mood</a:t>
+            </a:r>
+            <a:r>
+              <a:rPr lang="it-IT" sz="2000" b="1" dirty="0" err="1">
                 <a:solidFill>
                   <a:schemeClr val="bg1"/>
                 </a:solidFill>
               </a:rPr>
-              <a:t>OUR IDEA</a:t>
-            </a:r>
-          </a:p>
-        </p:txBody>
-      </p:sp>
-      <p:sp>
-        <p:nvSpPr>
-          <p:cNvPr id="37" name="CasellaDiTesto 36">
-            <a:extLst>
-              <a:ext uri="{FF2B5EF4-FFF2-40B4-BE49-F238E27FC236}">
-                <a16:creationId xmlns:a16="http://schemas.microsoft.com/office/drawing/2014/main" id="{D8AEC907-8DB1-A096-DFF4-1AE0F9682FA6}"/>
-              </a:ext>
-            </a:extLst>
-          </p:cNvPr>
-          <p:cNvSpPr txBox="1"/>
-          <p:nvPr/>
-        </p:nvSpPr>
-        <p:spPr>
-          <a:xfrm>
-            <a:off x="8856543" y="1840130"/>
-            <a:ext cx="3123336" cy="400110"/>
-          </a:xfrm>
-          <a:prstGeom prst="rect">
-            <a:avLst/>
-          </a:prstGeom>
-          <a:noFill/>
-        </p:spPr>
-        <p:txBody>
-          <a:bodyPr wrap="square" rtlCol="0">
-            <a:spAutoFit/>
-          </a:bodyPr>
-          <a:lstStyle/>
-          <a:p>
-            <a:pPr algn="ctr"/>
-            <a:r>
-              <a:rPr lang="it-IT" sz="2000" b="1" dirty="0">
-                <a:solidFill>
-                  <a:schemeClr val="bg1"/>
-                </a:solidFill>
-              </a:rPr>
-              <a:t>TAXI</a:t>
-            </a:r>
-          </a:p>
-        </p:txBody>
-      </p:sp>
-      <p:sp>
-        <p:nvSpPr>
-          <p:cNvPr id="38" name="CasellaDiTesto 37">
-            <a:extLst>
-              <a:ext uri="{FF2B5EF4-FFF2-40B4-BE49-F238E27FC236}">
-                <a16:creationId xmlns:a16="http://schemas.microsoft.com/office/drawing/2014/main" id="{37D09AD4-C9C0-01CD-4376-A81B186DFD46}"/>
-              </a:ext>
-            </a:extLst>
-          </p:cNvPr>
-          <p:cNvSpPr txBox="1"/>
-          <p:nvPr/>
-        </p:nvSpPr>
-        <p:spPr>
-          <a:xfrm>
-            <a:off x="627745" y="2647185"/>
-            <a:ext cx="3123336" cy="369332"/>
-          </a:xfrm>
-          <a:prstGeom prst="rect">
-            <a:avLst/>
-          </a:prstGeom>
-          <a:noFill/>
-        </p:spPr>
-        <p:txBody>
-          <a:bodyPr wrap="square" rtlCol="0">
-            <a:spAutoFit/>
-          </a:bodyPr>
-          <a:lstStyle/>
-          <a:p>
-            <a:pPr algn="ctr"/>
-            <a:r>
-              <a:rPr lang="it-IT" dirty="0">
-                <a:solidFill>
-                  <a:schemeClr val="bg1"/>
-                </a:solidFill>
-              </a:rPr>
-              <a:t>Bi-</a:t>
-            </a:r>
-            <a:r>
-              <a:rPr lang="it-IT" dirty="0" err="1">
-                <a:solidFill>
-                  <a:schemeClr val="bg1"/>
-                </a:solidFill>
-              </a:rPr>
-              <a:t>directional</a:t>
-            </a:r>
-            <a:r>
-              <a:rPr lang="it-IT" dirty="0">
-                <a:solidFill>
-                  <a:schemeClr val="bg1"/>
-                </a:solidFill>
-              </a:rPr>
-              <a:t> rating</a:t>
-            </a:r>
-            <a:endParaRPr lang="it-IT" sz="2000" dirty="0">
+              <a:t>Pilot</a:t>
+            </a:r>
+            <a:endParaRPr lang="it-IT" sz="2000" b="1" dirty="0">
               <a:solidFill>
                 <a:schemeClr val="bg1"/>
               </a:solidFill>
@@ -4445,7 +6441,7 @@
           <p:nvPr/>
         </p:nvPicPr>
         <p:blipFill>
-          <a:blip r:embed="rId2">
+          <a:blip r:embed="rId3">
             <a:extLst>
               <a:ext uri="{28A0092B-C50C-407E-A947-70E740481C1C}">
                 <a14:useLocalDpi xmlns:a14="http://schemas.microsoft.com/office/drawing/2010/main" val="0"/>
@@ -4458,8 +6454,716 @@
         </p:blipFill>
         <p:spPr>
           <a:xfrm>
-            <a:off x="7445375" y="2574234"/>
-            <a:ext cx="595130" cy="595130"/>
+            <a:off x="5933207" y="2115763"/>
+            <a:ext cx="497809" cy="497809"/>
+          </a:xfrm>
+          <a:prstGeom prst="rect">
+            <a:avLst/>
+          </a:prstGeom>
+        </p:spPr>
+      </p:pic>
+      <p:sp>
+        <p:nvSpPr>
+          <p:cNvPr id="44" name="CasellaDiTesto 43">
+            <a:extLst>
+              <a:ext uri="{FF2B5EF4-FFF2-40B4-BE49-F238E27FC236}">
+                <a16:creationId xmlns:a16="http://schemas.microsoft.com/office/drawing/2014/main" id="{130CD93E-DFCA-F76A-E73F-8A231997DE6F}"/>
+              </a:ext>
+            </a:extLst>
+          </p:cNvPr>
+          <p:cNvSpPr txBox="1"/>
+          <p:nvPr/>
+        </p:nvSpPr>
+        <p:spPr>
+          <a:xfrm>
+            <a:off x="433464" y="6330088"/>
+            <a:ext cx="4142959" cy="369332"/>
+          </a:xfrm>
+          <a:prstGeom prst="rect">
+            <a:avLst/>
+          </a:prstGeom>
+          <a:noFill/>
+        </p:spPr>
+        <p:txBody>
+          <a:bodyPr wrap="square" rtlCol="0">
+            <a:spAutoFit/>
+          </a:bodyPr>
+          <a:lstStyle/>
+          <a:p>
+            <a:r>
+              <a:rPr lang="it-IT" dirty="0">
+                <a:solidFill>
+                  <a:schemeClr val="bg1"/>
+                </a:solidFill>
+              </a:rPr>
+              <a:t>7. </a:t>
+            </a:r>
+            <a:r>
+              <a:rPr lang="it-IT" b="1" dirty="0">
+                <a:solidFill>
+                  <a:schemeClr val="bg1"/>
+                </a:solidFill>
+              </a:rPr>
+              <a:t>PRIVACY</a:t>
+            </a:r>
+            <a:r>
+              <a:rPr lang="it-IT" dirty="0">
+                <a:solidFill>
+                  <a:schemeClr val="bg1"/>
+                </a:solidFill>
+              </a:rPr>
+              <a:t> AND </a:t>
+            </a:r>
+            <a:r>
+              <a:rPr lang="it-IT" b="1" dirty="0">
+                <a:solidFill>
+                  <a:schemeClr val="bg1"/>
+                </a:solidFill>
+              </a:rPr>
+              <a:t>CONSENT</a:t>
+            </a:r>
+          </a:p>
+        </p:txBody>
+      </p:sp>
+      <p:grpSp>
+        <p:nvGrpSpPr>
+          <p:cNvPr id="4" name="Gruppo 3">
+            <a:extLst>
+              <a:ext uri="{FF2B5EF4-FFF2-40B4-BE49-F238E27FC236}">
+                <a16:creationId xmlns:a16="http://schemas.microsoft.com/office/drawing/2014/main" id="{2B7FDE81-4B2A-AEA8-C602-A6637CCCABA6}"/>
+              </a:ext>
+            </a:extLst>
+          </p:cNvPr>
+          <p:cNvGrpSpPr/>
+          <p:nvPr/>
+        </p:nvGrpSpPr>
+        <p:grpSpPr>
+          <a:xfrm>
+            <a:off x="10593136" y="1005534"/>
+            <a:ext cx="793759" cy="793759"/>
+            <a:chOff x="8691472" y="581668"/>
+            <a:chExt cx="1059700" cy="1059700"/>
+          </a:xfrm>
+        </p:grpSpPr>
+        <p:sp>
+          <p:nvSpPr>
+            <p:cNvPr id="2" name="Ovale 1">
+              <a:extLst>
+                <a:ext uri="{FF2B5EF4-FFF2-40B4-BE49-F238E27FC236}">
+                  <a16:creationId xmlns:a16="http://schemas.microsoft.com/office/drawing/2014/main" id="{B01E5624-22B0-05FA-A2A7-841759110EFB}"/>
+                </a:ext>
+              </a:extLst>
+            </p:cNvPr>
+            <p:cNvSpPr/>
+            <p:nvPr/>
+          </p:nvSpPr>
+          <p:spPr>
+            <a:xfrm>
+              <a:off x="8691472" y="581668"/>
+              <a:ext cx="1059700" cy="1059700"/>
+            </a:xfrm>
+            <a:prstGeom prst="ellipse">
+              <a:avLst/>
+            </a:prstGeom>
+            <a:solidFill>
+              <a:srgbClr val="DA627D"/>
+            </a:solidFill>
+            <a:ln>
+              <a:noFill/>
+            </a:ln>
+          </p:spPr>
+          <p:style>
+            <a:lnRef idx="2">
+              <a:schemeClr val="accent1">
+                <a:shade val="15000"/>
+              </a:schemeClr>
+            </a:lnRef>
+            <a:fillRef idx="1">
+              <a:schemeClr val="accent1"/>
+            </a:fillRef>
+            <a:effectRef idx="0">
+              <a:schemeClr val="accent1"/>
+            </a:effectRef>
+            <a:fontRef idx="minor">
+              <a:schemeClr val="lt1"/>
+            </a:fontRef>
+          </p:style>
+          <p:txBody>
+            <a:bodyPr rtlCol="0" anchor="ctr"/>
+            <a:lstStyle/>
+            <a:p>
+              <a:pPr algn="ctr"/>
+              <a:endParaRPr lang="it-IT"/>
+            </a:p>
+          </p:txBody>
+        </p:sp>
+        <p:pic>
+          <p:nvPicPr>
+            <p:cNvPr id="1028" name="Picture 4" descr="Uber logo PNG Images Free Download">
+              <a:extLst>
+                <a:ext uri="{FF2B5EF4-FFF2-40B4-BE49-F238E27FC236}">
+                  <a16:creationId xmlns:a16="http://schemas.microsoft.com/office/drawing/2014/main" id="{DB5D871F-7A80-6D66-25F3-BA9079125089}"/>
+                </a:ext>
+              </a:extLst>
+            </p:cNvPr>
+            <p:cNvPicPr>
+              <a:picLocks noChangeAspect="1" noChangeArrowheads="1"/>
+            </p:cNvPicPr>
+            <p:nvPr/>
+          </p:nvPicPr>
+          <p:blipFill>
+            <a:blip r:embed="rId4">
+              <a:extLst>
+                <a:ext uri="{28A0092B-C50C-407E-A947-70E740481C1C}">
+                  <a14:useLocalDpi xmlns:a14="http://schemas.microsoft.com/office/drawing/2010/main" val="0"/>
+                </a:ext>
+              </a:extLst>
+            </a:blip>
+            <a:srcRect/>
+            <a:stretch>
+              <a:fillRect/>
+            </a:stretch>
+          </p:blipFill>
+          <p:spPr bwMode="auto">
+            <a:xfrm>
+              <a:off x="8760279" y="650475"/>
+              <a:ext cx="922086" cy="922086"/>
+            </a:xfrm>
+            <a:prstGeom prst="rect">
+              <a:avLst/>
+            </a:prstGeom>
+            <a:noFill/>
+            <a:extLst>
+              <a:ext uri="{909E8E84-426E-40DD-AFC4-6F175D3DCCD1}">
+                <a14:hiddenFill xmlns:a14="http://schemas.microsoft.com/office/drawing/2010/main">
+                  <a:solidFill>
+                    <a:srgbClr val="FFFFFF"/>
+                  </a:solidFill>
+                </a14:hiddenFill>
+              </a:ext>
+            </a:extLst>
+          </p:spPr>
+        </p:pic>
+      </p:grpSp>
+      <p:sp>
+        <p:nvSpPr>
+          <p:cNvPr id="9" name="CasellaDiTesto 8">
+            <a:extLst>
+              <a:ext uri="{FF2B5EF4-FFF2-40B4-BE49-F238E27FC236}">
+                <a16:creationId xmlns:a16="http://schemas.microsoft.com/office/drawing/2014/main" id="{E6E0C682-1B8B-D067-188B-AD9191852F2D}"/>
+              </a:ext>
+            </a:extLst>
+          </p:cNvPr>
+          <p:cNvSpPr txBox="1"/>
+          <p:nvPr/>
+        </p:nvSpPr>
+        <p:spPr>
+          <a:xfrm>
+            <a:off x="433466" y="2181418"/>
+            <a:ext cx="4601765" cy="369332"/>
+          </a:xfrm>
+          <a:prstGeom prst="rect">
+            <a:avLst/>
+          </a:prstGeom>
+          <a:noFill/>
+        </p:spPr>
+        <p:txBody>
+          <a:bodyPr wrap="square" rtlCol="0">
+            <a:spAutoFit/>
+          </a:bodyPr>
+          <a:lstStyle/>
+          <a:p>
+            <a:r>
+              <a:rPr lang="en-US" dirty="0">
+                <a:solidFill>
+                  <a:schemeClr val="bg1"/>
+                </a:solidFill>
+              </a:rPr>
+              <a:t>1. PASSENGER </a:t>
+            </a:r>
+            <a:r>
+              <a:rPr lang="en-US" b="1" dirty="0">
+                <a:solidFill>
+                  <a:schemeClr val="bg1"/>
+                </a:solidFill>
+              </a:rPr>
+              <a:t>COMFORT</a:t>
+            </a:r>
+            <a:r>
+              <a:rPr lang="en-US" dirty="0">
+                <a:solidFill>
+                  <a:schemeClr val="bg1"/>
+                </a:solidFill>
+              </a:rPr>
+              <a:t> ASSESSMENT</a:t>
+            </a:r>
+            <a:endParaRPr lang="it-IT" sz="2000" dirty="0">
+              <a:solidFill>
+                <a:schemeClr val="bg1"/>
+              </a:solidFill>
+            </a:endParaRPr>
+          </a:p>
+        </p:txBody>
+      </p:sp>
+      <p:sp>
+        <p:nvSpPr>
+          <p:cNvPr id="10" name="CasellaDiTesto 9">
+            <a:extLst>
+              <a:ext uri="{FF2B5EF4-FFF2-40B4-BE49-F238E27FC236}">
+                <a16:creationId xmlns:a16="http://schemas.microsoft.com/office/drawing/2014/main" id="{375767FC-35B9-9F8F-949F-188A0A89299C}"/>
+              </a:ext>
+            </a:extLst>
+          </p:cNvPr>
+          <p:cNvSpPr txBox="1"/>
+          <p:nvPr/>
+        </p:nvSpPr>
+        <p:spPr>
+          <a:xfrm>
+            <a:off x="433464" y="4939177"/>
+            <a:ext cx="4787297" cy="369332"/>
+          </a:xfrm>
+          <a:prstGeom prst="rect">
+            <a:avLst/>
+          </a:prstGeom>
+          <a:noFill/>
+        </p:spPr>
+        <p:txBody>
+          <a:bodyPr wrap="square" rtlCol="0">
+            <a:spAutoFit/>
+          </a:bodyPr>
+          <a:lstStyle/>
+          <a:p>
+            <a:r>
+              <a:rPr lang="it-IT" dirty="0">
+                <a:solidFill>
+                  <a:schemeClr val="bg1"/>
+                </a:solidFill>
+              </a:rPr>
+              <a:t>5. PASSENGER </a:t>
+            </a:r>
+            <a:r>
+              <a:rPr lang="it-IT" b="1" dirty="0">
+                <a:solidFill>
+                  <a:schemeClr val="bg1"/>
+                </a:solidFill>
+              </a:rPr>
+              <a:t>STRESS</a:t>
+            </a:r>
+            <a:r>
+              <a:rPr lang="it-IT" dirty="0">
+                <a:solidFill>
+                  <a:schemeClr val="bg1"/>
+                </a:solidFill>
+              </a:rPr>
+              <a:t> DETECTION</a:t>
+            </a:r>
+          </a:p>
+        </p:txBody>
+      </p:sp>
+      <p:sp>
+        <p:nvSpPr>
+          <p:cNvPr id="11" name="CasellaDiTesto 10">
+            <a:extLst>
+              <a:ext uri="{FF2B5EF4-FFF2-40B4-BE49-F238E27FC236}">
+                <a16:creationId xmlns:a16="http://schemas.microsoft.com/office/drawing/2014/main" id="{AC0F7A24-6785-0115-9CA9-55DC489A859B}"/>
+              </a:ext>
+            </a:extLst>
+          </p:cNvPr>
+          <p:cNvSpPr txBox="1"/>
+          <p:nvPr/>
+        </p:nvSpPr>
+        <p:spPr>
+          <a:xfrm>
+            <a:off x="433465" y="3559128"/>
+            <a:ext cx="4421377" cy="369332"/>
+          </a:xfrm>
+          <a:prstGeom prst="rect">
+            <a:avLst/>
+          </a:prstGeom>
+          <a:noFill/>
+        </p:spPr>
+        <p:txBody>
+          <a:bodyPr wrap="square" rtlCol="0">
+            <a:spAutoFit/>
+          </a:bodyPr>
+          <a:lstStyle/>
+          <a:p>
+            <a:r>
+              <a:rPr lang="it-IT" dirty="0">
+                <a:solidFill>
+                  <a:schemeClr val="bg1"/>
+                </a:solidFill>
+              </a:rPr>
+              <a:t>3. </a:t>
+            </a:r>
+            <a:r>
+              <a:rPr lang="it-IT" b="1" dirty="0">
+                <a:solidFill>
+                  <a:schemeClr val="bg1"/>
+                </a:solidFill>
+              </a:rPr>
+              <a:t>CONTINUOUS </a:t>
+            </a:r>
+            <a:r>
+              <a:rPr lang="it-IT" dirty="0">
+                <a:solidFill>
+                  <a:schemeClr val="bg1"/>
+                </a:solidFill>
+              </a:rPr>
+              <a:t>DRIVER MONITORING</a:t>
+            </a:r>
+          </a:p>
+        </p:txBody>
+      </p:sp>
+      <p:sp>
+        <p:nvSpPr>
+          <p:cNvPr id="13" name="CasellaDiTesto 12">
+            <a:extLst>
+              <a:ext uri="{FF2B5EF4-FFF2-40B4-BE49-F238E27FC236}">
+                <a16:creationId xmlns:a16="http://schemas.microsoft.com/office/drawing/2014/main" id="{14E426E7-0A22-AE84-D074-65DE9BBA80A3}"/>
+              </a:ext>
+            </a:extLst>
+          </p:cNvPr>
+          <p:cNvSpPr txBox="1"/>
+          <p:nvPr/>
+        </p:nvSpPr>
+        <p:spPr>
+          <a:xfrm>
+            <a:off x="433465" y="2863683"/>
+            <a:ext cx="4421377" cy="369332"/>
+          </a:xfrm>
+          <a:prstGeom prst="rect">
+            <a:avLst/>
+          </a:prstGeom>
+          <a:noFill/>
+        </p:spPr>
+        <p:txBody>
+          <a:bodyPr wrap="square" rtlCol="0">
+            <a:spAutoFit/>
+          </a:bodyPr>
+          <a:lstStyle/>
+          <a:p>
+            <a:r>
+              <a:rPr lang="it-IT" dirty="0">
+                <a:solidFill>
+                  <a:schemeClr val="bg1"/>
+                </a:solidFill>
+              </a:rPr>
+              <a:t>2. </a:t>
+            </a:r>
+            <a:r>
+              <a:rPr lang="it-IT" b="1" dirty="0">
+                <a:solidFill>
+                  <a:schemeClr val="bg1"/>
+                </a:solidFill>
+              </a:rPr>
+              <a:t>PASSIVE</a:t>
+            </a:r>
+            <a:r>
+              <a:rPr lang="it-IT" dirty="0">
+                <a:solidFill>
+                  <a:schemeClr val="bg1"/>
+                </a:solidFill>
+              </a:rPr>
+              <a:t> PASSENGER INVOLVEMENT </a:t>
+            </a:r>
+          </a:p>
+        </p:txBody>
+      </p:sp>
+      <p:sp>
+        <p:nvSpPr>
+          <p:cNvPr id="23" name="CasellaDiTesto 22">
+            <a:extLst>
+              <a:ext uri="{FF2B5EF4-FFF2-40B4-BE49-F238E27FC236}">
+                <a16:creationId xmlns:a16="http://schemas.microsoft.com/office/drawing/2014/main" id="{86377D17-C3F3-A5CB-C0AB-BD1A9E75524F}"/>
+              </a:ext>
+            </a:extLst>
+          </p:cNvPr>
+          <p:cNvSpPr txBox="1"/>
+          <p:nvPr/>
+        </p:nvSpPr>
+        <p:spPr>
+          <a:xfrm>
+            <a:off x="433464" y="5642627"/>
+            <a:ext cx="5137498" cy="369332"/>
+          </a:xfrm>
+          <a:prstGeom prst="rect">
+            <a:avLst/>
+          </a:prstGeom>
+          <a:noFill/>
+        </p:spPr>
+        <p:txBody>
+          <a:bodyPr wrap="square" rtlCol="0">
+            <a:spAutoFit/>
+          </a:bodyPr>
+          <a:lstStyle/>
+          <a:p>
+            <a:r>
+              <a:rPr lang="it-IT" dirty="0">
+                <a:solidFill>
+                  <a:schemeClr val="bg1"/>
+                </a:solidFill>
+              </a:rPr>
+              <a:t>6. </a:t>
+            </a:r>
+            <a:r>
+              <a:rPr lang="it-IT" b="1" dirty="0">
+                <a:solidFill>
+                  <a:schemeClr val="bg1"/>
+                </a:solidFill>
+              </a:rPr>
+              <a:t>TWO-WAY</a:t>
+            </a:r>
+            <a:r>
+              <a:rPr lang="it-IT" dirty="0">
+                <a:solidFill>
+                  <a:schemeClr val="bg1"/>
+                </a:solidFill>
+              </a:rPr>
+              <a:t> RATING SYSTEM</a:t>
+            </a:r>
+          </a:p>
+        </p:txBody>
+      </p:sp>
+      <p:grpSp>
+        <p:nvGrpSpPr>
+          <p:cNvPr id="25" name="Gruppo 24">
+            <a:extLst>
+              <a:ext uri="{FF2B5EF4-FFF2-40B4-BE49-F238E27FC236}">
+                <a16:creationId xmlns:a16="http://schemas.microsoft.com/office/drawing/2014/main" id="{0EBB2397-EB80-0786-0589-5EA8F5C973A0}"/>
+              </a:ext>
+            </a:extLst>
+          </p:cNvPr>
+          <p:cNvGrpSpPr/>
+          <p:nvPr/>
+        </p:nvGrpSpPr>
+        <p:grpSpPr>
+          <a:xfrm>
+            <a:off x="8189185" y="1005593"/>
+            <a:ext cx="793757" cy="793755"/>
+            <a:chOff x="7400242" y="2640918"/>
+            <a:chExt cx="1051607" cy="1051603"/>
+          </a:xfrm>
+        </p:grpSpPr>
+        <p:sp>
+          <p:nvSpPr>
+            <p:cNvPr id="24" name="Rettangolo con angoli arrotondati 23">
+              <a:extLst>
+                <a:ext uri="{FF2B5EF4-FFF2-40B4-BE49-F238E27FC236}">
+                  <a16:creationId xmlns:a16="http://schemas.microsoft.com/office/drawing/2014/main" id="{2EB5CAE7-0F44-9E1F-93B6-6F7386F0F635}"/>
+                </a:ext>
+              </a:extLst>
+            </p:cNvPr>
+            <p:cNvSpPr/>
+            <p:nvPr/>
+          </p:nvSpPr>
+          <p:spPr>
+            <a:xfrm>
+              <a:off x="7400242" y="2640918"/>
+              <a:ext cx="1051607" cy="1051603"/>
+            </a:xfrm>
+            <a:prstGeom prst="roundRect">
+              <a:avLst>
+                <a:gd name="adj" fmla="val 7027"/>
+              </a:avLst>
+            </a:prstGeom>
+            <a:solidFill>
+              <a:srgbClr val="DA627D"/>
+            </a:solidFill>
+            <a:ln>
+              <a:noFill/>
+            </a:ln>
+          </p:spPr>
+          <p:style>
+            <a:lnRef idx="2">
+              <a:schemeClr val="accent1">
+                <a:shade val="15000"/>
+              </a:schemeClr>
+            </a:lnRef>
+            <a:fillRef idx="1">
+              <a:schemeClr val="accent1"/>
+            </a:fillRef>
+            <a:effectRef idx="0">
+              <a:schemeClr val="accent1"/>
+            </a:effectRef>
+            <a:fontRef idx="minor">
+              <a:schemeClr val="lt1"/>
+            </a:fontRef>
+          </p:style>
+          <p:txBody>
+            <a:bodyPr rtlCol="0" anchor="ctr"/>
+            <a:lstStyle/>
+            <a:p>
+              <a:pPr algn="ctr"/>
+              <a:endParaRPr lang="it-IT"/>
+            </a:p>
+          </p:txBody>
+        </p:sp>
+        <p:pic>
+          <p:nvPicPr>
+            <p:cNvPr id="15" name="Immagine 14" descr="Immagine che contiene logo, Carattere, Elementi grafici, design&#10;&#10;Descrizione generata automaticamente">
+              <a:extLst>
+                <a:ext uri="{FF2B5EF4-FFF2-40B4-BE49-F238E27FC236}">
+                  <a16:creationId xmlns:a16="http://schemas.microsoft.com/office/drawing/2014/main" id="{FBC766C8-C936-3E2D-CE8A-C557A3102720}"/>
+                </a:ext>
+              </a:extLst>
+            </p:cNvPr>
+            <p:cNvPicPr>
+              <a:picLocks noChangeAspect="1"/>
+            </p:cNvPicPr>
+            <p:nvPr/>
+          </p:nvPicPr>
+          <p:blipFill>
+            <a:blip r:embed="rId5">
+              <a:extLst>
+                <a:ext uri="{28A0092B-C50C-407E-A947-70E740481C1C}">
+                  <a14:useLocalDpi xmlns:a14="http://schemas.microsoft.com/office/drawing/2010/main" val="0"/>
+                </a:ext>
+              </a:extLst>
+            </a:blip>
+            <a:stretch>
+              <a:fillRect/>
+            </a:stretch>
+          </p:blipFill>
+          <p:spPr>
+            <a:xfrm>
+              <a:off x="7480035" y="2720709"/>
+              <a:ext cx="892020" cy="892020"/>
+            </a:xfrm>
+            <a:prstGeom prst="rect">
+              <a:avLst/>
+            </a:prstGeom>
+          </p:spPr>
+        </p:pic>
+      </p:grpSp>
+      <p:sp>
+        <p:nvSpPr>
+          <p:cNvPr id="27" name="CasellaDiTesto 26">
+            <a:extLst>
+              <a:ext uri="{FF2B5EF4-FFF2-40B4-BE49-F238E27FC236}">
+                <a16:creationId xmlns:a16="http://schemas.microsoft.com/office/drawing/2014/main" id="{53FC283E-F166-A3F7-DF9B-4F58B3C4C9FF}"/>
+              </a:ext>
+            </a:extLst>
+          </p:cNvPr>
+          <p:cNvSpPr txBox="1"/>
+          <p:nvPr/>
+        </p:nvSpPr>
+        <p:spPr>
+          <a:xfrm>
+            <a:off x="433464" y="4254913"/>
+            <a:ext cx="3943861" cy="369332"/>
+          </a:xfrm>
+          <a:prstGeom prst="rect">
+            <a:avLst/>
+          </a:prstGeom>
+          <a:noFill/>
+        </p:spPr>
+        <p:txBody>
+          <a:bodyPr wrap="square" rtlCol="0">
+            <a:spAutoFit/>
+          </a:bodyPr>
+          <a:lstStyle/>
+          <a:p>
+            <a:r>
+              <a:rPr lang="it-IT" dirty="0">
+                <a:solidFill>
+                  <a:schemeClr val="bg1"/>
+                </a:solidFill>
+              </a:rPr>
+              <a:t>4. </a:t>
+            </a:r>
+            <a:r>
+              <a:rPr lang="it-IT" b="1" dirty="0">
+                <a:solidFill>
+                  <a:schemeClr val="bg1"/>
+                </a:solidFill>
+              </a:rPr>
+              <a:t>OBJECTIVE</a:t>
+            </a:r>
+            <a:r>
+              <a:rPr lang="it-IT" dirty="0">
+                <a:solidFill>
+                  <a:schemeClr val="bg1"/>
+                </a:solidFill>
+              </a:rPr>
+              <a:t> FEEDBACK</a:t>
+            </a:r>
+          </a:p>
+        </p:txBody>
+      </p:sp>
+      <p:cxnSp>
+        <p:nvCxnSpPr>
+          <p:cNvPr id="26" name="Connettore diritto 25">
+            <a:extLst>
+              <a:ext uri="{FF2B5EF4-FFF2-40B4-BE49-F238E27FC236}">
+                <a16:creationId xmlns:a16="http://schemas.microsoft.com/office/drawing/2014/main" id="{03AB7B18-958F-C0B8-0160-C9DD92C143FD}"/>
+              </a:ext>
+            </a:extLst>
+          </p:cNvPr>
+          <p:cNvCxnSpPr>
+            <a:cxnSpLocks/>
+          </p:cNvCxnSpPr>
+          <p:nvPr/>
+        </p:nvCxnSpPr>
+        <p:spPr>
+          <a:xfrm>
+            <a:off x="0" y="2009364"/>
+            <a:ext cx="12192000" cy="0"/>
+          </a:xfrm>
+          <a:prstGeom prst="line">
+            <a:avLst/>
+          </a:prstGeom>
+          <a:ln w="28575">
+            <a:solidFill>
+              <a:schemeClr val="bg1"/>
+            </a:solidFill>
+          </a:ln>
+        </p:spPr>
+        <p:style>
+          <a:lnRef idx="2">
+            <a:schemeClr val="accent1"/>
+          </a:lnRef>
+          <a:fillRef idx="0">
+            <a:schemeClr val="accent1"/>
+          </a:fillRef>
+          <a:effectRef idx="1">
+            <a:schemeClr val="accent1"/>
+          </a:effectRef>
+          <a:fontRef idx="minor">
+            <a:schemeClr val="tx1"/>
+          </a:fontRef>
+        </p:style>
+      </p:cxnSp>
+      <p:pic>
+        <p:nvPicPr>
+          <p:cNvPr id="1031" name="Immagine 1030" descr="Immagine che contiene clipart, Elementi grafici, simbolo, logo&#10;&#10;Descrizione generata automaticamente">
+            <a:extLst>
+              <a:ext uri="{FF2B5EF4-FFF2-40B4-BE49-F238E27FC236}">
+                <a16:creationId xmlns:a16="http://schemas.microsoft.com/office/drawing/2014/main" id="{80ECC7A8-F5BE-2C23-02ED-B985A902718C}"/>
+              </a:ext>
+            </a:extLst>
+          </p:cNvPr>
+          <p:cNvPicPr>
+            <a:picLocks noChangeAspect="1"/>
+          </p:cNvPicPr>
+          <p:nvPr/>
+        </p:nvPicPr>
+        <p:blipFill>
+          <a:blip r:embed="rId3">
+            <a:extLst>
+              <a:ext uri="{28A0092B-C50C-407E-A947-70E740481C1C}">
+                <a14:useLocalDpi xmlns:a14="http://schemas.microsoft.com/office/drawing/2010/main" val="0"/>
+              </a:ext>
+            </a:extLst>
+          </a:blip>
+          <a:stretch>
+            <a:fillRect/>
+          </a:stretch>
+        </p:blipFill>
+        <p:spPr>
+          <a:xfrm>
+            <a:off x="5933206" y="2793863"/>
+            <a:ext cx="497809" cy="497809"/>
           </a:xfrm>
           <a:prstGeom prst="rect">
             <a:avLst/>
@@ -4468,10 +7172,10 @@
       </p:pic>
       <p:pic>
         <p:nvPicPr>
-          <p:cNvPr id="43" name="Immagine 42" descr="Immagine che contiene clipart, Elementi grafici, simbolo, logo&#10;&#10;Descrizione generata automaticamente">
-            <a:extLst>
-              <a:ext uri="{FF2B5EF4-FFF2-40B4-BE49-F238E27FC236}">
-                <a16:creationId xmlns:a16="http://schemas.microsoft.com/office/drawing/2014/main" id="{7FA25864-EFEA-DD01-B9B3-382385A99704}"/>
+          <p:cNvPr id="1032" name="Immagine 1031" descr="Immagine che contiene clipart, Elementi grafici, simbolo, logo&#10;&#10;Descrizione generata automaticamente">
+            <a:extLst>
+              <a:ext uri="{FF2B5EF4-FFF2-40B4-BE49-F238E27FC236}">
+                <a16:creationId xmlns:a16="http://schemas.microsoft.com/office/drawing/2014/main" id="{434A7532-95DF-59F7-7EF0-F0B1EC2A19FE}"/>
               </a:ext>
             </a:extLst>
           </p:cNvPr>
@@ -4481,7 +7185,7 @@
           <p:nvPr/>
         </p:nvPicPr>
         <p:blipFill>
-          <a:blip r:embed="rId2">
+          <a:blip r:embed="rId3">
             <a:extLst>
               <a:ext uri="{28A0092B-C50C-407E-A947-70E740481C1C}">
                 <a14:useLocalDpi xmlns:a14="http://schemas.microsoft.com/office/drawing/2010/main" val="0"/>
@@ -4494,8 +7198,8 @@
         </p:blipFill>
         <p:spPr>
           <a:xfrm>
-            <a:off x="4834120" y="3131435"/>
-            <a:ext cx="595130" cy="595130"/>
+            <a:off x="5933206" y="3493971"/>
+            <a:ext cx="497809" cy="497809"/>
           </a:xfrm>
           <a:prstGeom prst="rect">
             <a:avLst/>
@@ -4504,15 +7208,15 @@
       </p:pic>
       <p:pic>
         <p:nvPicPr>
-          <p:cNvPr id="1028" name="Picture 4" descr="Uber logo PNG Images Free Download">
-            <a:extLst>
-              <a:ext uri="{FF2B5EF4-FFF2-40B4-BE49-F238E27FC236}">
-                <a16:creationId xmlns:a16="http://schemas.microsoft.com/office/drawing/2014/main" id="{DB5D871F-7A80-6D66-25F3-BA9079125089}"/>
+          <p:cNvPr id="1033" name="Immagine 1032" descr="Immagine che contiene clipart, Elementi grafici, simbolo, logo&#10;&#10;Descrizione generata automaticamente">
+            <a:extLst>
+              <a:ext uri="{FF2B5EF4-FFF2-40B4-BE49-F238E27FC236}">
+                <a16:creationId xmlns:a16="http://schemas.microsoft.com/office/drawing/2014/main" id="{816DCE28-D6F0-481A-88B2-2DA64CFD18B0}"/>
               </a:ext>
             </a:extLst>
           </p:cNvPr>
           <p:cNvPicPr>
-            <a:picLocks noChangeAspect="1" noChangeArrowheads="1"/>
+            <a:picLocks noChangeAspect="1"/>
           </p:cNvPicPr>
           <p:nvPr/>
         </p:nvPicPr>
@@ -4524,71 +7228,380 @@
               </a:ext>
             </a:extLst>
           </a:blip>
-          <a:srcRect/>
           <a:stretch>
             <a:fillRect/>
           </a:stretch>
         </p:blipFill>
-        <p:spPr bwMode="auto">
+        <p:spPr>
           <a:xfrm>
-            <a:off x="7281897" y="1391105"/>
-            <a:ext cx="922086" cy="922086"/>
+            <a:off x="5933206" y="4188576"/>
+            <a:ext cx="497809" cy="497809"/>
           </a:xfrm>
           <a:prstGeom prst="rect">
             <a:avLst/>
           </a:prstGeom>
-          <a:noFill/>
-          <a:extLst>
-            <a:ext uri="{909E8E84-426E-40DD-AFC4-6F175D3DCCD1}">
-              <a14:hiddenFill xmlns:a14="http://schemas.microsoft.com/office/drawing/2010/main">
-                <a:solidFill>
-                  <a:srgbClr val="FFFFFF"/>
-                </a:solidFill>
-              </a14:hiddenFill>
-            </a:ext>
-          </a:extLst>
         </p:spPr>
       </p:pic>
-      <p:sp>
-        <p:nvSpPr>
-          <p:cNvPr id="44" name="CasellaDiTesto 43">
-            <a:extLst>
-              <a:ext uri="{FF2B5EF4-FFF2-40B4-BE49-F238E27FC236}">
-                <a16:creationId xmlns:a16="http://schemas.microsoft.com/office/drawing/2014/main" id="{130CD93E-DFCA-F76A-E73F-8A231997DE6F}"/>
-              </a:ext>
-            </a:extLst>
-          </p:cNvPr>
-          <p:cNvSpPr txBox="1"/>
+      <p:pic>
+        <p:nvPicPr>
+          <p:cNvPr id="1034" name="Immagine 1033" descr="Immagine che contiene clipart, Elementi grafici, simbolo, logo&#10;&#10;Descrizione generata automaticamente">
+            <a:extLst>
+              <a:ext uri="{FF2B5EF4-FFF2-40B4-BE49-F238E27FC236}">
+                <a16:creationId xmlns:a16="http://schemas.microsoft.com/office/drawing/2014/main" id="{B8C172AE-4B9D-7752-FA6B-636F62F113FB}"/>
+              </a:ext>
+            </a:extLst>
+          </p:cNvPr>
+          <p:cNvPicPr>
+            <a:picLocks noChangeAspect="1"/>
+          </p:cNvPicPr>
           <p:nvPr/>
-        </p:nvSpPr>
+        </p:nvPicPr>
+        <p:blipFill>
+          <a:blip r:embed="rId3">
+            <a:extLst>
+              <a:ext uri="{28A0092B-C50C-407E-A947-70E740481C1C}">
+                <a14:useLocalDpi xmlns:a14="http://schemas.microsoft.com/office/drawing/2010/main" val="0"/>
+              </a:ext>
+            </a:extLst>
+          </a:blip>
+          <a:stretch>
+            <a:fillRect/>
+          </a:stretch>
+        </p:blipFill>
         <p:spPr>
           <a:xfrm>
-            <a:off x="627745" y="3459237"/>
-            <a:ext cx="3123336" cy="400110"/>
+            <a:off x="5933206" y="4874938"/>
+            <a:ext cx="497809" cy="497809"/>
           </a:xfrm>
           <a:prstGeom prst="rect">
             <a:avLst/>
           </a:prstGeom>
-          <a:noFill/>
         </p:spPr>
-        <p:txBody>
-          <a:bodyPr wrap="square" rtlCol="0">
-            <a:spAutoFit/>
-          </a:bodyPr>
-          <a:lstStyle/>
-          <a:p>
-            <a:pPr algn="ctr"/>
-            <a:r>
-              <a:rPr lang="it-IT" sz="2000" dirty="0">
-                <a:solidFill>
-                  <a:schemeClr val="bg1"/>
-                </a:solidFill>
-              </a:rPr>
-              <a:t>FER</a:t>
-            </a:r>
-          </a:p>
-        </p:txBody>
-      </p:sp>
+      </p:pic>
+      <p:pic>
+        <p:nvPicPr>
+          <p:cNvPr id="1035" name="Immagine 1034" descr="Immagine che contiene clipart, Elementi grafici, simbolo, logo&#10;&#10;Descrizione generata automaticamente">
+            <a:extLst>
+              <a:ext uri="{FF2B5EF4-FFF2-40B4-BE49-F238E27FC236}">
+                <a16:creationId xmlns:a16="http://schemas.microsoft.com/office/drawing/2014/main" id="{04B4D88A-AFCF-89AE-923C-B7788E3B952C}"/>
+              </a:ext>
+            </a:extLst>
+          </p:cNvPr>
+          <p:cNvPicPr>
+            <a:picLocks noChangeAspect="1"/>
+          </p:cNvPicPr>
+          <p:nvPr/>
+        </p:nvPicPr>
+        <p:blipFill>
+          <a:blip r:embed="rId3">
+            <a:extLst>
+              <a:ext uri="{28A0092B-C50C-407E-A947-70E740481C1C}">
+                <a14:useLocalDpi xmlns:a14="http://schemas.microsoft.com/office/drawing/2010/main" val="0"/>
+              </a:ext>
+            </a:extLst>
+          </a:blip>
+          <a:stretch>
+            <a:fillRect/>
+          </a:stretch>
+        </p:blipFill>
+        <p:spPr>
+          <a:xfrm>
+            <a:off x="5933206" y="5575046"/>
+            <a:ext cx="497809" cy="497809"/>
+          </a:xfrm>
+          <a:prstGeom prst="rect">
+            <a:avLst/>
+          </a:prstGeom>
+        </p:spPr>
+      </p:pic>
+      <p:pic>
+        <p:nvPicPr>
+          <p:cNvPr id="1036" name="Immagine 1035" descr="Immagine che contiene clipart, Elementi grafici, simbolo, logo&#10;&#10;Descrizione generata automaticamente">
+            <a:extLst>
+              <a:ext uri="{FF2B5EF4-FFF2-40B4-BE49-F238E27FC236}">
+                <a16:creationId xmlns:a16="http://schemas.microsoft.com/office/drawing/2014/main" id="{3BA1EE66-73F4-D25C-0C44-8DC27CED368F}"/>
+              </a:ext>
+            </a:extLst>
+          </p:cNvPr>
+          <p:cNvPicPr>
+            <a:picLocks noChangeAspect="1"/>
+          </p:cNvPicPr>
+          <p:nvPr/>
+        </p:nvPicPr>
+        <p:blipFill>
+          <a:blip r:embed="rId3">
+            <a:extLst>
+              <a:ext uri="{28A0092B-C50C-407E-A947-70E740481C1C}">
+                <a14:useLocalDpi xmlns:a14="http://schemas.microsoft.com/office/drawing/2010/main" val="0"/>
+              </a:ext>
+            </a:extLst>
+          </a:blip>
+          <a:stretch>
+            <a:fillRect/>
+          </a:stretch>
+        </p:blipFill>
+        <p:spPr>
+          <a:xfrm>
+            <a:off x="5933205" y="6264156"/>
+            <a:ext cx="497809" cy="497809"/>
+          </a:xfrm>
+          <a:prstGeom prst="rect">
+            <a:avLst/>
+          </a:prstGeom>
+        </p:spPr>
+      </p:pic>
+      <p:pic>
+        <p:nvPicPr>
+          <p:cNvPr id="1039" name="Immagine 1038" descr="Immagine che contiene clipart, Elementi grafici, simbolo, logo&#10;&#10;Descrizione generata automaticamente">
+            <a:extLst>
+              <a:ext uri="{FF2B5EF4-FFF2-40B4-BE49-F238E27FC236}">
+                <a16:creationId xmlns:a16="http://schemas.microsoft.com/office/drawing/2014/main" id="{203494FC-F14E-C92F-BE89-985CB8BAEDEC}"/>
+              </a:ext>
+            </a:extLst>
+          </p:cNvPr>
+          <p:cNvPicPr>
+            <a:picLocks noChangeAspect="1"/>
+          </p:cNvPicPr>
+          <p:nvPr/>
+        </p:nvPicPr>
+        <p:blipFill>
+          <a:blip r:embed="rId3">
+            <a:extLst>
+              <a:ext uri="{28A0092B-C50C-407E-A947-70E740481C1C}">
+                <a14:useLocalDpi xmlns:a14="http://schemas.microsoft.com/office/drawing/2010/main" val="0"/>
+              </a:ext>
+            </a:extLst>
+          </a:blip>
+          <a:stretch>
+            <a:fillRect/>
+          </a:stretch>
+        </p:blipFill>
+        <p:spPr>
+          <a:xfrm>
+            <a:off x="8337159" y="2793863"/>
+            <a:ext cx="497809" cy="497809"/>
+          </a:xfrm>
+          <a:prstGeom prst="rect">
+            <a:avLst/>
+          </a:prstGeom>
+        </p:spPr>
+      </p:pic>
+      <p:pic>
+        <p:nvPicPr>
+          <p:cNvPr id="1040" name="Immagine 1039" descr="Immagine che contiene clipart, Elementi grafici, simbolo, logo&#10;&#10;Descrizione generata automaticamente">
+            <a:extLst>
+              <a:ext uri="{FF2B5EF4-FFF2-40B4-BE49-F238E27FC236}">
+                <a16:creationId xmlns:a16="http://schemas.microsoft.com/office/drawing/2014/main" id="{ECDF2912-D3C4-33F9-FAD6-042ED5C89336}"/>
+              </a:ext>
+            </a:extLst>
+          </p:cNvPr>
+          <p:cNvPicPr>
+            <a:picLocks noChangeAspect="1"/>
+          </p:cNvPicPr>
+          <p:nvPr/>
+        </p:nvPicPr>
+        <p:blipFill>
+          <a:blip r:embed="rId3">
+            <a:extLst>
+              <a:ext uri="{28A0092B-C50C-407E-A947-70E740481C1C}">
+                <a14:useLocalDpi xmlns:a14="http://schemas.microsoft.com/office/drawing/2010/main" val="0"/>
+              </a:ext>
+            </a:extLst>
+          </a:blip>
+          <a:stretch>
+            <a:fillRect/>
+          </a:stretch>
+        </p:blipFill>
+        <p:spPr>
+          <a:xfrm>
+            <a:off x="8337159" y="3493971"/>
+            <a:ext cx="497809" cy="497809"/>
+          </a:xfrm>
+          <a:prstGeom prst="rect">
+            <a:avLst/>
+          </a:prstGeom>
+        </p:spPr>
+      </p:pic>
+      <p:pic>
+        <p:nvPicPr>
+          <p:cNvPr id="1041" name="Immagine 1040" descr="Immagine che contiene clipart, Elementi grafici, simbolo, logo&#10;&#10;Descrizione generata automaticamente">
+            <a:extLst>
+              <a:ext uri="{FF2B5EF4-FFF2-40B4-BE49-F238E27FC236}">
+                <a16:creationId xmlns:a16="http://schemas.microsoft.com/office/drawing/2014/main" id="{86461E6C-7E59-B173-2EA1-DBCA077B0DA4}"/>
+              </a:ext>
+            </a:extLst>
+          </p:cNvPr>
+          <p:cNvPicPr>
+            <a:picLocks noChangeAspect="1"/>
+          </p:cNvPicPr>
+          <p:nvPr/>
+        </p:nvPicPr>
+        <p:blipFill>
+          <a:blip r:embed="rId3">
+            <a:extLst>
+              <a:ext uri="{28A0092B-C50C-407E-A947-70E740481C1C}">
+                <a14:useLocalDpi xmlns:a14="http://schemas.microsoft.com/office/drawing/2010/main" val="0"/>
+              </a:ext>
+            </a:extLst>
+          </a:blip>
+          <a:stretch>
+            <a:fillRect/>
+          </a:stretch>
+        </p:blipFill>
+        <p:spPr>
+          <a:xfrm>
+            <a:off x="8337159" y="4188576"/>
+            <a:ext cx="497809" cy="497809"/>
+          </a:xfrm>
+          <a:prstGeom prst="rect">
+            <a:avLst/>
+          </a:prstGeom>
+        </p:spPr>
+      </p:pic>
+      <p:pic>
+        <p:nvPicPr>
+          <p:cNvPr id="1043" name="Immagine 1042" descr="Immagine che contiene clipart, Elementi grafici, simbolo, logo&#10;&#10;Descrizione generata automaticamente">
+            <a:extLst>
+              <a:ext uri="{FF2B5EF4-FFF2-40B4-BE49-F238E27FC236}">
+                <a16:creationId xmlns:a16="http://schemas.microsoft.com/office/drawing/2014/main" id="{7A31E427-2C0D-556E-834F-F6A417D82D28}"/>
+              </a:ext>
+            </a:extLst>
+          </p:cNvPr>
+          <p:cNvPicPr>
+            <a:picLocks noChangeAspect="1"/>
+          </p:cNvPicPr>
+          <p:nvPr/>
+        </p:nvPicPr>
+        <p:blipFill>
+          <a:blip r:embed="rId3">
+            <a:extLst>
+              <a:ext uri="{28A0092B-C50C-407E-A947-70E740481C1C}">
+                <a14:useLocalDpi xmlns:a14="http://schemas.microsoft.com/office/drawing/2010/main" val="0"/>
+              </a:ext>
+            </a:extLst>
+          </a:blip>
+          <a:stretch>
+            <a:fillRect/>
+          </a:stretch>
+        </p:blipFill>
+        <p:spPr>
+          <a:xfrm>
+            <a:off x="8337159" y="5575046"/>
+            <a:ext cx="497809" cy="497809"/>
+          </a:xfrm>
+          <a:prstGeom prst="rect">
+            <a:avLst/>
+          </a:prstGeom>
+        </p:spPr>
+      </p:pic>
+      <p:pic>
+        <p:nvPicPr>
+          <p:cNvPr id="1044" name="Immagine 1043" descr="Immagine che contiene clipart, Elementi grafici, simbolo, logo&#10;&#10;Descrizione generata automaticamente">
+            <a:extLst>
+              <a:ext uri="{FF2B5EF4-FFF2-40B4-BE49-F238E27FC236}">
+                <a16:creationId xmlns:a16="http://schemas.microsoft.com/office/drawing/2014/main" id="{643D6AF8-9674-4841-2CE0-3998CA7C934E}"/>
+              </a:ext>
+            </a:extLst>
+          </p:cNvPr>
+          <p:cNvPicPr>
+            <a:picLocks noChangeAspect="1"/>
+          </p:cNvPicPr>
+          <p:nvPr/>
+        </p:nvPicPr>
+        <p:blipFill>
+          <a:blip r:embed="rId3">
+            <a:extLst>
+              <a:ext uri="{28A0092B-C50C-407E-A947-70E740481C1C}">
+                <a14:useLocalDpi xmlns:a14="http://schemas.microsoft.com/office/drawing/2010/main" val="0"/>
+              </a:ext>
+            </a:extLst>
+          </a:blip>
+          <a:stretch>
+            <a:fillRect/>
+          </a:stretch>
+        </p:blipFill>
+        <p:spPr>
+          <a:xfrm>
+            <a:off x="8337158" y="6264156"/>
+            <a:ext cx="497809" cy="497809"/>
+          </a:xfrm>
+          <a:prstGeom prst="rect">
+            <a:avLst/>
+          </a:prstGeom>
+        </p:spPr>
+      </p:pic>
+      <p:pic>
+        <p:nvPicPr>
+          <p:cNvPr id="1050" name="Immagine 1049" descr="Immagine che contiene clipart, Elementi grafici, simbolo, logo&#10;&#10;Descrizione generata automaticamente">
+            <a:extLst>
+              <a:ext uri="{FF2B5EF4-FFF2-40B4-BE49-F238E27FC236}">
+                <a16:creationId xmlns:a16="http://schemas.microsoft.com/office/drawing/2014/main" id="{CF641A1C-E48C-12A1-3991-EB7D8B8A6ED9}"/>
+              </a:ext>
+            </a:extLst>
+          </p:cNvPr>
+          <p:cNvPicPr>
+            <a:picLocks noChangeAspect="1"/>
+          </p:cNvPicPr>
+          <p:nvPr/>
+        </p:nvPicPr>
+        <p:blipFill>
+          <a:blip r:embed="rId3">
+            <a:extLst>
+              <a:ext uri="{28A0092B-C50C-407E-A947-70E740481C1C}">
+                <a14:useLocalDpi xmlns:a14="http://schemas.microsoft.com/office/drawing/2010/main" val="0"/>
+              </a:ext>
+            </a:extLst>
+          </a:blip>
+          <a:stretch>
+            <a:fillRect/>
+          </a:stretch>
+        </p:blipFill>
+        <p:spPr>
+          <a:xfrm>
+            <a:off x="10741116" y="5575046"/>
+            <a:ext cx="497809" cy="497809"/>
+          </a:xfrm>
+          <a:prstGeom prst="rect">
+            <a:avLst/>
+          </a:prstGeom>
+        </p:spPr>
+      </p:pic>
+      <p:pic>
+        <p:nvPicPr>
+          <p:cNvPr id="1051" name="Immagine 1050" descr="Immagine che contiene clipart, Elementi grafici, simbolo, logo&#10;&#10;Descrizione generata automaticamente">
+            <a:extLst>
+              <a:ext uri="{FF2B5EF4-FFF2-40B4-BE49-F238E27FC236}">
+                <a16:creationId xmlns:a16="http://schemas.microsoft.com/office/drawing/2014/main" id="{D3B3AFE5-731E-1D72-D1C1-56673B2142B2}"/>
+              </a:ext>
+            </a:extLst>
+          </p:cNvPr>
+          <p:cNvPicPr>
+            <a:picLocks noChangeAspect="1"/>
+          </p:cNvPicPr>
+          <p:nvPr/>
+        </p:nvPicPr>
+        <p:blipFill>
+          <a:blip r:embed="rId3">
+            <a:extLst>
+              <a:ext uri="{28A0092B-C50C-407E-A947-70E740481C1C}">
+                <a14:useLocalDpi xmlns:a14="http://schemas.microsoft.com/office/drawing/2010/main" val="0"/>
+              </a:ext>
+            </a:extLst>
+          </a:blip>
+          <a:stretch>
+            <a:fillRect/>
+          </a:stretch>
+        </p:blipFill>
+        <p:spPr>
+          <a:xfrm>
+            <a:off x="10741115" y="6264156"/>
+            <a:ext cx="497809" cy="497809"/>
+          </a:xfrm>
+          <a:prstGeom prst="rect">
+            <a:avLst/>
+          </a:prstGeom>
+        </p:spPr>
+      </p:pic>
     </p:spTree>
     <p:extLst>
       <p:ext uri="{BB962C8B-B14F-4D97-AF65-F5344CB8AC3E}">
@@ -4915,4 +7928,319 @@
     </a:ext>
   </a:extLst>
 </a:theme>
+</file>
+
+<file path=ppt/theme/theme2.xml><?xml version="1.0" encoding="utf-8"?>
+<a:theme xmlns:a="http://schemas.openxmlformats.org/drawingml/2006/main" name="Tema di Office">
+  <a:themeElements>
+    <a:clrScheme name="Office">
+      <a:dk1>
+        <a:sysClr val="windowText" lastClr="000000"/>
+      </a:dk1>
+      <a:lt1>
+        <a:sysClr val="window" lastClr="FFFFFF"/>
+      </a:lt1>
+      <a:dk2>
+        <a:srgbClr val="0E2841"/>
+      </a:dk2>
+      <a:lt2>
+        <a:srgbClr val="E8E8E8"/>
+      </a:lt2>
+      <a:accent1>
+        <a:srgbClr val="156082"/>
+      </a:accent1>
+      <a:accent2>
+        <a:srgbClr val="E97132"/>
+      </a:accent2>
+      <a:accent3>
+        <a:srgbClr val="196B24"/>
+      </a:accent3>
+      <a:accent4>
+        <a:srgbClr val="0F9ED5"/>
+      </a:accent4>
+      <a:accent5>
+        <a:srgbClr val="A02B93"/>
+      </a:accent5>
+      <a:accent6>
+        <a:srgbClr val="4EA72E"/>
+      </a:accent6>
+      <a:hlink>
+        <a:srgbClr val="467886"/>
+      </a:hlink>
+      <a:folHlink>
+        <a:srgbClr val="96607D"/>
+      </a:folHlink>
+    </a:clrScheme>
+    <a:fontScheme name="Office">
+      <a:majorFont>
+        <a:latin typeface="Aptos Display" panose="02110004020202020204"/>
+        <a:ea typeface=""/>
+        <a:cs typeface=""/>
+        <a:font script="Jpan" typeface="游ゴシック Light"/>
+        <a:font script="Hang" typeface="맑은 고딕"/>
+        <a:font script="Hans" typeface="等线 Light"/>
+        <a:font script="Hant" typeface="新細明體"/>
+        <a:font script="Arab" typeface="Times New Roman"/>
+        <a:font script="Hebr" typeface="Times New Roman"/>
+        <a:font script="Thai" typeface="Angsana New"/>
+        <a:font script="Ethi" typeface="Nyala"/>
+        <a:font script="Beng" typeface="Vrinda"/>
+        <a:font script="Gujr" typeface="Shruti"/>
+        <a:font script="Khmr" typeface="MoolBoran"/>
+        <a:font script="Knda" typeface="Tunga"/>
+        <a:font script="Guru" typeface="Raavi"/>
+        <a:font script="Cans" typeface="Euphemia"/>
+        <a:font script="Cher" typeface="Plantagenet Cherokee"/>
+        <a:font script="Yiii" typeface="Microsoft Yi Baiti"/>
+        <a:font script="Tibt" typeface="Microsoft Himalaya"/>
+        <a:font script="Thaa" typeface="MV Boli"/>
+        <a:font script="Deva" typeface="Mangal"/>
+        <a:font script="Telu" typeface="Gautami"/>
+        <a:font script="Taml" typeface="Latha"/>
+        <a:font script="Syrc" typeface="Estrangelo Edessa"/>
+        <a:font script="Orya" typeface="Kalinga"/>
+        <a:font script="Mlym" typeface="Kartika"/>
+        <a:font script="Laoo" typeface="DokChampa"/>
+        <a:font script="Sinh" typeface="Iskoola Pota"/>
+        <a:font script="Mong" typeface="Mongolian Baiti"/>
+        <a:font script="Viet" typeface="Times New Roman"/>
+        <a:font script="Uigh" typeface="Microsoft Uighur"/>
+        <a:font script="Geor" typeface="Sylfaen"/>
+        <a:font script="Armn" typeface="Arial"/>
+        <a:font script="Bugi" typeface="Leelawadee UI"/>
+        <a:font script="Bopo" typeface="Microsoft JhengHei"/>
+        <a:font script="Java" typeface="Javanese Text"/>
+        <a:font script="Lisu" typeface="Segoe UI"/>
+        <a:font script="Mymr" typeface="Myanmar Text"/>
+        <a:font script="Nkoo" typeface="Ebrima"/>
+        <a:font script="Olck" typeface="Nirmala UI"/>
+        <a:font script="Osma" typeface="Ebrima"/>
+        <a:font script="Phag" typeface="Phagspa"/>
+        <a:font script="Syrn" typeface="Estrangelo Edessa"/>
+        <a:font script="Syrj" typeface="Estrangelo Edessa"/>
+        <a:font script="Syre" typeface="Estrangelo Edessa"/>
+        <a:font script="Sora" typeface="Nirmala UI"/>
+        <a:font script="Tale" typeface="Microsoft Tai Le"/>
+        <a:font script="Talu" typeface="Microsoft New Tai Lue"/>
+        <a:font script="Tfng" typeface="Ebrima"/>
+      </a:majorFont>
+      <a:minorFont>
+        <a:latin typeface="Aptos" panose="02110004020202020204"/>
+        <a:ea typeface=""/>
+        <a:cs typeface=""/>
+        <a:font script="Jpan" typeface="游ゴシック"/>
+        <a:font script="Hang" typeface="맑은 고딕"/>
+        <a:font script="Hans" typeface="等线"/>
+        <a:font script="Hant" typeface="新細明體"/>
+        <a:font script="Arab" typeface="Arial"/>
+        <a:font script="Hebr" typeface="Arial"/>
+        <a:font script="Thai" typeface="Cordia New"/>
+        <a:font script="Ethi" typeface="Nyala"/>
+        <a:font script="Beng" typeface="Vrinda"/>
+        <a:font script="Gujr" typeface="Shruti"/>
+        <a:font script="Khmr" typeface="DaunPenh"/>
+        <a:font script="Knda" typeface="Tunga"/>
+        <a:font script="Guru" typeface="Raavi"/>
+        <a:font script="Cans" typeface="Euphemia"/>
+        <a:font script="Cher" typeface="Plantagenet Cherokee"/>
+        <a:font script="Yiii" typeface="Microsoft Yi Baiti"/>
+        <a:font script="Tibt" typeface="Microsoft Himalaya"/>
+        <a:font script="Thaa" typeface="MV Boli"/>
+        <a:font script="Deva" typeface="Mangal"/>
+        <a:font script="Telu" typeface="Gautami"/>
+        <a:font script="Taml" typeface="Latha"/>
+        <a:font script="Syrc" typeface="Estrangelo Edessa"/>
+        <a:font script="Orya" typeface="Kalinga"/>
+        <a:font script="Mlym" typeface="Kartika"/>
+        <a:font script="Laoo" typeface="DokChampa"/>
+        <a:font script="Sinh" typeface="Iskoola Pota"/>
+        <a:font script="Mong" typeface="Mongolian Baiti"/>
+        <a:font script="Viet" typeface="Arial"/>
+        <a:font script="Uigh" typeface="Microsoft Uighur"/>
+        <a:font script="Geor" typeface="Sylfaen"/>
+        <a:font script="Armn" typeface="Arial"/>
+        <a:font script="Bugi" typeface="Leelawadee UI"/>
+        <a:font script="Bopo" typeface="Microsoft JhengHei"/>
+        <a:font script="Java" typeface="Javanese Text"/>
+        <a:font script="Lisu" typeface="Segoe UI"/>
+        <a:font script="Mymr" typeface="Myanmar Text"/>
+        <a:font script="Nkoo" typeface="Ebrima"/>
+        <a:font script="Olck" typeface="Nirmala UI"/>
+        <a:font script="Osma" typeface="Ebrima"/>
+        <a:font script="Phag" typeface="Phagspa"/>
+        <a:font script="Syrn" typeface="Estrangelo Edessa"/>
+        <a:font script="Syrj" typeface="Estrangelo Edessa"/>
+        <a:font script="Syre" typeface="Estrangelo Edessa"/>
+        <a:font script="Sora" typeface="Nirmala UI"/>
+        <a:font script="Tale" typeface="Microsoft Tai Le"/>
+        <a:font script="Talu" typeface="Microsoft New Tai Lue"/>
+        <a:font script="Tfng" typeface="Ebrima"/>
+      </a:minorFont>
+    </a:fontScheme>
+    <a:fmtScheme name="Office">
+      <a:fillStyleLst>
+        <a:solidFill>
+          <a:schemeClr val="phClr"/>
+        </a:solidFill>
+        <a:gradFill rotWithShape="1">
+          <a:gsLst>
+            <a:gs pos="0">
+              <a:schemeClr val="phClr">
+                <a:lumMod val="110000"/>
+                <a:satMod val="105000"/>
+                <a:tint val="67000"/>
+              </a:schemeClr>
+            </a:gs>
+            <a:gs pos="50000">
+              <a:schemeClr val="phClr">
+                <a:lumMod val="105000"/>
+                <a:satMod val="103000"/>
+                <a:tint val="73000"/>
+              </a:schemeClr>
+            </a:gs>
+            <a:gs pos="100000">
+              <a:schemeClr val="phClr">
+                <a:lumMod val="105000"/>
+                <a:satMod val="109000"/>
+                <a:tint val="81000"/>
+              </a:schemeClr>
+            </a:gs>
+          </a:gsLst>
+          <a:lin ang="5400000" scaled="0"/>
+        </a:gradFill>
+        <a:gradFill rotWithShape="1">
+          <a:gsLst>
+            <a:gs pos="0">
+              <a:schemeClr val="phClr">
+                <a:satMod val="103000"/>
+                <a:lumMod val="102000"/>
+                <a:tint val="94000"/>
+              </a:schemeClr>
+            </a:gs>
+            <a:gs pos="50000">
+              <a:schemeClr val="phClr">
+                <a:satMod val="110000"/>
+                <a:lumMod val="100000"/>
+                <a:shade val="100000"/>
+              </a:schemeClr>
+            </a:gs>
+            <a:gs pos="100000">
+              <a:schemeClr val="phClr">
+                <a:lumMod val="99000"/>
+                <a:satMod val="120000"/>
+                <a:shade val="78000"/>
+              </a:schemeClr>
+            </a:gs>
+          </a:gsLst>
+          <a:lin ang="5400000" scaled="0"/>
+        </a:gradFill>
+      </a:fillStyleLst>
+      <a:lnStyleLst>
+        <a:ln w="12700" cap="flat" cmpd="sng" algn="ctr">
+          <a:solidFill>
+            <a:schemeClr val="phClr"/>
+          </a:solidFill>
+          <a:prstDash val="solid"/>
+          <a:miter lim="800000"/>
+        </a:ln>
+        <a:ln w="19050" cap="flat" cmpd="sng" algn="ctr">
+          <a:solidFill>
+            <a:schemeClr val="phClr"/>
+          </a:solidFill>
+          <a:prstDash val="solid"/>
+          <a:miter lim="800000"/>
+        </a:ln>
+        <a:ln w="25400" cap="flat" cmpd="sng" algn="ctr">
+          <a:solidFill>
+            <a:schemeClr val="phClr"/>
+          </a:solidFill>
+          <a:prstDash val="solid"/>
+          <a:miter lim="800000"/>
+        </a:ln>
+      </a:lnStyleLst>
+      <a:effectStyleLst>
+        <a:effectStyle>
+          <a:effectLst/>
+        </a:effectStyle>
+        <a:effectStyle>
+          <a:effectLst/>
+        </a:effectStyle>
+        <a:effectStyle>
+          <a:effectLst>
+            <a:outerShdw blurRad="57150" dist="19050" dir="5400000" algn="ctr" rotWithShape="0">
+              <a:srgbClr val="000000">
+                <a:alpha val="63000"/>
+              </a:srgbClr>
+            </a:outerShdw>
+          </a:effectLst>
+        </a:effectStyle>
+      </a:effectStyleLst>
+      <a:bgFillStyleLst>
+        <a:solidFill>
+          <a:schemeClr val="phClr"/>
+        </a:solidFill>
+        <a:solidFill>
+          <a:schemeClr val="phClr">
+            <a:tint val="95000"/>
+            <a:satMod val="170000"/>
+          </a:schemeClr>
+        </a:solidFill>
+        <a:gradFill rotWithShape="1">
+          <a:gsLst>
+            <a:gs pos="0">
+              <a:schemeClr val="phClr">
+                <a:tint val="93000"/>
+                <a:satMod val="150000"/>
+                <a:shade val="98000"/>
+                <a:lumMod val="102000"/>
+              </a:schemeClr>
+            </a:gs>
+            <a:gs pos="50000">
+              <a:schemeClr val="phClr">
+                <a:tint val="98000"/>
+                <a:satMod val="130000"/>
+                <a:shade val="90000"/>
+                <a:lumMod val="103000"/>
+              </a:schemeClr>
+            </a:gs>
+            <a:gs pos="100000">
+              <a:schemeClr val="phClr">
+                <a:shade val="63000"/>
+                <a:satMod val="120000"/>
+              </a:schemeClr>
+            </a:gs>
+          </a:gsLst>
+          <a:lin ang="5400000" scaled="0"/>
+        </a:gradFill>
+      </a:bgFillStyleLst>
+    </a:fmtScheme>
+  </a:themeElements>
+  <a:objectDefaults>
+    <a:lnDef>
+      <a:spPr/>
+      <a:bodyPr/>
+      <a:lstStyle/>
+      <a:style>
+        <a:lnRef idx="2">
+          <a:schemeClr val="accent1"/>
+        </a:lnRef>
+        <a:fillRef idx="0">
+          <a:schemeClr val="accent1"/>
+        </a:fillRef>
+        <a:effectRef idx="1">
+          <a:schemeClr val="accent1"/>
+        </a:effectRef>
+        <a:fontRef idx="minor">
+          <a:schemeClr val="tx1"/>
+        </a:fontRef>
+      </a:style>
+    </a:lnDef>
+  </a:objectDefaults>
+  <a:extraClrSchemeLst/>
+  <a:extLst>
+    <a:ext uri="{05A4C25C-085E-4340-85A3-A5531E510DB2}">
+      <thm15:themeFamily xmlns:thm15="http://schemas.microsoft.com/office/thememl/2012/main" name="Office Theme" id="{2E142A2C-CD16-42D6-873A-C26D2A0506FA}" vid="{1BDDFF52-6CD6-40A5-AB3C-68EB2F1E4D0A}"/>
+    </a:ext>
+  </a:extLst>
+</a:theme>
 </file>
--- a/Idea/Idea_Presentation.pptx
+++ b/Idea/Idea_Presentation.pptx
@@ -5,13 +5,20 @@
     <p:sldMasterId id="2147483648" r:id="rId1"/>
   </p:sldMasterIdLst>
   <p:notesMasterIdLst>
-    <p:notesMasterId r:id="rId6"/>
+    <p:notesMasterId r:id="rId13"/>
   </p:notesMasterIdLst>
   <p:sldIdLst>
     <p:sldId id="256" r:id="rId2"/>
-    <p:sldId id="258" r:id="rId3"/>
-    <p:sldId id="259" r:id="rId4"/>
-    <p:sldId id="257" r:id="rId5"/>
+    <p:sldId id="260" r:id="rId3"/>
+    <p:sldId id="262" r:id="rId4"/>
+    <p:sldId id="263" r:id="rId5"/>
+    <p:sldId id="264" r:id="rId6"/>
+    <p:sldId id="258" r:id="rId7"/>
+    <p:sldId id="265" r:id="rId8"/>
+    <p:sldId id="267" r:id="rId9"/>
+    <p:sldId id="259" r:id="rId10"/>
+    <p:sldId id="257" r:id="rId11"/>
+    <p:sldId id="266" r:id="rId12"/>
   </p:sldIdLst>
   <p:sldSz cx="12192000" cy="6858000"/>
   <p:notesSz cx="6858000" cy="9144000"/>
@@ -200,7 +207,7 @@
           <a:p>
             <a:fld id="{F05F3A0F-052B-4D45-ADDD-90AEB5AB3DF4}" type="datetimeFigureOut">
               <a:rPr lang="it-IT" smtClean="0"/>
-              <a:t>13/11/2024</a:t>
+              <a:t>14/11/2024</a:t>
             </a:fld>
             <a:endParaRPr lang="it-IT"/>
           </a:p>
@@ -475,6 +482,601 @@
         <p:cNvPr id="1" name="">
           <a:extLst>
             <a:ext uri="{FF2B5EF4-FFF2-40B4-BE49-F238E27FC236}">
+              <a16:creationId xmlns:a16="http://schemas.microsoft.com/office/drawing/2014/main" id="{C3B02102-456E-74BD-161E-2C782EA4B61F}"/>
+            </a:ext>
+          </a:extLst>
+        </p:cNvPr>
+        <p:cNvGrpSpPr/>
+        <p:nvPr/>
+      </p:nvGrpSpPr>
+      <p:grpSpPr>
+        <a:xfrm>
+          <a:off x="0" y="0"/>
+          <a:ext cx="0" cy="0"/>
+          <a:chOff x="0" y="0"/>
+          <a:chExt cx="0" cy="0"/>
+        </a:xfrm>
+      </p:grpSpPr>
+      <p:sp>
+        <p:nvSpPr>
+          <p:cNvPr id="2" name="Segnaposto immagine diapositiva 1">
+            <a:extLst>
+              <a:ext uri="{FF2B5EF4-FFF2-40B4-BE49-F238E27FC236}">
+                <a16:creationId xmlns:a16="http://schemas.microsoft.com/office/drawing/2014/main" id="{D06F3BD3-A967-0C13-1BFA-8D8178C2F88C}"/>
+              </a:ext>
+            </a:extLst>
+          </p:cNvPr>
+          <p:cNvSpPr>
+            <a:spLocks noGrp="1" noRot="1" noChangeAspect="1"/>
+          </p:cNvSpPr>
+          <p:nvPr>
+            <p:ph type="sldImg"/>
+          </p:nvPr>
+        </p:nvSpPr>
+        <p:spPr/>
+      </p:sp>
+      <p:sp>
+        <p:nvSpPr>
+          <p:cNvPr id="3" name="Segnaposto note 2">
+            <a:extLst>
+              <a:ext uri="{FF2B5EF4-FFF2-40B4-BE49-F238E27FC236}">
+                <a16:creationId xmlns:a16="http://schemas.microsoft.com/office/drawing/2014/main" id="{1B2050C7-C258-F4B6-8928-8062CD5D6983}"/>
+              </a:ext>
+            </a:extLst>
+          </p:cNvPr>
+          <p:cNvSpPr>
+            <a:spLocks noGrp="1"/>
+          </p:cNvSpPr>
+          <p:nvPr>
+            <p:ph type="body" idx="1"/>
+          </p:nvPr>
+        </p:nvSpPr>
+        <p:spPr/>
+        <p:txBody>
+          <a:bodyPr/>
+          <a:lstStyle/>
+          <a:p>
+            <a:r>
+              <a:rPr lang="it-IT" dirty="0"/>
+              <a:t>Didi </a:t>
+            </a:r>
+            <a:r>
+              <a:rPr lang="it-IT" dirty="0" err="1"/>
+              <a:t>Chuxing</a:t>
+            </a:r>
+            <a:r>
+              <a:rPr lang="it-IT" dirty="0"/>
+              <a:t> implementa il monitoraggio telemetrico della guida (algoritmo di machine learning per verificare frenate brusche, accelerazioni brusche e altri parametri che definiscono una guida pericolosa.</a:t>
+            </a:r>
+          </a:p>
+        </p:txBody>
+      </p:sp>
+      <p:sp>
+        <p:nvSpPr>
+          <p:cNvPr id="4" name="Segnaposto numero diapositiva 3">
+            <a:extLst>
+              <a:ext uri="{FF2B5EF4-FFF2-40B4-BE49-F238E27FC236}">
+                <a16:creationId xmlns:a16="http://schemas.microsoft.com/office/drawing/2014/main" id="{541F80B7-7E37-F253-14EE-296789B7CFCC}"/>
+              </a:ext>
+            </a:extLst>
+          </p:cNvPr>
+          <p:cNvSpPr>
+            <a:spLocks noGrp="1"/>
+          </p:cNvSpPr>
+          <p:nvPr>
+            <p:ph type="sldNum" sz="quarter" idx="5"/>
+          </p:nvPr>
+        </p:nvSpPr>
+        <p:spPr/>
+        <p:txBody>
+          <a:bodyPr/>
+          <a:lstStyle/>
+          <a:p>
+            <a:fld id="{3F2DB5A4-1ADC-4498-B442-720211AEF2E0}" type="slidenum">
+              <a:rPr lang="it-IT" smtClean="0"/>
+              <a:t>2</a:t>
+            </a:fld>
+            <a:endParaRPr lang="it-IT"/>
+          </a:p>
+        </p:txBody>
+      </p:sp>
+    </p:spTree>
+    <p:extLst>
+      <p:ext uri="{BB962C8B-B14F-4D97-AF65-F5344CB8AC3E}">
+        <p14:creationId xmlns:p14="http://schemas.microsoft.com/office/powerpoint/2010/main" val="4113139322"/>
+      </p:ext>
+    </p:extLst>
+  </p:cSld>
+  <p:clrMapOvr>
+    <a:masterClrMapping/>
+  </p:clrMapOvr>
+</p:notes>
+</file>
+
+<file path=ppt/notesSlides/notesSlide10.xml><?xml version="1.0" encoding="utf-8"?>
+<p:notes xmlns:a="http://schemas.openxmlformats.org/drawingml/2006/main" xmlns:r="http://schemas.openxmlformats.org/officeDocument/2006/relationships" xmlns:p="http://schemas.openxmlformats.org/presentationml/2006/main">
+  <p:cSld>
+    <p:spTree>
+      <p:nvGrpSpPr>
+        <p:cNvPr id="1" name="">
+          <a:extLst>
+            <a:ext uri="{FF2B5EF4-FFF2-40B4-BE49-F238E27FC236}">
+              <a16:creationId xmlns:a16="http://schemas.microsoft.com/office/drawing/2014/main" id="{0F13493C-2BAD-28BE-87F3-AD43ECC590FC}"/>
+            </a:ext>
+          </a:extLst>
+        </p:cNvPr>
+        <p:cNvGrpSpPr/>
+        <p:nvPr/>
+      </p:nvGrpSpPr>
+      <p:grpSpPr>
+        <a:xfrm>
+          <a:off x="0" y="0"/>
+          <a:ext cx="0" cy="0"/>
+          <a:chOff x="0" y="0"/>
+          <a:chExt cx="0" cy="0"/>
+        </a:xfrm>
+      </p:grpSpPr>
+      <p:sp>
+        <p:nvSpPr>
+          <p:cNvPr id="2" name="Segnaposto immagine diapositiva 1">
+            <a:extLst>
+              <a:ext uri="{FF2B5EF4-FFF2-40B4-BE49-F238E27FC236}">
+                <a16:creationId xmlns:a16="http://schemas.microsoft.com/office/drawing/2014/main" id="{0E853B1D-A4E7-3D53-D4AE-FBF09E64CFFD}"/>
+              </a:ext>
+            </a:extLst>
+          </p:cNvPr>
+          <p:cNvSpPr>
+            <a:spLocks noGrp="1" noRot="1" noChangeAspect="1"/>
+          </p:cNvSpPr>
+          <p:nvPr>
+            <p:ph type="sldImg"/>
+          </p:nvPr>
+        </p:nvSpPr>
+        <p:spPr/>
+      </p:sp>
+      <p:sp>
+        <p:nvSpPr>
+          <p:cNvPr id="3" name="Segnaposto note 2">
+            <a:extLst>
+              <a:ext uri="{FF2B5EF4-FFF2-40B4-BE49-F238E27FC236}">
+                <a16:creationId xmlns:a16="http://schemas.microsoft.com/office/drawing/2014/main" id="{997BE649-17C0-CA15-7C4B-2C4B48A6C72D}"/>
+              </a:ext>
+            </a:extLst>
+          </p:cNvPr>
+          <p:cNvSpPr>
+            <a:spLocks noGrp="1"/>
+          </p:cNvSpPr>
+          <p:nvPr>
+            <p:ph type="body" idx="1"/>
+          </p:nvPr>
+        </p:nvSpPr>
+        <p:spPr/>
+        <p:txBody>
+          <a:bodyPr/>
+          <a:lstStyle/>
+          <a:p>
+            <a:r>
+              <a:rPr lang="it-IT" dirty="0"/>
+              <a:t>Didi </a:t>
+            </a:r>
+            <a:r>
+              <a:rPr lang="it-IT" dirty="0" err="1"/>
+              <a:t>Chuxing</a:t>
+            </a:r>
+            <a:r>
+              <a:rPr lang="it-IT" dirty="0"/>
+              <a:t> implementa il monitoraggio telemetrico della guida (algoritmo di machine learning per verificare frenate brusche, accelerazioni brusche e altri parametri che definiscono una guida pericolosa.</a:t>
+            </a:r>
+          </a:p>
+        </p:txBody>
+      </p:sp>
+      <p:sp>
+        <p:nvSpPr>
+          <p:cNvPr id="4" name="Segnaposto numero diapositiva 3">
+            <a:extLst>
+              <a:ext uri="{FF2B5EF4-FFF2-40B4-BE49-F238E27FC236}">
+                <a16:creationId xmlns:a16="http://schemas.microsoft.com/office/drawing/2014/main" id="{5792ADE7-3F6F-361F-AC64-FA8A1FEA8AD7}"/>
+              </a:ext>
+            </a:extLst>
+          </p:cNvPr>
+          <p:cNvSpPr>
+            <a:spLocks noGrp="1"/>
+          </p:cNvSpPr>
+          <p:nvPr>
+            <p:ph type="sldNum" sz="quarter" idx="5"/>
+          </p:nvPr>
+        </p:nvSpPr>
+        <p:spPr/>
+        <p:txBody>
+          <a:bodyPr/>
+          <a:lstStyle/>
+          <a:p>
+            <a:fld id="{3F2DB5A4-1ADC-4498-B442-720211AEF2E0}" type="slidenum">
+              <a:rPr lang="it-IT" smtClean="0"/>
+              <a:t>11</a:t>
+            </a:fld>
+            <a:endParaRPr lang="it-IT"/>
+          </a:p>
+        </p:txBody>
+      </p:sp>
+    </p:spTree>
+    <p:extLst>
+      <p:ext uri="{BB962C8B-B14F-4D97-AF65-F5344CB8AC3E}">
+        <p14:creationId xmlns:p14="http://schemas.microsoft.com/office/powerpoint/2010/main" val="3761530259"/>
+      </p:ext>
+    </p:extLst>
+  </p:cSld>
+  <p:clrMapOvr>
+    <a:masterClrMapping/>
+  </p:clrMapOvr>
+</p:notes>
+</file>
+
+<file path=ppt/notesSlides/notesSlide2.xml><?xml version="1.0" encoding="utf-8"?>
+<p:notes xmlns:a="http://schemas.openxmlformats.org/drawingml/2006/main" xmlns:r="http://schemas.openxmlformats.org/officeDocument/2006/relationships" xmlns:p="http://schemas.openxmlformats.org/presentationml/2006/main">
+  <p:cSld>
+    <p:spTree>
+      <p:nvGrpSpPr>
+        <p:cNvPr id="1" name="">
+          <a:extLst>
+            <a:ext uri="{FF2B5EF4-FFF2-40B4-BE49-F238E27FC236}">
+              <a16:creationId xmlns:a16="http://schemas.microsoft.com/office/drawing/2014/main" id="{0FFA00CF-95BF-4DC1-294A-0A111AA86250}"/>
+            </a:ext>
+          </a:extLst>
+        </p:cNvPr>
+        <p:cNvGrpSpPr/>
+        <p:nvPr/>
+      </p:nvGrpSpPr>
+      <p:grpSpPr>
+        <a:xfrm>
+          <a:off x="0" y="0"/>
+          <a:ext cx="0" cy="0"/>
+          <a:chOff x="0" y="0"/>
+          <a:chExt cx="0" cy="0"/>
+        </a:xfrm>
+      </p:grpSpPr>
+      <p:sp>
+        <p:nvSpPr>
+          <p:cNvPr id="2" name="Segnaposto immagine diapositiva 1">
+            <a:extLst>
+              <a:ext uri="{FF2B5EF4-FFF2-40B4-BE49-F238E27FC236}">
+                <a16:creationId xmlns:a16="http://schemas.microsoft.com/office/drawing/2014/main" id="{40A6BD2A-59D4-19F2-F24E-AA35D0762919}"/>
+              </a:ext>
+            </a:extLst>
+          </p:cNvPr>
+          <p:cNvSpPr>
+            <a:spLocks noGrp="1" noRot="1" noChangeAspect="1"/>
+          </p:cNvSpPr>
+          <p:nvPr>
+            <p:ph type="sldImg"/>
+          </p:nvPr>
+        </p:nvSpPr>
+        <p:spPr/>
+      </p:sp>
+      <p:sp>
+        <p:nvSpPr>
+          <p:cNvPr id="3" name="Segnaposto note 2">
+            <a:extLst>
+              <a:ext uri="{FF2B5EF4-FFF2-40B4-BE49-F238E27FC236}">
+                <a16:creationId xmlns:a16="http://schemas.microsoft.com/office/drawing/2014/main" id="{E0CB1631-08C6-4497-F701-BCFBBBAF78DB}"/>
+              </a:ext>
+            </a:extLst>
+          </p:cNvPr>
+          <p:cNvSpPr>
+            <a:spLocks noGrp="1"/>
+          </p:cNvSpPr>
+          <p:nvPr>
+            <p:ph type="body" idx="1"/>
+          </p:nvPr>
+        </p:nvSpPr>
+        <p:spPr/>
+        <p:txBody>
+          <a:bodyPr/>
+          <a:lstStyle/>
+          <a:p>
+            <a:r>
+              <a:rPr lang="it-IT" dirty="0"/>
+              <a:t>Didi </a:t>
+            </a:r>
+            <a:r>
+              <a:rPr lang="it-IT" dirty="0" err="1"/>
+              <a:t>Chuxing</a:t>
+            </a:r>
+            <a:r>
+              <a:rPr lang="it-IT" dirty="0"/>
+              <a:t> implementa il monitoraggio telemetrico della guida (algoritmo di machine learning per verificare frenate brusche, accelerazioni brusche e altri parametri che definiscono una guida pericolosa.</a:t>
+            </a:r>
+          </a:p>
+        </p:txBody>
+      </p:sp>
+      <p:sp>
+        <p:nvSpPr>
+          <p:cNvPr id="4" name="Segnaposto numero diapositiva 3">
+            <a:extLst>
+              <a:ext uri="{FF2B5EF4-FFF2-40B4-BE49-F238E27FC236}">
+                <a16:creationId xmlns:a16="http://schemas.microsoft.com/office/drawing/2014/main" id="{62BA1930-13E4-ADE5-73F3-F856A332312E}"/>
+              </a:ext>
+            </a:extLst>
+          </p:cNvPr>
+          <p:cNvSpPr>
+            <a:spLocks noGrp="1"/>
+          </p:cNvSpPr>
+          <p:nvPr>
+            <p:ph type="sldNum" sz="quarter" idx="5"/>
+          </p:nvPr>
+        </p:nvSpPr>
+        <p:spPr/>
+        <p:txBody>
+          <a:bodyPr/>
+          <a:lstStyle/>
+          <a:p>
+            <a:fld id="{3F2DB5A4-1ADC-4498-B442-720211AEF2E0}" type="slidenum">
+              <a:rPr lang="it-IT" smtClean="0"/>
+              <a:t>3</a:t>
+            </a:fld>
+            <a:endParaRPr lang="it-IT"/>
+          </a:p>
+        </p:txBody>
+      </p:sp>
+    </p:spTree>
+    <p:extLst>
+      <p:ext uri="{BB962C8B-B14F-4D97-AF65-F5344CB8AC3E}">
+        <p14:creationId xmlns:p14="http://schemas.microsoft.com/office/powerpoint/2010/main" val="3693500007"/>
+      </p:ext>
+    </p:extLst>
+  </p:cSld>
+  <p:clrMapOvr>
+    <a:masterClrMapping/>
+  </p:clrMapOvr>
+</p:notes>
+</file>
+
+<file path=ppt/notesSlides/notesSlide3.xml><?xml version="1.0" encoding="utf-8"?>
+<p:notes xmlns:a="http://schemas.openxmlformats.org/drawingml/2006/main" xmlns:r="http://schemas.openxmlformats.org/officeDocument/2006/relationships" xmlns:p="http://schemas.openxmlformats.org/presentationml/2006/main">
+  <p:cSld>
+    <p:spTree>
+      <p:nvGrpSpPr>
+        <p:cNvPr id="1" name="">
+          <a:extLst>
+            <a:ext uri="{FF2B5EF4-FFF2-40B4-BE49-F238E27FC236}">
+              <a16:creationId xmlns:a16="http://schemas.microsoft.com/office/drawing/2014/main" id="{911E9E93-6B0D-9B59-8820-9A46C04464FC}"/>
+            </a:ext>
+          </a:extLst>
+        </p:cNvPr>
+        <p:cNvGrpSpPr/>
+        <p:nvPr/>
+      </p:nvGrpSpPr>
+      <p:grpSpPr>
+        <a:xfrm>
+          <a:off x="0" y="0"/>
+          <a:ext cx="0" cy="0"/>
+          <a:chOff x="0" y="0"/>
+          <a:chExt cx="0" cy="0"/>
+        </a:xfrm>
+      </p:grpSpPr>
+      <p:sp>
+        <p:nvSpPr>
+          <p:cNvPr id="2" name="Segnaposto immagine diapositiva 1">
+            <a:extLst>
+              <a:ext uri="{FF2B5EF4-FFF2-40B4-BE49-F238E27FC236}">
+                <a16:creationId xmlns:a16="http://schemas.microsoft.com/office/drawing/2014/main" id="{312F5F90-CDF8-108F-2FB6-3FFE40C43C25}"/>
+              </a:ext>
+            </a:extLst>
+          </p:cNvPr>
+          <p:cNvSpPr>
+            <a:spLocks noGrp="1" noRot="1" noChangeAspect="1"/>
+          </p:cNvSpPr>
+          <p:nvPr>
+            <p:ph type="sldImg"/>
+          </p:nvPr>
+        </p:nvSpPr>
+        <p:spPr/>
+      </p:sp>
+      <p:sp>
+        <p:nvSpPr>
+          <p:cNvPr id="3" name="Segnaposto note 2">
+            <a:extLst>
+              <a:ext uri="{FF2B5EF4-FFF2-40B4-BE49-F238E27FC236}">
+                <a16:creationId xmlns:a16="http://schemas.microsoft.com/office/drawing/2014/main" id="{1F8DE6AA-526F-2630-A49F-D86FEB738AF6}"/>
+              </a:ext>
+            </a:extLst>
+          </p:cNvPr>
+          <p:cNvSpPr>
+            <a:spLocks noGrp="1"/>
+          </p:cNvSpPr>
+          <p:nvPr>
+            <p:ph type="body" idx="1"/>
+          </p:nvPr>
+        </p:nvSpPr>
+        <p:spPr/>
+        <p:txBody>
+          <a:bodyPr/>
+          <a:lstStyle/>
+          <a:p>
+            <a:r>
+              <a:rPr lang="it-IT" dirty="0"/>
+              <a:t>Didi </a:t>
+            </a:r>
+            <a:r>
+              <a:rPr lang="it-IT" dirty="0" err="1"/>
+              <a:t>Chuxing</a:t>
+            </a:r>
+            <a:r>
+              <a:rPr lang="it-IT" dirty="0"/>
+              <a:t> implementa il monitoraggio telemetrico della guida (algoritmo di machine learning per verificare frenate brusche, accelerazioni brusche e altri parametri che definiscono una guida pericolosa.</a:t>
+            </a:r>
+          </a:p>
+        </p:txBody>
+      </p:sp>
+      <p:sp>
+        <p:nvSpPr>
+          <p:cNvPr id="4" name="Segnaposto numero diapositiva 3">
+            <a:extLst>
+              <a:ext uri="{FF2B5EF4-FFF2-40B4-BE49-F238E27FC236}">
+                <a16:creationId xmlns:a16="http://schemas.microsoft.com/office/drawing/2014/main" id="{8CB7D912-A855-868B-9D0B-1B6B8E081E90}"/>
+              </a:ext>
+            </a:extLst>
+          </p:cNvPr>
+          <p:cNvSpPr>
+            <a:spLocks noGrp="1"/>
+          </p:cNvSpPr>
+          <p:nvPr>
+            <p:ph type="sldNum" sz="quarter" idx="5"/>
+          </p:nvPr>
+        </p:nvSpPr>
+        <p:spPr/>
+        <p:txBody>
+          <a:bodyPr/>
+          <a:lstStyle/>
+          <a:p>
+            <a:fld id="{3F2DB5A4-1ADC-4498-B442-720211AEF2E0}" type="slidenum">
+              <a:rPr lang="it-IT" smtClean="0"/>
+              <a:t>4</a:t>
+            </a:fld>
+            <a:endParaRPr lang="it-IT"/>
+          </a:p>
+        </p:txBody>
+      </p:sp>
+    </p:spTree>
+    <p:extLst>
+      <p:ext uri="{BB962C8B-B14F-4D97-AF65-F5344CB8AC3E}">
+        <p14:creationId xmlns:p14="http://schemas.microsoft.com/office/powerpoint/2010/main" val="670471395"/>
+      </p:ext>
+    </p:extLst>
+  </p:cSld>
+  <p:clrMapOvr>
+    <a:masterClrMapping/>
+  </p:clrMapOvr>
+</p:notes>
+</file>
+
+<file path=ppt/notesSlides/notesSlide4.xml><?xml version="1.0" encoding="utf-8"?>
+<p:notes xmlns:a="http://schemas.openxmlformats.org/drawingml/2006/main" xmlns:r="http://schemas.openxmlformats.org/officeDocument/2006/relationships" xmlns:p="http://schemas.openxmlformats.org/presentationml/2006/main">
+  <p:cSld>
+    <p:spTree>
+      <p:nvGrpSpPr>
+        <p:cNvPr id="1" name="">
+          <a:extLst>
+            <a:ext uri="{FF2B5EF4-FFF2-40B4-BE49-F238E27FC236}">
+              <a16:creationId xmlns:a16="http://schemas.microsoft.com/office/drawing/2014/main" id="{450542BF-9ADC-1900-A5E7-5E9AAEDFE39B}"/>
+            </a:ext>
+          </a:extLst>
+        </p:cNvPr>
+        <p:cNvGrpSpPr/>
+        <p:nvPr/>
+      </p:nvGrpSpPr>
+      <p:grpSpPr>
+        <a:xfrm>
+          <a:off x="0" y="0"/>
+          <a:ext cx="0" cy="0"/>
+          <a:chOff x="0" y="0"/>
+          <a:chExt cx="0" cy="0"/>
+        </a:xfrm>
+      </p:grpSpPr>
+      <p:sp>
+        <p:nvSpPr>
+          <p:cNvPr id="2" name="Segnaposto immagine diapositiva 1">
+            <a:extLst>
+              <a:ext uri="{FF2B5EF4-FFF2-40B4-BE49-F238E27FC236}">
+                <a16:creationId xmlns:a16="http://schemas.microsoft.com/office/drawing/2014/main" id="{402841E7-ED6E-606D-8C59-4A392FE1DB81}"/>
+              </a:ext>
+            </a:extLst>
+          </p:cNvPr>
+          <p:cNvSpPr>
+            <a:spLocks noGrp="1" noRot="1" noChangeAspect="1"/>
+          </p:cNvSpPr>
+          <p:nvPr>
+            <p:ph type="sldImg"/>
+          </p:nvPr>
+        </p:nvSpPr>
+        <p:spPr/>
+      </p:sp>
+      <p:sp>
+        <p:nvSpPr>
+          <p:cNvPr id="3" name="Segnaposto note 2">
+            <a:extLst>
+              <a:ext uri="{FF2B5EF4-FFF2-40B4-BE49-F238E27FC236}">
+                <a16:creationId xmlns:a16="http://schemas.microsoft.com/office/drawing/2014/main" id="{58FAE548-8A33-472F-D756-6B1ADD186F22}"/>
+              </a:ext>
+            </a:extLst>
+          </p:cNvPr>
+          <p:cNvSpPr>
+            <a:spLocks noGrp="1"/>
+          </p:cNvSpPr>
+          <p:nvPr>
+            <p:ph type="body" idx="1"/>
+          </p:nvPr>
+        </p:nvSpPr>
+        <p:spPr/>
+        <p:txBody>
+          <a:bodyPr/>
+          <a:lstStyle/>
+          <a:p>
+            <a:r>
+              <a:rPr lang="it-IT" dirty="0"/>
+              <a:t>Didi </a:t>
+            </a:r>
+            <a:r>
+              <a:rPr lang="it-IT" dirty="0" err="1"/>
+              <a:t>Chuxing</a:t>
+            </a:r>
+            <a:r>
+              <a:rPr lang="it-IT" dirty="0"/>
+              <a:t> implementa il monitoraggio telemetrico della guida (algoritmo di machine learning per verificare frenate brusche, accelerazioni brusche e altri parametri che definiscono una guida pericolosa.</a:t>
+            </a:r>
+          </a:p>
+        </p:txBody>
+      </p:sp>
+      <p:sp>
+        <p:nvSpPr>
+          <p:cNvPr id="4" name="Segnaposto numero diapositiva 3">
+            <a:extLst>
+              <a:ext uri="{FF2B5EF4-FFF2-40B4-BE49-F238E27FC236}">
+                <a16:creationId xmlns:a16="http://schemas.microsoft.com/office/drawing/2014/main" id="{24EAA18B-C222-C56F-AB57-8705A3B37706}"/>
+              </a:ext>
+            </a:extLst>
+          </p:cNvPr>
+          <p:cNvSpPr>
+            <a:spLocks noGrp="1"/>
+          </p:cNvSpPr>
+          <p:nvPr>
+            <p:ph type="sldNum" sz="quarter" idx="5"/>
+          </p:nvPr>
+        </p:nvSpPr>
+        <p:spPr/>
+        <p:txBody>
+          <a:bodyPr/>
+          <a:lstStyle/>
+          <a:p>
+            <a:fld id="{3F2DB5A4-1ADC-4498-B442-720211AEF2E0}" type="slidenum">
+              <a:rPr lang="it-IT" smtClean="0"/>
+              <a:t>5</a:t>
+            </a:fld>
+            <a:endParaRPr lang="it-IT"/>
+          </a:p>
+        </p:txBody>
+      </p:sp>
+    </p:spTree>
+    <p:extLst>
+      <p:ext uri="{BB962C8B-B14F-4D97-AF65-F5344CB8AC3E}">
+        <p14:creationId xmlns:p14="http://schemas.microsoft.com/office/powerpoint/2010/main" val="139497146"/>
+      </p:ext>
+    </p:extLst>
+  </p:cSld>
+  <p:clrMapOvr>
+    <a:masterClrMapping/>
+  </p:clrMapOvr>
+</p:notes>
+</file>
+
+<file path=ppt/notesSlides/notesSlide5.xml><?xml version="1.0" encoding="utf-8"?>
+<p:notes xmlns:a="http://schemas.openxmlformats.org/drawingml/2006/main" xmlns:r="http://schemas.openxmlformats.org/officeDocument/2006/relationships" xmlns:p="http://schemas.openxmlformats.org/presentationml/2006/main">
+  <p:cSld>
+    <p:spTree>
+      <p:nvGrpSpPr>
+        <p:cNvPr id="1" name="">
+          <a:extLst>
+            <a:ext uri="{FF2B5EF4-FFF2-40B4-BE49-F238E27FC236}">
               <a16:creationId xmlns:a16="http://schemas.microsoft.com/office/drawing/2014/main" id="{510A136C-17F4-C1A9-BF4D-26F7434EB174}"/>
             </a:ext>
           </a:extLst>
@@ -567,7 +1169,7 @@
           <a:p>
             <a:fld id="{3F2DB5A4-1ADC-4498-B442-720211AEF2E0}" type="slidenum">
               <a:rPr lang="it-IT" smtClean="0"/>
-              <a:t>2</a:t>
+              <a:t>6</a:t>
             </a:fld>
             <a:endParaRPr lang="it-IT"/>
           </a:p>
@@ -586,7 +1188,245 @@
 </p:notes>
 </file>
 
-<file path=ppt/notesSlides/notesSlide2.xml><?xml version="1.0" encoding="utf-8"?>
+<file path=ppt/notesSlides/notesSlide6.xml><?xml version="1.0" encoding="utf-8"?>
+<p:notes xmlns:a="http://schemas.openxmlformats.org/drawingml/2006/main" xmlns:r="http://schemas.openxmlformats.org/officeDocument/2006/relationships" xmlns:p="http://schemas.openxmlformats.org/presentationml/2006/main">
+  <p:cSld>
+    <p:spTree>
+      <p:nvGrpSpPr>
+        <p:cNvPr id="1" name="">
+          <a:extLst>
+            <a:ext uri="{FF2B5EF4-FFF2-40B4-BE49-F238E27FC236}">
+              <a16:creationId xmlns:a16="http://schemas.microsoft.com/office/drawing/2014/main" id="{91DFFE03-991A-E95A-8799-4B05C5296A58}"/>
+            </a:ext>
+          </a:extLst>
+        </p:cNvPr>
+        <p:cNvGrpSpPr/>
+        <p:nvPr/>
+      </p:nvGrpSpPr>
+      <p:grpSpPr>
+        <a:xfrm>
+          <a:off x="0" y="0"/>
+          <a:ext cx="0" cy="0"/>
+          <a:chOff x="0" y="0"/>
+          <a:chExt cx="0" cy="0"/>
+        </a:xfrm>
+      </p:grpSpPr>
+      <p:sp>
+        <p:nvSpPr>
+          <p:cNvPr id="2" name="Segnaposto immagine diapositiva 1">
+            <a:extLst>
+              <a:ext uri="{FF2B5EF4-FFF2-40B4-BE49-F238E27FC236}">
+                <a16:creationId xmlns:a16="http://schemas.microsoft.com/office/drawing/2014/main" id="{ED402B45-89CE-1C18-A252-2978C462CFA5}"/>
+              </a:ext>
+            </a:extLst>
+          </p:cNvPr>
+          <p:cNvSpPr>
+            <a:spLocks noGrp="1" noRot="1" noChangeAspect="1"/>
+          </p:cNvSpPr>
+          <p:nvPr>
+            <p:ph type="sldImg"/>
+          </p:nvPr>
+        </p:nvSpPr>
+        <p:spPr/>
+      </p:sp>
+      <p:sp>
+        <p:nvSpPr>
+          <p:cNvPr id="3" name="Segnaposto note 2">
+            <a:extLst>
+              <a:ext uri="{FF2B5EF4-FFF2-40B4-BE49-F238E27FC236}">
+                <a16:creationId xmlns:a16="http://schemas.microsoft.com/office/drawing/2014/main" id="{E6EC7543-E483-819B-0700-F1F2893D3B63}"/>
+              </a:ext>
+            </a:extLst>
+          </p:cNvPr>
+          <p:cNvSpPr>
+            <a:spLocks noGrp="1"/>
+          </p:cNvSpPr>
+          <p:nvPr>
+            <p:ph type="body" idx="1"/>
+          </p:nvPr>
+        </p:nvSpPr>
+        <p:spPr/>
+        <p:txBody>
+          <a:bodyPr/>
+          <a:lstStyle/>
+          <a:p>
+            <a:r>
+              <a:rPr lang="it-IT" dirty="0"/>
+              <a:t>Didi </a:t>
+            </a:r>
+            <a:r>
+              <a:rPr lang="it-IT" dirty="0" err="1"/>
+              <a:t>Chuxing</a:t>
+            </a:r>
+            <a:r>
+              <a:rPr lang="it-IT" dirty="0"/>
+              <a:t> implementa il monitoraggio telemetrico della guida (algoritmo di machine learning per verificare frenate brusche, accelerazioni brusche e altri parametri che definiscono una guida pericolosa.</a:t>
+            </a:r>
+          </a:p>
+        </p:txBody>
+      </p:sp>
+      <p:sp>
+        <p:nvSpPr>
+          <p:cNvPr id="4" name="Segnaposto numero diapositiva 3">
+            <a:extLst>
+              <a:ext uri="{FF2B5EF4-FFF2-40B4-BE49-F238E27FC236}">
+                <a16:creationId xmlns:a16="http://schemas.microsoft.com/office/drawing/2014/main" id="{3C372272-5AED-6C63-1C7B-4EAFB67D7F90}"/>
+              </a:ext>
+            </a:extLst>
+          </p:cNvPr>
+          <p:cNvSpPr>
+            <a:spLocks noGrp="1"/>
+          </p:cNvSpPr>
+          <p:nvPr>
+            <p:ph type="sldNum" sz="quarter" idx="5"/>
+          </p:nvPr>
+        </p:nvSpPr>
+        <p:spPr/>
+        <p:txBody>
+          <a:bodyPr/>
+          <a:lstStyle/>
+          <a:p>
+            <a:fld id="{3F2DB5A4-1ADC-4498-B442-720211AEF2E0}" type="slidenum">
+              <a:rPr lang="it-IT" smtClean="0"/>
+              <a:t>7</a:t>
+            </a:fld>
+            <a:endParaRPr lang="it-IT"/>
+          </a:p>
+        </p:txBody>
+      </p:sp>
+    </p:spTree>
+    <p:extLst>
+      <p:ext uri="{BB962C8B-B14F-4D97-AF65-F5344CB8AC3E}">
+        <p14:creationId xmlns:p14="http://schemas.microsoft.com/office/powerpoint/2010/main" val="2551873712"/>
+      </p:ext>
+    </p:extLst>
+  </p:cSld>
+  <p:clrMapOvr>
+    <a:masterClrMapping/>
+  </p:clrMapOvr>
+</p:notes>
+</file>
+
+<file path=ppt/notesSlides/notesSlide7.xml><?xml version="1.0" encoding="utf-8"?>
+<p:notes xmlns:a="http://schemas.openxmlformats.org/drawingml/2006/main" xmlns:r="http://schemas.openxmlformats.org/officeDocument/2006/relationships" xmlns:p="http://schemas.openxmlformats.org/presentationml/2006/main">
+  <p:cSld>
+    <p:spTree>
+      <p:nvGrpSpPr>
+        <p:cNvPr id="1" name="">
+          <a:extLst>
+            <a:ext uri="{FF2B5EF4-FFF2-40B4-BE49-F238E27FC236}">
+              <a16:creationId xmlns:a16="http://schemas.microsoft.com/office/drawing/2014/main" id="{BA7829DD-D6AA-5981-E7CA-A2CC284ADE4E}"/>
+            </a:ext>
+          </a:extLst>
+        </p:cNvPr>
+        <p:cNvGrpSpPr/>
+        <p:nvPr/>
+      </p:nvGrpSpPr>
+      <p:grpSpPr>
+        <a:xfrm>
+          <a:off x="0" y="0"/>
+          <a:ext cx="0" cy="0"/>
+          <a:chOff x="0" y="0"/>
+          <a:chExt cx="0" cy="0"/>
+        </a:xfrm>
+      </p:grpSpPr>
+      <p:sp>
+        <p:nvSpPr>
+          <p:cNvPr id="2" name="Segnaposto immagine diapositiva 1">
+            <a:extLst>
+              <a:ext uri="{FF2B5EF4-FFF2-40B4-BE49-F238E27FC236}">
+                <a16:creationId xmlns:a16="http://schemas.microsoft.com/office/drawing/2014/main" id="{65CAAF0B-148E-FB4D-D521-A8B4D91CAF1C}"/>
+              </a:ext>
+            </a:extLst>
+          </p:cNvPr>
+          <p:cNvSpPr>
+            <a:spLocks noGrp="1" noRot="1" noChangeAspect="1"/>
+          </p:cNvSpPr>
+          <p:nvPr>
+            <p:ph type="sldImg"/>
+          </p:nvPr>
+        </p:nvSpPr>
+        <p:spPr/>
+      </p:sp>
+      <p:sp>
+        <p:nvSpPr>
+          <p:cNvPr id="3" name="Segnaposto note 2">
+            <a:extLst>
+              <a:ext uri="{FF2B5EF4-FFF2-40B4-BE49-F238E27FC236}">
+                <a16:creationId xmlns:a16="http://schemas.microsoft.com/office/drawing/2014/main" id="{B17164B3-B230-6E70-35BE-7A9918AB2E9D}"/>
+              </a:ext>
+            </a:extLst>
+          </p:cNvPr>
+          <p:cNvSpPr>
+            <a:spLocks noGrp="1"/>
+          </p:cNvSpPr>
+          <p:nvPr>
+            <p:ph type="body" idx="1"/>
+          </p:nvPr>
+        </p:nvSpPr>
+        <p:spPr/>
+        <p:txBody>
+          <a:bodyPr/>
+          <a:lstStyle/>
+          <a:p>
+            <a:r>
+              <a:rPr lang="it-IT" dirty="0"/>
+              <a:t>Didi </a:t>
+            </a:r>
+            <a:r>
+              <a:rPr lang="it-IT" dirty="0" err="1"/>
+              <a:t>Chuxing</a:t>
+            </a:r>
+            <a:r>
+              <a:rPr lang="it-IT" dirty="0"/>
+              <a:t> implementa il monitoraggio telemetrico della guida (algoritmo di machine learning per verificare frenate brusche, accelerazioni brusche e altri parametri che definiscono una guida pericolosa.</a:t>
+            </a:r>
+          </a:p>
+        </p:txBody>
+      </p:sp>
+      <p:sp>
+        <p:nvSpPr>
+          <p:cNvPr id="4" name="Segnaposto numero diapositiva 3">
+            <a:extLst>
+              <a:ext uri="{FF2B5EF4-FFF2-40B4-BE49-F238E27FC236}">
+                <a16:creationId xmlns:a16="http://schemas.microsoft.com/office/drawing/2014/main" id="{54B0730B-EC8B-1DA3-6E7C-61F48B0C0BB5}"/>
+              </a:ext>
+            </a:extLst>
+          </p:cNvPr>
+          <p:cNvSpPr>
+            <a:spLocks noGrp="1"/>
+          </p:cNvSpPr>
+          <p:nvPr>
+            <p:ph type="sldNum" sz="quarter" idx="5"/>
+          </p:nvPr>
+        </p:nvSpPr>
+        <p:spPr/>
+        <p:txBody>
+          <a:bodyPr/>
+          <a:lstStyle/>
+          <a:p>
+            <a:fld id="{3F2DB5A4-1ADC-4498-B442-720211AEF2E0}" type="slidenum">
+              <a:rPr lang="it-IT" smtClean="0"/>
+              <a:t>8</a:t>
+            </a:fld>
+            <a:endParaRPr lang="it-IT"/>
+          </a:p>
+        </p:txBody>
+      </p:sp>
+    </p:spTree>
+    <p:extLst>
+      <p:ext uri="{BB962C8B-B14F-4D97-AF65-F5344CB8AC3E}">
+        <p14:creationId xmlns:p14="http://schemas.microsoft.com/office/powerpoint/2010/main" val="1691423929"/>
+      </p:ext>
+    </p:extLst>
+  </p:cSld>
+  <p:clrMapOvr>
+    <a:masterClrMapping/>
+  </p:clrMapOvr>
+</p:notes>
+</file>
+
+<file path=ppt/notesSlides/notesSlide8.xml><?xml version="1.0" encoding="utf-8"?>
 <p:notes xmlns:a="http://schemas.openxmlformats.org/drawingml/2006/main" xmlns:r="http://schemas.openxmlformats.org/officeDocument/2006/relationships" xmlns:p="http://schemas.openxmlformats.org/presentationml/2006/main">
   <p:cSld>
     <p:spTree>
@@ -686,7 +1526,7 @@
           <a:p>
             <a:fld id="{3F2DB5A4-1ADC-4498-B442-720211AEF2E0}" type="slidenum">
               <a:rPr lang="it-IT" smtClean="0"/>
-              <a:t>3</a:t>
+              <a:t>9</a:t>
             </a:fld>
             <a:endParaRPr lang="it-IT"/>
           </a:p>
@@ -705,7 +1545,7 @@
 </p:notes>
 </file>
 
-<file path=ppt/notesSlides/notesSlide3.xml><?xml version="1.0" encoding="utf-8"?>
+<file path=ppt/notesSlides/notesSlide9.xml><?xml version="1.0" encoding="utf-8"?>
 <p:notes xmlns:a="http://schemas.openxmlformats.org/drawingml/2006/main" xmlns:r="http://schemas.openxmlformats.org/officeDocument/2006/relationships" xmlns:p="http://schemas.openxmlformats.org/presentationml/2006/main">
   <p:cSld>
     <p:spTree>
@@ -781,7 +1621,7 @@
           <a:p>
             <a:fld id="{3F2DB5A4-1ADC-4498-B442-720211AEF2E0}" type="slidenum">
               <a:rPr lang="it-IT" smtClean="0"/>
-              <a:t>4</a:t>
+              <a:t>10</a:t>
             </a:fld>
             <a:endParaRPr lang="it-IT"/>
           </a:p>
@@ -947,7 +1787,7 @@
           <a:p>
             <a:fld id="{F648D57F-990B-4693-B9DF-7283B5F03356}" type="datetimeFigureOut">
               <a:rPr lang="it-IT" smtClean="0"/>
-              <a:t>13/11/2024</a:t>
+              <a:t>14/11/2024</a:t>
             </a:fld>
             <a:endParaRPr lang="it-IT"/>
           </a:p>
@@ -1145,7 +1985,7 @@
           <a:p>
             <a:fld id="{F648D57F-990B-4693-B9DF-7283B5F03356}" type="datetimeFigureOut">
               <a:rPr lang="it-IT" smtClean="0"/>
-              <a:t>13/11/2024</a:t>
+              <a:t>14/11/2024</a:t>
             </a:fld>
             <a:endParaRPr lang="it-IT"/>
           </a:p>
@@ -1353,7 +2193,7 @@
           <a:p>
             <a:fld id="{F648D57F-990B-4693-B9DF-7283B5F03356}" type="datetimeFigureOut">
               <a:rPr lang="it-IT" smtClean="0"/>
-              <a:t>13/11/2024</a:t>
+              <a:t>14/11/2024</a:t>
             </a:fld>
             <a:endParaRPr lang="it-IT"/>
           </a:p>
@@ -1551,7 +2391,7 @@
           <a:p>
             <a:fld id="{F648D57F-990B-4693-B9DF-7283B5F03356}" type="datetimeFigureOut">
               <a:rPr lang="it-IT" smtClean="0"/>
-              <a:t>13/11/2024</a:t>
+              <a:t>14/11/2024</a:t>
             </a:fld>
             <a:endParaRPr lang="it-IT"/>
           </a:p>
@@ -1826,7 +2666,7 @@
           <a:p>
             <a:fld id="{F648D57F-990B-4693-B9DF-7283B5F03356}" type="datetimeFigureOut">
               <a:rPr lang="it-IT" smtClean="0"/>
-              <a:t>13/11/2024</a:t>
+              <a:t>14/11/2024</a:t>
             </a:fld>
             <a:endParaRPr lang="it-IT"/>
           </a:p>
@@ -2091,7 +2931,7 @@
           <a:p>
             <a:fld id="{F648D57F-990B-4693-B9DF-7283B5F03356}" type="datetimeFigureOut">
               <a:rPr lang="it-IT" smtClean="0"/>
-              <a:t>13/11/2024</a:t>
+              <a:t>14/11/2024</a:t>
             </a:fld>
             <a:endParaRPr lang="it-IT"/>
           </a:p>
@@ -2503,7 +3343,7 @@
           <a:p>
             <a:fld id="{F648D57F-990B-4693-B9DF-7283B5F03356}" type="datetimeFigureOut">
               <a:rPr lang="it-IT" smtClean="0"/>
-              <a:t>13/11/2024</a:t>
+              <a:t>14/11/2024</a:t>
             </a:fld>
             <a:endParaRPr lang="it-IT"/>
           </a:p>
@@ -2644,7 +3484,7 @@
           <a:p>
             <a:fld id="{F648D57F-990B-4693-B9DF-7283B5F03356}" type="datetimeFigureOut">
               <a:rPr lang="it-IT" smtClean="0"/>
-              <a:t>13/11/2024</a:t>
+              <a:t>14/11/2024</a:t>
             </a:fld>
             <a:endParaRPr lang="it-IT"/>
           </a:p>
@@ -2757,7 +3597,7 @@
           <a:p>
             <a:fld id="{F648D57F-990B-4693-B9DF-7283B5F03356}" type="datetimeFigureOut">
               <a:rPr lang="it-IT" smtClean="0"/>
-              <a:t>13/11/2024</a:t>
+              <a:t>14/11/2024</a:t>
             </a:fld>
             <a:endParaRPr lang="it-IT"/>
           </a:p>
@@ -3068,7 +3908,7 @@
           <a:p>
             <a:fld id="{F648D57F-990B-4693-B9DF-7283B5F03356}" type="datetimeFigureOut">
               <a:rPr lang="it-IT" smtClean="0"/>
-              <a:t>13/11/2024</a:t>
+              <a:t>14/11/2024</a:t>
             </a:fld>
             <a:endParaRPr lang="it-IT"/>
           </a:p>
@@ -3356,7 +4196,7 @@
           <a:p>
             <a:fld id="{F648D57F-990B-4693-B9DF-7283B5F03356}" type="datetimeFigureOut">
               <a:rPr lang="it-IT" smtClean="0"/>
-              <a:t>13/11/2024</a:t>
+              <a:t>14/11/2024</a:t>
             </a:fld>
             <a:endParaRPr lang="it-IT"/>
           </a:p>
@@ -3597,7 +4437,7 @@
           <a:p>
             <a:fld id="{F648D57F-990B-4693-B9DF-7283B5F03356}" type="datetimeFigureOut">
               <a:rPr lang="it-IT" smtClean="0"/>
-              <a:t>13/11/2024</a:t>
+              <a:t>14/11/2024</a:t>
             </a:fld>
             <a:endParaRPr lang="it-IT"/>
           </a:p>
@@ -4687,8 +5527,4810 @@
 </p:sld>
 </file>
 
+<file path=ppt/slides/slide10.xml><?xml version="1.0" encoding="utf-8"?>
+<p:sld xmlns:a="http://schemas.openxmlformats.org/drawingml/2006/main" xmlns:r="http://schemas.openxmlformats.org/officeDocument/2006/relationships" xmlns:p="http://schemas.openxmlformats.org/presentationml/2006/main">
+  <p:cSld>
+    <p:bg>
+      <p:bgPr>
+        <a:solidFill>
+          <a:srgbClr val="0D0628"/>
+        </a:solidFill>
+        <a:effectLst/>
+      </p:bgPr>
+    </p:bg>
+    <p:spTree>
+      <p:nvGrpSpPr>
+        <p:cNvPr id="1" name="">
+          <a:extLst>
+            <a:ext uri="{FF2B5EF4-FFF2-40B4-BE49-F238E27FC236}">
+              <a16:creationId xmlns:a16="http://schemas.microsoft.com/office/drawing/2014/main" id="{535975BC-A631-1691-2CA8-C04B30B7CB9D}"/>
+            </a:ext>
+          </a:extLst>
+        </p:cNvPr>
+        <p:cNvGrpSpPr/>
+        <p:nvPr/>
+      </p:nvGrpSpPr>
+      <p:grpSpPr>
+        <a:xfrm>
+          <a:off x="0" y="0"/>
+          <a:ext cx="0" cy="0"/>
+          <a:chOff x="0" y="0"/>
+          <a:chExt cx="0" cy="0"/>
+        </a:xfrm>
+      </p:grpSpPr>
+      <p:sp>
+        <p:nvSpPr>
+          <p:cNvPr id="48" name="Rettangolo 47">
+            <a:extLst>
+              <a:ext uri="{FF2B5EF4-FFF2-40B4-BE49-F238E27FC236}">
+                <a16:creationId xmlns:a16="http://schemas.microsoft.com/office/drawing/2014/main" id="{43D3BB2B-1E64-2E85-0069-B77106BF5DCF}"/>
+              </a:ext>
+            </a:extLst>
+          </p:cNvPr>
+          <p:cNvSpPr/>
+          <p:nvPr/>
+        </p:nvSpPr>
+        <p:spPr>
+          <a:xfrm>
+            <a:off x="0" y="6170199"/>
+            <a:ext cx="12192000" cy="689110"/>
+          </a:xfrm>
+          <a:prstGeom prst="rect">
+            <a:avLst/>
+          </a:prstGeom>
+          <a:solidFill>
+            <a:srgbClr val="F9DBBD">
+              <a:alpha val="10000"/>
+            </a:srgbClr>
+          </a:solidFill>
+          <a:ln>
+            <a:noFill/>
+          </a:ln>
+        </p:spPr>
+        <p:style>
+          <a:lnRef idx="2">
+            <a:schemeClr val="accent1">
+              <a:shade val="15000"/>
+            </a:schemeClr>
+          </a:lnRef>
+          <a:fillRef idx="1">
+            <a:schemeClr val="accent1"/>
+          </a:fillRef>
+          <a:effectRef idx="0">
+            <a:schemeClr val="accent1"/>
+          </a:effectRef>
+          <a:fontRef idx="minor">
+            <a:schemeClr val="lt1"/>
+          </a:fontRef>
+        </p:style>
+        <p:txBody>
+          <a:bodyPr rtlCol="0" anchor="ctr"/>
+          <a:lstStyle/>
+          <a:p>
+            <a:pPr algn="ctr"/>
+            <a:endParaRPr lang="it-IT" dirty="0"/>
+          </a:p>
+        </p:txBody>
+      </p:sp>
+      <p:sp>
+        <p:nvSpPr>
+          <p:cNvPr id="47" name="Rettangolo 46">
+            <a:extLst>
+              <a:ext uri="{FF2B5EF4-FFF2-40B4-BE49-F238E27FC236}">
+                <a16:creationId xmlns:a16="http://schemas.microsoft.com/office/drawing/2014/main" id="{636EF5F6-9C44-5AF6-725E-6BE2B9612BD1}"/>
+              </a:ext>
+            </a:extLst>
+          </p:cNvPr>
+          <p:cNvSpPr/>
+          <p:nvPr/>
+        </p:nvSpPr>
+        <p:spPr>
+          <a:xfrm>
+            <a:off x="0" y="5479396"/>
+            <a:ext cx="12192000" cy="689110"/>
+          </a:xfrm>
+          <a:prstGeom prst="rect">
+            <a:avLst/>
+          </a:prstGeom>
+          <a:solidFill>
+            <a:srgbClr val="F9DBBD">
+              <a:alpha val="0"/>
+            </a:srgbClr>
+          </a:solidFill>
+          <a:ln>
+            <a:noFill/>
+          </a:ln>
+        </p:spPr>
+        <p:style>
+          <a:lnRef idx="2">
+            <a:schemeClr val="accent1">
+              <a:shade val="15000"/>
+            </a:schemeClr>
+          </a:lnRef>
+          <a:fillRef idx="1">
+            <a:schemeClr val="accent1"/>
+          </a:fillRef>
+          <a:effectRef idx="0">
+            <a:schemeClr val="accent1"/>
+          </a:effectRef>
+          <a:fontRef idx="minor">
+            <a:schemeClr val="lt1"/>
+          </a:fontRef>
+        </p:style>
+        <p:txBody>
+          <a:bodyPr rtlCol="0" anchor="ctr"/>
+          <a:lstStyle/>
+          <a:p>
+            <a:pPr algn="ctr"/>
+            <a:endParaRPr lang="it-IT" dirty="0"/>
+          </a:p>
+        </p:txBody>
+      </p:sp>
+      <p:sp>
+        <p:nvSpPr>
+          <p:cNvPr id="45" name="Rettangolo 44">
+            <a:extLst>
+              <a:ext uri="{FF2B5EF4-FFF2-40B4-BE49-F238E27FC236}">
+                <a16:creationId xmlns:a16="http://schemas.microsoft.com/office/drawing/2014/main" id="{8503C109-620D-5C31-3097-419704D6EE0E}"/>
+              </a:ext>
+            </a:extLst>
+          </p:cNvPr>
+          <p:cNvSpPr/>
+          <p:nvPr/>
+        </p:nvSpPr>
+        <p:spPr>
+          <a:xfrm>
+            <a:off x="-3" y="4090178"/>
+            <a:ext cx="12192000" cy="689110"/>
+          </a:xfrm>
+          <a:prstGeom prst="rect">
+            <a:avLst/>
+          </a:prstGeom>
+          <a:solidFill>
+            <a:srgbClr val="F9DBBD">
+              <a:alpha val="0"/>
+            </a:srgbClr>
+          </a:solidFill>
+          <a:ln>
+            <a:noFill/>
+          </a:ln>
+        </p:spPr>
+        <p:style>
+          <a:lnRef idx="2">
+            <a:schemeClr val="accent1">
+              <a:shade val="15000"/>
+            </a:schemeClr>
+          </a:lnRef>
+          <a:fillRef idx="1">
+            <a:schemeClr val="accent1"/>
+          </a:fillRef>
+          <a:effectRef idx="0">
+            <a:schemeClr val="accent1"/>
+          </a:effectRef>
+          <a:fontRef idx="minor">
+            <a:schemeClr val="lt1"/>
+          </a:fontRef>
+        </p:style>
+        <p:txBody>
+          <a:bodyPr rtlCol="0" anchor="ctr"/>
+          <a:lstStyle/>
+          <a:p>
+            <a:pPr algn="ctr"/>
+            <a:endParaRPr lang="it-IT" dirty="0"/>
+          </a:p>
+        </p:txBody>
+      </p:sp>
+      <p:sp>
+        <p:nvSpPr>
+          <p:cNvPr id="46" name="Rettangolo 45">
+            <a:extLst>
+              <a:ext uri="{FF2B5EF4-FFF2-40B4-BE49-F238E27FC236}">
+                <a16:creationId xmlns:a16="http://schemas.microsoft.com/office/drawing/2014/main" id="{ED5DBBC6-42AB-8C64-8C1C-08D2546B5C37}"/>
+              </a:ext>
+            </a:extLst>
+          </p:cNvPr>
+          <p:cNvSpPr/>
+          <p:nvPr/>
+        </p:nvSpPr>
+        <p:spPr>
+          <a:xfrm>
+            <a:off x="0" y="4784787"/>
+            <a:ext cx="12192000" cy="689110"/>
+          </a:xfrm>
+          <a:prstGeom prst="rect">
+            <a:avLst/>
+          </a:prstGeom>
+          <a:solidFill>
+            <a:srgbClr val="F9DBBD">
+              <a:alpha val="10000"/>
+            </a:srgbClr>
+          </a:solidFill>
+          <a:ln>
+            <a:noFill/>
+          </a:ln>
+        </p:spPr>
+        <p:style>
+          <a:lnRef idx="2">
+            <a:schemeClr val="accent1">
+              <a:shade val="15000"/>
+            </a:schemeClr>
+          </a:lnRef>
+          <a:fillRef idx="1">
+            <a:schemeClr val="accent1"/>
+          </a:fillRef>
+          <a:effectRef idx="0">
+            <a:schemeClr val="accent1"/>
+          </a:effectRef>
+          <a:fontRef idx="minor">
+            <a:schemeClr val="lt1"/>
+          </a:fontRef>
+        </p:style>
+        <p:txBody>
+          <a:bodyPr rtlCol="0" anchor="ctr"/>
+          <a:lstStyle/>
+          <a:p>
+            <a:pPr algn="ctr"/>
+            <a:endParaRPr lang="it-IT" dirty="0"/>
+          </a:p>
+        </p:txBody>
+      </p:sp>
+      <p:sp>
+        <p:nvSpPr>
+          <p:cNvPr id="39" name="Rettangolo 38">
+            <a:extLst>
+              <a:ext uri="{FF2B5EF4-FFF2-40B4-BE49-F238E27FC236}">
+                <a16:creationId xmlns:a16="http://schemas.microsoft.com/office/drawing/2014/main" id="{D1129CF4-75B5-365E-ACD2-B8BDE365AEB8}"/>
+              </a:ext>
+            </a:extLst>
+          </p:cNvPr>
+          <p:cNvSpPr/>
+          <p:nvPr/>
+        </p:nvSpPr>
+        <p:spPr>
+          <a:xfrm>
+            <a:off x="-3" y="2708301"/>
+            <a:ext cx="12192000" cy="689110"/>
+          </a:xfrm>
+          <a:prstGeom prst="rect">
+            <a:avLst/>
+          </a:prstGeom>
+          <a:solidFill>
+            <a:srgbClr val="F9DBBD">
+              <a:alpha val="0"/>
+            </a:srgbClr>
+          </a:solidFill>
+          <a:ln>
+            <a:noFill/>
+          </a:ln>
+        </p:spPr>
+        <p:style>
+          <a:lnRef idx="2">
+            <a:schemeClr val="accent1">
+              <a:shade val="15000"/>
+            </a:schemeClr>
+          </a:lnRef>
+          <a:fillRef idx="1">
+            <a:schemeClr val="accent1"/>
+          </a:fillRef>
+          <a:effectRef idx="0">
+            <a:schemeClr val="accent1"/>
+          </a:effectRef>
+          <a:fontRef idx="minor">
+            <a:schemeClr val="lt1"/>
+          </a:fontRef>
+        </p:style>
+        <p:txBody>
+          <a:bodyPr rtlCol="0" anchor="ctr"/>
+          <a:lstStyle/>
+          <a:p>
+            <a:pPr algn="ctr"/>
+            <a:endParaRPr lang="it-IT" dirty="0"/>
+          </a:p>
+        </p:txBody>
+      </p:sp>
+      <p:sp>
+        <p:nvSpPr>
+          <p:cNvPr id="40" name="Rettangolo 39">
+            <a:extLst>
+              <a:ext uri="{FF2B5EF4-FFF2-40B4-BE49-F238E27FC236}">
+                <a16:creationId xmlns:a16="http://schemas.microsoft.com/office/drawing/2014/main" id="{C2B4D2C7-B7A1-0214-3341-65C525A94037}"/>
+              </a:ext>
+            </a:extLst>
+          </p:cNvPr>
+          <p:cNvSpPr/>
+          <p:nvPr/>
+        </p:nvSpPr>
+        <p:spPr>
+          <a:xfrm>
+            <a:off x="0" y="3395569"/>
+            <a:ext cx="12192000" cy="689110"/>
+          </a:xfrm>
+          <a:prstGeom prst="rect">
+            <a:avLst/>
+          </a:prstGeom>
+          <a:solidFill>
+            <a:srgbClr val="F9DBBD">
+              <a:alpha val="10000"/>
+            </a:srgbClr>
+          </a:solidFill>
+          <a:ln>
+            <a:noFill/>
+          </a:ln>
+        </p:spPr>
+        <p:style>
+          <a:lnRef idx="2">
+            <a:schemeClr val="accent1">
+              <a:shade val="15000"/>
+            </a:schemeClr>
+          </a:lnRef>
+          <a:fillRef idx="1">
+            <a:schemeClr val="accent1"/>
+          </a:fillRef>
+          <a:effectRef idx="0">
+            <a:schemeClr val="accent1"/>
+          </a:effectRef>
+          <a:fontRef idx="minor">
+            <a:schemeClr val="lt1"/>
+          </a:fontRef>
+        </p:style>
+        <p:txBody>
+          <a:bodyPr rtlCol="0" anchor="ctr"/>
+          <a:lstStyle/>
+          <a:p>
+            <a:pPr algn="ctr"/>
+            <a:endParaRPr lang="it-IT" dirty="0"/>
+          </a:p>
+        </p:txBody>
+      </p:sp>
+      <p:sp>
+        <p:nvSpPr>
+          <p:cNvPr id="30" name="Rettangolo 29">
+            <a:extLst>
+              <a:ext uri="{FF2B5EF4-FFF2-40B4-BE49-F238E27FC236}">
+                <a16:creationId xmlns:a16="http://schemas.microsoft.com/office/drawing/2014/main" id="{06B840FA-656E-1164-CD30-0D67FD79C84A}"/>
+              </a:ext>
+            </a:extLst>
+          </p:cNvPr>
+          <p:cNvSpPr/>
+          <p:nvPr/>
+        </p:nvSpPr>
+        <p:spPr>
+          <a:xfrm>
+            <a:off x="1" y="2021872"/>
+            <a:ext cx="12192000" cy="689110"/>
+          </a:xfrm>
+          <a:prstGeom prst="rect">
+            <a:avLst/>
+          </a:prstGeom>
+          <a:solidFill>
+            <a:srgbClr val="F9DBBD">
+              <a:alpha val="10000"/>
+            </a:srgbClr>
+          </a:solidFill>
+          <a:ln>
+            <a:noFill/>
+          </a:ln>
+        </p:spPr>
+        <p:style>
+          <a:lnRef idx="2">
+            <a:schemeClr val="accent1">
+              <a:shade val="15000"/>
+            </a:schemeClr>
+          </a:lnRef>
+          <a:fillRef idx="1">
+            <a:schemeClr val="accent1"/>
+          </a:fillRef>
+          <a:effectRef idx="0">
+            <a:schemeClr val="accent1"/>
+          </a:effectRef>
+          <a:fontRef idx="minor">
+            <a:schemeClr val="lt1"/>
+          </a:fontRef>
+        </p:style>
+        <p:txBody>
+          <a:bodyPr rtlCol="0" anchor="ctr"/>
+          <a:lstStyle/>
+          <a:p>
+            <a:pPr algn="ctr"/>
+            <a:endParaRPr lang="it-IT" dirty="0"/>
+          </a:p>
+        </p:txBody>
+      </p:sp>
+      <p:sp>
+        <p:nvSpPr>
+          <p:cNvPr id="6" name="CasellaDiTesto 5">
+            <a:extLst>
+              <a:ext uri="{FF2B5EF4-FFF2-40B4-BE49-F238E27FC236}">
+                <a16:creationId xmlns:a16="http://schemas.microsoft.com/office/drawing/2014/main" id="{EA896EDA-51A1-B756-5E7D-75C70D2593EC}"/>
+              </a:ext>
+            </a:extLst>
+          </p:cNvPr>
+          <p:cNvSpPr txBox="1"/>
+          <p:nvPr/>
+        </p:nvSpPr>
+        <p:spPr>
+          <a:xfrm>
+            <a:off x="-1014706" y="415389"/>
+            <a:ext cx="5521087" cy="400110"/>
+          </a:xfrm>
+          <a:prstGeom prst="rect">
+            <a:avLst/>
+          </a:prstGeom>
+          <a:noFill/>
+        </p:spPr>
+        <p:txBody>
+          <a:bodyPr wrap="square" rtlCol="0">
+            <a:spAutoFit/>
+          </a:bodyPr>
+          <a:lstStyle/>
+          <a:p>
+            <a:pPr algn="ctr"/>
+            <a:r>
+              <a:rPr lang="it-IT" sz="2000" dirty="0">
+                <a:solidFill>
+                  <a:schemeClr val="bg1"/>
+                </a:solidFill>
+              </a:rPr>
+              <a:t>SOLUTIONS </a:t>
+            </a:r>
+            <a:r>
+              <a:rPr lang="it-IT" sz="2000" b="1" dirty="0">
+                <a:solidFill>
+                  <a:schemeClr val="bg1"/>
+                </a:solidFill>
+              </a:rPr>
+              <a:t>COMPARISON</a:t>
+            </a:r>
+          </a:p>
+        </p:txBody>
+      </p:sp>
+      <p:cxnSp>
+        <p:nvCxnSpPr>
+          <p:cNvPr id="3" name="Connettore diritto 2">
+            <a:extLst>
+              <a:ext uri="{FF2B5EF4-FFF2-40B4-BE49-F238E27FC236}">
+                <a16:creationId xmlns:a16="http://schemas.microsoft.com/office/drawing/2014/main" id="{9ADAAF83-20D1-1405-AE89-6623DF2CCA6B}"/>
+              </a:ext>
+            </a:extLst>
+          </p:cNvPr>
+          <p:cNvCxnSpPr>
+            <a:cxnSpLocks/>
+          </p:cNvCxnSpPr>
+          <p:nvPr/>
+        </p:nvCxnSpPr>
+        <p:spPr>
+          <a:xfrm>
+            <a:off x="-3" y="815499"/>
+            <a:ext cx="3232153" cy="0"/>
+          </a:xfrm>
+          <a:prstGeom prst="line">
+            <a:avLst/>
+          </a:prstGeom>
+          <a:ln w="28575">
+            <a:solidFill>
+              <a:srgbClr val="DA627D"/>
+            </a:solidFill>
+          </a:ln>
+        </p:spPr>
+        <p:style>
+          <a:lnRef idx="2">
+            <a:schemeClr val="accent1"/>
+          </a:lnRef>
+          <a:fillRef idx="0">
+            <a:schemeClr val="accent1"/>
+          </a:fillRef>
+          <a:effectRef idx="1">
+            <a:schemeClr val="accent1"/>
+          </a:effectRef>
+          <a:fontRef idx="minor">
+            <a:schemeClr val="tx1"/>
+          </a:fontRef>
+        </p:style>
+      </p:cxnSp>
+      <p:cxnSp>
+        <p:nvCxnSpPr>
+          <p:cNvPr id="29" name="Connettore diritto 28">
+            <a:extLst>
+              <a:ext uri="{FF2B5EF4-FFF2-40B4-BE49-F238E27FC236}">
+                <a16:creationId xmlns:a16="http://schemas.microsoft.com/office/drawing/2014/main" id="{7FA29911-C7F9-7545-6146-84774E04DF2C}"/>
+              </a:ext>
+            </a:extLst>
+          </p:cNvPr>
+          <p:cNvCxnSpPr>
+            <a:cxnSpLocks/>
+          </p:cNvCxnSpPr>
+          <p:nvPr/>
+        </p:nvCxnSpPr>
+        <p:spPr>
+          <a:xfrm flipV="1">
+            <a:off x="4980136" y="1409637"/>
+            <a:ext cx="0" cy="5448363"/>
+          </a:xfrm>
+          <a:prstGeom prst="line">
+            <a:avLst/>
+          </a:prstGeom>
+          <a:ln w="28575">
+            <a:solidFill>
+              <a:schemeClr val="bg1"/>
+            </a:solidFill>
+          </a:ln>
+        </p:spPr>
+        <p:style>
+          <a:lnRef idx="2">
+            <a:schemeClr val="accent1"/>
+          </a:lnRef>
+          <a:fillRef idx="0">
+            <a:schemeClr val="accent1"/>
+          </a:fillRef>
+          <a:effectRef idx="1">
+            <a:schemeClr val="accent1"/>
+          </a:effectRef>
+          <a:fontRef idx="minor">
+            <a:schemeClr val="tx1"/>
+          </a:fontRef>
+        </p:style>
+      </p:cxnSp>
+      <p:cxnSp>
+        <p:nvCxnSpPr>
+          <p:cNvPr id="33" name="Connettore diritto 32">
+            <a:extLst>
+              <a:ext uri="{FF2B5EF4-FFF2-40B4-BE49-F238E27FC236}">
+                <a16:creationId xmlns:a16="http://schemas.microsoft.com/office/drawing/2014/main" id="{A60FF17C-35EE-5BA3-E854-61A7EFC3FE40}"/>
+              </a:ext>
+            </a:extLst>
+          </p:cNvPr>
+          <p:cNvCxnSpPr>
+            <a:cxnSpLocks/>
+          </p:cNvCxnSpPr>
+          <p:nvPr/>
+        </p:nvCxnSpPr>
+        <p:spPr>
+          <a:xfrm flipV="1">
+            <a:off x="7384090" y="1409637"/>
+            <a:ext cx="0" cy="5448363"/>
+          </a:xfrm>
+          <a:prstGeom prst="line">
+            <a:avLst/>
+          </a:prstGeom>
+          <a:ln w="28575">
+            <a:solidFill>
+              <a:schemeClr val="bg1"/>
+            </a:solidFill>
+          </a:ln>
+        </p:spPr>
+        <p:style>
+          <a:lnRef idx="2">
+            <a:schemeClr val="accent1"/>
+          </a:lnRef>
+          <a:fillRef idx="0">
+            <a:schemeClr val="accent1"/>
+          </a:fillRef>
+          <a:effectRef idx="1">
+            <a:schemeClr val="accent1"/>
+          </a:effectRef>
+          <a:fontRef idx="minor">
+            <a:schemeClr val="tx1"/>
+          </a:fontRef>
+        </p:style>
+      </p:cxnSp>
+      <p:cxnSp>
+        <p:nvCxnSpPr>
+          <p:cNvPr id="34" name="Connettore diritto 33">
+            <a:extLst>
+              <a:ext uri="{FF2B5EF4-FFF2-40B4-BE49-F238E27FC236}">
+                <a16:creationId xmlns:a16="http://schemas.microsoft.com/office/drawing/2014/main" id="{A1DDC49A-6A1B-DD9F-6E8E-3DA95431EE6C}"/>
+              </a:ext>
+            </a:extLst>
+          </p:cNvPr>
+          <p:cNvCxnSpPr>
+            <a:cxnSpLocks/>
+          </p:cNvCxnSpPr>
+          <p:nvPr/>
+        </p:nvCxnSpPr>
+        <p:spPr>
+          <a:xfrm flipV="1">
+            <a:off x="9788044" y="1409637"/>
+            <a:ext cx="0" cy="5448363"/>
+          </a:xfrm>
+          <a:prstGeom prst="line">
+            <a:avLst/>
+          </a:prstGeom>
+          <a:ln w="28575">
+            <a:solidFill>
+              <a:schemeClr val="bg1"/>
+            </a:solidFill>
+          </a:ln>
+        </p:spPr>
+        <p:style>
+          <a:lnRef idx="2">
+            <a:schemeClr val="accent1"/>
+          </a:lnRef>
+          <a:fillRef idx="0">
+            <a:schemeClr val="accent1"/>
+          </a:fillRef>
+          <a:effectRef idx="1">
+            <a:schemeClr val="accent1"/>
+          </a:effectRef>
+          <a:fontRef idx="minor">
+            <a:schemeClr val="tx1"/>
+          </a:fontRef>
+        </p:style>
+      </p:cxnSp>
+      <p:sp>
+        <p:nvSpPr>
+          <p:cNvPr id="35" name="CasellaDiTesto 34">
+            <a:extLst>
+              <a:ext uri="{FF2B5EF4-FFF2-40B4-BE49-F238E27FC236}">
+                <a16:creationId xmlns:a16="http://schemas.microsoft.com/office/drawing/2014/main" id="{60E45144-F9E6-F09E-BA97-D1DEB3778FD3}"/>
+              </a:ext>
+            </a:extLst>
+          </p:cNvPr>
+          <p:cNvSpPr txBox="1"/>
+          <p:nvPr/>
+        </p:nvSpPr>
+        <p:spPr>
+          <a:xfrm>
+            <a:off x="4980137" y="1373010"/>
+            <a:ext cx="2403951" cy="400110"/>
+          </a:xfrm>
+          <a:prstGeom prst="rect">
+            <a:avLst/>
+          </a:prstGeom>
+          <a:noFill/>
+        </p:spPr>
+        <p:txBody>
+          <a:bodyPr wrap="square" rtlCol="0">
+            <a:spAutoFit/>
+          </a:bodyPr>
+          <a:lstStyle/>
+          <a:p>
+            <a:pPr algn="ctr"/>
+            <a:r>
+              <a:rPr lang="it-IT" sz="2000" b="1" dirty="0" err="1">
+                <a:solidFill>
+                  <a:srgbClr val="DA627D"/>
+                </a:solidFill>
+              </a:rPr>
+              <a:t>Mood</a:t>
+            </a:r>
+            <a:r>
+              <a:rPr lang="it-IT" sz="2000" b="1" dirty="0" err="1">
+                <a:solidFill>
+                  <a:schemeClr val="bg1"/>
+                </a:solidFill>
+              </a:rPr>
+              <a:t>Pilot</a:t>
+            </a:r>
+            <a:endParaRPr lang="it-IT" sz="2000" b="1" dirty="0">
+              <a:solidFill>
+                <a:schemeClr val="bg1"/>
+              </a:solidFill>
+            </a:endParaRPr>
+          </a:p>
+        </p:txBody>
+      </p:sp>
+      <p:pic>
+        <p:nvPicPr>
+          <p:cNvPr id="42" name="Immagine 41" descr="Immagine che contiene clipart, Elementi grafici, simbolo, logo&#10;&#10;Descrizione generata automaticamente">
+            <a:extLst>
+              <a:ext uri="{FF2B5EF4-FFF2-40B4-BE49-F238E27FC236}">
+                <a16:creationId xmlns:a16="http://schemas.microsoft.com/office/drawing/2014/main" id="{D27E52F5-4DA9-0D8E-0A5C-D90AE95BD596}"/>
+              </a:ext>
+            </a:extLst>
+          </p:cNvPr>
+          <p:cNvPicPr>
+            <a:picLocks noChangeAspect="1"/>
+          </p:cNvPicPr>
+          <p:nvPr/>
+        </p:nvPicPr>
+        <p:blipFill>
+          <a:blip r:embed="rId3">
+            <a:extLst>
+              <a:ext uri="{28A0092B-C50C-407E-A947-70E740481C1C}">
+                <a14:useLocalDpi xmlns:a14="http://schemas.microsoft.com/office/drawing/2010/main" val="0"/>
+              </a:ext>
+            </a:extLst>
+          </a:blip>
+          <a:stretch>
+            <a:fillRect/>
+          </a:stretch>
+        </p:blipFill>
+        <p:spPr>
+          <a:xfrm>
+            <a:off x="5933207" y="2115763"/>
+            <a:ext cx="497809" cy="497809"/>
+          </a:xfrm>
+          <a:prstGeom prst="rect">
+            <a:avLst/>
+          </a:prstGeom>
+        </p:spPr>
+      </p:pic>
+      <p:sp>
+        <p:nvSpPr>
+          <p:cNvPr id="44" name="CasellaDiTesto 43">
+            <a:extLst>
+              <a:ext uri="{FF2B5EF4-FFF2-40B4-BE49-F238E27FC236}">
+                <a16:creationId xmlns:a16="http://schemas.microsoft.com/office/drawing/2014/main" id="{130CD93E-DFCA-F76A-E73F-8A231997DE6F}"/>
+              </a:ext>
+            </a:extLst>
+          </p:cNvPr>
+          <p:cNvSpPr txBox="1"/>
+          <p:nvPr/>
+        </p:nvSpPr>
+        <p:spPr>
+          <a:xfrm>
+            <a:off x="298989" y="6330088"/>
+            <a:ext cx="4142959" cy="369332"/>
+          </a:xfrm>
+          <a:prstGeom prst="rect">
+            <a:avLst/>
+          </a:prstGeom>
+          <a:noFill/>
+        </p:spPr>
+        <p:txBody>
+          <a:bodyPr wrap="square" rtlCol="0">
+            <a:spAutoFit/>
+          </a:bodyPr>
+          <a:lstStyle/>
+          <a:p>
+            <a:r>
+              <a:rPr lang="it-IT" dirty="0">
+                <a:solidFill>
+                  <a:schemeClr val="bg1"/>
+                </a:solidFill>
+              </a:rPr>
+              <a:t>7. </a:t>
+            </a:r>
+            <a:r>
+              <a:rPr lang="it-IT" b="1" dirty="0">
+                <a:solidFill>
+                  <a:schemeClr val="bg1"/>
+                </a:solidFill>
+              </a:rPr>
+              <a:t>PRIVACY</a:t>
+            </a:r>
+            <a:r>
+              <a:rPr lang="it-IT" dirty="0">
+                <a:solidFill>
+                  <a:schemeClr val="bg1"/>
+                </a:solidFill>
+              </a:rPr>
+              <a:t> AND </a:t>
+            </a:r>
+            <a:r>
+              <a:rPr lang="it-IT" b="1" dirty="0">
+                <a:solidFill>
+                  <a:schemeClr val="bg1"/>
+                </a:solidFill>
+              </a:rPr>
+              <a:t>CONSENT</a:t>
+            </a:r>
+          </a:p>
+        </p:txBody>
+      </p:sp>
+      <p:grpSp>
+        <p:nvGrpSpPr>
+          <p:cNvPr id="4" name="Gruppo 3">
+            <a:extLst>
+              <a:ext uri="{FF2B5EF4-FFF2-40B4-BE49-F238E27FC236}">
+                <a16:creationId xmlns:a16="http://schemas.microsoft.com/office/drawing/2014/main" id="{2B7FDE81-4B2A-AEA8-C602-A6637CCCABA6}"/>
+              </a:ext>
+            </a:extLst>
+          </p:cNvPr>
+          <p:cNvGrpSpPr/>
+          <p:nvPr/>
+        </p:nvGrpSpPr>
+        <p:grpSpPr>
+          <a:xfrm>
+            <a:off x="10593136" y="1005534"/>
+            <a:ext cx="793759" cy="793759"/>
+            <a:chOff x="8691472" y="581668"/>
+            <a:chExt cx="1059700" cy="1059700"/>
+          </a:xfrm>
+        </p:grpSpPr>
+        <p:sp>
+          <p:nvSpPr>
+            <p:cNvPr id="2" name="Ovale 1">
+              <a:extLst>
+                <a:ext uri="{FF2B5EF4-FFF2-40B4-BE49-F238E27FC236}">
+                  <a16:creationId xmlns:a16="http://schemas.microsoft.com/office/drawing/2014/main" id="{B01E5624-22B0-05FA-A2A7-841759110EFB}"/>
+                </a:ext>
+              </a:extLst>
+            </p:cNvPr>
+            <p:cNvSpPr/>
+            <p:nvPr/>
+          </p:nvSpPr>
+          <p:spPr>
+            <a:xfrm>
+              <a:off x="8691472" y="581668"/>
+              <a:ext cx="1059700" cy="1059700"/>
+            </a:xfrm>
+            <a:prstGeom prst="ellipse">
+              <a:avLst/>
+            </a:prstGeom>
+            <a:solidFill>
+              <a:srgbClr val="DA627D"/>
+            </a:solidFill>
+            <a:ln>
+              <a:noFill/>
+            </a:ln>
+          </p:spPr>
+          <p:style>
+            <a:lnRef idx="2">
+              <a:schemeClr val="accent1">
+                <a:shade val="15000"/>
+              </a:schemeClr>
+            </a:lnRef>
+            <a:fillRef idx="1">
+              <a:schemeClr val="accent1"/>
+            </a:fillRef>
+            <a:effectRef idx="0">
+              <a:schemeClr val="accent1"/>
+            </a:effectRef>
+            <a:fontRef idx="minor">
+              <a:schemeClr val="lt1"/>
+            </a:fontRef>
+          </p:style>
+          <p:txBody>
+            <a:bodyPr rtlCol="0" anchor="ctr"/>
+            <a:lstStyle/>
+            <a:p>
+              <a:pPr algn="ctr"/>
+              <a:endParaRPr lang="it-IT"/>
+            </a:p>
+          </p:txBody>
+        </p:sp>
+        <p:pic>
+          <p:nvPicPr>
+            <p:cNvPr id="1028" name="Picture 4" descr="Uber logo PNG Images Free Download">
+              <a:extLst>
+                <a:ext uri="{FF2B5EF4-FFF2-40B4-BE49-F238E27FC236}">
+                  <a16:creationId xmlns:a16="http://schemas.microsoft.com/office/drawing/2014/main" id="{DB5D871F-7A80-6D66-25F3-BA9079125089}"/>
+                </a:ext>
+              </a:extLst>
+            </p:cNvPr>
+            <p:cNvPicPr>
+              <a:picLocks noChangeAspect="1" noChangeArrowheads="1"/>
+            </p:cNvPicPr>
+            <p:nvPr/>
+          </p:nvPicPr>
+          <p:blipFill>
+            <a:blip r:embed="rId4">
+              <a:extLst>
+                <a:ext uri="{28A0092B-C50C-407E-A947-70E740481C1C}">
+                  <a14:useLocalDpi xmlns:a14="http://schemas.microsoft.com/office/drawing/2010/main" val="0"/>
+                </a:ext>
+              </a:extLst>
+            </a:blip>
+            <a:srcRect/>
+            <a:stretch>
+              <a:fillRect/>
+            </a:stretch>
+          </p:blipFill>
+          <p:spPr bwMode="auto">
+            <a:xfrm>
+              <a:off x="8760279" y="650475"/>
+              <a:ext cx="922086" cy="922086"/>
+            </a:xfrm>
+            <a:prstGeom prst="rect">
+              <a:avLst/>
+            </a:prstGeom>
+            <a:noFill/>
+            <a:extLst>
+              <a:ext uri="{909E8E84-426E-40DD-AFC4-6F175D3DCCD1}">
+                <a14:hiddenFill xmlns:a14="http://schemas.microsoft.com/office/drawing/2010/main">
+                  <a:solidFill>
+                    <a:srgbClr val="FFFFFF"/>
+                  </a:solidFill>
+                </a14:hiddenFill>
+              </a:ext>
+            </a:extLst>
+          </p:spPr>
+        </p:pic>
+      </p:grpSp>
+      <p:sp>
+        <p:nvSpPr>
+          <p:cNvPr id="9" name="CasellaDiTesto 8">
+            <a:extLst>
+              <a:ext uri="{FF2B5EF4-FFF2-40B4-BE49-F238E27FC236}">
+                <a16:creationId xmlns:a16="http://schemas.microsoft.com/office/drawing/2014/main" id="{E6E0C682-1B8B-D067-188B-AD9191852F2D}"/>
+              </a:ext>
+            </a:extLst>
+          </p:cNvPr>
+          <p:cNvSpPr txBox="1"/>
+          <p:nvPr/>
+        </p:nvSpPr>
+        <p:spPr>
+          <a:xfrm>
+            <a:off x="298991" y="2181418"/>
+            <a:ext cx="4601765" cy="369332"/>
+          </a:xfrm>
+          <a:prstGeom prst="rect">
+            <a:avLst/>
+          </a:prstGeom>
+          <a:noFill/>
+        </p:spPr>
+        <p:txBody>
+          <a:bodyPr wrap="square" rtlCol="0">
+            <a:spAutoFit/>
+          </a:bodyPr>
+          <a:lstStyle/>
+          <a:p>
+            <a:r>
+              <a:rPr lang="en-US" dirty="0">
+                <a:solidFill>
+                  <a:schemeClr val="bg1"/>
+                </a:solidFill>
+              </a:rPr>
+              <a:t>1. PASSENGER </a:t>
+            </a:r>
+            <a:r>
+              <a:rPr lang="en-US" b="1" dirty="0">
+                <a:solidFill>
+                  <a:schemeClr val="bg1"/>
+                </a:solidFill>
+              </a:rPr>
+              <a:t>COMFORT</a:t>
+            </a:r>
+            <a:r>
+              <a:rPr lang="en-US" dirty="0">
+                <a:solidFill>
+                  <a:schemeClr val="bg1"/>
+                </a:solidFill>
+              </a:rPr>
+              <a:t> ASSESSMENT</a:t>
+            </a:r>
+            <a:endParaRPr lang="it-IT" sz="2000" dirty="0">
+              <a:solidFill>
+                <a:schemeClr val="bg1"/>
+              </a:solidFill>
+            </a:endParaRPr>
+          </a:p>
+        </p:txBody>
+      </p:sp>
+      <p:sp>
+        <p:nvSpPr>
+          <p:cNvPr id="10" name="CasellaDiTesto 9">
+            <a:extLst>
+              <a:ext uri="{FF2B5EF4-FFF2-40B4-BE49-F238E27FC236}">
+                <a16:creationId xmlns:a16="http://schemas.microsoft.com/office/drawing/2014/main" id="{375767FC-35B9-9F8F-949F-188A0A89299C}"/>
+              </a:ext>
+            </a:extLst>
+          </p:cNvPr>
+          <p:cNvSpPr txBox="1"/>
+          <p:nvPr/>
+        </p:nvSpPr>
+        <p:spPr>
+          <a:xfrm>
+            <a:off x="298989" y="4939177"/>
+            <a:ext cx="4787297" cy="369332"/>
+          </a:xfrm>
+          <a:prstGeom prst="rect">
+            <a:avLst/>
+          </a:prstGeom>
+          <a:noFill/>
+        </p:spPr>
+        <p:txBody>
+          <a:bodyPr wrap="square" rtlCol="0">
+            <a:spAutoFit/>
+          </a:bodyPr>
+          <a:lstStyle/>
+          <a:p>
+            <a:r>
+              <a:rPr lang="it-IT" dirty="0">
+                <a:solidFill>
+                  <a:schemeClr val="bg1"/>
+                </a:solidFill>
+              </a:rPr>
+              <a:t>5. PASSENGER </a:t>
+            </a:r>
+            <a:r>
+              <a:rPr lang="it-IT" b="1" dirty="0">
+                <a:solidFill>
+                  <a:schemeClr val="bg1"/>
+                </a:solidFill>
+              </a:rPr>
+              <a:t>STRESS</a:t>
+            </a:r>
+            <a:r>
+              <a:rPr lang="it-IT" dirty="0">
+                <a:solidFill>
+                  <a:schemeClr val="bg1"/>
+                </a:solidFill>
+              </a:rPr>
+              <a:t> DETECTION</a:t>
+            </a:r>
+          </a:p>
+        </p:txBody>
+      </p:sp>
+      <p:sp>
+        <p:nvSpPr>
+          <p:cNvPr id="11" name="CasellaDiTesto 10">
+            <a:extLst>
+              <a:ext uri="{FF2B5EF4-FFF2-40B4-BE49-F238E27FC236}">
+                <a16:creationId xmlns:a16="http://schemas.microsoft.com/office/drawing/2014/main" id="{AC0F7A24-6785-0115-9CA9-55DC489A859B}"/>
+              </a:ext>
+            </a:extLst>
+          </p:cNvPr>
+          <p:cNvSpPr txBox="1"/>
+          <p:nvPr/>
+        </p:nvSpPr>
+        <p:spPr>
+          <a:xfrm>
+            <a:off x="298990" y="3559128"/>
+            <a:ext cx="4421377" cy="369332"/>
+          </a:xfrm>
+          <a:prstGeom prst="rect">
+            <a:avLst/>
+          </a:prstGeom>
+          <a:noFill/>
+        </p:spPr>
+        <p:txBody>
+          <a:bodyPr wrap="square" rtlCol="0">
+            <a:spAutoFit/>
+          </a:bodyPr>
+          <a:lstStyle/>
+          <a:p>
+            <a:r>
+              <a:rPr lang="it-IT" dirty="0">
+                <a:solidFill>
+                  <a:schemeClr val="bg1"/>
+                </a:solidFill>
+              </a:rPr>
+              <a:t>3. </a:t>
+            </a:r>
+            <a:r>
+              <a:rPr lang="it-IT" b="1" dirty="0">
+                <a:solidFill>
+                  <a:schemeClr val="bg1"/>
+                </a:solidFill>
+              </a:rPr>
+              <a:t>CONTINUOUS </a:t>
+            </a:r>
+            <a:r>
+              <a:rPr lang="it-IT" dirty="0">
+                <a:solidFill>
+                  <a:schemeClr val="bg1"/>
+                </a:solidFill>
+              </a:rPr>
+              <a:t>DRIVER MONITORING</a:t>
+            </a:r>
+          </a:p>
+        </p:txBody>
+      </p:sp>
+      <p:sp>
+        <p:nvSpPr>
+          <p:cNvPr id="13" name="CasellaDiTesto 12">
+            <a:extLst>
+              <a:ext uri="{FF2B5EF4-FFF2-40B4-BE49-F238E27FC236}">
+                <a16:creationId xmlns:a16="http://schemas.microsoft.com/office/drawing/2014/main" id="{14E426E7-0A22-AE84-D074-65DE9BBA80A3}"/>
+              </a:ext>
+            </a:extLst>
+          </p:cNvPr>
+          <p:cNvSpPr txBox="1"/>
+          <p:nvPr/>
+        </p:nvSpPr>
+        <p:spPr>
+          <a:xfrm>
+            <a:off x="298990" y="2863683"/>
+            <a:ext cx="4421377" cy="369332"/>
+          </a:xfrm>
+          <a:prstGeom prst="rect">
+            <a:avLst/>
+          </a:prstGeom>
+          <a:noFill/>
+        </p:spPr>
+        <p:txBody>
+          <a:bodyPr wrap="square" rtlCol="0">
+            <a:spAutoFit/>
+          </a:bodyPr>
+          <a:lstStyle/>
+          <a:p>
+            <a:r>
+              <a:rPr lang="it-IT" dirty="0">
+                <a:solidFill>
+                  <a:schemeClr val="bg1"/>
+                </a:solidFill>
+              </a:rPr>
+              <a:t>2. </a:t>
+            </a:r>
+            <a:r>
+              <a:rPr lang="it-IT" b="1" dirty="0">
+                <a:solidFill>
+                  <a:schemeClr val="bg1"/>
+                </a:solidFill>
+              </a:rPr>
+              <a:t>PASSIVE</a:t>
+            </a:r>
+            <a:r>
+              <a:rPr lang="it-IT" dirty="0">
+                <a:solidFill>
+                  <a:schemeClr val="bg1"/>
+                </a:solidFill>
+              </a:rPr>
+              <a:t> PASSENGER INVOLVEMENT </a:t>
+            </a:r>
+          </a:p>
+        </p:txBody>
+      </p:sp>
+      <p:sp>
+        <p:nvSpPr>
+          <p:cNvPr id="23" name="CasellaDiTesto 22">
+            <a:extLst>
+              <a:ext uri="{FF2B5EF4-FFF2-40B4-BE49-F238E27FC236}">
+                <a16:creationId xmlns:a16="http://schemas.microsoft.com/office/drawing/2014/main" id="{86377D17-C3F3-A5CB-C0AB-BD1A9E75524F}"/>
+              </a:ext>
+            </a:extLst>
+          </p:cNvPr>
+          <p:cNvSpPr txBox="1"/>
+          <p:nvPr/>
+        </p:nvSpPr>
+        <p:spPr>
+          <a:xfrm>
+            <a:off x="298989" y="5642627"/>
+            <a:ext cx="5137498" cy="369332"/>
+          </a:xfrm>
+          <a:prstGeom prst="rect">
+            <a:avLst/>
+          </a:prstGeom>
+          <a:noFill/>
+        </p:spPr>
+        <p:txBody>
+          <a:bodyPr wrap="square" rtlCol="0">
+            <a:spAutoFit/>
+          </a:bodyPr>
+          <a:lstStyle/>
+          <a:p>
+            <a:r>
+              <a:rPr lang="it-IT" dirty="0">
+                <a:solidFill>
+                  <a:schemeClr val="bg1"/>
+                </a:solidFill>
+              </a:rPr>
+              <a:t>6. </a:t>
+            </a:r>
+            <a:r>
+              <a:rPr lang="it-IT" b="1" dirty="0">
+                <a:solidFill>
+                  <a:schemeClr val="bg1"/>
+                </a:solidFill>
+              </a:rPr>
+              <a:t>TWO-WAY</a:t>
+            </a:r>
+            <a:r>
+              <a:rPr lang="it-IT" dirty="0">
+                <a:solidFill>
+                  <a:schemeClr val="bg1"/>
+                </a:solidFill>
+              </a:rPr>
+              <a:t> RATING SYSTEM</a:t>
+            </a:r>
+          </a:p>
+        </p:txBody>
+      </p:sp>
+      <p:grpSp>
+        <p:nvGrpSpPr>
+          <p:cNvPr id="25" name="Gruppo 24">
+            <a:extLst>
+              <a:ext uri="{FF2B5EF4-FFF2-40B4-BE49-F238E27FC236}">
+                <a16:creationId xmlns:a16="http://schemas.microsoft.com/office/drawing/2014/main" id="{0EBB2397-EB80-0786-0589-5EA8F5C973A0}"/>
+              </a:ext>
+            </a:extLst>
+          </p:cNvPr>
+          <p:cNvGrpSpPr/>
+          <p:nvPr/>
+        </p:nvGrpSpPr>
+        <p:grpSpPr>
+          <a:xfrm>
+            <a:off x="8189185" y="1005593"/>
+            <a:ext cx="793757" cy="793755"/>
+            <a:chOff x="7400242" y="2640918"/>
+            <a:chExt cx="1051607" cy="1051603"/>
+          </a:xfrm>
+        </p:grpSpPr>
+        <p:sp>
+          <p:nvSpPr>
+            <p:cNvPr id="24" name="Rettangolo con angoli arrotondati 23">
+              <a:extLst>
+                <a:ext uri="{FF2B5EF4-FFF2-40B4-BE49-F238E27FC236}">
+                  <a16:creationId xmlns:a16="http://schemas.microsoft.com/office/drawing/2014/main" id="{2EB5CAE7-0F44-9E1F-93B6-6F7386F0F635}"/>
+                </a:ext>
+              </a:extLst>
+            </p:cNvPr>
+            <p:cNvSpPr/>
+            <p:nvPr/>
+          </p:nvSpPr>
+          <p:spPr>
+            <a:xfrm>
+              <a:off x="7400242" y="2640918"/>
+              <a:ext cx="1051607" cy="1051603"/>
+            </a:xfrm>
+            <a:prstGeom prst="roundRect">
+              <a:avLst>
+                <a:gd name="adj" fmla="val 7027"/>
+              </a:avLst>
+            </a:prstGeom>
+            <a:solidFill>
+              <a:srgbClr val="DA627D"/>
+            </a:solidFill>
+            <a:ln>
+              <a:noFill/>
+            </a:ln>
+          </p:spPr>
+          <p:style>
+            <a:lnRef idx="2">
+              <a:schemeClr val="accent1">
+                <a:shade val="15000"/>
+              </a:schemeClr>
+            </a:lnRef>
+            <a:fillRef idx="1">
+              <a:schemeClr val="accent1"/>
+            </a:fillRef>
+            <a:effectRef idx="0">
+              <a:schemeClr val="accent1"/>
+            </a:effectRef>
+            <a:fontRef idx="minor">
+              <a:schemeClr val="lt1"/>
+            </a:fontRef>
+          </p:style>
+          <p:txBody>
+            <a:bodyPr rtlCol="0" anchor="ctr"/>
+            <a:lstStyle/>
+            <a:p>
+              <a:pPr algn="ctr"/>
+              <a:endParaRPr lang="it-IT"/>
+            </a:p>
+          </p:txBody>
+        </p:sp>
+        <p:pic>
+          <p:nvPicPr>
+            <p:cNvPr id="15" name="Immagine 14" descr="Immagine che contiene logo, Carattere, Elementi grafici, design&#10;&#10;Descrizione generata automaticamente">
+              <a:extLst>
+                <a:ext uri="{FF2B5EF4-FFF2-40B4-BE49-F238E27FC236}">
+                  <a16:creationId xmlns:a16="http://schemas.microsoft.com/office/drawing/2014/main" id="{FBC766C8-C936-3E2D-CE8A-C557A3102720}"/>
+                </a:ext>
+              </a:extLst>
+            </p:cNvPr>
+            <p:cNvPicPr>
+              <a:picLocks noChangeAspect="1"/>
+            </p:cNvPicPr>
+            <p:nvPr/>
+          </p:nvPicPr>
+          <p:blipFill>
+            <a:blip r:embed="rId5">
+              <a:extLst>
+                <a:ext uri="{28A0092B-C50C-407E-A947-70E740481C1C}">
+                  <a14:useLocalDpi xmlns:a14="http://schemas.microsoft.com/office/drawing/2010/main" val="0"/>
+                </a:ext>
+              </a:extLst>
+            </a:blip>
+            <a:stretch>
+              <a:fillRect/>
+            </a:stretch>
+          </p:blipFill>
+          <p:spPr>
+            <a:xfrm>
+              <a:off x="7480035" y="2720709"/>
+              <a:ext cx="892020" cy="892020"/>
+            </a:xfrm>
+            <a:prstGeom prst="rect">
+              <a:avLst/>
+            </a:prstGeom>
+          </p:spPr>
+        </p:pic>
+      </p:grpSp>
+      <p:sp>
+        <p:nvSpPr>
+          <p:cNvPr id="27" name="CasellaDiTesto 26">
+            <a:extLst>
+              <a:ext uri="{FF2B5EF4-FFF2-40B4-BE49-F238E27FC236}">
+                <a16:creationId xmlns:a16="http://schemas.microsoft.com/office/drawing/2014/main" id="{53FC283E-F166-A3F7-DF9B-4F58B3C4C9FF}"/>
+              </a:ext>
+            </a:extLst>
+          </p:cNvPr>
+          <p:cNvSpPr txBox="1"/>
+          <p:nvPr/>
+        </p:nvSpPr>
+        <p:spPr>
+          <a:xfrm>
+            <a:off x="298989" y="4254913"/>
+            <a:ext cx="3943861" cy="369332"/>
+          </a:xfrm>
+          <a:prstGeom prst="rect">
+            <a:avLst/>
+          </a:prstGeom>
+          <a:noFill/>
+        </p:spPr>
+        <p:txBody>
+          <a:bodyPr wrap="square" rtlCol="0">
+            <a:spAutoFit/>
+          </a:bodyPr>
+          <a:lstStyle/>
+          <a:p>
+            <a:r>
+              <a:rPr lang="it-IT" dirty="0">
+                <a:solidFill>
+                  <a:schemeClr val="bg1"/>
+                </a:solidFill>
+              </a:rPr>
+              <a:t>4. </a:t>
+            </a:r>
+            <a:r>
+              <a:rPr lang="it-IT" b="1" dirty="0">
+                <a:solidFill>
+                  <a:schemeClr val="bg1"/>
+                </a:solidFill>
+              </a:rPr>
+              <a:t>OBJECTIVE</a:t>
+            </a:r>
+            <a:r>
+              <a:rPr lang="it-IT" dirty="0">
+                <a:solidFill>
+                  <a:schemeClr val="bg1"/>
+                </a:solidFill>
+              </a:rPr>
+              <a:t> FEEDBACK</a:t>
+            </a:r>
+          </a:p>
+        </p:txBody>
+      </p:sp>
+      <p:cxnSp>
+        <p:nvCxnSpPr>
+          <p:cNvPr id="26" name="Connettore diritto 25">
+            <a:extLst>
+              <a:ext uri="{FF2B5EF4-FFF2-40B4-BE49-F238E27FC236}">
+                <a16:creationId xmlns:a16="http://schemas.microsoft.com/office/drawing/2014/main" id="{03AB7B18-958F-C0B8-0160-C9DD92C143FD}"/>
+              </a:ext>
+            </a:extLst>
+          </p:cNvPr>
+          <p:cNvCxnSpPr>
+            <a:cxnSpLocks/>
+          </p:cNvCxnSpPr>
+          <p:nvPr/>
+        </p:nvCxnSpPr>
+        <p:spPr>
+          <a:xfrm>
+            <a:off x="0" y="2009364"/>
+            <a:ext cx="12192000" cy="0"/>
+          </a:xfrm>
+          <a:prstGeom prst="line">
+            <a:avLst/>
+          </a:prstGeom>
+          <a:ln w="28575">
+            <a:solidFill>
+              <a:schemeClr val="bg1"/>
+            </a:solidFill>
+          </a:ln>
+        </p:spPr>
+        <p:style>
+          <a:lnRef idx="2">
+            <a:schemeClr val="accent1"/>
+          </a:lnRef>
+          <a:fillRef idx="0">
+            <a:schemeClr val="accent1"/>
+          </a:fillRef>
+          <a:effectRef idx="1">
+            <a:schemeClr val="accent1"/>
+          </a:effectRef>
+          <a:fontRef idx="minor">
+            <a:schemeClr val="tx1"/>
+          </a:fontRef>
+        </p:style>
+      </p:cxnSp>
+      <p:pic>
+        <p:nvPicPr>
+          <p:cNvPr id="1031" name="Immagine 1030" descr="Immagine che contiene clipart, Elementi grafici, simbolo, logo&#10;&#10;Descrizione generata automaticamente">
+            <a:extLst>
+              <a:ext uri="{FF2B5EF4-FFF2-40B4-BE49-F238E27FC236}">
+                <a16:creationId xmlns:a16="http://schemas.microsoft.com/office/drawing/2014/main" id="{80ECC7A8-F5BE-2C23-02ED-B985A902718C}"/>
+              </a:ext>
+            </a:extLst>
+          </p:cNvPr>
+          <p:cNvPicPr>
+            <a:picLocks noChangeAspect="1"/>
+          </p:cNvPicPr>
+          <p:nvPr/>
+        </p:nvPicPr>
+        <p:blipFill>
+          <a:blip r:embed="rId3">
+            <a:extLst>
+              <a:ext uri="{28A0092B-C50C-407E-A947-70E740481C1C}">
+                <a14:useLocalDpi xmlns:a14="http://schemas.microsoft.com/office/drawing/2010/main" val="0"/>
+              </a:ext>
+            </a:extLst>
+          </a:blip>
+          <a:stretch>
+            <a:fillRect/>
+          </a:stretch>
+        </p:blipFill>
+        <p:spPr>
+          <a:xfrm>
+            <a:off x="5933206" y="2793863"/>
+            <a:ext cx="497809" cy="497809"/>
+          </a:xfrm>
+          <a:prstGeom prst="rect">
+            <a:avLst/>
+          </a:prstGeom>
+        </p:spPr>
+      </p:pic>
+      <p:pic>
+        <p:nvPicPr>
+          <p:cNvPr id="1032" name="Immagine 1031" descr="Immagine che contiene clipart, Elementi grafici, simbolo, logo&#10;&#10;Descrizione generata automaticamente">
+            <a:extLst>
+              <a:ext uri="{FF2B5EF4-FFF2-40B4-BE49-F238E27FC236}">
+                <a16:creationId xmlns:a16="http://schemas.microsoft.com/office/drawing/2014/main" id="{434A7532-95DF-59F7-7EF0-F0B1EC2A19FE}"/>
+              </a:ext>
+            </a:extLst>
+          </p:cNvPr>
+          <p:cNvPicPr>
+            <a:picLocks noChangeAspect="1"/>
+          </p:cNvPicPr>
+          <p:nvPr/>
+        </p:nvPicPr>
+        <p:blipFill>
+          <a:blip r:embed="rId3">
+            <a:extLst>
+              <a:ext uri="{28A0092B-C50C-407E-A947-70E740481C1C}">
+                <a14:useLocalDpi xmlns:a14="http://schemas.microsoft.com/office/drawing/2010/main" val="0"/>
+              </a:ext>
+            </a:extLst>
+          </a:blip>
+          <a:stretch>
+            <a:fillRect/>
+          </a:stretch>
+        </p:blipFill>
+        <p:spPr>
+          <a:xfrm>
+            <a:off x="5933206" y="3493971"/>
+            <a:ext cx="497809" cy="497809"/>
+          </a:xfrm>
+          <a:prstGeom prst="rect">
+            <a:avLst/>
+          </a:prstGeom>
+        </p:spPr>
+      </p:pic>
+      <p:pic>
+        <p:nvPicPr>
+          <p:cNvPr id="1033" name="Immagine 1032" descr="Immagine che contiene clipart, Elementi grafici, simbolo, logo&#10;&#10;Descrizione generata automaticamente">
+            <a:extLst>
+              <a:ext uri="{FF2B5EF4-FFF2-40B4-BE49-F238E27FC236}">
+                <a16:creationId xmlns:a16="http://schemas.microsoft.com/office/drawing/2014/main" id="{816DCE28-D6F0-481A-88B2-2DA64CFD18B0}"/>
+              </a:ext>
+            </a:extLst>
+          </p:cNvPr>
+          <p:cNvPicPr>
+            <a:picLocks noChangeAspect="1"/>
+          </p:cNvPicPr>
+          <p:nvPr/>
+        </p:nvPicPr>
+        <p:blipFill>
+          <a:blip r:embed="rId3">
+            <a:extLst>
+              <a:ext uri="{28A0092B-C50C-407E-A947-70E740481C1C}">
+                <a14:useLocalDpi xmlns:a14="http://schemas.microsoft.com/office/drawing/2010/main" val="0"/>
+              </a:ext>
+            </a:extLst>
+          </a:blip>
+          <a:stretch>
+            <a:fillRect/>
+          </a:stretch>
+        </p:blipFill>
+        <p:spPr>
+          <a:xfrm>
+            <a:off x="5933206" y="4188576"/>
+            <a:ext cx="497809" cy="497809"/>
+          </a:xfrm>
+          <a:prstGeom prst="rect">
+            <a:avLst/>
+          </a:prstGeom>
+        </p:spPr>
+      </p:pic>
+      <p:pic>
+        <p:nvPicPr>
+          <p:cNvPr id="1034" name="Immagine 1033" descr="Immagine che contiene clipart, Elementi grafici, simbolo, logo&#10;&#10;Descrizione generata automaticamente">
+            <a:extLst>
+              <a:ext uri="{FF2B5EF4-FFF2-40B4-BE49-F238E27FC236}">
+                <a16:creationId xmlns:a16="http://schemas.microsoft.com/office/drawing/2014/main" id="{B8C172AE-4B9D-7752-FA6B-636F62F113FB}"/>
+              </a:ext>
+            </a:extLst>
+          </p:cNvPr>
+          <p:cNvPicPr>
+            <a:picLocks noChangeAspect="1"/>
+          </p:cNvPicPr>
+          <p:nvPr/>
+        </p:nvPicPr>
+        <p:blipFill>
+          <a:blip r:embed="rId3">
+            <a:extLst>
+              <a:ext uri="{28A0092B-C50C-407E-A947-70E740481C1C}">
+                <a14:useLocalDpi xmlns:a14="http://schemas.microsoft.com/office/drawing/2010/main" val="0"/>
+              </a:ext>
+            </a:extLst>
+          </a:blip>
+          <a:stretch>
+            <a:fillRect/>
+          </a:stretch>
+        </p:blipFill>
+        <p:spPr>
+          <a:xfrm>
+            <a:off x="5933206" y="4874938"/>
+            <a:ext cx="497809" cy="497809"/>
+          </a:xfrm>
+          <a:prstGeom prst="rect">
+            <a:avLst/>
+          </a:prstGeom>
+        </p:spPr>
+      </p:pic>
+      <p:pic>
+        <p:nvPicPr>
+          <p:cNvPr id="1035" name="Immagine 1034" descr="Immagine che contiene clipart, Elementi grafici, simbolo, logo&#10;&#10;Descrizione generata automaticamente">
+            <a:extLst>
+              <a:ext uri="{FF2B5EF4-FFF2-40B4-BE49-F238E27FC236}">
+                <a16:creationId xmlns:a16="http://schemas.microsoft.com/office/drawing/2014/main" id="{04B4D88A-AFCF-89AE-923C-B7788E3B952C}"/>
+              </a:ext>
+            </a:extLst>
+          </p:cNvPr>
+          <p:cNvPicPr>
+            <a:picLocks noChangeAspect="1"/>
+          </p:cNvPicPr>
+          <p:nvPr/>
+        </p:nvPicPr>
+        <p:blipFill>
+          <a:blip r:embed="rId3">
+            <a:extLst>
+              <a:ext uri="{28A0092B-C50C-407E-A947-70E740481C1C}">
+                <a14:useLocalDpi xmlns:a14="http://schemas.microsoft.com/office/drawing/2010/main" val="0"/>
+              </a:ext>
+            </a:extLst>
+          </a:blip>
+          <a:stretch>
+            <a:fillRect/>
+          </a:stretch>
+        </p:blipFill>
+        <p:spPr>
+          <a:xfrm>
+            <a:off x="5933206" y="5575046"/>
+            <a:ext cx="497809" cy="497809"/>
+          </a:xfrm>
+          <a:prstGeom prst="rect">
+            <a:avLst/>
+          </a:prstGeom>
+        </p:spPr>
+      </p:pic>
+      <p:pic>
+        <p:nvPicPr>
+          <p:cNvPr id="1036" name="Immagine 1035" descr="Immagine che contiene clipart, Elementi grafici, simbolo, logo&#10;&#10;Descrizione generata automaticamente">
+            <a:extLst>
+              <a:ext uri="{FF2B5EF4-FFF2-40B4-BE49-F238E27FC236}">
+                <a16:creationId xmlns:a16="http://schemas.microsoft.com/office/drawing/2014/main" id="{3BA1EE66-73F4-D25C-0C44-8DC27CED368F}"/>
+              </a:ext>
+            </a:extLst>
+          </p:cNvPr>
+          <p:cNvPicPr>
+            <a:picLocks noChangeAspect="1"/>
+          </p:cNvPicPr>
+          <p:nvPr/>
+        </p:nvPicPr>
+        <p:blipFill>
+          <a:blip r:embed="rId3">
+            <a:extLst>
+              <a:ext uri="{28A0092B-C50C-407E-A947-70E740481C1C}">
+                <a14:useLocalDpi xmlns:a14="http://schemas.microsoft.com/office/drawing/2010/main" val="0"/>
+              </a:ext>
+            </a:extLst>
+          </a:blip>
+          <a:stretch>
+            <a:fillRect/>
+          </a:stretch>
+        </p:blipFill>
+        <p:spPr>
+          <a:xfrm>
+            <a:off x="5933205" y="6264156"/>
+            <a:ext cx="497809" cy="497809"/>
+          </a:xfrm>
+          <a:prstGeom prst="rect">
+            <a:avLst/>
+          </a:prstGeom>
+        </p:spPr>
+      </p:pic>
+      <p:pic>
+        <p:nvPicPr>
+          <p:cNvPr id="1039" name="Immagine 1038" descr="Immagine che contiene clipart, Elementi grafici, simbolo, logo&#10;&#10;Descrizione generata automaticamente">
+            <a:extLst>
+              <a:ext uri="{FF2B5EF4-FFF2-40B4-BE49-F238E27FC236}">
+                <a16:creationId xmlns:a16="http://schemas.microsoft.com/office/drawing/2014/main" id="{203494FC-F14E-C92F-BE89-985CB8BAEDEC}"/>
+              </a:ext>
+            </a:extLst>
+          </p:cNvPr>
+          <p:cNvPicPr>
+            <a:picLocks noChangeAspect="1"/>
+          </p:cNvPicPr>
+          <p:nvPr/>
+        </p:nvPicPr>
+        <p:blipFill>
+          <a:blip r:embed="rId3">
+            <a:extLst>
+              <a:ext uri="{28A0092B-C50C-407E-A947-70E740481C1C}">
+                <a14:useLocalDpi xmlns:a14="http://schemas.microsoft.com/office/drawing/2010/main" val="0"/>
+              </a:ext>
+            </a:extLst>
+          </a:blip>
+          <a:stretch>
+            <a:fillRect/>
+          </a:stretch>
+        </p:blipFill>
+        <p:spPr>
+          <a:xfrm>
+            <a:off x="8337159" y="2793863"/>
+            <a:ext cx="497809" cy="497809"/>
+          </a:xfrm>
+          <a:prstGeom prst="rect">
+            <a:avLst/>
+          </a:prstGeom>
+        </p:spPr>
+      </p:pic>
+      <p:pic>
+        <p:nvPicPr>
+          <p:cNvPr id="1040" name="Immagine 1039" descr="Immagine che contiene clipart, Elementi grafici, simbolo, logo&#10;&#10;Descrizione generata automaticamente">
+            <a:extLst>
+              <a:ext uri="{FF2B5EF4-FFF2-40B4-BE49-F238E27FC236}">
+                <a16:creationId xmlns:a16="http://schemas.microsoft.com/office/drawing/2014/main" id="{ECDF2912-D3C4-33F9-FAD6-042ED5C89336}"/>
+              </a:ext>
+            </a:extLst>
+          </p:cNvPr>
+          <p:cNvPicPr>
+            <a:picLocks noChangeAspect="1"/>
+          </p:cNvPicPr>
+          <p:nvPr/>
+        </p:nvPicPr>
+        <p:blipFill>
+          <a:blip r:embed="rId3">
+            <a:extLst>
+              <a:ext uri="{28A0092B-C50C-407E-A947-70E740481C1C}">
+                <a14:useLocalDpi xmlns:a14="http://schemas.microsoft.com/office/drawing/2010/main" val="0"/>
+              </a:ext>
+            </a:extLst>
+          </a:blip>
+          <a:stretch>
+            <a:fillRect/>
+          </a:stretch>
+        </p:blipFill>
+        <p:spPr>
+          <a:xfrm>
+            <a:off x="8337159" y="3493971"/>
+            <a:ext cx="497809" cy="497809"/>
+          </a:xfrm>
+          <a:prstGeom prst="rect">
+            <a:avLst/>
+          </a:prstGeom>
+        </p:spPr>
+      </p:pic>
+      <p:pic>
+        <p:nvPicPr>
+          <p:cNvPr id="1041" name="Immagine 1040" descr="Immagine che contiene clipart, Elementi grafici, simbolo, logo&#10;&#10;Descrizione generata automaticamente">
+            <a:extLst>
+              <a:ext uri="{FF2B5EF4-FFF2-40B4-BE49-F238E27FC236}">
+                <a16:creationId xmlns:a16="http://schemas.microsoft.com/office/drawing/2014/main" id="{86461E6C-7E59-B173-2EA1-DBCA077B0DA4}"/>
+              </a:ext>
+            </a:extLst>
+          </p:cNvPr>
+          <p:cNvPicPr>
+            <a:picLocks noChangeAspect="1"/>
+          </p:cNvPicPr>
+          <p:nvPr/>
+        </p:nvPicPr>
+        <p:blipFill>
+          <a:blip r:embed="rId3">
+            <a:extLst>
+              <a:ext uri="{28A0092B-C50C-407E-A947-70E740481C1C}">
+                <a14:useLocalDpi xmlns:a14="http://schemas.microsoft.com/office/drawing/2010/main" val="0"/>
+              </a:ext>
+            </a:extLst>
+          </a:blip>
+          <a:stretch>
+            <a:fillRect/>
+          </a:stretch>
+        </p:blipFill>
+        <p:spPr>
+          <a:xfrm>
+            <a:off x="8337159" y="4188576"/>
+            <a:ext cx="497809" cy="497809"/>
+          </a:xfrm>
+          <a:prstGeom prst="rect">
+            <a:avLst/>
+          </a:prstGeom>
+        </p:spPr>
+      </p:pic>
+      <p:pic>
+        <p:nvPicPr>
+          <p:cNvPr id="1043" name="Immagine 1042" descr="Immagine che contiene clipart, Elementi grafici, simbolo, logo&#10;&#10;Descrizione generata automaticamente">
+            <a:extLst>
+              <a:ext uri="{FF2B5EF4-FFF2-40B4-BE49-F238E27FC236}">
+                <a16:creationId xmlns:a16="http://schemas.microsoft.com/office/drawing/2014/main" id="{7A31E427-2C0D-556E-834F-F6A417D82D28}"/>
+              </a:ext>
+            </a:extLst>
+          </p:cNvPr>
+          <p:cNvPicPr>
+            <a:picLocks noChangeAspect="1"/>
+          </p:cNvPicPr>
+          <p:nvPr/>
+        </p:nvPicPr>
+        <p:blipFill>
+          <a:blip r:embed="rId3">
+            <a:extLst>
+              <a:ext uri="{28A0092B-C50C-407E-A947-70E740481C1C}">
+                <a14:useLocalDpi xmlns:a14="http://schemas.microsoft.com/office/drawing/2010/main" val="0"/>
+              </a:ext>
+            </a:extLst>
+          </a:blip>
+          <a:stretch>
+            <a:fillRect/>
+          </a:stretch>
+        </p:blipFill>
+        <p:spPr>
+          <a:xfrm>
+            <a:off x="8337159" y="5575046"/>
+            <a:ext cx="497809" cy="497809"/>
+          </a:xfrm>
+          <a:prstGeom prst="rect">
+            <a:avLst/>
+          </a:prstGeom>
+        </p:spPr>
+      </p:pic>
+      <p:pic>
+        <p:nvPicPr>
+          <p:cNvPr id="1044" name="Immagine 1043" descr="Immagine che contiene clipart, Elementi grafici, simbolo, logo&#10;&#10;Descrizione generata automaticamente">
+            <a:extLst>
+              <a:ext uri="{FF2B5EF4-FFF2-40B4-BE49-F238E27FC236}">
+                <a16:creationId xmlns:a16="http://schemas.microsoft.com/office/drawing/2014/main" id="{643D6AF8-9674-4841-2CE0-3998CA7C934E}"/>
+              </a:ext>
+            </a:extLst>
+          </p:cNvPr>
+          <p:cNvPicPr>
+            <a:picLocks noChangeAspect="1"/>
+          </p:cNvPicPr>
+          <p:nvPr/>
+        </p:nvPicPr>
+        <p:blipFill>
+          <a:blip r:embed="rId3">
+            <a:extLst>
+              <a:ext uri="{28A0092B-C50C-407E-A947-70E740481C1C}">
+                <a14:useLocalDpi xmlns:a14="http://schemas.microsoft.com/office/drawing/2010/main" val="0"/>
+              </a:ext>
+            </a:extLst>
+          </a:blip>
+          <a:stretch>
+            <a:fillRect/>
+          </a:stretch>
+        </p:blipFill>
+        <p:spPr>
+          <a:xfrm>
+            <a:off x="8337158" y="6264156"/>
+            <a:ext cx="497809" cy="497809"/>
+          </a:xfrm>
+          <a:prstGeom prst="rect">
+            <a:avLst/>
+          </a:prstGeom>
+        </p:spPr>
+      </p:pic>
+      <p:pic>
+        <p:nvPicPr>
+          <p:cNvPr id="1050" name="Immagine 1049" descr="Immagine che contiene clipart, Elementi grafici, simbolo, logo&#10;&#10;Descrizione generata automaticamente">
+            <a:extLst>
+              <a:ext uri="{FF2B5EF4-FFF2-40B4-BE49-F238E27FC236}">
+                <a16:creationId xmlns:a16="http://schemas.microsoft.com/office/drawing/2014/main" id="{CF641A1C-E48C-12A1-3991-EB7D8B8A6ED9}"/>
+              </a:ext>
+            </a:extLst>
+          </p:cNvPr>
+          <p:cNvPicPr>
+            <a:picLocks noChangeAspect="1"/>
+          </p:cNvPicPr>
+          <p:nvPr/>
+        </p:nvPicPr>
+        <p:blipFill>
+          <a:blip r:embed="rId3">
+            <a:extLst>
+              <a:ext uri="{28A0092B-C50C-407E-A947-70E740481C1C}">
+                <a14:useLocalDpi xmlns:a14="http://schemas.microsoft.com/office/drawing/2010/main" val="0"/>
+              </a:ext>
+            </a:extLst>
+          </a:blip>
+          <a:stretch>
+            <a:fillRect/>
+          </a:stretch>
+        </p:blipFill>
+        <p:spPr>
+          <a:xfrm>
+            <a:off x="10741116" y="5575046"/>
+            <a:ext cx="497809" cy="497809"/>
+          </a:xfrm>
+          <a:prstGeom prst="rect">
+            <a:avLst/>
+          </a:prstGeom>
+        </p:spPr>
+      </p:pic>
+      <p:pic>
+        <p:nvPicPr>
+          <p:cNvPr id="1051" name="Immagine 1050" descr="Immagine che contiene clipart, Elementi grafici, simbolo, logo&#10;&#10;Descrizione generata automaticamente">
+            <a:extLst>
+              <a:ext uri="{FF2B5EF4-FFF2-40B4-BE49-F238E27FC236}">
+                <a16:creationId xmlns:a16="http://schemas.microsoft.com/office/drawing/2014/main" id="{D3B3AFE5-731E-1D72-D1C1-56673B2142B2}"/>
+              </a:ext>
+            </a:extLst>
+          </p:cNvPr>
+          <p:cNvPicPr>
+            <a:picLocks noChangeAspect="1"/>
+          </p:cNvPicPr>
+          <p:nvPr/>
+        </p:nvPicPr>
+        <p:blipFill>
+          <a:blip r:embed="rId3">
+            <a:extLst>
+              <a:ext uri="{28A0092B-C50C-407E-A947-70E740481C1C}">
+                <a14:useLocalDpi xmlns:a14="http://schemas.microsoft.com/office/drawing/2010/main" val="0"/>
+              </a:ext>
+            </a:extLst>
+          </a:blip>
+          <a:stretch>
+            <a:fillRect/>
+          </a:stretch>
+        </p:blipFill>
+        <p:spPr>
+          <a:xfrm>
+            <a:off x="10741115" y="6264156"/>
+            <a:ext cx="497809" cy="497809"/>
+          </a:xfrm>
+          <a:prstGeom prst="rect">
+            <a:avLst/>
+          </a:prstGeom>
+        </p:spPr>
+      </p:pic>
+    </p:spTree>
+    <p:extLst>
+      <p:ext uri="{BB962C8B-B14F-4D97-AF65-F5344CB8AC3E}">
+        <p14:creationId xmlns:p14="http://schemas.microsoft.com/office/powerpoint/2010/main" val="3652178015"/>
+      </p:ext>
+    </p:extLst>
+  </p:cSld>
+  <p:clrMapOvr>
+    <a:masterClrMapping/>
+  </p:clrMapOvr>
+</p:sld>
+</file>
+
+<file path=ppt/slides/slide11.xml><?xml version="1.0" encoding="utf-8"?>
+<p:sld xmlns:a="http://schemas.openxmlformats.org/drawingml/2006/main" xmlns:r="http://schemas.openxmlformats.org/officeDocument/2006/relationships" xmlns:p="http://schemas.openxmlformats.org/presentationml/2006/main">
+  <p:cSld>
+    <p:bg>
+      <p:bgPr>
+        <a:solidFill>
+          <a:srgbClr val="0D0628"/>
+        </a:solidFill>
+        <a:effectLst/>
+      </p:bgPr>
+    </p:bg>
+    <p:spTree>
+      <p:nvGrpSpPr>
+        <p:cNvPr id="1" name="">
+          <a:extLst>
+            <a:ext uri="{FF2B5EF4-FFF2-40B4-BE49-F238E27FC236}">
+              <a16:creationId xmlns:a16="http://schemas.microsoft.com/office/drawing/2014/main" id="{FFE0F082-79DE-5364-C321-3FAE87C75EDC}"/>
+            </a:ext>
+          </a:extLst>
+        </p:cNvPr>
+        <p:cNvGrpSpPr/>
+        <p:nvPr/>
+      </p:nvGrpSpPr>
+      <p:grpSpPr>
+        <a:xfrm>
+          <a:off x="0" y="0"/>
+          <a:ext cx="0" cy="0"/>
+          <a:chOff x="0" y="0"/>
+          <a:chExt cx="0" cy="0"/>
+        </a:xfrm>
+      </p:grpSpPr>
+      <p:sp>
+        <p:nvSpPr>
+          <p:cNvPr id="6" name="CasellaDiTesto 5">
+            <a:extLst>
+              <a:ext uri="{FF2B5EF4-FFF2-40B4-BE49-F238E27FC236}">
+                <a16:creationId xmlns:a16="http://schemas.microsoft.com/office/drawing/2014/main" id="{6C33E926-1EE2-5ABF-6FE0-E4ED6CFB7989}"/>
+              </a:ext>
+            </a:extLst>
+          </p:cNvPr>
+          <p:cNvSpPr txBox="1"/>
+          <p:nvPr/>
+        </p:nvSpPr>
+        <p:spPr>
+          <a:xfrm>
+            <a:off x="3335453" y="385551"/>
+            <a:ext cx="5521087" cy="400110"/>
+          </a:xfrm>
+          <a:prstGeom prst="rect">
+            <a:avLst/>
+          </a:prstGeom>
+          <a:noFill/>
+        </p:spPr>
+        <p:txBody>
+          <a:bodyPr wrap="square" rtlCol="0">
+            <a:spAutoFit/>
+          </a:bodyPr>
+          <a:lstStyle/>
+          <a:p>
+            <a:pPr algn="ctr"/>
+            <a:r>
+              <a:rPr lang="it-IT" sz="2000" dirty="0">
+                <a:solidFill>
+                  <a:schemeClr val="bg1"/>
+                </a:solidFill>
+              </a:rPr>
+              <a:t>REFERENCES</a:t>
+            </a:r>
+          </a:p>
+        </p:txBody>
+      </p:sp>
+      <p:cxnSp>
+        <p:nvCxnSpPr>
+          <p:cNvPr id="3" name="Connettore diritto 2">
+            <a:extLst>
+              <a:ext uri="{FF2B5EF4-FFF2-40B4-BE49-F238E27FC236}">
+                <a16:creationId xmlns:a16="http://schemas.microsoft.com/office/drawing/2014/main" id="{3861F276-0928-9790-7E54-1E555AC60DE7}"/>
+              </a:ext>
+            </a:extLst>
+          </p:cNvPr>
+          <p:cNvCxnSpPr>
+            <a:cxnSpLocks/>
+          </p:cNvCxnSpPr>
+          <p:nvPr/>
+        </p:nvCxnSpPr>
+        <p:spPr>
+          <a:xfrm>
+            <a:off x="5651521" y="874265"/>
+            <a:ext cx="888959" cy="0"/>
+          </a:xfrm>
+          <a:prstGeom prst="line">
+            <a:avLst/>
+          </a:prstGeom>
+          <a:ln w="28575">
+            <a:solidFill>
+              <a:srgbClr val="DA627D"/>
+            </a:solidFill>
+          </a:ln>
+        </p:spPr>
+        <p:style>
+          <a:lnRef idx="2">
+            <a:schemeClr val="accent1"/>
+          </a:lnRef>
+          <a:fillRef idx="0">
+            <a:schemeClr val="accent1"/>
+          </a:fillRef>
+          <a:effectRef idx="1">
+            <a:schemeClr val="accent1"/>
+          </a:effectRef>
+          <a:fontRef idx="minor">
+            <a:schemeClr val="tx1"/>
+          </a:fontRef>
+        </p:style>
+      </p:cxnSp>
+      <p:pic>
+        <p:nvPicPr>
+          <p:cNvPr id="20" name="Immagine 19" descr="Immagine che contiene simbolo, clipart, cerchio, Elementi grafici&#10;&#10;Descrizione generata automaticamente">
+            <a:extLst>
+              <a:ext uri="{FF2B5EF4-FFF2-40B4-BE49-F238E27FC236}">
+                <a16:creationId xmlns:a16="http://schemas.microsoft.com/office/drawing/2014/main" id="{8EAB8A2A-ADC2-1EF4-6C9F-5A743990D674}"/>
+              </a:ext>
+            </a:extLst>
+          </p:cNvPr>
+          <p:cNvPicPr>
+            <a:picLocks noChangeAspect="1"/>
+          </p:cNvPicPr>
+          <p:nvPr/>
+        </p:nvPicPr>
+        <p:blipFill>
+          <a:blip r:embed="rId3">
+            <a:extLst>
+              <a:ext uri="{28A0092B-C50C-407E-A947-70E740481C1C}">
+                <a14:useLocalDpi xmlns:a14="http://schemas.microsoft.com/office/drawing/2010/main" val="0"/>
+              </a:ext>
+            </a:extLst>
+          </a:blip>
+          <a:stretch>
+            <a:fillRect/>
+          </a:stretch>
+        </p:blipFill>
+        <p:spPr>
+          <a:xfrm>
+            <a:off x="8024558" y="1520888"/>
+            <a:ext cx="712690" cy="712690"/>
+          </a:xfrm>
+          <a:prstGeom prst="rect">
+            <a:avLst/>
+          </a:prstGeom>
+        </p:spPr>
+      </p:pic>
+      <p:grpSp>
+        <p:nvGrpSpPr>
+          <p:cNvPr id="41" name="Gruppo 40">
+            <a:extLst>
+              <a:ext uri="{FF2B5EF4-FFF2-40B4-BE49-F238E27FC236}">
+                <a16:creationId xmlns:a16="http://schemas.microsoft.com/office/drawing/2014/main" id="{6FC4B29E-C402-9B2F-6626-3C078470F204}"/>
+              </a:ext>
+            </a:extLst>
+          </p:cNvPr>
+          <p:cNvGrpSpPr/>
+          <p:nvPr/>
+        </p:nvGrpSpPr>
+        <p:grpSpPr>
+          <a:xfrm>
+            <a:off x="7994042" y="504528"/>
+            <a:ext cx="1953185" cy="712691"/>
+            <a:chOff x="2910529" y="3540985"/>
+            <a:chExt cx="6370944" cy="2324672"/>
+          </a:xfrm>
+        </p:grpSpPr>
+        <p:pic>
+          <p:nvPicPr>
+            <p:cNvPr id="22" name="Immagine 21" descr="Immagine che contiene clipart, Elementi grafici, bianco, design&#10;&#10;Descrizione generata automaticamente">
+              <a:extLst>
+                <a:ext uri="{FF2B5EF4-FFF2-40B4-BE49-F238E27FC236}">
+                  <a16:creationId xmlns:a16="http://schemas.microsoft.com/office/drawing/2014/main" id="{E279A843-3DB2-C376-A263-49E05EC1635F}"/>
+                </a:ext>
+              </a:extLst>
+            </p:cNvPr>
+            <p:cNvPicPr>
+              <a:picLocks noChangeAspect="1"/>
+            </p:cNvPicPr>
+            <p:nvPr/>
+          </p:nvPicPr>
+          <p:blipFill>
+            <a:blip r:embed="rId4">
+              <a:extLst>
+                <a:ext uri="{28A0092B-C50C-407E-A947-70E740481C1C}">
+                  <a14:useLocalDpi xmlns:a14="http://schemas.microsoft.com/office/drawing/2010/main" val="0"/>
+                </a:ext>
+              </a:extLst>
+            </a:blip>
+            <a:stretch>
+              <a:fillRect/>
+            </a:stretch>
+          </p:blipFill>
+          <p:spPr>
+            <a:xfrm>
+              <a:off x="2910529" y="3540985"/>
+              <a:ext cx="2324672" cy="2324672"/>
+            </a:xfrm>
+            <a:prstGeom prst="rect">
+              <a:avLst/>
+            </a:prstGeom>
+          </p:spPr>
+        </p:pic>
+        <p:pic>
+          <p:nvPicPr>
+            <p:cNvPr id="36" name="Immagine 35" descr="Immagine che contiene cerchio, simbolo, clipart, Elementi grafici&#10;&#10;Descrizione generata automaticamente">
+              <a:extLst>
+                <a:ext uri="{FF2B5EF4-FFF2-40B4-BE49-F238E27FC236}">
+                  <a16:creationId xmlns:a16="http://schemas.microsoft.com/office/drawing/2014/main" id="{A11BD4D7-A161-82FC-1E79-A3AB0236B2E4}"/>
+                </a:ext>
+              </a:extLst>
+            </p:cNvPr>
+            <p:cNvPicPr>
+              <a:picLocks noChangeAspect="1"/>
+            </p:cNvPicPr>
+            <p:nvPr/>
+          </p:nvPicPr>
+          <p:blipFill>
+            <a:blip r:embed="rId5">
+              <a:extLst>
+                <a:ext uri="{28A0092B-C50C-407E-A947-70E740481C1C}">
+                  <a14:useLocalDpi xmlns:a14="http://schemas.microsoft.com/office/drawing/2010/main" val="0"/>
+                </a:ext>
+              </a:extLst>
+            </a:blip>
+            <a:stretch>
+              <a:fillRect/>
+            </a:stretch>
+          </p:blipFill>
+          <p:spPr>
+            <a:xfrm>
+              <a:off x="6956801" y="3540985"/>
+              <a:ext cx="2324672" cy="2324672"/>
+            </a:xfrm>
+            <a:prstGeom prst="rect">
+              <a:avLst/>
+            </a:prstGeom>
+          </p:spPr>
+        </p:pic>
+        <p:pic>
+          <p:nvPicPr>
+            <p:cNvPr id="38" name="Immagine 37" descr="Immagine che contiene Elementi grafici, Carattere, simbolo, grafica&#10;&#10;Descrizione generata automaticamente">
+              <a:extLst>
+                <a:ext uri="{FF2B5EF4-FFF2-40B4-BE49-F238E27FC236}">
+                  <a16:creationId xmlns:a16="http://schemas.microsoft.com/office/drawing/2014/main" id="{34DB0899-22AC-006A-4602-76743EC3E7B7}"/>
+                </a:ext>
+              </a:extLst>
+            </p:cNvPr>
+            <p:cNvPicPr>
+              <a:picLocks noChangeAspect="1"/>
+            </p:cNvPicPr>
+            <p:nvPr/>
+          </p:nvPicPr>
+          <p:blipFill>
+            <a:blip r:embed="rId6">
+              <a:extLst>
+                <a:ext uri="{28A0092B-C50C-407E-A947-70E740481C1C}">
+                  <a14:useLocalDpi xmlns:a14="http://schemas.microsoft.com/office/drawing/2010/main" val="0"/>
+                </a:ext>
+              </a:extLst>
+            </a:blip>
+            <a:stretch>
+              <a:fillRect/>
+            </a:stretch>
+          </p:blipFill>
+          <p:spPr>
+            <a:xfrm>
+              <a:off x="5334736" y="4086283"/>
+              <a:ext cx="1234075" cy="1234075"/>
+            </a:xfrm>
+            <a:prstGeom prst="rect">
+              <a:avLst/>
+            </a:prstGeom>
+          </p:spPr>
+        </p:pic>
+      </p:grpSp>
+      <p:sp>
+        <p:nvSpPr>
+          <p:cNvPr id="43" name="CasellaDiTesto 42">
+            <a:extLst>
+              <a:ext uri="{FF2B5EF4-FFF2-40B4-BE49-F238E27FC236}">
+                <a16:creationId xmlns:a16="http://schemas.microsoft.com/office/drawing/2014/main" id="{DA19A9B6-2A2A-7303-3175-E96877FB7B55}"/>
+              </a:ext>
+            </a:extLst>
+          </p:cNvPr>
+          <p:cNvSpPr txBox="1"/>
+          <p:nvPr/>
+        </p:nvSpPr>
+        <p:spPr>
+          <a:xfrm>
+            <a:off x="422886" y="1811999"/>
+            <a:ext cx="8433654" cy="400110"/>
+          </a:xfrm>
+          <a:prstGeom prst="rect">
+            <a:avLst/>
+          </a:prstGeom>
+          <a:noFill/>
+        </p:spPr>
+        <p:txBody>
+          <a:bodyPr wrap="square" rtlCol="0">
+            <a:spAutoFit/>
+          </a:bodyPr>
+          <a:lstStyle/>
+          <a:p>
+            <a:r>
+              <a:rPr lang="it-IT" sz="2000" b="1" dirty="0" err="1">
+                <a:solidFill>
+                  <a:schemeClr val="bg1"/>
+                </a:solidFill>
+              </a:rPr>
+              <a:t>Facial</a:t>
+            </a:r>
+            <a:r>
+              <a:rPr lang="it-IT" sz="2000" b="1" dirty="0">
+                <a:solidFill>
+                  <a:schemeClr val="bg1"/>
+                </a:solidFill>
+              </a:rPr>
+              <a:t> </a:t>
+            </a:r>
+            <a:r>
+              <a:rPr lang="it-IT" sz="2000" b="1" dirty="0" err="1">
+                <a:solidFill>
+                  <a:schemeClr val="bg1"/>
+                </a:solidFill>
+              </a:rPr>
+              <a:t>Expression</a:t>
+            </a:r>
+            <a:r>
+              <a:rPr lang="it-IT" sz="2000" b="1" dirty="0">
+                <a:solidFill>
+                  <a:schemeClr val="bg1"/>
+                </a:solidFill>
+              </a:rPr>
+              <a:t> </a:t>
+            </a:r>
+            <a:r>
+              <a:rPr lang="it-IT" sz="2000" b="1" dirty="0" err="1">
+                <a:solidFill>
+                  <a:schemeClr val="bg1"/>
+                </a:solidFill>
+              </a:rPr>
+              <a:t>Recognition</a:t>
+            </a:r>
+            <a:r>
+              <a:rPr lang="it-IT" sz="2000" b="1" dirty="0">
+                <a:solidFill>
+                  <a:schemeClr val="bg1"/>
+                </a:solidFill>
+              </a:rPr>
+              <a:t> (FER) in Automotive </a:t>
+            </a:r>
+            <a:r>
+              <a:rPr lang="it-IT" sz="2000" b="1" dirty="0" err="1">
+                <a:solidFill>
+                  <a:schemeClr val="bg1"/>
+                </a:solidFill>
+              </a:rPr>
+              <a:t>Contexts</a:t>
+            </a:r>
+            <a:endParaRPr lang="it-IT" sz="2000" b="1" dirty="0">
+              <a:solidFill>
+                <a:schemeClr val="bg1"/>
+              </a:solidFill>
+            </a:endParaRPr>
+          </a:p>
+        </p:txBody>
+      </p:sp>
+      <p:sp>
+        <p:nvSpPr>
+          <p:cNvPr id="49" name="CasellaDiTesto 48">
+            <a:extLst>
+              <a:ext uri="{FF2B5EF4-FFF2-40B4-BE49-F238E27FC236}">
+                <a16:creationId xmlns:a16="http://schemas.microsoft.com/office/drawing/2014/main" id="{C22DE253-D71D-5693-F01F-D7262390AEBF}"/>
+              </a:ext>
+            </a:extLst>
+          </p:cNvPr>
+          <p:cNvSpPr txBox="1"/>
+          <p:nvPr/>
+        </p:nvSpPr>
+        <p:spPr>
+          <a:xfrm>
+            <a:off x="128302" y="2828358"/>
+            <a:ext cx="12063698" cy="4708981"/>
+          </a:xfrm>
+          <a:prstGeom prst="rect">
+            <a:avLst/>
+          </a:prstGeom>
+          <a:noFill/>
+        </p:spPr>
+        <p:txBody>
+          <a:bodyPr wrap="square" rtlCol="0">
+            <a:spAutoFit/>
+          </a:bodyPr>
+          <a:lstStyle/>
+          <a:p>
+            <a:pPr algn="ctr"/>
+            <a:r>
+              <a:rPr lang="en-US" sz="2000" dirty="0">
+                <a:solidFill>
+                  <a:schemeClr val="bg1"/>
+                </a:solidFill>
+              </a:rPr>
+              <a:t>Recent research has explored FER integration in vehicles to enhance passenger safety and experience. Key studies include:</a:t>
+            </a:r>
+          </a:p>
+          <a:p>
+            <a:pPr algn="ctr"/>
+            <a:r>
+              <a:rPr lang="en-US" sz="2000" dirty="0">
+                <a:solidFill>
+                  <a:schemeClr val="bg1"/>
+                </a:solidFill>
+              </a:rPr>
+              <a:t>    •    “Driver Emotion Recognition for Intelligent Vehicles: A Survey” (2020)</a:t>
+            </a:r>
+          </a:p>
+          <a:p>
+            <a:pPr algn="ctr"/>
+            <a:r>
+              <a:rPr lang="en-US" sz="2000" dirty="0">
+                <a:solidFill>
+                  <a:schemeClr val="bg1"/>
+                </a:solidFill>
+              </a:rPr>
+              <a:t>Provides a comprehensive overview of emotion recognition techniques applied to drivers, discussing methodologies, challenges, and future applications in intelligent vehicles.</a:t>
+            </a:r>
+          </a:p>
+          <a:p>
+            <a:pPr algn="ctr"/>
+            <a:r>
+              <a:rPr lang="en-US" sz="2000" dirty="0">
+                <a:solidFill>
+                  <a:schemeClr val="bg1"/>
+                </a:solidFill>
+              </a:rPr>
+              <a:t>Source: MIT Media Lab</a:t>
+            </a:r>
+          </a:p>
+          <a:p>
+            <a:pPr algn="ctr"/>
+            <a:r>
+              <a:rPr lang="en-US" sz="2000" dirty="0">
+                <a:solidFill>
+                  <a:schemeClr val="bg1"/>
+                </a:solidFill>
+              </a:rPr>
+              <a:t>    •    “Audiovisual Affect Recognition for Autonomous Vehicles: Applications, Challenges, and Opportunities” (2023)</a:t>
+            </a:r>
+          </a:p>
+          <a:p>
+            <a:pPr algn="ctr"/>
+            <a:r>
+              <a:rPr lang="en-US" sz="2000" dirty="0">
+                <a:solidFill>
+                  <a:schemeClr val="bg1"/>
+                </a:solidFill>
+              </a:rPr>
+              <a:t>Examines the use of audiovisual emotion recognition in autonomous vehicles, highlighting technical challenges and opportunities for improving human-machine interaction.</a:t>
+            </a:r>
+          </a:p>
+          <a:p>
+            <a:pPr algn="ctr"/>
+            <a:r>
+              <a:rPr lang="en-US" sz="2000" dirty="0">
+                <a:solidFill>
+                  <a:schemeClr val="bg1"/>
+                </a:solidFill>
+              </a:rPr>
+              <a:t>Source: IEEE Xplore</a:t>
+            </a:r>
+          </a:p>
+          <a:p>
+            <a:pPr algn="ctr"/>
+            <a:r>
+              <a:rPr lang="en-US" sz="2000" dirty="0">
+                <a:solidFill>
+                  <a:schemeClr val="bg1"/>
+                </a:solidFill>
+              </a:rPr>
+              <a:t>    •    “Review and Perspectives on Human Emotion for Connected Automated Vehicles” (2023)</a:t>
+            </a:r>
+          </a:p>
+          <a:p>
+            <a:pPr algn="ctr"/>
+            <a:r>
+              <a:rPr lang="en-US" sz="2000" dirty="0">
+                <a:solidFill>
+                  <a:schemeClr val="bg1"/>
+                </a:solidFill>
+              </a:rPr>
+              <a:t>Discusses the importance of recognizing human emotions in connected automated vehicles, focusing on implications for passenger safety and experience.</a:t>
+            </a:r>
+          </a:p>
+          <a:p>
+            <a:pPr algn="ctr"/>
+            <a:r>
+              <a:rPr lang="en-US" sz="2000" dirty="0">
+                <a:solidFill>
+                  <a:schemeClr val="bg1"/>
+                </a:solidFill>
+              </a:rPr>
+              <a:t>Source: Springer Link</a:t>
+            </a:r>
+            <a:endParaRPr lang="it-IT" sz="2000" dirty="0">
+              <a:solidFill>
+                <a:schemeClr val="bg1"/>
+              </a:solidFill>
+            </a:endParaRPr>
+          </a:p>
+        </p:txBody>
+      </p:sp>
+    </p:spTree>
+    <p:extLst>
+      <p:ext uri="{BB962C8B-B14F-4D97-AF65-F5344CB8AC3E}">
+        <p14:creationId xmlns:p14="http://schemas.microsoft.com/office/powerpoint/2010/main" val="4256578956"/>
+      </p:ext>
+    </p:extLst>
+  </p:cSld>
+  <p:clrMapOvr>
+    <a:masterClrMapping/>
+  </p:clrMapOvr>
+</p:sld>
+</file>
+
 <file path=ppt/slides/slide2.xml><?xml version="1.0" encoding="utf-8"?>
+<p:sld xmlns:a="http://schemas.openxmlformats.org/drawingml/2006/main" xmlns:r="http://schemas.openxmlformats.org/officeDocument/2006/relationships" xmlns:p="http://schemas.openxmlformats.org/presentationml/2006/main" show="0">
+  <p:cSld>
+    <p:bg>
+      <p:bgPr>
+        <a:solidFill>
+          <a:srgbClr val="0D0628"/>
+        </a:solidFill>
+        <a:effectLst/>
+      </p:bgPr>
+    </p:bg>
+    <p:spTree>
+      <p:nvGrpSpPr>
+        <p:cNvPr id="1" name="">
+          <a:extLst>
+            <a:ext uri="{FF2B5EF4-FFF2-40B4-BE49-F238E27FC236}">
+              <a16:creationId xmlns:a16="http://schemas.microsoft.com/office/drawing/2014/main" id="{11DA0DC4-8347-A734-6A90-4A1A26CFCCDD}"/>
+            </a:ext>
+          </a:extLst>
+        </p:cNvPr>
+        <p:cNvGrpSpPr/>
+        <p:nvPr/>
+      </p:nvGrpSpPr>
+      <p:grpSpPr>
+        <a:xfrm>
+          <a:off x="0" y="0"/>
+          <a:ext cx="0" cy="0"/>
+          <a:chOff x="0" y="0"/>
+          <a:chExt cx="0" cy="0"/>
+        </a:xfrm>
+      </p:grpSpPr>
+      <p:sp>
+        <p:nvSpPr>
+          <p:cNvPr id="6" name="CasellaDiTesto 5">
+            <a:extLst>
+              <a:ext uri="{FF2B5EF4-FFF2-40B4-BE49-F238E27FC236}">
+                <a16:creationId xmlns:a16="http://schemas.microsoft.com/office/drawing/2014/main" id="{A7FFAFAA-9BDC-2144-065E-FF126AC70E9C}"/>
+              </a:ext>
+            </a:extLst>
+          </p:cNvPr>
+          <p:cNvSpPr txBox="1"/>
+          <p:nvPr/>
+        </p:nvSpPr>
+        <p:spPr>
+          <a:xfrm>
+            <a:off x="3335453" y="385551"/>
+            <a:ext cx="5521087" cy="400110"/>
+          </a:xfrm>
+          <a:prstGeom prst="rect">
+            <a:avLst/>
+          </a:prstGeom>
+          <a:noFill/>
+        </p:spPr>
+        <p:txBody>
+          <a:bodyPr wrap="square" rtlCol="0">
+            <a:spAutoFit/>
+          </a:bodyPr>
+          <a:lstStyle/>
+          <a:p>
+            <a:pPr algn="ctr"/>
+            <a:r>
+              <a:rPr lang="it-IT" sz="2000" dirty="0">
+                <a:solidFill>
+                  <a:schemeClr val="bg1"/>
+                </a:solidFill>
+              </a:rPr>
+              <a:t>THE </a:t>
+            </a:r>
+            <a:r>
+              <a:rPr lang="it-IT" sz="2000" b="1" dirty="0">
+                <a:solidFill>
+                  <a:schemeClr val="bg1"/>
+                </a:solidFill>
+              </a:rPr>
+              <a:t>IDEA</a:t>
+            </a:r>
+          </a:p>
+        </p:txBody>
+      </p:sp>
+      <p:cxnSp>
+        <p:nvCxnSpPr>
+          <p:cNvPr id="3" name="Connettore diritto 2">
+            <a:extLst>
+              <a:ext uri="{FF2B5EF4-FFF2-40B4-BE49-F238E27FC236}">
+                <a16:creationId xmlns:a16="http://schemas.microsoft.com/office/drawing/2014/main" id="{C616007E-36A0-D9DA-CE1B-A5EB364CECDB}"/>
+              </a:ext>
+            </a:extLst>
+          </p:cNvPr>
+          <p:cNvCxnSpPr>
+            <a:cxnSpLocks/>
+          </p:cNvCxnSpPr>
+          <p:nvPr/>
+        </p:nvCxnSpPr>
+        <p:spPr>
+          <a:xfrm>
+            <a:off x="5974250" y="981841"/>
+            <a:ext cx="668597" cy="0"/>
+          </a:xfrm>
+          <a:prstGeom prst="line">
+            <a:avLst/>
+          </a:prstGeom>
+          <a:ln w="28575">
+            <a:solidFill>
+              <a:srgbClr val="DA627D"/>
+            </a:solidFill>
+          </a:ln>
+        </p:spPr>
+        <p:style>
+          <a:lnRef idx="2">
+            <a:schemeClr val="accent1"/>
+          </a:lnRef>
+          <a:fillRef idx="0">
+            <a:schemeClr val="accent1"/>
+          </a:fillRef>
+          <a:effectRef idx="1">
+            <a:schemeClr val="accent1"/>
+          </a:effectRef>
+          <a:fontRef idx="minor">
+            <a:schemeClr val="tx1"/>
+          </a:fontRef>
+        </p:style>
+      </p:cxnSp>
+      <p:pic>
+        <p:nvPicPr>
+          <p:cNvPr id="5" name="Immagine 4" descr="Immagine che contiene automobile, veicolo, Adesivo per automobili, clipart&#10;&#10;Descrizione generata automaticamente">
+            <a:extLst>
+              <a:ext uri="{FF2B5EF4-FFF2-40B4-BE49-F238E27FC236}">
+                <a16:creationId xmlns:a16="http://schemas.microsoft.com/office/drawing/2014/main" id="{B7BA9EE8-2DAB-C36D-2EE1-4371AD7B8907}"/>
+              </a:ext>
+            </a:extLst>
+          </p:cNvPr>
+          <p:cNvPicPr>
+            <a:picLocks noChangeAspect="1"/>
+          </p:cNvPicPr>
+          <p:nvPr/>
+        </p:nvPicPr>
+        <p:blipFill>
+          <a:blip r:embed="rId3">
+            <a:extLst>
+              <a:ext uri="{28A0092B-C50C-407E-A947-70E740481C1C}">
+                <a14:useLocalDpi xmlns:a14="http://schemas.microsoft.com/office/drawing/2010/main" val="0"/>
+              </a:ext>
+            </a:extLst>
+          </a:blip>
+          <a:stretch>
+            <a:fillRect/>
+          </a:stretch>
+        </p:blipFill>
+        <p:spPr>
+          <a:xfrm flipH="1">
+            <a:off x="3869807" y="998678"/>
+            <a:ext cx="4877481" cy="4877481"/>
+          </a:xfrm>
+          <a:prstGeom prst="rect">
+            <a:avLst/>
+          </a:prstGeom>
+        </p:spPr>
+      </p:pic>
+    </p:spTree>
+    <p:extLst>
+      <p:ext uri="{BB962C8B-B14F-4D97-AF65-F5344CB8AC3E}">
+        <p14:creationId xmlns:p14="http://schemas.microsoft.com/office/powerpoint/2010/main" val="3741803249"/>
+      </p:ext>
+    </p:extLst>
+  </p:cSld>
+  <p:clrMapOvr>
+    <a:masterClrMapping/>
+  </p:clrMapOvr>
+</p:sld>
+</file>
+
+<file path=ppt/slides/slide3.xml><?xml version="1.0" encoding="utf-8"?>
 <p:sld xmlns:a="http://schemas.openxmlformats.org/drawingml/2006/main" xmlns:r="http://schemas.openxmlformats.org/officeDocument/2006/relationships" xmlns:p="http://schemas.openxmlformats.org/presentationml/2006/main">
+  <p:cSld>
+    <p:bg>
+      <p:bgPr>
+        <a:solidFill>
+          <a:srgbClr val="0D0628"/>
+        </a:solidFill>
+        <a:effectLst/>
+      </p:bgPr>
+    </p:bg>
+    <p:spTree>
+      <p:nvGrpSpPr>
+        <p:cNvPr id="1" name="">
+          <a:extLst>
+            <a:ext uri="{FF2B5EF4-FFF2-40B4-BE49-F238E27FC236}">
+              <a16:creationId xmlns:a16="http://schemas.microsoft.com/office/drawing/2014/main" id="{6C04E7BA-4583-C7F8-9D0F-B0037F7BB940}"/>
+            </a:ext>
+          </a:extLst>
+        </p:cNvPr>
+        <p:cNvGrpSpPr/>
+        <p:nvPr/>
+      </p:nvGrpSpPr>
+      <p:grpSpPr>
+        <a:xfrm>
+          <a:off x="0" y="0"/>
+          <a:ext cx="0" cy="0"/>
+          <a:chOff x="0" y="0"/>
+          <a:chExt cx="0" cy="0"/>
+        </a:xfrm>
+      </p:grpSpPr>
+      <p:pic>
+        <p:nvPicPr>
+          <p:cNvPr id="5" name="Immagine 4" descr="Immagine che contiene automobile, veicolo, Adesivo per automobili, clipart&#10;&#10;Descrizione generata automaticamente">
+            <a:extLst>
+              <a:ext uri="{FF2B5EF4-FFF2-40B4-BE49-F238E27FC236}">
+                <a16:creationId xmlns:a16="http://schemas.microsoft.com/office/drawing/2014/main" id="{D03C75B9-F135-084C-ABFF-6818330BC67A}"/>
+              </a:ext>
+            </a:extLst>
+          </p:cNvPr>
+          <p:cNvPicPr>
+            <a:picLocks noChangeAspect="1"/>
+          </p:cNvPicPr>
+          <p:nvPr/>
+        </p:nvPicPr>
+        <p:blipFill>
+          <a:blip r:embed="rId3">
+            <a:extLst>
+              <a:ext uri="{28A0092B-C50C-407E-A947-70E740481C1C}">
+                <a14:useLocalDpi xmlns:a14="http://schemas.microsoft.com/office/drawing/2010/main" val="0"/>
+              </a:ext>
+            </a:extLst>
+          </a:blip>
+          <a:srcRect l="53976" t="27694" b="28011"/>
+          <a:stretch/>
+        </p:blipFill>
+        <p:spPr>
+          <a:xfrm flipH="1">
+            <a:off x="3700380" y="3411100"/>
+            <a:ext cx="2205123" cy="2122292"/>
+          </a:xfrm>
+          <a:prstGeom prst="rect">
+            <a:avLst/>
+          </a:prstGeom>
+        </p:spPr>
+      </p:pic>
+      <p:pic>
+        <p:nvPicPr>
+          <p:cNvPr id="3" name="Immagine 2" descr="Immagine che contiene automobile, veicolo, Adesivo per automobili, clipart&#10;&#10;Descrizione generata automaticamente">
+            <a:extLst>
+              <a:ext uri="{FF2B5EF4-FFF2-40B4-BE49-F238E27FC236}">
+                <a16:creationId xmlns:a16="http://schemas.microsoft.com/office/drawing/2014/main" id="{1EB59FC9-54E3-6F16-4C4C-922B52ECACDF}"/>
+              </a:ext>
+            </a:extLst>
+          </p:cNvPr>
+          <p:cNvPicPr>
+            <a:picLocks noChangeAspect="1"/>
+          </p:cNvPicPr>
+          <p:nvPr/>
+        </p:nvPicPr>
+        <p:blipFill>
+          <a:blip r:embed="rId3">
+            <a:extLst>
+              <a:ext uri="{28A0092B-C50C-407E-A947-70E740481C1C}">
+                <a14:useLocalDpi xmlns:a14="http://schemas.microsoft.com/office/drawing/2010/main" val="0"/>
+              </a:ext>
+            </a:extLst>
+          </a:blip>
+          <a:srcRect t="27694" r="46024" b="28011"/>
+          <a:stretch/>
+        </p:blipFill>
+        <p:spPr>
+          <a:xfrm flipH="1">
+            <a:off x="5905498" y="3411100"/>
+            <a:ext cx="2586122" cy="2122292"/>
+          </a:xfrm>
+          <a:prstGeom prst="rect">
+            <a:avLst/>
+          </a:prstGeom>
+        </p:spPr>
+      </p:pic>
+      <p:cxnSp>
+        <p:nvCxnSpPr>
+          <p:cNvPr id="2" name="Connettore diritto 1">
+            <a:extLst>
+              <a:ext uri="{FF2B5EF4-FFF2-40B4-BE49-F238E27FC236}">
+                <a16:creationId xmlns:a16="http://schemas.microsoft.com/office/drawing/2014/main" id="{0D08F2E0-5746-B75D-261F-B273397EACBD}"/>
+              </a:ext>
+            </a:extLst>
+          </p:cNvPr>
+          <p:cNvCxnSpPr>
+            <a:cxnSpLocks/>
+          </p:cNvCxnSpPr>
+          <p:nvPr/>
+        </p:nvCxnSpPr>
+        <p:spPr>
+          <a:xfrm>
+            <a:off x="0" y="5366701"/>
+            <a:ext cx="12192000" cy="0"/>
+          </a:xfrm>
+          <a:prstGeom prst="line">
+            <a:avLst/>
+          </a:prstGeom>
+          <a:ln w="57150">
+            <a:solidFill>
+              <a:srgbClr val="DA627D"/>
+            </a:solidFill>
+          </a:ln>
+        </p:spPr>
+        <p:style>
+          <a:lnRef idx="2">
+            <a:schemeClr val="accent1"/>
+          </a:lnRef>
+          <a:fillRef idx="0">
+            <a:schemeClr val="accent1"/>
+          </a:fillRef>
+          <a:effectRef idx="1">
+            <a:schemeClr val="accent1"/>
+          </a:effectRef>
+          <a:fontRef idx="minor">
+            <a:schemeClr val="tx1"/>
+          </a:fontRef>
+        </p:style>
+      </p:cxnSp>
+      <p:sp>
+        <p:nvSpPr>
+          <p:cNvPr id="29" name="CasellaDiTesto 28">
+            <a:extLst>
+              <a:ext uri="{FF2B5EF4-FFF2-40B4-BE49-F238E27FC236}">
+                <a16:creationId xmlns:a16="http://schemas.microsoft.com/office/drawing/2014/main" id="{65920E2D-9510-6561-671A-9960310CE31E}"/>
+              </a:ext>
+            </a:extLst>
+          </p:cNvPr>
+          <p:cNvSpPr txBox="1"/>
+          <p:nvPr/>
+        </p:nvSpPr>
+        <p:spPr>
+          <a:xfrm>
+            <a:off x="3335456" y="5957910"/>
+            <a:ext cx="5521087" cy="400110"/>
+          </a:xfrm>
+          <a:prstGeom prst="rect">
+            <a:avLst/>
+          </a:prstGeom>
+          <a:noFill/>
+        </p:spPr>
+        <p:txBody>
+          <a:bodyPr wrap="square" rtlCol="0">
+            <a:spAutoFit/>
+          </a:bodyPr>
+          <a:lstStyle/>
+          <a:p>
+            <a:pPr algn="ctr"/>
+            <a:r>
+              <a:rPr lang="it-IT" sz="2000" dirty="0">
+                <a:solidFill>
+                  <a:schemeClr val="bg1"/>
+                </a:solidFill>
+              </a:rPr>
+              <a:t>THE </a:t>
+            </a:r>
+            <a:r>
+              <a:rPr lang="it-IT" sz="2000" b="1" dirty="0">
+                <a:solidFill>
+                  <a:schemeClr val="bg1"/>
+                </a:solidFill>
+              </a:rPr>
+              <a:t>IDEA</a:t>
+            </a:r>
+          </a:p>
+        </p:txBody>
+      </p:sp>
+    </p:spTree>
+    <p:extLst>
+      <p:ext uri="{BB962C8B-B14F-4D97-AF65-F5344CB8AC3E}">
+        <p14:creationId xmlns:p14="http://schemas.microsoft.com/office/powerpoint/2010/main" val="3774015569"/>
+      </p:ext>
+    </p:extLst>
+  </p:cSld>
+  <p:clrMapOvr>
+    <a:masterClrMapping/>
+  </p:clrMapOvr>
+</p:sld>
+</file>
+
+<file path=ppt/slides/slide4.xml><?xml version="1.0" encoding="utf-8"?>
+<p:sld xmlns:a="http://schemas.openxmlformats.org/drawingml/2006/main" xmlns:r="http://schemas.openxmlformats.org/officeDocument/2006/relationships" xmlns:p="http://schemas.openxmlformats.org/presentationml/2006/main">
+  <p:cSld>
+    <p:bg>
+      <p:bgPr>
+        <a:solidFill>
+          <a:srgbClr val="0D0628"/>
+        </a:solidFill>
+        <a:effectLst/>
+      </p:bgPr>
+    </p:bg>
+    <p:spTree>
+      <p:nvGrpSpPr>
+        <p:cNvPr id="1" name="">
+          <a:extLst>
+            <a:ext uri="{FF2B5EF4-FFF2-40B4-BE49-F238E27FC236}">
+              <a16:creationId xmlns:a16="http://schemas.microsoft.com/office/drawing/2014/main" id="{DA463DF6-1F16-B4A9-5578-479E6CE26F46}"/>
+            </a:ext>
+          </a:extLst>
+        </p:cNvPr>
+        <p:cNvGrpSpPr/>
+        <p:nvPr/>
+      </p:nvGrpSpPr>
+      <p:grpSpPr>
+        <a:xfrm>
+          <a:off x="0" y="0"/>
+          <a:ext cx="0" cy="0"/>
+          <a:chOff x="0" y="0"/>
+          <a:chExt cx="0" cy="0"/>
+        </a:xfrm>
+      </p:grpSpPr>
+      <p:pic>
+        <p:nvPicPr>
+          <p:cNvPr id="5" name="Immagine 4" descr="Immagine che contiene automobile, veicolo, Adesivo per automobili, clipart&#10;&#10;Descrizione generata automaticamente">
+            <a:extLst>
+              <a:ext uri="{FF2B5EF4-FFF2-40B4-BE49-F238E27FC236}">
+                <a16:creationId xmlns:a16="http://schemas.microsoft.com/office/drawing/2014/main" id="{B7E9327E-E784-C056-8DC3-8DF4D3CC093E}"/>
+              </a:ext>
+            </a:extLst>
+          </p:cNvPr>
+          <p:cNvPicPr>
+            <a:picLocks noChangeAspect="1"/>
+          </p:cNvPicPr>
+          <p:nvPr/>
+        </p:nvPicPr>
+        <p:blipFill>
+          <a:blip r:embed="rId3">
+            <a:extLst>
+              <a:ext uri="{28A0092B-C50C-407E-A947-70E740481C1C}">
+                <a14:useLocalDpi xmlns:a14="http://schemas.microsoft.com/office/drawing/2010/main" val="0"/>
+              </a:ext>
+            </a:extLst>
+          </a:blip>
+          <a:srcRect l="53976" t="27694" b="28011"/>
+          <a:stretch/>
+        </p:blipFill>
+        <p:spPr>
+          <a:xfrm flipH="1">
+            <a:off x="643412" y="3411100"/>
+            <a:ext cx="2205123" cy="2122292"/>
+          </a:xfrm>
+          <a:prstGeom prst="rect">
+            <a:avLst/>
+          </a:prstGeom>
+        </p:spPr>
+      </p:pic>
+      <p:pic>
+        <p:nvPicPr>
+          <p:cNvPr id="3" name="Immagine 2" descr="Immagine che contiene automobile, veicolo, Adesivo per automobili, clipart&#10;&#10;Descrizione generata automaticamente">
+            <a:extLst>
+              <a:ext uri="{FF2B5EF4-FFF2-40B4-BE49-F238E27FC236}">
+                <a16:creationId xmlns:a16="http://schemas.microsoft.com/office/drawing/2014/main" id="{503BE1EB-3498-FD21-4715-680037A6AD1B}"/>
+              </a:ext>
+            </a:extLst>
+          </p:cNvPr>
+          <p:cNvPicPr>
+            <a:picLocks noChangeAspect="1"/>
+          </p:cNvPicPr>
+          <p:nvPr/>
+        </p:nvPicPr>
+        <p:blipFill>
+          <a:blip r:embed="rId3">
+            <a:extLst>
+              <a:ext uri="{28A0092B-C50C-407E-A947-70E740481C1C}">
+                <a14:useLocalDpi xmlns:a14="http://schemas.microsoft.com/office/drawing/2010/main" val="0"/>
+              </a:ext>
+            </a:extLst>
+          </a:blip>
+          <a:srcRect t="27694" r="46024" b="28011"/>
+          <a:stretch/>
+        </p:blipFill>
+        <p:spPr>
+          <a:xfrm flipH="1">
+            <a:off x="8962466" y="3411100"/>
+            <a:ext cx="2586122" cy="2122292"/>
+          </a:xfrm>
+          <a:prstGeom prst="rect">
+            <a:avLst/>
+          </a:prstGeom>
+        </p:spPr>
+      </p:pic>
+      <p:cxnSp>
+        <p:nvCxnSpPr>
+          <p:cNvPr id="20" name="Connettore diritto 19">
+            <a:extLst>
+              <a:ext uri="{FF2B5EF4-FFF2-40B4-BE49-F238E27FC236}">
+                <a16:creationId xmlns:a16="http://schemas.microsoft.com/office/drawing/2014/main" id="{1BBE4703-9B52-E839-B119-68DE57359725}"/>
+              </a:ext>
+            </a:extLst>
+          </p:cNvPr>
+          <p:cNvCxnSpPr>
+            <a:cxnSpLocks/>
+          </p:cNvCxnSpPr>
+          <p:nvPr/>
+        </p:nvCxnSpPr>
+        <p:spPr>
+          <a:xfrm flipV="1">
+            <a:off x="6096000" y="0"/>
+            <a:ext cx="0" cy="5366701"/>
+          </a:xfrm>
+          <a:prstGeom prst="line">
+            <a:avLst/>
+          </a:prstGeom>
+          <a:ln w="28575">
+            <a:solidFill>
+              <a:schemeClr val="bg1"/>
+            </a:solidFill>
+          </a:ln>
+        </p:spPr>
+        <p:style>
+          <a:lnRef idx="2">
+            <a:schemeClr val="accent1"/>
+          </a:lnRef>
+          <a:fillRef idx="0">
+            <a:schemeClr val="accent1"/>
+          </a:fillRef>
+          <a:effectRef idx="1">
+            <a:schemeClr val="accent1"/>
+          </a:effectRef>
+          <a:fontRef idx="minor">
+            <a:schemeClr val="tx1"/>
+          </a:fontRef>
+        </p:style>
+      </p:cxnSp>
+      <p:cxnSp>
+        <p:nvCxnSpPr>
+          <p:cNvPr id="2" name="Connettore diritto 1">
+            <a:extLst>
+              <a:ext uri="{FF2B5EF4-FFF2-40B4-BE49-F238E27FC236}">
+                <a16:creationId xmlns:a16="http://schemas.microsoft.com/office/drawing/2014/main" id="{DB3E829A-6EDB-81AF-CBD8-0F13D982F476}"/>
+              </a:ext>
+            </a:extLst>
+          </p:cNvPr>
+          <p:cNvCxnSpPr>
+            <a:cxnSpLocks/>
+          </p:cNvCxnSpPr>
+          <p:nvPr/>
+        </p:nvCxnSpPr>
+        <p:spPr>
+          <a:xfrm>
+            <a:off x="0" y="5366701"/>
+            <a:ext cx="12192000" cy="0"/>
+          </a:xfrm>
+          <a:prstGeom prst="line">
+            <a:avLst/>
+          </a:prstGeom>
+          <a:ln w="57150">
+            <a:solidFill>
+              <a:srgbClr val="DA627D"/>
+            </a:solidFill>
+          </a:ln>
+        </p:spPr>
+        <p:style>
+          <a:lnRef idx="2">
+            <a:schemeClr val="accent1"/>
+          </a:lnRef>
+          <a:fillRef idx="0">
+            <a:schemeClr val="accent1"/>
+          </a:fillRef>
+          <a:effectRef idx="1">
+            <a:schemeClr val="accent1"/>
+          </a:effectRef>
+          <a:fontRef idx="minor">
+            <a:schemeClr val="tx1"/>
+          </a:fontRef>
+        </p:style>
+      </p:cxnSp>
+      <p:grpSp>
+        <p:nvGrpSpPr>
+          <p:cNvPr id="24" name="Gruppo 23">
+            <a:extLst>
+              <a:ext uri="{FF2B5EF4-FFF2-40B4-BE49-F238E27FC236}">
+                <a16:creationId xmlns:a16="http://schemas.microsoft.com/office/drawing/2014/main" id="{4FA36C91-A8B7-54CA-41D4-B30E0CF28E86}"/>
+              </a:ext>
+            </a:extLst>
+          </p:cNvPr>
+          <p:cNvGrpSpPr/>
+          <p:nvPr/>
+        </p:nvGrpSpPr>
+        <p:grpSpPr>
+          <a:xfrm>
+            <a:off x="2536136" y="3173285"/>
+            <a:ext cx="2035907" cy="1950197"/>
+            <a:chOff x="3253314" y="3173285"/>
+            <a:chExt cx="2035907" cy="1950197"/>
+          </a:xfrm>
+        </p:grpSpPr>
+        <p:grpSp>
+          <p:nvGrpSpPr>
+            <p:cNvPr id="19" name="Gruppo 18">
+              <a:extLst>
+                <a:ext uri="{FF2B5EF4-FFF2-40B4-BE49-F238E27FC236}">
+                  <a16:creationId xmlns:a16="http://schemas.microsoft.com/office/drawing/2014/main" id="{FCE54769-4590-514E-F48D-D8220812D403}"/>
+                </a:ext>
+              </a:extLst>
+            </p:cNvPr>
+            <p:cNvGrpSpPr/>
+            <p:nvPr/>
+          </p:nvGrpSpPr>
+          <p:grpSpPr>
+            <a:xfrm>
+              <a:off x="3755787" y="3352471"/>
+              <a:ext cx="1533434" cy="1771011"/>
+              <a:chOff x="2925880" y="128843"/>
+              <a:chExt cx="4899804" cy="5658939"/>
+            </a:xfrm>
+          </p:grpSpPr>
+          <p:pic>
+            <p:nvPicPr>
+              <p:cNvPr id="7" name="Immagine 6" descr="Immagine che contiene clipart, Elementi grafici, bianco, design&#10;&#10;Descrizione generata automaticamente">
+                <a:extLst>
+                  <a:ext uri="{FF2B5EF4-FFF2-40B4-BE49-F238E27FC236}">
+                    <a16:creationId xmlns:a16="http://schemas.microsoft.com/office/drawing/2014/main" id="{25CE212B-57F2-F0C6-85CB-7807A9FDFFC6}"/>
+                  </a:ext>
+                </a:extLst>
+              </p:cNvPr>
+              <p:cNvPicPr>
+                <a:picLocks noChangeAspect="1"/>
+              </p:cNvPicPr>
+              <p:nvPr/>
+            </p:nvPicPr>
+            <p:blipFill>
+              <a:blip r:embed="rId4">
+                <a:extLst>
+                  <a:ext uri="{28A0092B-C50C-407E-A947-70E740481C1C}">
+                    <a14:useLocalDpi xmlns:a14="http://schemas.microsoft.com/office/drawing/2010/main" val="0"/>
+                  </a:ext>
+                </a:extLst>
+              </a:blip>
+              <a:stretch>
+                <a:fillRect/>
+              </a:stretch>
+            </p:blipFill>
+            <p:spPr>
+              <a:xfrm>
+                <a:off x="2925880" y="655911"/>
+                <a:ext cx="4877481" cy="4877481"/>
+              </a:xfrm>
+              <a:prstGeom prst="rect">
+                <a:avLst/>
+              </a:prstGeom>
+            </p:spPr>
+          </p:pic>
+          <p:sp>
+            <p:nvSpPr>
+              <p:cNvPr id="9" name="Ovale 8">
+                <a:extLst>
+                  <a:ext uri="{FF2B5EF4-FFF2-40B4-BE49-F238E27FC236}">
+                    <a16:creationId xmlns:a16="http://schemas.microsoft.com/office/drawing/2014/main" id="{192EEAB3-D0C4-2E90-13ED-44C810A7BC69}"/>
+                  </a:ext>
+                </a:extLst>
+              </p:cNvPr>
+              <p:cNvSpPr/>
+              <p:nvPr/>
+            </p:nvSpPr>
+            <p:spPr>
+              <a:xfrm rot="630836">
+                <a:off x="5056625" y="1632483"/>
+                <a:ext cx="2769059" cy="1781132"/>
+              </a:xfrm>
+              <a:prstGeom prst="ellipse">
+                <a:avLst/>
+              </a:prstGeom>
+              <a:solidFill>
+                <a:srgbClr val="0D0628"/>
+              </a:solidFill>
+              <a:ln>
+                <a:noFill/>
+              </a:ln>
+            </p:spPr>
+            <p:style>
+              <a:lnRef idx="2">
+                <a:schemeClr val="accent1">
+                  <a:shade val="15000"/>
+                </a:schemeClr>
+              </a:lnRef>
+              <a:fillRef idx="1">
+                <a:schemeClr val="accent1"/>
+              </a:fillRef>
+              <a:effectRef idx="0">
+                <a:schemeClr val="accent1"/>
+              </a:effectRef>
+              <a:fontRef idx="minor">
+                <a:schemeClr val="lt1"/>
+              </a:fontRef>
+            </p:style>
+            <p:txBody>
+              <a:bodyPr rtlCol="0" anchor="ctr"/>
+              <a:lstStyle/>
+              <a:p>
+                <a:pPr algn="ctr"/>
+                <a:endParaRPr lang="it-IT"/>
+              </a:p>
+            </p:txBody>
+          </p:sp>
+          <p:sp>
+            <p:nvSpPr>
+              <p:cNvPr id="10" name="Ovale 9">
+                <a:extLst>
+                  <a:ext uri="{FF2B5EF4-FFF2-40B4-BE49-F238E27FC236}">
+                    <a16:creationId xmlns:a16="http://schemas.microsoft.com/office/drawing/2014/main" id="{AABC453F-757A-A1AA-0F64-C9571BB2FFEC}"/>
+                  </a:ext>
+                </a:extLst>
+              </p:cNvPr>
+              <p:cNvSpPr/>
+              <p:nvPr/>
+            </p:nvSpPr>
+            <p:spPr>
+              <a:xfrm rot="4243839">
+                <a:off x="4415661" y="2135342"/>
+                <a:ext cx="1436720" cy="775414"/>
+              </a:xfrm>
+              <a:prstGeom prst="ellipse">
+                <a:avLst/>
+              </a:prstGeom>
+              <a:solidFill>
+                <a:srgbClr val="0D0628"/>
+              </a:solidFill>
+              <a:ln>
+                <a:noFill/>
+              </a:ln>
+            </p:spPr>
+            <p:style>
+              <a:lnRef idx="2">
+                <a:schemeClr val="accent1">
+                  <a:shade val="15000"/>
+                </a:schemeClr>
+              </a:lnRef>
+              <a:fillRef idx="1">
+                <a:schemeClr val="accent1"/>
+              </a:fillRef>
+              <a:effectRef idx="0">
+                <a:schemeClr val="accent1"/>
+              </a:effectRef>
+              <a:fontRef idx="minor">
+                <a:schemeClr val="lt1"/>
+              </a:fontRef>
+            </p:style>
+            <p:txBody>
+              <a:bodyPr rtlCol="0" anchor="ctr"/>
+              <a:lstStyle/>
+              <a:p>
+                <a:pPr algn="ctr"/>
+                <a:endParaRPr lang="it-IT"/>
+              </a:p>
+            </p:txBody>
+          </p:sp>
+          <p:sp>
+            <p:nvSpPr>
+              <p:cNvPr id="11" name="Ovale 10">
+                <a:extLst>
+                  <a:ext uri="{FF2B5EF4-FFF2-40B4-BE49-F238E27FC236}">
+                    <a16:creationId xmlns:a16="http://schemas.microsoft.com/office/drawing/2014/main" id="{A56B3B5E-3771-8843-77C3-517CD1E1027E}"/>
+                  </a:ext>
+                </a:extLst>
+              </p:cNvPr>
+              <p:cNvSpPr/>
+              <p:nvPr/>
+            </p:nvSpPr>
+            <p:spPr>
+              <a:xfrm rot="4899486">
+                <a:off x="4293584" y="2280602"/>
+                <a:ext cx="772813" cy="169930"/>
+              </a:xfrm>
+              <a:prstGeom prst="ellipse">
+                <a:avLst/>
+              </a:prstGeom>
+              <a:solidFill>
+                <a:schemeClr val="bg1"/>
+              </a:solidFill>
+              <a:ln>
+                <a:noFill/>
+              </a:ln>
+            </p:spPr>
+            <p:style>
+              <a:lnRef idx="2">
+                <a:schemeClr val="accent1">
+                  <a:shade val="15000"/>
+                </a:schemeClr>
+              </a:lnRef>
+              <a:fillRef idx="1">
+                <a:schemeClr val="accent1"/>
+              </a:fillRef>
+              <a:effectRef idx="0">
+                <a:schemeClr val="accent1"/>
+              </a:effectRef>
+              <a:fontRef idx="minor">
+                <a:schemeClr val="lt1"/>
+              </a:fontRef>
+            </p:style>
+            <p:txBody>
+              <a:bodyPr rtlCol="0" anchor="ctr"/>
+              <a:lstStyle/>
+              <a:p>
+                <a:pPr algn="ctr"/>
+                <a:endParaRPr lang="it-IT"/>
+              </a:p>
+            </p:txBody>
+          </p:sp>
+          <p:sp>
+            <p:nvSpPr>
+              <p:cNvPr id="12" name="Ovale 11">
+                <a:extLst>
+                  <a:ext uri="{FF2B5EF4-FFF2-40B4-BE49-F238E27FC236}">
+                    <a16:creationId xmlns:a16="http://schemas.microsoft.com/office/drawing/2014/main" id="{B447BDB5-E1A5-1BB9-58CA-DA93CA4CD10D}"/>
+                  </a:ext>
+                </a:extLst>
+              </p:cNvPr>
+              <p:cNvSpPr/>
+              <p:nvPr/>
+            </p:nvSpPr>
+            <p:spPr>
+              <a:xfrm rot="4899486">
+                <a:off x="3985829" y="1996058"/>
+                <a:ext cx="801308" cy="701295"/>
+              </a:xfrm>
+              <a:prstGeom prst="ellipse">
+                <a:avLst/>
+              </a:prstGeom>
+              <a:solidFill>
+                <a:schemeClr val="bg1"/>
+              </a:solidFill>
+              <a:ln>
+                <a:noFill/>
+              </a:ln>
+            </p:spPr>
+            <p:style>
+              <a:lnRef idx="2">
+                <a:schemeClr val="accent1">
+                  <a:shade val="15000"/>
+                </a:schemeClr>
+              </a:lnRef>
+              <a:fillRef idx="1">
+                <a:schemeClr val="accent1"/>
+              </a:fillRef>
+              <a:effectRef idx="0">
+                <a:schemeClr val="accent1"/>
+              </a:effectRef>
+              <a:fontRef idx="minor">
+                <a:schemeClr val="lt1"/>
+              </a:fontRef>
+            </p:style>
+            <p:txBody>
+              <a:bodyPr rtlCol="0" anchor="ctr"/>
+              <a:lstStyle/>
+              <a:p>
+                <a:pPr algn="ctr"/>
+                <a:endParaRPr lang="it-IT"/>
+              </a:p>
+            </p:txBody>
+          </p:sp>
+          <p:sp>
+            <p:nvSpPr>
+              <p:cNvPr id="14" name="Ovale 13">
+                <a:extLst>
+                  <a:ext uri="{FF2B5EF4-FFF2-40B4-BE49-F238E27FC236}">
+                    <a16:creationId xmlns:a16="http://schemas.microsoft.com/office/drawing/2014/main" id="{8EB46994-C098-8B3D-7E87-BD459D096FAD}"/>
+                  </a:ext>
+                </a:extLst>
+              </p:cNvPr>
+              <p:cNvSpPr/>
+              <p:nvPr/>
+            </p:nvSpPr>
+            <p:spPr>
+              <a:xfrm rot="630836">
+                <a:off x="3608015" y="128843"/>
+                <a:ext cx="2769059" cy="1781132"/>
+              </a:xfrm>
+              <a:prstGeom prst="ellipse">
+                <a:avLst/>
+              </a:prstGeom>
+              <a:solidFill>
+                <a:srgbClr val="0D0628"/>
+              </a:solidFill>
+              <a:ln>
+                <a:noFill/>
+              </a:ln>
+            </p:spPr>
+            <p:style>
+              <a:lnRef idx="2">
+                <a:schemeClr val="accent1">
+                  <a:shade val="15000"/>
+                </a:schemeClr>
+              </a:lnRef>
+              <a:fillRef idx="1">
+                <a:schemeClr val="accent1"/>
+              </a:fillRef>
+              <a:effectRef idx="0">
+                <a:schemeClr val="accent1"/>
+              </a:effectRef>
+              <a:fontRef idx="minor">
+                <a:schemeClr val="lt1"/>
+              </a:fontRef>
+            </p:style>
+            <p:txBody>
+              <a:bodyPr rtlCol="0" anchor="ctr"/>
+              <a:lstStyle/>
+              <a:p>
+                <a:pPr algn="ctr"/>
+                <a:endParaRPr lang="it-IT"/>
+              </a:p>
+            </p:txBody>
+          </p:sp>
+          <p:sp>
+            <p:nvSpPr>
+              <p:cNvPr id="16" name="Ovale 15">
+                <a:extLst>
+                  <a:ext uri="{FF2B5EF4-FFF2-40B4-BE49-F238E27FC236}">
+                    <a16:creationId xmlns:a16="http://schemas.microsoft.com/office/drawing/2014/main" id="{77CF3CD8-FE30-FB45-79A9-AED55A25EEE2}"/>
+                  </a:ext>
+                </a:extLst>
+              </p:cNvPr>
+              <p:cNvSpPr/>
+              <p:nvPr/>
+            </p:nvSpPr>
+            <p:spPr>
+              <a:xfrm>
+                <a:off x="3934028" y="629783"/>
+                <a:ext cx="1096634" cy="1096634"/>
+              </a:xfrm>
+              <a:prstGeom prst="ellipse">
+                <a:avLst/>
+              </a:prstGeom>
+              <a:solidFill>
+                <a:schemeClr val="bg1"/>
+              </a:solidFill>
+              <a:ln>
+                <a:noFill/>
+              </a:ln>
+            </p:spPr>
+            <p:style>
+              <a:lnRef idx="2">
+                <a:schemeClr val="accent1">
+                  <a:shade val="15000"/>
+                </a:schemeClr>
+              </a:lnRef>
+              <a:fillRef idx="1">
+                <a:schemeClr val="accent1"/>
+              </a:fillRef>
+              <a:effectRef idx="0">
+                <a:schemeClr val="accent1"/>
+              </a:effectRef>
+              <a:fontRef idx="minor">
+                <a:schemeClr val="lt1"/>
+              </a:fontRef>
+            </p:style>
+            <p:txBody>
+              <a:bodyPr rtlCol="0" anchor="ctr"/>
+              <a:lstStyle/>
+              <a:p>
+                <a:pPr algn="ctr"/>
+                <a:endParaRPr lang="it-IT"/>
+              </a:p>
+            </p:txBody>
+          </p:sp>
+          <p:sp>
+            <p:nvSpPr>
+              <p:cNvPr id="17" name="Ovale 16">
+                <a:extLst>
+                  <a:ext uri="{FF2B5EF4-FFF2-40B4-BE49-F238E27FC236}">
+                    <a16:creationId xmlns:a16="http://schemas.microsoft.com/office/drawing/2014/main" id="{51C11825-3CA8-3BAD-931D-421FD2024364}"/>
+                  </a:ext>
+                </a:extLst>
+              </p:cNvPr>
+              <p:cNvSpPr/>
+              <p:nvPr/>
+            </p:nvSpPr>
+            <p:spPr>
+              <a:xfrm rot="1942532">
+                <a:off x="6917396" y="4598334"/>
+                <a:ext cx="361322" cy="1189448"/>
+              </a:xfrm>
+              <a:prstGeom prst="ellipse">
+                <a:avLst/>
+              </a:prstGeom>
+              <a:solidFill>
+                <a:srgbClr val="0D0628"/>
+              </a:solidFill>
+              <a:ln>
+                <a:noFill/>
+              </a:ln>
+            </p:spPr>
+            <p:style>
+              <a:lnRef idx="2">
+                <a:schemeClr val="accent1">
+                  <a:shade val="15000"/>
+                </a:schemeClr>
+              </a:lnRef>
+              <a:fillRef idx="1">
+                <a:schemeClr val="accent1"/>
+              </a:fillRef>
+              <a:effectRef idx="0">
+                <a:schemeClr val="accent1"/>
+              </a:effectRef>
+              <a:fontRef idx="minor">
+                <a:schemeClr val="lt1"/>
+              </a:fontRef>
+            </p:style>
+            <p:txBody>
+              <a:bodyPr rtlCol="0" anchor="ctr"/>
+              <a:lstStyle/>
+              <a:p>
+                <a:pPr algn="ctr"/>
+                <a:endParaRPr lang="it-IT"/>
+              </a:p>
+            </p:txBody>
+          </p:sp>
+        </p:grpSp>
+        <p:sp>
+          <p:nvSpPr>
+            <p:cNvPr id="13" name="CasellaDiTesto 12">
+              <a:extLst>
+                <a:ext uri="{FF2B5EF4-FFF2-40B4-BE49-F238E27FC236}">
+                  <a16:creationId xmlns:a16="http://schemas.microsoft.com/office/drawing/2014/main" id="{9798D13C-2331-C387-9673-5E42E912B6CF}"/>
+                </a:ext>
+              </a:extLst>
+            </p:cNvPr>
+            <p:cNvSpPr txBox="1"/>
+            <p:nvPr/>
+          </p:nvSpPr>
+          <p:spPr>
+            <a:xfrm>
+              <a:off x="3253314" y="3173285"/>
+              <a:ext cx="2009596" cy="261610"/>
+            </a:xfrm>
+            <a:prstGeom prst="rect">
+              <a:avLst/>
+            </a:prstGeom>
+            <a:noFill/>
+          </p:spPr>
+          <p:txBody>
+            <a:bodyPr wrap="square" rtlCol="0">
+              <a:spAutoFit/>
+            </a:bodyPr>
+            <a:lstStyle/>
+            <a:p>
+              <a:pPr algn="ctr"/>
+              <a:r>
+                <a:rPr lang="it-IT" sz="1100" b="1" dirty="0">
+                  <a:solidFill>
+                    <a:srgbClr val="F9DBBD"/>
+                  </a:solidFill>
+                </a:rPr>
+                <a:t>PASSENGER</a:t>
+              </a:r>
+              <a:endParaRPr lang="it-IT" sz="1400" b="1" dirty="0">
+                <a:solidFill>
+                  <a:srgbClr val="F9DBBD"/>
+                </a:solidFill>
+              </a:endParaRPr>
+            </a:p>
+          </p:txBody>
+        </p:sp>
+      </p:grpSp>
+      <p:grpSp>
+        <p:nvGrpSpPr>
+          <p:cNvPr id="25" name="Gruppo 24">
+            <a:extLst>
+              <a:ext uri="{FF2B5EF4-FFF2-40B4-BE49-F238E27FC236}">
+                <a16:creationId xmlns:a16="http://schemas.microsoft.com/office/drawing/2014/main" id="{06034034-277F-0E45-96FA-D4C5CB4F797D}"/>
+              </a:ext>
+            </a:extLst>
+          </p:cNvPr>
+          <p:cNvGrpSpPr/>
+          <p:nvPr/>
+        </p:nvGrpSpPr>
+        <p:grpSpPr>
+          <a:xfrm>
+            <a:off x="6568186" y="3172830"/>
+            <a:ext cx="2009596" cy="1869168"/>
+            <a:chOff x="6406820" y="3172830"/>
+            <a:chExt cx="2009596" cy="1869168"/>
+          </a:xfrm>
+        </p:grpSpPr>
+        <p:pic>
+          <p:nvPicPr>
+            <p:cNvPr id="8" name="Immagine 7" descr="Immagine che contiene clipart, Elementi grafici, bianco, design&#10;&#10;Descrizione generata automaticamente">
+              <a:extLst>
+                <a:ext uri="{FF2B5EF4-FFF2-40B4-BE49-F238E27FC236}">
+                  <a16:creationId xmlns:a16="http://schemas.microsoft.com/office/drawing/2014/main" id="{300FB64B-613E-A237-452D-C0A5C35B64B1}"/>
+                </a:ext>
+              </a:extLst>
+            </p:cNvPr>
+            <p:cNvPicPr>
+              <a:picLocks noChangeAspect="1"/>
+            </p:cNvPicPr>
+            <p:nvPr/>
+          </p:nvPicPr>
+          <p:blipFill>
+            <a:blip r:embed="rId4">
+              <a:extLst>
+                <a:ext uri="{28A0092B-C50C-407E-A947-70E740481C1C}">
+                  <a14:useLocalDpi xmlns:a14="http://schemas.microsoft.com/office/drawing/2010/main" val="0"/>
+                </a:ext>
+              </a:extLst>
+            </a:blip>
+            <a:stretch>
+              <a:fillRect/>
+            </a:stretch>
+          </p:blipFill>
+          <p:spPr>
+            <a:xfrm>
+              <a:off x="6859347" y="3509244"/>
+              <a:ext cx="1532754" cy="1532754"/>
+            </a:xfrm>
+            <a:prstGeom prst="rect">
+              <a:avLst/>
+            </a:prstGeom>
+          </p:spPr>
+        </p:pic>
+        <p:sp>
+          <p:nvSpPr>
+            <p:cNvPr id="23" name="CasellaDiTesto 22">
+              <a:extLst>
+                <a:ext uri="{FF2B5EF4-FFF2-40B4-BE49-F238E27FC236}">
+                  <a16:creationId xmlns:a16="http://schemas.microsoft.com/office/drawing/2014/main" id="{0E169D6B-3CE7-3E68-97DF-1F075873ED51}"/>
+                </a:ext>
+              </a:extLst>
+            </p:cNvPr>
+            <p:cNvSpPr txBox="1"/>
+            <p:nvPr/>
+          </p:nvSpPr>
+          <p:spPr>
+            <a:xfrm>
+              <a:off x="6406820" y="3172830"/>
+              <a:ext cx="2009596" cy="261610"/>
+            </a:xfrm>
+            <a:prstGeom prst="rect">
+              <a:avLst/>
+            </a:prstGeom>
+            <a:noFill/>
+          </p:spPr>
+          <p:txBody>
+            <a:bodyPr wrap="square" rtlCol="0">
+              <a:spAutoFit/>
+            </a:bodyPr>
+            <a:lstStyle/>
+            <a:p>
+              <a:pPr algn="ctr"/>
+              <a:r>
+                <a:rPr lang="it-IT" sz="1100" b="1" dirty="0">
+                  <a:solidFill>
+                    <a:srgbClr val="F9DBBD"/>
+                  </a:solidFill>
+                </a:rPr>
+                <a:t>DRIVER</a:t>
+              </a:r>
+              <a:endParaRPr lang="it-IT" sz="1400" b="1" dirty="0">
+                <a:solidFill>
+                  <a:srgbClr val="F9DBBD"/>
+                </a:solidFill>
+              </a:endParaRPr>
+            </a:p>
+          </p:txBody>
+        </p:sp>
+      </p:grpSp>
+      <p:sp>
+        <p:nvSpPr>
+          <p:cNvPr id="28" name="CasellaDiTesto 27">
+            <a:extLst>
+              <a:ext uri="{FF2B5EF4-FFF2-40B4-BE49-F238E27FC236}">
+                <a16:creationId xmlns:a16="http://schemas.microsoft.com/office/drawing/2014/main" id="{0430712E-A463-9E1B-7291-AE733DE1A2CF}"/>
+              </a:ext>
+            </a:extLst>
+          </p:cNvPr>
+          <p:cNvSpPr txBox="1"/>
+          <p:nvPr/>
+        </p:nvSpPr>
+        <p:spPr>
+          <a:xfrm>
+            <a:off x="4700112" y="2166786"/>
+            <a:ext cx="3207574" cy="600164"/>
+          </a:xfrm>
+          <a:prstGeom prst="rect">
+            <a:avLst/>
+          </a:prstGeom>
+          <a:noFill/>
+        </p:spPr>
+        <p:txBody>
+          <a:bodyPr wrap="square" rtlCol="0">
+            <a:spAutoFit/>
+          </a:bodyPr>
+          <a:lstStyle/>
+          <a:p>
+            <a:r>
+              <a:rPr lang="it-IT" sz="1100" b="1" dirty="0">
+                <a:solidFill>
+                  <a:srgbClr val="F9DBBD"/>
+                </a:solidFill>
+              </a:rPr>
+              <a:t>F</a:t>
+            </a:r>
+            <a:r>
+              <a:rPr lang="it-IT" sz="1100" dirty="0">
+                <a:solidFill>
+                  <a:srgbClr val="F9DBBD"/>
+                </a:solidFill>
+              </a:rPr>
+              <a:t>ACIAL</a:t>
+            </a:r>
+            <a:r>
+              <a:rPr lang="it-IT" sz="1100" b="1" dirty="0">
+                <a:solidFill>
+                  <a:srgbClr val="F9DBBD"/>
+                </a:solidFill>
+              </a:rPr>
+              <a:t> </a:t>
+            </a:r>
+          </a:p>
+          <a:p>
+            <a:r>
+              <a:rPr lang="it-IT" sz="1100" b="1" dirty="0">
+                <a:solidFill>
+                  <a:srgbClr val="F9DBBD"/>
+                </a:solidFill>
+              </a:rPr>
+              <a:t>E</a:t>
+            </a:r>
+            <a:r>
+              <a:rPr lang="it-IT" sz="1100" dirty="0">
+                <a:solidFill>
+                  <a:srgbClr val="F9DBBD"/>
+                </a:solidFill>
+              </a:rPr>
+              <a:t>XPRESSION</a:t>
+            </a:r>
+            <a:r>
+              <a:rPr lang="it-IT" sz="1100" b="1" dirty="0">
+                <a:solidFill>
+                  <a:srgbClr val="F9DBBD"/>
+                </a:solidFill>
+              </a:rPr>
+              <a:t> </a:t>
+            </a:r>
+          </a:p>
+          <a:p>
+            <a:r>
+              <a:rPr lang="it-IT" sz="1100" b="1" dirty="0">
+                <a:solidFill>
+                  <a:srgbClr val="F9DBBD"/>
+                </a:solidFill>
+              </a:rPr>
+              <a:t>R</a:t>
+            </a:r>
+            <a:r>
+              <a:rPr lang="it-IT" sz="1100" dirty="0">
+                <a:solidFill>
+                  <a:srgbClr val="F9DBBD"/>
+                </a:solidFill>
+              </a:rPr>
+              <a:t>ECOGNITION</a:t>
+            </a:r>
+            <a:endParaRPr lang="it-IT" sz="1400" b="1" dirty="0">
+              <a:solidFill>
+                <a:srgbClr val="F9DBBD"/>
+              </a:solidFill>
+            </a:endParaRPr>
+          </a:p>
+        </p:txBody>
+      </p:sp>
+      <p:grpSp>
+        <p:nvGrpSpPr>
+          <p:cNvPr id="39" name="Gruppo 38">
+            <a:extLst>
+              <a:ext uri="{FF2B5EF4-FFF2-40B4-BE49-F238E27FC236}">
+                <a16:creationId xmlns:a16="http://schemas.microsoft.com/office/drawing/2014/main" id="{88D3D6FF-3EC2-9C8A-EFD5-0EAAB5775B87}"/>
+              </a:ext>
+            </a:extLst>
+          </p:cNvPr>
+          <p:cNvGrpSpPr/>
+          <p:nvPr/>
+        </p:nvGrpSpPr>
+        <p:grpSpPr>
+          <a:xfrm>
+            <a:off x="4220188" y="1203358"/>
+            <a:ext cx="963428" cy="2681603"/>
+            <a:chOff x="4470642" y="1203358"/>
+            <a:chExt cx="963428" cy="2681603"/>
+          </a:xfrm>
+        </p:grpSpPr>
+        <p:pic>
+          <p:nvPicPr>
+            <p:cNvPr id="27" name="Immagine 26" descr="Immagine che contiene logo, Elementi grafici, clipart, design&#10;&#10;Descrizione generata automaticamente">
+              <a:extLst>
+                <a:ext uri="{FF2B5EF4-FFF2-40B4-BE49-F238E27FC236}">
+                  <a16:creationId xmlns:a16="http://schemas.microsoft.com/office/drawing/2014/main" id="{C0ECA8B5-CFB2-0B09-DD90-9C0BBF7B7A61}"/>
+                </a:ext>
+              </a:extLst>
+            </p:cNvPr>
+            <p:cNvPicPr>
+              <a:picLocks noChangeAspect="1"/>
+            </p:cNvPicPr>
+            <p:nvPr/>
+          </p:nvPicPr>
+          <p:blipFill>
+            <a:blip r:embed="rId5">
+              <a:extLst>
+                <a:ext uri="{28A0092B-C50C-407E-A947-70E740481C1C}">
+                  <a14:useLocalDpi xmlns:a14="http://schemas.microsoft.com/office/drawing/2010/main" val="0"/>
+                </a:ext>
+              </a:extLst>
+            </a:blip>
+            <a:stretch>
+              <a:fillRect/>
+            </a:stretch>
+          </p:blipFill>
+          <p:spPr>
+            <a:xfrm flipH="1">
+              <a:off x="4688264" y="3476727"/>
+              <a:ext cx="408234" cy="408234"/>
+            </a:xfrm>
+            <a:prstGeom prst="rect">
+              <a:avLst/>
+            </a:prstGeom>
+          </p:spPr>
+        </p:pic>
+        <p:pic>
+          <p:nvPicPr>
+            <p:cNvPr id="30" name="Immagine 29" descr="Immagine che contiene Elementi grafici, simbolo, clipart, cerchio&#10;&#10;Descrizione generata automaticamente">
+              <a:extLst>
+                <a:ext uri="{FF2B5EF4-FFF2-40B4-BE49-F238E27FC236}">
+                  <a16:creationId xmlns:a16="http://schemas.microsoft.com/office/drawing/2014/main" id="{E69422A4-7424-CA03-3AA0-51AE101E9669}"/>
+                </a:ext>
+              </a:extLst>
+            </p:cNvPr>
+            <p:cNvPicPr>
+              <a:picLocks noChangeAspect="1"/>
+            </p:cNvPicPr>
+            <p:nvPr/>
+          </p:nvPicPr>
+          <p:blipFill>
+            <a:blip r:embed="rId6">
+              <a:extLst>
+                <a:ext uri="{28A0092B-C50C-407E-A947-70E740481C1C}">
+                  <a14:useLocalDpi xmlns:a14="http://schemas.microsoft.com/office/drawing/2010/main" val="0"/>
+                </a:ext>
+              </a:extLst>
+            </a:blip>
+            <a:stretch>
+              <a:fillRect/>
+            </a:stretch>
+          </p:blipFill>
+          <p:spPr>
+            <a:xfrm>
+              <a:off x="4470642" y="1203358"/>
+              <a:ext cx="963428" cy="963428"/>
+            </a:xfrm>
+            <a:prstGeom prst="rect">
+              <a:avLst/>
+            </a:prstGeom>
+          </p:spPr>
+        </p:pic>
+        <p:cxnSp>
+          <p:nvCxnSpPr>
+            <p:cNvPr id="31" name="Connettore diritto 30">
+              <a:extLst>
+                <a:ext uri="{FF2B5EF4-FFF2-40B4-BE49-F238E27FC236}">
+                  <a16:creationId xmlns:a16="http://schemas.microsoft.com/office/drawing/2014/main" id="{3C0681BF-30D7-60DF-5F94-CD5CF4B61894}"/>
+                </a:ext>
+              </a:extLst>
+            </p:cNvPr>
+            <p:cNvCxnSpPr>
+              <a:cxnSpLocks/>
+            </p:cNvCxnSpPr>
+            <p:nvPr/>
+          </p:nvCxnSpPr>
+          <p:spPr>
+            <a:xfrm flipV="1">
+              <a:off x="4950566" y="2196465"/>
+              <a:ext cx="0" cy="1301271"/>
+            </a:xfrm>
+            <a:prstGeom prst="line">
+              <a:avLst/>
+            </a:prstGeom>
+            <a:ln w="19050">
+              <a:solidFill>
+                <a:schemeClr val="bg1"/>
+              </a:solidFill>
+              <a:prstDash val="dash"/>
+            </a:ln>
+          </p:spPr>
+          <p:style>
+            <a:lnRef idx="2">
+              <a:schemeClr val="accent1"/>
+            </a:lnRef>
+            <a:fillRef idx="0">
+              <a:schemeClr val="accent1"/>
+            </a:fillRef>
+            <a:effectRef idx="1">
+              <a:schemeClr val="accent1"/>
+            </a:effectRef>
+            <a:fontRef idx="minor">
+              <a:schemeClr val="tx1"/>
+            </a:fontRef>
+          </p:style>
+        </p:cxnSp>
+      </p:grpSp>
+      <p:grpSp>
+        <p:nvGrpSpPr>
+          <p:cNvPr id="57" name="Gruppo 56">
+            <a:extLst>
+              <a:ext uri="{FF2B5EF4-FFF2-40B4-BE49-F238E27FC236}">
+                <a16:creationId xmlns:a16="http://schemas.microsoft.com/office/drawing/2014/main" id="{7265F936-24FC-BA3A-A176-F09432AFF0EC}"/>
+              </a:ext>
+            </a:extLst>
+          </p:cNvPr>
+          <p:cNvGrpSpPr/>
+          <p:nvPr/>
+        </p:nvGrpSpPr>
+        <p:grpSpPr>
+          <a:xfrm>
+            <a:off x="7853648" y="302586"/>
+            <a:ext cx="2724210" cy="2724210"/>
+            <a:chOff x="7847374" y="135125"/>
+            <a:chExt cx="2724210" cy="2724210"/>
+          </a:xfrm>
+        </p:grpSpPr>
+        <p:pic>
+          <p:nvPicPr>
+            <p:cNvPr id="43" name="Immagine 42" descr="Immagine che contiene stella, creatività&#10;&#10;Descrizione generata automaticamente con attendibilità media">
+              <a:extLst>
+                <a:ext uri="{FF2B5EF4-FFF2-40B4-BE49-F238E27FC236}">
+                  <a16:creationId xmlns:a16="http://schemas.microsoft.com/office/drawing/2014/main" id="{55A6E33E-BB59-03CD-96B8-13749A2DDF07}"/>
+                </a:ext>
+              </a:extLst>
+            </p:cNvPr>
+            <p:cNvPicPr>
+              <a:picLocks noChangeAspect="1"/>
+            </p:cNvPicPr>
+            <p:nvPr/>
+          </p:nvPicPr>
+          <p:blipFill>
+            <a:blip r:embed="rId7">
+              <a:extLst>
+                <a:ext uri="{28A0092B-C50C-407E-A947-70E740481C1C}">
+                  <a14:useLocalDpi xmlns:a14="http://schemas.microsoft.com/office/drawing/2010/main" val="0"/>
+                </a:ext>
+              </a:extLst>
+            </a:blip>
+            <a:stretch>
+              <a:fillRect/>
+            </a:stretch>
+          </p:blipFill>
+          <p:spPr>
+            <a:xfrm>
+              <a:off x="7847374" y="135125"/>
+              <a:ext cx="2724210" cy="2724210"/>
+            </a:xfrm>
+            <a:prstGeom prst="rect">
+              <a:avLst/>
+            </a:prstGeom>
+          </p:spPr>
+        </p:pic>
+        <p:sp>
+          <p:nvSpPr>
+            <p:cNvPr id="44" name="CasellaDiTesto 43">
+              <a:extLst>
+                <a:ext uri="{FF2B5EF4-FFF2-40B4-BE49-F238E27FC236}">
+                  <a16:creationId xmlns:a16="http://schemas.microsoft.com/office/drawing/2014/main" id="{5FA5E499-BAB8-9847-172C-35241C6F9B80}"/>
+                </a:ext>
+              </a:extLst>
+            </p:cNvPr>
+            <p:cNvSpPr txBox="1"/>
+            <p:nvPr/>
+          </p:nvSpPr>
+          <p:spPr>
+            <a:xfrm>
+              <a:off x="8459741" y="1741556"/>
+              <a:ext cx="1499476" cy="261610"/>
+            </a:xfrm>
+            <a:prstGeom prst="rect">
+              <a:avLst/>
+            </a:prstGeom>
+            <a:noFill/>
+          </p:spPr>
+          <p:txBody>
+            <a:bodyPr wrap="square" rtlCol="0">
+              <a:spAutoFit/>
+            </a:bodyPr>
+            <a:lstStyle/>
+            <a:p>
+              <a:pPr algn="ctr"/>
+              <a:r>
+                <a:rPr lang="it-IT" sz="1100" b="1" dirty="0">
+                  <a:solidFill>
+                    <a:srgbClr val="F9DBBD"/>
+                  </a:solidFill>
+                </a:rPr>
+                <a:t>RATING</a:t>
+              </a:r>
+              <a:endParaRPr lang="it-IT" sz="1400" b="1" dirty="0">
+                <a:solidFill>
+                  <a:srgbClr val="F9DBBD"/>
+                </a:solidFill>
+              </a:endParaRPr>
+            </a:p>
+          </p:txBody>
+        </p:sp>
+      </p:grpSp>
+      <p:grpSp>
+        <p:nvGrpSpPr>
+          <p:cNvPr id="56" name="Gruppo 55">
+            <a:extLst>
+              <a:ext uri="{FF2B5EF4-FFF2-40B4-BE49-F238E27FC236}">
+                <a16:creationId xmlns:a16="http://schemas.microsoft.com/office/drawing/2014/main" id="{A6F33A11-A222-1649-699F-812EFEC04A3F}"/>
+              </a:ext>
+            </a:extLst>
+          </p:cNvPr>
+          <p:cNvGrpSpPr/>
+          <p:nvPr/>
+        </p:nvGrpSpPr>
+        <p:grpSpPr>
+          <a:xfrm>
+            <a:off x="5795983" y="1347241"/>
+            <a:ext cx="604098" cy="684683"/>
+            <a:chOff x="5759794" y="1173903"/>
+            <a:chExt cx="750995" cy="851176"/>
+          </a:xfrm>
+        </p:grpSpPr>
+        <p:sp>
+          <p:nvSpPr>
+            <p:cNvPr id="50" name="Rettangolo 49">
+              <a:extLst>
+                <a:ext uri="{FF2B5EF4-FFF2-40B4-BE49-F238E27FC236}">
+                  <a16:creationId xmlns:a16="http://schemas.microsoft.com/office/drawing/2014/main" id="{D5E0A41A-3CBE-B3FD-B7C0-434232414467}"/>
+                </a:ext>
+              </a:extLst>
+            </p:cNvPr>
+            <p:cNvSpPr/>
+            <p:nvPr/>
+          </p:nvSpPr>
+          <p:spPr>
+            <a:xfrm>
+              <a:off x="5759794" y="1173903"/>
+              <a:ext cx="750995" cy="851176"/>
+            </a:xfrm>
+            <a:prstGeom prst="rect">
+              <a:avLst/>
+            </a:prstGeom>
+            <a:solidFill>
+              <a:srgbClr val="0D0628"/>
+            </a:solidFill>
+            <a:ln>
+              <a:noFill/>
+            </a:ln>
+          </p:spPr>
+          <p:style>
+            <a:lnRef idx="2">
+              <a:schemeClr val="accent1">
+                <a:shade val="15000"/>
+              </a:schemeClr>
+            </a:lnRef>
+            <a:fillRef idx="1">
+              <a:schemeClr val="accent1"/>
+            </a:fillRef>
+            <a:effectRef idx="0">
+              <a:schemeClr val="accent1"/>
+            </a:effectRef>
+            <a:fontRef idx="minor">
+              <a:schemeClr val="lt1"/>
+            </a:fontRef>
+          </p:style>
+          <p:txBody>
+            <a:bodyPr rtlCol="0" anchor="ctr"/>
+            <a:lstStyle/>
+            <a:p>
+              <a:pPr algn="ctr"/>
+              <a:endParaRPr lang="it-IT"/>
+            </a:p>
+          </p:txBody>
+        </p:sp>
+        <p:pic>
+          <p:nvPicPr>
+            <p:cNvPr id="48" name="Immagine 47" descr="Immagine che contiene cerchio, clipart, Elementi grafici, design&#10;&#10;Descrizione generata automaticamente">
+              <a:extLst>
+                <a:ext uri="{FF2B5EF4-FFF2-40B4-BE49-F238E27FC236}">
+                  <a16:creationId xmlns:a16="http://schemas.microsoft.com/office/drawing/2014/main" id="{FA049F54-00F3-78C6-6356-C89B5581CDE9}"/>
+                </a:ext>
+              </a:extLst>
+            </p:cNvPr>
+            <p:cNvPicPr>
+              <a:picLocks noChangeAspect="1"/>
+            </p:cNvPicPr>
+            <p:nvPr/>
+          </p:nvPicPr>
+          <p:blipFill>
+            <a:blip r:embed="rId8">
+              <a:extLst>
+                <a:ext uri="{28A0092B-C50C-407E-A947-70E740481C1C}">
+                  <a14:useLocalDpi xmlns:a14="http://schemas.microsoft.com/office/drawing/2010/main" val="0"/>
+                </a:ext>
+              </a:extLst>
+            </a:blip>
+            <a:stretch>
+              <a:fillRect/>
+            </a:stretch>
+          </p:blipFill>
+          <p:spPr>
+            <a:xfrm>
+              <a:off x="5853458" y="1317067"/>
+              <a:ext cx="563665" cy="563664"/>
+            </a:xfrm>
+            <a:prstGeom prst="rect">
+              <a:avLst/>
+            </a:prstGeom>
+          </p:spPr>
+        </p:pic>
+      </p:grpSp>
+      <p:sp>
+        <p:nvSpPr>
+          <p:cNvPr id="66" name="CasellaDiTesto 65">
+            <a:extLst>
+              <a:ext uri="{FF2B5EF4-FFF2-40B4-BE49-F238E27FC236}">
+                <a16:creationId xmlns:a16="http://schemas.microsoft.com/office/drawing/2014/main" id="{00C293CB-7DA4-2DCB-FF54-D264E8854D8A}"/>
+              </a:ext>
+            </a:extLst>
+          </p:cNvPr>
+          <p:cNvSpPr txBox="1"/>
+          <p:nvPr/>
+        </p:nvSpPr>
+        <p:spPr>
+          <a:xfrm>
+            <a:off x="3335456" y="5957910"/>
+            <a:ext cx="5521087" cy="400110"/>
+          </a:xfrm>
+          <a:prstGeom prst="rect">
+            <a:avLst/>
+          </a:prstGeom>
+          <a:noFill/>
+        </p:spPr>
+        <p:txBody>
+          <a:bodyPr wrap="square" rtlCol="0">
+            <a:spAutoFit/>
+          </a:bodyPr>
+          <a:lstStyle/>
+          <a:p>
+            <a:pPr algn="ctr"/>
+            <a:r>
+              <a:rPr lang="it-IT" sz="2000" dirty="0">
+                <a:solidFill>
+                  <a:schemeClr val="bg1"/>
+                </a:solidFill>
+              </a:rPr>
+              <a:t>THE </a:t>
+            </a:r>
+            <a:r>
+              <a:rPr lang="it-IT" sz="2000" b="1" dirty="0">
+                <a:solidFill>
+                  <a:schemeClr val="bg1"/>
+                </a:solidFill>
+              </a:rPr>
+              <a:t>IDEA</a:t>
+            </a:r>
+          </a:p>
+        </p:txBody>
+      </p:sp>
+    </p:spTree>
+    <p:extLst>
+      <p:ext uri="{BB962C8B-B14F-4D97-AF65-F5344CB8AC3E}">
+        <p14:creationId xmlns:p14="http://schemas.microsoft.com/office/powerpoint/2010/main" val="2009950233"/>
+      </p:ext>
+    </p:extLst>
+  </p:cSld>
+  <p:clrMapOvr>
+    <a:masterClrMapping/>
+  </p:clrMapOvr>
+  <mc:AlternateContent xmlns:mc="http://schemas.openxmlformats.org/markup-compatibility/2006" xmlns:p159="http://schemas.microsoft.com/office/powerpoint/2015/09/main">
+    <mc:Choice Requires="p159">
+      <p:transition xmlns:p14="http://schemas.microsoft.com/office/powerpoint/2010/main" spd="slow" p14:dur="2000">
+        <p159:morph option="byObject"/>
+      </p:transition>
+    </mc:Choice>
+    <mc:Fallback xmlns="">
+      <p:transition spd="slow">
+        <p:fade/>
+      </p:transition>
+    </mc:Fallback>
+  </mc:AlternateContent>
+</p:sld>
+</file>
+
+<file path=ppt/slides/slide5.xml><?xml version="1.0" encoding="utf-8"?>
+<p:sld xmlns:a="http://schemas.openxmlformats.org/drawingml/2006/main" xmlns:r="http://schemas.openxmlformats.org/officeDocument/2006/relationships" xmlns:p="http://schemas.openxmlformats.org/presentationml/2006/main" show="0">
+  <p:cSld>
+    <p:bg>
+      <p:bgPr>
+        <a:solidFill>
+          <a:srgbClr val="0D0628"/>
+        </a:solidFill>
+        <a:effectLst/>
+      </p:bgPr>
+    </p:bg>
+    <p:spTree>
+      <p:nvGrpSpPr>
+        <p:cNvPr id="1" name="">
+          <a:extLst>
+            <a:ext uri="{FF2B5EF4-FFF2-40B4-BE49-F238E27FC236}">
+              <a16:creationId xmlns:a16="http://schemas.microsoft.com/office/drawing/2014/main" id="{729E8F96-2130-FE08-E6E9-3E10A7CE5F34}"/>
+            </a:ext>
+          </a:extLst>
+        </p:cNvPr>
+        <p:cNvGrpSpPr/>
+        <p:nvPr/>
+      </p:nvGrpSpPr>
+      <p:grpSpPr>
+        <a:xfrm>
+          <a:off x="0" y="0"/>
+          <a:ext cx="0" cy="0"/>
+          <a:chOff x="0" y="0"/>
+          <a:chExt cx="0" cy="0"/>
+        </a:xfrm>
+      </p:grpSpPr>
+      <p:sp>
+        <p:nvSpPr>
+          <p:cNvPr id="13" name="CasellaDiTesto 12">
+            <a:extLst>
+              <a:ext uri="{FF2B5EF4-FFF2-40B4-BE49-F238E27FC236}">
+                <a16:creationId xmlns:a16="http://schemas.microsoft.com/office/drawing/2014/main" id="{76B6D43C-33DE-52FC-8701-8E6468E0C719}"/>
+              </a:ext>
+            </a:extLst>
+          </p:cNvPr>
+          <p:cNvSpPr txBox="1"/>
+          <p:nvPr/>
+        </p:nvSpPr>
+        <p:spPr>
+          <a:xfrm>
+            <a:off x="9601786" y="229673"/>
+            <a:ext cx="5521087" cy="400110"/>
+          </a:xfrm>
+          <a:prstGeom prst="rect">
+            <a:avLst/>
+          </a:prstGeom>
+          <a:noFill/>
+        </p:spPr>
+        <p:txBody>
+          <a:bodyPr wrap="square" rtlCol="0">
+            <a:spAutoFit/>
+          </a:bodyPr>
+          <a:lstStyle/>
+          <a:p>
+            <a:pPr algn="ctr"/>
+            <a:r>
+              <a:rPr lang="it-IT" sz="2000" dirty="0">
+                <a:solidFill>
+                  <a:schemeClr val="bg1"/>
+                </a:solidFill>
+              </a:rPr>
+              <a:t>THE </a:t>
+            </a:r>
+            <a:r>
+              <a:rPr lang="it-IT" sz="2000" b="1" dirty="0">
+                <a:solidFill>
+                  <a:schemeClr val="bg1"/>
+                </a:solidFill>
+              </a:rPr>
+              <a:t>IDEA</a:t>
+            </a:r>
+          </a:p>
+        </p:txBody>
+      </p:sp>
+      <p:grpSp>
+        <p:nvGrpSpPr>
+          <p:cNvPr id="4" name="Gruppo 3">
+            <a:extLst>
+              <a:ext uri="{FF2B5EF4-FFF2-40B4-BE49-F238E27FC236}">
+                <a16:creationId xmlns:a16="http://schemas.microsoft.com/office/drawing/2014/main" id="{E1B30E2F-7936-A54B-4A6C-D60577E3D9F4}"/>
+              </a:ext>
+            </a:extLst>
+          </p:cNvPr>
+          <p:cNvGrpSpPr/>
+          <p:nvPr/>
+        </p:nvGrpSpPr>
+        <p:grpSpPr>
+          <a:xfrm>
+            <a:off x="1490578" y="3411100"/>
+            <a:ext cx="9210845" cy="2122292"/>
+            <a:chOff x="1147677" y="3411100"/>
+            <a:chExt cx="9210845" cy="2122292"/>
+          </a:xfrm>
+        </p:grpSpPr>
+        <p:pic>
+          <p:nvPicPr>
+            <p:cNvPr id="5" name="Immagine 4" descr="Immagine che contiene automobile, veicolo, Adesivo per automobili, clipart&#10;&#10;Descrizione generata automaticamente">
+              <a:extLst>
+                <a:ext uri="{FF2B5EF4-FFF2-40B4-BE49-F238E27FC236}">
+                  <a16:creationId xmlns:a16="http://schemas.microsoft.com/office/drawing/2014/main" id="{9C988C21-EFC3-6AA4-CEF6-FB6A174A5482}"/>
+                </a:ext>
+              </a:extLst>
+            </p:cNvPr>
+            <p:cNvPicPr>
+              <a:picLocks noChangeAspect="1"/>
+            </p:cNvPicPr>
+            <p:nvPr/>
+          </p:nvPicPr>
+          <p:blipFill>
+            <a:blip r:embed="rId3">
+              <a:extLst>
+                <a:ext uri="{28A0092B-C50C-407E-A947-70E740481C1C}">
+                  <a14:useLocalDpi xmlns:a14="http://schemas.microsoft.com/office/drawing/2010/main" val="0"/>
+                </a:ext>
+              </a:extLst>
+            </a:blip>
+            <a:srcRect l="53976" t="27694" b="28011"/>
+            <a:stretch/>
+          </p:blipFill>
+          <p:spPr>
+            <a:xfrm flipH="1">
+              <a:off x="1147677" y="3411100"/>
+              <a:ext cx="2205123" cy="2122292"/>
+            </a:xfrm>
+            <a:prstGeom prst="rect">
+              <a:avLst/>
+            </a:prstGeom>
+          </p:spPr>
+        </p:pic>
+        <p:pic>
+          <p:nvPicPr>
+            <p:cNvPr id="3" name="Immagine 2" descr="Immagine che contiene automobile, veicolo, Adesivo per automobili, clipart&#10;&#10;Descrizione generata automaticamente">
+              <a:extLst>
+                <a:ext uri="{FF2B5EF4-FFF2-40B4-BE49-F238E27FC236}">
+                  <a16:creationId xmlns:a16="http://schemas.microsoft.com/office/drawing/2014/main" id="{526B5443-AAD4-094F-58E6-5A94305D0AC7}"/>
+                </a:ext>
+              </a:extLst>
+            </p:cNvPr>
+            <p:cNvPicPr>
+              <a:picLocks noChangeAspect="1"/>
+            </p:cNvPicPr>
+            <p:nvPr/>
+          </p:nvPicPr>
+          <p:blipFill>
+            <a:blip r:embed="rId3">
+              <a:extLst>
+                <a:ext uri="{28A0092B-C50C-407E-A947-70E740481C1C}">
+                  <a14:useLocalDpi xmlns:a14="http://schemas.microsoft.com/office/drawing/2010/main" val="0"/>
+                </a:ext>
+              </a:extLst>
+            </a:blip>
+            <a:srcRect t="27694" r="46024" b="28011"/>
+            <a:stretch/>
+          </p:blipFill>
+          <p:spPr>
+            <a:xfrm flipH="1">
+              <a:off x="7772400" y="3411100"/>
+              <a:ext cx="2586122" cy="2122292"/>
+            </a:xfrm>
+            <a:prstGeom prst="rect">
+              <a:avLst/>
+            </a:prstGeom>
+          </p:spPr>
+        </p:pic>
+      </p:grpSp>
+      <p:pic>
+        <p:nvPicPr>
+          <p:cNvPr id="8" name="Immagine 7" descr="Immagine che contiene clipart, Elementi grafici, bianco, design&#10;&#10;Descrizione generata automaticamente">
+            <a:extLst>
+              <a:ext uri="{FF2B5EF4-FFF2-40B4-BE49-F238E27FC236}">
+                <a16:creationId xmlns:a16="http://schemas.microsoft.com/office/drawing/2014/main" id="{BFA2A54C-BDDB-2019-B417-75F8BCFA1DE3}"/>
+              </a:ext>
+            </a:extLst>
+          </p:cNvPr>
+          <p:cNvPicPr>
+            <a:picLocks noChangeAspect="1"/>
+          </p:cNvPicPr>
+          <p:nvPr/>
+        </p:nvPicPr>
+        <p:blipFill>
+          <a:blip r:embed="rId4">
+            <a:extLst>
+              <a:ext uri="{28A0092B-C50C-407E-A947-70E740481C1C}">
+                <a14:useLocalDpi xmlns:a14="http://schemas.microsoft.com/office/drawing/2010/main" val="0"/>
+              </a:ext>
+            </a:extLst>
+          </a:blip>
+          <a:stretch>
+            <a:fillRect/>
+          </a:stretch>
+        </p:blipFill>
+        <p:spPr>
+          <a:xfrm>
+            <a:off x="6371904" y="3411100"/>
+            <a:ext cx="1743397" cy="1743397"/>
+          </a:xfrm>
+          <a:prstGeom prst="rect">
+            <a:avLst/>
+          </a:prstGeom>
+        </p:spPr>
+      </p:pic>
+      <p:grpSp>
+        <p:nvGrpSpPr>
+          <p:cNvPr id="19" name="Gruppo 18">
+            <a:extLst>
+              <a:ext uri="{FF2B5EF4-FFF2-40B4-BE49-F238E27FC236}">
+                <a16:creationId xmlns:a16="http://schemas.microsoft.com/office/drawing/2014/main" id="{24403C64-D5FA-9F8F-50BC-6509971B92DB}"/>
+              </a:ext>
+            </a:extLst>
+          </p:cNvPr>
+          <p:cNvGrpSpPr/>
+          <p:nvPr/>
+        </p:nvGrpSpPr>
+        <p:grpSpPr>
+          <a:xfrm>
+            <a:off x="3755787" y="3352471"/>
+            <a:ext cx="1533434" cy="1771011"/>
+            <a:chOff x="2925880" y="128843"/>
+            <a:chExt cx="4899804" cy="5658939"/>
+          </a:xfrm>
+        </p:grpSpPr>
+        <p:pic>
+          <p:nvPicPr>
+            <p:cNvPr id="7" name="Immagine 6" descr="Immagine che contiene clipart, Elementi grafici, bianco, design&#10;&#10;Descrizione generata automaticamente">
+              <a:extLst>
+                <a:ext uri="{FF2B5EF4-FFF2-40B4-BE49-F238E27FC236}">
+                  <a16:creationId xmlns:a16="http://schemas.microsoft.com/office/drawing/2014/main" id="{D8FB430F-12AA-239A-D943-1A48D2F5FAEF}"/>
+                </a:ext>
+              </a:extLst>
+            </p:cNvPr>
+            <p:cNvPicPr>
+              <a:picLocks noChangeAspect="1"/>
+            </p:cNvPicPr>
+            <p:nvPr/>
+          </p:nvPicPr>
+          <p:blipFill>
+            <a:blip r:embed="rId4">
+              <a:extLst>
+                <a:ext uri="{28A0092B-C50C-407E-A947-70E740481C1C}">
+                  <a14:useLocalDpi xmlns:a14="http://schemas.microsoft.com/office/drawing/2010/main" val="0"/>
+                </a:ext>
+              </a:extLst>
+            </a:blip>
+            <a:stretch>
+              <a:fillRect/>
+            </a:stretch>
+          </p:blipFill>
+          <p:spPr>
+            <a:xfrm>
+              <a:off x="2925880" y="655911"/>
+              <a:ext cx="4877481" cy="4877481"/>
+            </a:xfrm>
+            <a:prstGeom prst="rect">
+              <a:avLst/>
+            </a:prstGeom>
+          </p:spPr>
+        </p:pic>
+        <p:sp>
+          <p:nvSpPr>
+            <p:cNvPr id="9" name="Ovale 8">
+              <a:extLst>
+                <a:ext uri="{FF2B5EF4-FFF2-40B4-BE49-F238E27FC236}">
+                  <a16:creationId xmlns:a16="http://schemas.microsoft.com/office/drawing/2014/main" id="{A3DE4854-2CB7-6E5D-9693-770662F23DE1}"/>
+                </a:ext>
+              </a:extLst>
+            </p:cNvPr>
+            <p:cNvSpPr/>
+            <p:nvPr/>
+          </p:nvSpPr>
+          <p:spPr>
+            <a:xfrm rot="630836">
+              <a:off x="5056625" y="1632483"/>
+              <a:ext cx="2769059" cy="1781132"/>
+            </a:xfrm>
+            <a:prstGeom prst="ellipse">
+              <a:avLst/>
+            </a:prstGeom>
+            <a:solidFill>
+              <a:srgbClr val="0D0628"/>
+            </a:solidFill>
+            <a:ln>
+              <a:noFill/>
+            </a:ln>
+          </p:spPr>
+          <p:style>
+            <a:lnRef idx="2">
+              <a:schemeClr val="accent1">
+                <a:shade val="15000"/>
+              </a:schemeClr>
+            </a:lnRef>
+            <a:fillRef idx="1">
+              <a:schemeClr val="accent1"/>
+            </a:fillRef>
+            <a:effectRef idx="0">
+              <a:schemeClr val="accent1"/>
+            </a:effectRef>
+            <a:fontRef idx="minor">
+              <a:schemeClr val="lt1"/>
+            </a:fontRef>
+          </p:style>
+          <p:txBody>
+            <a:bodyPr rtlCol="0" anchor="ctr"/>
+            <a:lstStyle/>
+            <a:p>
+              <a:pPr algn="ctr"/>
+              <a:endParaRPr lang="it-IT"/>
+            </a:p>
+          </p:txBody>
+        </p:sp>
+        <p:sp>
+          <p:nvSpPr>
+            <p:cNvPr id="10" name="Ovale 9">
+              <a:extLst>
+                <a:ext uri="{FF2B5EF4-FFF2-40B4-BE49-F238E27FC236}">
+                  <a16:creationId xmlns:a16="http://schemas.microsoft.com/office/drawing/2014/main" id="{1BA03016-DDBC-E649-47AC-75564688670A}"/>
+                </a:ext>
+              </a:extLst>
+            </p:cNvPr>
+            <p:cNvSpPr/>
+            <p:nvPr/>
+          </p:nvSpPr>
+          <p:spPr>
+            <a:xfrm rot="4243839">
+              <a:off x="4415661" y="2135342"/>
+              <a:ext cx="1436720" cy="775414"/>
+            </a:xfrm>
+            <a:prstGeom prst="ellipse">
+              <a:avLst/>
+            </a:prstGeom>
+            <a:solidFill>
+              <a:srgbClr val="0D0628"/>
+            </a:solidFill>
+            <a:ln>
+              <a:noFill/>
+            </a:ln>
+          </p:spPr>
+          <p:style>
+            <a:lnRef idx="2">
+              <a:schemeClr val="accent1">
+                <a:shade val="15000"/>
+              </a:schemeClr>
+            </a:lnRef>
+            <a:fillRef idx="1">
+              <a:schemeClr val="accent1"/>
+            </a:fillRef>
+            <a:effectRef idx="0">
+              <a:schemeClr val="accent1"/>
+            </a:effectRef>
+            <a:fontRef idx="minor">
+              <a:schemeClr val="lt1"/>
+            </a:fontRef>
+          </p:style>
+          <p:txBody>
+            <a:bodyPr rtlCol="0" anchor="ctr"/>
+            <a:lstStyle/>
+            <a:p>
+              <a:pPr algn="ctr"/>
+              <a:endParaRPr lang="it-IT"/>
+            </a:p>
+          </p:txBody>
+        </p:sp>
+        <p:sp>
+          <p:nvSpPr>
+            <p:cNvPr id="11" name="Ovale 10">
+              <a:extLst>
+                <a:ext uri="{FF2B5EF4-FFF2-40B4-BE49-F238E27FC236}">
+                  <a16:creationId xmlns:a16="http://schemas.microsoft.com/office/drawing/2014/main" id="{6F3120B9-2EA1-D7FA-BB89-3DF6CD6297D0}"/>
+                </a:ext>
+              </a:extLst>
+            </p:cNvPr>
+            <p:cNvSpPr/>
+            <p:nvPr/>
+          </p:nvSpPr>
+          <p:spPr>
+            <a:xfrm rot="4899486">
+              <a:off x="4293584" y="2280602"/>
+              <a:ext cx="772813" cy="169930"/>
+            </a:xfrm>
+            <a:prstGeom prst="ellipse">
+              <a:avLst/>
+            </a:prstGeom>
+            <a:solidFill>
+              <a:schemeClr val="bg1"/>
+            </a:solidFill>
+            <a:ln>
+              <a:noFill/>
+            </a:ln>
+          </p:spPr>
+          <p:style>
+            <a:lnRef idx="2">
+              <a:schemeClr val="accent1">
+                <a:shade val="15000"/>
+              </a:schemeClr>
+            </a:lnRef>
+            <a:fillRef idx="1">
+              <a:schemeClr val="accent1"/>
+            </a:fillRef>
+            <a:effectRef idx="0">
+              <a:schemeClr val="accent1"/>
+            </a:effectRef>
+            <a:fontRef idx="minor">
+              <a:schemeClr val="lt1"/>
+            </a:fontRef>
+          </p:style>
+          <p:txBody>
+            <a:bodyPr rtlCol="0" anchor="ctr"/>
+            <a:lstStyle/>
+            <a:p>
+              <a:pPr algn="ctr"/>
+              <a:endParaRPr lang="it-IT"/>
+            </a:p>
+          </p:txBody>
+        </p:sp>
+        <p:sp>
+          <p:nvSpPr>
+            <p:cNvPr id="12" name="Ovale 11">
+              <a:extLst>
+                <a:ext uri="{FF2B5EF4-FFF2-40B4-BE49-F238E27FC236}">
+                  <a16:creationId xmlns:a16="http://schemas.microsoft.com/office/drawing/2014/main" id="{57394CFC-79D0-6185-D919-2CD3950F3D9D}"/>
+                </a:ext>
+              </a:extLst>
+            </p:cNvPr>
+            <p:cNvSpPr/>
+            <p:nvPr/>
+          </p:nvSpPr>
+          <p:spPr>
+            <a:xfrm rot="4899486">
+              <a:off x="3985829" y="1996058"/>
+              <a:ext cx="801308" cy="701295"/>
+            </a:xfrm>
+            <a:prstGeom prst="ellipse">
+              <a:avLst/>
+            </a:prstGeom>
+            <a:solidFill>
+              <a:schemeClr val="bg1"/>
+            </a:solidFill>
+            <a:ln>
+              <a:noFill/>
+            </a:ln>
+          </p:spPr>
+          <p:style>
+            <a:lnRef idx="2">
+              <a:schemeClr val="accent1">
+                <a:shade val="15000"/>
+              </a:schemeClr>
+            </a:lnRef>
+            <a:fillRef idx="1">
+              <a:schemeClr val="accent1"/>
+            </a:fillRef>
+            <a:effectRef idx="0">
+              <a:schemeClr val="accent1"/>
+            </a:effectRef>
+            <a:fontRef idx="minor">
+              <a:schemeClr val="lt1"/>
+            </a:fontRef>
+          </p:style>
+          <p:txBody>
+            <a:bodyPr rtlCol="0" anchor="ctr"/>
+            <a:lstStyle/>
+            <a:p>
+              <a:pPr algn="ctr"/>
+              <a:endParaRPr lang="it-IT"/>
+            </a:p>
+          </p:txBody>
+        </p:sp>
+        <p:sp>
+          <p:nvSpPr>
+            <p:cNvPr id="14" name="Ovale 13">
+              <a:extLst>
+                <a:ext uri="{FF2B5EF4-FFF2-40B4-BE49-F238E27FC236}">
+                  <a16:creationId xmlns:a16="http://schemas.microsoft.com/office/drawing/2014/main" id="{6460BEE4-1453-3B6B-AD53-B31F6734F140}"/>
+                </a:ext>
+              </a:extLst>
+            </p:cNvPr>
+            <p:cNvSpPr/>
+            <p:nvPr/>
+          </p:nvSpPr>
+          <p:spPr>
+            <a:xfrm rot="630836">
+              <a:off x="3608015" y="128843"/>
+              <a:ext cx="2769059" cy="1781132"/>
+            </a:xfrm>
+            <a:prstGeom prst="ellipse">
+              <a:avLst/>
+            </a:prstGeom>
+            <a:solidFill>
+              <a:srgbClr val="0D0628"/>
+            </a:solidFill>
+            <a:ln>
+              <a:noFill/>
+            </a:ln>
+          </p:spPr>
+          <p:style>
+            <a:lnRef idx="2">
+              <a:schemeClr val="accent1">
+                <a:shade val="15000"/>
+              </a:schemeClr>
+            </a:lnRef>
+            <a:fillRef idx="1">
+              <a:schemeClr val="accent1"/>
+            </a:fillRef>
+            <a:effectRef idx="0">
+              <a:schemeClr val="accent1"/>
+            </a:effectRef>
+            <a:fontRef idx="minor">
+              <a:schemeClr val="lt1"/>
+            </a:fontRef>
+          </p:style>
+          <p:txBody>
+            <a:bodyPr rtlCol="0" anchor="ctr"/>
+            <a:lstStyle/>
+            <a:p>
+              <a:pPr algn="ctr"/>
+              <a:endParaRPr lang="it-IT"/>
+            </a:p>
+          </p:txBody>
+        </p:sp>
+        <p:sp>
+          <p:nvSpPr>
+            <p:cNvPr id="16" name="Ovale 15">
+              <a:extLst>
+                <a:ext uri="{FF2B5EF4-FFF2-40B4-BE49-F238E27FC236}">
+                  <a16:creationId xmlns:a16="http://schemas.microsoft.com/office/drawing/2014/main" id="{DA526237-2740-72DD-093C-CA6DB123C456}"/>
+                </a:ext>
+              </a:extLst>
+            </p:cNvPr>
+            <p:cNvSpPr/>
+            <p:nvPr/>
+          </p:nvSpPr>
+          <p:spPr>
+            <a:xfrm>
+              <a:off x="3934028" y="629783"/>
+              <a:ext cx="1096634" cy="1096634"/>
+            </a:xfrm>
+            <a:prstGeom prst="ellipse">
+              <a:avLst/>
+            </a:prstGeom>
+            <a:solidFill>
+              <a:schemeClr val="bg1"/>
+            </a:solidFill>
+            <a:ln>
+              <a:noFill/>
+            </a:ln>
+          </p:spPr>
+          <p:style>
+            <a:lnRef idx="2">
+              <a:schemeClr val="accent1">
+                <a:shade val="15000"/>
+              </a:schemeClr>
+            </a:lnRef>
+            <a:fillRef idx="1">
+              <a:schemeClr val="accent1"/>
+            </a:fillRef>
+            <a:effectRef idx="0">
+              <a:schemeClr val="accent1"/>
+            </a:effectRef>
+            <a:fontRef idx="minor">
+              <a:schemeClr val="lt1"/>
+            </a:fontRef>
+          </p:style>
+          <p:txBody>
+            <a:bodyPr rtlCol="0" anchor="ctr"/>
+            <a:lstStyle/>
+            <a:p>
+              <a:pPr algn="ctr"/>
+              <a:endParaRPr lang="it-IT"/>
+            </a:p>
+          </p:txBody>
+        </p:sp>
+        <p:sp>
+          <p:nvSpPr>
+            <p:cNvPr id="17" name="Ovale 16">
+              <a:extLst>
+                <a:ext uri="{FF2B5EF4-FFF2-40B4-BE49-F238E27FC236}">
+                  <a16:creationId xmlns:a16="http://schemas.microsoft.com/office/drawing/2014/main" id="{6F93ADE4-C29A-31FA-37C8-D55621AFCC76}"/>
+                </a:ext>
+              </a:extLst>
+            </p:cNvPr>
+            <p:cNvSpPr/>
+            <p:nvPr/>
+          </p:nvSpPr>
+          <p:spPr>
+            <a:xfrm rot="1942532">
+              <a:off x="6917396" y="4598334"/>
+              <a:ext cx="361322" cy="1189448"/>
+            </a:xfrm>
+            <a:prstGeom prst="ellipse">
+              <a:avLst/>
+            </a:prstGeom>
+            <a:solidFill>
+              <a:srgbClr val="0D0628"/>
+            </a:solidFill>
+            <a:ln>
+              <a:noFill/>
+            </a:ln>
+          </p:spPr>
+          <p:style>
+            <a:lnRef idx="2">
+              <a:schemeClr val="accent1">
+                <a:shade val="15000"/>
+              </a:schemeClr>
+            </a:lnRef>
+            <a:fillRef idx="1">
+              <a:schemeClr val="accent1"/>
+            </a:fillRef>
+            <a:effectRef idx="0">
+              <a:schemeClr val="accent1"/>
+            </a:effectRef>
+            <a:fontRef idx="minor">
+              <a:schemeClr val="lt1"/>
+            </a:fontRef>
+          </p:style>
+          <p:txBody>
+            <a:bodyPr rtlCol="0" anchor="ctr"/>
+            <a:lstStyle/>
+            <a:p>
+              <a:pPr algn="ctr"/>
+              <a:endParaRPr lang="it-IT"/>
+            </a:p>
+          </p:txBody>
+        </p:sp>
+      </p:grpSp>
+      <p:cxnSp>
+        <p:nvCxnSpPr>
+          <p:cNvPr id="20" name="Connettore diritto 19">
+            <a:extLst>
+              <a:ext uri="{FF2B5EF4-FFF2-40B4-BE49-F238E27FC236}">
+                <a16:creationId xmlns:a16="http://schemas.microsoft.com/office/drawing/2014/main" id="{653F4A40-9C19-8543-14EE-01C75A5F57DC}"/>
+              </a:ext>
+            </a:extLst>
+          </p:cNvPr>
+          <p:cNvCxnSpPr>
+            <a:cxnSpLocks/>
+          </p:cNvCxnSpPr>
+          <p:nvPr/>
+        </p:nvCxnSpPr>
+        <p:spPr>
+          <a:xfrm flipV="1">
+            <a:off x="6096000" y="50601"/>
+            <a:ext cx="0" cy="5316100"/>
+          </a:xfrm>
+          <a:prstGeom prst="line">
+            <a:avLst/>
+          </a:prstGeom>
+          <a:ln w="38100">
+            <a:solidFill>
+              <a:schemeClr val="bg1"/>
+            </a:solidFill>
+          </a:ln>
+        </p:spPr>
+        <p:style>
+          <a:lnRef idx="2">
+            <a:schemeClr val="accent1"/>
+          </a:lnRef>
+          <a:fillRef idx="0">
+            <a:schemeClr val="accent1"/>
+          </a:fillRef>
+          <a:effectRef idx="1">
+            <a:schemeClr val="accent1"/>
+          </a:effectRef>
+          <a:fontRef idx="minor">
+            <a:schemeClr val="tx1"/>
+          </a:fontRef>
+        </p:style>
+      </p:cxnSp>
+      <p:cxnSp>
+        <p:nvCxnSpPr>
+          <p:cNvPr id="2" name="Connettore diritto 1">
+            <a:extLst>
+              <a:ext uri="{FF2B5EF4-FFF2-40B4-BE49-F238E27FC236}">
+                <a16:creationId xmlns:a16="http://schemas.microsoft.com/office/drawing/2014/main" id="{04F46A26-72EF-F618-56E2-E037BCA16744}"/>
+              </a:ext>
+            </a:extLst>
+          </p:cNvPr>
+          <p:cNvCxnSpPr>
+            <a:cxnSpLocks/>
+          </p:cNvCxnSpPr>
+          <p:nvPr/>
+        </p:nvCxnSpPr>
+        <p:spPr>
+          <a:xfrm>
+            <a:off x="0" y="5366701"/>
+            <a:ext cx="12192000" cy="0"/>
+          </a:xfrm>
+          <a:prstGeom prst="line">
+            <a:avLst/>
+          </a:prstGeom>
+          <a:ln w="57150">
+            <a:solidFill>
+              <a:srgbClr val="DA627D"/>
+            </a:solidFill>
+          </a:ln>
+        </p:spPr>
+        <p:style>
+          <a:lnRef idx="2">
+            <a:schemeClr val="accent1"/>
+          </a:lnRef>
+          <a:fillRef idx="0">
+            <a:schemeClr val="accent1"/>
+          </a:fillRef>
+          <a:effectRef idx="1">
+            <a:schemeClr val="accent1"/>
+          </a:effectRef>
+          <a:fontRef idx="minor">
+            <a:schemeClr val="tx1"/>
+          </a:fontRef>
+        </p:style>
+      </p:cxnSp>
+    </p:spTree>
+    <p:extLst>
+      <p:ext uri="{BB962C8B-B14F-4D97-AF65-F5344CB8AC3E}">
+        <p14:creationId xmlns:p14="http://schemas.microsoft.com/office/powerpoint/2010/main" val="1321036173"/>
+      </p:ext>
+    </p:extLst>
+  </p:cSld>
+  <p:clrMapOvr>
+    <a:masterClrMapping/>
+  </p:clrMapOvr>
+</p:sld>
+</file>
+
+<file path=ppt/slides/slide6.xml><?xml version="1.0" encoding="utf-8"?>
+<p:sld xmlns:a="http://schemas.openxmlformats.org/drawingml/2006/main" xmlns:r="http://schemas.openxmlformats.org/officeDocument/2006/relationships" xmlns:p="http://schemas.openxmlformats.org/presentationml/2006/main" show="0">
   <p:cSld>
     <p:bg>
       <p:bgPr>
@@ -5231,7 +10873,1269 @@
 </p:sld>
 </file>
 
-<file path=ppt/slides/slide3.xml><?xml version="1.0" encoding="utf-8"?>
+<file path=ppt/slides/slide7.xml><?xml version="1.0" encoding="utf-8"?>
+<p:sld xmlns:a="http://schemas.openxmlformats.org/drawingml/2006/main" xmlns:r="http://schemas.openxmlformats.org/officeDocument/2006/relationships" xmlns:p="http://schemas.openxmlformats.org/presentationml/2006/main">
+  <p:cSld>
+    <p:bg>
+      <p:bgPr>
+        <a:solidFill>
+          <a:srgbClr val="0D0628"/>
+        </a:solidFill>
+        <a:effectLst/>
+      </p:bgPr>
+    </p:bg>
+    <p:spTree>
+      <p:nvGrpSpPr>
+        <p:cNvPr id="1" name="">
+          <a:extLst>
+            <a:ext uri="{FF2B5EF4-FFF2-40B4-BE49-F238E27FC236}">
+              <a16:creationId xmlns:a16="http://schemas.microsoft.com/office/drawing/2014/main" id="{27BADF67-982D-FCBC-F61E-D8325E28A278}"/>
+            </a:ext>
+          </a:extLst>
+        </p:cNvPr>
+        <p:cNvGrpSpPr/>
+        <p:nvPr/>
+      </p:nvGrpSpPr>
+      <p:grpSpPr>
+        <a:xfrm>
+          <a:off x="0" y="0"/>
+          <a:ext cx="0" cy="0"/>
+          <a:chOff x="0" y="0"/>
+          <a:chExt cx="0" cy="0"/>
+        </a:xfrm>
+      </p:grpSpPr>
+      <p:sp>
+        <p:nvSpPr>
+          <p:cNvPr id="6" name="CasellaDiTesto 5">
+            <a:extLst>
+              <a:ext uri="{FF2B5EF4-FFF2-40B4-BE49-F238E27FC236}">
+                <a16:creationId xmlns:a16="http://schemas.microsoft.com/office/drawing/2014/main" id="{6561B811-C746-CE9F-3938-89CCDC33B876}"/>
+              </a:ext>
+            </a:extLst>
+          </p:cNvPr>
+          <p:cNvSpPr txBox="1"/>
+          <p:nvPr/>
+        </p:nvSpPr>
+        <p:spPr>
+          <a:xfrm>
+            <a:off x="4369042" y="531883"/>
+            <a:ext cx="3453915" cy="400110"/>
+          </a:xfrm>
+          <a:prstGeom prst="rect">
+            <a:avLst/>
+          </a:prstGeom>
+          <a:noFill/>
+        </p:spPr>
+        <p:txBody>
+          <a:bodyPr wrap="square" rtlCol="0">
+            <a:spAutoFit/>
+          </a:bodyPr>
+          <a:lstStyle/>
+          <a:p>
+            <a:pPr algn="ctr"/>
+            <a:r>
+              <a:rPr lang="it-IT" sz="2000" b="1" dirty="0">
+                <a:solidFill>
+                  <a:schemeClr val="bg1"/>
+                </a:solidFill>
+              </a:rPr>
+              <a:t>STATE</a:t>
+            </a:r>
+            <a:r>
+              <a:rPr lang="it-IT" sz="2000" dirty="0">
+                <a:solidFill>
+                  <a:schemeClr val="bg1"/>
+                </a:solidFill>
+              </a:rPr>
+              <a:t> OF THE </a:t>
+            </a:r>
+            <a:r>
+              <a:rPr lang="it-IT" sz="2000" b="1" dirty="0">
+                <a:solidFill>
+                  <a:schemeClr val="bg1"/>
+                </a:solidFill>
+              </a:rPr>
+              <a:t>ART</a:t>
+            </a:r>
+          </a:p>
+        </p:txBody>
+      </p:sp>
+      <p:cxnSp>
+        <p:nvCxnSpPr>
+          <p:cNvPr id="3" name="Connettore diritto 2">
+            <a:extLst>
+              <a:ext uri="{FF2B5EF4-FFF2-40B4-BE49-F238E27FC236}">
+                <a16:creationId xmlns:a16="http://schemas.microsoft.com/office/drawing/2014/main" id="{4EAA70A7-E776-2F9A-A343-C775B5675F73}"/>
+              </a:ext>
+            </a:extLst>
+          </p:cNvPr>
+          <p:cNvCxnSpPr>
+            <a:cxnSpLocks/>
+          </p:cNvCxnSpPr>
+          <p:nvPr/>
+        </p:nvCxnSpPr>
+        <p:spPr>
+          <a:xfrm>
+            <a:off x="5715671" y="1037007"/>
+            <a:ext cx="888959" cy="0"/>
+          </a:xfrm>
+          <a:prstGeom prst="line">
+            <a:avLst/>
+          </a:prstGeom>
+          <a:ln w="28575">
+            <a:solidFill>
+              <a:srgbClr val="DA627D"/>
+            </a:solidFill>
+          </a:ln>
+        </p:spPr>
+        <p:style>
+          <a:lnRef idx="2">
+            <a:schemeClr val="accent1"/>
+          </a:lnRef>
+          <a:fillRef idx="0">
+            <a:schemeClr val="accent1"/>
+          </a:fillRef>
+          <a:effectRef idx="1">
+            <a:schemeClr val="accent1"/>
+          </a:effectRef>
+          <a:fontRef idx="minor">
+            <a:schemeClr val="tx1"/>
+          </a:fontRef>
+        </p:style>
+      </p:cxnSp>
+      <p:pic>
+        <p:nvPicPr>
+          <p:cNvPr id="20" name="Immagine 19" descr="Immagine che contiene simbolo, clipart, cerchio, Elementi grafici&#10;&#10;Descrizione generata automaticamente">
+            <a:extLst>
+              <a:ext uri="{FF2B5EF4-FFF2-40B4-BE49-F238E27FC236}">
+                <a16:creationId xmlns:a16="http://schemas.microsoft.com/office/drawing/2014/main" id="{F81FCB74-3869-FD87-BDFA-879C477BAB8C}"/>
+              </a:ext>
+            </a:extLst>
+          </p:cNvPr>
+          <p:cNvPicPr>
+            <a:picLocks noChangeAspect="1"/>
+          </p:cNvPicPr>
+          <p:nvPr/>
+        </p:nvPicPr>
+        <p:blipFill>
+          <a:blip r:embed="rId3">
+            <a:extLst>
+              <a:ext uri="{28A0092B-C50C-407E-A947-70E740481C1C}">
+                <a14:useLocalDpi xmlns:a14="http://schemas.microsoft.com/office/drawing/2010/main" val="0"/>
+              </a:ext>
+            </a:extLst>
+          </a:blip>
+          <a:stretch>
+            <a:fillRect/>
+          </a:stretch>
+        </p:blipFill>
+        <p:spPr>
+          <a:xfrm>
+            <a:off x="193992" y="-247857"/>
+            <a:ext cx="1359769" cy="1359769"/>
+          </a:xfrm>
+          <a:prstGeom prst="rect">
+            <a:avLst/>
+          </a:prstGeom>
+        </p:spPr>
+      </p:pic>
+      <p:sp>
+        <p:nvSpPr>
+          <p:cNvPr id="49" name="CasellaDiTesto 48">
+            <a:extLst>
+              <a:ext uri="{FF2B5EF4-FFF2-40B4-BE49-F238E27FC236}">
+                <a16:creationId xmlns:a16="http://schemas.microsoft.com/office/drawing/2014/main" id="{9F5A5B0D-7682-99EB-7195-A4A2BB0F6C7B}"/>
+              </a:ext>
+            </a:extLst>
+          </p:cNvPr>
+          <p:cNvSpPr txBox="1"/>
+          <p:nvPr/>
+        </p:nvSpPr>
+        <p:spPr>
+          <a:xfrm>
+            <a:off x="-185463" y="2118904"/>
+            <a:ext cx="12063698" cy="5016758"/>
+          </a:xfrm>
+          <a:prstGeom prst="rect">
+            <a:avLst/>
+          </a:prstGeom>
+          <a:noFill/>
+        </p:spPr>
+        <p:txBody>
+          <a:bodyPr wrap="square" rtlCol="0">
+            <a:spAutoFit/>
+          </a:bodyPr>
+          <a:lstStyle/>
+          <a:p>
+            <a:pPr algn="ctr"/>
+            <a:endParaRPr lang="en-US" sz="2000" dirty="0">
+              <a:solidFill>
+                <a:schemeClr val="bg1"/>
+              </a:solidFill>
+            </a:endParaRPr>
+          </a:p>
+          <a:p>
+            <a:pPr algn="ctr"/>
+            <a:r>
+              <a:rPr lang="en-US" sz="2000" dirty="0">
+                <a:solidFill>
+                  <a:schemeClr val="bg1"/>
+                </a:solidFill>
+              </a:rPr>
+              <a:t>    •    “Driver Emotion Recognition for Intelligent Vehicles: A Survey” (2020)</a:t>
+            </a:r>
+          </a:p>
+          <a:p>
+            <a:pPr algn="ctr"/>
+            <a:r>
+              <a:rPr lang="en-US" sz="2000" dirty="0">
+                <a:solidFill>
+                  <a:schemeClr val="bg1"/>
+                </a:solidFill>
+              </a:rPr>
+              <a:t>Provides a comprehensive overview of emotion recognition techniques applied to drivers, discussing methodologies, challenges, and future applications in intelligent vehicles.</a:t>
+            </a:r>
+          </a:p>
+          <a:p>
+            <a:pPr algn="ctr"/>
+            <a:r>
+              <a:rPr lang="en-US" sz="2000" dirty="0">
+                <a:solidFill>
+                  <a:schemeClr val="bg1"/>
+                </a:solidFill>
+              </a:rPr>
+              <a:t>Source: MIT Media Lab</a:t>
+            </a:r>
+          </a:p>
+          <a:p>
+            <a:pPr algn="ctr"/>
+            <a:endParaRPr lang="en-US" sz="2000" dirty="0">
+              <a:solidFill>
+                <a:schemeClr val="bg1"/>
+              </a:solidFill>
+            </a:endParaRPr>
+          </a:p>
+          <a:p>
+            <a:pPr algn="ctr"/>
+            <a:r>
+              <a:rPr lang="en-US" sz="2000" dirty="0">
+                <a:solidFill>
+                  <a:schemeClr val="bg1"/>
+                </a:solidFill>
+              </a:rPr>
+              <a:t>    •    “Audiovisual Affect Recognition for Autonomous Vehicles: Applications, Challenges, and Opportunities” (2023)</a:t>
+            </a:r>
+          </a:p>
+          <a:p>
+            <a:pPr algn="ctr"/>
+            <a:r>
+              <a:rPr lang="en-US" sz="2000" dirty="0">
+                <a:solidFill>
+                  <a:schemeClr val="bg1"/>
+                </a:solidFill>
+              </a:rPr>
+              <a:t>Examines the use of audiovisual emotion recognition in autonomous vehicles, highlighting technical challenges and opportunities for improving human-machine interaction.</a:t>
+            </a:r>
+          </a:p>
+          <a:p>
+            <a:pPr algn="ctr"/>
+            <a:r>
+              <a:rPr lang="en-US" sz="2000" dirty="0">
+                <a:solidFill>
+                  <a:schemeClr val="bg1"/>
+                </a:solidFill>
+              </a:rPr>
+              <a:t>Source: IEEE Xplore</a:t>
+            </a:r>
+          </a:p>
+          <a:p>
+            <a:pPr algn="ctr"/>
+            <a:endParaRPr lang="en-US" sz="2000" dirty="0">
+              <a:solidFill>
+                <a:schemeClr val="bg1"/>
+              </a:solidFill>
+            </a:endParaRPr>
+          </a:p>
+          <a:p>
+            <a:pPr algn="ctr"/>
+            <a:r>
+              <a:rPr lang="en-US" sz="2000" dirty="0">
+                <a:solidFill>
+                  <a:schemeClr val="bg1"/>
+                </a:solidFill>
+              </a:rPr>
+              <a:t>    •    “Review and Perspectives on Human Emotion for Connected Automated Vehicles” (2023)</a:t>
+            </a:r>
+          </a:p>
+          <a:p>
+            <a:pPr algn="ctr"/>
+            <a:r>
+              <a:rPr lang="en-US" sz="2000" dirty="0">
+                <a:solidFill>
+                  <a:schemeClr val="bg1"/>
+                </a:solidFill>
+              </a:rPr>
+              <a:t>Discusses the importance of recognizing human emotions in connected automated vehicles, focusing on implications for passenger safety and experience.</a:t>
+            </a:r>
+          </a:p>
+          <a:p>
+            <a:pPr algn="ctr"/>
+            <a:r>
+              <a:rPr lang="en-US" sz="2000" dirty="0">
+                <a:solidFill>
+                  <a:schemeClr val="bg1"/>
+                </a:solidFill>
+              </a:rPr>
+              <a:t>Source: Springer Link</a:t>
+            </a:r>
+            <a:endParaRPr lang="it-IT" sz="2000" dirty="0">
+              <a:solidFill>
+                <a:schemeClr val="bg1"/>
+              </a:solidFill>
+            </a:endParaRPr>
+          </a:p>
+        </p:txBody>
+      </p:sp>
+      <p:sp>
+        <p:nvSpPr>
+          <p:cNvPr id="5" name="CasellaDiTesto 4">
+            <a:extLst>
+              <a:ext uri="{FF2B5EF4-FFF2-40B4-BE49-F238E27FC236}">
+                <a16:creationId xmlns:a16="http://schemas.microsoft.com/office/drawing/2014/main" id="{FBCECEC9-5943-619F-E37C-B71B8AEC26F0}"/>
+              </a:ext>
+            </a:extLst>
+          </p:cNvPr>
+          <p:cNvSpPr txBox="1"/>
+          <p:nvPr/>
+        </p:nvSpPr>
+        <p:spPr>
+          <a:xfrm>
+            <a:off x="0" y="1467003"/>
+            <a:ext cx="8433654" cy="400110"/>
+          </a:xfrm>
+          <a:prstGeom prst="rect">
+            <a:avLst/>
+          </a:prstGeom>
+          <a:noFill/>
+        </p:spPr>
+        <p:txBody>
+          <a:bodyPr wrap="square" rtlCol="0">
+            <a:spAutoFit/>
+          </a:bodyPr>
+          <a:lstStyle/>
+          <a:p>
+            <a:r>
+              <a:rPr lang="it-IT" sz="2000" b="1" dirty="0">
+                <a:solidFill>
+                  <a:srgbClr val="DA627D"/>
+                </a:solidFill>
+              </a:rPr>
+              <a:t>F</a:t>
+            </a:r>
+            <a:r>
+              <a:rPr lang="it-IT" sz="2000" dirty="0">
+                <a:solidFill>
+                  <a:schemeClr val="bg1"/>
+                </a:solidFill>
+              </a:rPr>
+              <a:t>ACIAL</a:t>
+            </a:r>
+            <a:r>
+              <a:rPr lang="it-IT" sz="2000" b="1" dirty="0">
+                <a:solidFill>
+                  <a:schemeClr val="bg1"/>
+                </a:solidFill>
+              </a:rPr>
+              <a:t> </a:t>
+            </a:r>
+            <a:r>
+              <a:rPr lang="it-IT" sz="2000" b="1" dirty="0">
+                <a:solidFill>
+                  <a:srgbClr val="DA627D"/>
+                </a:solidFill>
+              </a:rPr>
+              <a:t>E</a:t>
+            </a:r>
+            <a:r>
+              <a:rPr lang="it-IT" sz="2000" dirty="0">
+                <a:solidFill>
+                  <a:schemeClr val="bg1"/>
+                </a:solidFill>
+              </a:rPr>
+              <a:t>XPRESSION</a:t>
+            </a:r>
+            <a:r>
+              <a:rPr lang="it-IT" sz="2000" b="1" dirty="0">
+                <a:solidFill>
+                  <a:schemeClr val="bg1"/>
+                </a:solidFill>
+              </a:rPr>
+              <a:t> </a:t>
+            </a:r>
+            <a:r>
+              <a:rPr lang="it-IT" sz="2000" b="1" dirty="0">
+                <a:solidFill>
+                  <a:srgbClr val="DA627D"/>
+                </a:solidFill>
+              </a:rPr>
+              <a:t>R</a:t>
+            </a:r>
+            <a:r>
+              <a:rPr lang="it-IT" sz="2000" dirty="0">
+                <a:solidFill>
+                  <a:schemeClr val="bg1"/>
+                </a:solidFill>
+              </a:rPr>
+              <a:t>ECOGNITION IN </a:t>
+            </a:r>
+            <a:r>
+              <a:rPr lang="it-IT" sz="2000" b="1" dirty="0">
+                <a:solidFill>
+                  <a:schemeClr val="bg1"/>
+                </a:solidFill>
+              </a:rPr>
+              <a:t>AUTOMOTIVE</a:t>
+            </a:r>
+            <a:r>
+              <a:rPr lang="it-IT" sz="2000" dirty="0">
+                <a:solidFill>
+                  <a:schemeClr val="bg1"/>
+                </a:solidFill>
+              </a:rPr>
+              <a:t> CONTEXTS</a:t>
+            </a:r>
+            <a:endParaRPr lang="it-IT" sz="2000" b="1" dirty="0">
+              <a:solidFill>
+                <a:schemeClr val="bg1"/>
+              </a:solidFill>
+            </a:endParaRPr>
+          </a:p>
+        </p:txBody>
+      </p:sp>
+      <p:sp>
+        <p:nvSpPr>
+          <p:cNvPr id="7" name="CasellaDiTesto 6">
+            <a:extLst>
+              <a:ext uri="{FF2B5EF4-FFF2-40B4-BE49-F238E27FC236}">
+                <a16:creationId xmlns:a16="http://schemas.microsoft.com/office/drawing/2014/main" id="{088D1ABF-4917-8521-AF8B-735C332FF95B}"/>
+              </a:ext>
+            </a:extLst>
+          </p:cNvPr>
+          <p:cNvSpPr txBox="1"/>
+          <p:nvPr/>
+        </p:nvSpPr>
+        <p:spPr>
+          <a:xfrm>
+            <a:off x="-1378431" y="1230276"/>
+            <a:ext cx="8433654" cy="338554"/>
+          </a:xfrm>
+          <a:prstGeom prst="rect">
+            <a:avLst/>
+          </a:prstGeom>
+          <a:noFill/>
+        </p:spPr>
+        <p:txBody>
+          <a:bodyPr wrap="square" rtlCol="0">
+            <a:spAutoFit/>
+          </a:bodyPr>
+          <a:lstStyle/>
+          <a:p>
+            <a:pPr algn="ctr"/>
+            <a:r>
+              <a:rPr lang="en-US" sz="1600" dirty="0">
+                <a:solidFill>
+                  <a:schemeClr val="bg1"/>
+                </a:solidFill>
+              </a:rPr>
+              <a:t>ENHANCE PASSENGER </a:t>
+            </a:r>
+            <a:r>
+              <a:rPr lang="en-US" sz="1600" dirty="0">
+                <a:solidFill>
+                  <a:srgbClr val="DA627D"/>
+                </a:solidFill>
+              </a:rPr>
+              <a:t>SAFETY</a:t>
+            </a:r>
+            <a:r>
+              <a:rPr lang="en-US" sz="1600" dirty="0">
+                <a:solidFill>
+                  <a:schemeClr val="bg1"/>
+                </a:solidFill>
+              </a:rPr>
+              <a:t> AND </a:t>
+            </a:r>
+            <a:r>
+              <a:rPr lang="en-US" sz="1600" dirty="0">
+                <a:solidFill>
+                  <a:srgbClr val="DA627D"/>
+                </a:solidFill>
+              </a:rPr>
+              <a:t>EXPERIENCE</a:t>
+            </a:r>
+          </a:p>
+        </p:txBody>
+      </p:sp>
+    </p:spTree>
+    <p:extLst>
+      <p:ext uri="{BB962C8B-B14F-4D97-AF65-F5344CB8AC3E}">
+        <p14:creationId xmlns:p14="http://schemas.microsoft.com/office/powerpoint/2010/main" val="494394188"/>
+      </p:ext>
+    </p:extLst>
+  </p:cSld>
+  <p:clrMapOvr>
+    <a:masterClrMapping/>
+  </p:clrMapOvr>
+</p:sld>
+</file>
+
+<file path=ppt/slides/slide8.xml><?xml version="1.0" encoding="utf-8"?>
+<p:sld xmlns:a="http://schemas.openxmlformats.org/drawingml/2006/main" xmlns:r="http://schemas.openxmlformats.org/officeDocument/2006/relationships" xmlns:p="http://schemas.openxmlformats.org/presentationml/2006/main">
+  <p:cSld>
+    <p:bg>
+      <p:bgPr>
+        <a:solidFill>
+          <a:srgbClr val="0D0628"/>
+        </a:solidFill>
+        <a:effectLst/>
+      </p:bgPr>
+    </p:bg>
+    <p:spTree>
+      <p:nvGrpSpPr>
+        <p:cNvPr id="1" name="">
+          <a:extLst>
+            <a:ext uri="{FF2B5EF4-FFF2-40B4-BE49-F238E27FC236}">
+              <a16:creationId xmlns:a16="http://schemas.microsoft.com/office/drawing/2014/main" id="{41E20C3C-B83B-8B55-DEA2-59CE1ADA0983}"/>
+            </a:ext>
+          </a:extLst>
+        </p:cNvPr>
+        <p:cNvGrpSpPr/>
+        <p:nvPr/>
+      </p:nvGrpSpPr>
+      <p:grpSpPr>
+        <a:xfrm>
+          <a:off x="0" y="0"/>
+          <a:ext cx="0" cy="0"/>
+          <a:chOff x="0" y="0"/>
+          <a:chExt cx="0" cy="0"/>
+        </a:xfrm>
+      </p:grpSpPr>
+      <p:sp>
+        <p:nvSpPr>
+          <p:cNvPr id="6" name="CasellaDiTesto 5">
+            <a:extLst>
+              <a:ext uri="{FF2B5EF4-FFF2-40B4-BE49-F238E27FC236}">
+                <a16:creationId xmlns:a16="http://schemas.microsoft.com/office/drawing/2014/main" id="{2DFB9B7E-D127-C2D2-1804-B3ABC3E5AF7C}"/>
+              </a:ext>
+            </a:extLst>
+          </p:cNvPr>
+          <p:cNvSpPr txBox="1"/>
+          <p:nvPr/>
+        </p:nvSpPr>
+        <p:spPr>
+          <a:xfrm>
+            <a:off x="0" y="3724834"/>
+            <a:ext cx="2857362" cy="400110"/>
+          </a:xfrm>
+          <a:prstGeom prst="rect">
+            <a:avLst/>
+          </a:prstGeom>
+          <a:noFill/>
+        </p:spPr>
+        <p:txBody>
+          <a:bodyPr wrap="square" rtlCol="0">
+            <a:spAutoFit/>
+          </a:bodyPr>
+          <a:lstStyle/>
+          <a:p>
+            <a:pPr algn="ctr"/>
+            <a:r>
+              <a:rPr lang="it-IT" sz="2000" b="1" dirty="0">
+                <a:solidFill>
+                  <a:schemeClr val="bg1"/>
+                </a:solidFill>
+              </a:rPr>
+              <a:t>STATE</a:t>
+            </a:r>
+            <a:r>
+              <a:rPr lang="it-IT" sz="2000" dirty="0">
+                <a:solidFill>
+                  <a:schemeClr val="bg1"/>
+                </a:solidFill>
+              </a:rPr>
+              <a:t> OF THE </a:t>
+            </a:r>
+            <a:r>
+              <a:rPr lang="it-IT" sz="2000" b="1" dirty="0">
+                <a:solidFill>
+                  <a:schemeClr val="bg1"/>
+                </a:solidFill>
+              </a:rPr>
+              <a:t>ART</a:t>
+            </a:r>
+          </a:p>
+        </p:txBody>
+      </p:sp>
+      <p:grpSp>
+        <p:nvGrpSpPr>
+          <p:cNvPr id="15" name="Gruppo 14">
+            <a:extLst>
+              <a:ext uri="{FF2B5EF4-FFF2-40B4-BE49-F238E27FC236}">
+                <a16:creationId xmlns:a16="http://schemas.microsoft.com/office/drawing/2014/main" id="{DE5B6F9A-F00D-25B1-02CF-DE7BC2332298}"/>
+              </a:ext>
+            </a:extLst>
+          </p:cNvPr>
+          <p:cNvGrpSpPr/>
+          <p:nvPr/>
+        </p:nvGrpSpPr>
+        <p:grpSpPr>
+          <a:xfrm>
+            <a:off x="2957165" y="616934"/>
+            <a:ext cx="8433654" cy="713451"/>
+            <a:chOff x="2988439" y="623700"/>
+            <a:chExt cx="8433654" cy="713451"/>
+          </a:xfrm>
+        </p:grpSpPr>
+        <p:sp>
+          <p:nvSpPr>
+            <p:cNvPr id="5" name="CasellaDiTesto 4">
+              <a:extLst>
+                <a:ext uri="{FF2B5EF4-FFF2-40B4-BE49-F238E27FC236}">
+                  <a16:creationId xmlns:a16="http://schemas.microsoft.com/office/drawing/2014/main" id="{C337C7DC-AE64-7594-6293-13267732A227}"/>
+                </a:ext>
+              </a:extLst>
+            </p:cNvPr>
+            <p:cNvSpPr txBox="1"/>
+            <p:nvPr/>
+          </p:nvSpPr>
+          <p:spPr>
+            <a:xfrm>
+              <a:off x="2988439" y="623700"/>
+              <a:ext cx="8433654" cy="430887"/>
+            </a:xfrm>
+            <a:prstGeom prst="rect">
+              <a:avLst/>
+            </a:prstGeom>
+            <a:noFill/>
+          </p:spPr>
+          <p:txBody>
+            <a:bodyPr wrap="square" rtlCol="0">
+              <a:spAutoFit/>
+            </a:bodyPr>
+            <a:lstStyle/>
+            <a:p>
+              <a:r>
+                <a:rPr lang="it-IT" sz="2200" b="1" dirty="0">
+                  <a:solidFill>
+                    <a:srgbClr val="DA627D"/>
+                  </a:solidFill>
+                </a:rPr>
+                <a:t>F</a:t>
+              </a:r>
+              <a:r>
+                <a:rPr lang="it-IT" sz="2200" dirty="0">
+                  <a:solidFill>
+                    <a:schemeClr val="bg1"/>
+                  </a:solidFill>
+                </a:rPr>
+                <a:t>ACIAL</a:t>
+              </a:r>
+              <a:r>
+                <a:rPr lang="it-IT" sz="2200" b="1" dirty="0">
+                  <a:solidFill>
+                    <a:schemeClr val="bg1"/>
+                  </a:solidFill>
+                </a:rPr>
+                <a:t> </a:t>
+              </a:r>
+              <a:r>
+                <a:rPr lang="it-IT" sz="2200" b="1" dirty="0">
+                  <a:solidFill>
+                    <a:srgbClr val="DA627D"/>
+                  </a:solidFill>
+                </a:rPr>
+                <a:t>E</a:t>
+              </a:r>
+              <a:r>
+                <a:rPr lang="it-IT" sz="2200" dirty="0">
+                  <a:solidFill>
+                    <a:schemeClr val="bg1"/>
+                  </a:solidFill>
+                </a:rPr>
+                <a:t>XPRESSION</a:t>
+              </a:r>
+              <a:r>
+                <a:rPr lang="it-IT" sz="2200" b="1" dirty="0">
+                  <a:solidFill>
+                    <a:schemeClr val="bg1"/>
+                  </a:solidFill>
+                </a:rPr>
+                <a:t> </a:t>
+              </a:r>
+              <a:r>
+                <a:rPr lang="it-IT" sz="2200" b="1" dirty="0">
+                  <a:solidFill>
+                    <a:srgbClr val="DA627D"/>
+                  </a:solidFill>
+                </a:rPr>
+                <a:t>R</a:t>
+              </a:r>
+              <a:r>
+                <a:rPr lang="it-IT" sz="2200" dirty="0">
+                  <a:solidFill>
+                    <a:schemeClr val="bg1"/>
+                  </a:solidFill>
+                </a:rPr>
+                <a:t>ECOGNITION IN </a:t>
+              </a:r>
+              <a:r>
+                <a:rPr lang="it-IT" sz="2200" b="1" dirty="0">
+                  <a:solidFill>
+                    <a:schemeClr val="bg1"/>
+                  </a:solidFill>
+                </a:rPr>
+                <a:t>AUTOMOTIVE</a:t>
+              </a:r>
+              <a:r>
+                <a:rPr lang="it-IT" sz="2200" dirty="0">
+                  <a:solidFill>
+                    <a:schemeClr val="bg1"/>
+                  </a:solidFill>
+                </a:rPr>
+                <a:t> CONTEXTS</a:t>
+              </a:r>
+              <a:endParaRPr lang="it-IT" sz="2200" b="1" dirty="0">
+                <a:solidFill>
+                  <a:schemeClr val="bg1"/>
+                </a:solidFill>
+              </a:endParaRPr>
+            </a:p>
+          </p:txBody>
+        </p:sp>
+        <p:sp>
+          <p:nvSpPr>
+            <p:cNvPr id="7" name="CasellaDiTesto 6">
+              <a:extLst>
+                <a:ext uri="{FF2B5EF4-FFF2-40B4-BE49-F238E27FC236}">
+                  <a16:creationId xmlns:a16="http://schemas.microsoft.com/office/drawing/2014/main" id="{C504E3CC-DBAC-55C9-AA61-5456343B4BEF}"/>
+                </a:ext>
+              </a:extLst>
+            </p:cNvPr>
+            <p:cNvSpPr txBox="1"/>
+            <p:nvPr/>
+          </p:nvSpPr>
+          <p:spPr>
+            <a:xfrm>
+              <a:off x="2988439" y="998597"/>
+              <a:ext cx="6644505" cy="338554"/>
+            </a:xfrm>
+            <a:prstGeom prst="rect">
+              <a:avLst/>
+            </a:prstGeom>
+            <a:noFill/>
+          </p:spPr>
+          <p:txBody>
+            <a:bodyPr wrap="square" rtlCol="0">
+              <a:spAutoFit/>
+            </a:bodyPr>
+            <a:lstStyle/>
+            <a:p>
+              <a:r>
+                <a:rPr lang="en-US" sz="1600" dirty="0">
+                  <a:solidFill>
+                    <a:schemeClr val="bg1"/>
+                  </a:solidFill>
+                </a:rPr>
+                <a:t>ENHANCE PASSENGER </a:t>
+              </a:r>
+              <a:r>
+                <a:rPr lang="en-US" sz="1600" dirty="0">
+                  <a:solidFill>
+                    <a:srgbClr val="DA627D"/>
+                  </a:solidFill>
+                </a:rPr>
+                <a:t>SAFETY</a:t>
+              </a:r>
+              <a:r>
+                <a:rPr lang="en-US" sz="1600" dirty="0">
+                  <a:solidFill>
+                    <a:schemeClr val="bg1"/>
+                  </a:solidFill>
+                </a:rPr>
+                <a:t> AND </a:t>
+              </a:r>
+              <a:r>
+                <a:rPr lang="en-US" sz="1600" dirty="0">
+                  <a:solidFill>
+                    <a:srgbClr val="DA627D"/>
+                  </a:solidFill>
+                </a:rPr>
+                <a:t>EXPERIENCE</a:t>
+              </a:r>
+            </a:p>
+          </p:txBody>
+        </p:sp>
+      </p:grpSp>
+      <p:cxnSp>
+        <p:nvCxnSpPr>
+          <p:cNvPr id="2" name="Connettore diritto 1">
+            <a:extLst>
+              <a:ext uri="{FF2B5EF4-FFF2-40B4-BE49-F238E27FC236}">
+                <a16:creationId xmlns:a16="http://schemas.microsoft.com/office/drawing/2014/main" id="{F2A141EF-01AF-7B8E-A70B-1B47C6CA48A3}"/>
+              </a:ext>
+            </a:extLst>
+          </p:cNvPr>
+          <p:cNvCxnSpPr>
+            <a:cxnSpLocks/>
+          </p:cNvCxnSpPr>
+          <p:nvPr/>
+        </p:nvCxnSpPr>
+        <p:spPr>
+          <a:xfrm flipV="1">
+            <a:off x="2881880" y="2237117"/>
+            <a:ext cx="0" cy="3375544"/>
+          </a:xfrm>
+          <a:prstGeom prst="line">
+            <a:avLst/>
+          </a:prstGeom>
+          <a:ln w="28575">
+            <a:solidFill>
+              <a:srgbClr val="DA627D"/>
+            </a:solidFill>
+          </a:ln>
+        </p:spPr>
+        <p:style>
+          <a:lnRef idx="2">
+            <a:schemeClr val="accent1"/>
+          </a:lnRef>
+          <a:fillRef idx="0">
+            <a:schemeClr val="accent1"/>
+          </a:fillRef>
+          <a:effectRef idx="1">
+            <a:schemeClr val="accent1"/>
+          </a:effectRef>
+          <a:fontRef idx="minor">
+            <a:schemeClr val="tx1"/>
+          </a:fontRef>
+        </p:style>
+      </p:cxnSp>
+      <p:grpSp>
+        <p:nvGrpSpPr>
+          <p:cNvPr id="13" name="Gruppo 12">
+            <a:extLst>
+              <a:ext uri="{FF2B5EF4-FFF2-40B4-BE49-F238E27FC236}">
+                <a16:creationId xmlns:a16="http://schemas.microsoft.com/office/drawing/2014/main" id="{AA683BC4-4296-3C83-9A0E-9622F46124D9}"/>
+              </a:ext>
+            </a:extLst>
+          </p:cNvPr>
+          <p:cNvGrpSpPr/>
+          <p:nvPr/>
+        </p:nvGrpSpPr>
+        <p:grpSpPr>
+          <a:xfrm>
+            <a:off x="630735" y="454551"/>
+            <a:ext cx="1074562" cy="1074559"/>
+            <a:chOff x="1269146" y="1086770"/>
+            <a:chExt cx="1074562" cy="1074559"/>
+          </a:xfrm>
+        </p:grpSpPr>
+        <p:pic>
+          <p:nvPicPr>
+            <p:cNvPr id="20" name="Immagine 19" descr="Immagine che contiene simbolo, clipart, cerchio, Elementi grafici&#10;&#10;Descrizione generata automaticamente">
+              <a:extLst>
+                <a:ext uri="{FF2B5EF4-FFF2-40B4-BE49-F238E27FC236}">
+                  <a16:creationId xmlns:a16="http://schemas.microsoft.com/office/drawing/2014/main" id="{43B61E90-FFF9-00D0-7E40-0DEC0064707F}"/>
+                </a:ext>
+              </a:extLst>
+            </p:cNvPr>
+            <p:cNvPicPr>
+              <a:picLocks noChangeAspect="1"/>
+            </p:cNvPicPr>
+            <p:nvPr/>
+          </p:nvPicPr>
+          <p:blipFill>
+            <a:blip r:embed="rId3">
+              <a:extLst>
+                <a:ext uri="{28A0092B-C50C-407E-A947-70E740481C1C}">
+                  <a14:useLocalDpi xmlns:a14="http://schemas.microsoft.com/office/drawing/2010/main" val="0"/>
+                </a:ext>
+              </a:extLst>
+            </a:blip>
+            <a:stretch>
+              <a:fillRect/>
+            </a:stretch>
+          </p:blipFill>
+          <p:spPr>
+            <a:xfrm>
+              <a:off x="1406229" y="1223852"/>
+              <a:ext cx="800396" cy="800396"/>
+            </a:xfrm>
+            <a:prstGeom prst="rect">
+              <a:avLst/>
+            </a:prstGeom>
+          </p:spPr>
+        </p:pic>
+        <p:sp>
+          <p:nvSpPr>
+            <p:cNvPr id="11" name="Rettangolo con angoli arrotondati 10">
+              <a:extLst>
+                <a:ext uri="{FF2B5EF4-FFF2-40B4-BE49-F238E27FC236}">
+                  <a16:creationId xmlns:a16="http://schemas.microsoft.com/office/drawing/2014/main" id="{293A58C6-3A22-5DC6-339D-81044ED2B077}"/>
+                </a:ext>
+              </a:extLst>
+            </p:cNvPr>
+            <p:cNvSpPr/>
+            <p:nvPr/>
+          </p:nvSpPr>
+          <p:spPr>
+            <a:xfrm>
+              <a:off x="1269146" y="1086770"/>
+              <a:ext cx="1074562" cy="1074559"/>
+            </a:xfrm>
+            <a:prstGeom prst="roundRect">
+              <a:avLst>
+                <a:gd name="adj" fmla="val 7027"/>
+              </a:avLst>
+            </a:prstGeom>
+            <a:noFill/>
+            <a:ln w="28575">
+              <a:solidFill>
+                <a:srgbClr val="DA627D"/>
+              </a:solidFill>
+            </a:ln>
+          </p:spPr>
+          <p:style>
+            <a:lnRef idx="2">
+              <a:schemeClr val="accent1">
+                <a:shade val="15000"/>
+              </a:schemeClr>
+            </a:lnRef>
+            <a:fillRef idx="1">
+              <a:schemeClr val="accent1"/>
+            </a:fillRef>
+            <a:effectRef idx="0">
+              <a:schemeClr val="accent1"/>
+            </a:effectRef>
+            <a:fontRef idx="minor">
+              <a:schemeClr val="lt1"/>
+            </a:fontRef>
+          </p:style>
+          <p:txBody>
+            <a:bodyPr rtlCol="0" anchor="ctr"/>
+            <a:lstStyle/>
+            <a:p>
+              <a:pPr algn="ctr"/>
+              <a:endParaRPr lang="it-IT" dirty="0"/>
+            </a:p>
+          </p:txBody>
+        </p:sp>
+      </p:grpSp>
+      <p:sp>
+        <p:nvSpPr>
+          <p:cNvPr id="19" name="CasellaDiTesto 18">
+            <a:extLst>
+              <a:ext uri="{FF2B5EF4-FFF2-40B4-BE49-F238E27FC236}">
+                <a16:creationId xmlns:a16="http://schemas.microsoft.com/office/drawing/2014/main" id="{16FBB9EA-5C3C-CF5D-10D0-B0E19ACCF423}"/>
+              </a:ext>
+            </a:extLst>
+          </p:cNvPr>
+          <p:cNvSpPr txBox="1"/>
+          <p:nvPr/>
+        </p:nvSpPr>
+        <p:spPr>
+          <a:xfrm>
+            <a:off x="3429002" y="2585196"/>
+            <a:ext cx="7258044" cy="584775"/>
+          </a:xfrm>
+          <a:prstGeom prst="rect">
+            <a:avLst/>
+          </a:prstGeom>
+          <a:noFill/>
+        </p:spPr>
+        <p:txBody>
+          <a:bodyPr wrap="square" rtlCol="0">
+            <a:spAutoFit/>
+          </a:bodyPr>
+          <a:lstStyle/>
+          <a:p>
+            <a:pPr algn="just"/>
+            <a:r>
+              <a:rPr lang="en-US" sz="1600" dirty="0">
+                <a:solidFill>
+                  <a:schemeClr val="bg1"/>
+                </a:solidFill>
+              </a:rPr>
+              <a:t>Provides a comprehensive literature survey of work addressing the problem of </a:t>
+            </a:r>
+            <a:r>
+              <a:rPr lang="en-US" sz="1600" dirty="0">
+                <a:solidFill>
+                  <a:srgbClr val="DA627D"/>
+                </a:solidFill>
+              </a:rPr>
+              <a:t>human emotion recognition </a:t>
+            </a:r>
+            <a:r>
+              <a:rPr lang="en-US" sz="1600" dirty="0">
+                <a:solidFill>
+                  <a:schemeClr val="bg1"/>
+                </a:solidFill>
+              </a:rPr>
+              <a:t>in an </a:t>
+            </a:r>
+            <a:r>
+              <a:rPr lang="en-US" sz="1600" dirty="0">
+                <a:solidFill>
+                  <a:srgbClr val="DA627D"/>
+                </a:solidFill>
+              </a:rPr>
+              <a:t>automotive context</a:t>
+            </a:r>
+            <a:r>
+              <a:rPr lang="en-US" sz="1600" dirty="0">
+                <a:solidFill>
+                  <a:schemeClr val="bg1"/>
+                </a:solidFill>
+              </a:rPr>
+              <a:t>. </a:t>
+            </a:r>
+            <a:endParaRPr lang="en-US" sz="1600" dirty="0">
+              <a:solidFill>
+                <a:srgbClr val="DA627D"/>
+              </a:solidFill>
+            </a:endParaRPr>
+          </a:p>
+        </p:txBody>
+      </p:sp>
+      <p:sp>
+        <p:nvSpPr>
+          <p:cNvPr id="22" name="CasellaDiTesto 21">
+            <a:extLst>
+              <a:ext uri="{FF2B5EF4-FFF2-40B4-BE49-F238E27FC236}">
+                <a16:creationId xmlns:a16="http://schemas.microsoft.com/office/drawing/2014/main" id="{0B762E75-56A6-3497-7797-460DA206586E}"/>
+              </a:ext>
+            </a:extLst>
+          </p:cNvPr>
+          <p:cNvSpPr txBox="1"/>
+          <p:nvPr/>
+        </p:nvSpPr>
+        <p:spPr>
+          <a:xfrm>
+            <a:off x="2517777" y="3973343"/>
+            <a:ext cx="12063698" cy="3785652"/>
+          </a:xfrm>
+          <a:prstGeom prst="rect">
+            <a:avLst/>
+          </a:prstGeom>
+          <a:noFill/>
+        </p:spPr>
+        <p:txBody>
+          <a:bodyPr wrap="square" rtlCol="0">
+            <a:spAutoFit/>
+          </a:bodyPr>
+          <a:lstStyle/>
+          <a:p>
+            <a:pPr algn="ctr"/>
+            <a:endParaRPr lang="en-US" sz="2000" dirty="0">
+              <a:solidFill>
+                <a:schemeClr val="bg1"/>
+              </a:solidFill>
+            </a:endParaRPr>
+          </a:p>
+          <a:p>
+            <a:pPr algn="ctr"/>
+            <a:r>
+              <a:rPr lang="en-US" sz="2000" dirty="0">
+                <a:solidFill>
+                  <a:schemeClr val="bg1"/>
+                </a:solidFill>
+              </a:rPr>
+              <a:t>     </a:t>
+            </a:r>
+          </a:p>
+          <a:p>
+            <a:pPr algn="ctr"/>
+            <a:r>
+              <a:rPr lang="en-US" sz="2000" dirty="0">
+                <a:solidFill>
+                  <a:schemeClr val="bg1"/>
+                </a:solidFill>
+              </a:rPr>
+              <a:t>    •    “Audiovisual Affect Recognition for Autonomous Vehicles: Applications, Challenges, and Opportunities” (2023)</a:t>
+            </a:r>
+          </a:p>
+          <a:p>
+            <a:pPr algn="ctr"/>
+            <a:r>
+              <a:rPr lang="en-US" sz="2000" dirty="0">
+                <a:solidFill>
+                  <a:schemeClr val="bg1"/>
+                </a:solidFill>
+              </a:rPr>
+              <a:t>Examines the use of audiovisual emotion recognition in autonomous vehicles, highlighting technical challenges and opportunities for improving human-machine interaction.</a:t>
+            </a:r>
+          </a:p>
+          <a:p>
+            <a:pPr algn="ctr"/>
+            <a:r>
+              <a:rPr lang="en-US" sz="2000" dirty="0">
+                <a:solidFill>
+                  <a:schemeClr val="bg1"/>
+                </a:solidFill>
+              </a:rPr>
+              <a:t>Source: IEEE Xplore</a:t>
+            </a:r>
+          </a:p>
+          <a:p>
+            <a:pPr algn="ctr"/>
+            <a:endParaRPr lang="en-US" sz="2000" dirty="0">
+              <a:solidFill>
+                <a:schemeClr val="bg1"/>
+              </a:solidFill>
+            </a:endParaRPr>
+          </a:p>
+          <a:p>
+            <a:pPr algn="ctr"/>
+            <a:r>
+              <a:rPr lang="en-US" sz="2000" dirty="0">
+                <a:solidFill>
+                  <a:schemeClr val="bg1"/>
+                </a:solidFill>
+              </a:rPr>
+              <a:t>    •    “Review and Perspectives on Human Emotion for Connected Automated Vehicles” (2023)</a:t>
+            </a:r>
+          </a:p>
+          <a:p>
+            <a:pPr algn="ctr"/>
+            <a:r>
+              <a:rPr lang="en-US" sz="2000" dirty="0">
+                <a:solidFill>
+                  <a:schemeClr val="bg1"/>
+                </a:solidFill>
+              </a:rPr>
+              <a:t>Discusses the importance of recognizing human emotions in connected automated vehicles, focusing on implications for passenger safety and experience.</a:t>
+            </a:r>
+          </a:p>
+          <a:p>
+            <a:pPr algn="ctr"/>
+            <a:r>
+              <a:rPr lang="en-US" sz="2000" dirty="0">
+                <a:solidFill>
+                  <a:schemeClr val="bg1"/>
+                </a:solidFill>
+              </a:rPr>
+              <a:t>Source: Springer Link</a:t>
+            </a:r>
+            <a:endParaRPr lang="it-IT" sz="2000" dirty="0">
+              <a:solidFill>
+                <a:schemeClr val="bg1"/>
+              </a:solidFill>
+            </a:endParaRPr>
+          </a:p>
+        </p:txBody>
+      </p:sp>
+      <p:sp>
+        <p:nvSpPr>
+          <p:cNvPr id="23" name="CasellaDiTesto 22">
+            <a:extLst>
+              <a:ext uri="{FF2B5EF4-FFF2-40B4-BE49-F238E27FC236}">
+                <a16:creationId xmlns:a16="http://schemas.microsoft.com/office/drawing/2014/main" id="{3B959617-C577-4AD0-195D-43F8C5909695}"/>
+              </a:ext>
+            </a:extLst>
+          </p:cNvPr>
+          <p:cNvSpPr txBox="1"/>
+          <p:nvPr/>
+        </p:nvSpPr>
+        <p:spPr>
+          <a:xfrm>
+            <a:off x="3429002" y="2227675"/>
+            <a:ext cx="7967489" cy="338554"/>
+          </a:xfrm>
+          <a:prstGeom prst="rect">
+            <a:avLst/>
+          </a:prstGeom>
+          <a:noFill/>
+        </p:spPr>
+        <p:txBody>
+          <a:bodyPr wrap="square" rtlCol="0">
+            <a:spAutoFit/>
+          </a:bodyPr>
+          <a:lstStyle/>
+          <a:p>
+            <a:r>
+              <a:rPr lang="en-US" sz="1600" dirty="0">
+                <a:solidFill>
+                  <a:schemeClr val="bg1"/>
+                </a:solidFill>
+              </a:rPr>
+              <a:t>DRIVER EMOTION RECOGNITION FOR INTELLIGENT VEHICLES: A SURVEY (2020)  </a:t>
+            </a:r>
+            <a:endParaRPr lang="en-US" sz="1600" dirty="0">
+              <a:solidFill>
+                <a:srgbClr val="DA627D"/>
+              </a:solidFill>
+            </a:endParaRPr>
+          </a:p>
+        </p:txBody>
+      </p:sp>
+      <p:sp>
+        <p:nvSpPr>
+          <p:cNvPr id="25" name="CasellaDiTesto 24">
+            <a:extLst>
+              <a:ext uri="{FF2B5EF4-FFF2-40B4-BE49-F238E27FC236}">
+                <a16:creationId xmlns:a16="http://schemas.microsoft.com/office/drawing/2014/main" id="{2B828F57-783D-D48A-A93D-2D95940C6169}"/>
+              </a:ext>
+            </a:extLst>
+          </p:cNvPr>
+          <p:cNvSpPr txBox="1"/>
+          <p:nvPr/>
+        </p:nvSpPr>
+        <p:spPr>
+          <a:xfrm>
+            <a:off x="3037708" y="2204027"/>
+            <a:ext cx="543552" cy="338554"/>
+          </a:xfrm>
+          <a:prstGeom prst="rect">
+            <a:avLst/>
+          </a:prstGeom>
+          <a:noFill/>
+        </p:spPr>
+        <p:txBody>
+          <a:bodyPr wrap="square" rtlCol="0">
+            <a:spAutoFit/>
+          </a:bodyPr>
+          <a:lstStyle/>
+          <a:p>
+            <a:r>
+              <a:rPr lang="en-US" sz="1600" b="1" dirty="0">
+                <a:solidFill>
+                  <a:schemeClr val="bg1"/>
+                </a:solidFill>
+              </a:rPr>
+              <a:t>[1]</a:t>
+            </a:r>
+            <a:endParaRPr lang="en-US" sz="1600" dirty="0">
+              <a:solidFill>
+                <a:srgbClr val="DA627D"/>
+              </a:solidFill>
+            </a:endParaRPr>
+          </a:p>
+        </p:txBody>
+      </p:sp>
+    </p:spTree>
+    <p:extLst>
+      <p:ext uri="{BB962C8B-B14F-4D97-AF65-F5344CB8AC3E}">
+        <p14:creationId xmlns:p14="http://schemas.microsoft.com/office/powerpoint/2010/main" val="761584165"/>
+      </p:ext>
+    </p:extLst>
+  </p:cSld>
+  <p:clrMapOvr>
+    <a:masterClrMapping/>
+  </p:clrMapOvr>
+</p:sld>
+</file>
+
+<file path=ppt/slides/slide9.xml><?xml version="1.0" encoding="utf-8"?>
 <p:sld xmlns:a="http://schemas.openxmlformats.org/drawingml/2006/main" xmlns:r="http://schemas.openxmlformats.org/officeDocument/2006/relationships" xmlns:p="http://schemas.openxmlformats.org/presentationml/2006/main">
   <p:cSld>
     <p:bg>
@@ -5735,1877 +12639,6 @@
     <p:extLst>
       <p:ext uri="{BB962C8B-B14F-4D97-AF65-F5344CB8AC3E}">
         <p14:creationId xmlns:p14="http://schemas.microsoft.com/office/powerpoint/2010/main" val="2433820656"/>
-      </p:ext>
-    </p:extLst>
-  </p:cSld>
-  <p:clrMapOvr>
-    <a:masterClrMapping/>
-  </p:clrMapOvr>
-</p:sld>
-</file>
-
-<file path=ppt/slides/slide4.xml><?xml version="1.0" encoding="utf-8"?>
-<p:sld xmlns:a="http://schemas.openxmlformats.org/drawingml/2006/main" xmlns:r="http://schemas.openxmlformats.org/officeDocument/2006/relationships" xmlns:p="http://schemas.openxmlformats.org/presentationml/2006/main">
-  <p:cSld>
-    <p:bg>
-      <p:bgPr>
-        <a:solidFill>
-          <a:srgbClr val="0D0628"/>
-        </a:solidFill>
-        <a:effectLst/>
-      </p:bgPr>
-    </p:bg>
-    <p:spTree>
-      <p:nvGrpSpPr>
-        <p:cNvPr id="1" name="">
-          <a:extLst>
-            <a:ext uri="{FF2B5EF4-FFF2-40B4-BE49-F238E27FC236}">
-              <a16:creationId xmlns:a16="http://schemas.microsoft.com/office/drawing/2014/main" id="{535975BC-A631-1691-2CA8-C04B30B7CB9D}"/>
-            </a:ext>
-          </a:extLst>
-        </p:cNvPr>
-        <p:cNvGrpSpPr/>
-        <p:nvPr/>
-      </p:nvGrpSpPr>
-      <p:grpSpPr>
-        <a:xfrm>
-          <a:off x="0" y="0"/>
-          <a:ext cx="0" cy="0"/>
-          <a:chOff x="0" y="0"/>
-          <a:chExt cx="0" cy="0"/>
-        </a:xfrm>
-      </p:grpSpPr>
-      <p:sp>
-        <p:nvSpPr>
-          <p:cNvPr id="48" name="Rettangolo 47">
-            <a:extLst>
-              <a:ext uri="{FF2B5EF4-FFF2-40B4-BE49-F238E27FC236}">
-                <a16:creationId xmlns:a16="http://schemas.microsoft.com/office/drawing/2014/main" id="{43D3BB2B-1E64-2E85-0069-B77106BF5DCF}"/>
-              </a:ext>
-            </a:extLst>
-          </p:cNvPr>
-          <p:cNvSpPr/>
-          <p:nvPr/>
-        </p:nvSpPr>
-        <p:spPr>
-          <a:xfrm>
-            <a:off x="0" y="6170199"/>
-            <a:ext cx="12192000" cy="689110"/>
-          </a:xfrm>
-          <a:prstGeom prst="rect">
-            <a:avLst/>
-          </a:prstGeom>
-          <a:solidFill>
-            <a:srgbClr val="F9DBBD">
-              <a:alpha val="10000"/>
-            </a:srgbClr>
-          </a:solidFill>
-          <a:ln>
-            <a:noFill/>
-          </a:ln>
-        </p:spPr>
-        <p:style>
-          <a:lnRef idx="2">
-            <a:schemeClr val="accent1">
-              <a:shade val="15000"/>
-            </a:schemeClr>
-          </a:lnRef>
-          <a:fillRef idx="1">
-            <a:schemeClr val="accent1"/>
-          </a:fillRef>
-          <a:effectRef idx="0">
-            <a:schemeClr val="accent1"/>
-          </a:effectRef>
-          <a:fontRef idx="minor">
-            <a:schemeClr val="lt1"/>
-          </a:fontRef>
-        </p:style>
-        <p:txBody>
-          <a:bodyPr rtlCol="0" anchor="ctr"/>
-          <a:lstStyle/>
-          <a:p>
-            <a:pPr algn="ctr"/>
-            <a:endParaRPr lang="it-IT" dirty="0"/>
-          </a:p>
-        </p:txBody>
-      </p:sp>
-      <p:sp>
-        <p:nvSpPr>
-          <p:cNvPr id="47" name="Rettangolo 46">
-            <a:extLst>
-              <a:ext uri="{FF2B5EF4-FFF2-40B4-BE49-F238E27FC236}">
-                <a16:creationId xmlns:a16="http://schemas.microsoft.com/office/drawing/2014/main" id="{636EF5F6-9C44-5AF6-725E-6BE2B9612BD1}"/>
-              </a:ext>
-            </a:extLst>
-          </p:cNvPr>
-          <p:cNvSpPr/>
-          <p:nvPr/>
-        </p:nvSpPr>
-        <p:spPr>
-          <a:xfrm>
-            <a:off x="0" y="5479396"/>
-            <a:ext cx="12192000" cy="689110"/>
-          </a:xfrm>
-          <a:prstGeom prst="rect">
-            <a:avLst/>
-          </a:prstGeom>
-          <a:solidFill>
-            <a:srgbClr val="F9DBBD">
-              <a:alpha val="0"/>
-            </a:srgbClr>
-          </a:solidFill>
-          <a:ln>
-            <a:noFill/>
-          </a:ln>
-        </p:spPr>
-        <p:style>
-          <a:lnRef idx="2">
-            <a:schemeClr val="accent1">
-              <a:shade val="15000"/>
-            </a:schemeClr>
-          </a:lnRef>
-          <a:fillRef idx="1">
-            <a:schemeClr val="accent1"/>
-          </a:fillRef>
-          <a:effectRef idx="0">
-            <a:schemeClr val="accent1"/>
-          </a:effectRef>
-          <a:fontRef idx="minor">
-            <a:schemeClr val="lt1"/>
-          </a:fontRef>
-        </p:style>
-        <p:txBody>
-          <a:bodyPr rtlCol="0" anchor="ctr"/>
-          <a:lstStyle/>
-          <a:p>
-            <a:pPr algn="ctr"/>
-            <a:endParaRPr lang="it-IT" dirty="0"/>
-          </a:p>
-        </p:txBody>
-      </p:sp>
-      <p:sp>
-        <p:nvSpPr>
-          <p:cNvPr id="45" name="Rettangolo 44">
-            <a:extLst>
-              <a:ext uri="{FF2B5EF4-FFF2-40B4-BE49-F238E27FC236}">
-                <a16:creationId xmlns:a16="http://schemas.microsoft.com/office/drawing/2014/main" id="{8503C109-620D-5C31-3097-419704D6EE0E}"/>
-              </a:ext>
-            </a:extLst>
-          </p:cNvPr>
-          <p:cNvSpPr/>
-          <p:nvPr/>
-        </p:nvSpPr>
-        <p:spPr>
-          <a:xfrm>
-            <a:off x="-3" y="4090178"/>
-            <a:ext cx="12192000" cy="689110"/>
-          </a:xfrm>
-          <a:prstGeom prst="rect">
-            <a:avLst/>
-          </a:prstGeom>
-          <a:solidFill>
-            <a:srgbClr val="F9DBBD">
-              <a:alpha val="0"/>
-            </a:srgbClr>
-          </a:solidFill>
-          <a:ln>
-            <a:noFill/>
-          </a:ln>
-        </p:spPr>
-        <p:style>
-          <a:lnRef idx="2">
-            <a:schemeClr val="accent1">
-              <a:shade val="15000"/>
-            </a:schemeClr>
-          </a:lnRef>
-          <a:fillRef idx="1">
-            <a:schemeClr val="accent1"/>
-          </a:fillRef>
-          <a:effectRef idx="0">
-            <a:schemeClr val="accent1"/>
-          </a:effectRef>
-          <a:fontRef idx="minor">
-            <a:schemeClr val="lt1"/>
-          </a:fontRef>
-        </p:style>
-        <p:txBody>
-          <a:bodyPr rtlCol="0" anchor="ctr"/>
-          <a:lstStyle/>
-          <a:p>
-            <a:pPr algn="ctr"/>
-            <a:endParaRPr lang="it-IT" dirty="0"/>
-          </a:p>
-        </p:txBody>
-      </p:sp>
-      <p:sp>
-        <p:nvSpPr>
-          <p:cNvPr id="46" name="Rettangolo 45">
-            <a:extLst>
-              <a:ext uri="{FF2B5EF4-FFF2-40B4-BE49-F238E27FC236}">
-                <a16:creationId xmlns:a16="http://schemas.microsoft.com/office/drawing/2014/main" id="{ED5DBBC6-42AB-8C64-8C1C-08D2546B5C37}"/>
-              </a:ext>
-            </a:extLst>
-          </p:cNvPr>
-          <p:cNvSpPr/>
-          <p:nvPr/>
-        </p:nvSpPr>
-        <p:spPr>
-          <a:xfrm>
-            <a:off x="0" y="4784787"/>
-            <a:ext cx="12192000" cy="689110"/>
-          </a:xfrm>
-          <a:prstGeom prst="rect">
-            <a:avLst/>
-          </a:prstGeom>
-          <a:solidFill>
-            <a:srgbClr val="F9DBBD">
-              <a:alpha val="10000"/>
-            </a:srgbClr>
-          </a:solidFill>
-          <a:ln>
-            <a:noFill/>
-          </a:ln>
-        </p:spPr>
-        <p:style>
-          <a:lnRef idx="2">
-            <a:schemeClr val="accent1">
-              <a:shade val="15000"/>
-            </a:schemeClr>
-          </a:lnRef>
-          <a:fillRef idx="1">
-            <a:schemeClr val="accent1"/>
-          </a:fillRef>
-          <a:effectRef idx="0">
-            <a:schemeClr val="accent1"/>
-          </a:effectRef>
-          <a:fontRef idx="minor">
-            <a:schemeClr val="lt1"/>
-          </a:fontRef>
-        </p:style>
-        <p:txBody>
-          <a:bodyPr rtlCol="0" anchor="ctr"/>
-          <a:lstStyle/>
-          <a:p>
-            <a:pPr algn="ctr"/>
-            <a:endParaRPr lang="it-IT" dirty="0"/>
-          </a:p>
-        </p:txBody>
-      </p:sp>
-      <p:sp>
-        <p:nvSpPr>
-          <p:cNvPr id="39" name="Rettangolo 38">
-            <a:extLst>
-              <a:ext uri="{FF2B5EF4-FFF2-40B4-BE49-F238E27FC236}">
-                <a16:creationId xmlns:a16="http://schemas.microsoft.com/office/drawing/2014/main" id="{D1129CF4-75B5-365E-ACD2-B8BDE365AEB8}"/>
-              </a:ext>
-            </a:extLst>
-          </p:cNvPr>
-          <p:cNvSpPr/>
-          <p:nvPr/>
-        </p:nvSpPr>
-        <p:spPr>
-          <a:xfrm>
-            <a:off x="-3" y="2708301"/>
-            <a:ext cx="12192000" cy="689110"/>
-          </a:xfrm>
-          <a:prstGeom prst="rect">
-            <a:avLst/>
-          </a:prstGeom>
-          <a:solidFill>
-            <a:srgbClr val="F9DBBD">
-              <a:alpha val="0"/>
-            </a:srgbClr>
-          </a:solidFill>
-          <a:ln>
-            <a:noFill/>
-          </a:ln>
-        </p:spPr>
-        <p:style>
-          <a:lnRef idx="2">
-            <a:schemeClr val="accent1">
-              <a:shade val="15000"/>
-            </a:schemeClr>
-          </a:lnRef>
-          <a:fillRef idx="1">
-            <a:schemeClr val="accent1"/>
-          </a:fillRef>
-          <a:effectRef idx="0">
-            <a:schemeClr val="accent1"/>
-          </a:effectRef>
-          <a:fontRef idx="minor">
-            <a:schemeClr val="lt1"/>
-          </a:fontRef>
-        </p:style>
-        <p:txBody>
-          <a:bodyPr rtlCol="0" anchor="ctr"/>
-          <a:lstStyle/>
-          <a:p>
-            <a:pPr algn="ctr"/>
-            <a:endParaRPr lang="it-IT" dirty="0"/>
-          </a:p>
-        </p:txBody>
-      </p:sp>
-      <p:sp>
-        <p:nvSpPr>
-          <p:cNvPr id="40" name="Rettangolo 39">
-            <a:extLst>
-              <a:ext uri="{FF2B5EF4-FFF2-40B4-BE49-F238E27FC236}">
-                <a16:creationId xmlns:a16="http://schemas.microsoft.com/office/drawing/2014/main" id="{C2B4D2C7-B7A1-0214-3341-65C525A94037}"/>
-              </a:ext>
-            </a:extLst>
-          </p:cNvPr>
-          <p:cNvSpPr/>
-          <p:nvPr/>
-        </p:nvSpPr>
-        <p:spPr>
-          <a:xfrm>
-            <a:off x="0" y="3395569"/>
-            <a:ext cx="12192000" cy="689110"/>
-          </a:xfrm>
-          <a:prstGeom prst="rect">
-            <a:avLst/>
-          </a:prstGeom>
-          <a:solidFill>
-            <a:srgbClr val="F9DBBD">
-              <a:alpha val="10000"/>
-            </a:srgbClr>
-          </a:solidFill>
-          <a:ln>
-            <a:noFill/>
-          </a:ln>
-        </p:spPr>
-        <p:style>
-          <a:lnRef idx="2">
-            <a:schemeClr val="accent1">
-              <a:shade val="15000"/>
-            </a:schemeClr>
-          </a:lnRef>
-          <a:fillRef idx="1">
-            <a:schemeClr val="accent1"/>
-          </a:fillRef>
-          <a:effectRef idx="0">
-            <a:schemeClr val="accent1"/>
-          </a:effectRef>
-          <a:fontRef idx="minor">
-            <a:schemeClr val="lt1"/>
-          </a:fontRef>
-        </p:style>
-        <p:txBody>
-          <a:bodyPr rtlCol="0" anchor="ctr"/>
-          <a:lstStyle/>
-          <a:p>
-            <a:pPr algn="ctr"/>
-            <a:endParaRPr lang="it-IT" dirty="0"/>
-          </a:p>
-        </p:txBody>
-      </p:sp>
-      <p:sp>
-        <p:nvSpPr>
-          <p:cNvPr id="30" name="Rettangolo 29">
-            <a:extLst>
-              <a:ext uri="{FF2B5EF4-FFF2-40B4-BE49-F238E27FC236}">
-                <a16:creationId xmlns:a16="http://schemas.microsoft.com/office/drawing/2014/main" id="{06B840FA-656E-1164-CD30-0D67FD79C84A}"/>
-              </a:ext>
-            </a:extLst>
-          </p:cNvPr>
-          <p:cNvSpPr/>
-          <p:nvPr/>
-        </p:nvSpPr>
-        <p:spPr>
-          <a:xfrm>
-            <a:off x="1" y="2021872"/>
-            <a:ext cx="12192000" cy="689110"/>
-          </a:xfrm>
-          <a:prstGeom prst="rect">
-            <a:avLst/>
-          </a:prstGeom>
-          <a:solidFill>
-            <a:srgbClr val="F9DBBD">
-              <a:alpha val="10000"/>
-            </a:srgbClr>
-          </a:solidFill>
-          <a:ln>
-            <a:noFill/>
-          </a:ln>
-        </p:spPr>
-        <p:style>
-          <a:lnRef idx="2">
-            <a:schemeClr val="accent1">
-              <a:shade val="15000"/>
-            </a:schemeClr>
-          </a:lnRef>
-          <a:fillRef idx="1">
-            <a:schemeClr val="accent1"/>
-          </a:fillRef>
-          <a:effectRef idx="0">
-            <a:schemeClr val="accent1"/>
-          </a:effectRef>
-          <a:fontRef idx="minor">
-            <a:schemeClr val="lt1"/>
-          </a:fontRef>
-        </p:style>
-        <p:txBody>
-          <a:bodyPr rtlCol="0" anchor="ctr"/>
-          <a:lstStyle/>
-          <a:p>
-            <a:pPr algn="ctr"/>
-            <a:endParaRPr lang="it-IT" dirty="0"/>
-          </a:p>
-        </p:txBody>
-      </p:sp>
-      <p:sp>
-        <p:nvSpPr>
-          <p:cNvPr id="6" name="CasellaDiTesto 5">
-            <a:extLst>
-              <a:ext uri="{FF2B5EF4-FFF2-40B4-BE49-F238E27FC236}">
-                <a16:creationId xmlns:a16="http://schemas.microsoft.com/office/drawing/2014/main" id="{EA896EDA-51A1-B756-5E7D-75C70D2593EC}"/>
-              </a:ext>
-            </a:extLst>
-          </p:cNvPr>
-          <p:cNvSpPr txBox="1"/>
-          <p:nvPr/>
-        </p:nvSpPr>
-        <p:spPr>
-          <a:xfrm>
-            <a:off x="-1014706" y="415389"/>
-            <a:ext cx="5521087" cy="400110"/>
-          </a:xfrm>
-          <a:prstGeom prst="rect">
-            <a:avLst/>
-          </a:prstGeom>
-          <a:noFill/>
-        </p:spPr>
-        <p:txBody>
-          <a:bodyPr wrap="square" rtlCol="0">
-            <a:spAutoFit/>
-          </a:bodyPr>
-          <a:lstStyle/>
-          <a:p>
-            <a:pPr algn="ctr"/>
-            <a:r>
-              <a:rPr lang="it-IT" sz="2000" dirty="0">
-                <a:solidFill>
-                  <a:schemeClr val="bg1"/>
-                </a:solidFill>
-              </a:rPr>
-              <a:t>SOLUTIONS </a:t>
-            </a:r>
-            <a:r>
-              <a:rPr lang="it-IT" sz="2000" b="1" dirty="0">
-                <a:solidFill>
-                  <a:schemeClr val="bg1"/>
-                </a:solidFill>
-              </a:rPr>
-              <a:t>COMPARISON</a:t>
-            </a:r>
-          </a:p>
-        </p:txBody>
-      </p:sp>
-      <p:cxnSp>
-        <p:nvCxnSpPr>
-          <p:cNvPr id="3" name="Connettore diritto 2">
-            <a:extLst>
-              <a:ext uri="{FF2B5EF4-FFF2-40B4-BE49-F238E27FC236}">
-                <a16:creationId xmlns:a16="http://schemas.microsoft.com/office/drawing/2014/main" id="{9ADAAF83-20D1-1405-AE89-6623DF2CCA6B}"/>
-              </a:ext>
-            </a:extLst>
-          </p:cNvPr>
-          <p:cNvCxnSpPr>
-            <a:cxnSpLocks/>
-          </p:cNvCxnSpPr>
-          <p:nvPr/>
-        </p:nvCxnSpPr>
-        <p:spPr>
-          <a:xfrm>
-            <a:off x="-3" y="815499"/>
-            <a:ext cx="3232153" cy="0"/>
-          </a:xfrm>
-          <a:prstGeom prst="line">
-            <a:avLst/>
-          </a:prstGeom>
-          <a:ln w="28575">
-            <a:solidFill>
-              <a:srgbClr val="DA627D"/>
-            </a:solidFill>
-          </a:ln>
-        </p:spPr>
-        <p:style>
-          <a:lnRef idx="2">
-            <a:schemeClr val="accent1"/>
-          </a:lnRef>
-          <a:fillRef idx="0">
-            <a:schemeClr val="accent1"/>
-          </a:fillRef>
-          <a:effectRef idx="1">
-            <a:schemeClr val="accent1"/>
-          </a:effectRef>
-          <a:fontRef idx="minor">
-            <a:schemeClr val="tx1"/>
-          </a:fontRef>
-        </p:style>
-      </p:cxnSp>
-      <p:cxnSp>
-        <p:nvCxnSpPr>
-          <p:cNvPr id="29" name="Connettore diritto 28">
-            <a:extLst>
-              <a:ext uri="{FF2B5EF4-FFF2-40B4-BE49-F238E27FC236}">
-                <a16:creationId xmlns:a16="http://schemas.microsoft.com/office/drawing/2014/main" id="{7FA29911-C7F9-7545-6146-84774E04DF2C}"/>
-              </a:ext>
-            </a:extLst>
-          </p:cNvPr>
-          <p:cNvCxnSpPr>
-            <a:cxnSpLocks/>
-          </p:cNvCxnSpPr>
-          <p:nvPr/>
-        </p:nvCxnSpPr>
-        <p:spPr>
-          <a:xfrm flipV="1">
-            <a:off x="4980136" y="1409637"/>
-            <a:ext cx="0" cy="5448363"/>
-          </a:xfrm>
-          <a:prstGeom prst="line">
-            <a:avLst/>
-          </a:prstGeom>
-          <a:ln w="28575">
-            <a:solidFill>
-              <a:schemeClr val="bg1"/>
-            </a:solidFill>
-          </a:ln>
-        </p:spPr>
-        <p:style>
-          <a:lnRef idx="2">
-            <a:schemeClr val="accent1"/>
-          </a:lnRef>
-          <a:fillRef idx="0">
-            <a:schemeClr val="accent1"/>
-          </a:fillRef>
-          <a:effectRef idx="1">
-            <a:schemeClr val="accent1"/>
-          </a:effectRef>
-          <a:fontRef idx="minor">
-            <a:schemeClr val="tx1"/>
-          </a:fontRef>
-        </p:style>
-      </p:cxnSp>
-      <p:cxnSp>
-        <p:nvCxnSpPr>
-          <p:cNvPr id="33" name="Connettore diritto 32">
-            <a:extLst>
-              <a:ext uri="{FF2B5EF4-FFF2-40B4-BE49-F238E27FC236}">
-                <a16:creationId xmlns:a16="http://schemas.microsoft.com/office/drawing/2014/main" id="{A60FF17C-35EE-5BA3-E854-61A7EFC3FE40}"/>
-              </a:ext>
-            </a:extLst>
-          </p:cNvPr>
-          <p:cNvCxnSpPr>
-            <a:cxnSpLocks/>
-          </p:cNvCxnSpPr>
-          <p:nvPr/>
-        </p:nvCxnSpPr>
-        <p:spPr>
-          <a:xfrm flipV="1">
-            <a:off x="7384090" y="1409637"/>
-            <a:ext cx="0" cy="5448363"/>
-          </a:xfrm>
-          <a:prstGeom prst="line">
-            <a:avLst/>
-          </a:prstGeom>
-          <a:ln w="28575">
-            <a:solidFill>
-              <a:schemeClr val="bg1"/>
-            </a:solidFill>
-          </a:ln>
-        </p:spPr>
-        <p:style>
-          <a:lnRef idx="2">
-            <a:schemeClr val="accent1"/>
-          </a:lnRef>
-          <a:fillRef idx="0">
-            <a:schemeClr val="accent1"/>
-          </a:fillRef>
-          <a:effectRef idx="1">
-            <a:schemeClr val="accent1"/>
-          </a:effectRef>
-          <a:fontRef idx="minor">
-            <a:schemeClr val="tx1"/>
-          </a:fontRef>
-        </p:style>
-      </p:cxnSp>
-      <p:cxnSp>
-        <p:nvCxnSpPr>
-          <p:cNvPr id="34" name="Connettore diritto 33">
-            <a:extLst>
-              <a:ext uri="{FF2B5EF4-FFF2-40B4-BE49-F238E27FC236}">
-                <a16:creationId xmlns:a16="http://schemas.microsoft.com/office/drawing/2014/main" id="{A1DDC49A-6A1B-DD9F-6E8E-3DA95431EE6C}"/>
-              </a:ext>
-            </a:extLst>
-          </p:cNvPr>
-          <p:cNvCxnSpPr>
-            <a:cxnSpLocks/>
-          </p:cNvCxnSpPr>
-          <p:nvPr/>
-        </p:nvCxnSpPr>
-        <p:spPr>
-          <a:xfrm flipV="1">
-            <a:off x="9788044" y="1409637"/>
-            <a:ext cx="0" cy="5448363"/>
-          </a:xfrm>
-          <a:prstGeom prst="line">
-            <a:avLst/>
-          </a:prstGeom>
-          <a:ln w="28575">
-            <a:solidFill>
-              <a:schemeClr val="bg1"/>
-            </a:solidFill>
-          </a:ln>
-        </p:spPr>
-        <p:style>
-          <a:lnRef idx="2">
-            <a:schemeClr val="accent1"/>
-          </a:lnRef>
-          <a:fillRef idx="0">
-            <a:schemeClr val="accent1"/>
-          </a:fillRef>
-          <a:effectRef idx="1">
-            <a:schemeClr val="accent1"/>
-          </a:effectRef>
-          <a:fontRef idx="minor">
-            <a:schemeClr val="tx1"/>
-          </a:fontRef>
-        </p:style>
-      </p:cxnSp>
-      <p:sp>
-        <p:nvSpPr>
-          <p:cNvPr id="35" name="CasellaDiTesto 34">
-            <a:extLst>
-              <a:ext uri="{FF2B5EF4-FFF2-40B4-BE49-F238E27FC236}">
-                <a16:creationId xmlns:a16="http://schemas.microsoft.com/office/drawing/2014/main" id="{60E45144-F9E6-F09E-BA97-D1DEB3778FD3}"/>
-              </a:ext>
-            </a:extLst>
-          </p:cNvPr>
-          <p:cNvSpPr txBox="1"/>
-          <p:nvPr/>
-        </p:nvSpPr>
-        <p:spPr>
-          <a:xfrm>
-            <a:off x="4980137" y="1373010"/>
-            <a:ext cx="2403951" cy="400110"/>
-          </a:xfrm>
-          <a:prstGeom prst="rect">
-            <a:avLst/>
-          </a:prstGeom>
-          <a:noFill/>
-        </p:spPr>
-        <p:txBody>
-          <a:bodyPr wrap="square" rtlCol="0">
-            <a:spAutoFit/>
-          </a:bodyPr>
-          <a:lstStyle/>
-          <a:p>
-            <a:pPr algn="ctr"/>
-            <a:r>
-              <a:rPr lang="it-IT" sz="2000" b="1" dirty="0" err="1">
-                <a:solidFill>
-                  <a:srgbClr val="DA627D"/>
-                </a:solidFill>
-              </a:rPr>
-              <a:t>Mood</a:t>
-            </a:r>
-            <a:r>
-              <a:rPr lang="it-IT" sz="2000" b="1" dirty="0" err="1">
-                <a:solidFill>
-                  <a:schemeClr val="bg1"/>
-                </a:solidFill>
-              </a:rPr>
-              <a:t>Pilot</a:t>
-            </a:r>
-            <a:endParaRPr lang="it-IT" sz="2000" b="1" dirty="0">
-              <a:solidFill>
-                <a:schemeClr val="bg1"/>
-              </a:solidFill>
-            </a:endParaRPr>
-          </a:p>
-        </p:txBody>
-      </p:sp>
-      <p:pic>
-        <p:nvPicPr>
-          <p:cNvPr id="42" name="Immagine 41" descr="Immagine che contiene clipart, Elementi grafici, simbolo, logo&#10;&#10;Descrizione generata automaticamente">
-            <a:extLst>
-              <a:ext uri="{FF2B5EF4-FFF2-40B4-BE49-F238E27FC236}">
-                <a16:creationId xmlns:a16="http://schemas.microsoft.com/office/drawing/2014/main" id="{D27E52F5-4DA9-0D8E-0A5C-D90AE95BD596}"/>
-              </a:ext>
-            </a:extLst>
-          </p:cNvPr>
-          <p:cNvPicPr>
-            <a:picLocks noChangeAspect="1"/>
-          </p:cNvPicPr>
-          <p:nvPr/>
-        </p:nvPicPr>
-        <p:blipFill>
-          <a:blip r:embed="rId3">
-            <a:extLst>
-              <a:ext uri="{28A0092B-C50C-407E-A947-70E740481C1C}">
-                <a14:useLocalDpi xmlns:a14="http://schemas.microsoft.com/office/drawing/2010/main" val="0"/>
-              </a:ext>
-            </a:extLst>
-          </a:blip>
-          <a:stretch>
-            <a:fillRect/>
-          </a:stretch>
-        </p:blipFill>
-        <p:spPr>
-          <a:xfrm>
-            <a:off x="5933207" y="2115763"/>
-            <a:ext cx="497809" cy="497809"/>
-          </a:xfrm>
-          <a:prstGeom prst="rect">
-            <a:avLst/>
-          </a:prstGeom>
-        </p:spPr>
-      </p:pic>
-      <p:sp>
-        <p:nvSpPr>
-          <p:cNvPr id="44" name="CasellaDiTesto 43">
-            <a:extLst>
-              <a:ext uri="{FF2B5EF4-FFF2-40B4-BE49-F238E27FC236}">
-                <a16:creationId xmlns:a16="http://schemas.microsoft.com/office/drawing/2014/main" id="{130CD93E-DFCA-F76A-E73F-8A231997DE6F}"/>
-              </a:ext>
-            </a:extLst>
-          </p:cNvPr>
-          <p:cNvSpPr txBox="1"/>
-          <p:nvPr/>
-        </p:nvSpPr>
-        <p:spPr>
-          <a:xfrm>
-            <a:off x="433464" y="6330088"/>
-            <a:ext cx="4142959" cy="369332"/>
-          </a:xfrm>
-          <a:prstGeom prst="rect">
-            <a:avLst/>
-          </a:prstGeom>
-          <a:noFill/>
-        </p:spPr>
-        <p:txBody>
-          <a:bodyPr wrap="square" rtlCol="0">
-            <a:spAutoFit/>
-          </a:bodyPr>
-          <a:lstStyle/>
-          <a:p>
-            <a:r>
-              <a:rPr lang="it-IT" dirty="0">
-                <a:solidFill>
-                  <a:schemeClr val="bg1"/>
-                </a:solidFill>
-              </a:rPr>
-              <a:t>7. </a:t>
-            </a:r>
-            <a:r>
-              <a:rPr lang="it-IT" b="1" dirty="0">
-                <a:solidFill>
-                  <a:schemeClr val="bg1"/>
-                </a:solidFill>
-              </a:rPr>
-              <a:t>PRIVACY</a:t>
-            </a:r>
-            <a:r>
-              <a:rPr lang="it-IT" dirty="0">
-                <a:solidFill>
-                  <a:schemeClr val="bg1"/>
-                </a:solidFill>
-              </a:rPr>
-              <a:t> AND </a:t>
-            </a:r>
-            <a:r>
-              <a:rPr lang="it-IT" b="1" dirty="0">
-                <a:solidFill>
-                  <a:schemeClr val="bg1"/>
-                </a:solidFill>
-              </a:rPr>
-              <a:t>CONSENT</a:t>
-            </a:r>
-          </a:p>
-        </p:txBody>
-      </p:sp>
-      <p:grpSp>
-        <p:nvGrpSpPr>
-          <p:cNvPr id="4" name="Gruppo 3">
-            <a:extLst>
-              <a:ext uri="{FF2B5EF4-FFF2-40B4-BE49-F238E27FC236}">
-                <a16:creationId xmlns:a16="http://schemas.microsoft.com/office/drawing/2014/main" id="{2B7FDE81-4B2A-AEA8-C602-A6637CCCABA6}"/>
-              </a:ext>
-            </a:extLst>
-          </p:cNvPr>
-          <p:cNvGrpSpPr/>
-          <p:nvPr/>
-        </p:nvGrpSpPr>
-        <p:grpSpPr>
-          <a:xfrm>
-            <a:off x="10593136" y="1005534"/>
-            <a:ext cx="793759" cy="793759"/>
-            <a:chOff x="8691472" y="581668"/>
-            <a:chExt cx="1059700" cy="1059700"/>
-          </a:xfrm>
-        </p:grpSpPr>
-        <p:sp>
-          <p:nvSpPr>
-            <p:cNvPr id="2" name="Ovale 1">
-              <a:extLst>
-                <a:ext uri="{FF2B5EF4-FFF2-40B4-BE49-F238E27FC236}">
-                  <a16:creationId xmlns:a16="http://schemas.microsoft.com/office/drawing/2014/main" id="{B01E5624-22B0-05FA-A2A7-841759110EFB}"/>
-                </a:ext>
-              </a:extLst>
-            </p:cNvPr>
-            <p:cNvSpPr/>
-            <p:nvPr/>
-          </p:nvSpPr>
-          <p:spPr>
-            <a:xfrm>
-              <a:off x="8691472" y="581668"/>
-              <a:ext cx="1059700" cy="1059700"/>
-            </a:xfrm>
-            <a:prstGeom prst="ellipse">
-              <a:avLst/>
-            </a:prstGeom>
-            <a:solidFill>
-              <a:srgbClr val="DA627D"/>
-            </a:solidFill>
-            <a:ln>
-              <a:noFill/>
-            </a:ln>
-          </p:spPr>
-          <p:style>
-            <a:lnRef idx="2">
-              <a:schemeClr val="accent1">
-                <a:shade val="15000"/>
-              </a:schemeClr>
-            </a:lnRef>
-            <a:fillRef idx="1">
-              <a:schemeClr val="accent1"/>
-            </a:fillRef>
-            <a:effectRef idx="0">
-              <a:schemeClr val="accent1"/>
-            </a:effectRef>
-            <a:fontRef idx="minor">
-              <a:schemeClr val="lt1"/>
-            </a:fontRef>
-          </p:style>
-          <p:txBody>
-            <a:bodyPr rtlCol="0" anchor="ctr"/>
-            <a:lstStyle/>
-            <a:p>
-              <a:pPr algn="ctr"/>
-              <a:endParaRPr lang="it-IT"/>
-            </a:p>
-          </p:txBody>
-        </p:sp>
-        <p:pic>
-          <p:nvPicPr>
-            <p:cNvPr id="1028" name="Picture 4" descr="Uber logo PNG Images Free Download">
-              <a:extLst>
-                <a:ext uri="{FF2B5EF4-FFF2-40B4-BE49-F238E27FC236}">
-                  <a16:creationId xmlns:a16="http://schemas.microsoft.com/office/drawing/2014/main" id="{DB5D871F-7A80-6D66-25F3-BA9079125089}"/>
-                </a:ext>
-              </a:extLst>
-            </p:cNvPr>
-            <p:cNvPicPr>
-              <a:picLocks noChangeAspect="1" noChangeArrowheads="1"/>
-            </p:cNvPicPr>
-            <p:nvPr/>
-          </p:nvPicPr>
-          <p:blipFill>
-            <a:blip r:embed="rId4">
-              <a:extLst>
-                <a:ext uri="{28A0092B-C50C-407E-A947-70E740481C1C}">
-                  <a14:useLocalDpi xmlns:a14="http://schemas.microsoft.com/office/drawing/2010/main" val="0"/>
-                </a:ext>
-              </a:extLst>
-            </a:blip>
-            <a:srcRect/>
-            <a:stretch>
-              <a:fillRect/>
-            </a:stretch>
-          </p:blipFill>
-          <p:spPr bwMode="auto">
-            <a:xfrm>
-              <a:off x="8760279" y="650475"/>
-              <a:ext cx="922086" cy="922086"/>
-            </a:xfrm>
-            <a:prstGeom prst="rect">
-              <a:avLst/>
-            </a:prstGeom>
-            <a:noFill/>
-            <a:extLst>
-              <a:ext uri="{909E8E84-426E-40DD-AFC4-6F175D3DCCD1}">
-                <a14:hiddenFill xmlns:a14="http://schemas.microsoft.com/office/drawing/2010/main">
-                  <a:solidFill>
-                    <a:srgbClr val="FFFFFF"/>
-                  </a:solidFill>
-                </a14:hiddenFill>
-              </a:ext>
-            </a:extLst>
-          </p:spPr>
-        </p:pic>
-      </p:grpSp>
-      <p:sp>
-        <p:nvSpPr>
-          <p:cNvPr id="9" name="CasellaDiTesto 8">
-            <a:extLst>
-              <a:ext uri="{FF2B5EF4-FFF2-40B4-BE49-F238E27FC236}">
-                <a16:creationId xmlns:a16="http://schemas.microsoft.com/office/drawing/2014/main" id="{E6E0C682-1B8B-D067-188B-AD9191852F2D}"/>
-              </a:ext>
-            </a:extLst>
-          </p:cNvPr>
-          <p:cNvSpPr txBox="1"/>
-          <p:nvPr/>
-        </p:nvSpPr>
-        <p:spPr>
-          <a:xfrm>
-            <a:off x="433466" y="2181418"/>
-            <a:ext cx="4601765" cy="369332"/>
-          </a:xfrm>
-          <a:prstGeom prst="rect">
-            <a:avLst/>
-          </a:prstGeom>
-          <a:noFill/>
-        </p:spPr>
-        <p:txBody>
-          <a:bodyPr wrap="square" rtlCol="0">
-            <a:spAutoFit/>
-          </a:bodyPr>
-          <a:lstStyle/>
-          <a:p>
-            <a:r>
-              <a:rPr lang="en-US" dirty="0">
-                <a:solidFill>
-                  <a:schemeClr val="bg1"/>
-                </a:solidFill>
-              </a:rPr>
-              <a:t>1. PASSENGER </a:t>
-            </a:r>
-            <a:r>
-              <a:rPr lang="en-US" b="1" dirty="0">
-                <a:solidFill>
-                  <a:schemeClr val="bg1"/>
-                </a:solidFill>
-              </a:rPr>
-              <a:t>COMFORT</a:t>
-            </a:r>
-            <a:r>
-              <a:rPr lang="en-US" dirty="0">
-                <a:solidFill>
-                  <a:schemeClr val="bg1"/>
-                </a:solidFill>
-              </a:rPr>
-              <a:t> ASSESSMENT</a:t>
-            </a:r>
-            <a:endParaRPr lang="it-IT" sz="2000" dirty="0">
-              <a:solidFill>
-                <a:schemeClr val="bg1"/>
-              </a:solidFill>
-            </a:endParaRPr>
-          </a:p>
-        </p:txBody>
-      </p:sp>
-      <p:sp>
-        <p:nvSpPr>
-          <p:cNvPr id="10" name="CasellaDiTesto 9">
-            <a:extLst>
-              <a:ext uri="{FF2B5EF4-FFF2-40B4-BE49-F238E27FC236}">
-                <a16:creationId xmlns:a16="http://schemas.microsoft.com/office/drawing/2014/main" id="{375767FC-35B9-9F8F-949F-188A0A89299C}"/>
-              </a:ext>
-            </a:extLst>
-          </p:cNvPr>
-          <p:cNvSpPr txBox="1"/>
-          <p:nvPr/>
-        </p:nvSpPr>
-        <p:spPr>
-          <a:xfrm>
-            <a:off x="433464" y="4939177"/>
-            <a:ext cx="4787297" cy="369332"/>
-          </a:xfrm>
-          <a:prstGeom prst="rect">
-            <a:avLst/>
-          </a:prstGeom>
-          <a:noFill/>
-        </p:spPr>
-        <p:txBody>
-          <a:bodyPr wrap="square" rtlCol="0">
-            <a:spAutoFit/>
-          </a:bodyPr>
-          <a:lstStyle/>
-          <a:p>
-            <a:r>
-              <a:rPr lang="it-IT" dirty="0">
-                <a:solidFill>
-                  <a:schemeClr val="bg1"/>
-                </a:solidFill>
-              </a:rPr>
-              <a:t>5. PASSENGER </a:t>
-            </a:r>
-            <a:r>
-              <a:rPr lang="it-IT" b="1" dirty="0">
-                <a:solidFill>
-                  <a:schemeClr val="bg1"/>
-                </a:solidFill>
-              </a:rPr>
-              <a:t>STRESS</a:t>
-            </a:r>
-            <a:r>
-              <a:rPr lang="it-IT" dirty="0">
-                <a:solidFill>
-                  <a:schemeClr val="bg1"/>
-                </a:solidFill>
-              </a:rPr>
-              <a:t> DETECTION</a:t>
-            </a:r>
-          </a:p>
-        </p:txBody>
-      </p:sp>
-      <p:sp>
-        <p:nvSpPr>
-          <p:cNvPr id="11" name="CasellaDiTesto 10">
-            <a:extLst>
-              <a:ext uri="{FF2B5EF4-FFF2-40B4-BE49-F238E27FC236}">
-                <a16:creationId xmlns:a16="http://schemas.microsoft.com/office/drawing/2014/main" id="{AC0F7A24-6785-0115-9CA9-55DC489A859B}"/>
-              </a:ext>
-            </a:extLst>
-          </p:cNvPr>
-          <p:cNvSpPr txBox="1"/>
-          <p:nvPr/>
-        </p:nvSpPr>
-        <p:spPr>
-          <a:xfrm>
-            <a:off x="433465" y="3559128"/>
-            <a:ext cx="4421377" cy="369332"/>
-          </a:xfrm>
-          <a:prstGeom prst="rect">
-            <a:avLst/>
-          </a:prstGeom>
-          <a:noFill/>
-        </p:spPr>
-        <p:txBody>
-          <a:bodyPr wrap="square" rtlCol="0">
-            <a:spAutoFit/>
-          </a:bodyPr>
-          <a:lstStyle/>
-          <a:p>
-            <a:r>
-              <a:rPr lang="it-IT" dirty="0">
-                <a:solidFill>
-                  <a:schemeClr val="bg1"/>
-                </a:solidFill>
-              </a:rPr>
-              <a:t>3. </a:t>
-            </a:r>
-            <a:r>
-              <a:rPr lang="it-IT" b="1" dirty="0">
-                <a:solidFill>
-                  <a:schemeClr val="bg1"/>
-                </a:solidFill>
-              </a:rPr>
-              <a:t>CONTINUOUS </a:t>
-            </a:r>
-            <a:r>
-              <a:rPr lang="it-IT" dirty="0">
-                <a:solidFill>
-                  <a:schemeClr val="bg1"/>
-                </a:solidFill>
-              </a:rPr>
-              <a:t>DRIVER MONITORING</a:t>
-            </a:r>
-          </a:p>
-        </p:txBody>
-      </p:sp>
-      <p:sp>
-        <p:nvSpPr>
-          <p:cNvPr id="13" name="CasellaDiTesto 12">
-            <a:extLst>
-              <a:ext uri="{FF2B5EF4-FFF2-40B4-BE49-F238E27FC236}">
-                <a16:creationId xmlns:a16="http://schemas.microsoft.com/office/drawing/2014/main" id="{14E426E7-0A22-AE84-D074-65DE9BBA80A3}"/>
-              </a:ext>
-            </a:extLst>
-          </p:cNvPr>
-          <p:cNvSpPr txBox="1"/>
-          <p:nvPr/>
-        </p:nvSpPr>
-        <p:spPr>
-          <a:xfrm>
-            <a:off x="433465" y="2863683"/>
-            <a:ext cx="4421377" cy="369332"/>
-          </a:xfrm>
-          <a:prstGeom prst="rect">
-            <a:avLst/>
-          </a:prstGeom>
-          <a:noFill/>
-        </p:spPr>
-        <p:txBody>
-          <a:bodyPr wrap="square" rtlCol="0">
-            <a:spAutoFit/>
-          </a:bodyPr>
-          <a:lstStyle/>
-          <a:p>
-            <a:r>
-              <a:rPr lang="it-IT" dirty="0">
-                <a:solidFill>
-                  <a:schemeClr val="bg1"/>
-                </a:solidFill>
-              </a:rPr>
-              <a:t>2. </a:t>
-            </a:r>
-            <a:r>
-              <a:rPr lang="it-IT" b="1" dirty="0">
-                <a:solidFill>
-                  <a:schemeClr val="bg1"/>
-                </a:solidFill>
-              </a:rPr>
-              <a:t>PASSIVE</a:t>
-            </a:r>
-            <a:r>
-              <a:rPr lang="it-IT" dirty="0">
-                <a:solidFill>
-                  <a:schemeClr val="bg1"/>
-                </a:solidFill>
-              </a:rPr>
-              <a:t> PASSENGER INVOLVEMENT </a:t>
-            </a:r>
-          </a:p>
-        </p:txBody>
-      </p:sp>
-      <p:sp>
-        <p:nvSpPr>
-          <p:cNvPr id="23" name="CasellaDiTesto 22">
-            <a:extLst>
-              <a:ext uri="{FF2B5EF4-FFF2-40B4-BE49-F238E27FC236}">
-                <a16:creationId xmlns:a16="http://schemas.microsoft.com/office/drawing/2014/main" id="{86377D17-C3F3-A5CB-C0AB-BD1A9E75524F}"/>
-              </a:ext>
-            </a:extLst>
-          </p:cNvPr>
-          <p:cNvSpPr txBox="1"/>
-          <p:nvPr/>
-        </p:nvSpPr>
-        <p:spPr>
-          <a:xfrm>
-            <a:off x="433464" y="5642627"/>
-            <a:ext cx="5137498" cy="369332"/>
-          </a:xfrm>
-          <a:prstGeom prst="rect">
-            <a:avLst/>
-          </a:prstGeom>
-          <a:noFill/>
-        </p:spPr>
-        <p:txBody>
-          <a:bodyPr wrap="square" rtlCol="0">
-            <a:spAutoFit/>
-          </a:bodyPr>
-          <a:lstStyle/>
-          <a:p>
-            <a:r>
-              <a:rPr lang="it-IT" dirty="0">
-                <a:solidFill>
-                  <a:schemeClr val="bg1"/>
-                </a:solidFill>
-              </a:rPr>
-              <a:t>6. </a:t>
-            </a:r>
-            <a:r>
-              <a:rPr lang="it-IT" b="1" dirty="0">
-                <a:solidFill>
-                  <a:schemeClr val="bg1"/>
-                </a:solidFill>
-              </a:rPr>
-              <a:t>TWO-WAY</a:t>
-            </a:r>
-            <a:r>
-              <a:rPr lang="it-IT" dirty="0">
-                <a:solidFill>
-                  <a:schemeClr val="bg1"/>
-                </a:solidFill>
-              </a:rPr>
-              <a:t> RATING SYSTEM</a:t>
-            </a:r>
-          </a:p>
-        </p:txBody>
-      </p:sp>
-      <p:grpSp>
-        <p:nvGrpSpPr>
-          <p:cNvPr id="25" name="Gruppo 24">
-            <a:extLst>
-              <a:ext uri="{FF2B5EF4-FFF2-40B4-BE49-F238E27FC236}">
-                <a16:creationId xmlns:a16="http://schemas.microsoft.com/office/drawing/2014/main" id="{0EBB2397-EB80-0786-0589-5EA8F5C973A0}"/>
-              </a:ext>
-            </a:extLst>
-          </p:cNvPr>
-          <p:cNvGrpSpPr/>
-          <p:nvPr/>
-        </p:nvGrpSpPr>
-        <p:grpSpPr>
-          <a:xfrm>
-            <a:off x="8189185" y="1005593"/>
-            <a:ext cx="793757" cy="793755"/>
-            <a:chOff x="7400242" y="2640918"/>
-            <a:chExt cx="1051607" cy="1051603"/>
-          </a:xfrm>
-        </p:grpSpPr>
-        <p:sp>
-          <p:nvSpPr>
-            <p:cNvPr id="24" name="Rettangolo con angoli arrotondati 23">
-              <a:extLst>
-                <a:ext uri="{FF2B5EF4-FFF2-40B4-BE49-F238E27FC236}">
-                  <a16:creationId xmlns:a16="http://schemas.microsoft.com/office/drawing/2014/main" id="{2EB5CAE7-0F44-9E1F-93B6-6F7386F0F635}"/>
-                </a:ext>
-              </a:extLst>
-            </p:cNvPr>
-            <p:cNvSpPr/>
-            <p:nvPr/>
-          </p:nvSpPr>
-          <p:spPr>
-            <a:xfrm>
-              <a:off x="7400242" y="2640918"/>
-              <a:ext cx="1051607" cy="1051603"/>
-            </a:xfrm>
-            <a:prstGeom prst="roundRect">
-              <a:avLst>
-                <a:gd name="adj" fmla="val 7027"/>
-              </a:avLst>
-            </a:prstGeom>
-            <a:solidFill>
-              <a:srgbClr val="DA627D"/>
-            </a:solidFill>
-            <a:ln>
-              <a:noFill/>
-            </a:ln>
-          </p:spPr>
-          <p:style>
-            <a:lnRef idx="2">
-              <a:schemeClr val="accent1">
-                <a:shade val="15000"/>
-              </a:schemeClr>
-            </a:lnRef>
-            <a:fillRef idx="1">
-              <a:schemeClr val="accent1"/>
-            </a:fillRef>
-            <a:effectRef idx="0">
-              <a:schemeClr val="accent1"/>
-            </a:effectRef>
-            <a:fontRef idx="minor">
-              <a:schemeClr val="lt1"/>
-            </a:fontRef>
-          </p:style>
-          <p:txBody>
-            <a:bodyPr rtlCol="0" anchor="ctr"/>
-            <a:lstStyle/>
-            <a:p>
-              <a:pPr algn="ctr"/>
-              <a:endParaRPr lang="it-IT"/>
-            </a:p>
-          </p:txBody>
-        </p:sp>
-        <p:pic>
-          <p:nvPicPr>
-            <p:cNvPr id="15" name="Immagine 14" descr="Immagine che contiene logo, Carattere, Elementi grafici, design&#10;&#10;Descrizione generata automaticamente">
-              <a:extLst>
-                <a:ext uri="{FF2B5EF4-FFF2-40B4-BE49-F238E27FC236}">
-                  <a16:creationId xmlns:a16="http://schemas.microsoft.com/office/drawing/2014/main" id="{FBC766C8-C936-3E2D-CE8A-C557A3102720}"/>
-                </a:ext>
-              </a:extLst>
-            </p:cNvPr>
-            <p:cNvPicPr>
-              <a:picLocks noChangeAspect="1"/>
-            </p:cNvPicPr>
-            <p:nvPr/>
-          </p:nvPicPr>
-          <p:blipFill>
-            <a:blip r:embed="rId5">
-              <a:extLst>
-                <a:ext uri="{28A0092B-C50C-407E-A947-70E740481C1C}">
-                  <a14:useLocalDpi xmlns:a14="http://schemas.microsoft.com/office/drawing/2010/main" val="0"/>
-                </a:ext>
-              </a:extLst>
-            </a:blip>
-            <a:stretch>
-              <a:fillRect/>
-            </a:stretch>
-          </p:blipFill>
-          <p:spPr>
-            <a:xfrm>
-              <a:off x="7480035" y="2720709"/>
-              <a:ext cx="892020" cy="892020"/>
-            </a:xfrm>
-            <a:prstGeom prst="rect">
-              <a:avLst/>
-            </a:prstGeom>
-          </p:spPr>
-        </p:pic>
-      </p:grpSp>
-      <p:sp>
-        <p:nvSpPr>
-          <p:cNvPr id="27" name="CasellaDiTesto 26">
-            <a:extLst>
-              <a:ext uri="{FF2B5EF4-FFF2-40B4-BE49-F238E27FC236}">
-                <a16:creationId xmlns:a16="http://schemas.microsoft.com/office/drawing/2014/main" id="{53FC283E-F166-A3F7-DF9B-4F58B3C4C9FF}"/>
-              </a:ext>
-            </a:extLst>
-          </p:cNvPr>
-          <p:cNvSpPr txBox="1"/>
-          <p:nvPr/>
-        </p:nvSpPr>
-        <p:spPr>
-          <a:xfrm>
-            <a:off x="433464" y="4254913"/>
-            <a:ext cx="3943861" cy="369332"/>
-          </a:xfrm>
-          <a:prstGeom prst="rect">
-            <a:avLst/>
-          </a:prstGeom>
-          <a:noFill/>
-        </p:spPr>
-        <p:txBody>
-          <a:bodyPr wrap="square" rtlCol="0">
-            <a:spAutoFit/>
-          </a:bodyPr>
-          <a:lstStyle/>
-          <a:p>
-            <a:r>
-              <a:rPr lang="it-IT" dirty="0">
-                <a:solidFill>
-                  <a:schemeClr val="bg1"/>
-                </a:solidFill>
-              </a:rPr>
-              <a:t>4. </a:t>
-            </a:r>
-            <a:r>
-              <a:rPr lang="it-IT" b="1" dirty="0">
-                <a:solidFill>
-                  <a:schemeClr val="bg1"/>
-                </a:solidFill>
-              </a:rPr>
-              <a:t>OBJECTIVE</a:t>
-            </a:r>
-            <a:r>
-              <a:rPr lang="it-IT" dirty="0">
-                <a:solidFill>
-                  <a:schemeClr val="bg1"/>
-                </a:solidFill>
-              </a:rPr>
-              <a:t> FEEDBACK</a:t>
-            </a:r>
-          </a:p>
-        </p:txBody>
-      </p:sp>
-      <p:cxnSp>
-        <p:nvCxnSpPr>
-          <p:cNvPr id="26" name="Connettore diritto 25">
-            <a:extLst>
-              <a:ext uri="{FF2B5EF4-FFF2-40B4-BE49-F238E27FC236}">
-                <a16:creationId xmlns:a16="http://schemas.microsoft.com/office/drawing/2014/main" id="{03AB7B18-958F-C0B8-0160-C9DD92C143FD}"/>
-              </a:ext>
-            </a:extLst>
-          </p:cNvPr>
-          <p:cNvCxnSpPr>
-            <a:cxnSpLocks/>
-          </p:cNvCxnSpPr>
-          <p:nvPr/>
-        </p:nvCxnSpPr>
-        <p:spPr>
-          <a:xfrm>
-            <a:off x="0" y="2009364"/>
-            <a:ext cx="12192000" cy="0"/>
-          </a:xfrm>
-          <a:prstGeom prst="line">
-            <a:avLst/>
-          </a:prstGeom>
-          <a:ln w="28575">
-            <a:solidFill>
-              <a:schemeClr val="bg1"/>
-            </a:solidFill>
-          </a:ln>
-        </p:spPr>
-        <p:style>
-          <a:lnRef idx="2">
-            <a:schemeClr val="accent1"/>
-          </a:lnRef>
-          <a:fillRef idx="0">
-            <a:schemeClr val="accent1"/>
-          </a:fillRef>
-          <a:effectRef idx="1">
-            <a:schemeClr val="accent1"/>
-          </a:effectRef>
-          <a:fontRef idx="minor">
-            <a:schemeClr val="tx1"/>
-          </a:fontRef>
-        </p:style>
-      </p:cxnSp>
-      <p:pic>
-        <p:nvPicPr>
-          <p:cNvPr id="1031" name="Immagine 1030" descr="Immagine che contiene clipart, Elementi grafici, simbolo, logo&#10;&#10;Descrizione generata automaticamente">
-            <a:extLst>
-              <a:ext uri="{FF2B5EF4-FFF2-40B4-BE49-F238E27FC236}">
-                <a16:creationId xmlns:a16="http://schemas.microsoft.com/office/drawing/2014/main" id="{80ECC7A8-F5BE-2C23-02ED-B985A902718C}"/>
-              </a:ext>
-            </a:extLst>
-          </p:cNvPr>
-          <p:cNvPicPr>
-            <a:picLocks noChangeAspect="1"/>
-          </p:cNvPicPr>
-          <p:nvPr/>
-        </p:nvPicPr>
-        <p:blipFill>
-          <a:blip r:embed="rId3">
-            <a:extLst>
-              <a:ext uri="{28A0092B-C50C-407E-A947-70E740481C1C}">
-                <a14:useLocalDpi xmlns:a14="http://schemas.microsoft.com/office/drawing/2010/main" val="0"/>
-              </a:ext>
-            </a:extLst>
-          </a:blip>
-          <a:stretch>
-            <a:fillRect/>
-          </a:stretch>
-        </p:blipFill>
-        <p:spPr>
-          <a:xfrm>
-            <a:off x="5933206" y="2793863"/>
-            <a:ext cx="497809" cy="497809"/>
-          </a:xfrm>
-          <a:prstGeom prst="rect">
-            <a:avLst/>
-          </a:prstGeom>
-        </p:spPr>
-      </p:pic>
-      <p:pic>
-        <p:nvPicPr>
-          <p:cNvPr id="1032" name="Immagine 1031" descr="Immagine che contiene clipart, Elementi grafici, simbolo, logo&#10;&#10;Descrizione generata automaticamente">
-            <a:extLst>
-              <a:ext uri="{FF2B5EF4-FFF2-40B4-BE49-F238E27FC236}">
-                <a16:creationId xmlns:a16="http://schemas.microsoft.com/office/drawing/2014/main" id="{434A7532-95DF-59F7-7EF0-F0B1EC2A19FE}"/>
-              </a:ext>
-            </a:extLst>
-          </p:cNvPr>
-          <p:cNvPicPr>
-            <a:picLocks noChangeAspect="1"/>
-          </p:cNvPicPr>
-          <p:nvPr/>
-        </p:nvPicPr>
-        <p:blipFill>
-          <a:blip r:embed="rId3">
-            <a:extLst>
-              <a:ext uri="{28A0092B-C50C-407E-A947-70E740481C1C}">
-                <a14:useLocalDpi xmlns:a14="http://schemas.microsoft.com/office/drawing/2010/main" val="0"/>
-              </a:ext>
-            </a:extLst>
-          </a:blip>
-          <a:stretch>
-            <a:fillRect/>
-          </a:stretch>
-        </p:blipFill>
-        <p:spPr>
-          <a:xfrm>
-            <a:off x="5933206" y="3493971"/>
-            <a:ext cx="497809" cy="497809"/>
-          </a:xfrm>
-          <a:prstGeom prst="rect">
-            <a:avLst/>
-          </a:prstGeom>
-        </p:spPr>
-      </p:pic>
-      <p:pic>
-        <p:nvPicPr>
-          <p:cNvPr id="1033" name="Immagine 1032" descr="Immagine che contiene clipart, Elementi grafici, simbolo, logo&#10;&#10;Descrizione generata automaticamente">
-            <a:extLst>
-              <a:ext uri="{FF2B5EF4-FFF2-40B4-BE49-F238E27FC236}">
-                <a16:creationId xmlns:a16="http://schemas.microsoft.com/office/drawing/2014/main" id="{816DCE28-D6F0-481A-88B2-2DA64CFD18B0}"/>
-              </a:ext>
-            </a:extLst>
-          </p:cNvPr>
-          <p:cNvPicPr>
-            <a:picLocks noChangeAspect="1"/>
-          </p:cNvPicPr>
-          <p:nvPr/>
-        </p:nvPicPr>
-        <p:blipFill>
-          <a:blip r:embed="rId3">
-            <a:extLst>
-              <a:ext uri="{28A0092B-C50C-407E-A947-70E740481C1C}">
-                <a14:useLocalDpi xmlns:a14="http://schemas.microsoft.com/office/drawing/2010/main" val="0"/>
-              </a:ext>
-            </a:extLst>
-          </a:blip>
-          <a:stretch>
-            <a:fillRect/>
-          </a:stretch>
-        </p:blipFill>
-        <p:spPr>
-          <a:xfrm>
-            <a:off x="5933206" y="4188576"/>
-            <a:ext cx="497809" cy="497809"/>
-          </a:xfrm>
-          <a:prstGeom prst="rect">
-            <a:avLst/>
-          </a:prstGeom>
-        </p:spPr>
-      </p:pic>
-      <p:pic>
-        <p:nvPicPr>
-          <p:cNvPr id="1034" name="Immagine 1033" descr="Immagine che contiene clipart, Elementi grafici, simbolo, logo&#10;&#10;Descrizione generata automaticamente">
-            <a:extLst>
-              <a:ext uri="{FF2B5EF4-FFF2-40B4-BE49-F238E27FC236}">
-                <a16:creationId xmlns:a16="http://schemas.microsoft.com/office/drawing/2014/main" id="{B8C172AE-4B9D-7752-FA6B-636F62F113FB}"/>
-              </a:ext>
-            </a:extLst>
-          </p:cNvPr>
-          <p:cNvPicPr>
-            <a:picLocks noChangeAspect="1"/>
-          </p:cNvPicPr>
-          <p:nvPr/>
-        </p:nvPicPr>
-        <p:blipFill>
-          <a:blip r:embed="rId3">
-            <a:extLst>
-              <a:ext uri="{28A0092B-C50C-407E-A947-70E740481C1C}">
-                <a14:useLocalDpi xmlns:a14="http://schemas.microsoft.com/office/drawing/2010/main" val="0"/>
-              </a:ext>
-            </a:extLst>
-          </a:blip>
-          <a:stretch>
-            <a:fillRect/>
-          </a:stretch>
-        </p:blipFill>
-        <p:spPr>
-          <a:xfrm>
-            <a:off x="5933206" y="4874938"/>
-            <a:ext cx="497809" cy="497809"/>
-          </a:xfrm>
-          <a:prstGeom prst="rect">
-            <a:avLst/>
-          </a:prstGeom>
-        </p:spPr>
-      </p:pic>
-      <p:pic>
-        <p:nvPicPr>
-          <p:cNvPr id="1035" name="Immagine 1034" descr="Immagine che contiene clipart, Elementi grafici, simbolo, logo&#10;&#10;Descrizione generata automaticamente">
-            <a:extLst>
-              <a:ext uri="{FF2B5EF4-FFF2-40B4-BE49-F238E27FC236}">
-                <a16:creationId xmlns:a16="http://schemas.microsoft.com/office/drawing/2014/main" id="{04B4D88A-AFCF-89AE-923C-B7788E3B952C}"/>
-              </a:ext>
-            </a:extLst>
-          </p:cNvPr>
-          <p:cNvPicPr>
-            <a:picLocks noChangeAspect="1"/>
-          </p:cNvPicPr>
-          <p:nvPr/>
-        </p:nvPicPr>
-        <p:blipFill>
-          <a:blip r:embed="rId3">
-            <a:extLst>
-              <a:ext uri="{28A0092B-C50C-407E-A947-70E740481C1C}">
-                <a14:useLocalDpi xmlns:a14="http://schemas.microsoft.com/office/drawing/2010/main" val="0"/>
-              </a:ext>
-            </a:extLst>
-          </a:blip>
-          <a:stretch>
-            <a:fillRect/>
-          </a:stretch>
-        </p:blipFill>
-        <p:spPr>
-          <a:xfrm>
-            <a:off x="5933206" y="5575046"/>
-            <a:ext cx="497809" cy="497809"/>
-          </a:xfrm>
-          <a:prstGeom prst="rect">
-            <a:avLst/>
-          </a:prstGeom>
-        </p:spPr>
-      </p:pic>
-      <p:pic>
-        <p:nvPicPr>
-          <p:cNvPr id="1036" name="Immagine 1035" descr="Immagine che contiene clipart, Elementi grafici, simbolo, logo&#10;&#10;Descrizione generata automaticamente">
-            <a:extLst>
-              <a:ext uri="{FF2B5EF4-FFF2-40B4-BE49-F238E27FC236}">
-                <a16:creationId xmlns:a16="http://schemas.microsoft.com/office/drawing/2014/main" id="{3BA1EE66-73F4-D25C-0C44-8DC27CED368F}"/>
-              </a:ext>
-            </a:extLst>
-          </p:cNvPr>
-          <p:cNvPicPr>
-            <a:picLocks noChangeAspect="1"/>
-          </p:cNvPicPr>
-          <p:nvPr/>
-        </p:nvPicPr>
-        <p:blipFill>
-          <a:blip r:embed="rId3">
-            <a:extLst>
-              <a:ext uri="{28A0092B-C50C-407E-A947-70E740481C1C}">
-                <a14:useLocalDpi xmlns:a14="http://schemas.microsoft.com/office/drawing/2010/main" val="0"/>
-              </a:ext>
-            </a:extLst>
-          </a:blip>
-          <a:stretch>
-            <a:fillRect/>
-          </a:stretch>
-        </p:blipFill>
-        <p:spPr>
-          <a:xfrm>
-            <a:off x="5933205" y="6264156"/>
-            <a:ext cx="497809" cy="497809"/>
-          </a:xfrm>
-          <a:prstGeom prst="rect">
-            <a:avLst/>
-          </a:prstGeom>
-        </p:spPr>
-      </p:pic>
-      <p:pic>
-        <p:nvPicPr>
-          <p:cNvPr id="1039" name="Immagine 1038" descr="Immagine che contiene clipart, Elementi grafici, simbolo, logo&#10;&#10;Descrizione generata automaticamente">
-            <a:extLst>
-              <a:ext uri="{FF2B5EF4-FFF2-40B4-BE49-F238E27FC236}">
-                <a16:creationId xmlns:a16="http://schemas.microsoft.com/office/drawing/2014/main" id="{203494FC-F14E-C92F-BE89-985CB8BAEDEC}"/>
-              </a:ext>
-            </a:extLst>
-          </p:cNvPr>
-          <p:cNvPicPr>
-            <a:picLocks noChangeAspect="1"/>
-          </p:cNvPicPr>
-          <p:nvPr/>
-        </p:nvPicPr>
-        <p:blipFill>
-          <a:blip r:embed="rId3">
-            <a:extLst>
-              <a:ext uri="{28A0092B-C50C-407E-A947-70E740481C1C}">
-                <a14:useLocalDpi xmlns:a14="http://schemas.microsoft.com/office/drawing/2010/main" val="0"/>
-              </a:ext>
-            </a:extLst>
-          </a:blip>
-          <a:stretch>
-            <a:fillRect/>
-          </a:stretch>
-        </p:blipFill>
-        <p:spPr>
-          <a:xfrm>
-            <a:off x="8337159" y="2793863"/>
-            <a:ext cx="497809" cy="497809"/>
-          </a:xfrm>
-          <a:prstGeom prst="rect">
-            <a:avLst/>
-          </a:prstGeom>
-        </p:spPr>
-      </p:pic>
-      <p:pic>
-        <p:nvPicPr>
-          <p:cNvPr id="1040" name="Immagine 1039" descr="Immagine che contiene clipart, Elementi grafici, simbolo, logo&#10;&#10;Descrizione generata automaticamente">
-            <a:extLst>
-              <a:ext uri="{FF2B5EF4-FFF2-40B4-BE49-F238E27FC236}">
-                <a16:creationId xmlns:a16="http://schemas.microsoft.com/office/drawing/2014/main" id="{ECDF2912-D3C4-33F9-FAD6-042ED5C89336}"/>
-              </a:ext>
-            </a:extLst>
-          </p:cNvPr>
-          <p:cNvPicPr>
-            <a:picLocks noChangeAspect="1"/>
-          </p:cNvPicPr>
-          <p:nvPr/>
-        </p:nvPicPr>
-        <p:blipFill>
-          <a:blip r:embed="rId3">
-            <a:extLst>
-              <a:ext uri="{28A0092B-C50C-407E-A947-70E740481C1C}">
-                <a14:useLocalDpi xmlns:a14="http://schemas.microsoft.com/office/drawing/2010/main" val="0"/>
-              </a:ext>
-            </a:extLst>
-          </a:blip>
-          <a:stretch>
-            <a:fillRect/>
-          </a:stretch>
-        </p:blipFill>
-        <p:spPr>
-          <a:xfrm>
-            <a:off x="8337159" y="3493971"/>
-            <a:ext cx="497809" cy="497809"/>
-          </a:xfrm>
-          <a:prstGeom prst="rect">
-            <a:avLst/>
-          </a:prstGeom>
-        </p:spPr>
-      </p:pic>
-      <p:pic>
-        <p:nvPicPr>
-          <p:cNvPr id="1041" name="Immagine 1040" descr="Immagine che contiene clipart, Elementi grafici, simbolo, logo&#10;&#10;Descrizione generata automaticamente">
-            <a:extLst>
-              <a:ext uri="{FF2B5EF4-FFF2-40B4-BE49-F238E27FC236}">
-                <a16:creationId xmlns:a16="http://schemas.microsoft.com/office/drawing/2014/main" id="{86461E6C-7E59-B173-2EA1-DBCA077B0DA4}"/>
-              </a:ext>
-            </a:extLst>
-          </p:cNvPr>
-          <p:cNvPicPr>
-            <a:picLocks noChangeAspect="1"/>
-          </p:cNvPicPr>
-          <p:nvPr/>
-        </p:nvPicPr>
-        <p:blipFill>
-          <a:blip r:embed="rId3">
-            <a:extLst>
-              <a:ext uri="{28A0092B-C50C-407E-A947-70E740481C1C}">
-                <a14:useLocalDpi xmlns:a14="http://schemas.microsoft.com/office/drawing/2010/main" val="0"/>
-              </a:ext>
-            </a:extLst>
-          </a:blip>
-          <a:stretch>
-            <a:fillRect/>
-          </a:stretch>
-        </p:blipFill>
-        <p:spPr>
-          <a:xfrm>
-            <a:off x="8337159" y="4188576"/>
-            <a:ext cx="497809" cy="497809"/>
-          </a:xfrm>
-          <a:prstGeom prst="rect">
-            <a:avLst/>
-          </a:prstGeom>
-        </p:spPr>
-      </p:pic>
-      <p:pic>
-        <p:nvPicPr>
-          <p:cNvPr id="1043" name="Immagine 1042" descr="Immagine che contiene clipart, Elementi grafici, simbolo, logo&#10;&#10;Descrizione generata automaticamente">
-            <a:extLst>
-              <a:ext uri="{FF2B5EF4-FFF2-40B4-BE49-F238E27FC236}">
-                <a16:creationId xmlns:a16="http://schemas.microsoft.com/office/drawing/2014/main" id="{7A31E427-2C0D-556E-834F-F6A417D82D28}"/>
-              </a:ext>
-            </a:extLst>
-          </p:cNvPr>
-          <p:cNvPicPr>
-            <a:picLocks noChangeAspect="1"/>
-          </p:cNvPicPr>
-          <p:nvPr/>
-        </p:nvPicPr>
-        <p:blipFill>
-          <a:blip r:embed="rId3">
-            <a:extLst>
-              <a:ext uri="{28A0092B-C50C-407E-A947-70E740481C1C}">
-                <a14:useLocalDpi xmlns:a14="http://schemas.microsoft.com/office/drawing/2010/main" val="0"/>
-              </a:ext>
-            </a:extLst>
-          </a:blip>
-          <a:stretch>
-            <a:fillRect/>
-          </a:stretch>
-        </p:blipFill>
-        <p:spPr>
-          <a:xfrm>
-            <a:off x="8337159" y="5575046"/>
-            <a:ext cx="497809" cy="497809"/>
-          </a:xfrm>
-          <a:prstGeom prst="rect">
-            <a:avLst/>
-          </a:prstGeom>
-        </p:spPr>
-      </p:pic>
-      <p:pic>
-        <p:nvPicPr>
-          <p:cNvPr id="1044" name="Immagine 1043" descr="Immagine che contiene clipart, Elementi grafici, simbolo, logo&#10;&#10;Descrizione generata automaticamente">
-            <a:extLst>
-              <a:ext uri="{FF2B5EF4-FFF2-40B4-BE49-F238E27FC236}">
-                <a16:creationId xmlns:a16="http://schemas.microsoft.com/office/drawing/2014/main" id="{643D6AF8-9674-4841-2CE0-3998CA7C934E}"/>
-              </a:ext>
-            </a:extLst>
-          </p:cNvPr>
-          <p:cNvPicPr>
-            <a:picLocks noChangeAspect="1"/>
-          </p:cNvPicPr>
-          <p:nvPr/>
-        </p:nvPicPr>
-        <p:blipFill>
-          <a:blip r:embed="rId3">
-            <a:extLst>
-              <a:ext uri="{28A0092B-C50C-407E-A947-70E740481C1C}">
-                <a14:useLocalDpi xmlns:a14="http://schemas.microsoft.com/office/drawing/2010/main" val="0"/>
-              </a:ext>
-            </a:extLst>
-          </a:blip>
-          <a:stretch>
-            <a:fillRect/>
-          </a:stretch>
-        </p:blipFill>
-        <p:spPr>
-          <a:xfrm>
-            <a:off x="8337158" y="6264156"/>
-            <a:ext cx="497809" cy="497809"/>
-          </a:xfrm>
-          <a:prstGeom prst="rect">
-            <a:avLst/>
-          </a:prstGeom>
-        </p:spPr>
-      </p:pic>
-      <p:pic>
-        <p:nvPicPr>
-          <p:cNvPr id="1050" name="Immagine 1049" descr="Immagine che contiene clipart, Elementi grafici, simbolo, logo&#10;&#10;Descrizione generata automaticamente">
-            <a:extLst>
-              <a:ext uri="{FF2B5EF4-FFF2-40B4-BE49-F238E27FC236}">
-                <a16:creationId xmlns:a16="http://schemas.microsoft.com/office/drawing/2014/main" id="{CF641A1C-E48C-12A1-3991-EB7D8B8A6ED9}"/>
-              </a:ext>
-            </a:extLst>
-          </p:cNvPr>
-          <p:cNvPicPr>
-            <a:picLocks noChangeAspect="1"/>
-          </p:cNvPicPr>
-          <p:nvPr/>
-        </p:nvPicPr>
-        <p:blipFill>
-          <a:blip r:embed="rId3">
-            <a:extLst>
-              <a:ext uri="{28A0092B-C50C-407E-A947-70E740481C1C}">
-                <a14:useLocalDpi xmlns:a14="http://schemas.microsoft.com/office/drawing/2010/main" val="0"/>
-              </a:ext>
-            </a:extLst>
-          </a:blip>
-          <a:stretch>
-            <a:fillRect/>
-          </a:stretch>
-        </p:blipFill>
-        <p:spPr>
-          <a:xfrm>
-            <a:off x="10741116" y="5575046"/>
-            <a:ext cx="497809" cy="497809"/>
-          </a:xfrm>
-          <a:prstGeom prst="rect">
-            <a:avLst/>
-          </a:prstGeom>
-        </p:spPr>
-      </p:pic>
-      <p:pic>
-        <p:nvPicPr>
-          <p:cNvPr id="1051" name="Immagine 1050" descr="Immagine che contiene clipart, Elementi grafici, simbolo, logo&#10;&#10;Descrizione generata automaticamente">
-            <a:extLst>
-              <a:ext uri="{FF2B5EF4-FFF2-40B4-BE49-F238E27FC236}">
-                <a16:creationId xmlns:a16="http://schemas.microsoft.com/office/drawing/2014/main" id="{D3B3AFE5-731E-1D72-D1C1-56673B2142B2}"/>
-              </a:ext>
-            </a:extLst>
-          </p:cNvPr>
-          <p:cNvPicPr>
-            <a:picLocks noChangeAspect="1"/>
-          </p:cNvPicPr>
-          <p:nvPr/>
-        </p:nvPicPr>
-        <p:blipFill>
-          <a:blip r:embed="rId3">
-            <a:extLst>
-              <a:ext uri="{28A0092B-C50C-407E-A947-70E740481C1C}">
-                <a14:useLocalDpi xmlns:a14="http://schemas.microsoft.com/office/drawing/2010/main" val="0"/>
-              </a:ext>
-            </a:extLst>
-          </a:blip>
-          <a:stretch>
-            <a:fillRect/>
-          </a:stretch>
-        </p:blipFill>
-        <p:spPr>
-          <a:xfrm>
-            <a:off x="10741115" y="6264156"/>
-            <a:ext cx="497809" cy="497809"/>
-          </a:xfrm>
-          <a:prstGeom prst="rect">
-            <a:avLst/>
-          </a:prstGeom>
-        </p:spPr>
-      </p:pic>
-    </p:spTree>
-    <p:extLst>
-      <p:ext uri="{BB962C8B-B14F-4D97-AF65-F5344CB8AC3E}">
-        <p14:creationId xmlns:p14="http://schemas.microsoft.com/office/powerpoint/2010/main" val="3652178015"/>
       </p:ext>
     </p:extLst>
   </p:cSld>

--- a/Idea/Idea_Presentation.pptx
+++ b/Idea/Idea_Presentation.pptx
@@ -212,7 +212,7 @@
           <a:p>
             <a:fld id="{F05F3A0F-052B-4D45-ADDD-90AEB5AB3DF4}" type="datetimeFigureOut">
               <a:rPr lang="it-IT" smtClean="0"/>
-              <a:t>14/11/2024</a:t>
+              <a:t>15/11/2024</a:t>
             </a:fld>
             <a:endParaRPr lang="it-IT"/>
           </a:p>
@@ -2387,7 +2387,7 @@
           <a:p>
             <a:fld id="{F648D57F-990B-4693-B9DF-7283B5F03356}" type="datetimeFigureOut">
               <a:rPr lang="it-IT" smtClean="0"/>
-              <a:t>14/11/2024</a:t>
+              <a:t>15/11/2024</a:t>
             </a:fld>
             <a:endParaRPr lang="it-IT"/>
           </a:p>
@@ -2585,7 +2585,7 @@
           <a:p>
             <a:fld id="{F648D57F-990B-4693-B9DF-7283B5F03356}" type="datetimeFigureOut">
               <a:rPr lang="it-IT" smtClean="0"/>
-              <a:t>14/11/2024</a:t>
+              <a:t>15/11/2024</a:t>
             </a:fld>
             <a:endParaRPr lang="it-IT"/>
           </a:p>
@@ -2793,7 +2793,7 @@
           <a:p>
             <a:fld id="{F648D57F-990B-4693-B9DF-7283B5F03356}" type="datetimeFigureOut">
               <a:rPr lang="it-IT" smtClean="0"/>
-              <a:t>14/11/2024</a:t>
+              <a:t>15/11/2024</a:t>
             </a:fld>
             <a:endParaRPr lang="it-IT"/>
           </a:p>
@@ -2991,7 +2991,7 @@
           <a:p>
             <a:fld id="{F648D57F-990B-4693-B9DF-7283B5F03356}" type="datetimeFigureOut">
               <a:rPr lang="it-IT" smtClean="0"/>
-              <a:t>14/11/2024</a:t>
+              <a:t>15/11/2024</a:t>
             </a:fld>
             <a:endParaRPr lang="it-IT"/>
           </a:p>
@@ -3266,7 +3266,7 @@
           <a:p>
             <a:fld id="{F648D57F-990B-4693-B9DF-7283B5F03356}" type="datetimeFigureOut">
               <a:rPr lang="it-IT" smtClean="0"/>
-              <a:t>14/11/2024</a:t>
+              <a:t>15/11/2024</a:t>
             </a:fld>
             <a:endParaRPr lang="it-IT"/>
           </a:p>
@@ -3531,7 +3531,7 @@
           <a:p>
             <a:fld id="{F648D57F-990B-4693-B9DF-7283B5F03356}" type="datetimeFigureOut">
               <a:rPr lang="it-IT" smtClean="0"/>
-              <a:t>14/11/2024</a:t>
+              <a:t>15/11/2024</a:t>
             </a:fld>
             <a:endParaRPr lang="it-IT"/>
           </a:p>
@@ -3943,7 +3943,7 @@
           <a:p>
             <a:fld id="{F648D57F-990B-4693-B9DF-7283B5F03356}" type="datetimeFigureOut">
               <a:rPr lang="it-IT" smtClean="0"/>
-              <a:t>14/11/2024</a:t>
+              <a:t>15/11/2024</a:t>
             </a:fld>
             <a:endParaRPr lang="it-IT"/>
           </a:p>
@@ -4084,7 +4084,7 @@
           <a:p>
             <a:fld id="{F648D57F-990B-4693-B9DF-7283B5F03356}" type="datetimeFigureOut">
               <a:rPr lang="it-IT" smtClean="0"/>
-              <a:t>14/11/2024</a:t>
+              <a:t>15/11/2024</a:t>
             </a:fld>
             <a:endParaRPr lang="it-IT"/>
           </a:p>
@@ -4197,7 +4197,7 @@
           <a:p>
             <a:fld id="{F648D57F-990B-4693-B9DF-7283B5F03356}" type="datetimeFigureOut">
               <a:rPr lang="it-IT" smtClean="0"/>
-              <a:t>14/11/2024</a:t>
+              <a:t>15/11/2024</a:t>
             </a:fld>
             <a:endParaRPr lang="it-IT"/>
           </a:p>
@@ -4508,7 +4508,7 @@
           <a:p>
             <a:fld id="{F648D57F-990B-4693-B9DF-7283B5F03356}" type="datetimeFigureOut">
               <a:rPr lang="it-IT" smtClean="0"/>
-              <a:t>14/11/2024</a:t>
+              <a:t>15/11/2024</a:t>
             </a:fld>
             <a:endParaRPr lang="it-IT"/>
           </a:p>
@@ -4796,7 +4796,7 @@
           <a:p>
             <a:fld id="{F648D57F-990B-4693-B9DF-7283B5F03356}" type="datetimeFigureOut">
               <a:rPr lang="it-IT" smtClean="0"/>
-              <a:t>14/11/2024</a:t>
+              <a:t>15/11/2024</a:t>
             </a:fld>
             <a:endParaRPr lang="it-IT"/>
           </a:p>
@@ -5037,7 +5037,7 @@
           <a:p>
             <a:fld id="{F648D57F-990B-4693-B9DF-7283B5F03356}" type="datetimeFigureOut">
               <a:rPr lang="it-IT" smtClean="0"/>
-              <a:t>14/11/2024</a:t>
+              <a:t>15/11/2024</a:t>
             </a:fld>
             <a:endParaRPr lang="it-IT"/>
           </a:p>
@@ -7545,7 +7545,7 @@
 </file>
 
 <file path=ppt/slides/slide11.xml><?xml version="1.0" encoding="utf-8"?>
-<p:sld xmlns:a="http://schemas.openxmlformats.org/drawingml/2006/main" xmlns:r="http://schemas.openxmlformats.org/officeDocument/2006/relationships" xmlns:p="http://schemas.openxmlformats.org/presentationml/2006/main">
+<p:sld xmlns:a="http://schemas.openxmlformats.org/drawingml/2006/main" xmlns:r="http://schemas.openxmlformats.org/officeDocument/2006/relationships" xmlns:p="http://schemas.openxmlformats.org/presentationml/2006/main" show="0">
   <p:cSld>
     <p:bg>
       <p:bgPr>
@@ -8063,7 +8063,7 @@
 </file>
 
 <file path=ppt/slides/slide12.xml><?xml version="1.0" encoding="utf-8"?>
-<p:sld xmlns:a="http://schemas.openxmlformats.org/drawingml/2006/main" xmlns:r="http://schemas.openxmlformats.org/officeDocument/2006/relationships" xmlns:p="http://schemas.openxmlformats.org/presentationml/2006/main">
+<p:sld xmlns:a="http://schemas.openxmlformats.org/drawingml/2006/main" xmlns:r="http://schemas.openxmlformats.org/officeDocument/2006/relationships" xmlns:p="http://schemas.openxmlformats.org/presentationml/2006/main" show="0">
   <p:cSld>
     <p:bg>
       <p:bgPr>
@@ -26115,7 +26115,7 @@
 </file>
 
 <file path=ppt/slides/slide14.xml><?xml version="1.0" encoding="utf-8"?>
-<p:sld xmlns:a="http://schemas.openxmlformats.org/drawingml/2006/main" xmlns:r="http://schemas.openxmlformats.org/officeDocument/2006/relationships" xmlns:p="http://schemas.openxmlformats.org/presentationml/2006/main">
+<p:sld xmlns:a="http://schemas.openxmlformats.org/drawingml/2006/main" xmlns:r="http://schemas.openxmlformats.org/officeDocument/2006/relationships" xmlns:p="http://schemas.openxmlformats.org/presentationml/2006/main" show="0">
   <p:cSld>
     <p:bg>
       <p:bgPr>

--- a/Idea/Idea_Presentation.pptx
+++ b/Idea/Idea_Presentation.pptx
@@ -5,7 +5,7 @@
     <p:sldMasterId id="2147483648" r:id="rId1"/>
   </p:sldMasterIdLst>
   <p:notesMasterIdLst>
-    <p:notesMasterId r:id="rId18"/>
+    <p:notesMasterId r:id="rId19"/>
   </p:notesMasterIdLst>
   <p:sldIdLst>
     <p:sldId id="256" r:id="rId2"/>
@@ -21,9 +21,10 @@
     <p:sldId id="270" r:id="rId12"/>
     <p:sldId id="278" r:id="rId13"/>
     <p:sldId id="257" r:id="rId14"/>
-    <p:sldId id="277" r:id="rId15"/>
-    <p:sldId id="279" r:id="rId16"/>
-    <p:sldId id="266" r:id="rId17"/>
+    <p:sldId id="281" r:id="rId15"/>
+    <p:sldId id="277" r:id="rId16"/>
+    <p:sldId id="279" r:id="rId17"/>
+    <p:sldId id="266" r:id="rId18"/>
   </p:sldIdLst>
   <p:sldSz cx="12192000" cy="6858000"/>
   <p:notesSz cx="6858000" cy="9144000"/>
@@ -212,7 +213,7 @@
           <a:p>
             <a:fld id="{F05F3A0F-052B-4D45-ADDD-90AEB5AB3DF4}" type="datetimeFigureOut">
               <a:rPr lang="it-IT" smtClean="0"/>
-              <a:t>15/11/2024</a:t>
+              <a:t>17/11/2024</a:t>
             </a:fld>
             <a:endParaRPr lang="it-IT"/>
           </a:p>
@@ -939,7 +940,7 @@
         <p:cNvPr id="1" name="">
           <a:extLst>
             <a:ext uri="{FF2B5EF4-FFF2-40B4-BE49-F238E27FC236}">
-              <a16:creationId xmlns:a16="http://schemas.microsoft.com/office/drawing/2014/main" id="{F76751AE-96FD-C211-1AB2-986DFFE7650E}"/>
+              <a16:creationId xmlns:a16="http://schemas.microsoft.com/office/drawing/2014/main" id="{770EA444-971C-8934-DD98-F67EF454D0AF}"/>
             </a:ext>
           </a:extLst>
         </p:cNvPr>
@@ -959,7 +960,7 @@
           <p:cNvPr id="2" name="Segnaposto immagine diapositiva 1">
             <a:extLst>
               <a:ext uri="{FF2B5EF4-FFF2-40B4-BE49-F238E27FC236}">
-                <a16:creationId xmlns:a16="http://schemas.microsoft.com/office/drawing/2014/main" id="{767E70FC-BA00-8DCF-0541-FFCBD815426F}"/>
+                <a16:creationId xmlns:a16="http://schemas.microsoft.com/office/drawing/2014/main" id="{A60D9836-8FDD-8EE3-C094-F3B0314BF7D0}"/>
               </a:ext>
             </a:extLst>
           </p:cNvPr>
@@ -977,7 +978,7 @@
           <p:cNvPr id="3" name="Segnaposto note 2">
             <a:extLst>
               <a:ext uri="{FF2B5EF4-FFF2-40B4-BE49-F238E27FC236}">
-                <a16:creationId xmlns:a16="http://schemas.microsoft.com/office/drawing/2014/main" id="{17F4BBF5-D5DB-35E4-F7DA-E3DDCBBE7362}"/>
+                <a16:creationId xmlns:a16="http://schemas.microsoft.com/office/drawing/2014/main" id="{7423B7A9-F186-FB7A-35CA-EC5A6C1EC7E3}"/>
               </a:ext>
             </a:extLst>
           </p:cNvPr>
@@ -1013,7 +1014,7 @@
           <p:cNvPr id="4" name="Segnaposto numero diapositiva 3">
             <a:extLst>
               <a:ext uri="{FF2B5EF4-FFF2-40B4-BE49-F238E27FC236}">
-                <a16:creationId xmlns:a16="http://schemas.microsoft.com/office/drawing/2014/main" id="{A4DD23B2-E174-A04C-800B-24EF4DB59765}"/>
+                <a16:creationId xmlns:a16="http://schemas.microsoft.com/office/drawing/2014/main" id="{24CCEA32-63EE-E806-A3D5-6C144B0602E6}"/>
               </a:ext>
             </a:extLst>
           </p:cNvPr>
@@ -1040,7 +1041,7 @@
     </p:spTree>
     <p:extLst>
       <p:ext uri="{BB962C8B-B14F-4D97-AF65-F5344CB8AC3E}">
-        <p14:creationId xmlns:p14="http://schemas.microsoft.com/office/powerpoint/2010/main" val="3197283258"/>
+        <p14:creationId xmlns:p14="http://schemas.microsoft.com/office/powerpoint/2010/main" val="1203291568"/>
       </p:ext>
     </p:extLst>
   </p:cSld>
@@ -1058,7 +1059,7 @@
         <p:cNvPr id="1" name="">
           <a:extLst>
             <a:ext uri="{FF2B5EF4-FFF2-40B4-BE49-F238E27FC236}">
-              <a16:creationId xmlns:a16="http://schemas.microsoft.com/office/drawing/2014/main" id="{0ABC6626-7E7F-C294-AE57-BCF59F17A653}"/>
+              <a16:creationId xmlns:a16="http://schemas.microsoft.com/office/drawing/2014/main" id="{F76751AE-96FD-C211-1AB2-986DFFE7650E}"/>
             </a:ext>
           </a:extLst>
         </p:cNvPr>
@@ -1078,7 +1079,7 @@
           <p:cNvPr id="2" name="Segnaposto immagine diapositiva 1">
             <a:extLst>
               <a:ext uri="{FF2B5EF4-FFF2-40B4-BE49-F238E27FC236}">
-                <a16:creationId xmlns:a16="http://schemas.microsoft.com/office/drawing/2014/main" id="{325B2F14-C345-E241-92FF-98C5D9C6587A}"/>
+                <a16:creationId xmlns:a16="http://schemas.microsoft.com/office/drawing/2014/main" id="{767E70FC-BA00-8DCF-0541-FFCBD815426F}"/>
               </a:ext>
             </a:extLst>
           </p:cNvPr>
@@ -1096,7 +1097,7 @@
           <p:cNvPr id="3" name="Segnaposto note 2">
             <a:extLst>
               <a:ext uri="{FF2B5EF4-FFF2-40B4-BE49-F238E27FC236}">
-                <a16:creationId xmlns:a16="http://schemas.microsoft.com/office/drawing/2014/main" id="{03449985-EEC5-B577-6A2D-36A7E0DE868E}"/>
+                <a16:creationId xmlns:a16="http://schemas.microsoft.com/office/drawing/2014/main" id="{17F4BBF5-D5DB-35E4-F7DA-E3DDCBBE7362}"/>
               </a:ext>
             </a:extLst>
           </p:cNvPr>
@@ -1132,7 +1133,7 @@
           <p:cNvPr id="4" name="Segnaposto numero diapositiva 3">
             <a:extLst>
               <a:ext uri="{FF2B5EF4-FFF2-40B4-BE49-F238E27FC236}">
-                <a16:creationId xmlns:a16="http://schemas.microsoft.com/office/drawing/2014/main" id="{14489258-5E22-4E06-1F0B-44152556EA47}"/>
+                <a16:creationId xmlns:a16="http://schemas.microsoft.com/office/drawing/2014/main" id="{A4DD23B2-E174-A04C-800B-24EF4DB59765}"/>
               </a:ext>
             </a:extLst>
           </p:cNvPr>
@@ -1159,7 +1160,7 @@
     </p:spTree>
     <p:extLst>
       <p:ext uri="{BB962C8B-B14F-4D97-AF65-F5344CB8AC3E}">
-        <p14:creationId xmlns:p14="http://schemas.microsoft.com/office/powerpoint/2010/main" val="1869801628"/>
+        <p14:creationId xmlns:p14="http://schemas.microsoft.com/office/powerpoint/2010/main" val="3197283258"/>
       </p:ext>
     </p:extLst>
   </p:cSld>
@@ -1177,7 +1178,7 @@
         <p:cNvPr id="1" name="">
           <a:extLst>
             <a:ext uri="{FF2B5EF4-FFF2-40B4-BE49-F238E27FC236}">
-              <a16:creationId xmlns:a16="http://schemas.microsoft.com/office/drawing/2014/main" id="{0F13493C-2BAD-28BE-87F3-AD43ECC590FC}"/>
+              <a16:creationId xmlns:a16="http://schemas.microsoft.com/office/drawing/2014/main" id="{0ABC6626-7E7F-C294-AE57-BCF59F17A653}"/>
             </a:ext>
           </a:extLst>
         </p:cNvPr>
@@ -1197,7 +1198,7 @@
           <p:cNvPr id="2" name="Segnaposto immagine diapositiva 1">
             <a:extLst>
               <a:ext uri="{FF2B5EF4-FFF2-40B4-BE49-F238E27FC236}">
-                <a16:creationId xmlns:a16="http://schemas.microsoft.com/office/drawing/2014/main" id="{0E853B1D-A4E7-3D53-D4AE-FBF09E64CFFD}"/>
+                <a16:creationId xmlns:a16="http://schemas.microsoft.com/office/drawing/2014/main" id="{325B2F14-C345-E241-92FF-98C5D9C6587A}"/>
               </a:ext>
             </a:extLst>
           </p:cNvPr>
@@ -1215,7 +1216,7 @@
           <p:cNvPr id="3" name="Segnaposto note 2">
             <a:extLst>
               <a:ext uri="{FF2B5EF4-FFF2-40B4-BE49-F238E27FC236}">
-                <a16:creationId xmlns:a16="http://schemas.microsoft.com/office/drawing/2014/main" id="{997BE649-17C0-CA15-7C4B-2C4B48A6C72D}"/>
+                <a16:creationId xmlns:a16="http://schemas.microsoft.com/office/drawing/2014/main" id="{03449985-EEC5-B577-6A2D-36A7E0DE868E}"/>
               </a:ext>
             </a:extLst>
           </p:cNvPr>
@@ -1251,7 +1252,7 @@
           <p:cNvPr id="4" name="Segnaposto numero diapositiva 3">
             <a:extLst>
               <a:ext uri="{FF2B5EF4-FFF2-40B4-BE49-F238E27FC236}">
-                <a16:creationId xmlns:a16="http://schemas.microsoft.com/office/drawing/2014/main" id="{5792ADE7-3F6F-361F-AC64-FA8A1FEA8AD7}"/>
+                <a16:creationId xmlns:a16="http://schemas.microsoft.com/office/drawing/2014/main" id="{14489258-5E22-4E06-1F0B-44152556EA47}"/>
               </a:ext>
             </a:extLst>
           </p:cNvPr>
@@ -1270,6 +1271,125 @@
             <a:fld id="{3F2DB5A4-1ADC-4498-B442-720211AEF2E0}" type="slidenum">
               <a:rPr lang="it-IT" smtClean="0"/>
               <a:t>16</a:t>
+            </a:fld>
+            <a:endParaRPr lang="it-IT"/>
+          </a:p>
+        </p:txBody>
+      </p:sp>
+    </p:spTree>
+    <p:extLst>
+      <p:ext uri="{BB962C8B-B14F-4D97-AF65-F5344CB8AC3E}">
+        <p14:creationId xmlns:p14="http://schemas.microsoft.com/office/powerpoint/2010/main" val="1869801628"/>
+      </p:ext>
+    </p:extLst>
+  </p:cSld>
+  <p:clrMapOvr>
+    <a:masterClrMapping/>
+  </p:clrMapOvr>
+</p:notes>
+</file>
+
+<file path=ppt/notesSlides/notesSlide16.xml><?xml version="1.0" encoding="utf-8"?>
+<p:notes xmlns:a="http://schemas.openxmlformats.org/drawingml/2006/main" xmlns:r="http://schemas.openxmlformats.org/officeDocument/2006/relationships" xmlns:p="http://schemas.openxmlformats.org/presentationml/2006/main">
+  <p:cSld>
+    <p:spTree>
+      <p:nvGrpSpPr>
+        <p:cNvPr id="1" name="">
+          <a:extLst>
+            <a:ext uri="{FF2B5EF4-FFF2-40B4-BE49-F238E27FC236}">
+              <a16:creationId xmlns:a16="http://schemas.microsoft.com/office/drawing/2014/main" id="{0F13493C-2BAD-28BE-87F3-AD43ECC590FC}"/>
+            </a:ext>
+          </a:extLst>
+        </p:cNvPr>
+        <p:cNvGrpSpPr/>
+        <p:nvPr/>
+      </p:nvGrpSpPr>
+      <p:grpSpPr>
+        <a:xfrm>
+          <a:off x="0" y="0"/>
+          <a:ext cx="0" cy="0"/>
+          <a:chOff x="0" y="0"/>
+          <a:chExt cx="0" cy="0"/>
+        </a:xfrm>
+      </p:grpSpPr>
+      <p:sp>
+        <p:nvSpPr>
+          <p:cNvPr id="2" name="Segnaposto immagine diapositiva 1">
+            <a:extLst>
+              <a:ext uri="{FF2B5EF4-FFF2-40B4-BE49-F238E27FC236}">
+                <a16:creationId xmlns:a16="http://schemas.microsoft.com/office/drawing/2014/main" id="{0E853B1D-A4E7-3D53-D4AE-FBF09E64CFFD}"/>
+              </a:ext>
+            </a:extLst>
+          </p:cNvPr>
+          <p:cNvSpPr>
+            <a:spLocks noGrp="1" noRot="1" noChangeAspect="1"/>
+          </p:cNvSpPr>
+          <p:nvPr>
+            <p:ph type="sldImg"/>
+          </p:nvPr>
+        </p:nvSpPr>
+        <p:spPr/>
+      </p:sp>
+      <p:sp>
+        <p:nvSpPr>
+          <p:cNvPr id="3" name="Segnaposto note 2">
+            <a:extLst>
+              <a:ext uri="{FF2B5EF4-FFF2-40B4-BE49-F238E27FC236}">
+                <a16:creationId xmlns:a16="http://schemas.microsoft.com/office/drawing/2014/main" id="{997BE649-17C0-CA15-7C4B-2C4B48A6C72D}"/>
+              </a:ext>
+            </a:extLst>
+          </p:cNvPr>
+          <p:cNvSpPr>
+            <a:spLocks noGrp="1"/>
+          </p:cNvSpPr>
+          <p:nvPr>
+            <p:ph type="body" idx="1"/>
+          </p:nvPr>
+        </p:nvSpPr>
+        <p:spPr/>
+        <p:txBody>
+          <a:bodyPr/>
+          <a:lstStyle/>
+          <a:p>
+            <a:r>
+              <a:rPr lang="it-IT" dirty="0"/>
+              <a:t>Didi </a:t>
+            </a:r>
+            <a:r>
+              <a:rPr lang="it-IT" dirty="0" err="1"/>
+              <a:t>Chuxing</a:t>
+            </a:r>
+            <a:r>
+              <a:rPr lang="it-IT" dirty="0"/>
+              <a:t> implementa il monitoraggio telemetrico della guida (algoritmo di machine learning per verificare frenate brusche, accelerazioni brusche e altri parametri che definiscono una guida pericolosa.</a:t>
+            </a:r>
+          </a:p>
+        </p:txBody>
+      </p:sp>
+      <p:sp>
+        <p:nvSpPr>
+          <p:cNvPr id="4" name="Segnaposto numero diapositiva 3">
+            <a:extLst>
+              <a:ext uri="{FF2B5EF4-FFF2-40B4-BE49-F238E27FC236}">
+                <a16:creationId xmlns:a16="http://schemas.microsoft.com/office/drawing/2014/main" id="{5792ADE7-3F6F-361F-AC64-FA8A1FEA8AD7}"/>
+              </a:ext>
+            </a:extLst>
+          </p:cNvPr>
+          <p:cNvSpPr>
+            <a:spLocks noGrp="1"/>
+          </p:cNvSpPr>
+          <p:nvPr>
+            <p:ph type="sldNum" sz="quarter" idx="5"/>
+          </p:nvPr>
+        </p:nvSpPr>
+        <p:spPr/>
+        <p:txBody>
+          <a:bodyPr/>
+          <a:lstStyle/>
+          <a:p>
+            <a:fld id="{3F2DB5A4-1ADC-4498-B442-720211AEF2E0}" type="slidenum">
+              <a:rPr lang="it-IT" smtClean="0"/>
+              <a:t>17</a:t>
             </a:fld>
             <a:endParaRPr lang="it-IT"/>
           </a:p>
@@ -2387,7 +2507,7 @@
           <a:p>
             <a:fld id="{F648D57F-990B-4693-B9DF-7283B5F03356}" type="datetimeFigureOut">
               <a:rPr lang="it-IT" smtClean="0"/>
-              <a:t>15/11/2024</a:t>
+              <a:t>17/11/2024</a:t>
             </a:fld>
             <a:endParaRPr lang="it-IT"/>
           </a:p>
@@ -2585,7 +2705,7 @@
           <a:p>
             <a:fld id="{F648D57F-990B-4693-B9DF-7283B5F03356}" type="datetimeFigureOut">
               <a:rPr lang="it-IT" smtClean="0"/>
-              <a:t>15/11/2024</a:t>
+              <a:t>17/11/2024</a:t>
             </a:fld>
             <a:endParaRPr lang="it-IT"/>
           </a:p>
@@ -2793,7 +2913,7 @@
           <a:p>
             <a:fld id="{F648D57F-990B-4693-B9DF-7283B5F03356}" type="datetimeFigureOut">
               <a:rPr lang="it-IT" smtClean="0"/>
-              <a:t>15/11/2024</a:t>
+              <a:t>17/11/2024</a:t>
             </a:fld>
             <a:endParaRPr lang="it-IT"/>
           </a:p>
@@ -2991,7 +3111,7 @@
           <a:p>
             <a:fld id="{F648D57F-990B-4693-B9DF-7283B5F03356}" type="datetimeFigureOut">
               <a:rPr lang="it-IT" smtClean="0"/>
-              <a:t>15/11/2024</a:t>
+              <a:t>17/11/2024</a:t>
             </a:fld>
             <a:endParaRPr lang="it-IT"/>
           </a:p>
@@ -3266,7 +3386,7 @@
           <a:p>
             <a:fld id="{F648D57F-990B-4693-B9DF-7283B5F03356}" type="datetimeFigureOut">
               <a:rPr lang="it-IT" smtClean="0"/>
-              <a:t>15/11/2024</a:t>
+              <a:t>17/11/2024</a:t>
             </a:fld>
             <a:endParaRPr lang="it-IT"/>
           </a:p>
@@ -3531,7 +3651,7 @@
           <a:p>
             <a:fld id="{F648D57F-990B-4693-B9DF-7283B5F03356}" type="datetimeFigureOut">
               <a:rPr lang="it-IT" smtClean="0"/>
-              <a:t>15/11/2024</a:t>
+              <a:t>17/11/2024</a:t>
             </a:fld>
             <a:endParaRPr lang="it-IT"/>
           </a:p>
@@ -3943,7 +4063,7 @@
           <a:p>
             <a:fld id="{F648D57F-990B-4693-B9DF-7283B5F03356}" type="datetimeFigureOut">
               <a:rPr lang="it-IT" smtClean="0"/>
-              <a:t>15/11/2024</a:t>
+              <a:t>17/11/2024</a:t>
             </a:fld>
             <a:endParaRPr lang="it-IT"/>
           </a:p>
@@ -4084,7 +4204,7 @@
           <a:p>
             <a:fld id="{F648D57F-990B-4693-B9DF-7283B5F03356}" type="datetimeFigureOut">
               <a:rPr lang="it-IT" smtClean="0"/>
-              <a:t>15/11/2024</a:t>
+              <a:t>17/11/2024</a:t>
             </a:fld>
             <a:endParaRPr lang="it-IT"/>
           </a:p>
@@ -4197,7 +4317,7 @@
           <a:p>
             <a:fld id="{F648D57F-990B-4693-B9DF-7283B5F03356}" type="datetimeFigureOut">
               <a:rPr lang="it-IT" smtClean="0"/>
-              <a:t>15/11/2024</a:t>
+              <a:t>17/11/2024</a:t>
             </a:fld>
             <a:endParaRPr lang="it-IT"/>
           </a:p>
@@ -4508,7 +4628,7 @@
           <a:p>
             <a:fld id="{F648D57F-990B-4693-B9DF-7283B5F03356}" type="datetimeFigureOut">
               <a:rPr lang="it-IT" smtClean="0"/>
-              <a:t>15/11/2024</a:t>
+              <a:t>17/11/2024</a:t>
             </a:fld>
             <a:endParaRPr lang="it-IT"/>
           </a:p>
@@ -4796,7 +4916,7 @@
           <a:p>
             <a:fld id="{F648D57F-990B-4693-B9DF-7283B5F03356}" type="datetimeFigureOut">
               <a:rPr lang="it-IT" smtClean="0"/>
-              <a:t>15/11/2024</a:t>
+              <a:t>17/11/2024</a:t>
             </a:fld>
             <a:endParaRPr lang="it-IT"/>
           </a:p>
@@ -5037,7 +5157,7 @@
           <a:p>
             <a:fld id="{F648D57F-990B-4693-B9DF-7283B5F03356}" type="datetimeFigureOut">
               <a:rPr lang="it-IT" smtClean="0"/>
-              <a:t>15/11/2024</a:t>
+              <a:t>17/11/2024</a:t>
             </a:fld>
             <a:endParaRPr lang="it-IT"/>
           </a:p>
@@ -26130,6 +26250,620 @@
         <p:cNvPr id="1" name="">
           <a:extLst>
             <a:ext uri="{FF2B5EF4-FFF2-40B4-BE49-F238E27FC236}">
+              <a16:creationId xmlns:a16="http://schemas.microsoft.com/office/drawing/2014/main" id="{515D914A-4EC7-B8C3-7950-EF5C3A7271E4}"/>
+            </a:ext>
+          </a:extLst>
+        </p:cNvPr>
+        <p:cNvGrpSpPr/>
+        <p:nvPr/>
+      </p:nvGrpSpPr>
+      <p:grpSpPr>
+        <a:xfrm>
+          <a:off x="0" y="0"/>
+          <a:ext cx="0" cy="0"/>
+          <a:chOff x="0" y="0"/>
+          <a:chExt cx="0" cy="0"/>
+        </a:xfrm>
+      </p:grpSpPr>
+      <p:grpSp>
+        <p:nvGrpSpPr>
+          <p:cNvPr id="27" name="Gruppo 26">
+            <a:extLst>
+              <a:ext uri="{FF2B5EF4-FFF2-40B4-BE49-F238E27FC236}">
+                <a16:creationId xmlns:a16="http://schemas.microsoft.com/office/drawing/2014/main" id="{3958BBF4-7677-9A3E-F266-A5552F0F50A9}"/>
+              </a:ext>
+            </a:extLst>
+          </p:cNvPr>
+          <p:cNvGrpSpPr/>
+          <p:nvPr/>
+        </p:nvGrpSpPr>
+        <p:grpSpPr>
+          <a:xfrm>
+            <a:off x="222946" y="516510"/>
+            <a:ext cx="2419884" cy="6341490"/>
+            <a:chOff x="954302" y="407768"/>
+            <a:chExt cx="2419884" cy="6341490"/>
+          </a:xfrm>
+        </p:grpSpPr>
+        <p:cxnSp>
+          <p:nvCxnSpPr>
+            <p:cNvPr id="3" name="Connettore diritto 2">
+              <a:extLst>
+                <a:ext uri="{FF2B5EF4-FFF2-40B4-BE49-F238E27FC236}">
+                  <a16:creationId xmlns:a16="http://schemas.microsoft.com/office/drawing/2014/main" id="{F16F85CB-6CE1-BAC2-9E9F-3AD93315719C}"/>
+                </a:ext>
+              </a:extLst>
+            </p:cNvPr>
+            <p:cNvCxnSpPr>
+              <a:cxnSpLocks/>
+              <a:endCxn id="8" idx="2"/>
+            </p:cNvCxnSpPr>
+            <p:nvPr/>
+          </p:nvCxnSpPr>
+          <p:spPr>
+            <a:xfrm flipV="1">
+              <a:off x="2164247" y="2324781"/>
+              <a:ext cx="0" cy="4424477"/>
+            </a:xfrm>
+            <a:prstGeom prst="line">
+              <a:avLst/>
+            </a:prstGeom>
+            <a:ln w="57150">
+              <a:solidFill>
+                <a:srgbClr val="DA627D"/>
+              </a:solidFill>
+            </a:ln>
+          </p:spPr>
+          <p:style>
+            <a:lnRef idx="2">
+              <a:schemeClr val="accent1"/>
+            </a:lnRef>
+            <a:fillRef idx="0">
+              <a:schemeClr val="accent1"/>
+            </a:fillRef>
+            <a:effectRef idx="1">
+              <a:schemeClr val="accent1"/>
+            </a:effectRef>
+            <a:fontRef idx="minor">
+              <a:schemeClr val="tx1"/>
+            </a:fontRef>
+          </p:style>
+        </p:cxnSp>
+        <p:grpSp>
+          <p:nvGrpSpPr>
+            <p:cNvPr id="14" name="Gruppo 13">
+              <a:extLst>
+                <a:ext uri="{FF2B5EF4-FFF2-40B4-BE49-F238E27FC236}">
+                  <a16:creationId xmlns:a16="http://schemas.microsoft.com/office/drawing/2014/main" id="{37A0D5E3-EA76-9C50-A561-782FA40A8FCE}"/>
+                </a:ext>
+              </a:extLst>
+            </p:cNvPr>
+            <p:cNvGrpSpPr/>
+            <p:nvPr/>
+          </p:nvGrpSpPr>
+          <p:grpSpPr>
+            <a:xfrm>
+              <a:off x="954302" y="407768"/>
+              <a:ext cx="2419884" cy="1917013"/>
+              <a:chOff x="1058839" y="1793267"/>
+              <a:chExt cx="2419884" cy="1917013"/>
+            </a:xfrm>
+          </p:grpSpPr>
+          <p:sp>
+            <p:nvSpPr>
+              <p:cNvPr id="8" name="Rettangolo con angoli arrotondati 7">
+                <a:extLst>
+                  <a:ext uri="{FF2B5EF4-FFF2-40B4-BE49-F238E27FC236}">
+                    <a16:creationId xmlns:a16="http://schemas.microsoft.com/office/drawing/2014/main" id="{E4F58CA9-63FE-AC13-1104-D91D2A4E0815}"/>
+                  </a:ext>
+                </a:extLst>
+              </p:cNvPr>
+              <p:cNvSpPr/>
+              <p:nvPr/>
+            </p:nvSpPr>
+            <p:spPr>
+              <a:xfrm>
+                <a:off x="1310274" y="1793267"/>
+                <a:ext cx="1917019" cy="1917013"/>
+              </a:xfrm>
+              <a:prstGeom prst="roundRect">
+                <a:avLst>
+                  <a:gd name="adj" fmla="val 7027"/>
+                </a:avLst>
+              </a:prstGeom>
+              <a:noFill/>
+              <a:ln w="38100">
+                <a:solidFill>
+                  <a:srgbClr val="DA627D"/>
+                </a:solidFill>
+              </a:ln>
+            </p:spPr>
+            <p:style>
+              <a:lnRef idx="2">
+                <a:schemeClr val="accent1">
+                  <a:shade val="15000"/>
+                </a:schemeClr>
+              </a:lnRef>
+              <a:fillRef idx="1">
+                <a:schemeClr val="accent1"/>
+              </a:fillRef>
+              <a:effectRef idx="0">
+                <a:schemeClr val="accent1"/>
+              </a:effectRef>
+              <a:fontRef idx="minor">
+                <a:schemeClr val="lt1"/>
+              </a:fontRef>
+            </p:style>
+            <p:txBody>
+              <a:bodyPr rtlCol="0" anchor="ctr"/>
+              <a:lstStyle/>
+              <a:p>
+                <a:pPr algn="ctr"/>
+                <a:endParaRPr lang="it-IT" dirty="0"/>
+              </a:p>
+            </p:txBody>
+          </p:sp>
+          <p:sp>
+            <p:nvSpPr>
+              <p:cNvPr id="6" name="CasellaDiTesto 5">
+                <a:extLst>
+                  <a:ext uri="{FF2B5EF4-FFF2-40B4-BE49-F238E27FC236}">
+                    <a16:creationId xmlns:a16="http://schemas.microsoft.com/office/drawing/2014/main" id="{D8A95208-BE1A-3E09-DC8A-BCFC607F670D}"/>
+                  </a:ext>
+                </a:extLst>
+              </p:cNvPr>
+              <p:cNvSpPr txBox="1"/>
+              <p:nvPr/>
+            </p:nvSpPr>
+            <p:spPr>
+              <a:xfrm>
+                <a:off x="1058839" y="3244334"/>
+                <a:ext cx="2419884" cy="369332"/>
+              </a:xfrm>
+              <a:prstGeom prst="rect">
+                <a:avLst/>
+              </a:prstGeom>
+              <a:noFill/>
+            </p:spPr>
+            <p:txBody>
+              <a:bodyPr wrap="square" rtlCol="0">
+                <a:spAutoFit/>
+              </a:bodyPr>
+              <a:lstStyle/>
+              <a:p>
+                <a:pPr algn="ctr"/>
+                <a:r>
+                  <a:rPr lang="it-IT" dirty="0">
+                    <a:solidFill>
+                      <a:schemeClr val="bg1"/>
+                    </a:solidFill>
+                  </a:rPr>
+                  <a:t>POSSIBLE </a:t>
+                </a:r>
+                <a:r>
+                  <a:rPr lang="it-IT" b="1" dirty="0">
+                    <a:solidFill>
+                      <a:schemeClr val="bg1"/>
+                    </a:solidFill>
+                  </a:rPr>
+                  <a:t>RISKS</a:t>
+                </a:r>
+              </a:p>
+            </p:txBody>
+          </p:sp>
+          <p:pic>
+            <p:nvPicPr>
+              <p:cNvPr id="7" name="Elemento grafico 6" descr="Strada sdrucciolevole con riempimento a tinta unita">
+                <a:extLst>
+                  <a:ext uri="{FF2B5EF4-FFF2-40B4-BE49-F238E27FC236}">
+                    <a16:creationId xmlns:a16="http://schemas.microsoft.com/office/drawing/2014/main" id="{6BF94040-BB63-97D1-BA1E-73DBB09C4E36}"/>
+                  </a:ext>
+                </a:extLst>
+              </p:cNvPr>
+              <p:cNvPicPr>
+                <a:picLocks noChangeAspect="1"/>
+              </p:cNvPicPr>
+              <p:nvPr/>
+            </p:nvPicPr>
+            <p:blipFill>
+              <a:blip r:embed="rId3">
+                <a:extLst>
+                  <a:ext uri="{96DAC541-7B7A-43D3-8B79-37D633B846F1}">
+                    <asvg:svgBlip xmlns:asvg="http://schemas.microsoft.com/office/drawing/2016/SVG/main" r:embed="rId4"/>
+                  </a:ext>
+                </a:extLst>
+              </a:blip>
+              <a:stretch>
+                <a:fillRect/>
+              </a:stretch>
+            </p:blipFill>
+            <p:spPr>
+              <a:xfrm>
+                <a:off x="1522315" y="1818543"/>
+                <a:ext cx="1492934" cy="1492934"/>
+              </a:xfrm>
+              <a:prstGeom prst="rect">
+                <a:avLst/>
+              </a:prstGeom>
+            </p:spPr>
+          </p:pic>
+        </p:grpSp>
+      </p:grpSp>
+      <p:grpSp>
+        <p:nvGrpSpPr>
+          <p:cNvPr id="12" name="Gruppo 11">
+            <a:extLst>
+              <a:ext uri="{FF2B5EF4-FFF2-40B4-BE49-F238E27FC236}">
+                <a16:creationId xmlns:a16="http://schemas.microsoft.com/office/drawing/2014/main" id="{99BF8862-9CC3-4F72-452B-BF232C708143}"/>
+              </a:ext>
+            </a:extLst>
+          </p:cNvPr>
+          <p:cNvGrpSpPr/>
+          <p:nvPr/>
+        </p:nvGrpSpPr>
+        <p:grpSpPr>
+          <a:xfrm>
+            <a:off x="3395664" y="2994285"/>
+            <a:ext cx="8383962" cy="1038109"/>
+            <a:chOff x="2997865" y="3102126"/>
+            <a:chExt cx="8383962" cy="1038109"/>
+          </a:xfrm>
+        </p:grpSpPr>
+        <p:sp>
+          <p:nvSpPr>
+            <p:cNvPr id="22" name="CasellaDiTesto 21">
+              <a:extLst>
+                <a:ext uri="{FF2B5EF4-FFF2-40B4-BE49-F238E27FC236}">
+                  <a16:creationId xmlns:a16="http://schemas.microsoft.com/office/drawing/2014/main" id="{0774324A-B091-265C-D4AB-F187DC6754F8}"/>
+                </a:ext>
+              </a:extLst>
+            </p:cNvPr>
+            <p:cNvSpPr txBox="1"/>
+            <p:nvPr/>
+          </p:nvSpPr>
+          <p:spPr>
+            <a:xfrm>
+              <a:off x="4310776" y="3328792"/>
+              <a:ext cx="7071051" cy="584775"/>
+            </a:xfrm>
+            <a:prstGeom prst="rect">
+              <a:avLst/>
+            </a:prstGeom>
+            <a:noFill/>
+          </p:spPr>
+          <p:txBody>
+            <a:bodyPr wrap="square" rtlCol="0">
+              <a:spAutoFit/>
+            </a:bodyPr>
+            <a:lstStyle/>
+            <a:p>
+              <a:r>
+                <a:rPr lang="en-US" sz="1600" spc="300" dirty="0">
+                  <a:solidFill>
+                    <a:schemeClr val="bg1"/>
+                  </a:solidFill>
+                </a:rPr>
+                <a:t>WILL PASSENGERS </a:t>
+              </a:r>
+              <a:r>
+                <a:rPr lang="en-US" sz="1600" b="1" spc="300" dirty="0">
+                  <a:solidFill>
+                    <a:schemeClr val="bg1"/>
+                  </a:solidFill>
+                </a:rPr>
+                <a:t>FEEL AT EASE </a:t>
+              </a:r>
+              <a:r>
+                <a:rPr lang="en-US" sz="1600" spc="300" dirty="0">
+                  <a:solidFill>
+                    <a:schemeClr val="bg1"/>
+                  </a:solidFill>
+                </a:rPr>
+                <a:t>KNOWING THEIR EMOTIONS ARE RECORDED AND USED FOR EVALUATION?</a:t>
+              </a:r>
+              <a:endParaRPr lang="it-IT" sz="1600" spc="300" dirty="0">
+                <a:solidFill>
+                  <a:schemeClr val="bg1"/>
+                </a:solidFill>
+              </a:endParaRPr>
+            </a:p>
+          </p:txBody>
+        </p:sp>
+        <p:pic>
+          <p:nvPicPr>
+            <p:cNvPr id="32" name="Immagine 31" descr="Immagine che contiene Elementi grafici, Carattere, simbolo, clipart&#10;&#10;Descrizione generata automaticamente">
+              <a:extLst>
+                <a:ext uri="{FF2B5EF4-FFF2-40B4-BE49-F238E27FC236}">
+                  <a16:creationId xmlns:a16="http://schemas.microsoft.com/office/drawing/2014/main" id="{782E4AE3-4214-7C67-BDDF-C541356DE334}"/>
+                </a:ext>
+              </a:extLst>
+            </p:cNvPr>
+            <p:cNvPicPr>
+              <a:picLocks noChangeAspect="1"/>
+            </p:cNvPicPr>
+            <p:nvPr/>
+          </p:nvPicPr>
+          <p:blipFill>
+            <a:blip r:embed="rId5">
+              <a:extLst>
+                <a:ext uri="{28A0092B-C50C-407E-A947-70E740481C1C}">
+                  <a14:useLocalDpi xmlns:a14="http://schemas.microsoft.com/office/drawing/2010/main" val="0"/>
+                </a:ext>
+              </a:extLst>
+            </a:blip>
+            <a:stretch>
+              <a:fillRect/>
+            </a:stretch>
+          </p:blipFill>
+          <p:spPr>
+            <a:xfrm>
+              <a:off x="2997865" y="3102126"/>
+              <a:ext cx="1038109" cy="1038109"/>
+            </a:xfrm>
+            <a:prstGeom prst="rect">
+              <a:avLst/>
+            </a:prstGeom>
+          </p:spPr>
+        </p:pic>
+      </p:grpSp>
+      <p:grpSp>
+        <p:nvGrpSpPr>
+          <p:cNvPr id="11" name="Gruppo 10">
+            <a:extLst>
+              <a:ext uri="{FF2B5EF4-FFF2-40B4-BE49-F238E27FC236}">
+                <a16:creationId xmlns:a16="http://schemas.microsoft.com/office/drawing/2014/main" id="{34965339-7305-A971-C86B-9A51F5DF0A01}"/>
+              </a:ext>
+            </a:extLst>
+          </p:cNvPr>
+          <p:cNvGrpSpPr/>
+          <p:nvPr/>
+        </p:nvGrpSpPr>
+        <p:grpSpPr>
+          <a:xfrm>
+            <a:off x="3395664" y="769196"/>
+            <a:ext cx="6845383" cy="1038113"/>
+            <a:chOff x="4107531" y="352956"/>
+            <a:chExt cx="6845383" cy="1038113"/>
+          </a:xfrm>
+        </p:grpSpPr>
+        <p:sp>
+          <p:nvSpPr>
+            <p:cNvPr id="21" name="CasellaDiTesto 20">
+              <a:extLst>
+                <a:ext uri="{FF2B5EF4-FFF2-40B4-BE49-F238E27FC236}">
+                  <a16:creationId xmlns:a16="http://schemas.microsoft.com/office/drawing/2014/main" id="{B509075C-2116-F344-76D3-63B4E58B551A}"/>
+                </a:ext>
+              </a:extLst>
+            </p:cNvPr>
+            <p:cNvSpPr txBox="1"/>
+            <p:nvPr/>
+          </p:nvSpPr>
+          <p:spPr>
+            <a:xfrm>
+              <a:off x="5420442" y="579624"/>
+              <a:ext cx="5532472" cy="584775"/>
+            </a:xfrm>
+            <a:prstGeom prst="rect">
+              <a:avLst/>
+            </a:prstGeom>
+            <a:noFill/>
+          </p:spPr>
+          <p:txBody>
+            <a:bodyPr wrap="square" rtlCol="0">
+              <a:spAutoFit/>
+            </a:bodyPr>
+            <a:lstStyle/>
+            <a:p>
+              <a:r>
+                <a:rPr lang="it-IT" sz="1600" spc="300" dirty="0">
+                  <a:solidFill>
+                    <a:schemeClr val="bg1"/>
+                  </a:solidFill>
+                </a:rPr>
+                <a:t>IS THE </a:t>
+              </a:r>
+              <a:r>
+                <a:rPr lang="it-IT" sz="1600" b="1" spc="300" dirty="0">
+                  <a:solidFill>
+                    <a:schemeClr val="bg1"/>
+                  </a:solidFill>
+                </a:rPr>
+                <a:t>MARKET READY </a:t>
+              </a:r>
+              <a:r>
+                <a:rPr lang="it-IT" sz="1600" spc="300" dirty="0">
+                  <a:solidFill>
+                    <a:schemeClr val="bg1"/>
+                  </a:solidFill>
+                </a:rPr>
+                <a:t>TO INTRODUCE SUCH AN INNOVATION?</a:t>
+              </a:r>
+              <a:endParaRPr lang="it-IT" spc="300" dirty="0">
+                <a:solidFill>
+                  <a:schemeClr val="bg1"/>
+                </a:solidFill>
+              </a:endParaRPr>
+            </a:p>
+          </p:txBody>
+        </p:sp>
+        <p:pic>
+          <p:nvPicPr>
+            <p:cNvPr id="35" name="Immagine 34" descr="Immagine che contiene Carattere, Elementi grafici, simbolo, design&#10;&#10;Descrizione generata automaticamente">
+              <a:extLst>
+                <a:ext uri="{FF2B5EF4-FFF2-40B4-BE49-F238E27FC236}">
+                  <a16:creationId xmlns:a16="http://schemas.microsoft.com/office/drawing/2014/main" id="{82D32200-982A-99FC-3604-D53318BBBFBA}"/>
+                </a:ext>
+              </a:extLst>
+            </p:cNvPr>
+            <p:cNvPicPr>
+              <a:picLocks noChangeAspect="1"/>
+            </p:cNvPicPr>
+            <p:nvPr/>
+          </p:nvPicPr>
+          <p:blipFill>
+            <a:blip r:embed="rId6">
+              <a:extLst>
+                <a:ext uri="{28A0092B-C50C-407E-A947-70E740481C1C}">
+                  <a14:useLocalDpi xmlns:a14="http://schemas.microsoft.com/office/drawing/2010/main" val="0"/>
+                </a:ext>
+              </a:extLst>
+            </a:blip>
+            <a:stretch>
+              <a:fillRect/>
+            </a:stretch>
+          </p:blipFill>
+          <p:spPr>
+            <a:xfrm>
+              <a:off x="4107531" y="352956"/>
+              <a:ext cx="1038113" cy="1038113"/>
+            </a:xfrm>
+            <a:prstGeom prst="rect">
+              <a:avLst/>
+            </a:prstGeom>
+          </p:spPr>
+        </p:pic>
+      </p:grpSp>
+      <p:grpSp>
+        <p:nvGrpSpPr>
+          <p:cNvPr id="19" name="Gruppo 18">
+            <a:extLst>
+              <a:ext uri="{FF2B5EF4-FFF2-40B4-BE49-F238E27FC236}">
+                <a16:creationId xmlns:a16="http://schemas.microsoft.com/office/drawing/2014/main" id="{68DFA307-16E6-56D4-F1B0-3AF69625EF36}"/>
+              </a:ext>
+            </a:extLst>
+          </p:cNvPr>
+          <p:cNvGrpSpPr/>
+          <p:nvPr/>
+        </p:nvGrpSpPr>
+        <p:grpSpPr>
+          <a:xfrm>
+            <a:off x="3395664" y="5219369"/>
+            <a:ext cx="8796338" cy="1038110"/>
+            <a:chOff x="2436438" y="5098282"/>
+            <a:chExt cx="8796338" cy="1038110"/>
+          </a:xfrm>
+        </p:grpSpPr>
+        <p:pic>
+          <p:nvPicPr>
+            <p:cNvPr id="39" name="Immagine 38" descr="Immagine che contiene Elementi grafici, cerchio, grafica, Carattere&#10;&#10;Descrizione generata automaticamente">
+              <a:extLst>
+                <a:ext uri="{FF2B5EF4-FFF2-40B4-BE49-F238E27FC236}">
+                  <a16:creationId xmlns:a16="http://schemas.microsoft.com/office/drawing/2014/main" id="{FE25FC83-7A91-F78A-C1DE-6377C9102BC5}"/>
+                </a:ext>
+              </a:extLst>
+            </p:cNvPr>
+            <p:cNvPicPr>
+              <a:picLocks noChangeAspect="1"/>
+            </p:cNvPicPr>
+            <p:nvPr/>
+          </p:nvPicPr>
+          <p:blipFill>
+            <a:blip r:embed="rId7">
+              <a:extLst>
+                <a:ext uri="{28A0092B-C50C-407E-A947-70E740481C1C}">
+                  <a14:useLocalDpi xmlns:a14="http://schemas.microsoft.com/office/drawing/2010/main" val="0"/>
+                </a:ext>
+              </a:extLst>
+            </a:blip>
+            <a:stretch>
+              <a:fillRect/>
+            </a:stretch>
+          </p:blipFill>
+          <p:spPr>
+            <a:xfrm>
+              <a:off x="2436438" y="5098282"/>
+              <a:ext cx="1038110" cy="1038110"/>
+            </a:xfrm>
+            <a:prstGeom prst="rect">
+              <a:avLst/>
+            </a:prstGeom>
+          </p:spPr>
+        </p:pic>
+        <p:sp>
+          <p:nvSpPr>
+            <p:cNvPr id="5" name="CasellaDiTesto 4">
+              <a:extLst>
+                <a:ext uri="{FF2B5EF4-FFF2-40B4-BE49-F238E27FC236}">
+                  <a16:creationId xmlns:a16="http://schemas.microsoft.com/office/drawing/2014/main" id="{6DFEF009-535F-EA88-511F-DF03215B4548}"/>
+                </a:ext>
+              </a:extLst>
+            </p:cNvPr>
+            <p:cNvSpPr txBox="1"/>
+            <p:nvPr/>
+          </p:nvSpPr>
+          <p:spPr>
+            <a:xfrm>
+              <a:off x="3749349" y="5324949"/>
+              <a:ext cx="7483427" cy="584775"/>
+            </a:xfrm>
+            <a:prstGeom prst="rect">
+              <a:avLst/>
+            </a:prstGeom>
+            <a:noFill/>
+          </p:spPr>
+          <p:txBody>
+            <a:bodyPr wrap="square" rtlCol="0">
+              <a:spAutoFit/>
+            </a:bodyPr>
+            <a:lstStyle/>
+            <a:p>
+              <a:r>
+                <a:rPr lang="en-US" sz="1600" spc="300" dirty="0">
+                  <a:solidFill>
+                    <a:schemeClr val="bg1"/>
+                  </a:solidFill>
+                </a:rPr>
+                <a:t>IS THE PROPOSED IDEA </a:t>
+              </a:r>
+              <a:r>
+                <a:rPr lang="en-US" sz="1600" b="1" spc="300" dirty="0">
+                  <a:solidFill>
+                    <a:schemeClr val="bg1"/>
+                  </a:solidFill>
+                </a:rPr>
+                <a:t>FEASIBLE</a:t>
+              </a:r>
+              <a:r>
+                <a:rPr lang="en-US" sz="1600" spc="300" dirty="0">
+                  <a:solidFill>
+                    <a:schemeClr val="bg1"/>
+                  </a:solidFill>
+                </a:rPr>
+                <a:t> GIVEN CURRENT TECHNOLOGICAL ADVANCEMENTS AND RESEARCH?</a:t>
+              </a:r>
+            </a:p>
+          </p:txBody>
+        </p:sp>
+      </p:grpSp>
+    </p:spTree>
+    <p:extLst>
+      <p:ext uri="{BB962C8B-B14F-4D97-AF65-F5344CB8AC3E}">
+        <p14:creationId xmlns:p14="http://schemas.microsoft.com/office/powerpoint/2010/main" val="772487331"/>
+      </p:ext>
+    </p:extLst>
+  </p:cSld>
+  <p:clrMapOvr>
+    <a:masterClrMapping/>
+  </p:clrMapOvr>
+</p:sld>
+</file>
+
+<file path=ppt/slides/slide15.xml><?xml version="1.0" encoding="utf-8"?>
+<p:sld xmlns:a="http://schemas.openxmlformats.org/drawingml/2006/main" xmlns:r="http://schemas.openxmlformats.org/officeDocument/2006/relationships" xmlns:p="http://schemas.openxmlformats.org/presentationml/2006/main" show="0">
+  <p:cSld>
+    <p:bg>
+      <p:bgPr>
+        <a:solidFill>
+          <a:srgbClr val="0D0628"/>
+        </a:solidFill>
+        <a:effectLst/>
+      </p:bgPr>
+    </p:bg>
+    <p:spTree>
+      <p:nvGrpSpPr>
+        <p:cNvPr id="1" name="">
+          <a:extLst>
+            <a:ext uri="{FF2B5EF4-FFF2-40B4-BE49-F238E27FC236}">
               <a16:creationId xmlns:a16="http://schemas.microsoft.com/office/drawing/2014/main" id="{6B13791E-6E40-34A7-1312-33AB37F38202}"/>
             </a:ext>
           </a:extLst>
@@ -26540,7 +27274,7 @@
 </p:sld>
 </file>
 
-<file path=ppt/slides/slide15.xml><?xml version="1.0" encoding="utf-8"?>
+<file path=ppt/slides/slide16.xml><?xml version="1.0" encoding="utf-8"?>
 <p:sld xmlns:a="http://schemas.openxmlformats.org/drawingml/2006/main" xmlns:r="http://schemas.openxmlformats.org/officeDocument/2006/relationships" xmlns:p="http://schemas.openxmlformats.org/presentationml/2006/main">
   <p:cSld>
     <p:bg>
@@ -27048,7 +27782,7 @@
 </p:sld>
 </file>
 
-<file path=ppt/slides/slide16.xml><?xml version="1.0" encoding="utf-8"?>
+<file path=ppt/slides/slide17.xml><?xml version="1.0" encoding="utf-8"?>
 <p:sld xmlns:a="http://schemas.openxmlformats.org/drawingml/2006/main" xmlns:r="http://schemas.openxmlformats.org/officeDocument/2006/relationships" xmlns:p="http://schemas.openxmlformats.org/presentationml/2006/main">
   <p:cSld>
     <p:bg>
@@ -28408,7 +29142,7 @@
         </p:nvSpPr>
         <p:spPr>
           <a:xfrm>
-            <a:off x="2234078" y="3198167"/>
+            <a:off x="1875490" y="3198167"/>
             <a:ext cx="7353035" cy="461665"/>
           </a:xfrm>
           <a:prstGeom prst="rect">
@@ -28424,7 +29158,7 @@
           <a:p>
             <a:pPr algn="ctr"/>
             <a:r>
-              <a:rPr lang="en-US" sz="2400" dirty="0">
+              <a:rPr lang="en-US" sz="2400" spc="300" dirty="0">
                 <a:solidFill>
                   <a:schemeClr val="bg1"/>
                 </a:solidFill>
@@ -28432,14 +29166,14 @@
               <a:t>SO, WHAT’S THE </a:t>
             </a:r>
             <a:r>
-              <a:rPr lang="en-US" sz="2400" b="1" dirty="0">
+              <a:rPr lang="en-US" sz="2400" b="1" spc="300" dirty="0">
                 <a:solidFill>
                   <a:schemeClr val="bg1"/>
                 </a:solidFill>
               </a:rPr>
               <a:t>PROBLEM</a:t>
             </a:r>
-            <a:endParaRPr lang="it-IT" sz="2400" b="1" dirty="0">
+            <a:endParaRPr lang="it-IT" sz="2400" b="1" spc="300" dirty="0">
               <a:solidFill>
                 <a:schemeClr val="bg1"/>
               </a:solidFill>

--- a/Idea/Idea_Presentation.pptx
+++ b/Idea/Idea_Presentation.pptx
@@ -5,26 +5,28 @@
     <p:sldMasterId id="2147483648" r:id="rId1"/>
   </p:sldMasterIdLst>
   <p:notesMasterIdLst>
-    <p:notesMasterId r:id="rId19"/>
+    <p:notesMasterId r:id="rId21"/>
   </p:notesMasterIdLst>
   <p:sldIdLst>
     <p:sldId id="256" r:id="rId2"/>
     <p:sldId id="262" r:id="rId3"/>
-    <p:sldId id="273" r:id="rId4"/>
-    <p:sldId id="272" r:id="rId5"/>
-    <p:sldId id="276" r:id="rId6"/>
-    <p:sldId id="274" r:id="rId7"/>
-    <p:sldId id="267" r:id="rId8"/>
-    <p:sldId id="268" r:id="rId9"/>
-    <p:sldId id="275" r:id="rId10"/>
-    <p:sldId id="263" r:id="rId11"/>
-    <p:sldId id="270" r:id="rId12"/>
-    <p:sldId id="278" r:id="rId13"/>
-    <p:sldId id="257" r:id="rId14"/>
-    <p:sldId id="281" r:id="rId15"/>
-    <p:sldId id="277" r:id="rId16"/>
-    <p:sldId id="279" r:id="rId17"/>
-    <p:sldId id="266" r:id="rId18"/>
+    <p:sldId id="282" r:id="rId4"/>
+    <p:sldId id="283" r:id="rId5"/>
+    <p:sldId id="273" r:id="rId6"/>
+    <p:sldId id="272" r:id="rId7"/>
+    <p:sldId id="276" r:id="rId8"/>
+    <p:sldId id="274" r:id="rId9"/>
+    <p:sldId id="267" r:id="rId10"/>
+    <p:sldId id="268" r:id="rId11"/>
+    <p:sldId id="275" r:id="rId12"/>
+    <p:sldId id="263" r:id="rId13"/>
+    <p:sldId id="270" r:id="rId14"/>
+    <p:sldId id="278" r:id="rId15"/>
+    <p:sldId id="257" r:id="rId16"/>
+    <p:sldId id="281" r:id="rId17"/>
+    <p:sldId id="277" r:id="rId18"/>
+    <p:sldId id="279" r:id="rId19"/>
+    <p:sldId id="266" r:id="rId20"/>
   </p:sldIdLst>
   <p:sldSz cx="12192000" cy="6858000"/>
   <p:notesSz cx="6858000" cy="9144000"/>
@@ -213,7 +215,7 @@
           <a:p>
             <a:fld id="{F05F3A0F-052B-4D45-ADDD-90AEB5AB3DF4}" type="datetimeFigureOut">
               <a:rPr lang="it-IT" smtClean="0"/>
-              <a:t>17/11/2024</a:t>
+              <a:t>18/11/2024</a:t>
             </a:fld>
             <a:endParaRPr lang="it-IT"/>
           </a:p>
@@ -607,6 +609,244 @@
         <p:cNvPr id="1" name="">
           <a:extLst>
             <a:ext uri="{FF2B5EF4-FFF2-40B4-BE49-F238E27FC236}">
+              <a16:creationId xmlns:a16="http://schemas.microsoft.com/office/drawing/2014/main" id="{ED6A2E81-5F7E-EC96-62D3-FACB0C8CB539}"/>
+            </a:ext>
+          </a:extLst>
+        </p:cNvPr>
+        <p:cNvGrpSpPr/>
+        <p:nvPr/>
+      </p:nvGrpSpPr>
+      <p:grpSpPr>
+        <a:xfrm>
+          <a:off x="0" y="0"/>
+          <a:ext cx="0" cy="0"/>
+          <a:chOff x="0" y="0"/>
+          <a:chExt cx="0" cy="0"/>
+        </a:xfrm>
+      </p:grpSpPr>
+      <p:sp>
+        <p:nvSpPr>
+          <p:cNvPr id="2" name="Segnaposto immagine diapositiva 1">
+            <a:extLst>
+              <a:ext uri="{FF2B5EF4-FFF2-40B4-BE49-F238E27FC236}">
+                <a16:creationId xmlns:a16="http://schemas.microsoft.com/office/drawing/2014/main" id="{077253CC-C591-CFDC-1DEF-D6BC6AE75803}"/>
+              </a:ext>
+            </a:extLst>
+          </p:cNvPr>
+          <p:cNvSpPr>
+            <a:spLocks noGrp="1" noRot="1" noChangeAspect="1"/>
+          </p:cNvSpPr>
+          <p:nvPr>
+            <p:ph type="sldImg"/>
+          </p:nvPr>
+        </p:nvSpPr>
+        <p:spPr/>
+      </p:sp>
+      <p:sp>
+        <p:nvSpPr>
+          <p:cNvPr id="3" name="Segnaposto note 2">
+            <a:extLst>
+              <a:ext uri="{FF2B5EF4-FFF2-40B4-BE49-F238E27FC236}">
+                <a16:creationId xmlns:a16="http://schemas.microsoft.com/office/drawing/2014/main" id="{EE663B22-7FF9-8D67-CC5E-16715EE3EB24}"/>
+              </a:ext>
+            </a:extLst>
+          </p:cNvPr>
+          <p:cNvSpPr>
+            <a:spLocks noGrp="1"/>
+          </p:cNvSpPr>
+          <p:nvPr>
+            <p:ph type="body" idx="1"/>
+          </p:nvPr>
+        </p:nvSpPr>
+        <p:spPr/>
+        <p:txBody>
+          <a:bodyPr/>
+          <a:lstStyle/>
+          <a:p>
+            <a:r>
+              <a:rPr lang="it-IT" dirty="0"/>
+              <a:t>Didi </a:t>
+            </a:r>
+            <a:r>
+              <a:rPr lang="it-IT" dirty="0" err="1"/>
+              <a:t>Chuxing</a:t>
+            </a:r>
+            <a:r>
+              <a:rPr lang="it-IT" dirty="0"/>
+              <a:t> implementa il monitoraggio telemetrico della guida (algoritmo di machine learning per verificare frenate brusche, accelerazioni brusche e altri parametri che definiscono una guida pericolosa.</a:t>
+            </a:r>
+          </a:p>
+        </p:txBody>
+      </p:sp>
+      <p:sp>
+        <p:nvSpPr>
+          <p:cNvPr id="4" name="Segnaposto numero diapositiva 3">
+            <a:extLst>
+              <a:ext uri="{FF2B5EF4-FFF2-40B4-BE49-F238E27FC236}">
+                <a16:creationId xmlns:a16="http://schemas.microsoft.com/office/drawing/2014/main" id="{4270CA99-80E6-21C8-8DCA-F434E7798E21}"/>
+              </a:ext>
+            </a:extLst>
+          </p:cNvPr>
+          <p:cNvSpPr>
+            <a:spLocks noGrp="1"/>
+          </p:cNvSpPr>
+          <p:nvPr>
+            <p:ph type="sldNum" sz="quarter" idx="5"/>
+          </p:nvPr>
+        </p:nvSpPr>
+        <p:spPr/>
+        <p:txBody>
+          <a:bodyPr/>
+          <a:lstStyle/>
+          <a:p>
+            <a:fld id="{3F2DB5A4-1ADC-4498-B442-720211AEF2E0}" type="slidenum">
+              <a:rPr lang="it-IT" smtClean="0"/>
+              <a:t>11</a:t>
+            </a:fld>
+            <a:endParaRPr lang="it-IT"/>
+          </a:p>
+        </p:txBody>
+      </p:sp>
+    </p:spTree>
+    <p:extLst>
+      <p:ext uri="{BB962C8B-B14F-4D97-AF65-F5344CB8AC3E}">
+        <p14:creationId xmlns:p14="http://schemas.microsoft.com/office/powerpoint/2010/main" val="2145725665"/>
+      </p:ext>
+    </p:extLst>
+  </p:cSld>
+  <p:clrMapOvr>
+    <a:masterClrMapping/>
+  </p:clrMapOvr>
+</p:notes>
+</file>
+
+<file path=ppt/notesSlides/notesSlide11.xml><?xml version="1.0" encoding="utf-8"?>
+<p:notes xmlns:a="http://schemas.openxmlformats.org/drawingml/2006/main" xmlns:r="http://schemas.openxmlformats.org/officeDocument/2006/relationships" xmlns:p="http://schemas.openxmlformats.org/presentationml/2006/main">
+  <p:cSld>
+    <p:spTree>
+      <p:nvGrpSpPr>
+        <p:cNvPr id="1" name="">
+          <a:extLst>
+            <a:ext uri="{FF2B5EF4-FFF2-40B4-BE49-F238E27FC236}">
+              <a16:creationId xmlns:a16="http://schemas.microsoft.com/office/drawing/2014/main" id="{911E9E93-6B0D-9B59-8820-9A46C04464FC}"/>
+            </a:ext>
+          </a:extLst>
+        </p:cNvPr>
+        <p:cNvGrpSpPr/>
+        <p:nvPr/>
+      </p:nvGrpSpPr>
+      <p:grpSpPr>
+        <a:xfrm>
+          <a:off x="0" y="0"/>
+          <a:ext cx="0" cy="0"/>
+          <a:chOff x="0" y="0"/>
+          <a:chExt cx="0" cy="0"/>
+        </a:xfrm>
+      </p:grpSpPr>
+      <p:sp>
+        <p:nvSpPr>
+          <p:cNvPr id="2" name="Segnaposto immagine diapositiva 1">
+            <a:extLst>
+              <a:ext uri="{FF2B5EF4-FFF2-40B4-BE49-F238E27FC236}">
+                <a16:creationId xmlns:a16="http://schemas.microsoft.com/office/drawing/2014/main" id="{312F5F90-CDF8-108F-2FB6-3FFE40C43C25}"/>
+              </a:ext>
+            </a:extLst>
+          </p:cNvPr>
+          <p:cNvSpPr>
+            <a:spLocks noGrp="1" noRot="1" noChangeAspect="1"/>
+          </p:cNvSpPr>
+          <p:nvPr>
+            <p:ph type="sldImg"/>
+          </p:nvPr>
+        </p:nvSpPr>
+        <p:spPr/>
+      </p:sp>
+      <p:sp>
+        <p:nvSpPr>
+          <p:cNvPr id="3" name="Segnaposto note 2">
+            <a:extLst>
+              <a:ext uri="{FF2B5EF4-FFF2-40B4-BE49-F238E27FC236}">
+                <a16:creationId xmlns:a16="http://schemas.microsoft.com/office/drawing/2014/main" id="{1F8DE6AA-526F-2630-A49F-D86FEB738AF6}"/>
+              </a:ext>
+            </a:extLst>
+          </p:cNvPr>
+          <p:cNvSpPr>
+            <a:spLocks noGrp="1"/>
+          </p:cNvSpPr>
+          <p:nvPr>
+            <p:ph type="body" idx="1"/>
+          </p:nvPr>
+        </p:nvSpPr>
+        <p:spPr/>
+        <p:txBody>
+          <a:bodyPr/>
+          <a:lstStyle/>
+          <a:p>
+            <a:r>
+              <a:rPr lang="it-IT" dirty="0"/>
+              <a:t>Didi </a:t>
+            </a:r>
+            <a:r>
+              <a:rPr lang="it-IT" dirty="0" err="1"/>
+              <a:t>Chuxing</a:t>
+            </a:r>
+            <a:r>
+              <a:rPr lang="it-IT" dirty="0"/>
+              <a:t> implementa il monitoraggio telemetrico della guida (algoritmo di machine learning per verificare frenate brusche, accelerazioni brusche e altri parametri che definiscono una guida pericolosa.</a:t>
+            </a:r>
+          </a:p>
+        </p:txBody>
+      </p:sp>
+      <p:sp>
+        <p:nvSpPr>
+          <p:cNvPr id="4" name="Segnaposto numero diapositiva 3">
+            <a:extLst>
+              <a:ext uri="{FF2B5EF4-FFF2-40B4-BE49-F238E27FC236}">
+                <a16:creationId xmlns:a16="http://schemas.microsoft.com/office/drawing/2014/main" id="{8CB7D912-A855-868B-9D0B-1B6B8E081E90}"/>
+              </a:ext>
+            </a:extLst>
+          </p:cNvPr>
+          <p:cNvSpPr>
+            <a:spLocks noGrp="1"/>
+          </p:cNvSpPr>
+          <p:nvPr>
+            <p:ph type="sldNum" sz="quarter" idx="5"/>
+          </p:nvPr>
+        </p:nvSpPr>
+        <p:spPr/>
+        <p:txBody>
+          <a:bodyPr/>
+          <a:lstStyle/>
+          <a:p>
+            <a:fld id="{3F2DB5A4-1ADC-4498-B442-720211AEF2E0}" type="slidenum">
+              <a:rPr lang="it-IT" smtClean="0"/>
+              <a:t>12</a:t>
+            </a:fld>
+            <a:endParaRPr lang="it-IT"/>
+          </a:p>
+        </p:txBody>
+      </p:sp>
+    </p:spTree>
+    <p:extLst>
+      <p:ext uri="{BB962C8B-B14F-4D97-AF65-F5344CB8AC3E}">
+        <p14:creationId xmlns:p14="http://schemas.microsoft.com/office/powerpoint/2010/main" val="670471395"/>
+      </p:ext>
+    </p:extLst>
+  </p:cSld>
+  <p:clrMapOvr>
+    <a:masterClrMapping/>
+  </p:clrMapOvr>
+</p:notes>
+</file>
+
+<file path=ppt/notesSlides/notesSlide12.xml><?xml version="1.0" encoding="utf-8"?>
+<p:notes xmlns:a="http://schemas.openxmlformats.org/drawingml/2006/main" xmlns:r="http://schemas.openxmlformats.org/officeDocument/2006/relationships" xmlns:p="http://schemas.openxmlformats.org/presentationml/2006/main">
+  <p:cSld>
+    <p:spTree>
+      <p:nvGrpSpPr>
+        <p:cNvPr id="1" name="">
+          <a:extLst>
+            <a:ext uri="{FF2B5EF4-FFF2-40B4-BE49-F238E27FC236}">
               <a16:creationId xmlns:a16="http://schemas.microsoft.com/office/drawing/2014/main" id="{ED38B483-78F4-88C0-85C1-B1484CCD5F04}"/>
             </a:ext>
           </a:extLst>
@@ -699,7 +939,7 @@
           <a:p>
             <a:fld id="{3F2DB5A4-1ADC-4498-B442-720211AEF2E0}" type="slidenum">
               <a:rPr lang="it-IT" smtClean="0"/>
-              <a:t>11</a:t>
+              <a:t>13</a:t>
             </a:fld>
             <a:endParaRPr lang="it-IT"/>
           </a:p>
@@ -718,7 +958,7 @@
 </p:notes>
 </file>
 
-<file path=ppt/notesSlides/notesSlide11.xml><?xml version="1.0" encoding="utf-8"?>
+<file path=ppt/notesSlides/notesSlide13.xml><?xml version="1.0" encoding="utf-8"?>
 <p:notes xmlns:a="http://schemas.openxmlformats.org/drawingml/2006/main" xmlns:r="http://schemas.openxmlformats.org/officeDocument/2006/relationships" xmlns:p="http://schemas.openxmlformats.org/presentationml/2006/main">
   <p:cSld>
     <p:spTree>
@@ -818,7 +1058,7 @@
           <a:p>
             <a:fld id="{3F2DB5A4-1ADC-4498-B442-720211AEF2E0}" type="slidenum">
               <a:rPr lang="it-IT" smtClean="0"/>
-              <a:t>12</a:t>
+              <a:t>14</a:t>
             </a:fld>
             <a:endParaRPr lang="it-IT"/>
           </a:p>
@@ -837,7 +1077,7 @@
 </p:notes>
 </file>
 
-<file path=ppt/notesSlides/notesSlide12.xml><?xml version="1.0" encoding="utf-8"?>
+<file path=ppt/notesSlides/notesSlide14.xml><?xml version="1.0" encoding="utf-8"?>
 <p:notes xmlns:a="http://schemas.openxmlformats.org/drawingml/2006/main" xmlns:r="http://schemas.openxmlformats.org/officeDocument/2006/relationships" xmlns:p="http://schemas.openxmlformats.org/presentationml/2006/main">
   <p:cSld>
     <p:spTree>
@@ -913,7 +1153,7 @@
           <a:p>
             <a:fld id="{3F2DB5A4-1ADC-4498-B442-720211AEF2E0}" type="slidenum">
               <a:rPr lang="it-IT" smtClean="0"/>
-              <a:t>13</a:t>
+              <a:t>15</a:t>
             </a:fld>
             <a:endParaRPr lang="it-IT"/>
           </a:p>
@@ -932,7 +1172,7 @@
 </p:notes>
 </file>
 
-<file path=ppt/notesSlides/notesSlide13.xml><?xml version="1.0" encoding="utf-8"?>
+<file path=ppt/notesSlides/notesSlide15.xml><?xml version="1.0" encoding="utf-8"?>
 <p:notes xmlns:a="http://schemas.openxmlformats.org/drawingml/2006/main" xmlns:r="http://schemas.openxmlformats.org/officeDocument/2006/relationships" xmlns:p="http://schemas.openxmlformats.org/presentationml/2006/main">
   <p:cSld>
     <p:spTree>
@@ -1032,7 +1272,7 @@
           <a:p>
             <a:fld id="{3F2DB5A4-1ADC-4498-B442-720211AEF2E0}" type="slidenum">
               <a:rPr lang="it-IT" smtClean="0"/>
-              <a:t>14</a:t>
+              <a:t>16</a:t>
             </a:fld>
             <a:endParaRPr lang="it-IT"/>
           </a:p>
@@ -1051,7 +1291,7 @@
 </p:notes>
 </file>
 
-<file path=ppt/notesSlides/notesSlide14.xml><?xml version="1.0" encoding="utf-8"?>
+<file path=ppt/notesSlides/notesSlide16.xml><?xml version="1.0" encoding="utf-8"?>
 <p:notes xmlns:a="http://schemas.openxmlformats.org/drawingml/2006/main" xmlns:r="http://schemas.openxmlformats.org/officeDocument/2006/relationships" xmlns:p="http://schemas.openxmlformats.org/presentationml/2006/main">
   <p:cSld>
     <p:spTree>
@@ -1151,7 +1391,7 @@
           <a:p>
             <a:fld id="{3F2DB5A4-1ADC-4498-B442-720211AEF2E0}" type="slidenum">
               <a:rPr lang="it-IT" smtClean="0"/>
-              <a:t>15</a:t>
+              <a:t>17</a:t>
             </a:fld>
             <a:endParaRPr lang="it-IT"/>
           </a:p>
@@ -1170,7 +1410,7 @@
 </p:notes>
 </file>
 
-<file path=ppt/notesSlides/notesSlide15.xml><?xml version="1.0" encoding="utf-8"?>
+<file path=ppt/notesSlides/notesSlide17.xml><?xml version="1.0" encoding="utf-8"?>
 <p:notes xmlns:a="http://schemas.openxmlformats.org/drawingml/2006/main" xmlns:r="http://schemas.openxmlformats.org/officeDocument/2006/relationships" xmlns:p="http://schemas.openxmlformats.org/presentationml/2006/main">
   <p:cSld>
     <p:spTree>
@@ -1270,7 +1510,7 @@
           <a:p>
             <a:fld id="{3F2DB5A4-1ADC-4498-B442-720211AEF2E0}" type="slidenum">
               <a:rPr lang="it-IT" smtClean="0"/>
-              <a:t>16</a:t>
+              <a:t>18</a:t>
             </a:fld>
             <a:endParaRPr lang="it-IT"/>
           </a:p>
@@ -1289,7 +1529,7 @@
 </p:notes>
 </file>
 
-<file path=ppt/notesSlides/notesSlide16.xml><?xml version="1.0" encoding="utf-8"?>
+<file path=ppt/notesSlides/notesSlide18.xml><?xml version="1.0" encoding="utf-8"?>
 <p:notes xmlns:a="http://schemas.openxmlformats.org/drawingml/2006/main" xmlns:r="http://schemas.openxmlformats.org/officeDocument/2006/relationships" xmlns:p="http://schemas.openxmlformats.org/presentationml/2006/main">
   <p:cSld>
     <p:spTree>
@@ -1389,7 +1629,7 @@
           <a:p>
             <a:fld id="{3F2DB5A4-1ADC-4498-B442-720211AEF2E0}" type="slidenum">
               <a:rPr lang="it-IT" smtClean="0"/>
-              <a:t>17</a:t>
+              <a:t>19</a:t>
             </a:fld>
             <a:endParaRPr lang="it-IT"/>
           </a:p>
@@ -1409,6 +1649,244 @@
 </file>
 
 <file path=ppt/notesSlides/notesSlide2.xml><?xml version="1.0" encoding="utf-8"?>
+<p:notes xmlns:a="http://schemas.openxmlformats.org/drawingml/2006/main" xmlns:r="http://schemas.openxmlformats.org/officeDocument/2006/relationships" xmlns:p="http://schemas.openxmlformats.org/presentationml/2006/main">
+  <p:cSld>
+    <p:spTree>
+      <p:nvGrpSpPr>
+        <p:cNvPr id="1" name="">
+          <a:extLst>
+            <a:ext uri="{FF2B5EF4-FFF2-40B4-BE49-F238E27FC236}">
+              <a16:creationId xmlns:a16="http://schemas.microsoft.com/office/drawing/2014/main" id="{B7410484-CCDD-238F-DB0D-1ADD9F862776}"/>
+            </a:ext>
+          </a:extLst>
+        </p:cNvPr>
+        <p:cNvGrpSpPr/>
+        <p:nvPr/>
+      </p:nvGrpSpPr>
+      <p:grpSpPr>
+        <a:xfrm>
+          <a:off x="0" y="0"/>
+          <a:ext cx="0" cy="0"/>
+          <a:chOff x="0" y="0"/>
+          <a:chExt cx="0" cy="0"/>
+        </a:xfrm>
+      </p:grpSpPr>
+      <p:sp>
+        <p:nvSpPr>
+          <p:cNvPr id="2" name="Segnaposto immagine diapositiva 1">
+            <a:extLst>
+              <a:ext uri="{FF2B5EF4-FFF2-40B4-BE49-F238E27FC236}">
+                <a16:creationId xmlns:a16="http://schemas.microsoft.com/office/drawing/2014/main" id="{ECE4C162-03C7-D193-D728-5108ECA31D06}"/>
+              </a:ext>
+            </a:extLst>
+          </p:cNvPr>
+          <p:cNvSpPr>
+            <a:spLocks noGrp="1" noRot="1" noChangeAspect="1"/>
+          </p:cNvSpPr>
+          <p:nvPr>
+            <p:ph type="sldImg"/>
+          </p:nvPr>
+        </p:nvSpPr>
+        <p:spPr/>
+      </p:sp>
+      <p:sp>
+        <p:nvSpPr>
+          <p:cNvPr id="3" name="Segnaposto note 2">
+            <a:extLst>
+              <a:ext uri="{FF2B5EF4-FFF2-40B4-BE49-F238E27FC236}">
+                <a16:creationId xmlns:a16="http://schemas.microsoft.com/office/drawing/2014/main" id="{1AD011E0-D8D5-A62C-2E52-EA394D430637}"/>
+              </a:ext>
+            </a:extLst>
+          </p:cNvPr>
+          <p:cNvSpPr>
+            <a:spLocks noGrp="1"/>
+          </p:cNvSpPr>
+          <p:nvPr>
+            <p:ph type="body" idx="1"/>
+          </p:nvPr>
+        </p:nvSpPr>
+        <p:spPr/>
+        <p:txBody>
+          <a:bodyPr/>
+          <a:lstStyle/>
+          <a:p>
+            <a:r>
+              <a:rPr lang="it-IT" dirty="0"/>
+              <a:t>Didi </a:t>
+            </a:r>
+            <a:r>
+              <a:rPr lang="it-IT" dirty="0" err="1"/>
+              <a:t>Chuxing</a:t>
+            </a:r>
+            <a:r>
+              <a:rPr lang="it-IT" dirty="0"/>
+              <a:t> implementa il monitoraggio telemetrico della guida (algoritmo di machine learning per verificare frenate brusche, accelerazioni brusche e altri parametri che definiscono una guida pericolosa.</a:t>
+            </a:r>
+          </a:p>
+        </p:txBody>
+      </p:sp>
+      <p:sp>
+        <p:nvSpPr>
+          <p:cNvPr id="4" name="Segnaposto numero diapositiva 3">
+            <a:extLst>
+              <a:ext uri="{FF2B5EF4-FFF2-40B4-BE49-F238E27FC236}">
+                <a16:creationId xmlns:a16="http://schemas.microsoft.com/office/drawing/2014/main" id="{79B49F62-BA61-3BF1-A8FF-47EFE340CF9F}"/>
+              </a:ext>
+            </a:extLst>
+          </p:cNvPr>
+          <p:cNvSpPr>
+            <a:spLocks noGrp="1"/>
+          </p:cNvSpPr>
+          <p:nvPr>
+            <p:ph type="sldNum" sz="quarter" idx="5"/>
+          </p:nvPr>
+        </p:nvSpPr>
+        <p:spPr/>
+        <p:txBody>
+          <a:bodyPr/>
+          <a:lstStyle/>
+          <a:p>
+            <a:fld id="{3F2DB5A4-1ADC-4498-B442-720211AEF2E0}" type="slidenum">
+              <a:rPr lang="it-IT" smtClean="0"/>
+              <a:t>3</a:t>
+            </a:fld>
+            <a:endParaRPr lang="it-IT"/>
+          </a:p>
+        </p:txBody>
+      </p:sp>
+    </p:spTree>
+    <p:extLst>
+      <p:ext uri="{BB962C8B-B14F-4D97-AF65-F5344CB8AC3E}">
+        <p14:creationId xmlns:p14="http://schemas.microsoft.com/office/powerpoint/2010/main" val="3208775882"/>
+      </p:ext>
+    </p:extLst>
+  </p:cSld>
+  <p:clrMapOvr>
+    <a:masterClrMapping/>
+  </p:clrMapOvr>
+</p:notes>
+</file>
+
+<file path=ppt/notesSlides/notesSlide3.xml><?xml version="1.0" encoding="utf-8"?>
+<p:notes xmlns:a="http://schemas.openxmlformats.org/drawingml/2006/main" xmlns:r="http://schemas.openxmlformats.org/officeDocument/2006/relationships" xmlns:p="http://schemas.openxmlformats.org/presentationml/2006/main">
+  <p:cSld>
+    <p:spTree>
+      <p:nvGrpSpPr>
+        <p:cNvPr id="1" name="">
+          <a:extLst>
+            <a:ext uri="{FF2B5EF4-FFF2-40B4-BE49-F238E27FC236}">
+              <a16:creationId xmlns:a16="http://schemas.microsoft.com/office/drawing/2014/main" id="{0819C795-DB0A-7A1F-4B0A-F0705F980BFA}"/>
+            </a:ext>
+          </a:extLst>
+        </p:cNvPr>
+        <p:cNvGrpSpPr/>
+        <p:nvPr/>
+      </p:nvGrpSpPr>
+      <p:grpSpPr>
+        <a:xfrm>
+          <a:off x="0" y="0"/>
+          <a:ext cx="0" cy="0"/>
+          <a:chOff x="0" y="0"/>
+          <a:chExt cx="0" cy="0"/>
+        </a:xfrm>
+      </p:grpSpPr>
+      <p:sp>
+        <p:nvSpPr>
+          <p:cNvPr id="2" name="Segnaposto immagine diapositiva 1">
+            <a:extLst>
+              <a:ext uri="{FF2B5EF4-FFF2-40B4-BE49-F238E27FC236}">
+                <a16:creationId xmlns:a16="http://schemas.microsoft.com/office/drawing/2014/main" id="{ED614F62-DA1B-5E95-6A7D-B1935CA25A2F}"/>
+              </a:ext>
+            </a:extLst>
+          </p:cNvPr>
+          <p:cNvSpPr>
+            <a:spLocks noGrp="1" noRot="1" noChangeAspect="1"/>
+          </p:cNvSpPr>
+          <p:nvPr>
+            <p:ph type="sldImg"/>
+          </p:nvPr>
+        </p:nvSpPr>
+        <p:spPr/>
+      </p:sp>
+      <p:sp>
+        <p:nvSpPr>
+          <p:cNvPr id="3" name="Segnaposto note 2">
+            <a:extLst>
+              <a:ext uri="{FF2B5EF4-FFF2-40B4-BE49-F238E27FC236}">
+                <a16:creationId xmlns:a16="http://schemas.microsoft.com/office/drawing/2014/main" id="{AE752C23-BFA4-B45E-939A-108018B1FF5E}"/>
+              </a:ext>
+            </a:extLst>
+          </p:cNvPr>
+          <p:cNvSpPr>
+            <a:spLocks noGrp="1"/>
+          </p:cNvSpPr>
+          <p:nvPr>
+            <p:ph type="body" idx="1"/>
+          </p:nvPr>
+        </p:nvSpPr>
+        <p:spPr/>
+        <p:txBody>
+          <a:bodyPr/>
+          <a:lstStyle/>
+          <a:p>
+            <a:r>
+              <a:rPr lang="it-IT" dirty="0"/>
+              <a:t>Didi </a:t>
+            </a:r>
+            <a:r>
+              <a:rPr lang="it-IT" dirty="0" err="1"/>
+              <a:t>Chuxing</a:t>
+            </a:r>
+            <a:r>
+              <a:rPr lang="it-IT" dirty="0"/>
+              <a:t> implementa il monitoraggio telemetrico della guida (algoritmo di machine learning per verificare frenate brusche, accelerazioni brusche e altri parametri che definiscono una guida pericolosa.</a:t>
+            </a:r>
+          </a:p>
+        </p:txBody>
+      </p:sp>
+      <p:sp>
+        <p:nvSpPr>
+          <p:cNvPr id="4" name="Segnaposto numero diapositiva 3">
+            <a:extLst>
+              <a:ext uri="{FF2B5EF4-FFF2-40B4-BE49-F238E27FC236}">
+                <a16:creationId xmlns:a16="http://schemas.microsoft.com/office/drawing/2014/main" id="{7C5A9E7A-50C5-8E0D-4644-2930EB39337A}"/>
+              </a:ext>
+            </a:extLst>
+          </p:cNvPr>
+          <p:cNvSpPr>
+            <a:spLocks noGrp="1"/>
+          </p:cNvSpPr>
+          <p:nvPr>
+            <p:ph type="sldNum" sz="quarter" idx="5"/>
+          </p:nvPr>
+        </p:nvSpPr>
+        <p:spPr/>
+        <p:txBody>
+          <a:bodyPr/>
+          <a:lstStyle/>
+          <a:p>
+            <a:fld id="{3F2DB5A4-1ADC-4498-B442-720211AEF2E0}" type="slidenum">
+              <a:rPr lang="it-IT" smtClean="0"/>
+              <a:t>4</a:t>
+            </a:fld>
+            <a:endParaRPr lang="it-IT"/>
+          </a:p>
+        </p:txBody>
+      </p:sp>
+    </p:spTree>
+    <p:extLst>
+      <p:ext uri="{BB962C8B-B14F-4D97-AF65-F5344CB8AC3E}">
+        <p14:creationId xmlns:p14="http://schemas.microsoft.com/office/powerpoint/2010/main" val="2043561247"/>
+      </p:ext>
+    </p:extLst>
+  </p:cSld>
+  <p:clrMapOvr>
+    <a:masterClrMapping/>
+  </p:clrMapOvr>
+</p:notes>
+</file>
+
+<file path=ppt/notesSlides/notesSlide4.xml><?xml version="1.0" encoding="utf-8"?>
 <p:notes xmlns:a="http://schemas.openxmlformats.org/drawingml/2006/main" xmlns:r="http://schemas.openxmlformats.org/officeDocument/2006/relationships" xmlns:p="http://schemas.openxmlformats.org/presentationml/2006/main">
   <p:cSld>
     <p:spTree>
@@ -1508,7 +1986,7 @@
           <a:p>
             <a:fld id="{3F2DB5A4-1ADC-4498-B442-720211AEF2E0}" type="slidenum">
               <a:rPr lang="it-IT" smtClean="0"/>
-              <a:t>3</a:t>
+              <a:t>5</a:t>
             </a:fld>
             <a:endParaRPr lang="it-IT"/>
           </a:p>
@@ -1527,7 +2005,7 @@
 </p:notes>
 </file>
 
-<file path=ppt/notesSlides/notesSlide3.xml><?xml version="1.0" encoding="utf-8"?>
+<file path=ppt/notesSlides/notesSlide5.xml><?xml version="1.0" encoding="utf-8"?>
 <p:notes xmlns:a="http://schemas.openxmlformats.org/drawingml/2006/main" xmlns:r="http://schemas.openxmlformats.org/officeDocument/2006/relationships" xmlns:p="http://schemas.openxmlformats.org/presentationml/2006/main">
   <p:cSld>
     <p:spTree>
@@ -1627,7 +2105,7 @@
           <a:p>
             <a:fld id="{3F2DB5A4-1ADC-4498-B442-720211AEF2E0}" type="slidenum">
               <a:rPr lang="it-IT" smtClean="0"/>
-              <a:t>4</a:t>
+              <a:t>6</a:t>
             </a:fld>
             <a:endParaRPr lang="it-IT"/>
           </a:p>
@@ -1646,7 +2124,7 @@
 </p:notes>
 </file>
 
-<file path=ppt/notesSlides/notesSlide4.xml><?xml version="1.0" encoding="utf-8"?>
+<file path=ppt/notesSlides/notesSlide6.xml><?xml version="1.0" encoding="utf-8"?>
 <p:notes xmlns:a="http://schemas.openxmlformats.org/drawingml/2006/main" xmlns:r="http://schemas.openxmlformats.org/officeDocument/2006/relationships" xmlns:p="http://schemas.openxmlformats.org/presentationml/2006/main">
   <p:cSld>
     <p:spTree>
@@ -1746,7 +2224,7 @@
           <a:p>
             <a:fld id="{3F2DB5A4-1ADC-4498-B442-720211AEF2E0}" type="slidenum">
               <a:rPr lang="it-IT" smtClean="0"/>
-              <a:t>5</a:t>
+              <a:t>7</a:t>
             </a:fld>
             <a:endParaRPr lang="it-IT"/>
           </a:p>
@@ -1765,7 +2243,7 @@
 </p:notes>
 </file>
 
-<file path=ppt/notesSlides/notesSlide5.xml><?xml version="1.0" encoding="utf-8"?>
+<file path=ppt/notesSlides/notesSlide7.xml><?xml version="1.0" encoding="utf-8"?>
 <p:notes xmlns:a="http://schemas.openxmlformats.org/drawingml/2006/main" xmlns:r="http://schemas.openxmlformats.org/officeDocument/2006/relationships" xmlns:p="http://schemas.openxmlformats.org/presentationml/2006/main">
   <p:cSld>
     <p:spTree>
@@ -1865,7 +2343,7 @@
           <a:p>
             <a:fld id="{3F2DB5A4-1ADC-4498-B442-720211AEF2E0}" type="slidenum">
               <a:rPr lang="it-IT" smtClean="0"/>
-              <a:t>6</a:t>
+              <a:t>8</a:t>
             </a:fld>
             <a:endParaRPr lang="it-IT"/>
           </a:p>
@@ -1884,7 +2362,7 @@
 </p:notes>
 </file>
 
-<file path=ppt/notesSlides/notesSlide6.xml><?xml version="1.0" encoding="utf-8"?>
+<file path=ppt/notesSlides/notesSlide8.xml><?xml version="1.0" encoding="utf-8"?>
 <p:notes xmlns:a="http://schemas.openxmlformats.org/drawingml/2006/main" xmlns:r="http://schemas.openxmlformats.org/officeDocument/2006/relationships" xmlns:p="http://schemas.openxmlformats.org/presentationml/2006/main">
   <p:cSld>
     <p:spTree>
@@ -1984,7 +2462,7 @@
           <a:p>
             <a:fld id="{3F2DB5A4-1ADC-4498-B442-720211AEF2E0}" type="slidenum">
               <a:rPr lang="it-IT" smtClean="0"/>
-              <a:t>7</a:t>
+              <a:t>9</a:t>
             </a:fld>
             <a:endParaRPr lang="it-IT"/>
           </a:p>
@@ -2003,7 +2481,7 @@
 </p:notes>
 </file>
 
-<file path=ppt/notesSlides/notesSlide7.xml><?xml version="1.0" encoding="utf-8"?>
+<file path=ppt/notesSlides/notesSlide9.xml><?xml version="1.0" encoding="utf-8"?>
 <p:notes xmlns:a="http://schemas.openxmlformats.org/drawingml/2006/main" xmlns:r="http://schemas.openxmlformats.org/officeDocument/2006/relationships" xmlns:p="http://schemas.openxmlformats.org/presentationml/2006/main">
   <p:cSld>
     <p:spTree>
@@ -2103,7 +2581,7 @@
           <a:p>
             <a:fld id="{3F2DB5A4-1ADC-4498-B442-720211AEF2E0}" type="slidenum">
               <a:rPr lang="it-IT" smtClean="0"/>
-              <a:t>8</a:t>
+              <a:t>10</a:t>
             </a:fld>
             <a:endParaRPr lang="it-IT"/>
           </a:p>
@@ -2113,244 +2591,6 @@
     <p:extLst>
       <p:ext uri="{BB962C8B-B14F-4D97-AF65-F5344CB8AC3E}">
         <p14:creationId xmlns:p14="http://schemas.microsoft.com/office/powerpoint/2010/main" val="2805818726"/>
-      </p:ext>
-    </p:extLst>
-  </p:cSld>
-  <p:clrMapOvr>
-    <a:masterClrMapping/>
-  </p:clrMapOvr>
-</p:notes>
-</file>
-
-<file path=ppt/notesSlides/notesSlide8.xml><?xml version="1.0" encoding="utf-8"?>
-<p:notes xmlns:a="http://schemas.openxmlformats.org/drawingml/2006/main" xmlns:r="http://schemas.openxmlformats.org/officeDocument/2006/relationships" xmlns:p="http://schemas.openxmlformats.org/presentationml/2006/main">
-  <p:cSld>
-    <p:spTree>
-      <p:nvGrpSpPr>
-        <p:cNvPr id="1" name="">
-          <a:extLst>
-            <a:ext uri="{FF2B5EF4-FFF2-40B4-BE49-F238E27FC236}">
-              <a16:creationId xmlns:a16="http://schemas.microsoft.com/office/drawing/2014/main" id="{ED6A2E81-5F7E-EC96-62D3-FACB0C8CB539}"/>
-            </a:ext>
-          </a:extLst>
-        </p:cNvPr>
-        <p:cNvGrpSpPr/>
-        <p:nvPr/>
-      </p:nvGrpSpPr>
-      <p:grpSpPr>
-        <a:xfrm>
-          <a:off x="0" y="0"/>
-          <a:ext cx="0" cy="0"/>
-          <a:chOff x="0" y="0"/>
-          <a:chExt cx="0" cy="0"/>
-        </a:xfrm>
-      </p:grpSpPr>
-      <p:sp>
-        <p:nvSpPr>
-          <p:cNvPr id="2" name="Segnaposto immagine diapositiva 1">
-            <a:extLst>
-              <a:ext uri="{FF2B5EF4-FFF2-40B4-BE49-F238E27FC236}">
-                <a16:creationId xmlns:a16="http://schemas.microsoft.com/office/drawing/2014/main" id="{077253CC-C591-CFDC-1DEF-D6BC6AE75803}"/>
-              </a:ext>
-            </a:extLst>
-          </p:cNvPr>
-          <p:cNvSpPr>
-            <a:spLocks noGrp="1" noRot="1" noChangeAspect="1"/>
-          </p:cNvSpPr>
-          <p:nvPr>
-            <p:ph type="sldImg"/>
-          </p:nvPr>
-        </p:nvSpPr>
-        <p:spPr/>
-      </p:sp>
-      <p:sp>
-        <p:nvSpPr>
-          <p:cNvPr id="3" name="Segnaposto note 2">
-            <a:extLst>
-              <a:ext uri="{FF2B5EF4-FFF2-40B4-BE49-F238E27FC236}">
-                <a16:creationId xmlns:a16="http://schemas.microsoft.com/office/drawing/2014/main" id="{EE663B22-7FF9-8D67-CC5E-16715EE3EB24}"/>
-              </a:ext>
-            </a:extLst>
-          </p:cNvPr>
-          <p:cNvSpPr>
-            <a:spLocks noGrp="1"/>
-          </p:cNvSpPr>
-          <p:nvPr>
-            <p:ph type="body" idx="1"/>
-          </p:nvPr>
-        </p:nvSpPr>
-        <p:spPr/>
-        <p:txBody>
-          <a:bodyPr/>
-          <a:lstStyle/>
-          <a:p>
-            <a:r>
-              <a:rPr lang="it-IT" dirty="0"/>
-              <a:t>Didi </a:t>
-            </a:r>
-            <a:r>
-              <a:rPr lang="it-IT" dirty="0" err="1"/>
-              <a:t>Chuxing</a:t>
-            </a:r>
-            <a:r>
-              <a:rPr lang="it-IT" dirty="0"/>
-              <a:t> implementa il monitoraggio telemetrico della guida (algoritmo di machine learning per verificare frenate brusche, accelerazioni brusche e altri parametri che definiscono una guida pericolosa.</a:t>
-            </a:r>
-          </a:p>
-        </p:txBody>
-      </p:sp>
-      <p:sp>
-        <p:nvSpPr>
-          <p:cNvPr id="4" name="Segnaposto numero diapositiva 3">
-            <a:extLst>
-              <a:ext uri="{FF2B5EF4-FFF2-40B4-BE49-F238E27FC236}">
-                <a16:creationId xmlns:a16="http://schemas.microsoft.com/office/drawing/2014/main" id="{4270CA99-80E6-21C8-8DCA-F434E7798E21}"/>
-              </a:ext>
-            </a:extLst>
-          </p:cNvPr>
-          <p:cNvSpPr>
-            <a:spLocks noGrp="1"/>
-          </p:cNvSpPr>
-          <p:nvPr>
-            <p:ph type="sldNum" sz="quarter" idx="5"/>
-          </p:nvPr>
-        </p:nvSpPr>
-        <p:spPr/>
-        <p:txBody>
-          <a:bodyPr/>
-          <a:lstStyle/>
-          <a:p>
-            <a:fld id="{3F2DB5A4-1ADC-4498-B442-720211AEF2E0}" type="slidenum">
-              <a:rPr lang="it-IT" smtClean="0"/>
-              <a:t>9</a:t>
-            </a:fld>
-            <a:endParaRPr lang="it-IT"/>
-          </a:p>
-        </p:txBody>
-      </p:sp>
-    </p:spTree>
-    <p:extLst>
-      <p:ext uri="{BB962C8B-B14F-4D97-AF65-F5344CB8AC3E}">
-        <p14:creationId xmlns:p14="http://schemas.microsoft.com/office/powerpoint/2010/main" val="2145725665"/>
-      </p:ext>
-    </p:extLst>
-  </p:cSld>
-  <p:clrMapOvr>
-    <a:masterClrMapping/>
-  </p:clrMapOvr>
-</p:notes>
-</file>
-
-<file path=ppt/notesSlides/notesSlide9.xml><?xml version="1.0" encoding="utf-8"?>
-<p:notes xmlns:a="http://schemas.openxmlformats.org/drawingml/2006/main" xmlns:r="http://schemas.openxmlformats.org/officeDocument/2006/relationships" xmlns:p="http://schemas.openxmlformats.org/presentationml/2006/main">
-  <p:cSld>
-    <p:spTree>
-      <p:nvGrpSpPr>
-        <p:cNvPr id="1" name="">
-          <a:extLst>
-            <a:ext uri="{FF2B5EF4-FFF2-40B4-BE49-F238E27FC236}">
-              <a16:creationId xmlns:a16="http://schemas.microsoft.com/office/drawing/2014/main" id="{911E9E93-6B0D-9B59-8820-9A46C04464FC}"/>
-            </a:ext>
-          </a:extLst>
-        </p:cNvPr>
-        <p:cNvGrpSpPr/>
-        <p:nvPr/>
-      </p:nvGrpSpPr>
-      <p:grpSpPr>
-        <a:xfrm>
-          <a:off x="0" y="0"/>
-          <a:ext cx="0" cy="0"/>
-          <a:chOff x="0" y="0"/>
-          <a:chExt cx="0" cy="0"/>
-        </a:xfrm>
-      </p:grpSpPr>
-      <p:sp>
-        <p:nvSpPr>
-          <p:cNvPr id="2" name="Segnaposto immagine diapositiva 1">
-            <a:extLst>
-              <a:ext uri="{FF2B5EF4-FFF2-40B4-BE49-F238E27FC236}">
-                <a16:creationId xmlns:a16="http://schemas.microsoft.com/office/drawing/2014/main" id="{312F5F90-CDF8-108F-2FB6-3FFE40C43C25}"/>
-              </a:ext>
-            </a:extLst>
-          </p:cNvPr>
-          <p:cNvSpPr>
-            <a:spLocks noGrp="1" noRot="1" noChangeAspect="1"/>
-          </p:cNvSpPr>
-          <p:nvPr>
-            <p:ph type="sldImg"/>
-          </p:nvPr>
-        </p:nvSpPr>
-        <p:spPr/>
-      </p:sp>
-      <p:sp>
-        <p:nvSpPr>
-          <p:cNvPr id="3" name="Segnaposto note 2">
-            <a:extLst>
-              <a:ext uri="{FF2B5EF4-FFF2-40B4-BE49-F238E27FC236}">
-                <a16:creationId xmlns:a16="http://schemas.microsoft.com/office/drawing/2014/main" id="{1F8DE6AA-526F-2630-A49F-D86FEB738AF6}"/>
-              </a:ext>
-            </a:extLst>
-          </p:cNvPr>
-          <p:cNvSpPr>
-            <a:spLocks noGrp="1"/>
-          </p:cNvSpPr>
-          <p:nvPr>
-            <p:ph type="body" idx="1"/>
-          </p:nvPr>
-        </p:nvSpPr>
-        <p:spPr/>
-        <p:txBody>
-          <a:bodyPr/>
-          <a:lstStyle/>
-          <a:p>
-            <a:r>
-              <a:rPr lang="it-IT" dirty="0"/>
-              <a:t>Didi </a:t>
-            </a:r>
-            <a:r>
-              <a:rPr lang="it-IT" dirty="0" err="1"/>
-              <a:t>Chuxing</a:t>
-            </a:r>
-            <a:r>
-              <a:rPr lang="it-IT" dirty="0"/>
-              <a:t> implementa il monitoraggio telemetrico della guida (algoritmo di machine learning per verificare frenate brusche, accelerazioni brusche e altri parametri che definiscono una guida pericolosa.</a:t>
-            </a:r>
-          </a:p>
-        </p:txBody>
-      </p:sp>
-      <p:sp>
-        <p:nvSpPr>
-          <p:cNvPr id="4" name="Segnaposto numero diapositiva 3">
-            <a:extLst>
-              <a:ext uri="{FF2B5EF4-FFF2-40B4-BE49-F238E27FC236}">
-                <a16:creationId xmlns:a16="http://schemas.microsoft.com/office/drawing/2014/main" id="{8CB7D912-A855-868B-9D0B-1B6B8E081E90}"/>
-              </a:ext>
-            </a:extLst>
-          </p:cNvPr>
-          <p:cNvSpPr>
-            <a:spLocks noGrp="1"/>
-          </p:cNvSpPr>
-          <p:nvPr>
-            <p:ph type="sldNum" sz="quarter" idx="5"/>
-          </p:nvPr>
-        </p:nvSpPr>
-        <p:spPr/>
-        <p:txBody>
-          <a:bodyPr/>
-          <a:lstStyle/>
-          <a:p>
-            <a:fld id="{3F2DB5A4-1ADC-4498-B442-720211AEF2E0}" type="slidenum">
-              <a:rPr lang="it-IT" smtClean="0"/>
-              <a:t>10</a:t>
-            </a:fld>
-            <a:endParaRPr lang="it-IT"/>
-          </a:p>
-        </p:txBody>
-      </p:sp>
-    </p:spTree>
-    <p:extLst>
-      <p:ext uri="{BB962C8B-B14F-4D97-AF65-F5344CB8AC3E}">
-        <p14:creationId xmlns:p14="http://schemas.microsoft.com/office/powerpoint/2010/main" val="670471395"/>
       </p:ext>
     </p:extLst>
   </p:cSld>
@@ -2507,7 +2747,7 @@
           <a:p>
             <a:fld id="{F648D57F-990B-4693-B9DF-7283B5F03356}" type="datetimeFigureOut">
               <a:rPr lang="it-IT" smtClean="0"/>
-              <a:t>17/11/2024</a:t>
+              <a:t>18/11/2024</a:t>
             </a:fld>
             <a:endParaRPr lang="it-IT"/>
           </a:p>
@@ -2705,7 +2945,7 @@
           <a:p>
             <a:fld id="{F648D57F-990B-4693-B9DF-7283B5F03356}" type="datetimeFigureOut">
               <a:rPr lang="it-IT" smtClean="0"/>
-              <a:t>17/11/2024</a:t>
+              <a:t>18/11/2024</a:t>
             </a:fld>
             <a:endParaRPr lang="it-IT"/>
           </a:p>
@@ -2913,7 +3153,7 @@
           <a:p>
             <a:fld id="{F648D57F-990B-4693-B9DF-7283B5F03356}" type="datetimeFigureOut">
               <a:rPr lang="it-IT" smtClean="0"/>
-              <a:t>17/11/2024</a:t>
+              <a:t>18/11/2024</a:t>
             </a:fld>
             <a:endParaRPr lang="it-IT"/>
           </a:p>
@@ -3111,7 +3351,7 @@
           <a:p>
             <a:fld id="{F648D57F-990B-4693-B9DF-7283B5F03356}" type="datetimeFigureOut">
               <a:rPr lang="it-IT" smtClean="0"/>
-              <a:t>17/11/2024</a:t>
+              <a:t>18/11/2024</a:t>
             </a:fld>
             <a:endParaRPr lang="it-IT"/>
           </a:p>
@@ -3386,7 +3626,7 @@
           <a:p>
             <a:fld id="{F648D57F-990B-4693-B9DF-7283B5F03356}" type="datetimeFigureOut">
               <a:rPr lang="it-IT" smtClean="0"/>
-              <a:t>17/11/2024</a:t>
+              <a:t>18/11/2024</a:t>
             </a:fld>
             <a:endParaRPr lang="it-IT"/>
           </a:p>
@@ -3651,7 +3891,7 @@
           <a:p>
             <a:fld id="{F648D57F-990B-4693-B9DF-7283B5F03356}" type="datetimeFigureOut">
               <a:rPr lang="it-IT" smtClean="0"/>
-              <a:t>17/11/2024</a:t>
+              <a:t>18/11/2024</a:t>
             </a:fld>
             <a:endParaRPr lang="it-IT"/>
           </a:p>
@@ -4063,7 +4303,7 @@
           <a:p>
             <a:fld id="{F648D57F-990B-4693-B9DF-7283B5F03356}" type="datetimeFigureOut">
               <a:rPr lang="it-IT" smtClean="0"/>
-              <a:t>17/11/2024</a:t>
+              <a:t>18/11/2024</a:t>
             </a:fld>
             <a:endParaRPr lang="it-IT"/>
           </a:p>
@@ -4204,7 +4444,7 @@
           <a:p>
             <a:fld id="{F648D57F-990B-4693-B9DF-7283B5F03356}" type="datetimeFigureOut">
               <a:rPr lang="it-IT" smtClean="0"/>
-              <a:t>17/11/2024</a:t>
+              <a:t>18/11/2024</a:t>
             </a:fld>
             <a:endParaRPr lang="it-IT"/>
           </a:p>
@@ -4317,7 +4557,7 @@
           <a:p>
             <a:fld id="{F648D57F-990B-4693-B9DF-7283B5F03356}" type="datetimeFigureOut">
               <a:rPr lang="it-IT" smtClean="0"/>
-              <a:t>17/11/2024</a:t>
+              <a:t>18/11/2024</a:t>
             </a:fld>
             <a:endParaRPr lang="it-IT"/>
           </a:p>
@@ -4628,7 +4868,7 @@
           <a:p>
             <a:fld id="{F648D57F-990B-4693-B9DF-7283B5F03356}" type="datetimeFigureOut">
               <a:rPr lang="it-IT" smtClean="0"/>
-              <a:t>17/11/2024</a:t>
+              <a:t>18/11/2024</a:t>
             </a:fld>
             <a:endParaRPr lang="it-IT"/>
           </a:p>
@@ -4916,7 +5156,7 @@
           <a:p>
             <a:fld id="{F648D57F-990B-4693-B9DF-7283B5F03356}" type="datetimeFigureOut">
               <a:rPr lang="it-IT" smtClean="0"/>
-              <a:t>17/11/2024</a:t>
+              <a:t>18/11/2024</a:t>
             </a:fld>
             <a:endParaRPr lang="it-IT"/>
           </a:p>
@@ -5157,7 +5397,7 @@
           <a:p>
             <a:fld id="{F648D57F-990B-4693-B9DF-7283B5F03356}" type="datetimeFigureOut">
               <a:rPr lang="it-IT" smtClean="0"/>
-              <a:t>17/11/2024</a:t>
+              <a:t>18/11/2024</a:t>
             </a:fld>
             <a:endParaRPr lang="it-IT"/>
           </a:p>
@@ -6293,6 +6533,1126 @@
 </file>
 
 <file path=ppt/slides/slide10.xml><?xml version="1.0" encoding="utf-8"?>
+<p:sld xmlns:a="http://schemas.openxmlformats.org/drawingml/2006/main" xmlns:r="http://schemas.openxmlformats.org/officeDocument/2006/relationships" xmlns:p="http://schemas.openxmlformats.org/presentationml/2006/main">
+  <p:cSld>
+    <p:bg>
+      <p:bgPr>
+        <a:solidFill>
+          <a:srgbClr val="0D0628"/>
+        </a:solidFill>
+        <a:effectLst/>
+      </p:bgPr>
+    </p:bg>
+    <p:spTree>
+      <p:nvGrpSpPr>
+        <p:cNvPr id="1" name="">
+          <a:extLst>
+            <a:ext uri="{FF2B5EF4-FFF2-40B4-BE49-F238E27FC236}">
+              <a16:creationId xmlns:a16="http://schemas.microsoft.com/office/drawing/2014/main" id="{989EA18E-E406-9E8F-CCE8-7AADADF471C2}"/>
+            </a:ext>
+          </a:extLst>
+        </p:cNvPr>
+        <p:cNvGrpSpPr/>
+        <p:nvPr/>
+      </p:nvGrpSpPr>
+      <p:grpSpPr>
+        <a:xfrm>
+          <a:off x="0" y="0"/>
+          <a:ext cx="0" cy="0"/>
+          <a:chOff x="0" y="0"/>
+          <a:chExt cx="0" cy="0"/>
+        </a:xfrm>
+      </p:grpSpPr>
+      <p:sp>
+        <p:nvSpPr>
+          <p:cNvPr id="6" name="CasellaDiTesto 5">
+            <a:extLst>
+              <a:ext uri="{FF2B5EF4-FFF2-40B4-BE49-F238E27FC236}">
+                <a16:creationId xmlns:a16="http://schemas.microsoft.com/office/drawing/2014/main" id="{69EA1B17-8363-7229-A6CB-7DB8E563DEBB}"/>
+              </a:ext>
+            </a:extLst>
+          </p:cNvPr>
+          <p:cNvSpPr txBox="1"/>
+          <p:nvPr/>
+        </p:nvSpPr>
+        <p:spPr>
+          <a:xfrm>
+            <a:off x="0" y="3824726"/>
+            <a:ext cx="2857362" cy="400110"/>
+          </a:xfrm>
+          <a:prstGeom prst="rect">
+            <a:avLst/>
+          </a:prstGeom>
+          <a:noFill/>
+        </p:spPr>
+        <p:txBody>
+          <a:bodyPr wrap="square" rtlCol="0">
+            <a:spAutoFit/>
+          </a:bodyPr>
+          <a:lstStyle/>
+          <a:p>
+            <a:pPr algn="ctr"/>
+            <a:r>
+              <a:rPr lang="it-IT" sz="2000" b="1" dirty="0">
+                <a:solidFill>
+                  <a:schemeClr val="bg1"/>
+                </a:solidFill>
+              </a:rPr>
+              <a:t>STATE</a:t>
+            </a:r>
+            <a:r>
+              <a:rPr lang="it-IT" sz="2000" dirty="0">
+                <a:solidFill>
+                  <a:schemeClr val="bg1"/>
+                </a:solidFill>
+              </a:rPr>
+              <a:t> OF THE </a:t>
+            </a:r>
+            <a:r>
+              <a:rPr lang="it-IT" sz="2000" b="1" dirty="0">
+                <a:solidFill>
+                  <a:schemeClr val="bg1"/>
+                </a:solidFill>
+              </a:rPr>
+              <a:t>ART</a:t>
+            </a:r>
+          </a:p>
+        </p:txBody>
+      </p:sp>
+      <p:cxnSp>
+        <p:nvCxnSpPr>
+          <p:cNvPr id="2" name="Connettore diritto 1">
+            <a:extLst>
+              <a:ext uri="{FF2B5EF4-FFF2-40B4-BE49-F238E27FC236}">
+                <a16:creationId xmlns:a16="http://schemas.microsoft.com/office/drawing/2014/main" id="{C20DDCE7-7C98-CCD9-A9F7-3EAD0A63E75C}"/>
+              </a:ext>
+            </a:extLst>
+          </p:cNvPr>
+          <p:cNvCxnSpPr>
+            <a:cxnSpLocks/>
+          </p:cNvCxnSpPr>
+          <p:nvPr/>
+        </p:nvCxnSpPr>
+        <p:spPr>
+          <a:xfrm flipV="1">
+            <a:off x="2881880" y="2013217"/>
+            <a:ext cx="0" cy="4265922"/>
+          </a:xfrm>
+          <a:prstGeom prst="line">
+            <a:avLst/>
+          </a:prstGeom>
+          <a:ln w="28575">
+            <a:solidFill>
+              <a:srgbClr val="DA627D"/>
+            </a:solidFill>
+          </a:ln>
+        </p:spPr>
+        <p:style>
+          <a:lnRef idx="2">
+            <a:schemeClr val="accent1"/>
+          </a:lnRef>
+          <a:fillRef idx="0">
+            <a:schemeClr val="accent1"/>
+          </a:fillRef>
+          <a:effectRef idx="1">
+            <a:schemeClr val="accent1"/>
+          </a:effectRef>
+          <a:fontRef idx="minor">
+            <a:schemeClr val="tx1"/>
+          </a:fontRef>
+        </p:style>
+      </p:cxnSp>
+      <p:sp>
+        <p:nvSpPr>
+          <p:cNvPr id="19" name="CasellaDiTesto 18">
+            <a:extLst>
+              <a:ext uri="{FF2B5EF4-FFF2-40B4-BE49-F238E27FC236}">
+                <a16:creationId xmlns:a16="http://schemas.microsoft.com/office/drawing/2014/main" id="{114832C1-FAC4-7391-3DED-EF38E22B3E28}"/>
+              </a:ext>
+            </a:extLst>
+          </p:cNvPr>
+          <p:cNvSpPr txBox="1"/>
+          <p:nvPr/>
+        </p:nvSpPr>
+        <p:spPr>
+          <a:xfrm>
+            <a:off x="3536578" y="2500672"/>
+            <a:ext cx="7258044" cy="584775"/>
+          </a:xfrm>
+          <a:prstGeom prst="rect">
+            <a:avLst/>
+          </a:prstGeom>
+          <a:noFill/>
+        </p:spPr>
+        <p:txBody>
+          <a:bodyPr wrap="square" rtlCol="0">
+            <a:spAutoFit/>
+          </a:bodyPr>
+          <a:lstStyle/>
+          <a:p>
+            <a:pPr algn="just"/>
+            <a:r>
+              <a:rPr lang="en-US" sz="1600" dirty="0">
+                <a:solidFill>
+                  <a:schemeClr val="bg1"/>
+                </a:solidFill>
+              </a:rPr>
+              <a:t>Analyzes how platform-driven reputation systems impact </a:t>
+            </a:r>
+            <a:r>
+              <a:rPr lang="en-US" sz="1600" dirty="0">
+                <a:solidFill>
+                  <a:srgbClr val="DA627D"/>
+                </a:solidFill>
+              </a:rPr>
+              <a:t>service quality </a:t>
+            </a:r>
+            <a:r>
+              <a:rPr lang="en-US" sz="1600" dirty="0">
+                <a:solidFill>
+                  <a:schemeClr val="bg1"/>
+                </a:solidFill>
+              </a:rPr>
+              <a:t>in ride-sharing, highlighting benefits and limitations in maintaining consistent quality.</a:t>
+            </a:r>
+          </a:p>
+        </p:txBody>
+      </p:sp>
+      <p:sp>
+        <p:nvSpPr>
+          <p:cNvPr id="23" name="CasellaDiTesto 22">
+            <a:extLst>
+              <a:ext uri="{FF2B5EF4-FFF2-40B4-BE49-F238E27FC236}">
+                <a16:creationId xmlns:a16="http://schemas.microsoft.com/office/drawing/2014/main" id="{7EDAA975-1C09-0E3D-7B1E-2233F29185AD}"/>
+              </a:ext>
+            </a:extLst>
+          </p:cNvPr>
+          <p:cNvSpPr txBox="1"/>
+          <p:nvPr/>
+        </p:nvSpPr>
+        <p:spPr>
+          <a:xfrm>
+            <a:off x="3536578" y="2143151"/>
+            <a:ext cx="7967489" cy="338554"/>
+          </a:xfrm>
+          <a:prstGeom prst="rect">
+            <a:avLst/>
+          </a:prstGeom>
+          <a:noFill/>
+        </p:spPr>
+        <p:txBody>
+          <a:bodyPr wrap="square" rtlCol="0">
+            <a:spAutoFit/>
+          </a:bodyPr>
+          <a:lstStyle/>
+          <a:p>
+            <a:r>
+              <a:rPr lang="en-US" sz="1600" dirty="0">
+                <a:solidFill>
+                  <a:schemeClr val="bg1"/>
+                </a:solidFill>
+              </a:rPr>
+              <a:t>PLATFORM-MEDIATED REPUTATION SYSTEMS IN THE SHARING ECONOMY (2020)</a:t>
+            </a:r>
+            <a:endParaRPr lang="en-US" sz="1600" dirty="0">
+              <a:solidFill>
+                <a:srgbClr val="DA627D"/>
+              </a:solidFill>
+            </a:endParaRPr>
+          </a:p>
+        </p:txBody>
+      </p:sp>
+      <p:sp>
+        <p:nvSpPr>
+          <p:cNvPr id="25" name="CasellaDiTesto 24">
+            <a:extLst>
+              <a:ext uri="{FF2B5EF4-FFF2-40B4-BE49-F238E27FC236}">
+                <a16:creationId xmlns:a16="http://schemas.microsoft.com/office/drawing/2014/main" id="{65B4ED9F-007B-7B5B-356E-1FA7825BE06D}"/>
+              </a:ext>
+            </a:extLst>
+          </p:cNvPr>
+          <p:cNvSpPr txBox="1"/>
+          <p:nvPr/>
+        </p:nvSpPr>
+        <p:spPr>
+          <a:xfrm>
+            <a:off x="3145284" y="2119503"/>
+            <a:ext cx="543552" cy="338554"/>
+          </a:xfrm>
+          <a:prstGeom prst="rect">
+            <a:avLst/>
+          </a:prstGeom>
+          <a:noFill/>
+        </p:spPr>
+        <p:txBody>
+          <a:bodyPr wrap="square" rtlCol="0">
+            <a:spAutoFit/>
+          </a:bodyPr>
+          <a:lstStyle/>
+          <a:p>
+            <a:r>
+              <a:rPr lang="en-US" sz="1600" b="1" dirty="0">
+                <a:solidFill>
+                  <a:schemeClr val="bg1"/>
+                </a:solidFill>
+              </a:rPr>
+              <a:t>[4]</a:t>
+            </a:r>
+            <a:endParaRPr lang="en-US" sz="1600" dirty="0">
+              <a:solidFill>
+                <a:srgbClr val="DA627D"/>
+              </a:solidFill>
+            </a:endParaRPr>
+          </a:p>
+        </p:txBody>
+      </p:sp>
+      <p:sp>
+        <p:nvSpPr>
+          <p:cNvPr id="3" name="CasellaDiTesto 2">
+            <a:extLst>
+              <a:ext uri="{FF2B5EF4-FFF2-40B4-BE49-F238E27FC236}">
+                <a16:creationId xmlns:a16="http://schemas.microsoft.com/office/drawing/2014/main" id="{EA9E3C49-7647-B5BF-458D-2BBAA25F046C}"/>
+              </a:ext>
+            </a:extLst>
+          </p:cNvPr>
+          <p:cNvSpPr txBox="1"/>
+          <p:nvPr/>
+        </p:nvSpPr>
+        <p:spPr>
+          <a:xfrm>
+            <a:off x="3536578" y="3474115"/>
+            <a:ext cx="8258413" cy="584775"/>
+          </a:xfrm>
+          <a:prstGeom prst="rect">
+            <a:avLst/>
+          </a:prstGeom>
+          <a:noFill/>
+        </p:spPr>
+        <p:txBody>
+          <a:bodyPr wrap="square" rtlCol="0">
+            <a:spAutoFit/>
+          </a:bodyPr>
+          <a:lstStyle/>
+          <a:p>
+            <a:r>
+              <a:rPr lang="en-US" sz="1600" dirty="0">
+                <a:solidFill>
+                  <a:schemeClr val="bg1"/>
+                </a:solidFill>
+              </a:rPr>
+              <a:t>A SYSTEMATIC LITERATURE REVIEW OF RIDE-SHARING PLATFORMS, USER FACTORS, AND BARRIERS (2021)</a:t>
+            </a:r>
+            <a:endParaRPr lang="en-US" sz="1600" dirty="0">
+              <a:solidFill>
+                <a:srgbClr val="DA627D"/>
+              </a:solidFill>
+            </a:endParaRPr>
+          </a:p>
+        </p:txBody>
+      </p:sp>
+      <p:sp>
+        <p:nvSpPr>
+          <p:cNvPr id="4" name="CasellaDiTesto 3">
+            <a:extLst>
+              <a:ext uri="{FF2B5EF4-FFF2-40B4-BE49-F238E27FC236}">
+                <a16:creationId xmlns:a16="http://schemas.microsoft.com/office/drawing/2014/main" id="{B075819E-B8FD-869C-C591-07047D480E95}"/>
+              </a:ext>
+            </a:extLst>
+          </p:cNvPr>
+          <p:cNvSpPr txBox="1"/>
+          <p:nvPr/>
+        </p:nvSpPr>
+        <p:spPr>
+          <a:xfrm>
+            <a:off x="3145284" y="3450467"/>
+            <a:ext cx="543552" cy="338554"/>
+          </a:xfrm>
+          <a:prstGeom prst="rect">
+            <a:avLst/>
+          </a:prstGeom>
+          <a:noFill/>
+        </p:spPr>
+        <p:txBody>
+          <a:bodyPr wrap="square" rtlCol="0">
+            <a:spAutoFit/>
+          </a:bodyPr>
+          <a:lstStyle/>
+          <a:p>
+            <a:r>
+              <a:rPr lang="en-US" sz="1600" b="1" dirty="0">
+                <a:solidFill>
+                  <a:schemeClr val="bg1"/>
+                </a:solidFill>
+              </a:rPr>
+              <a:t>[5]</a:t>
+            </a:r>
+            <a:endParaRPr lang="en-US" sz="1600" dirty="0">
+              <a:solidFill>
+                <a:srgbClr val="DA627D"/>
+              </a:solidFill>
+            </a:endParaRPr>
+          </a:p>
+        </p:txBody>
+      </p:sp>
+      <p:sp>
+        <p:nvSpPr>
+          <p:cNvPr id="8" name="CasellaDiTesto 7">
+            <a:extLst>
+              <a:ext uri="{FF2B5EF4-FFF2-40B4-BE49-F238E27FC236}">
+                <a16:creationId xmlns:a16="http://schemas.microsoft.com/office/drawing/2014/main" id="{1238D7E2-FE5E-EB7C-1447-637C4C2628F0}"/>
+              </a:ext>
+            </a:extLst>
+          </p:cNvPr>
+          <p:cNvSpPr txBox="1"/>
+          <p:nvPr/>
+        </p:nvSpPr>
+        <p:spPr>
+          <a:xfrm>
+            <a:off x="3536576" y="4051955"/>
+            <a:ext cx="8050941" cy="584775"/>
+          </a:xfrm>
+          <a:prstGeom prst="rect">
+            <a:avLst/>
+          </a:prstGeom>
+          <a:noFill/>
+        </p:spPr>
+        <p:txBody>
+          <a:bodyPr wrap="square" rtlCol="0">
+            <a:spAutoFit/>
+          </a:bodyPr>
+          <a:lstStyle/>
+          <a:p>
+            <a:pPr algn="just"/>
+            <a:r>
+              <a:rPr lang="en-US" sz="1600" dirty="0">
+                <a:solidFill>
+                  <a:schemeClr val="bg1"/>
+                </a:solidFill>
+              </a:rPr>
+              <a:t>Provides a systematic review of ride-sharing platforms, focusing on user adoption factors and barriers, including the </a:t>
+            </a:r>
+            <a:r>
+              <a:rPr lang="en-US" sz="1600" dirty="0">
+                <a:solidFill>
+                  <a:srgbClr val="DA627D"/>
+                </a:solidFill>
+              </a:rPr>
+              <a:t>effectiveness of rating systems</a:t>
+            </a:r>
+            <a:r>
+              <a:rPr lang="en-US" sz="1600" dirty="0">
+                <a:solidFill>
+                  <a:schemeClr val="bg1"/>
+                </a:solidFill>
+              </a:rPr>
+              <a:t>.</a:t>
+            </a:r>
+          </a:p>
+        </p:txBody>
+      </p:sp>
+      <p:sp>
+        <p:nvSpPr>
+          <p:cNvPr id="14" name="CasellaDiTesto 13">
+            <a:extLst>
+              <a:ext uri="{FF2B5EF4-FFF2-40B4-BE49-F238E27FC236}">
+                <a16:creationId xmlns:a16="http://schemas.microsoft.com/office/drawing/2014/main" id="{541B6833-0E28-8170-620D-D102C1EBA6D8}"/>
+              </a:ext>
+            </a:extLst>
+          </p:cNvPr>
+          <p:cNvSpPr txBox="1"/>
+          <p:nvPr/>
+        </p:nvSpPr>
+        <p:spPr>
+          <a:xfrm>
+            <a:off x="3536578" y="5032000"/>
+            <a:ext cx="8258413" cy="584775"/>
+          </a:xfrm>
+          <a:prstGeom prst="rect">
+            <a:avLst/>
+          </a:prstGeom>
+          <a:noFill/>
+        </p:spPr>
+        <p:txBody>
+          <a:bodyPr wrap="square" rtlCol="0">
+            <a:spAutoFit/>
+          </a:bodyPr>
+          <a:lstStyle/>
+          <a:p>
+            <a:r>
+              <a:rPr lang="en-US" sz="1600" dirty="0">
+                <a:solidFill>
+                  <a:schemeClr val="bg1"/>
+                </a:solidFill>
+              </a:rPr>
+              <a:t>UNDERSTANDING RIDE-SHARING SYSTEMS IN URBAN AREAS: LOCATION, USERS, AND BARRIERS (2020)</a:t>
+            </a:r>
+            <a:endParaRPr lang="en-US" sz="1600" dirty="0">
+              <a:solidFill>
+                <a:srgbClr val="DA627D"/>
+              </a:solidFill>
+            </a:endParaRPr>
+          </a:p>
+        </p:txBody>
+      </p:sp>
+      <p:sp>
+        <p:nvSpPr>
+          <p:cNvPr id="16" name="CasellaDiTesto 15">
+            <a:extLst>
+              <a:ext uri="{FF2B5EF4-FFF2-40B4-BE49-F238E27FC236}">
+                <a16:creationId xmlns:a16="http://schemas.microsoft.com/office/drawing/2014/main" id="{654E4B1D-3FDA-D327-D817-D2EC0E5E548E}"/>
+              </a:ext>
+            </a:extLst>
+          </p:cNvPr>
+          <p:cNvSpPr txBox="1"/>
+          <p:nvPr/>
+        </p:nvSpPr>
+        <p:spPr>
+          <a:xfrm>
+            <a:off x="3145284" y="5008352"/>
+            <a:ext cx="543552" cy="338554"/>
+          </a:xfrm>
+          <a:prstGeom prst="rect">
+            <a:avLst/>
+          </a:prstGeom>
+          <a:noFill/>
+        </p:spPr>
+        <p:txBody>
+          <a:bodyPr wrap="square" rtlCol="0">
+            <a:spAutoFit/>
+          </a:bodyPr>
+          <a:lstStyle/>
+          <a:p>
+            <a:r>
+              <a:rPr lang="en-US" sz="1600" b="1" dirty="0">
+                <a:solidFill>
+                  <a:schemeClr val="bg1"/>
+                </a:solidFill>
+              </a:rPr>
+              <a:t>[6]</a:t>
+            </a:r>
+            <a:endParaRPr lang="en-US" sz="1600" dirty="0">
+              <a:solidFill>
+                <a:srgbClr val="DA627D"/>
+              </a:solidFill>
+            </a:endParaRPr>
+          </a:p>
+        </p:txBody>
+      </p:sp>
+      <p:sp>
+        <p:nvSpPr>
+          <p:cNvPr id="17" name="CasellaDiTesto 16">
+            <a:extLst>
+              <a:ext uri="{FF2B5EF4-FFF2-40B4-BE49-F238E27FC236}">
+                <a16:creationId xmlns:a16="http://schemas.microsoft.com/office/drawing/2014/main" id="{0B0CC01F-C100-23C6-59AD-C9DFEE558B3D}"/>
+              </a:ext>
+            </a:extLst>
+          </p:cNvPr>
+          <p:cNvSpPr txBox="1"/>
+          <p:nvPr/>
+        </p:nvSpPr>
+        <p:spPr>
+          <a:xfrm>
+            <a:off x="3536577" y="5609840"/>
+            <a:ext cx="7805056" cy="584775"/>
+          </a:xfrm>
+          <a:prstGeom prst="rect">
+            <a:avLst/>
+          </a:prstGeom>
+          <a:noFill/>
+        </p:spPr>
+        <p:txBody>
+          <a:bodyPr wrap="square" rtlCol="0">
+            <a:spAutoFit/>
+          </a:bodyPr>
+          <a:lstStyle/>
+          <a:p>
+            <a:pPr algn="just"/>
+            <a:r>
+              <a:rPr lang="en-US" sz="1600" dirty="0">
+                <a:solidFill>
+                  <a:schemeClr val="bg1"/>
+                </a:solidFill>
+              </a:rPr>
+              <a:t>Explores ride-sharing in urban areas, examining the role of location, user types, and system barriers with specific reference to </a:t>
+            </a:r>
+            <a:r>
+              <a:rPr lang="en-US" sz="1600" dirty="0">
+                <a:solidFill>
+                  <a:srgbClr val="DA627D"/>
+                </a:solidFill>
+              </a:rPr>
+              <a:t>two-way rating mechanisms</a:t>
+            </a:r>
+            <a:r>
+              <a:rPr lang="en-US" sz="1600" dirty="0">
+                <a:solidFill>
+                  <a:schemeClr val="bg1"/>
+                </a:solidFill>
+              </a:rPr>
+              <a:t>.</a:t>
+            </a:r>
+          </a:p>
+        </p:txBody>
+      </p:sp>
+      <p:grpSp>
+        <p:nvGrpSpPr>
+          <p:cNvPr id="22" name="Gruppo 21">
+            <a:extLst>
+              <a:ext uri="{FF2B5EF4-FFF2-40B4-BE49-F238E27FC236}">
+                <a16:creationId xmlns:a16="http://schemas.microsoft.com/office/drawing/2014/main" id="{C4FC2901-AFF6-C0C5-AF1A-28AE910EB1A7}"/>
+              </a:ext>
+            </a:extLst>
+          </p:cNvPr>
+          <p:cNvGrpSpPr/>
+          <p:nvPr/>
+        </p:nvGrpSpPr>
+        <p:grpSpPr>
+          <a:xfrm>
+            <a:off x="392530" y="454551"/>
+            <a:ext cx="2226628" cy="1074559"/>
+            <a:chOff x="630734" y="454551"/>
+            <a:chExt cx="2226628" cy="1074559"/>
+          </a:xfrm>
+        </p:grpSpPr>
+        <p:sp>
+          <p:nvSpPr>
+            <p:cNvPr id="11" name="Rettangolo con angoli arrotondati 10">
+              <a:extLst>
+                <a:ext uri="{FF2B5EF4-FFF2-40B4-BE49-F238E27FC236}">
+                  <a16:creationId xmlns:a16="http://schemas.microsoft.com/office/drawing/2014/main" id="{4499A920-B94F-CF32-5366-57CE99B20CFD}"/>
+                </a:ext>
+              </a:extLst>
+            </p:cNvPr>
+            <p:cNvSpPr/>
+            <p:nvPr/>
+          </p:nvSpPr>
+          <p:spPr>
+            <a:xfrm>
+              <a:off x="630734" y="454551"/>
+              <a:ext cx="2226628" cy="1074559"/>
+            </a:xfrm>
+            <a:prstGeom prst="roundRect">
+              <a:avLst>
+                <a:gd name="adj" fmla="val 7027"/>
+              </a:avLst>
+            </a:prstGeom>
+            <a:noFill/>
+            <a:ln w="28575">
+              <a:solidFill>
+                <a:srgbClr val="DA627D"/>
+              </a:solidFill>
+            </a:ln>
+          </p:spPr>
+          <p:style>
+            <a:lnRef idx="2">
+              <a:schemeClr val="accent1">
+                <a:shade val="15000"/>
+              </a:schemeClr>
+            </a:lnRef>
+            <a:fillRef idx="1">
+              <a:schemeClr val="accent1"/>
+            </a:fillRef>
+            <a:effectRef idx="0">
+              <a:schemeClr val="accent1"/>
+            </a:effectRef>
+            <a:fontRef idx="minor">
+              <a:schemeClr val="lt1"/>
+            </a:fontRef>
+          </p:style>
+          <p:txBody>
+            <a:bodyPr rtlCol="0" anchor="ctr"/>
+            <a:lstStyle/>
+            <a:p>
+              <a:pPr algn="ctr"/>
+              <a:endParaRPr lang="it-IT" dirty="0"/>
+            </a:p>
+          </p:txBody>
+        </p:sp>
+        <p:grpSp>
+          <p:nvGrpSpPr>
+            <p:cNvPr id="9" name="Gruppo 8">
+              <a:extLst>
+                <a:ext uri="{FF2B5EF4-FFF2-40B4-BE49-F238E27FC236}">
+                  <a16:creationId xmlns:a16="http://schemas.microsoft.com/office/drawing/2014/main" id="{B97C5E90-4540-F58A-506D-DBE78778E386}"/>
+                </a:ext>
+              </a:extLst>
+            </p:cNvPr>
+            <p:cNvGrpSpPr/>
+            <p:nvPr/>
+          </p:nvGrpSpPr>
+          <p:grpSpPr>
+            <a:xfrm>
+              <a:off x="744403" y="635484"/>
+              <a:ext cx="1953185" cy="712691"/>
+              <a:chOff x="2910529" y="3540985"/>
+              <a:chExt cx="6370944" cy="2324672"/>
+            </a:xfrm>
+          </p:grpSpPr>
+          <p:pic>
+            <p:nvPicPr>
+              <p:cNvPr id="10" name="Immagine 9" descr="Immagine che contiene clipart, Elementi grafici, bianco, design&#10;&#10;Descrizione generata automaticamente">
+                <a:extLst>
+                  <a:ext uri="{FF2B5EF4-FFF2-40B4-BE49-F238E27FC236}">
+                    <a16:creationId xmlns:a16="http://schemas.microsoft.com/office/drawing/2014/main" id="{B60077F1-385B-BD9B-3D81-FB14B5E26592}"/>
+                  </a:ext>
+                </a:extLst>
+              </p:cNvPr>
+              <p:cNvPicPr>
+                <a:picLocks noChangeAspect="1"/>
+              </p:cNvPicPr>
+              <p:nvPr/>
+            </p:nvPicPr>
+            <p:blipFill>
+              <a:blip r:embed="rId3">
+                <a:extLst>
+                  <a:ext uri="{28A0092B-C50C-407E-A947-70E740481C1C}">
+                    <a14:useLocalDpi xmlns:a14="http://schemas.microsoft.com/office/drawing/2010/main" val="0"/>
+                  </a:ext>
+                </a:extLst>
+              </a:blip>
+              <a:stretch>
+                <a:fillRect/>
+              </a:stretch>
+            </p:blipFill>
+            <p:spPr>
+              <a:xfrm>
+                <a:off x="2910529" y="3540985"/>
+                <a:ext cx="2324672" cy="2324672"/>
+              </a:xfrm>
+              <a:prstGeom prst="rect">
+                <a:avLst/>
+              </a:prstGeom>
+            </p:spPr>
+          </p:pic>
+          <p:pic>
+            <p:nvPicPr>
+              <p:cNvPr id="12" name="Immagine 11" descr="Immagine che contiene cerchio, simbolo, clipart, Elementi grafici&#10;&#10;Descrizione generata automaticamente">
+                <a:extLst>
+                  <a:ext uri="{FF2B5EF4-FFF2-40B4-BE49-F238E27FC236}">
+                    <a16:creationId xmlns:a16="http://schemas.microsoft.com/office/drawing/2014/main" id="{8B3FDCDE-E1A1-7FEC-95F8-BA9CFCC56B31}"/>
+                  </a:ext>
+                </a:extLst>
+              </p:cNvPr>
+              <p:cNvPicPr>
+                <a:picLocks noChangeAspect="1"/>
+              </p:cNvPicPr>
+              <p:nvPr/>
+            </p:nvPicPr>
+            <p:blipFill>
+              <a:blip r:embed="rId4">
+                <a:extLst>
+                  <a:ext uri="{28A0092B-C50C-407E-A947-70E740481C1C}">
+                    <a14:useLocalDpi xmlns:a14="http://schemas.microsoft.com/office/drawing/2010/main" val="0"/>
+                  </a:ext>
+                </a:extLst>
+              </a:blip>
+              <a:stretch>
+                <a:fillRect/>
+              </a:stretch>
+            </p:blipFill>
+            <p:spPr>
+              <a:xfrm>
+                <a:off x="6956801" y="3540985"/>
+                <a:ext cx="2324672" cy="2324672"/>
+              </a:xfrm>
+              <a:prstGeom prst="rect">
+                <a:avLst/>
+              </a:prstGeom>
+            </p:spPr>
+          </p:pic>
+          <p:pic>
+            <p:nvPicPr>
+              <p:cNvPr id="18" name="Immagine 17" descr="Immagine che contiene Elementi grafici, Carattere, simbolo, grafica&#10;&#10;Descrizione generata automaticamente">
+                <a:extLst>
+                  <a:ext uri="{FF2B5EF4-FFF2-40B4-BE49-F238E27FC236}">
+                    <a16:creationId xmlns:a16="http://schemas.microsoft.com/office/drawing/2014/main" id="{A9F4D6CA-51B3-539C-BE87-9E95744EC8FF}"/>
+                  </a:ext>
+                </a:extLst>
+              </p:cNvPr>
+              <p:cNvPicPr>
+                <a:picLocks noChangeAspect="1"/>
+              </p:cNvPicPr>
+              <p:nvPr/>
+            </p:nvPicPr>
+            <p:blipFill>
+              <a:blip r:embed="rId5">
+                <a:extLst>
+                  <a:ext uri="{28A0092B-C50C-407E-A947-70E740481C1C}">
+                    <a14:useLocalDpi xmlns:a14="http://schemas.microsoft.com/office/drawing/2010/main" val="0"/>
+                  </a:ext>
+                </a:extLst>
+              </a:blip>
+              <a:stretch>
+                <a:fillRect/>
+              </a:stretch>
+            </p:blipFill>
+            <p:spPr>
+              <a:xfrm>
+                <a:off x="5334736" y="4086283"/>
+                <a:ext cx="1234075" cy="1234075"/>
+              </a:xfrm>
+              <a:prstGeom prst="rect">
+                <a:avLst/>
+              </a:prstGeom>
+            </p:spPr>
+          </p:pic>
+        </p:grpSp>
+      </p:grpSp>
+      <p:grpSp>
+        <p:nvGrpSpPr>
+          <p:cNvPr id="28" name="Gruppo 27">
+            <a:extLst>
+              <a:ext uri="{FF2B5EF4-FFF2-40B4-BE49-F238E27FC236}">
+                <a16:creationId xmlns:a16="http://schemas.microsoft.com/office/drawing/2014/main" id="{A908CA38-6864-10D4-1649-067A6ECAA930}"/>
+              </a:ext>
+            </a:extLst>
+          </p:cNvPr>
+          <p:cNvGrpSpPr/>
+          <p:nvPr/>
+        </p:nvGrpSpPr>
+        <p:grpSpPr>
+          <a:xfrm>
+            <a:off x="2957164" y="616934"/>
+            <a:ext cx="9544759" cy="713451"/>
+            <a:chOff x="2988438" y="623700"/>
+            <a:chExt cx="9544759" cy="713451"/>
+          </a:xfrm>
+        </p:grpSpPr>
+        <p:sp>
+          <p:nvSpPr>
+            <p:cNvPr id="29" name="CasellaDiTesto 28">
+              <a:extLst>
+                <a:ext uri="{FF2B5EF4-FFF2-40B4-BE49-F238E27FC236}">
+                  <a16:creationId xmlns:a16="http://schemas.microsoft.com/office/drawing/2014/main" id="{972D3C15-C88E-2F33-B6BD-B6296E476529}"/>
+                </a:ext>
+              </a:extLst>
+            </p:cNvPr>
+            <p:cNvSpPr txBox="1"/>
+            <p:nvPr/>
+          </p:nvSpPr>
+          <p:spPr>
+            <a:xfrm>
+              <a:off x="2988438" y="623700"/>
+              <a:ext cx="9544759" cy="430887"/>
+            </a:xfrm>
+            <a:prstGeom prst="rect">
+              <a:avLst/>
+            </a:prstGeom>
+            <a:noFill/>
+          </p:spPr>
+          <p:txBody>
+            <a:bodyPr wrap="square" rtlCol="0">
+              <a:spAutoFit/>
+            </a:bodyPr>
+            <a:lstStyle/>
+            <a:p>
+              <a:r>
+                <a:rPr lang="en-US" sz="2200" b="1" dirty="0">
+                  <a:solidFill>
+                    <a:schemeClr val="bg1"/>
+                  </a:solidFill>
+                </a:rPr>
+                <a:t>TWO-WAY</a:t>
+              </a:r>
+              <a:r>
+                <a:rPr lang="en-US" sz="2200" dirty="0">
+                  <a:solidFill>
+                    <a:schemeClr val="bg1"/>
+                  </a:solidFill>
+                </a:rPr>
+                <a:t> </a:t>
+              </a:r>
+              <a:r>
+                <a:rPr lang="en-US" sz="2200" b="1" dirty="0">
+                  <a:solidFill>
+                    <a:schemeClr val="bg1"/>
+                  </a:solidFill>
+                </a:rPr>
+                <a:t>RATING</a:t>
+              </a:r>
+              <a:r>
+                <a:rPr lang="en-US" sz="2200" dirty="0">
+                  <a:solidFill>
+                    <a:schemeClr val="bg1"/>
+                  </a:solidFill>
+                </a:rPr>
+                <a:t> SYSTEMS FOR DRIVER EVALUATION</a:t>
+              </a:r>
+              <a:endParaRPr lang="it-IT" sz="2200" dirty="0">
+                <a:solidFill>
+                  <a:schemeClr val="bg1"/>
+                </a:solidFill>
+              </a:endParaRPr>
+            </a:p>
+          </p:txBody>
+        </p:sp>
+        <p:sp>
+          <p:nvSpPr>
+            <p:cNvPr id="30" name="CasellaDiTesto 29">
+              <a:extLst>
+                <a:ext uri="{FF2B5EF4-FFF2-40B4-BE49-F238E27FC236}">
+                  <a16:creationId xmlns:a16="http://schemas.microsoft.com/office/drawing/2014/main" id="{4A93D43E-1390-9982-0AF7-5AFA86724311}"/>
+                </a:ext>
+              </a:extLst>
+            </p:cNvPr>
+            <p:cNvSpPr txBox="1"/>
+            <p:nvPr/>
+          </p:nvSpPr>
+          <p:spPr>
+            <a:xfrm>
+              <a:off x="2988439" y="998597"/>
+              <a:ext cx="6644505" cy="338554"/>
+            </a:xfrm>
+            <a:prstGeom prst="rect">
+              <a:avLst/>
+            </a:prstGeom>
+            <a:noFill/>
+          </p:spPr>
+          <p:txBody>
+            <a:bodyPr wrap="square" rtlCol="0">
+              <a:spAutoFit/>
+            </a:bodyPr>
+            <a:lstStyle/>
+            <a:p>
+              <a:r>
+                <a:rPr lang="en-US" sz="1600" dirty="0">
+                  <a:solidFill>
+                    <a:srgbClr val="DA627D"/>
+                  </a:solidFill>
+                </a:rPr>
+                <a:t>EFFECTIVENESS</a:t>
+              </a:r>
+              <a:r>
+                <a:rPr lang="en-US" sz="1600" dirty="0">
+                  <a:solidFill>
+                    <a:schemeClr val="bg1"/>
+                  </a:solidFill>
+                </a:rPr>
+                <a:t> IN ASSESSING DRIVER PERFORMANCE</a:t>
+              </a:r>
+            </a:p>
+          </p:txBody>
+        </p:sp>
+      </p:grpSp>
+    </p:spTree>
+    <p:extLst>
+      <p:ext uri="{BB962C8B-B14F-4D97-AF65-F5344CB8AC3E}">
+        <p14:creationId xmlns:p14="http://schemas.microsoft.com/office/powerpoint/2010/main" val="3264119412"/>
+      </p:ext>
+    </p:extLst>
+  </p:cSld>
+  <p:clrMapOvr>
+    <a:masterClrMapping/>
+  </p:clrMapOvr>
+</p:sld>
+</file>
+
+<file path=ppt/slides/slide11.xml><?xml version="1.0" encoding="utf-8"?>
+<p:sld xmlns:a="http://schemas.openxmlformats.org/drawingml/2006/main" xmlns:r="http://schemas.openxmlformats.org/officeDocument/2006/relationships" xmlns:p="http://schemas.openxmlformats.org/presentationml/2006/main">
+  <p:cSld>
+    <p:bg>
+      <p:bgPr>
+        <a:solidFill>
+          <a:srgbClr val="0D0628"/>
+        </a:solidFill>
+        <a:effectLst/>
+      </p:bgPr>
+    </p:bg>
+    <p:spTree>
+      <p:nvGrpSpPr>
+        <p:cNvPr id="1" name="">
+          <a:extLst>
+            <a:ext uri="{FF2B5EF4-FFF2-40B4-BE49-F238E27FC236}">
+              <a16:creationId xmlns:a16="http://schemas.microsoft.com/office/drawing/2014/main" id="{23DF72DF-B801-4D0C-194A-1B25DFE10ED4}"/>
+            </a:ext>
+          </a:extLst>
+        </p:cNvPr>
+        <p:cNvGrpSpPr/>
+        <p:nvPr/>
+      </p:nvGrpSpPr>
+      <p:grpSpPr>
+        <a:xfrm>
+          <a:off x="0" y="0"/>
+          <a:ext cx="0" cy="0"/>
+          <a:chOff x="0" y="0"/>
+          <a:chExt cx="0" cy="0"/>
+        </a:xfrm>
+      </p:grpSpPr>
+      <p:pic>
+        <p:nvPicPr>
+          <p:cNvPr id="5" name="Immagine 4" descr="Immagine che contiene automobile, veicolo, Adesivo per automobili, clipart&#10;&#10;Descrizione generata automaticamente">
+            <a:extLst>
+              <a:ext uri="{FF2B5EF4-FFF2-40B4-BE49-F238E27FC236}">
+                <a16:creationId xmlns:a16="http://schemas.microsoft.com/office/drawing/2014/main" id="{B2B84D08-E71F-FF00-B372-7CC2D2FC7FDC}"/>
+              </a:ext>
+            </a:extLst>
+          </p:cNvPr>
+          <p:cNvPicPr>
+            <a:picLocks noChangeAspect="1"/>
+          </p:cNvPicPr>
+          <p:nvPr/>
+        </p:nvPicPr>
+        <p:blipFill>
+          <a:blip r:embed="rId3">
+            <a:extLst>
+              <a:ext uri="{28A0092B-C50C-407E-A947-70E740481C1C}">
+                <a14:useLocalDpi xmlns:a14="http://schemas.microsoft.com/office/drawing/2010/main" val="0"/>
+              </a:ext>
+            </a:extLst>
+          </a:blip>
+          <a:srcRect l="53976" t="27694" b="28011"/>
+          <a:stretch/>
+        </p:blipFill>
+        <p:spPr>
+          <a:xfrm flipH="1">
+            <a:off x="3700380" y="3411100"/>
+            <a:ext cx="2205123" cy="2122292"/>
+          </a:xfrm>
+          <a:prstGeom prst="rect">
+            <a:avLst/>
+          </a:prstGeom>
+        </p:spPr>
+      </p:pic>
+      <p:pic>
+        <p:nvPicPr>
+          <p:cNvPr id="3" name="Immagine 2" descr="Immagine che contiene automobile, veicolo, Adesivo per automobili, clipart&#10;&#10;Descrizione generata automaticamente">
+            <a:extLst>
+              <a:ext uri="{FF2B5EF4-FFF2-40B4-BE49-F238E27FC236}">
+                <a16:creationId xmlns:a16="http://schemas.microsoft.com/office/drawing/2014/main" id="{AD5879B9-DFEC-3A82-7B40-B7DFF394AACB}"/>
+              </a:ext>
+            </a:extLst>
+          </p:cNvPr>
+          <p:cNvPicPr>
+            <a:picLocks noChangeAspect="1"/>
+          </p:cNvPicPr>
+          <p:nvPr/>
+        </p:nvPicPr>
+        <p:blipFill>
+          <a:blip r:embed="rId3">
+            <a:extLst>
+              <a:ext uri="{28A0092B-C50C-407E-A947-70E740481C1C}">
+                <a14:useLocalDpi xmlns:a14="http://schemas.microsoft.com/office/drawing/2010/main" val="0"/>
+              </a:ext>
+            </a:extLst>
+          </a:blip>
+          <a:srcRect t="27694" r="46024" b="28011"/>
+          <a:stretch/>
+        </p:blipFill>
+        <p:spPr>
+          <a:xfrm flipH="1">
+            <a:off x="5905498" y="3411100"/>
+            <a:ext cx="2586122" cy="2122292"/>
+          </a:xfrm>
+          <a:prstGeom prst="rect">
+            <a:avLst/>
+          </a:prstGeom>
+        </p:spPr>
+      </p:pic>
+      <p:cxnSp>
+        <p:nvCxnSpPr>
+          <p:cNvPr id="2" name="Connettore diritto 1">
+            <a:extLst>
+              <a:ext uri="{FF2B5EF4-FFF2-40B4-BE49-F238E27FC236}">
+                <a16:creationId xmlns:a16="http://schemas.microsoft.com/office/drawing/2014/main" id="{03B8D86F-0B3D-F67A-BB4C-A91120D1DD0E}"/>
+              </a:ext>
+            </a:extLst>
+          </p:cNvPr>
+          <p:cNvCxnSpPr>
+            <a:cxnSpLocks/>
+          </p:cNvCxnSpPr>
+          <p:nvPr/>
+        </p:nvCxnSpPr>
+        <p:spPr>
+          <a:xfrm>
+            <a:off x="0" y="5366701"/>
+            <a:ext cx="12192000" cy="0"/>
+          </a:xfrm>
+          <a:prstGeom prst="line">
+            <a:avLst/>
+          </a:prstGeom>
+          <a:ln w="57150">
+            <a:solidFill>
+              <a:srgbClr val="DA627D"/>
+            </a:solidFill>
+          </a:ln>
+        </p:spPr>
+        <p:style>
+          <a:lnRef idx="2">
+            <a:schemeClr val="accent1"/>
+          </a:lnRef>
+          <a:fillRef idx="0">
+            <a:schemeClr val="accent1"/>
+          </a:fillRef>
+          <a:effectRef idx="1">
+            <a:schemeClr val="accent1"/>
+          </a:effectRef>
+          <a:fontRef idx="minor">
+            <a:schemeClr val="tx1"/>
+          </a:fontRef>
+        </p:style>
+      </p:cxnSp>
+      <p:sp>
+        <p:nvSpPr>
+          <p:cNvPr id="29" name="CasellaDiTesto 28">
+            <a:extLst>
+              <a:ext uri="{FF2B5EF4-FFF2-40B4-BE49-F238E27FC236}">
+                <a16:creationId xmlns:a16="http://schemas.microsoft.com/office/drawing/2014/main" id="{54EED08A-28EB-D89C-A8EC-73454CE03306}"/>
+              </a:ext>
+            </a:extLst>
+          </p:cNvPr>
+          <p:cNvSpPr txBox="1"/>
+          <p:nvPr/>
+        </p:nvSpPr>
+        <p:spPr>
+          <a:xfrm>
+            <a:off x="3335456" y="5957910"/>
+            <a:ext cx="5521087" cy="400110"/>
+          </a:xfrm>
+          <a:prstGeom prst="rect">
+            <a:avLst/>
+          </a:prstGeom>
+          <a:noFill/>
+        </p:spPr>
+        <p:txBody>
+          <a:bodyPr wrap="square" rtlCol="0">
+            <a:spAutoFit/>
+          </a:bodyPr>
+          <a:lstStyle/>
+          <a:p>
+            <a:pPr algn="ctr"/>
+            <a:r>
+              <a:rPr lang="it-IT" sz="2000" dirty="0">
+                <a:solidFill>
+                  <a:schemeClr val="bg1"/>
+                </a:solidFill>
+              </a:rPr>
+              <a:t>THE </a:t>
+            </a:r>
+            <a:r>
+              <a:rPr lang="it-IT" sz="2000" b="1" dirty="0">
+                <a:solidFill>
+                  <a:schemeClr val="bg1"/>
+                </a:solidFill>
+              </a:rPr>
+              <a:t>IDEA</a:t>
+            </a:r>
+          </a:p>
+        </p:txBody>
+      </p:sp>
+    </p:spTree>
+    <p:extLst>
+      <p:ext uri="{BB962C8B-B14F-4D97-AF65-F5344CB8AC3E}">
+        <p14:creationId xmlns:p14="http://schemas.microsoft.com/office/powerpoint/2010/main" val="1768676668"/>
+      </p:ext>
+    </p:extLst>
+  </p:cSld>
+  <p:clrMapOvr>
+    <a:masterClrMapping/>
+  </p:clrMapOvr>
+</p:sld>
+</file>
+
+<file path=ppt/slides/slide12.xml><?xml version="1.0" encoding="utf-8"?>
 <p:sld xmlns:a="http://schemas.openxmlformats.org/drawingml/2006/main" xmlns:r="http://schemas.openxmlformats.org/officeDocument/2006/relationships" xmlns:p="http://schemas.openxmlformats.org/presentationml/2006/main">
   <p:cSld>
     <p:bg>
@@ -7664,7 +9024,7 @@
 </p:sld>
 </file>
 
-<file path=ppt/slides/slide11.xml><?xml version="1.0" encoding="utf-8"?>
+<file path=ppt/slides/slide13.xml><?xml version="1.0" encoding="utf-8"?>
 <p:sld xmlns:a="http://schemas.openxmlformats.org/drawingml/2006/main" xmlns:r="http://schemas.openxmlformats.org/officeDocument/2006/relationships" xmlns:p="http://schemas.openxmlformats.org/presentationml/2006/main" show="0">
   <p:cSld>
     <p:bg>
@@ -8182,7 +9542,7 @@
 </p:sld>
 </file>
 
-<file path=ppt/slides/slide12.xml><?xml version="1.0" encoding="utf-8"?>
+<file path=ppt/slides/slide14.xml><?xml version="1.0" encoding="utf-8"?>
 <p:sld xmlns:a="http://schemas.openxmlformats.org/drawingml/2006/main" xmlns:r="http://schemas.openxmlformats.org/officeDocument/2006/relationships" xmlns:p="http://schemas.openxmlformats.org/presentationml/2006/main" show="0">
   <p:cSld>
     <p:bg>
@@ -24318,7 +25678,7 @@
 </p:sld>
 </file>
 
-<file path=ppt/slides/slide13.xml><?xml version="1.0" encoding="utf-8"?>
+<file path=ppt/slides/slide15.xml><?xml version="1.0" encoding="utf-8"?>
 <p:sld xmlns:a="http://schemas.openxmlformats.org/drawingml/2006/main" xmlns:r="http://schemas.openxmlformats.org/officeDocument/2006/relationships" xmlns:p="http://schemas.openxmlformats.org/presentationml/2006/main">
   <p:cSld>
     <p:bg>
@@ -26234,7 +27594,7 @@
 </p:sld>
 </file>
 
-<file path=ppt/slides/slide14.xml><?xml version="1.0" encoding="utf-8"?>
+<file path=ppt/slides/slide16.xml><?xml version="1.0" encoding="utf-8"?>
 <p:sld xmlns:a="http://schemas.openxmlformats.org/drawingml/2006/main" xmlns:r="http://schemas.openxmlformats.org/officeDocument/2006/relationships" xmlns:p="http://schemas.openxmlformats.org/presentationml/2006/main" show="0">
   <p:cSld>
     <p:bg>
@@ -26835,6 +28195,46 @@
           </p:txBody>
         </p:sp>
       </p:grpSp>
+      <p:sp>
+        <p:nvSpPr>
+          <p:cNvPr id="10" name="CasellaDiTesto 9">
+            <a:extLst>
+              <a:ext uri="{FF2B5EF4-FFF2-40B4-BE49-F238E27FC236}">
+                <a16:creationId xmlns:a16="http://schemas.microsoft.com/office/drawing/2014/main" id="{0910D899-A55D-BA45-5A07-8A5AF735E111}"/>
+              </a:ext>
+            </a:extLst>
+          </p:cNvPr>
+          <p:cNvSpPr txBox="1"/>
+          <p:nvPr/>
+        </p:nvSpPr>
+        <p:spPr>
+          <a:xfrm>
+            <a:off x="4572964" y="476980"/>
+            <a:ext cx="573847" cy="338554"/>
+          </a:xfrm>
+          <a:prstGeom prst="rect">
+            <a:avLst/>
+          </a:prstGeom>
+          <a:noFill/>
+        </p:spPr>
+        <p:txBody>
+          <a:bodyPr wrap="square">
+            <a:spAutoFit/>
+          </a:bodyPr>
+          <a:lstStyle/>
+          <a:p>
+            <a:r>
+              <a:rPr lang="en-US" sz="1600" b="1" dirty="0">
+                <a:solidFill>
+                  <a:srgbClr val="DA627D"/>
+                </a:solidFill>
+              </a:rPr>
+              <a:t>1.</a:t>
+            </a:r>
+            <a:endParaRPr lang="it-IT" sz="1600" dirty="0"/>
+          </a:p>
+        </p:txBody>
+      </p:sp>
     </p:spTree>
     <p:extLst>
       <p:ext uri="{BB962C8B-B14F-4D97-AF65-F5344CB8AC3E}">
@@ -26848,7 +28248,7 @@
 </p:sld>
 </file>
 
-<file path=ppt/slides/slide15.xml><?xml version="1.0" encoding="utf-8"?>
+<file path=ppt/slides/slide17.xml><?xml version="1.0" encoding="utf-8"?>
 <p:sld xmlns:a="http://schemas.openxmlformats.org/drawingml/2006/main" xmlns:r="http://schemas.openxmlformats.org/officeDocument/2006/relationships" xmlns:p="http://schemas.openxmlformats.org/presentationml/2006/main" show="0">
   <p:cSld>
     <p:bg>
@@ -27274,7 +28674,7 @@
 </p:sld>
 </file>
 
-<file path=ppt/slides/slide16.xml><?xml version="1.0" encoding="utf-8"?>
+<file path=ppt/slides/slide18.xml><?xml version="1.0" encoding="utf-8"?>
 <p:sld xmlns:a="http://schemas.openxmlformats.org/drawingml/2006/main" xmlns:r="http://schemas.openxmlformats.org/officeDocument/2006/relationships" xmlns:p="http://schemas.openxmlformats.org/presentationml/2006/main">
   <p:cSld>
     <p:bg>
@@ -27782,7 +29182,7 @@
 </p:sld>
 </file>
 
-<file path=ppt/slides/slide17.xml><?xml version="1.0" encoding="utf-8"?>
+<file path=ppt/slides/slide19.xml><?xml version="1.0" encoding="utf-8"?>
 <p:sld xmlns:a="http://schemas.openxmlformats.org/drawingml/2006/main" xmlns:r="http://schemas.openxmlformats.org/officeDocument/2006/relationships" xmlns:p="http://schemas.openxmlformats.org/presentationml/2006/main">
   <p:cSld>
     <p:bg>
@@ -28597,6 +29997,1416 @@
 </file>
 
 <file path=ppt/slides/slide3.xml><?xml version="1.0" encoding="utf-8"?>
+<p:sld xmlns:a="http://schemas.openxmlformats.org/drawingml/2006/main" xmlns:r="http://schemas.openxmlformats.org/officeDocument/2006/relationships" xmlns:p="http://schemas.openxmlformats.org/presentationml/2006/main" show="0">
+  <p:cSld>
+    <p:bg>
+      <p:bgPr>
+        <a:solidFill>
+          <a:srgbClr val="0D0628"/>
+        </a:solidFill>
+        <a:effectLst/>
+      </p:bgPr>
+    </p:bg>
+    <p:spTree>
+      <p:nvGrpSpPr>
+        <p:cNvPr id="1" name="">
+          <a:extLst>
+            <a:ext uri="{FF2B5EF4-FFF2-40B4-BE49-F238E27FC236}">
+              <a16:creationId xmlns:a16="http://schemas.microsoft.com/office/drawing/2014/main" id="{27D6935F-EFF7-A2CE-435C-F7686530C957}"/>
+            </a:ext>
+          </a:extLst>
+        </p:cNvPr>
+        <p:cNvGrpSpPr/>
+        <p:nvPr/>
+      </p:nvGrpSpPr>
+      <p:grpSpPr>
+        <a:xfrm>
+          <a:off x="0" y="0"/>
+          <a:ext cx="0" cy="0"/>
+          <a:chOff x="0" y="0"/>
+          <a:chExt cx="0" cy="0"/>
+        </a:xfrm>
+      </p:grpSpPr>
+      <p:grpSp>
+        <p:nvGrpSpPr>
+          <p:cNvPr id="2" name="Gruppo 1">
+            <a:extLst>
+              <a:ext uri="{FF2B5EF4-FFF2-40B4-BE49-F238E27FC236}">
+                <a16:creationId xmlns:a16="http://schemas.microsoft.com/office/drawing/2014/main" id="{79344A47-ADF6-8883-EB37-2F2A430B67DE}"/>
+              </a:ext>
+            </a:extLst>
+          </p:cNvPr>
+          <p:cNvGrpSpPr/>
+          <p:nvPr/>
+        </p:nvGrpSpPr>
+        <p:grpSpPr>
+          <a:xfrm>
+            <a:off x="0" y="2666950"/>
+            <a:ext cx="9628095" cy="3847655"/>
+            <a:chOff x="-62610" y="2513269"/>
+            <a:chExt cx="9628095" cy="3847655"/>
+          </a:xfrm>
+        </p:grpSpPr>
+        <p:sp>
+          <p:nvSpPr>
+            <p:cNvPr id="29" name="CasellaDiTesto 28">
+              <a:extLst>
+                <a:ext uri="{FF2B5EF4-FFF2-40B4-BE49-F238E27FC236}">
+                  <a16:creationId xmlns:a16="http://schemas.microsoft.com/office/drawing/2014/main" id="{86FFB78C-692E-315F-B41C-409201314C94}"/>
+                </a:ext>
+              </a:extLst>
+            </p:cNvPr>
+            <p:cNvSpPr txBox="1"/>
+            <p:nvPr/>
+          </p:nvSpPr>
+          <p:spPr>
+            <a:xfrm>
+              <a:off x="-31874" y="5899259"/>
+              <a:ext cx="9597359" cy="461665"/>
+            </a:xfrm>
+            <a:prstGeom prst="rect">
+              <a:avLst/>
+            </a:prstGeom>
+            <a:noFill/>
+          </p:spPr>
+          <p:txBody>
+            <a:bodyPr wrap="square" rtlCol="0">
+              <a:spAutoFit/>
+            </a:bodyPr>
+            <a:lstStyle/>
+            <a:p>
+              <a:pPr algn="ctr"/>
+              <a:r>
+                <a:rPr lang="en-US" sz="2400" spc="300" dirty="0">
+                  <a:solidFill>
+                    <a:schemeClr val="bg1"/>
+                  </a:solidFill>
+                </a:rPr>
+                <a:t>CURRENT </a:t>
+              </a:r>
+              <a:r>
+                <a:rPr lang="en-US" sz="2400" b="1" spc="300" dirty="0">
+                  <a:solidFill>
+                    <a:srgbClr val="DA627D"/>
+                  </a:solidFill>
+                </a:rPr>
+                <a:t>CHALLENGES</a:t>
+              </a:r>
+              <a:r>
+                <a:rPr lang="en-US" sz="2400" spc="300" dirty="0">
+                  <a:solidFill>
+                    <a:schemeClr val="bg1"/>
+                  </a:solidFill>
+                </a:rPr>
+                <a:t> IN RIDE-SHARING SERVICES</a:t>
+              </a:r>
+              <a:endParaRPr lang="it-IT" sz="2400" b="1" spc="300" dirty="0">
+                <a:solidFill>
+                  <a:schemeClr val="bg1"/>
+                </a:solidFill>
+              </a:endParaRPr>
+            </a:p>
+          </p:txBody>
+        </p:sp>
+        <p:pic>
+          <p:nvPicPr>
+            <p:cNvPr id="11" name="Immagine 10">
+              <a:extLst>
+                <a:ext uri="{FF2B5EF4-FFF2-40B4-BE49-F238E27FC236}">
+                  <a16:creationId xmlns:a16="http://schemas.microsoft.com/office/drawing/2014/main" id="{708894F8-51EC-D368-17E5-DA90A8A53673}"/>
+                </a:ext>
+              </a:extLst>
+            </p:cNvPr>
+            <p:cNvPicPr>
+              <a:picLocks noChangeAspect="1"/>
+            </p:cNvPicPr>
+            <p:nvPr/>
+          </p:nvPicPr>
+          <p:blipFill>
+            <a:blip r:embed="rId3">
+              <a:extLst>
+                <a:ext uri="{28A0092B-C50C-407E-A947-70E740481C1C}">
+                  <a14:useLocalDpi xmlns:a14="http://schemas.microsoft.com/office/drawing/2010/main" val="0"/>
+                </a:ext>
+              </a:extLst>
+            </a:blip>
+            <a:stretch>
+              <a:fillRect/>
+            </a:stretch>
+          </p:blipFill>
+          <p:spPr>
+            <a:xfrm>
+              <a:off x="-62610" y="2513269"/>
+              <a:ext cx="3574214" cy="3574214"/>
+            </a:xfrm>
+            <a:prstGeom prst="rect">
+              <a:avLst/>
+            </a:prstGeom>
+          </p:spPr>
+        </p:pic>
+      </p:grpSp>
+      <p:grpSp>
+        <p:nvGrpSpPr>
+          <p:cNvPr id="26" name="Gruppo 25">
+            <a:extLst>
+              <a:ext uri="{FF2B5EF4-FFF2-40B4-BE49-F238E27FC236}">
+                <a16:creationId xmlns:a16="http://schemas.microsoft.com/office/drawing/2014/main" id="{0ADD311D-2EA5-5662-3938-44937FD8F687}"/>
+              </a:ext>
+            </a:extLst>
+          </p:cNvPr>
+          <p:cNvGrpSpPr/>
+          <p:nvPr/>
+        </p:nvGrpSpPr>
+        <p:grpSpPr>
+          <a:xfrm>
+            <a:off x="1090147" y="489752"/>
+            <a:ext cx="7128639" cy="1074559"/>
+            <a:chOff x="1671021" y="668698"/>
+            <a:chExt cx="7128639" cy="1074559"/>
+          </a:xfrm>
+        </p:grpSpPr>
+        <p:pic>
+          <p:nvPicPr>
+            <p:cNvPr id="4" name="Immagine 3" descr="Immagine che contiene schizzo, Elementi grafici, clipart, simbolo&#10;&#10;Descrizione generata automaticamente">
+              <a:extLst>
+                <a:ext uri="{FF2B5EF4-FFF2-40B4-BE49-F238E27FC236}">
+                  <a16:creationId xmlns:a16="http://schemas.microsoft.com/office/drawing/2014/main" id="{DE9223C8-6E06-A3F8-E0CD-90C5780AB250}"/>
+                </a:ext>
+              </a:extLst>
+            </p:cNvPr>
+            <p:cNvPicPr>
+              <a:picLocks noChangeAspect="1"/>
+            </p:cNvPicPr>
+            <p:nvPr/>
+          </p:nvPicPr>
+          <p:blipFill>
+            <a:blip r:embed="rId4">
+              <a:extLst>
+                <a:ext uri="{28A0092B-C50C-407E-A947-70E740481C1C}">
+                  <a14:useLocalDpi xmlns:a14="http://schemas.microsoft.com/office/drawing/2010/main" val="0"/>
+                </a:ext>
+              </a:extLst>
+            </a:blip>
+            <a:stretch>
+              <a:fillRect/>
+            </a:stretch>
+          </p:blipFill>
+          <p:spPr>
+            <a:xfrm>
+              <a:off x="7647676" y="691925"/>
+              <a:ext cx="997456" cy="997456"/>
+            </a:xfrm>
+            <a:prstGeom prst="rect">
+              <a:avLst/>
+            </a:prstGeom>
+          </p:spPr>
+        </p:pic>
+        <p:sp>
+          <p:nvSpPr>
+            <p:cNvPr id="8" name="CasellaDiTesto 7">
+              <a:extLst>
+                <a:ext uri="{FF2B5EF4-FFF2-40B4-BE49-F238E27FC236}">
+                  <a16:creationId xmlns:a16="http://schemas.microsoft.com/office/drawing/2014/main" id="{A28EC5CE-A4F1-D1FF-F0FB-64EE6DDB11B5}"/>
+                </a:ext>
+              </a:extLst>
+            </p:cNvPr>
+            <p:cNvSpPr txBox="1"/>
+            <p:nvPr/>
+          </p:nvSpPr>
+          <p:spPr>
+            <a:xfrm>
+              <a:off x="1671021" y="852034"/>
+              <a:ext cx="5607426" cy="707886"/>
+            </a:xfrm>
+            <a:prstGeom prst="rect">
+              <a:avLst/>
+            </a:prstGeom>
+            <a:noFill/>
+          </p:spPr>
+          <p:txBody>
+            <a:bodyPr wrap="square" rtlCol="0">
+              <a:spAutoFit/>
+            </a:bodyPr>
+            <a:lstStyle/>
+            <a:p>
+              <a:pPr algn="r"/>
+              <a:r>
+                <a:rPr lang="en-US" sz="2000" dirty="0">
+                  <a:solidFill>
+                    <a:srgbClr val="DA627D"/>
+                  </a:solidFill>
+                </a:rPr>
+                <a:t>Subjective</a:t>
+              </a:r>
+              <a:r>
+                <a:rPr lang="en-US" sz="2000" dirty="0">
+                  <a:solidFill>
+                    <a:schemeClr val="bg1"/>
+                  </a:solidFill>
+                </a:rPr>
+                <a:t> passenger ratings can be inconsistent or influenced by temporary emotions.</a:t>
+              </a:r>
+            </a:p>
+          </p:txBody>
+        </p:sp>
+        <p:sp>
+          <p:nvSpPr>
+            <p:cNvPr id="25" name="Rettangolo con angoli arrotondati 24">
+              <a:extLst>
+                <a:ext uri="{FF2B5EF4-FFF2-40B4-BE49-F238E27FC236}">
+                  <a16:creationId xmlns:a16="http://schemas.microsoft.com/office/drawing/2014/main" id="{ED788817-9B43-CE9B-3413-D66E86448116}"/>
+                </a:ext>
+              </a:extLst>
+            </p:cNvPr>
+            <p:cNvSpPr/>
+            <p:nvPr/>
+          </p:nvSpPr>
+          <p:spPr>
+            <a:xfrm>
+              <a:off x="7493147" y="668698"/>
+              <a:ext cx="1306513" cy="1074559"/>
+            </a:xfrm>
+            <a:prstGeom prst="roundRect">
+              <a:avLst>
+                <a:gd name="adj" fmla="val 7027"/>
+              </a:avLst>
+            </a:prstGeom>
+            <a:noFill/>
+            <a:ln w="28575">
+              <a:solidFill>
+                <a:srgbClr val="DA627D"/>
+              </a:solidFill>
+            </a:ln>
+          </p:spPr>
+          <p:style>
+            <a:lnRef idx="2">
+              <a:schemeClr val="accent1">
+                <a:shade val="15000"/>
+              </a:schemeClr>
+            </a:lnRef>
+            <a:fillRef idx="1">
+              <a:schemeClr val="accent1"/>
+            </a:fillRef>
+            <a:effectRef idx="0">
+              <a:schemeClr val="accent1"/>
+            </a:effectRef>
+            <a:fontRef idx="minor">
+              <a:schemeClr val="lt1"/>
+            </a:fontRef>
+          </p:style>
+          <p:txBody>
+            <a:bodyPr rtlCol="0" anchor="ctr"/>
+            <a:lstStyle/>
+            <a:p>
+              <a:pPr algn="ctr"/>
+              <a:endParaRPr lang="it-IT" dirty="0"/>
+            </a:p>
+          </p:txBody>
+        </p:sp>
+      </p:grpSp>
+      <p:grpSp>
+        <p:nvGrpSpPr>
+          <p:cNvPr id="30" name="Gruppo 29">
+            <a:extLst>
+              <a:ext uri="{FF2B5EF4-FFF2-40B4-BE49-F238E27FC236}">
+                <a16:creationId xmlns:a16="http://schemas.microsoft.com/office/drawing/2014/main" id="{7DD5885B-9BB2-37C3-1817-3B18A41A2844}"/>
+              </a:ext>
+            </a:extLst>
+          </p:cNvPr>
+          <p:cNvGrpSpPr/>
+          <p:nvPr/>
+        </p:nvGrpSpPr>
+        <p:grpSpPr>
+          <a:xfrm>
+            <a:off x="1909681" y="2289149"/>
+            <a:ext cx="8105308" cy="1034390"/>
+            <a:chOff x="333934" y="2159309"/>
+            <a:chExt cx="8105308" cy="1034390"/>
+          </a:xfrm>
+        </p:grpSpPr>
+        <p:sp>
+          <p:nvSpPr>
+            <p:cNvPr id="13" name="CasellaDiTesto 12">
+              <a:extLst>
+                <a:ext uri="{FF2B5EF4-FFF2-40B4-BE49-F238E27FC236}">
+                  <a16:creationId xmlns:a16="http://schemas.microsoft.com/office/drawing/2014/main" id="{22B6A3F2-7633-52A3-EA61-5D79FFC685E3}"/>
+                </a:ext>
+              </a:extLst>
+            </p:cNvPr>
+            <p:cNvSpPr txBox="1"/>
+            <p:nvPr/>
+          </p:nvSpPr>
+          <p:spPr>
+            <a:xfrm>
+              <a:off x="333934" y="2322561"/>
+              <a:ext cx="6760385" cy="707886"/>
+            </a:xfrm>
+            <a:prstGeom prst="rect">
+              <a:avLst/>
+            </a:prstGeom>
+            <a:noFill/>
+          </p:spPr>
+          <p:txBody>
+            <a:bodyPr wrap="square" rtlCol="0">
+              <a:spAutoFit/>
+            </a:bodyPr>
+            <a:lstStyle/>
+            <a:p>
+              <a:pPr algn="r"/>
+              <a:r>
+                <a:rPr lang="en-US" sz="2000" dirty="0">
+                  <a:solidFill>
+                    <a:schemeClr val="bg1"/>
+                  </a:solidFill>
+                </a:rPr>
+                <a:t>Existing two-way rating systems are </a:t>
+              </a:r>
+              <a:r>
+                <a:rPr lang="en-US" sz="2000" dirty="0">
+                  <a:solidFill>
+                    <a:srgbClr val="DA627D"/>
+                  </a:solidFill>
+                </a:rPr>
+                <a:t>limited</a:t>
+              </a:r>
+              <a:r>
+                <a:rPr lang="en-US" sz="2000" dirty="0">
+                  <a:solidFill>
+                    <a:schemeClr val="bg1"/>
+                  </a:solidFill>
+                </a:rPr>
+                <a:t> in providing a comprehensive view of the actual driving quality.</a:t>
+              </a:r>
+            </a:p>
+          </p:txBody>
+        </p:sp>
+        <p:grpSp>
+          <p:nvGrpSpPr>
+            <p:cNvPr id="28" name="Gruppo 27">
+              <a:extLst>
+                <a:ext uri="{FF2B5EF4-FFF2-40B4-BE49-F238E27FC236}">
+                  <a16:creationId xmlns:a16="http://schemas.microsoft.com/office/drawing/2014/main" id="{898FC236-3979-D000-97D0-C91A31B303A7}"/>
+                </a:ext>
+              </a:extLst>
+            </p:cNvPr>
+            <p:cNvGrpSpPr/>
+            <p:nvPr/>
+          </p:nvGrpSpPr>
+          <p:grpSpPr>
+            <a:xfrm>
+              <a:off x="7309019" y="2159309"/>
+              <a:ext cx="1130223" cy="1034390"/>
+              <a:chOff x="8706753" y="2230257"/>
+              <a:chExt cx="1130223" cy="1034390"/>
+            </a:xfrm>
+          </p:grpSpPr>
+          <p:pic>
+            <p:nvPicPr>
+              <p:cNvPr id="7" name="Elemento grafico 6" descr="Trasferimento con riempimento a tinta unita">
+                <a:extLst>
+                  <a:ext uri="{FF2B5EF4-FFF2-40B4-BE49-F238E27FC236}">
+                    <a16:creationId xmlns:a16="http://schemas.microsoft.com/office/drawing/2014/main" id="{4AF1A177-D7DC-8A85-556A-48125FC5333C}"/>
+                  </a:ext>
+                </a:extLst>
+              </p:cNvPr>
+              <p:cNvPicPr>
+                <a:picLocks noChangeAspect="1"/>
+              </p:cNvPicPr>
+              <p:nvPr/>
+            </p:nvPicPr>
+            <p:blipFill>
+              <a:blip r:embed="rId5">
+                <a:extLst>
+                  <a:ext uri="{96DAC541-7B7A-43D3-8B79-37D633B846F1}">
+                    <asvg:svgBlip xmlns:asvg="http://schemas.microsoft.com/office/drawing/2016/SVG/main" r:embed="rId6"/>
+                  </a:ext>
+                </a:extLst>
+              </a:blip>
+              <a:stretch>
+                <a:fillRect/>
+              </a:stretch>
+            </p:blipFill>
+            <p:spPr>
+              <a:xfrm>
+                <a:off x="8915636" y="2399164"/>
+                <a:ext cx="712459" cy="712459"/>
+              </a:xfrm>
+              <a:prstGeom prst="rect">
+                <a:avLst/>
+              </a:prstGeom>
+            </p:spPr>
+          </p:pic>
+          <p:sp>
+            <p:nvSpPr>
+              <p:cNvPr id="27" name="Rettangolo con angoli arrotondati 26">
+                <a:extLst>
+                  <a:ext uri="{FF2B5EF4-FFF2-40B4-BE49-F238E27FC236}">
+                    <a16:creationId xmlns:a16="http://schemas.microsoft.com/office/drawing/2014/main" id="{5B104443-BF1B-E638-E9FE-436B85E78B18}"/>
+                  </a:ext>
+                </a:extLst>
+              </p:cNvPr>
+              <p:cNvSpPr/>
+              <p:nvPr/>
+            </p:nvSpPr>
+            <p:spPr>
+              <a:xfrm>
+                <a:off x="8706753" y="2230257"/>
+                <a:ext cx="1130223" cy="1034390"/>
+              </a:xfrm>
+              <a:prstGeom prst="roundRect">
+                <a:avLst>
+                  <a:gd name="adj" fmla="val 7027"/>
+                </a:avLst>
+              </a:prstGeom>
+              <a:noFill/>
+              <a:ln w="28575">
+                <a:solidFill>
+                  <a:srgbClr val="DA627D"/>
+                </a:solidFill>
+              </a:ln>
+            </p:spPr>
+            <p:style>
+              <a:lnRef idx="2">
+                <a:schemeClr val="accent1">
+                  <a:shade val="15000"/>
+                </a:schemeClr>
+              </a:lnRef>
+              <a:fillRef idx="1">
+                <a:schemeClr val="accent1"/>
+              </a:fillRef>
+              <a:effectRef idx="0">
+                <a:schemeClr val="accent1"/>
+              </a:effectRef>
+              <a:fontRef idx="minor">
+                <a:schemeClr val="lt1"/>
+              </a:fontRef>
+            </p:style>
+            <p:txBody>
+              <a:bodyPr rtlCol="0" anchor="ctr"/>
+              <a:lstStyle/>
+              <a:p>
+                <a:pPr algn="ctr"/>
+                <a:endParaRPr lang="it-IT" dirty="0"/>
+              </a:p>
+            </p:txBody>
+          </p:sp>
+        </p:grpSp>
+      </p:grpSp>
+      <p:grpSp>
+        <p:nvGrpSpPr>
+          <p:cNvPr id="33" name="Gruppo 32">
+            <a:extLst>
+              <a:ext uri="{FF2B5EF4-FFF2-40B4-BE49-F238E27FC236}">
+                <a16:creationId xmlns:a16="http://schemas.microsoft.com/office/drawing/2014/main" id="{9325364E-D0E5-9D96-1342-56142DDD6369}"/>
+              </a:ext>
+            </a:extLst>
+          </p:cNvPr>
+          <p:cNvGrpSpPr/>
+          <p:nvPr/>
+        </p:nvGrpSpPr>
+        <p:grpSpPr>
+          <a:xfrm>
+            <a:off x="4371128" y="4048377"/>
+            <a:ext cx="7447731" cy="1034390"/>
+            <a:chOff x="1005463" y="3696993"/>
+            <a:chExt cx="7447731" cy="1034390"/>
+          </a:xfrm>
+        </p:grpSpPr>
+        <p:sp>
+          <p:nvSpPr>
+            <p:cNvPr id="14" name="CasellaDiTesto 13">
+              <a:extLst>
+                <a:ext uri="{FF2B5EF4-FFF2-40B4-BE49-F238E27FC236}">
+                  <a16:creationId xmlns:a16="http://schemas.microsoft.com/office/drawing/2014/main" id="{867C9BA6-98B4-278B-AB51-66562CF743B7}"/>
+                </a:ext>
+              </a:extLst>
+            </p:cNvPr>
+            <p:cNvSpPr txBox="1"/>
+            <p:nvPr/>
+          </p:nvSpPr>
+          <p:spPr>
+            <a:xfrm>
+              <a:off x="1005463" y="3860245"/>
+              <a:ext cx="6088856" cy="707886"/>
+            </a:xfrm>
+            <a:prstGeom prst="rect">
+              <a:avLst/>
+            </a:prstGeom>
+            <a:noFill/>
+          </p:spPr>
+          <p:txBody>
+            <a:bodyPr wrap="square" rtlCol="0">
+              <a:spAutoFit/>
+            </a:bodyPr>
+            <a:lstStyle/>
+            <a:p>
+              <a:pPr algn="r"/>
+              <a:r>
+                <a:rPr lang="en-US" sz="2000" dirty="0">
+                  <a:solidFill>
+                    <a:srgbClr val="DA627D"/>
+                  </a:solidFill>
+                </a:rPr>
+                <a:t>Difficulty</a:t>
+              </a:r>
+              <a:r>
+                <a:rPr lang="en-US" sz="2000" dirty="0">
+                  <a:solidFill>
+                    <a:schemeClr val="bg1"/>
+                  </a:solidFill>
+                </a:rPr>
+                <a:t> in obtaining </a:t>
+              </a:r>
+              <a:r>
+                <a:rPr lang="en-US" sz="2000" dirty="0">
+                  <a:solidFill>
+                    <a:srgbClr val="DA627D"/>
+                  </a:solidFill>
+                </a:rPr>
+                <a:t>real-time feedback </a:t>
+              </a:r>
+              <a:r>
+                <a:rPr lang="en-US" sz="2000" dirty="0">
+                  <a:solidFill>
+                    <a:schemeClr val="bg1"/>
+                  </a:solidFill>
+                </a:rPr>
+                <a:t>about the passenger’s experience during the ride.</a:t>
+              </a:r>
+            </a:p>
+          </p:txBody>
+        </p:sp>
+        <p:grpSp>
+          <p:nvGrpSpPr>
+            <p:cNvPr id="32" name="Gruppo 31">
+              <a:extLst>
+                <a:ext uri="{FF2B5EF4-FFF2-40B4-BE49-F238E27FC236}">
+                  <a16:creationId xmlns:a16="http://schemas.microsoft.com/office/drawing/2014/main" id="{32CF3D2C-8C0E-B47D-5A3D-D6E6F562A4B2}"/>
+                </a:ext>
+              </a:extLst>
+            </p:cNvPr>
+            <p:cNvGrpSpPr/>
+            <p:nvPr/>
+          </p:nvGrpSpPr>
+          <p:grpSpPr>
+            <a:xfrm>
+              <a:off x="7322971" y="3696993"/>
+              <a:ext cx="1130223" cy="1034390"/>
+              <a:chOff x="7322971" y="3696993"/>
+              <a:chExt cx="1130223" cy="1034390"/>
+            </a:xfrm>
+          </p:grpSpPr>
+          <p:pic>
+            <p:nvPicPr>
+              <p:cNvPr id="6" name="Immagine 5" descr="Immagine che contiene logo, Elementi grafici, simbolo, Carattere&#10;&#10;Descrizione generata automaticamente">
+                <a:extLst>
+                  <a:ext uri="{FF2B5EF4-FFF2-40B4-BE49-F238E27FC236}">
+                    <a16:creationId xmlns:a16="http://schemas.microsoft.com/office/drawing/2014/main" id="{26CE9D69-053E-3821-9F4B-00427DC4008E}"/>
+                  </a:ext>
+                </a:extLst>
+              </p:cNvPr>
+              <p:cNvPicPr>
+                <a:picLocks noChangeAspect="1"/>
+              </p:cNvPicPr>
+              <p:nvPr/>
+            </p:nvPicPr>
+            <p:blipFill>
+              <a:blip r:embed="rId7">
+                <a:extLst>
+                  <a:ext uri="{28A0092B-C50C-407E-A947-70E740481C1C}">
+                    <a14:useLocalDpi xmlns:a14="http://schemas.microsoft.com/office/drawing/2010/main" val="0"/>
+                  </a:ext>
+                </a:extLst>
+              </a:blip>
+              <a:stretch>
+                <a:fillRect/>
+              </a:stretch>
+            </p:blipFill>
+            <p:spPr>
+              <a:xfrm>
+                <a:off x="7589329" y="3915434"/>
+                <a:ext cx="597508" cy="597508"/>
+              </a:xfrm>
+              <a:prstGeom prst="rect">
+                <a:avLst/>
+              </a:prstGeom>
+            </p:spPr>
+          </p:pic>
+          <p:sp>
+            <p:nvSpPr>
+              <p:cNvPr id="31" name="Rettangolo con angoli arrotondati 30">
+                <a:extLst>
+                  <a:ext uri="{FF2B5EF4-FFF2-40B4-BE49-F238E27FC236}">
+                    <a16:creationId xmlns:a16="http://schemas.microsoft.com/office/drawing/2014/main" id="{EB2D57C4-DA19-32EF-317A-A58E494328D2}"/>
+                  </a:ext>
+                </a:extLst>
+              </p:cNvPr>
+              <p:cNvSpPr/>
+              <p:nvPr/>
+            </p:nvSpPr>
+            <p:spPr>
+              <a:xfrm>
+                <a:off x="7322971" y="3696993"/>
+                <a:ext cx="1130223" cy="1034390"/>
+              </a:xfrm>
+              <a:prstGeom prst="roundRect">
+                <a:avLst>
+                  <a:gd name="adj" fmla="val 7027"/>
+                </a:avLst>
+              </a:prstGeom>
+              <a:noFill/>
+              <a:ln w="28575">
+                <a:solidFill>
+                  <a:srgbClr val="DA627D"/>
+                </a:solidFill>
+              </a:ln>
+            </p:spPr>
+            <p:style>
+              <a:lnRef idx="2">
+                <a:schemeClr val="accent1">
+                  <a:shade val="15000"/>
+                </a:schemeClr>
+              </a:lnRef>
+              <a:fillRef idx="1">
+                <a:schemeClr val="accent1"/>
+              </a:fillRef>
+              <a:effectRef idx="0">
+                <a:schemeClr val="accent1"/>
+              </a:effectRef>
+              <a:fontRef idx="minor">
+                <a:schemeClr val="lt1"/>
+              </a:fontRef>
+            </p:style>
+            <p:txBody>
+              <a:bodyPr rtlCol="0" anchor="ctr"/>
+              <a:lstStyle/>
+              <a:p>
+                <a:pPr algn="ctr"/>
+                <a:endParaRPr lang="it-IT" dirty="0"/>
+              </a:p>
+            </p:txBody>
+          </p:sp>
+        </p:grpSp>
+      </p:grpSp>
+    </p:spTree>
+    <p:extLst>
+      <p:ext uri="{BB962C8B-B14F-4D97-AF65-F5344CB8AC3E}">
+        <p14:creationId xmlns:p14="http://schemas.microsoft.com/office/powerpoint/2010/main" val="3315301099"/>
+      </p:ext>
+    </p:extLst>
+  </p:cSld>
+  <p:clrMapOvr>
+    <a:masterClrMapping/>
+  </p:clrMapOvr>
+</p:sld>
+</file>
+
+<file path=ppt/slides/slide4.xml><?xml version="1.0" encoding="utf-8"?>
+<p:sld xmlns:a="http://schemas.openxmlformats.org/drawingml/2006/main" xmlns:r="http://schemas.openxmlformats.org/officeDocument/2006/relationships" xmlns:p="http://schemas.openxmlformats.org/presentationml/2006/main" show="0">
+  <p:cSld>
+    <p:bg>
+      <p:bgPr>
+        <a:solidFill>
+          <a:srgbClr val="0D0628"/>
+        </a:solidFill>
+        <a:effectLst/>
+      </p:bgPr>
+    </p:bg>
+    <p:spTree>
+      <p:nvGrpSpPr>
+        <p:cNvPr id="1" name="">
+          <a:extLst>
+            <a:ext uri="{FF2B5EF4-FFF2-40B4-BE49-F238E27FC236}">
+              <a16:creationId xmlns:a16="http://schemas.microsoft.com/office/drawing/2014/main" id="{CEC15825-17EA-83CD-5983-166EF079CA2B}"/>
+            </a:ext>
+          </a:extLst>
+        </p:cNvPr>
+        <p:cNvGrpSpPr/>
+        <p:nvPr/>
+      </p:nvGrpSpPr>
+      <p:grpSpPr>
+        <a:xfrm>
+          <a:off x="0" y="0"/>
+          <a:ext cx="0" cy="0"/>
+          <a:chOff x="0" y="0"/>
+          <a:chExt cx="0" cy="0"/>
+        </a:xfrm>
+      </p:grpSpPr>
+      <p:grpSp>
+        <p:nvGrpSpPr>
+          <p:cNvPr id="2" name="Gruppo 1">
+            <a:extLst>
+              <a:ext uri="{FF2B5EF4-FFF2-40B4-BE49-F238E27FC236}">
+                <a16:creationId xmlns:a16="http://schemas.microsoft.com/office/drawing/2014/main" id="{3E7EE4F8-1519-9255-9752-E4F819C49E12}"/>
+              </a:ext>
+            </a:extLst>
+          </p:cNvPr>
+          <p:cNvGrpSpPr/>
+          <p:nvPr/>
+        </p:nvGrpSpPr>
+        <p:grpSpPr>
+          <a:xfrm>
+            <a:off x="0" y="2666950"/>
+            <a:ext cx="9628095" cy="3847655"/>
+            <a:chOff x="-62610" y="2513269"/>
+            <a:chExt cx="9628095" cy="3847655"/>
+          </a:xfrm>
+        </p:grpSpPr>
+        <p:sp>
+          <p:nvSpPr>
+            <p:cNvPr id="29" name="CasellaDiTesto 28">
+              <a:extLst>
+                <a:ext uri="{FF2B5EF4-FFF2-40B4-BE49-F238E27FC236}">
+                  <a16:creationId xmlns:a16="http://schemas.microsoft.com/office/drawing/2014/main" id="{290DFF97-97B5-7681-85EA-0C9956CF596A}"/>
+                </a:ext>
+              </a:extLst>
+            </p:cNvPr>
+            <p:cNvSpPr txBox="1"/>
+            <p:nvPr/>
+          </p:nvSpPr>
+          <p:spPr>
+            <a:xfrm>
+              <a:off x="-31874" y="5899259"/>
+              <a:ext cx="9597359" cy="461665"/>
+            </a:xfrm>
+            <a:prstGeom prst="rect">
+              <a:avLst/>
+            </a:prstGeom>
+            <a:noFill/>
+          </p:spPr>
+          <p:txBody>
+            <a:bodyPr wrap="square" rtlCol="0">
+              <a:spAutoFit/>
+            </a:bodyPr>
+            <a:lstStyle/>
+            <a:p>
+              <a:pPr algn="ctr"/>
+              <a:r>
+                <a:rPr lang="en-US" sz="2400" spc="300" dirty="0">
+                  <a:solidFill>
+                    <a:schemeClr val="bg1"/>
+                  </a:solidFill>
+                </a:rPr>
+                <a:t>CURRENT </a:t>
+              </a:r>
+              <a:r>
+                <a:rPr lang="en-US" sz="2400" b="1" spc="300" dirty="0">
+                  <a:solidFill>
+                    <a:srgbClr val="DA627D"/>
+                  </a:solidFill>
+                </a:rPr>
+                <a:t>CHALLENGES</a:t>
+              </a:r>
+              <a:r>
+                <a:rPr lang="en-US" sz="2400" spc="300" dirty="0">
+                  <a:solidFill>
+                    <a:schemeClr val="bg1"/>
+                  </a:solidFill>
+                </a:rPr>
+                <a:t> IN RIDE-SHARING SERVICES</a:t>
+              </a:r>
+              <a:endParaRPr lang="it-IT" sz="2400" b="1" spc="300" dirty="0">
+                <a:solidFill>
+                  <a:schemeClr val="bg1"/>
+                </a:solidFill>
+              </a:endParaRPr>
+            </a:p>
+          </p:txBody>
+        </p:sp>
+        <p:pic>
+          <p:nvPicPr>
+            <p:cNvPr id="11" name="Immagine 10">
+              <a:extLst>
+                <a:ext uri="{FF2B5EF4-FFF2-40B4-BE49-F238E27FC236}">
+                  <a16:creationId xmlns:a16="http://schemas.microsoft.com/office/drawing/2014/main" id="{8D1B4597-6692-DCC5-2AF9-AF35F79AD62D}"/>
+                </a:ext>
+              </a:extLst>
+            </p:cNvPr>
+            <p:cNvPicPr>
+              <a:picLocks noChangeAspect="1"/>
+            </p:cNvPicPr>
+            <p:nvPr/>
+          </p:nvPicPr>
+          <p:blipFill>
+            <a:blip r:embed="rId3">
+              <a:extLst>
+                <a:ext uri="{28A0092B-C50C-407E-A947-70E740481C1C}">
+                  <a14:useLocalDpi xmlns:a14="http://schemas.microsoft.com/office/drawing/2010/main" val="0"/>
+                </a:ext>
+              </a:extLst>
+            </a:blip>
+            <a:stretch>
+              <a:fillRect/>
+            </a:stretch>
+          </p:blipFill>
+          <p:spPr>
+            <a:xfrm>
+              <a:off x="-62610" y="2513269"/>
+              <a:ext cx="3574214" cy="3574214"/>
+            </a:xfrm>
+            <a:prstGeom prst="rect">
+              <a:avLst/>
+            </a:prstGeom>
+          </p:spPr>
+        </p:pic>
+      </p:grpSp>
+      <p:grpSp>
+        <p:nvGrpSpPr>
+          <p:cNvPr id="26" name="Gruppo 25">
+            <a:extLst>
+              <a:ext uri="{FF2B5EF4-FFF2-40B4-BE49-F238E27FC236}">
+                <a16:creationId xmlns:a16="http://schemas.microsoft.com/office/drawing/2014/main" id="{EB849710-C4FE-65FA-9336-FFD167A36DEB}"/>
+              </a:ext>
+            </a:extLst>
+          </p:cNvPr>
+          <p:cNvGrpSpPr/>
+          <p:nvPr/>
+        </p:nvGrpSpPr>
+        <p:grpSpPr>
+          <a:xfrm>
+            <a:off x="4375418" y="740511"/>
+            <a:ext cx="7128639" cy="1074559"/>
+            <a:chOff x="1671021" y="668698"/>
+            <a:chExt cx="7128639" cy="1074559"/>
+          </a:xfrm>
+        </p:grpSpPr>
+        <p:pic>
+          <p:nvPicPr>
+            <p:cNvPr id="4" name="Immagine 3" descr="Immagine che contiene schizzo, Elementi grafici, clipart, simbolo&#10;&#10;Descrizione generata automaticamente">
+              <a:extLst>
+                <a:ext uri="{FF2B5EF4-FFF2-40B4-BE49-F238E27FC236}">
+                  <a16:creationId xmlns:a16="http://schemas.microsoft.com/office/drawing/2014/main" id="{CEC47EA2-C54C-0C77-BE5C-9B3206FA752E}"/>
+                </a:ext>
+              </a:extLst>
+            </p:cNvPr>
+            <p:cNvPicPr>
+              <a:picLocks noChangeAspect="1"/>
+            </p:cNvPicPr>
+            <p:nvPr/>
+          </p:nvPicPr>
+          <p:blipFill>
+            <a:blip r:embed="rId4">
+              <a:extLst>
+                <a:ext uri="{28A0092B-C50C-407E-A947-70E740481C1C}">
+                  <a14:useLocalDpi xmlns:a14="http://schemas.microsoft.com/office/drawing/2010/main" val="0"/>
+                </a:ext>
+              </a:extLst>
+            </a:blip>
+            <a:stretch>
+              <a:fillRect/>
+            </a:stretch>
+          </p:blipFill>
+          <p:spPr>
+            <a:xfrm>
+              <a:off x="7647676" y="691925"/>
+              <a:ext cx="997456" cy="997456"/>
+            </a:xfrm>
+            <a:prstGeom prst="rect">
+              <a:avLst/>
+            </a:prstGeom>
+          </p:spPr>
+        </p:pic>
+        <p:sp>
+          <p:nvSpPr>
+            <p:cNvPr id="8" name="CasellaDiTesto 7">
+              <a:extLst>
+                <a:ext uri="{FF2B5EF4-FFF2-40B4-BE49-F238E27FC236}">
+                  <a16:creationId xmlns:a16="http://schemas.microsoft.com/office/drawing/2014/main" id="{29851EB1-CEE6-5407-19E5-5AEC130A3B28}"/>
+                </a:ext>
+              </a:extLst>
+            </p:cNvPr>
+            <p:cNvSpPr txBox="1"/>
+            <p:nvPr/>
+          </p:nvSpPr>
+          <p:spPr>
+            <a:xfrm>
+              <a:off x="1671021" y="852034"/>
+              <a:ext cx="5607426" cy="707886"/>
+            </a:xfrm>
+            <a:prstGeom prst="rect">
+              <a:avLst/>
+            </a:prstGeom>
+            <a:noFill/>
+          </p:spPr>
+          <p:txBody>
+            <a:bodyPr wrap="square" rtlCol="0">
+              <a:spAutoFit/>
+            </a:bodyPr>
+            <a:lstStyle/>
+            <a:p>
+              <a:pPr algn="r"/>
+              <a:r>
+                <a:rPr lang="en-US" sz="2000" dirty="0">
+                  <a:solidFill>
+                    <a:srgbClr val="DA627D"/>
+                  </a:solidFill>
+                </a:rPr>
+                <a:t>Subjective</a:t>
+              </a:r>
+              <a:r>
+                <a:rPr lang="en-US" sz="2000" dirty="0">
+                  <a:solidFill>
+                    <a:schemeClr val="bg1"/>
+                  </a:solidFill>
+                </a:rPr>
+                <a:t> passenger ratings can be inconsistent or influenced by temporary emotions.</a:t>
+              </a:r>
+            </a:p>
+          </p:txBody>
+        </p:sp>
+        <p:sp>
+          <p:nvSpPr>
+            <p:cNvPr id="25" name="Rettangolo con angoli arrotondati 24">
+              <a:extLst>
+                <a:ext uri="{FF2B5EF4-FFF2-40B4-BE49-F238E27FC236}">
+                  <a16:creationId xmlns:a16="http://schemas.microsoft.com/office/drawing/2014/main" id="{E1AC107E-3B49-E430-2076-F936849C8648}"/>
+                </a:ext>
+              </a:extLst>
+            </p:cNvPr>
+            <p:cNvSpPr/>
+            <p:nvPr/>
+          </p:nvSpPr>
+          <p:spPr>
+            <a:xfrm>
+              <a:off x="7493147" y="668698"/>
+              <a:ext cx="1306513" cy="1074559"/>
+            </a:xfrm>
+            <a:prstGeom prst="roundRect">
+              <a:avLst>
+                <a:gd name="adj" fmla="val 7027"/>
+              </a:avLst>
+            </a:prstGeom>
+            <a:noFill/>
+            <a:ln w="28575">
+              <a:solidFill>
+                <a:srgbClr val="DA627D"/>
+              </a:solidFill>
+            </a:ln>
+          </p:spPr>
+          <p:style>
+            <a:lnRef idx="2">
+              <a:schemeClr val="accent1">
+                <a:shade val="15000"/>
+              </a:schemeClr>
+            </a:lnRef>
+            <a:fillRef idx="1">
+              <a:schemeClr val="accent1"/>
+            </a:fillRef>
+            <a:effectRef idx="0">
+              <a:schemeClr val="accent1"/>
+            </a:effectRef>
+            <a:fontRef idx="minor">
+              <a:schemeClr val="lt1"/>
+            </a:fontRef>
+          </p:style>
+          <p:txBody>
+            <a:bodyPr rtlCol="0" anchor="ctr"/>
+            <a:lstStyle/>
+            <a:p>
+              <a:pPr algn="ctr"/>
+              <a:endParaRPr lang="it-IT" dirty="0"/>
+            </a:p>
+          </p:txBody>
+        </p:sp>
+      </p:grpSp>
+      <p:grpSp>
+        <p:nvGrpSpPr>
+          <p:cNvPr id="30" name="Gruppo 29">
+            <a:extLst>
+              <a:ext uri="{FF2B5EF4-FFF2-40B4-BE49-F238E27FC236}">
+                <a16:creationId xmlns:a16="http://schemas.microsoft.com/office/drawing/2014/main" id="{56E09DE8-197B-0E55-C760-DC63F99D05F2}"/>
+              </a:ext>
+            </a:extLst>
+          </p:cNvPr>
+          <p:cNvGrpSpPr/>
+          <p:nvPr/>
+        </p:nvGrpSpPr>
+        <p:grpSpPr>
+          <a:xfrm>
+            <a:off x="3145660" y="2512323"/>
+            <a:ext cx="8105308" cy="1034390"/>
+            <a:chOff x="333934" y="2159309"/>
+            <a:chExt cx="8105308" cy="1034390"/>
+          </a:xfrm>
+        </p:grpSpPr>
+        <p:sp>
+          <p:nvSpPr>
+            <p:cNvPr id="13" name="CasellaDiTesto 12">
+              <a:extLst>
+                <a:ext uri="{FF2B5EF4-FFF2-40B4-BE49-F238E27FC236}">
+                  <a16:creationId xmlns:a16="http://schemas.microsoft.com/office/drawing/2014/main" id="{EFC94A37-583F-6A51-E128-CD3EEBE58BA1}"/>
+                </a:ext>
+              </a:extLst>
+            </p:cNvPr>
+            <p:cNvSpPr txBox="1"/>
+            <p:nvPr/>
+          </p:nvSpPr>
+          <p:spPr>
+            <a:xfrm>
+              <a:off x="333934" y="2322561"/>
+              <a:ext cx="6760385" cy="707886"/>
+            </a:xfrm>
+            <a:prstGeom prst="rect">
+              <a:avLst/>
+            </a:prstGeom>
+            <a:noFill/>
+          </p:spPr>
+          <p:txBody>
+            <a:bodyPr wrap="square" rtlCol="0">
+              <a:spAutoFit/>
+            </a:bodyPr>
+            <a:lstStyle/>
+            <a:p>
+              <a:pPr algn="r"/>
+              <a:r>
+                <a:rPr lang="en-US" sz="2000" dirty="0">
+                  <a:solidFill>
+                    <a:schemeClr val="bg1"/>
+                  </a:solidFill>
+                </a:rPr>
+                <a:t>Existing two-way rating systems are </a:t>
+              </a:r>
+              <a:r>
+                <a:rPr lang="en-US" sz="2000" dirty="0">
+                  <a:solidFill>
+                    <a:srgbClr val="DA627D"/>
+                  </a:solidFill>
+                </a:rPr>
+                <a:t>limited</a:t>
+              </a:r>
+              <a:r>
+                <a:rPr lang="en-US" sz="2000" dirty="0">
+                  <a:solidFill>
+                    <a:schemeClr val="bg1"/>
+                  </a:solidFill>
+                </a:rPr>
+                <a:t> in providing a comprehensive view of the actual driving quality.</a:t>
+              </a:r>
+            </a:p>
+          </p:txBody>
+        </p:sp>
+        <p:grpSp>
+          <p:nvGrpSpPr>
+            <p:cNvPr id="28" name="Gruppo 27">
+              <a:extLst>
+                <a:ext uri="{FF2B5EF4-FFF2-40B4-BE49-F238E27FC236}">
+                  <a16:creationId xmlns:a16="http://schemas.microsoft.com/office/drawing/2014/main" id="{E0496CB5-2EFB-CEAE-72D2-ADCA5182FFB3}"/>
+                </a:ext>
+              </a:extLst>
+            </p:cNvPr>
+            <p:cNvGrpSpPr/>
+            <p:nvPr/>
+          </p:nvGrpSpPr>
+          <p:grpSpPr>
+            <a:xfrm>
+              <a:off x="7309019" y="2159309"/>
+              <a:ext cx="1130223" cy="1034390"/>
+              <a:chOff x="8706753" y="2230257"/>
+              <a:chExt cx="1130223" cy="1034390"/>
+            </a:xfrm>
+          </p:grpSpPr>
+          <p:pic>
+            <p:nvPicPr>
+              <p:cNvPr id="7" name="Elemento grafico 6" descr="Trasferimento con riempimento a tinta unita">
+                <a:extLst>
+                  <a:ext uri="{FF2B5EF4-FFF2-40B4-BE49-F238E27FC236}">
+                    <a16:creationId xmlns:a16="http://schemas.microsoft.com/office/drawing/2014/main" id="{9F259A82-947B-95BE-0C9D-222C30A31800}"/>
+                  </a:ext>
+                </a:extLst>
+              </p:cNvPr>
+              <p:cNvPicPr>
+                <a:picLocks noChangeAspect="1"/>
+              </p:cNvPicPr>
+              <p:nvPr/>
+            </p:nvPicPr>
+            <p:blipFill>
+              <a:blip r:embed="rId5">
+                <a:extLst>
+                  <a:ext uri="{96DAC541-7B7A-43D3-8B79-37D633B846F1}">
+                    <asvg:svgBlip xmlns:asvg="http://schemas.microsoft.com/office/drawing/2016/SVG/main" r:embed="rId6"/>
+                  </a:ext>
+                </a:extLst>
+              </a:blip>
+              <a:stretch>
+                <a:fillRect/>
+              </a:stretch>
+            </p:blipFill>
+            <p:spPr>
+              <a:xfrm>
+                <a:off x="8915636" y="2399164"/>
+                <a:ext cx="712459" cy="712459"/>
+              </a:xfrm>
+              <a:prstGeom prst="rect">
+                <a:avLst/>
+              </a:prstGeom>
+            </p:spPr>
+          </p:pic>
+          <p:sp>
+            <p:nvSpPr>
+              <p:cNvPr id="27" name="Rettangolo con angoli arrotondati 26">
+                <a:extLst>
+                  <a:ext uri="{FF2B5EF4-FFF2-40B4-BE49-F238E27FC236}">
+                    <a16:creationId xmlns:a16="http://schemas.microsoft.com/office/drawing/2014/main" id="{BF68D779-6A9F-D35A-7D85-D61C21EF0803}"/>
+                  </a:ext>
+                </a:extLst>
+              </p:cNvPr>
+              <p:cNvSpPr/>
+              <p:nvPr/>
+            </p:nvSpPr>
+            <p:spPr>
+              <a:xfrm>
+                <a:off x="8706753" y="2230257"/>
+                <a:ext cx="1130223" cy="1034390"/>
+              </a:xfrm>
+              <a:prstGeom prst="roundRect">
+                <a:avLst>
+                  <a:gd name="adj" fmla="val 7027"/>
+                </a:avLst>
+              </a:prstGeom>
+              <a:noFill/>
+              <a:ln w="28575">
+                <a:solidFill>
+                  <a:srgbClr val="DA627D"/>
+                </a:solidFill>
+              </a:ln>
+            </p:spPr>
+            <p:style>
+              <a:lnRef idx="2">
+                <a:schemeClr val="accent1">
+                  <a:shade val="15000"/>
+                </a:schemeClr>
+              </a:lnRef>
+              <a:fillRef idx="1">
+                <a:schemeClr val="accent1"/>
+              </a:fillRef>
+              <a:effectRef idx="0">
+                <a:schemeClr val="accent1"/>
+              </a:effectRef>
+              <a:fontRef idx="minor">
+                <a:schemeClr val="lt1"/>
+              </a:fontRef>
+            </p:style>
+            <p:txBody>
+              <a:bodyPr rtlCol="0" anchor="ctr"/>
+              <a:lstStyle/>
+              <a:p>
+                <a:pPr algn="ctr"/>
+                <a:endParaRPr lang="it-IT" dirty="0"/>
+              </a:p>
+            </p:txBody>
+          </p:sp>
+        </p:grpSp>
+      </p:grpSp>
+      <p:grpSp>
+        <p:nvGrpSpPr>
+          <p:cNvPr id="33" name="Gruppo 32">
+            <a:extLst>
+              <a:ext uri="{FF2B5EF4-FFF2-40B4-BE49-F238E27FC236}">
+                <a16:creationId xmlns:a16="http://schemas.microsoft.com/office/drawing/2014/main" id="{082E90D3-7DE5-C309-42D2-85BEDDE37975}"/>
+              </a:ext>
+            </a:extLst>
+          </p:cNvPr>
+          <p:cNvGrpSpPr/>
+          <p:nvPr/>
+        </p:nvGrpSpPr>
+        <p:grpSpPr>
+          <a:xfrm>
+            <a:off x="3803237" y="4009876"/>
+            <a:ext cx="7447731" cy="1034390"/>
+            <a:chOff x="1005463" y="3696993"/>
+            <a:chExt cx="7447731" cy="1034390"/>
+          </a:xfrm>
+        </p:grpSpPr>
+        <p:sp>
+          <p:nvSpPr>
+            <p:cNvPr id="14" name="CasellaDiTesto 13">
+              <a:extLst>
+                <a:ext uri="{FF2B5EF4-FFF2-40B4-BE49-F238E27FC236}">
+                  <a16:creationId xmlns:a16="http://schemas.microsoft.com/office/drawing/2014/main" id="{E4E90AB2-5B08-8B6D-D3A5-66377CE3044B}"/>
+                </a:ext>
+              </a:extLst>
+            </p:cNvPr>
+            <p:cNvSpPr txBox="1"/>
+            <p:nvPr/>
+          </p:nvSpPr>
+          <p:spPr>
+            <a:xfrm>
+              <a:off x="1005463" y="3860245"/>
+              <a:ext cx="6088856" cy="707886"/>
+            </a:xfrm>
+            <a:prstGeom prst="rect">
+              <a:avLst/>
+            </a:prstGeom>
+            <a:noFill/>
+          </p:spPr>
+          <p:txBody>
+            <a:bodyPr wrap="square" rtlCol="0">
+              <a:spAutoFit/>
+            </a:bodyPr>
+            <a:lstStyle/>
+            <a:p>
+              <a:pPr algn="r"/>
+              <a:r>
+                <a:rPr lang="en-US" sz="2000" dirty="0">
+                  <a:solidFill>
+                    <a:srgbClr val="DA627D"/>
+                  </a:solidFill>
+                </a:rPr>
+                <a:t>Difficulty</a:t>
+              </a:r>
+              <a:r>
+                <a:rPr lang="en-US" sz="2000" dirty="0">
+                  <a:solidFill>
+                    <a:schemeClr val="bg1"/>
+                  </a:solidFill>
+                </a:rPr>
+                <a:t> in obtaining </a:t>
+              </a:r>
+              <a:r>
+                <a:rPr lang="en-US" sz="2000" dirty="0">
+                  <a:solidFill>
+                    <a:srgbClr val="DA627D"/>
+                  </a:solidFill>
+                </a:rPr>
+                <a:t>real-time feedback </a:t>
+              </a:r>
+              <a:r>
+                <a:rPr lang="en-US" sz="2000" dirty="0">
+                  <a:solidFill>
+                    <a:schemeClr val="bg1"/>
+                  </a:solidFill>
+                </a:rPr>
+                <a:t>about the passenger’s experience during the ride.</a:t>
+              </a:r>
+            </a:p>
+          </p:txBody>
+        </p:sp>
+        <p:grpSp>
+          <p:nvGrpSpPr>
+            <p:cNvPr id="32" name="Gruppo 31">
+              <a:extLst>
+                <a:ext uri="{FF2B5EF4-FFF2-40B4-BE49-F238E27FC236}">
+                  <a16:creationId xmlns:a16="http://schemas.microsoft.com/office/drawing/2014/main" id="{B8539907-24AF-8387-8074-D4E4DC8DCBE1}"/>
+                </a:ext>
+              </a:extLst>
+            </p:cNvPr>
+            <p:cNvGrpSpPr/>
+            <p:nvPr/>
+          </p:nvGrpSpPr>
+          <p:grpSpPr>
+            <a:xfrm>
+              <a:off x="7322971" y="3696993"/>
+              <a:ext cx="1130223" cy="1034390"/>
+              <a:chOff x="7322971" y="3696993"/>
+              <a:chExt cx="1130223" cy="1034390"/>
+            </a:xfrm>
+          </p:grpSpPr>
+          <p:pic>
+            <p:nvPicPr>
+              <p:cNvPr id="6" name="Immagine 5" descr="Immagine che contiene logo, Elementi grafici, simbolo, Carattere&#10;&#10;Descrizione generata automaticamente">
+                <a:extLst>
+                  <a:ext uri="{FF2B5EF4-FFF2-40B4-BE49-F238E27FC236}">
+                    <a16:creationId xmlns:a16="http://schemas.microsoft.com/office/drawing/2014/main" id="{E05503F1-0334-F1FC-3839-B66DF4E0F7F6}"/>
+                  </a:ext>
+                </a:extLst>
+              </p:cNvPr>
+              <p:cNvPicPr>
+                <a:picLocks noChangeAspect="1"/>
+              </p:cNvPicPr>
+              <p:nvPr/>
+            </p:nvPicPr>
+            <p:blipFill>
+              <a:blip r:embed="rId7">
+                <a:extLst>
+                  <a:ext uri="{28A0092B-C50C-407E-A947-70E740481C1C}">
+                    <a14:useLocalDpi xmlns:a14="http://schemas.microsoft.com/office/drawing/2010/main" val="0"/>
+                  </a:ext>
+                </a:extLst>
+              </a:blip>
+              <a:stretch>
+                <a:fillRect/>
+              </a:stretch>
+            </p:blipFill>
+            <p:spPr>
+              <a:xfrm>
+                <a:off x="7589329" y="3915434"/>
+                <a:ext cx="597508" cy="597508"/>
+              </a:xfrm>
+              <a:prstGeom prst="rect">
+                <a:avLst/>
+              </a:prstGeom>
+            </p:spPr>
+          </p:pic>
+          <p:sp>
+            <p:nvSpPr>
+              <p:cNvPr id="31" name="Rettangolo con angoli arrotondati 30">
+                <a:extLst>
+                  <a:ext uri="{FF2B5EF4-FFF2-40B4-BE49-F238E27FC236}">
+                    <a16:creationId xmlns:a16="http://schemas.microsoft.com/office/drawing/2014/main" id="{1C997D82-F5B8-A8EE-E16D-FE1D8CF1A5D1}"/>
+                  </a:ext>
+                </a:extLst>
+              </p:cNvPr>
+              <p:cNvSpPr/>
+              <p:nvPr/>
+            </p:nvSpPr>
+            <p:spPr>
+              <a:xfrm>
+                <a:off x="7322971" y="3696993"/>
+                <a:ext cx="1130223" cy="1034390"/>
+              </a:xfrm>
+              <a:prstGeom prst="roundRect">
+                <a:avLst>
+                  <a:gd name="adj" fmla="val 7027"/>
+                </a:avLst>
+              </a:prstGeom>
+              <a:noFill/>
+              <a:ln w="28575">
+                <a:solidFill>
+                  <a:srgbClr val="DA627D"/>
+                </a:solidFill>
+              </a:ln>
+            </p:spPr>
+            <p:style>
+              <a:lnRef idx="2">
+                <a:schemeClr val="accent1">
+                  <a:shade val="15000"/>
+                </a:schemeClr>
+              </a:lnRef>
+              <a:fillRef idx="1">
+                <a:schemeClr val="accent1"/>
+              </a:fillRef>
+              <a:effectRef idx="0">
+                <a:schemeClr val="accent1"/>
+              </a:effectRef>
+              <a:fontRef idx="minor">
+                <a:schemeClr val="lt1"/>
+              </a:fontRef>
+            </p:style>
+            <p:txBody>
+              <a:bodyPr rtlCol="0" anchor="ctr"/>
+              <a:lstStyle/>
+              <a:p>
+                <a:pPr algn="ctr"/>
+                <a:endParaRPr lang="it-IT" dirty="0"/>
+              </a:p>
+            </p:txBody>
+          </p:sp>
+        </p:grpSp>
+      </p:grpSp>
+    </p:spTree>
+    <p:extLst>
+      <p:ext uri="{BB962C8B-B14F-4D97-AF65-F5344CB8AC3E}">
+        <p14:creationId xmlns:p14="http://schemas.microsoft.com/office/powerpoint/2010/main" val="2304217868"/>
+      </p:ext>
+    </p:extLst>
+  </p:cSld>
+  <p:clrMapOvr>
+    <a:masterClrMapping/>
+  </p:clrMapOvr>
+</p:sld>
+</file>
+
+<file path=ppt/slides/slide5.xml><?xml version="1.0" encoding="utf-8"?>
 <p:sld xmlns:a="http://schemas.openxmlformats.org/drawingml/2006/main" xmlns:r="http://schemas.openxmlformats.org/officeDocument/2006/relationships" xmlns:p="http://schemas.openxmlformats.org/presentationml/2006/main">
   <p:cSld>
     <p:bg>
@@ -29097,7 +31907,7 @@
 </p:sld>
 </file>
 
-<file path=ppt/slides/slide4.xml><?xml version="1.0" encoding="utf-8"?>
+<file path=ppt/slides/slide6.xml><?xml version="1.0" encoding="utf-8"?>
 <p:sld xmlns:a="http://schemas.openxmlformats.org/drawingml/2006/main" xmlns:r="http://schemas.openxmlformats.org/officeDocument/2006/relationships" xmlns:p="http://schemas.openxmlformats.org/presentationml/2006/main">
   <p:cSld>
     <p:bg>
@@ -29230,7 +32040,7 @@
 </p:sld>
 </file>
 
-<file path=ppt/slides/slide5.xml><?xml version="1.0" encoding="utf-8"?>
+<file path=ppt/slides/slide7.xml><?xml version="1.0" encoding="utf-8"?>
 <p:sld xmlns:a="http://schemas.openxmlformats.org/drawingml/2006/main" xmlns:r="http://schemas.openxmlformats.org/officeDocument/2006/relationships" xmlns:p="http://schemas.openxmlformats.org/presentationml/2006/main">
   <p:cSld>
     <p:bg>
@@ -29502,7 +32312,7 @@
 </p:sld>
 </file>
 
-<file path=ppt/slides/slide6.xml><?xml version="1.0" encoding="utf-8"?>
+<file path=ppt/slides/slide8.xml><?xml version="1.0" encoding="utf-8"?>
 <p:sld xmlns:a="http://schemas.openxmlformats.org/drawingml/2006/main" xmlns:r="http://schemas.openxmlformats.org/officeDocument/2006/relationships" xmlns:p="http://schemas.openxmlformats.org/presentationml/2006/main">
   <p:cSld>
     <p:bg>
@@ -29830,7 +32640,7 @@
 </p:sld>
 </file>
 
-<file path=ppt/slides/slide7.xml><?xml version="1.0" encoding="utf-8"?>
+<file path=ppt/slides/slide9.xml><?xml version="1.0" encoding="utf-8"?>
 <p:sld xmlns:a="http://schemas.openxmlformats.org/drawingml/2006/main" xmlns:r="http://schemas.openxmlformats.org/officeDocument/2006/relationships" xmlns:p="http://schemas.openxmlformats.org/presentationml/2006/main">
   <p:cSld>
     <p:bg>
@@ -30769,1126 +33579,6 @@
 </p:sld>
 </file>
 
-<file path=ppt/slides/slide8.xml><?xml version="1.0" encoding="utf-8"?>
-<p:sld xmlns:a="http://schemas.openxmlformats.org/drawingml/2006/main" xmlns:r="http://schemas.openxmlformats.org/officeDocument/2006/relationships" xmlns:p="http://schemas.openxmlformats.org/presentationml/2006/main">
-  <p:cSld>
-    <p:bg>
-      <p:bgPr>
-        <a:solidFill>
-          <a:srgbClr val="0D0628"/>
-        </a:solidFill>
-        <a:effectLst/>
-      </p:bgPr>
-    </p:bg>
-    <p:spTree>
-      <p:nvGrpSpPr>
-        <p:cNvPr id="1" name="">
-          <a:extLst>
-            <a:ext uri="{FF2B5EF4-FFF2-40B4-BE49-F238E27FC236}">
-              <a16:creationId xmlns:a16="http://schemas.microsoft.com/office/drawing/2014/main" id="{989EA18E-E406-9E8F-CCE8-7AADADF471C2}"/>
-            </a:ext>
-          </a:extLst>
-        </p:cNvPr>
-        <p:cNvGrpSpPr/>
-        <p:nvPr/>
-      </p:nvGrpSpPr>
-      <p:grpSpPr>
-        <a:xfrm>
-          <a:off x="0" y="0"/>
-          <a:ext cx="0" cy="0"/>
-          <a:chOff x="0" y="0"/>
-          <a:chExt cx="0" cy="0"/>
-        </a:xfrm>
-      </p:grpSpPr>
-      <p:sp>
-        <p:nvSpPr>
-          <p:cNvPr id="6" name="CasellaDiTesto 5">
-            <a:extLst>
-              <a:ext uri="{FF2B5EF4-FFF2-40B4-BE49-F238E27FC236}">
-                <a16:creationId xmlns:a16="http://schemas.microsoft.com/office/drawing/2014/main" id="{69EA1B17-8363-7229-A6CB-7DB8E563DEBB}"/>
-              </a:ext>
-            </a:extLst>
-          </p:cNvPr>
-          <p:cNvSpPr txBox="1"/>
-          <p:nvPr/>
-        </p:nvSpPr>
-        <p:spPr>
-          <a:xfrm>
-            <a:off x="0" y="3824726"/>
-            <a:ext cx="2857362" cy="400110"/>
-          </a:xfrm>
-          <a:prstGeom prst="rect">
-            <a:avLst/>
-          </a:prstGeom>
-          <a:noFill/>
-        </p:spPr>
-        <p:txBody>
-          <a:bodyPr wrap="square" rtlCol="0">
-            <a:spAutoFit/>
-          </a:bodyPr>
-          <a:lstStyle/>
-          <a:p>
-            <a:pPr algn="ctr"/>
-            <a:r>
-              <a:rPr lang="it-IT" sz="2000" b="1" dirty="0">
-                <a:solidFill>
-                  <a:schemeClr val="bg1"/>
-                </a:solidFill>
-              </a:rPr>
-              <a:t>STATE</a:t>
-            </a:r>
-            <a:r>
-              <a:rPr lang="it-IT" sz="2000" dirty="0">
-                <a:solidFill>
-                  <a:schemeClr val="bg1"/>
-                </a:solidFill>
-              </a:rPr>
-              <a:t> OF THE </a:t>
-            </a:r>
-            <a:r>
-              <a:rPr lang="it-IT" sz="2000" b="1" dirty="0">
-                <a:solidFill>
-                  <a:schemeClr val="bg1"/>
-                </a:solidFill>
-              </a:rPr>
-              <a:t>ART</a:t>
-            </a:r>
-          </a:p>
-        </p:txBody>
-      </p:sp>
-      <p:cxnSp>
-        <p:nvCxnSpPr>
-          <p:cNvPr id="2" name="Connettore diritto 1">
-            <a:extLst>
-              <a:ext uri="{FF2B5EF4-FFF2-40B4-BE49-F238E27FC236}">
-                <a16:creationId xmlns:a16="http://schemas.microsoft.com/office/drawing/2014/main" id="{C20DDCE7-7C98-CCD9-A9F7-3EAD0A63E75C}"/>
-              </a:ext>
-            </a:extLst>
-          </p:cNvPr>
-          <p:cNvCxnSpPr>
-            <a:cxnSpLocks/>
-          </p:cNvCxnSpPr>
-          <p:nvPr/>
-        </p:nvCxnSpPr>
-        <p:spPr>
-          <a:xfrm flipV="1">
-            <a:off x="2881880" y="2013217"/>
-            <a:ext cx="0" cy="4265922"/>
-          </a:xfrm>
-          <a:prstGeom prst="line">
-            <a:avLst/>
-          </a:prstGeom>
-          <a:ln w="28575">
-            <a:solidFill>
-              <a:srgbClr val="DA627D"/>
-            </a:solidFill>
-          </a:ln>
-        </p:spPr>
-        <p:style>
-          <a:lnRef idx="2">
-            <a:schemeClr val="accent1"/>
-          </a:lnRef>
-          <a:fillRef idx="0">
-            <a:schemeClr val="accent1"/>
-          </a:fillRef>
-          <a:effectRef idx="1">
-            <a:schemeClr val="accent1"/>
-          </a:effectRef>
-          <a:fontRef idx="minor">
-            <a:schemeClr val="tx1"/>
-          </a:fontRef>
-        </p:style>
-      </p:cxnSp>
-      <p:sp>
-        <p:nvSpPr>
-          <p:cNvPr id="19" name="CasellaDiTesto 18">
-            <a:extLst>
-              <a:ext uri="{FF2B5EF4-FFF2-40B4-BE49-F238E27FC236}">
-                <a16:creationId xmlns:a16="http://schemas.microsoft.com/office/drawing/2014/main" id="{114832C1-FAC4-7391-3DED-EF38E22B3E28}"/>
-              </a:ext>
-            </a:extLst>
-          </p:cNvPr>
-          <p:cNvSpPr txBox="1"/>
-          <p:nvPr/>
-        </p:nvSpPr>
-        <p:spPr>
-          <a:xfrm>
-            <a:off x="3536578" y="2500672"/>
-            <a:ext cx="7258044" cy="584775"/>
-          </a:xfrm>
-          <a:prstGeom prst="rect">
-            <a:avLst/>
-          </a:prstGeom>
-          <a:noFill/>
-        </p:spPr>
-        <p:txBody>
-          <a:bodyPr wrap="square" rtlCol="0">
-            <a:spAutoFit/>
-          </a:bodyPr>
-          <a:lstStyle/>
-          <a:p>
-            <a:pPr algn="just"/>
-            <a:r>
-              <a:rPr lang="en-US" sz="1600" dirty="0">
-                <a:solidFill>
-                  <a:schemeClr val="bg1"/>
-                </a:solidFill>
-              </a:rPr>
-              <a:t>Analyzes how platform-driven reputation systems impact </a:t>
-            </a:r>
-            <a:r>
-              <a:rPr lang="en-US" sz="1600" dirty="0">
-                <a:solidFill>
-                  <a:srgbClr val="DA627D"/>
-                </a:solidFill>
-              </a:rPr>
-              <a:t>service quality </a:t>
-            </a:r>
-            <a:r>
-              <a:rPr lang="en-US" sz="1600" dirty="0">
-                <a:solidFill>
-                  <a:schemeClr val="bg1"/>
-                </a:solidFill>
-              </a:rPr>
-              <a:t>in ride-sharing, highlighting benefits and limitations in maintaining consistent quality.</a:t>
-            </a:r>
-          </a:p>
-        </p:txBody>
-      </p:sp>
-      <p:sp>
-        <p:nvSpPr>
-          <p:cNvPr id="23" name="CasellaDiTesto 22">
-            <a:extLst>
-              <a:ext uri="{FF2B5EF4-FFF2-40B4-BE49-F238E27FC236}">
-                <a16:creationId xmlns:a16="http://schemas.microsoft.com/office/drawing/2014/main" id="{7EDAA975-1C09-0E3D-7B1E-2233F29185AD}"/>
-              </a:ext>
-            </a:extLst>
-          </p:cNvPr>
-          <p:cNvSpPr txBox="1"/>
-          <p:nvPr/>
-        </p:nvSpPr>
-        <p:spPr>
-          <a:xfrm>
-            <a:off x="3536578" y="2143151"/>
-            <a:ext cx="7967489" cy="338554"/>
-          </a:xfrm>
-          <a:prstGeom prst="rect">
-            <a:avLst/>
-          </a:prstGeom>
-          <a:noFill/>
-        </p:spPr>
-        <p:txBody>
-          <a:bodyPr wrap="square" rtlCol="0">
-            <a:spAutoFit/>
-          </a:bodyPr>
-          <a:lstStyle/>
-          <a:p>
-            <a:r>
-              <a:rPr lang="en-US" sz="1600" dirty="0">
-                <a:solidFill>
-                  <a:schemeClr val="bg1"/>
-                </a:solidFill>
-              </a:rPr>
-              <a:t>PLATFORM-MEDIATED REPUTATION SYSTEMS IN THE SHARING ECONOMY (2020)</a:t>
-            </a:r>
-            <a:endParaRPr lang="en-US" sz="1600" dirty="0">
-              <a:solidFill>
-                <a:srgbClr val="DA627D"/>
-              </a:solidFill>
-            </a:endParaRPr>
-          </a:p>
-        </p:txBody>
-      </p:sp>
-      <p:sp>
-        <p:nvSpPr>
-          <p:cNvPr id="25" name="CasellaDiTesto 24">
-            <a:extLst>
-              <a:ext uri="{FF2B5EF4-FFF2-40B4-BE49-F238E27FC236}">
-                <a16:creationId xmlns:a16="http://schemas.microsoft.com/office/drawing/2014/main" id="{65B4ED9F-007B-7B5B-356E-1FA7825BE06D}"/>
-              </a:ext>
-            </a:extLst>
-          </p:cNvPr>
-          <p:cNvSpPr txBox="1"/>
-          <p:nvPr/>
-        </p:nvSpPr>
-        <p:spPr>
-          <a:xfrm>
-            <a:off x="3145284" y="2119503"/>
-            <a:ext cx="543552" cy="338554"/>
-          </a:xfrm>
-          <a:prstGeom prst="rect">
-            <a:avLst/>
-          </a:prstGeom>
-          <a:noFill/>
-        </p:spPr>
-        <p:txBody>
-          <a:bodyPr wrap="square" rtlCol="0">
-            <a:spAutoFit/>
-          </a:bodyPr>
-          <a:lstStyle/>
-          <a:p>
-            <a:r>
-              <a:rPr lang="en-US" sz="1600" b="1" dirty="0">
-                <a:solidFill>
-                  <a:schemeClr val="bg1"/>
-                </a:solidFill>
-              </a:rPr>
-              <a:t>[4]</a:t>
-            </a:r>
-            <a:endParaRPr lang="en-US" sz="1600" dirty="0">
-              <a:solidFill>
-                <a:srgbClr val="DA627D"/>
-              </a:solidFill>
-            </a:endParaRPr>
-          </a:p>
-        </p:txBody>
-      </p:sp>
-      <p:sp>
-        <p:nvSpPr>
-          <p:cNvPr id="3" name="CasellaDiTesto 2">
-            <a:extLst>
-              <a:ext uri="{FF2B5EF4-FFF2-40B4-BE49-F238E27FC236}">
-                <a16:creationId xmlns:a16="http://schemas.microsoft.com/office/drawing/2014/main" id="{EA9E3C49-7647-B5BF-458D-2BBAA25F046C}"/>
-              </a:ext>
-            </a:extLst>
-          </p:cNvPr>
-          <p:cNvSpPr txBox="1"/>
-          <p:nvPr/>
-        </p:nvSpPr>
-        <p:spPr>
-          <a:xfrm>
-            <a:off x="3536578" y="3474115"/>
-            <a:ext cx="8258413" cy="584775"/>
-          </a:xfrm>
-          <a:prstGeom prst="rect">
-            <a:avLst/>
-          </a:prstGeom>
-          <a:noFill/>
-        </p:spPr>
-        <p:txBody>
-          <a:bodyPr wrap="square" rtlCol="0">
-            <a:spAutoFit/>
-          </a:bodyPr>
-          <a:lstStyle/>
-          <a:p>
-            <a:r>
-              <a:rPr lang="en-US" sz="1600" dirty="0">
-                <a:solidFill>
-                  <a:schemeClr val="bg1"/>
-                </a:solidFill>
-              </a:rPr>
-              <a:t>A SYSTEMATIC LITERATURE REVIEW OF RIDE-SHARING PLATFORMS, USER FACTORS, AND BARRIERS (2021)</a:t>
-            </a:r>
-            <a:endParaRPr lang="en-US" sz="1600" dirty="0">
-              <a:solidFill>
-                <a:srgbClr val="DA627D"/>
-              </a:solidFill>
-            </a:endParaRPr>
-          </a:p>
-        </p:txBody>
-      </p:sp>
-      <p:sp>
-        <p:nvSpPr>
-          <p:cNvPr id="4" name="CasellaDiTesto 3">
-            <a:extLst>
-              <a:ext uri="{FF2B5EF4-FFF2-40B4-BE49-F238E27FC236}">
-                <a16:creationId xmlns:a16="http://schemas.microsoft.com/office/drawing/2014/main" id="{B075819E-B8FD-869C-C591-07047D480E95}"/>
-              </a:ext>
-            </a:extLst>
-          </p:cNvPr>
-          <p:cNvSpPr txBox="1"/>
-          <p:nvPr/>
-        </p:nvSpPr>
-        <p:spPr>
-          <a:xfrm>
-            <a:off x="3145284" y="3450467"/>
-            <a:ext cx="543552" cy="338554"/>
-          </a:xfrm>
-          <a:prstGeom prst="rect">
-            <a:avLst/>
-          </a:prstGeom>
-          <a:noFill/>
-        </p:spPr>
-        <p:txBody>
-          <a:bodyPr wrap="square" rtlCol="0">
-            <a:spAutoFit/>
-          </a:bodyPr>
-          <a:lstStyle/>
-          <a:p>
-            <a:r>
-              <a:rPr lang="en-US" sz="1600" b="1" dirty="0">
-                <a:solidFill>
-                  <a:schemeClr val="bg1"/>
-                </a:solidFill>
-              </a:rPr>
-              <a:t>[5]</a:t>
-            </a:r>
-            <a:endParaRPr lang="en-US" sz="1600" dirty="0">
-              <a:solidFill>
-                <a:srgbClr val="DA627D"/>
-              </a:solidFill>
-            </a:endParaRPr>
-          </a:p>
-        </p:txBody>
-      </p:sp>
-      <p:sp>
-        <p:nvSpPr>
-          <p:cNvPr id="8" name="CasellaDiTesto 7">
-            <a:extLst>
-              <a:ext uri="{FF2B5EF4-FFF2-40B4-BE49-F238E27FC236}">
-                <a16:creationId xmlns:a16="http://schemas.microsoft.com/office/drawing/2014/main" id="{1238D7E2-FE5E-EB7C-1447-637C4C2628F0}"/>
-              </a:ext>
-            </a:extLst>
-          </p:cNvPr>
-          <p:cNvSpPr txBox="1"/>
-          <p:nvPr/>
-        </p:nvSpPr>
-        <p:spPr>
-          <a:xfrm>
-            <a:off x="3536576" y="4051955"/>
-            <a:ext cx="8050941" cy="584775"/>
-          </a:xfrm>
-          <a:prstGeom prst="rect">
-            <a:avLst/>
-          </a:prstGeom>
-          <a:noFill/>
-        </p:spPr>
-        <p:txBody>
-          <a:bodyPr wrap="square" rtlCol="0">
-            <a:spAutoFit/>
-          </a:bodyPr>
-          <a:lstStyle/>
-          <a:p>
-            <a:pPr algn="just"/>
-            <a:r>
-              <a:rPr lang="en-US" sz="1600" dirty="0">
-                <a:solidFill>
-                  <a:schemeClr val="bg1"/>
-                </a:solidFill>
-              </a:rPr>
-              <a:t>Provides a systematic review of ride-sharing platforms, focusing on user adoption factors and barriers, including the </a:t>
-            </a:r>
-            <a:r>
-              <a:rPr lang="en-US" sz="1600" dirty="0">
-                <a:solidFill>
-                  <a:srgbClr val="DA627D"/>
-                </a:solidFill>
-              </a:rPr>
-              <a:t>effectiveness of rating systems</a:t>
-            </a:r>
-            <a:r>
-              <a:rPr lang="en-US" sz="1600" dirty="0">
-                <a:solidFill>
-                  <a:schemeClr val="bg1"/>
-                </a:solidFill>
-              </a:rPr>
-              <a:t>.</a:t>
-            </a:r>
-          </a:p>
-        </p:txBody>
-      </p:sp>
-      <p:sp>
-        <p:nvSpPr>
-          <p:cNvPr id="14" name="CasellaDiTesto 13">
-            <a:extLst>
-              <a:ext uri="{FF2B5EF4-FFF2-40B4-BE49-F238E27FC236}">
-                <a16:creationId xmlns:a16="http://schemas.microsoft.com/office/drawing/2014/main" id="{541B6833-0E28-8170-620D-D102C1EBA6D8}"/>
-              </a:ext>
-            </a:extLst>
-          </p:cNvPr>
-          <p:cNvSpPr txBox="1"/>
-          <p:nvPr/>
-        </p:nvSpPr>
-        <p:spPr>
-          <a:xfrm>
-            <a:off x="3536578" y="5032000"/>
-            <a:ext cx="8258413" cy="584775"/>
-          </a:xfrm>
-          <a:prstGeom prst="rect">
-            <a:avLst/>
-          </a:prstGeom>
-          <a:noFill/>
-        </p:spPr>
-        <p:txBody>
-          <a:bodyPr wrap="square" rtlCol="0">
-            <a:spAutoFit/>
-          </a:bodyPr>
-          <a:lstStyle/>
-          <a:p>
-            <a:r>
-              <a:rPr lang="en-US" sz="1600" dirty="0">
-                <a:solidFill>
-                  <a:schemeClr val="bg1"/>
-                </a:solidFill>
-              </a:rPr>
-              <a:t>UNDERSTANDING RIDE-SHARING SYSTEMS IN URBAN AREAS: LOCATION, USERS, AND BARRIERS (2020)</a:t>
-            </a:r>
-            <a:endParaRPr lang="en-US" sz="1600" dirty="0">
-              <a:solidFill>
-                <a:srgbClr val="DA627D"/>
-              </a:solidFill>
-            </a:endParaRPr>
-          </a:p>
-        </p:txBody>
-      </p:sp>
-      <p:sp>
-        <p:nvSpPr>
-          <p:cNvPr id="16" name="CasellaDiTesto 15">
-            <a:extLst>
-              <a:ext uri="{FF2B5EF4-FFF2-40B4-BE49-F238E27FC236}">
-                <a16:creationId xmlns:a16="http://schemas.microsoft.com/office/drawing/2014/main" id="{654E4B1D-3FDA-D327-D817-D2EC0E5E548E}"/>
-              </a:ext>
-            </a:extLst>
-          </p:cNvPr>
-          <p:cNvSpPr txBox="1"/>
-          <p:nvPr/>
-        </p:nvSpPr>
-        <p:spPr>
-          <a:xfrm>
-            <a:off x="3145284" y="5008352"/>
-            <a:ext cx="543552" cy="338554"/>
-          </a:xfrm>
-          <a:prstGeom prst="rect">
-            <a:avLst/>
-          </a:prstGeom>
-          <a:noFill/>
-        </p:spPr>
-        <p:txBody>
-          <a:bodyPr wrap="square" rtlCol="0">
-            <a:spAutoFit/>
-          </a:bodyPr>
-          <a:lstStyle/>
-          <a:p>
-            <a:r>
-              <a:rPr lang="en-US" sz="1600" b="1" dirty="0">
-                <a:solidFill>
-                  <a:schemeClr val="bg1"/>
-                </a:solidFill>
-              </a:rPr>
-              <a:t>[6]</a:t>
-            </a:r>
-            <a:endParaRPr lang="en-US" sz="1600" dirty="0">
-              <a:solidFill>
-                <a:srgbClr val="DA627D"/>
-              </a:solidFill>
-            </a:endParaRPr>
-          </a:p>
-        </p:txBody>
-      </p:sp>
-      <p:sp>
-        <p:nvSpPr>
-          <p:cNvPr id="17" name="CasellaDiTesto 16">
-            <a:extLst>
-              <a:ext uri="{FF2B5EF4-FFF2-40B4-BE49-F238E27FC236}">
-                <a16:creationId xmlns:a16="http://schemas.microsoft.com/office/drawing/2014/main" id="{0B0CC01F-C100-23C6-59AD-C9DFEE558B3D}"/>
-              </a:ext>
-            </a:extLst>
-          </p:cNvPr>
-          <p:cNvSpPr txBox="1"/>
-          <p:nvPr/>
-        </p:nvSpPr>
-        <p:spPr>
-          <a:xfrm>
-            <a:off x="3536577" y="5609840"/>
-            <a:ext cx="7805056" cy="584775"/>
-          </a:xfrm>
-          <a:prstGeom prst="rect">
-            <a:avLst/>
-          </a:prstGeom>
-          <a:noFill/>
-        </p:spPr>
-        <p:txBody>
-          <a:bodyPr wrap="square" rtlCol="0">
-            <a:spAutoFit/>
-          </a:bodyPr>
-          <a:lstStyle/>
-          <a:p>
-            <a:pPr algn="just"/>
-            <a:r>
-              <a:rPr lang="en-US" sz="1600" dirty="0">
-                <a:solidFill>
-                  <a:schemeClr val="bg1"/>
-                </a:solidFill>
-              </a:rPr>
-              <a:t>Explores ride-sharing in urban areas, examining the role of location, user types, and system barriers with specific reference to </a:t>
-            </a:r>
-            <a:r>
-              <a:rPr lang="en-US" sz="1600" dirty="0">
-                <a:solidFill>
-                  <a:srgbClr val="DA627D"/>
-                </a:solidFill>
-              </a:rPr>
-              <a:t>two-way rating mechanisms</a:t>
-            </a:r>
-            <a:r>
-              <a:rPr lang="en-US" sz="1600" dirty="0">
-                <a:solidFill>
-                  <a:schemeClr val="bg1"/>
-                </a:solidFill>
-              </a:rPr>
-              <a:t>.</a:t>
-            </a:r>
-          </a:p>
-        </p:txBody>
-      </p:sp>
-      <p:grpSp>
-        <p:nvGrpSpPr>
-          <p:cNvPr id="22" name="Gruppo 21">
-            <a:extLst>
-              <a:ext uri="{FF2B5EF4-FFF2-40B4-BE49-F238E27FC236}">
-                <a16:creationId xmlns:a16="http://schemas.microsoft.com/office/drawing/2014/main" id="{C4FC2901-AFF6-C0C5-AF1A-28AE910EB1A7}"/>
-              </a:ext>
-            </a:extLst>
-          </p:cNvPr>
-          <p:cNvGrpSpPr/>
-          <p:nvPr/>
-        </p:nvGrpSpPr>
-        <p:grpSpPr>
-          <a:xfrm>
-            <a:off x="392530" y="454551"/>
-            <a:ext cx="2226628" cy="1074559"/>
-            <a:chOff x="630734" y="454551"/>
-            <a:chExt cx="2226628" cy="1074559"/>
-          </a:xfrm>
-        </p:grpSpPr>
-        <p:sp>
-          <p:nvSpPr>
-            <p:cNvPr id="11" name="Rettangolo con angoli arrotondati 10">
-              <a:extLst>
-                <a:ext uri="{FF2B5EF4-FFF2-40B4-BE49-F238E27FC236}">
-                  <a16:creationId xmlns:a16="http://schemas.microsoft.com/office/drawing/2014/main" id="{4499A920-B94F-CF32-5366-57CE99B20CFD}"/>
-                </a:ext>
-              </a:extLst>
-            </p:cNvPr>
-            <p:cNvSpPr/>
-            <p:nvPr/>
-          </p:nvSpPr>
-          <p:spPr>
-            <a:xfrm>
-              <a:off x="630734" y="454551"/>
-              <a:ext cx="2226628" cy="1074559"/>
-            </a:xfrm>
-            <a:prstGeom prst="roundRect">
-              <a:avLst>
-                <a:gd name="adj" fmla="val 7027"/>
-              </a:avLst>
-            </a:prstGeom>
-            <a:noFill/>
-            <a:ln w="28575">
-              <a:solidFill>
-                <a:srgbClr val="DA627D"/>
-              </a:solidFill>
-            </a:ln>
-          </p:spPr>
-          <p:style>
-            <a:lnRef idx="2">
-              <a:schemeClr val="accent1">
-                <a:shade val="15000"/>
-              </a:schemeClr>
-            </a:lnRef>
-            <a:fillRef idx="1">
-              <a:schemeClr val="accent1"/>
-            </a:fillRef>
-            <a:effectRef idx="0">
-              <a:schemeClr val="accent1"/>
-            </a:effectRef>
-            <a:fontRef idx="minor">
-              <a:schemeClr val="lt1"/>
-            </a:fontRef>
-          </p:style>
-          <p:txBody>
-            <a:bodyPr rtlCol="0" anchor="ctr"/>
-            <a:lstStyle/>
-            <a:p>
-              <a:pPr algn="ctr"/>
-              <a:endParaRPr lang="it-IT" dirty="0"/>
-            </a:p>
-          </p:txBody>
-        </p:sp>
-        <p:grpSp>
-          <p:nvGrpSpPr>
-            <p:cNvPr id="9" name="Gruppo 8">
-              <a:extLst>
-                <a:ext uri="{FF2B5EF4-FFF2-40B4-BE49-F238E27FC236}">
-                  <a16:creationId xmlns:a16="http://schemas.microsoft.com/office/drawing/2014/main" id="{B97C5E90-4540-F58A-506D-DBE78778E386}"/>
-                </a:ext>
-              </a:extLst>
-            </p:cNvPr>
-            <p:cNvGrpSpPr/>
-            <p:nvPr/>
-          </p:nvGrpSpPr>
-          <p:grpSpPr>
-            <a:xfrm>
-              <a:off x="744403" y="635484"/>
-              <a:ext cx="1953185" cy="712691"/>
-              <a:chOff x="2910529" y="3540985"/>
-              <a:chExt cx="6370944" cy="2324672"/>
-            </a:xfrm>
-          </p:grpSpPr>
-          <p:pic>
-            <p:nvPicPr>
-              <p:cNvPr id="10" name="Immagine 9" descr="Immagine che contiene clipart, Elementi grafici, bianco, design&#10;&#10;Descrizione generata automaticamente">
-                <a:extLst>
-                  <a:ext uri="{FF2B5EF4-FFF2-40B4-BE49-F238E27FC236}">
-                    <a16:creationId xmlns:a16="http://schemas.microsoft.com/office/drawing/2014/main" id="{B60077F1-385B-BD9B-3D81-FB14B5E26592}"/>
-                  </a:ext>
-                </a:extLst>
-              </p:cNvPr>
-              <p:cNvPicPr>
-                <a:picLocks noChangeAspect="1"/>
-              </p:cNvPicPr>
-              <p:nvPr/>
-            </p:nvPicPr>
-            <p:blipFill>
-              <a:blip r:embed="rId3">
-                <a:extLst>
-                  <a:ext uri="{28A0092B-C50C-407E-A947-70E740481C1C}">
-                    <a14:useLocalDpi xmlns:a14="http://schemas.microsoft.com/office/drawing/2010/main" val="0"/>
-                  </a:ext>
-                </a:extLst>
-              </a:blip>
-              <a:stretch>
-                <a:fillRect/>
-              </a:stretch>
-            </p:blipFill>
-            <p:spPr>
-              <a:xfrm>
-                <a:off x="2910529" y="3540985"/>
-                <a:ext cx="2324672" cy="2324672"/>
-              </a:xfrm>
-              <a:prstGeom prst="rect">
-                <a:avLst/>
-              </a:prstGeom>
-            </p:spPr>
-          </p:pic>
-          <p:pic>
-            <p:nvPicPr>
-              <p:cNvPr id="12" name="Immagine 11" descr="Immagine che contiene cerchio, simbolo, clipart, Elementi grafici&#10;&#10;Descrizione generata automaticamente">
-                <a:extLst>
-                  <a:ext uri="{FF2B5EF4-FFF2-40B4-BE49-F238E27FC236}">
-                    <a16:creationId xmlns:a16="http://schemas.microsoft.com/office/drawing/2014/main" id="{8B3FDCDE-E1A1-7FEC-95F8-BA9CFCC56B31}"/>
-                  </a:ext>
-                </a:extLst>
-              </p:cNvPr>
-              <p:cNvPicPr>
-                <a:picLocks noChangeAspect="1"/>
-              </p:cNvPicPr>
-              <p:nvPr/>
-            </p:nvPicPr>
-            <p:blipFill>
-              <a:blip r:embed="rId4">
-                <a:extLst>
-                  <a:ext uri="{28A0092B-C50C-407E-A947-70E740481C1C}">
-                    <a14:useLocalDpi xmlns:a14="http://schemas.microsoft.com/office/drawing/2010/main" val="0"/>
-                  </a:ext>
-                </a:extLst>
-              </a:blip>
-              <a:stretch>
-                <a:fillRect/>
-              </a:stretch>
-            </p:blipFill>
-            <p:spPr>
-              <a:xfrm>
-                <a:off x="6956801" y="3540985"/>
-                <a:ext cx="2324672" cy="2324672"/>
-              </a:xfrm>
-              <a:prstGeom prst="rect">
-                <a:avLst/>
-              </a:prstGeom>
-            </p:spPr>
-          </p:pic>
-          <p:pic>
-            <p:nvPicPr>
-              <p:cNvPr id="18" name="Immagine 17" descr="Immagine che contiene Elementi grafici, Carattere, simbolo, grafica&#10;&#10;Descrizione generata automaticamente">
-                <a:extLst>
-                  <a:ext uri="{FF2B5EF4-FFF2-40B4-BE49-F238E27FC236}">
-                    <a16:creationId xmlns:a16="http://schemas.microsoft.com/office/drawing/2014/main" id="{A9F4D6CA-51B3-539C-BE87-9E95744EC8FF}"/>
-                  </a:ext>
-                </a:extLst>
-              </p:cNvPr>
-              <p:cNvPicPr>
-                <a:picLocks noChangeAspect="1"/>
-              </p:cNvPicPr>
-              <p:nvPr/>
-            </p:nvPicPr>
-            <p:blipFill>
-              <a:blip r:embed="rId5">
-                <a:extLst>
-                  <a:ext uri="{28A0092B-C50C-407E-A947-70E740481C1C}">
-                    <a14:useLocalDpi xmlns:a14="http://schemas.microsoft.com/office/drawing/2010/main" val="0"/>
-                  </a:ext>
-                </a:extLst>
-              </a:blip>
-              <a:stretch>
-                <a:fillRect/>
-              </a:stretch>
-            </p:blipFill>
-            <p:spPr>
-              <a:xfrm>
-                <a:off x="5334736" y="4086283"/>
-                <a:ext cx="1234075" cy="1234075"/>
-              </a:xfrm>
-              <a:prstGeom prst="rect">
-                <a:avLst/>
-              </a:prstGeom>
-            </p:spPr>
-          </p:pic>
-        </p:grpSp>
-      </p:grpSp>
-      <p:grpSp>
-        <p:nvGrpSpPr>
-          <p:cNvPr id="28" name="Gruppo 27">
-            <a:extLst>
-              <a:ext uri="{FF2B5EF4-FFF2-40B4-BE49-F238E27FC236}">
-                <a16:creationId xmlns:a16="http://schemas.microsoft.com/office/drawing/2014/main" id="{A908CA38-6864-10D4-1649-067A6ECAA930}"/>
-              </a:ext>
-            </a:extLst>
-          </p:cNvPr>
-          <p:cNvGrpSpPr/>
-          <p:nvPr/>
-        </p:nvGrpSpPr>
-        <p:grpSpPr>
-          <a:xfrm>
-            <a:off x="2957164" y="616934"/>
-            <a:ext cx="9544759" cy="713451"/>
-            <a:chOff x="2988438" y="623700"/>
-            <a:chExt cx="9544759" cy="713451"/>
-          </a:xfrm>
-        </p:grpSpPr>
-        <p:sp>
-          <p:nvSpPr>
-            <p:cNvPr id="29" name="CasellaDiTesto 28">
-              <a:extLst>
-                <a:ext uri="{FF2B5EF4-FFF2-40B4-BE49-F238E27FC236}">
-                  <a16:creationId xmlns:a16="http://schemas.microsoft.com/office/drawing/2014/main" id="{972D3C15-C88E-2F33-B6BD-B6296E476529}"/>
-                </a:ext>
-              </a:extLst>
-            </p:cNvPr>
-            <p:cNvSpPr txBox="1"/>
-            <p:nvPr/>
-          </p:nvSpPr>
-          <p:spPr>
-            <a:xfrm>
-              <a:off x="2988438" y="623700"/>
-              <a:ext cx="9544759" cy="430887"/>
-            </a:xfrm>
-            <a:prstGeom prst="rect">
-              <a:avLst/>
-            </a:prstGeom>
-            <a:noFill/>
-          </p:spPr>
-          <p:txBody>
-            <a:bodyPr wrap="square" rtlCol="0">
-              <a:spAutoFit/>
-            </a:bodyPr>
-            <a:lstStyle/>
-            <a:p>
-              <a:r>
-                <a:rPr lang="en-US" sz="2200" b="1" dirty="0">
-                  <a:solidFill>
-                    <a:schemeClr val="bg1"/>
-                  </a:solidFill>
-                </a:rPr>
-                <a:t>TWO-WAY</a:t>
-              </a:r>
-              <a:r>
-                <a:rPr lang="en-US" sz="2200" dirty="0">
-                  <a:solidFill>
-                    <a:schemeClr val="bg1"/>
-                  </a:solidFill>
-                </a:rPr>
-                <a:t> </a:t>
-              </a:r>
-              <a:r>
-                <a:rPr lang="en-US" sz="2200" b="1" dirty="0">
-                  <a:solidFill>
-                    <a:schemeClr val="bg1"/>
-                  </a:solidFill>
-                </a:rPr>
-                <a:t>RATING</a:t>
-              </a:r>
-              <a:r>
-                <a:rPr lang="en-US" sz="2200" dirty="0">
-                  <a:solidFill>
-                    <a:schemeClr val="bg1"/>
-                  </a:solidFill>
-                </a:rPr>
-                <a:t> SYSTEMS FOR DRIVER EVALUATION</a:t>
-              </a:r>
-              <a:endParaRPr lang="it-IT" sz="2200" dirty="0">
-                <a:solidFill>
-                  <a:schemeClr val="bg1"/>
-                </a:solidFill>
-              </a:endParaRPr>
-            </a:p>
-          </p:txBody>
-        </p:sp>
-        <p:sp>
-          <p:nvSpPr>
-            <p:cNvPr id="30" name="CasellaDiTesto 29">
-              <a:extLst>
-                <a:ext uri="{FF2B5EF4-FFF2-40B4-BE49-F238E27FC236}">
-                  <a16:creationId xmlns:a16="http://schemas.microsoft.com/office/drawing/2014/main" id="{4A93D43E-1390-9982-0AF7-5AFA86724311}"/>
-                </a:ext>
-              </a:extLst>
-            </p:cNvPr>
-            <p:cNvSpPr txBox="1"/>
-            <p:nvPr/>
-          </p:nvSpPr>
-          <p:spPr>
-            <a:xfrm>
-              <a:off x="2988439" y="998597"/>
-              <a:ext cx="6644505" cy="338554"/>
-            </a:xfrm>
-            <a:prstGeom prst="rect">
-              <a:avLst/>
-            </a:prstGeom>
-            <a:noFill/>
-          </p:spPr>
-          <p:txBody>
-            <a:bodyPr wrap="square" rtlCol="0">
-              <a:spAutoFit/>
-            </a:bodyPr>
-            <a:lstStyle/>
-            <a:p>
-              <a:r>
-                <a:rPr lang="en-US" sz="1600" dirty="0">
-                  <a:solidFill>
-                    <a:srgbClr val="DA627D"/>
-                  </a:solidFill>
-                </a:rPr>
-                <a:t>EFFECTIVENESS</a:t>
-              </a:r>
-              <a:r>
-                <a:rPr lang="en-US" sz="1600" dirty="0">
-                  <a:solidFill>
-                    <a:schemeClr val="bg1"/>
-                  </a:solidFill>
-                </a:rPr>
-                <a:t> IN ASSESSING DRIVER PERFORMANCE</a:t>
-              </a:r>
-            </a:p>
-          </p:txBody>
-        </p:sp>
-      </p:grpSp>
-    </p:spTree>
-    <p:extLst>
-      <p:ext uri="{BB962C8B-B14F-4D97-AF65-F5344CB8AC3E}">
-        <p14:creationId xmlns:p14="http://schemas.microsoft.com/office/powerpoint/2010/main" val="3264119412"/>
-      </p:ext>
-    </p:extLst>
-  </p:cSld>
-  <p:clrMapOvr>
-    <a:masterClrMapping/>
-  </p:clrMapOvr>
-</p:sld>
-</file>
-
-<file path=ppt/slides/slide9.xml><?xml version="1.0" encoding="utf-8"?>
-<p:sld xmlns:a="http://schemas.openxmlformats.org/drawingml/2006/main" xmlns:r="http://schemas.openxmlformats.org/officeDocument/2006/relationships" xmlns:p="http://schemas.openxmlformats.org/presentationml/2006/main">
-  <p:cSld>
-    <p:bg>
-      <p:bgPr>
-        <a:solidFill>
-          <a:srgbClr val="0D0628"/>
-        </a:solidFill>
-        <a:effectLst/>
-      </p:bgPr>
-    </p:bg>
-    <p:spTree>
-      <p:nvGrpSpPr>
-        <p:cNvPr id="1" name="">
-          <a:extLst>
-            <a:ext uri="{FF2B5EF4-FFF2-40B4-BE49-F238E27FC236}">
-              <a16:creationId xmlns:a16="http://schemas.microsoft.com/office/drawing/2014/main" id="{23DF72DF-B801-4D0C-194A-1B25DFE10ED4}"/>
-            </a:ext>
-          </a:extLst>
-        </p:cNvPr>
-        <p:cNvGrpSpPr/>
-        <p:nvPr/>
-      </p:nvGrpSpPr>
-      <p:grpSpPr>
-        <a:xfrm>
-          <a:off x="0" y="0"/>
-          <a:ext cx="0" cy="0"/>
-          <a:chOff x="0" y="0"/>
-          <a:chExt cx="0" cy="0"/>
-        </a:xfrm>
-      </p:grpSpPr>
-      <p:pic>
-        <p:nvPicPr>
-          <p:cNvPr id="5" name="Immagine 4" descr="Immagine che contiene automobile, veicolo, Adesivo per automobili, clipart&#10;&#10;Descrizione generata automaticamente">
-            <a:extLst>
-              <a:ext uri="{FF2B5EF4-FFF2-40B4-BE49-F238E27FC236}">
-                <a16:creationId xmlns:a16="http://schemas.microsoft.com/office/drawing/2014/main" id="{B2B84D08-E71F-FF00-B372-7CC2D2FC7FDC}"/>
-              </a:ext>
-            </a:extLst>
-          </p:cNvPr>
-          <p:cNvPicPr>
-            <a:picLocks noChangeAspect="1"/>
-          </p:cNvPicPr>
-          <p:nvPr/>
-        </p:nvPicPr>
-        <p:blipFill>
-          <a:blip r:embed="rId3">
-            <a:extLst>
-              <a:ext uri="{28A0092B-C50C-407E-A947-70E740481C1C}">
-                <a14:useLocalDpi xmlns:a14="http://schemas.microsoft.com/office/drawing/2010/main" val="0"/>
-              </a:ext>
-            </a:extLst>
-          </a:blip>
-          <a:srcRect l="53976" t="27694" b="28011"/>
-          <a:stretch/>
-        </p:blipFill>
-        <p:spPr>
-          <a:xfrm flipH="1">
-            <a:off x="3700380" y="3411100"/>
-            <a:ext cx="2205123" cy="2122292"/>
-          </a:xfrm>
-          <a:prstGeom prst="rect">
-            <a:avLst/>
-          </a:prstGeom>
-        </p:spPr>
-      </p:pic>
-      <p:pic>
-        <p:nvPicPr>
-          <p:cNvPr id="3" name="Immagine 2" descr="Immagine che contiene automobile, veicolo, Adesivo per automobili, clipart&#10;&#10;Descrizione generata automaticamente">
-            <a:extLst>
-              <a:ext uri="{FF2B5EF4-FFF2-40B4-BE49-F238E27FC236}">
-                <a16:creationId xmlns:a16="http://schemas.microsoft.com/office/drawing/2014/main" id="{AD5879B9-DFEC-3A82-7B40-B7DFF394AACB}"/>
-              </a:ext>
-            </a:extLst>
-          </p:cNvPr>
-          <p:cNvPicPr>
-            <a:picLocks noChangeAspect="1"/>
-          </p:cNvPicPr>
-          <p:nvPr/>
-        </p:nvPicPr>
-        <p:blipFill>
-          <a:blip r:embed="rId3">
-            <a:extLst>
-              <a:ext uri="{28A0092B-C50C-407E-A947-70E740481C1C}">
-                <a14:useLocalDpi xmlns:a14="http://schemas.microsoft.com/office/drawing/2010/main" val="0"/>
-              </a:ext>
-            </a:extLst>
-          </a:blip>
-          <a:srcRect t="27694" r="46024" b="28011"/>
-          <a:stretch/>
-        </p:blipFill>
-        <p:spPr>
-          <a:xfrm flipH="1">
-            <a:off x="5905498" y="3411100"/>
-            <a:ext cx="2586122" cy="2122292"/>
-          </a:xfrm>
-          <a:prstGeom prst="rect">
-            <a:avLst/>
-          </a:prstGeom>
-        </p:spPr>
-      </p:pic>
-      <p:cxnSp>
-        <p:nvCxnSpPr>
-          <p:cNvPr id="2" name="Connettore diritto 1">
-            <a:extLst>
-              <a:ext uri="{FF2B5EF4-FFF2-40B4-BE49-F238E27FC236}">
-                <a16:creationId xmlns:a16="http://schemas.microsoft.com/office/drawing/2014/main" id="{03B8D86F-0B3D-F67A-BB4C-A91120D1DD0E}"/>
-              </a:ext>
-            </a:extLst>
-          </p:cNvPr>
-          <p:cNvCxnSpPr>
-            <a:cxnSpLocks/>
-          </p:cNvCxnSpPr>
-          <p:nvPr/>
-        </p:nvCxnSpPr>
-        <p:spPr>
-          <a:xfrm>
-            <a:off x="0" y="5366701"/>
-            <a:ext cx="12192000" cy="0"/>
-          </a:xfrm>
-          <a:prstGeom prst="line">
-            <a:avLst/>
-          </a:prstGeom>
-          <a:ln w="57150">
-            <a:solidFill>
-              <a:srgbClr val="DA627D"/>
-            </a:solidFill>
-          </a:ln>
-        </p:spPr>
-        <p:style>
-          <a:lnRef idx="2">
-            <a:schemeClr val="accent1"/>
-          </a:lnRef>
-          <a:fillRef idx="0">
-            <a:schemeClr val="accent1"/>
-          </a:fillRef>
-          <a:effectRef idx="1">
-            <a:schemeClr val="accent1"/>
-          </a:effectRef>
-          <a:fontRef idx="minor">
-            <a:schemeClr val="tx1"/>
-          </a:fontRef>
-        </p:style>
-      </p:cxnSp>
-      <p:sp>
-        <p:nvSpPr>
-          <p:cNvPr id="29" name="CasellaDiTesto 28">
-            <a:extLst>
-              <a:ext uri="{FF2B5EF4-FFF2-40B4-BE49-F238E27FC236}">
-                <a16:creationId xmlns:a16="http://schemas.microsoft.com/office/drawing/2014/main" id="{54EED08A-28EB-D89C-A8EC-73454CE03306}"/>
-              </a:ext>
-            </a:extLst>
-          </p:cNvPr>
-          <p:cNvSpPr txBox="1"/>
-          <p:nvPr/>
-        </p:nvSpPr>
-        <p:spPr>
-          <a:xfrm>
-            <a:off x="3335456" y="5957910"/>
-            <a:ext cx="5521087" cy="400110"/>
-          </a:xfrm>
-          <a:prstGeom prst="rect">
-            <a:avLst/>
-          </a:prstGeom>
-          <a:noFill/>
-        </p:spPr>
-        <p:txBody>
-          <a:bodyPr wrap="square" rtlCol="0">
-            <a:spAutoFit/>
-          </a:bodyPr>
-          <a:lstStyle/>
-          <a:p>
-            <a:pPr algn="ctr"/>
-            <a:r>
-              <a:rPr lang="it-IT" sz="2000" dirty="0">
-                <a:solidFill>
-                  <a:schemeClr val="bg1"/>
-                </a:solidFill>
-              </a:rPr>
-              <a:t>THE </a:t>
-            </a:r>
-            <a:r>
-              <a:rPr lang="it-IT" sz="2000" b="1" dirty="0">
-                <a:solidFill>
-                  <a:schemeClr val="bg1"/>
-                </a:solidFill>
-              </a:rPr>
-              <a:t>IDEA</a:t>
-            </a:r>
-          </a:p>
-        </p:txBody>
-      </p:sp>
-    </p:spTree>
-    <p:extLst>
-      <p:ext uri="{BB962C8B-B14F-4D97-AF65-F5344CB8AC3E}">
-        <p14:creationId xmlns:p14="http://schemas.microsoft.com/office/powerpoint/2010/main" val="1768676668"/>
-      </p:ext>
-    </p:extLst>
-  </p:cSld>
-  <p:clrMapOvr>
-    <a:masterClrMapping/>
-  </p:clrMapOvr>
-</p:sld>
-</file>
-
 <file path=ppt/theme/theme1.xml><?xml version="1.0" encoding="utf-8"?>
 <a:theme xmlns:a="http://schemas.openxmlformats.org/drawingml/2006/main" name="Tema di Office">
   <a:themeElements>

--- a/Idea/Idea_Presentation.pptx
+++ b/Idea/Idea_Presentation.pptx
@@ -10,9 +10,9 @@
   <p:sldIdLst>
     <p:sldId id="256" r:id="rId2"/>
     <p:sldId id="262" r:id="rId3"/>
-    <p:sldId id="282" r:id="rId4"/>
-    <p:sldId id="283" r:id="rId5"/>
-    <p:sldId id="273" r:id="rId6"/>
+    <p:sldId id="283" r:id="rId4"/>
+    <p:sldId id="273" r:id="rId5"/>
+    <p:sldId id="284" r:id="rId6"/>
     <p:sldId id="272" r:id="rId7"/>
     <p:sldId id="276" r:id="rId8"/>
     <p:sldId id="274" r:id="rId9"/>
@@ -1656,125 +1656,6 @@
         <p:cNvPr id="1" name="">
           <a:extLst>
             <a:ext uri="{FF2B5EF4-FFF2-40B4-BE49-F238E27FC236}">
-              <a16:creationId xmlns:a16="http://schemas.microsoft.com/office/drawing/2014/main" id="{B7410484-CCDD-238F-DB0D-1ADD9F862776}"/>
-            </a:ext>
-          </a:extLst>
-        </p:cNvPr>
-        <p:cNvGrpSpPr/>
-        <p:nvPr/>
-      </p:nvGrpSpPr>
-      <p:grpSpPr>
-        <a:xfrm>
-          <a:off x="0" y="0"/>
-          <a:ext cx="0" cy="0"/>
-          <a:chOff x="0" y="0"/>
-          <a:chExt cx="0" cy="0"/>
-        </a:xfrm>
-      </p:grpSpPr>
-      <p:sp>
-        <p:nvSpPr>
-          <p:cNvPr id="2" name="Segnaposto immagine diapositiva 1">
-            <a:extLst>
-              <a:ext uri="{FF2B5EF4-FFF2-40B4-BE49-F238E27FC236}">
-                <a16:creationId xmlns:a16="http://schemas.microsoft.com/office/drawing/2014/main" id="{ECE4C162-03C7-D193-D728-5108ECA31D06}"/>
-              </a:ext>
-            </a:extLst>
-          </p:cNvPr>
-          <p:cNvSpPr>
-            <a:spLocks noGrp="1" noRot="1" noChangeAspect="1"/>
-          </p:cNvSpPr>
-          <p:nvPr>
-            <p:ph type="sldImg"/>
-          </p:nvPr>
-        </p:nvSpPr>
-        <p:spPr/>
-      </p:sp>
-      <p:sp>
-        <p:nvSpPr>
-          <p:cNvPr id="3" name="Segnaposto note 2">
-            <a:extLst>
-              <a:ext uri="{FF2B5EF4-FFF2-40B4-BE49-F238E27FC236}">
-                <a16:creationId xmlns:a16="http://schemas.microsoft.com/office/drawing/2014/main" id="{1AD011E0-D8D5-A62C-2E52-EA394D430637}"/>
-              </a:ext>
-            </a:extLst>
-          </p:cNvPr>
-          <p:cNvSpPr>
-            <a:spLocks noGrp="1"/>
-          </p:cNvSpPr>
-          <p:nvPr>
-            <p:ph type="body" idx="1"/>
-          </p:nvPr>
-        </p:nvSpPr>
-        <p:spPr/>
-        <p:txBody>
-          <a:bodyPr/>
-          <a:lstStyle/>
-          <a:p>
-            <a:r>
-              <a:rPr lang="it-IT" dirty="0"/>
-              <a:t>Didi </a:t>
-            </a:r>
-            <a:r>
-              <a:rPr lang="it-IT" dirty="0" err="1"/>
-              <a:t>Chuxing</a:t>
-            </a:r>
-            <a:r>
-              <a:rPr lang="it-IT" dirty="0"/>
-              <a:t> implementa il monitoraggio telemetrico della guida (algoritmo di machine learning per verificare frenate brusche, accelerazioni brusche e altri parametri che definiscono una guida pericolosa.</a:t>
-            </a:r>
-          </a:p>
-        </p:txBody>
-      </p:sp>
-      <p:sp>
-        <p:nvSpPr>
-          <p:cNvPr id="4" name="Segnaposto numero diapositiva 3">
-            <a:extLst>
-              <a:ext uri="{FF2B5EF4-FFF2-40B4-BE49-F238E27FC236}">
-                <a16:creationId xmlns:a16="http://schemas.microsoft.com/office/drawing/2014/main" id="{79B49F62-BA61-3BF1-A8FF-47EFE340CF9F}"/>
-              </a:ext>
-            </a:extLst>
-          </p:cNvPr>
-          <p:cNvSpPr>
-            <a:spLocks noGrp="1"/>
-          </p:cNvSpPr>
-          <p:nvPr>
-            <p:ph type="sldNum" sz="quarter" idx="5"/>
-          </p:nvPr>
-        </p:nvSpPr>
-        <p:spPr/>
-        <p:txBody>
-          <a:bodyPr/>
-          <a:lstStyle/>
-          <a:p>
-            <a:fld id="{3F2DB5A4-1ADC-4498-B442-720211AEF2E0}" type="slidenum">
-              <a:rPr lang="it-IT" smtClean="0"/>
-              <a:t>3</a:t>
-            </a:fld>
-            <a:endParaRPr lang="it-IT"/>
-          </a:p>
-        </p:txBody>
-      </p:sp>
-    </p:spTree>
-    <p:extLst>
-      <p:ext uri="{BB962C8B-B14F-4D97-AF65-F5344CB8AC3E}">
-        <p14:creationId xmlns:p14="http://schemas.microsoft.com/office/powerpoint/2010/main" val="3208775882"/>
-      </p:ext>
-    </p:extLst>
-  </p:cSld>
-  <p:clrMapOvr>
-    <a:masterClrMapping/>
-  </p:clrMapOvr>
-</p:notes>
-</file>
-
-<file path=ppt/notesSlides/notesSlide3.xml><?xml version="1.0" encoding="utf-8"?>
-<p:notes xmlns:a="http://schemas.openxmlformats.org/drawingml/2006/main" xmlns:r="http://schemas.openxmlformats.org/officeDocument/2006/relationships" xmlns:p="http://schemas.openxmlformats.org/presentationml/2006/main">
-  <p:cSld>
-    <p:spTree>
-      <p:nvGrpSpPr>
-        <p:cNvPr id="1" name="">
-          <a:extLst>
-            <a:ext uri="{FF2B5EF4-FFF2-40B4-BE49-F238E27FC236}">
               <a16:creationId xmlns:a16="http://schemas.microsoft.com/office/drawing/2014/main" id="{0819C795-DB0A-7A1F-4B0A-F0705F980BFA}"/>
             </a:ext>
           </a:extLst>
@@ -1867,7 +1748,7 @@
           <a:p>
             <a:fld id="{3F2DB5A4-1ADC-4498-B442-720211AEF2E0}" type="slidenum">
               <a:rPr lang="it-IT" smtClean="0"/>
-              <a:t>4</a:t>
+              <a:t>3</a:t>
             </a:fld>
             <a:endParaRPr lang="it-IT"/>
           </a:p>
@@ -1886,7 +1767,7 @@
 </p:notes>
 </file>
 
-<file path=ppt/notesSlides/notesSlide4.xml><?xml version="1.0" encoding="utf-8"?>
+<file path=ppt/notesSlides/notesSlide3.xml><?xml version="1.0" encoding="utf-8"?>
 <p:notes xmlns:a="http://schemas.openxmlformats.org/drawingml/2006/main" xmlns:r="http://schemas.openxmlformats.org/officeDocument/2006/relationships" xmlns:p="http://schemas.openxmlformats.org/presentationml/2006/main">
   <p:cSld>
     <p:spTree>
@@ -1986,6 +1867,125 @@
           <a:p>
             <a:fld id="{3F2DB5A4-1ADC-4498-B442-720211AEF2E0}" type="slidenum">
               <a:rPr lang="it-IT" smtClean="0"/>
+              <a:t>4</a:t>
+            </a:fld>
+            <a:endParaRPr lang="it-IT"/>
+          </a:p>
+        </p:txBody>
+      </p:sp>
+    </p:spTree>
+    <p:extLst>
+      <p:ext uri="{BB962C8B-B14F-4D97-AF65-F5344CB8AC3E}">
+        <p14:creationId xmlns:p14="http://schemas.microsoft.com/office/powerpoint/2010/main" val="1297184331"/>
+      </p:ext>
+    </p:extLst>
+  </p:cSld>
+  <p:clrMapOvr>
+    <a:masterClrMapping/>
+  </p:clrMapOvr>
+</p:notes>
+</file>
+
+<file path=ppt/notesSlides/notesSlide4.xml><?xml version="1.0" encoding="utf-8"?>
+<p:notes xmlns:a="http://schemas.openxmlformats.org/drawingml/2006/main" xmlns:r="http://schemas.openxmlformats.org/officeDocument/2006/relationships" xmlns:p="http://schemas.openxmlformats.org/presentationml/2006/main">
+  <p:cSld>
+    <p:spTree>
+      <p:nvGrpSpPr>
+        <p:cNvPr id="1" name="">
+          <a:extLst>
+            <a:ext uri="{FF2B5EF4-FFF2-40B4-BE49-F238E27FC236}">
+              <a16:creationId xmlns:a16="http://schemas.microsoft.com/office/drawing/2014/main" id="{314A21D1-91CF-601B-4D17-4ADC36807946}"/>
+            </a:ext>
+          </a:extLst>
+        </p:cNvPr>
+        <p:cNvGrpSpPr/>
+        <p:nvPr/>
+      </p:nvGrpSpPr>
+      <p:grpSpPr>
+        <a:xfrm>
+          <a:off x="0" y="0"/>
+          <a:ext cx="0" cy="0"/>
+          <a:chOff x="0" y="0"/>
+          <a:chExt cx="0" cy="0"/>
+        </a:xfrm>
+      </p:grpSpPr>
+      <p:sp>
+        <p:nvSpPr>
+          <p:cNvPr id="2" name="Segnaposto immagine diapositiva 1">
+            <a:extLst>
+              <a:ext uri="{FF2B5EF4-FFF2-40B4-BE49-F238E27FC236}">
+                <a16:creationId xmlns:a16="http://schemas.microsoft.com/office/drawing/2014/main" id="{92CC5691-AFAF-BB8D-791B-9151991656BF}"/>
+              </a:ext>
+            </a:extLst>
+          </p:cNvPr>
+          <p:cNvSpPr>
+            <a:spLocks noGrp="1" noRot="1" noChangeAspect="1"/>
+          </p:cNvSpPr>
+          <p:nvPr>
+            <p:ph type="sldImg"/>
+          </p:nvPr>
+        </p:nvSpPr>
+        <p:spPr/>
+      </p:sp>
+      <p:sp>
+        <p:nvSpPr>
+          <p:cNvPr id="3" name="Segnaposto note 2">
+            <a:extLst>
+              <a:ext uri="{FF2B5EF4-FFF2-40B4-BE49-F238E27FC236}">
+                <a16:creationId xmlns:a16="http://schemas.microsoft.com/office/drawing/2014/main" id="{4834FCDB-87B3-FE9C-A92C-6ED81747152D}"/>
+              </a:ext>
+            </a:extLst>
+          </p:cNvPr>
+          <p:cNvSpPr>
+            <a:spLocks noGrp="1"/>
+          </p:cNvSpPr>
+          <p:nvPr>
+            <p:ph type="body" idx="1"/>
+          </p:nvPr>
+        </p:nvSpPr>
+        <p:spPr/>
+        <p:txBody>
+          <a:bodyPr/>
+          <a:lstStyle/>
+          <a:p>
+            <a:r>
+              <a:rPr lang="it-IT" dirty="0"/>
+              <a:t>Didi </a:t>
+            </a:r>
+            <a:r>
+              <a:rPr lang="it-IT" dirty="0" err="1"/>
+              <a:t>Chuxing</a:t>
+            </a:r>
+            <a:r>
+              <a:rPr lang="it-IT" dirty="0"/>
+              <a:t> implementa il monitoraggio telemetrico della guida (algoritmo di machine learning per verificare frenate brusche, accelerazioni brusche e altri parametri che definiscono una guida pericolosa.</a:t>
+            </a:r>
+          </a:p>
+        </p:txBody>
+      </p:sp>
+      <p:sp>
+        <p:nvSpPr>
+          <p:cNvPr id="4" name="Segnaposto numero diapositiva 3">
+            <a:extLst>
+              <a:ext uri="{FF2B5EF4-FFF2-40B4-BE49-F238E27FC236}">
+                <a16:creationId xmlns:a16="http://schemas.microsoft.com/office/drawing/2014/main" id="{1D0CD471-99CA-6458-0020-738CA3916992}"/>
+              </a:ext>
+            </a:extLst>
+          </p:cNvPr>
+          <p:cNvSpPr>
+            <a:spLocks noGrp="1"/>
+          </p:cNvSpPr>
+          <p:nvPr>
+            <p:ph type="sldNum" sz="quarter" idx="5"/>
+          </p:nvPr>
+        </p:nvSpPr>
+        <p:spPr/>
+        <p:txBody>
+          <a:bodyPr/>
+          <a:lstStyle/>
+          <a:p>
+            <a:fld id="{3F2DB5A4-1ADC-4498-B442-720211AEF2E0}" type="slidenum">
+              <a:rPr lang="it-IT" smtClean="0"/>
               <a:t>5</a:t>
             </a:fld>
             <a:endParaRPr lang="it-IT"/>
@@ -1995,7 +1995,7 @@
     </p:spTree>
     <p:extLst>
       <p:ext uri="{BB962C8B-B14F-4D97-AF65-F5344CB8AC3E}">
-        <p14:creationId xmlns:p14="http://schemas.microsoft.com/office/powerpoint/2010/main" val="1297184331"/>
+        <p14:creationId xmlns:p14="http://schemas.microsoft.com/office/powerpoint/2010/main" val="2267734510"/>
       </p:ext>
     </p:extLst>
   </p:cSld>
@@ -29691,7 +29691,7 @@
 </file>
 
 <file path=ppt/slides/slide2.xml><?xml version="1.0" encoding="utf-8"?>
-<p:sld xmlns:a="http://schemas.openxmlformats.org/drawingml/2006/main" xmlns:r="http://schemas.openxmlformats.org/officeDocument/2006/relationships" xmlns:p="http://schemas.openxmlformats.org/presentationml/2006/main">
+<p:sld xmlns:a="http://schemas.openxmlformats.org/drawingml/2006/main" xmlns:r="http://schemas.openxmlformats.org/officeDocument/2006/relationships" xmlns:p="http://schemas.openxmlformats.org/presentationml/2006/main" show="0">
   <p:cSld>
     <p:bg>
       <p:bgPr>
@@ -29997,712 +29997,7 @@
 </file>
 
 <file path=ppt/slides/slide3.xml><?xml version="1.0" encoding="utf-8"?>
-<p:sld xmlns:a="http://schemas.openxmlformats.org/drawingml/2006/main" xmlns:r="http://schemas.openxmlformats.org/officeDocument/2006/relationships" xmlns:p="http://schemas.openxmlformats.org/presentationml/2006/main" show="0">
-  <p:cSld>
-    <p:bg>
-      <p:bgPr>
-        <a:solidFill>
-          <a:srgbClr val="0D0628"/>
-        </a:solidFill>
-        <a:effectLst/>
-      </p:bgPr>
-    </p:bg>
-    <p:spTree>
-      <p:nvGrpSpPr>
-        <p:cNvPr id="1" name="">
-          <a:extLst>
-            <a:ext uri="{FF2B5EF4-FFF2-40B4-BE49-F238E27FC236}">
-              <a16:creationId xmlns:a16="http://schemas.microsoft.com/office/drawing/2014/main" id="{27D6935F-EFF7-A2CE-435C-F7686530C957}"/>
-            </a:ext>
-          </a:extLst>
-        </p:cNvPr>
-        <p:cNvGrpSpPr/>
-        <p:nvPr/>
-      </p:nvGrpSpPr>
-      <p:grpSpPr>
-        <a:xfrm>
-          <a:off x="0" y="0"/>
-          <a:ext cx="0" cy="0"/>
-          <a:chOff x="0" y="0"/>
-          <a:chExt cx="0" cy="0"/>
-        </a:xfrm>
-      </p:grpSpPr>
-      <p:grpSp>
-        <p:nvGrpSpPr>
-          <p:cNvPr id="2" name="Gruppo 1">
-            <a:extLst>
-              <a:ext uri="{FF2B5EF4-FFF2-40B4-BE49-F238E27FC236}">
-                <a16:creationId xmlns:a16="http://schemas.microsoft.com/office/drawing/2014/main" id="{79344A47-ADF6-8883-EB37-2F2A430B67DE}"/>
-              </a:ext>
-            </a:extLst>
-          </p:cNvPr>
-          <p:cNvGrpSpPr/>
-          <p:nvPr/>
-        </p:nvGrpSpPr>
-        <p:grpSpPr>
-          <a:xfrm>
-            <a:off x="0" y="2666950"/>
-            <a:ext cx="9628095" cy="3847655"/>
-            <a:chOff x="-62610" y="2513269"/>
-            <a:chExt cx="9628095" cy="3847655"/>
-          </a:xfrm>
-        </p:grpSpPr>
-        <p:sp>
-          <p:nvSpPr>
-            <p:cNvPr id="29" name="CasellaDiTesto 28">
-              <a:extLst>
-                <a:ext uri="{FF2B5EF4-FFF2-40B4-BE49-F238E27FC236}">
-                  <a16:creationId xmlns:a16="http://schemas.microsoft.com/office/drawing/2014/main" id="{86FFB78C-692E-315F-B41C-409201314C94}"/>
-                </a:ext>
-              </a:extLst>
-            </p:cNvPr>
-            <p:cNvSpPr txBox="1"/>
-            <p:nvPr/>
-          </p:nvSpPr>
-          <p:spPr>
-            <a:xfrm>
-              <a:off x="-31874" y="5899259"/>
-              <a:ext cx="9597359" cy="461665"/>
-            </a:xfrm>
-            <a:prstGeom prst="rect">
-              <a:avLst/>
-            </a:prstGeom>
-            <a:noFill/>
-          </p:spPr>
-          <p:txBody>
-            <a:bodyPr wrap="square" rtlCol="0">
-              <a:spAutoFit/>
-            </a:bodyPr>
-            <a:lstStyle/>
-            <a:p>
-              <a:pPr algn="ctr"/>
-              <a:r>
-                <a:rPr lang="en-US" sz="2400" spc="300" dirty="0">
-                  <a:solidFill>
-                    <a:schemeClr val="bg1"/>
-                  </a:solidFill>
-                </a:rPr>
-                <a:t>CURRENT </a:t>
-              </a:r>
-              <a:r>
-                <a:rPr lang="en-US" sz="2400" b="1" spc="300" dirty="0">
-                  <a:solidFill>
-                    <a:srgbClr val="DA627D"/>
-                  </a:solidFill>
-                </a:rPr>
-                <a:t>CHALLENGES</a:t>
-              </a:r>
-              <a:r>
-                <a:rPr lang="en-US" sz="2400" spc="300" dirty="0">
-                  <a:solidFill>
-                    <a:schemeClr val="bg1"/>
-                  </a:solidFill>
-                </a:rPr>
-                <a:t> IN RIDE-SHARING SERVICES</a:t>
-              </a:r>
-              <a:endParaRPr lang="it-IT" sz="2400" b="1" spc="300" dirty="0">
-                <a:solidFill>
-                  <a:schemeClr val="bg1"/>
-                </a:solidFill>
-              </a:endParaRPr>
-            </a:p>
-          </p:txBody>
-        </p:sp>
-        <p:pic>
-          <p:nvPicPr>
-            <p:cNvPr id="11" name="Immagine 10">
-              <a:extLst>
-                <a:ext uri="{FF2B5EF4-FFF2-40B4-BE49-F238E27FC236}">
-                  <a16:creationId xmlns:a16="http://schemas.microsoft.com/office/drawing/2014/main" id="{708894F8-51EC-D368-17E5-DA90A8A53673}"/>
-                </a:ext>
-              </a:extLst>
-            </p:cNvPr>
-            <p:cNvPicPr>
-              <a:picLocks noChangeAspect="1"/>
-            </p:cNvPicPr>
-            <p:nvPr/>
-          </p:nvPicPr>
-          <p:blipFill>
-            <a:blip r:embed="rId3">
-              <a:extLst>
-                <a:ext uri="{28A0092B-C50C-407E-A947-70E740481C1C}">
-                  <a14:useLocalDpi xmlns:a14="http://schemas.microsoft.com/office/drawing/2010/main" val="0"/>
-                </a:ext>
-              </a:extLst>
-            </a:blip>
-            <a:stretch>
-              <a:fillRect/>
-            </a:stretch>
-          </p:blipFill>
-          <p:spPr>
-            <a:xfrm>
-              <a:off x="-62610" y="2513269"/>
-              <a:ext cx="3574214" cy="3574214"/>
-            </a:xfrm>
-            <a:prstGeom prst="rect">
-              <a:avLst/>
-            </a:prstGeom>
-          </p:spPr>
-        </p:pic>
-      </p:grpSp>
-      <p:grpSp>
-        <p:nvGrpSpPr>
-          <p:cNvPr id="26" name="Gruppo 25">
-            <a:extLst>
-              <a:ext uri="{FF2B5EF4-FFF2-40B4-BE49-F238E27FC236}">
-                <a16:creationId xmlns:a16="http://schemas.microsoft.com/office/drawing/2014/main" id="{0ADD311D-2EA5-5662-3938-44937FD8F687}"/>
-              </a:ext>
-            </a:extLst>
-          </p:cNvPr>
-          <p:cNvGrpSpPr/>
-          <p:nvPr/>
-        </p:nvGrpSpPr>
-        <p:grpSpPr>
-          <a:xfrm>
-            <a:off x="1090147" y="489752"/>
-            <a:ext cx="7128639" cy="1074559"/>
-            <a:chOff x="1671021" y="668698"/>
-            <a:chExt cx="7128639" cy="1074559"/>
-          </a:xfrm>
-        </p:grpSpPr>
-        <p:pic>
-          <p:nvPicPr>
-            <p:cNvPr id="4" name="Immagine 3" descr="Immagine che contiene schizzo, Elementi grafici, clipart, simbolo&#10;&#10;Descrizione generata automaticamente">
-              <a:extLst>
-                <a:ext uri="{FF2B5EF4-FFF2-40B4-BE49-F238E27FC236}">
-                  <a16:creationId xmlns:a16="http://schemas.microsoft.com/office/drawing/2014/main" id="{DE9223C8-6E06-A3F8-E0CD-90C5780AB250}"/>
-                </a:ext>
-              </a:extLst>
-            </p:cNvPr>
-            <p:cNvPicPr>
-              <a:picLocks noChangeAspect="1"/>
-            </p:cNvPicPr>
-            <p:nvPr/>
-          </p:nvPicPr>
-          <p:blipFill>
-            <a:blip r:embed="rId4">
-              <a:extLst>
-                <a:ext uri="{28A0092B-C50C-407E-A947-70E740481C1C}">
-                  <a14:useLocalDpi xmlns:a14="http://schemas.microsoft.com/office/drawing/2010/main" val="0"/>
-                </a:ext>
-              </a:extLst>
-            </a:blip>
-            <a:stretch>
-              <a:fillRect/>
-            </a:stretch>
-          </p:blipFill>
-          <p:spPr>
-            <a:xfrm>
-              <a:off x="7647676" y="691925"/>
-              <a:ext cx="997456" cy="997456"/>
-            </a:xfrm>
-            <a:prstGeom prst="rect">
-              <a:avLst/>
-            </a:prstGeom>
-          </p:spPr>
-        </p:pic>
-        <p:sp>
-          <p:nvSpPr>
-            <p:cNvPr id="8" name="CasellaDiTesto 7">
-              <a:extLst>
-                <a:ext uri="{FF2B5EF4-FFF2-40B4-BE49-F238E27FC236}">
-                  <a16:creationId xmlns:a16="http://schemas.microsoft.com/office/drawing/2014/main" id="{A28EC5CE-A4F1-D1FF-F0FB-64EE6DDB11B5}"/>
-                </a:ext>
-              </a:extLst>
-            </p:cNvPr>
-            <p:cNvSpPr txBox="1"/>
-            <p:nvPr/>
-          </p:nvSpPr>
-          <p:spPr>
-            <a:xfrm>
-              <a:off x="1671021" y="852034"/>
-              <a:ext cx="5607426" cy="707886"/>
-            </a:xfrm>
-            <a:prstGeom prst="rect">
-              <a:avLst/>
-            </a:prstGeom>
-            <a:noFill/>
-          </p:spPr>
-          <p:txBody>
-            <a:bodyPr wrap="square" rtlCol="0">
-              <a:spAutoFit/>
-            </a:bodyPr>
-            <a:lstStyle/>
-            <a:p>
-              <a:pPr algn="r"/>
-              <a:r>
-                <a:rPr lang="en-US" sz="2000" dirty="0">
-                  <a:solidFill>
-                    <a:srgbClr val="DA627D"/>
-                  </a:solidFill>
-                </a:rPr>
-                <a:t>Subjective</a:t>
-              </a:r>
-              <a:r>
-                <a:rPr lang="en-US" sz="2000" dirty="0">
-                  <a:solidFill>
-                    <a:schemeClr val="bg1"/>
-                  </a:solidFill>
-                </a:rPr>
-                <a:t> passenger ratings can be inconsistent or influenced by temporary emotions.</a:t>
-              </a:r>
-            </a:p>
-          </p:txBody>
-        </p:sp>
-        <p:sp>
-          <p:nvSpPr>
-            <p:cNvPr id="25" name="Rettangolo con angoli arrotondati 24">
-              <a:extLst>
-                <a:ext uri="{FF2B5EF4-FFF2-40B4-BE49-F238E27FC236}">
-                  <a16:creationId xmlns:a16="http://schemas.microsoft.com/office/drawing/2014/main" id="{ED788817-9B43-CE9B-3413-D66E86448116}"/>
-                </a:ext>
-              </a:extLst>
-            </p:cNvPr>
-            <p:cNvSpPr/>
-            <p:nvPr/>
-          </p:nvSpPr>
-          <p:spPr>
-            <a:xfrm>
-              <a:off x="7493147" y="668698"/>
-              <a:ext cx="1306513" cy="1074559"/>
-            </a:xfrm>
-            <a:prstGeom prst="roundRect">
-              <a:avLst>
-                <a:gd name="adj" fmla="val 7027"/>
-              </a:avLst>
-            </a:prstGeom>
-            <a:noFill/>
-            <a:ln w="28575">
-              <a:solidFill>
-                <a:srgbClr val="DA627D"/>
-              </a:solidFill>
-            </a:ln>
-          </p:spPr>
-          <p:style>
-            <a:lnRef idx="2">
-              <a:schemeClr val="accent1">
-                <a:shade val="15000"/>
-              </a:schemeClr>
-            </a:lnRef>
-            <a:fillRef idx="1">
-              <a:schemeClr val="accent1"/>
-            </a:fillRef>
-            <a:effectRef idx="0">
-              <a:schemeClr val="accent1"/>
-            </a:effectRef>
-            <a:fontRef idx="minor">
-              <a:schemeClr val="lt1"/>
-            </a:fontRef>
-          </p:style>
-          <p:txBody>
-            <a:bodyPr rtlCol="0" anchor="ctr"/>
-            <a:lstStyle/>
-            <a:p>
-              <a:pPr algn="ctr"/>
-              <a:endParaRPr lang="it-IT" dirty="0"/>
-            </a:p>
-          </p:txBody>
-        </p:sp>
-      </p:grpSp>
-      <p:grpSp>
-        <p:nvGrpSpPr>
-          <p:cNvPr id="30" name="Gruppo 29">
-            <a:extLst>
-              <a:ext uri="{FF2B5EF4-FFF2-40B4-BE49-F238E27FC236}">
-                <a16:creationId xmlns:a16="http://schemas.microsoft.com/office/drawing/2014/main" id="{7DD5885B-9BB2-37C3-1817-3B18A41A2844}"/>
-              </a:ext>
-            </a:extLst>
-          </p:cNvPr>
-          <p:cNvGrpSpPr/>
-          <p:nvPr/>
-        </p:nvGrpSpPr>
-        <p:grpSpPr>
-          <a:xfrm>
-            <a:off x="1909681" y="2289149"/>
-            <a:ext cx="8105308" cy="1034390"/>
-            <a:chOff x="333934" y="2159309"/>
-            <a:chExt cx="8105308" cy="1034390"/>
-          </a:xfrm>
-        </p:grpSpPr>
-        <p:sp>
-          <p:nvSpPr>
-            <p:cNvPr id="13" name="CasellaDiTesto 12">
-              <a:extLst>
-                <a:ext uri="{FF2B5EF4-FFF2-40B4-BE49-F238E27FC236}">
-                  <a16:creationId xmlns:a16="http://schemas.microsoft.com/office/drawing/2014/main" id="{22B6A3F2-7633-52A3-EA61-5D79FFC685E3}"/>
-                </a:ext>
-              </a:extLst>
-            </p:cNvPr>
-            <p:cNvSpPr txBox="1"/>
-            <p:nvPr/>
-          </p:nvSpPr>
-          <p:spPr>
-            <a:xfrm>
-              <a:off x="333934" y="2322561"/>
-              <a:ext cx="6760385" cy="707886"/>
-            </a:xfrm>
-            <a:prstGeom prst="rect">
-              <a:avLst/>
-            </a:prstGeom>
-            <a:noFill/>
-          </p:spPr>
-          <p:txBody>
-            <a:bodyPr wrap="square" rtlCol="0">
-              <a:spAutoFit/>
-            </a:bodyPr>
-            <a:lstStyle/>
-            <a:p>
-              <a:pPr algn="r"/>
-              <a:r>
-                <a:rPr lang="en-US" sz="2000" dirty="0">
-                  <a:solidFill>
-                    <a:schemeClr val="bg1"/>
-                  </a:solidFill>
-                </a:rPr>
-                <a:t>Existing two-way rating systems are </a:t>
-              </a:r>
-              <a:r>
-                <a:rPr lang="en-US" sz="2000" dirty="0">
-                  <a:solidFill>
-                    <a:srgbClr val="DA627D"/>
-                  </a:solidFill>
-                </a:rPr>
-                <a:t>limited</a:t>
-              </a:r>
-              <a:r>
-                <a:rPr lang="en-US" sz="2000" dirty="0">
-                  <a:solidFill>
-                    <a:schemeClr val="bg1"/>
-                  </a:solidFill>
-                </a:rPr>
-                <a:t> in providing a comprehensive view of the actual driving quality.</a:t>
-              </a:r>
-            </a:p>
-          </p:txBody>
-        </p:sp>
-        <p:grpSp>
-          <p:nvGrpSpPr>
-            <p:cNvPr id="28" name="Gruppo 27">
-              <a:extLst>
-                <a:ext uri="{FF2B5EF4-FFF2-40B4-BE49-F238E27FC236}">
-                  <a16:creationId xmlns:a16="http://schemas.microsoft.com/office/drawing/2014/main" id="{898FC236-3979-D000-97D0-C91A31B303A7}"/>
-                </a:ext>
-              </a:extLst>
-            </p:cNvPr>
-            <p:cNvGrpSpPr/>
-            <p:nvPr/>
-          </p:nvGrpSpPr>
-          <p:grpSpPr>
-            <a:xfrm>
-              <a:off x="7309019" y="2159309"/>
-              <a:ext cx="1130223" cy="1034390"/>
-              <a:chOff x="8706753" y="2230257"/>
-              <a:chExt cx="1130223" cy="1034390"/>
-            </a:xfrm>
-          </p:grpSpPr>
-          <p:pic>
-            <p:nvPicPr>
-              <p:cNvPr id="7" name="Elemento grafico 6" descr="Trasferimento con riempimento a tinta unita">
-                <a:extLst>
-                  <a:ext uri="{FF2B5EF4-FFF2-40B4-BE49-F238E27FC236}">
-                    <a16:creationId xmlns:a16="http://schemas.microsoft.com/office/drawing/2014/main" id="{4AF1A177-D7DC-8A85-556A-48125FC5333C}"/>
-                  </a:ext>
-                </a:extLst>
-              </p:cNvPr>
-              <p:cNvPicPr>
-                <a:picLocks noChangeAspect="1"/>
-              </p:cNvPicPr>
-              <p:nvPr/>
-            </p:nvPicPr>
-            <p:blipFill>
-              <a:blip r:embed="rId5">
-                <a:extLst>
-                  <a:ext uri="{96DAC541-7B7A-43D3-8B79-37D633B846F1}">
-                    <asvg:svgBlip xmlns:asvg="http://schemas.microsoft.com/office/drawing/2016/SVG/main" r:embed="rId6"/>
-                  </a:ext>
-                </a:extLst>
-              </a:blip>
-              <a:stretch>
-                <a:fillRect/>
-              </a:stretch>
-            </p:blipFill>
-            <p:spPr>
-              <a:xfrm>
-                <a:off x="8915636" y="2399164"/>
-                <a:ext cx="712459" cy="712459"/>
-              </a:xfrm>
-              <a:prstGeom prst="rect">
-                <a:avLst/>
-              </a:prstGeom>
-            </p:spPr>
-          </p:pic>
-          <p:sp>
-            <p:nvSpPr>
-              <p:cNvPr id="27" name="Rettangolo con angoli arrotondati 26">
-                <a:extLst>
-                  <a:ext uri="{FF2B5EF4-FFF2-40B4-BE49-F238E27FC236}">
-                    <a16:creationId xmlns:a16="http://schemas.microsoft.com/office/drawing/2014/main" id="{5B104443-BF1B-E638-E9FE-436B85E78B18}"/>
-                  </a:ext>
-                </a:extLst>
-              </p:cNvPr>
-              <p:cNvSpPr/>
-              <p:nvPr/>
-            </p:nvSpPr>
-            <p:spPr>
-              <a:xfrm>
-                <a:off x="8706753" y="2230257"/>
-                <a:ext cx="1130223" cy="1034390"/>
-              </a:xfrm>
-              <a:prstGeom prst="roundRect">
-                <a:avLst>
-                  <a:gd name="adj" fmla="val 7027"/>
-                </a:avLst>
-              </a:prstGeom>
-              <a:noFill/>
-              <a:ln w="28575">
-                <a:solidFill>
-                  <a:srgbClr val="DA627D"/>
-                </a:solidFill>
-              </a:ln>
-            </p:spPr>
-            <p:style>
-              <a:lnRef idx="2">
-                <a:schemeClr val="accent1">
-                  <a:shade val="15000"/>
-                </a:schemeClr>
-              </a:lnRef>
-              <a:fillRef idx="1">
-                <a:schemeClr val="accent1"/>
-              </a:fillRef>
-              <a:effectRef idx="0">
-                <a:schemeClr val="accent1"/>
-              </a:effectRef>
-              <a:fontRef idx="minor">
-                <a:schemeClr val="lt1"/>
-              </a:fontRef>
-            </p:style>
-            <p:txBody>
-              <a:bodyPr rtlCol="0" anchor="ctr"/>
-              <a:lstStyle/>
-              <a:p>
-                <a:pPr algn="ctr"/>
-                <a:endParaRPr lang="it-IT" dirty="0"/>
-              </a:p>
-            </p:txBody>
-          </p:sp>
-        </p:grpSp>
-      </p:grpSp>
-      <p:grpSp>
-        <p:nvGrpSpPr>
-          <p:cNvPr id="33" name="Gruppo 32">
-            <a:extLst>
-              <a:ext uri="{FF2B5EF4-FFF2-40B4-BE49-F238E27FC236}">
-                <a16:creationId xmlns:a16="http://schemas.microsoft.com/office/drawing/2014/main" id="{9325364E-D0E5-9D96-1342-56142DDD6369}"/>
-              </a:ext>
-            </a:extLst>
-          </p:cNvPr>
-          <p:cNvGrpSpPr/>
-          <p:nvPr/>
-        </p:nvGrpSpPr>
-        <p:grpSpPr>
-          <a:xfrm>
-            <a:off x="4371128" y="4048377"/>
-            <a:ext cx="7447731" cy="1034390"/>
-            <a:chOff x="1005463" y="3696993"/>
-            <a:chExt cx="7447731" cy="1034390"/>
-          </a:xfrm>
-        </p:grpSpPr>
-        <p:sp>
-          <p:nvSpPr>
-            <p:cNvPr id="14" name="CasellaDiTesto 13">
-              <a:extLst>
-                <a:ext uri="{FF2B5EF4-FFF2-40B4-BE49-F238E27FC236}">
-                  <a16:creationId xmlns:a16="http://schemas.microsoft.com/office/drawing/2014/main" id="{867C9BA6-98B4-278B-AB51-66562CF743B7}"/>
-                </a:ext>
-              </a:extLst>
-            </p:cNvPr>
-            <p:cNvSpPr txBox="1"/>
-            <p:nvPr/>
-          </p:nvSpPr>
-          <p:spPr>
-            <a:xfrm>
-              <a:off x="1005463" y="3860245"/>
-              <a:ext cx="6088856" cy="707886"/>
-            </a:xfrm>
-            <a:prstGeom prst="rect">
-              <a:avLst/>
-            </a:prstGeom>
-            <a:noFill/>
-          </p:spPr>
-          <p:txBody>
-            <a:bodyPr wrap="square" rtlCol="0">
-              <a:spAutoFit/>
-            </a:bodyPr>
-            <a:lstStyle/>
-            <a:p>
-              <a:pPr algn="r"/>
-              <a:r>
-                <a:rPr lang="en-US" sz="2000" dirty="0">
-                  <a:solidFill>
-                    <a:srgbClr val="DA627D"/>
-                  </a:solidFill>
-                </a:rPr>
-                <a:t>Difficulty</a:t>
-              </a:r>
-              <a:r>
-                <a:rPr lang="en-US" sz="2000" dirty="0">
-                  <a:solidFill>
-                    <a:schemeClr val="bg1"/>
-                  </a:solidFill>
-                </a:rPr>
-                <a:t> in obtaining </a:t>
-              </a:r>
-              <a:r>
-                <a:rPr lang="en-US" sz="2000" dirty="0">
-                  <a:solidFill>
-                    <a:srgbClr val="DA627D"/>
-                  </a:solidFill>
-                </a:rPr>
-                <a:t>real-time feedback </a:t>
-              </a:r>
-              <a:r>
-                <a:rPr lang="en-US" sz="2000" dirty="0">
-                  <a:solidFill>
-                    <a:schemeClr val="bg1"/>
-                  </a:solidFill>
-                </a:rPr>
-                <a:t>about the passenger’s experience during the ride.</a:t>
-              </a:r>
-            </a:p>
-          </p:txBody>
-        </p:sp>
-        <p:grpSp>
-          <p:nvGrpSpPr>
-            <p:cNvPr id="32" name="Gruppo 31">
-              <a:extLst>
-                <a:ext uri="{FF2B5EF4-FFF2-40B4-BE49-F238E27FC236}">
-                  <a16:creationId xmlns:a16="http://schemas.microsoft.com/office/drawing/2014/main" id="{32CF3D2C-8C0E-B47D-5A3D-D6E6F562A4B2}"/>
-                </a:ext>
-              </a:extLst>
-            </p:cNvPr>
-            <p:cNvGrpSpPr/>
-            <p:nvPr/>
-          </p:nvGrpSpPr>
-          <p:grpSpPr>
-            <a:xfrm>
-              <a:off x="7322971" y="3696993"/>
-              <a:ext cx="1130223" cy="1034390"/>
-              <a:chOff x="7322971" y="3696993"/>
-              <a:chExt cx="1130223" cy="1034390"/>
-            </a:xfrm>
-          </p:grpSpPr>
-          <p:pic>
-            <p:nvPicPr>
-              <p:cNvPr id="6" name="Immagine 5" descr="Immagine che contiene logo, Elementi grafici, simbolo, Carattere&#10;&#10;Descrizione generata automaticamente">
-                <a:extLst>
-                  <a:ext uri="{FF2B5EF4-FFF2-40B4-BE49-F238E27FC236}">
-                    <a16:creationId xmlns:a16="http://schemas.microsoft.com/office/drawing/2014/main" id="{26CE9D69-053E-3821-9F4B-00427DC4008E}"/>
-                  </a:ext>
-                </a:extLst>
-              </p:cNvPr>
-              <p:cNvPicPr>
-                <a:picLocks noChangeAspect="1"/>
-              </p:cNvPicPr>
-              <p:nvPr/>
-            </p:nvPicPr>
-            <p:blipFill>
-              <a:blip r:embed="rId7">
-                <a:extLst>
-                  <a:ext uri="{28A0092B-C50C-407E-A947-70E740481C1C}">
-                    <a14:useLocalDpi xmlns:a14="http://schemas.microsoft.com/office/drawing/2010/main" val="0"/>
-                  </a:ext>
-                </a:extLst>
-              </a:blip>
-              <a:stretch>
-                <a:fillRect/>
-              </a:stretch>
-            </p:blipFill>
-            <p:spPr>
-              <a:xfrm>
-                <a:off x="7589329" y="3915434"/>
-                <a:ext cx="597508" cy="597508"/>
-              </a:xfrm>
-              <a:prstGeom prst="rect">
-                <a:avLst/>
-              </a:prstGeom>
-            </p:spPr>
-          </p:pic>
-          <p:sp>
-            <p:nvSpPr>
-              <p:cNvPr id="31" name="Rettangolo con angoli arrotondati 30">
-                <a:extLst>
-                  <a:ext uri="{FF2B5EF4-FFF2-40B4-BE49-F238E27FC236}">
-                    <a16:creationId xmlns:a16="http://schemas.microsoft.com/office/drawing/2014/main" id="{EB2D57C4-DA19-32EF-317A-A58E494328D2}"/>
-                  </a:ext>
-                </a:extLst>
-              </p:cNvPr>
-              <p:cNvSpPr/>
-              <p:nvPr/>
-            </p:nvSpPr>
-            <p:spPr>
-              <a:xfrm>
-                <a:off x="7322971" y="3696993"/>
-                <a:ext cx="1130223" cy="1034390"/>
-              </a:xfrm>
-              <a:prstGeom prst="roundRect">
-                <a:avLst>
-                  <a:gd name="adj" fmla="val 7027"/>
-                </a:avLst>
-              </a:prstGeom>
-              <a:noFill/>
-              <a:ln w="28575">
-                <a:solidFill>
-                  <a:srgbClr val="DA627D"/>
-                </a:solidFill>
-              </a:ln>
-            </p:spPr>
-            <p:style>
-              <a:lnRef idx="2">
-                <a:schemeClr val="accent1">
-                  <a:shade val="15000"/>
-                </a:schemeClr>
-              </a:lnRef>
-              <a:fillRef idx="1">
-                <a:schemeClr val="accent1"/>
-              </a:fillRef>
-              <a:effectRef idx="0">
-                <a:schemeClr val="accent1"/>
-              </a:effectRef>
-              <a:fontRef idx="minor">
-                <a:schemeClr val="lt1"/>
-              </a:fontRef>
-            </p:style>
-            <p:txBody>
-              <a:bodyPr rtlCol="0" anchor="ctr"/>
-              <a:lstStyle/>
-              <a:p>
-                <a:pPr algn="ctr"/>
-                <a:endParaRPr lang="it-IT" dirty="0"/>
-              </a:p>
-            </p:txBody>
-          </p:sp>
-        </p:grpSp>
-      </p:grpSp>
-    </p:spTree>
-    <p:extLst>
-      <p:ext uri="{BB962C8B-B14F-4D97-AF65-F5344CB8AC3E}">
-        <p14:creationId xmlns:p14="http://schemas.microsoft.com/office/powerpoint/2010/main" val="3315301099"/>
-      </p:ext>
-    </p:extLst>
-  </p:cSld>
-  <p:clrMapOvr>
-    <a:masterClrMapping/>
-  </p:clrMapOvr>
-</p:sld>
-</file>
-
-<file path=ppt/slides/slide4.xml><?xml version="1.0" encoding="utf-8"?>
-<p:sld xmlns:a="http://schemas.openxmlformats.org/drawingml/2006/main" xmlns:r="http://schemas.openxmlformats.org/officeDocument/2006/relationships" xmlns:p="http://schemas.openxmlformats.org/presentationml/2006/main" show="0">
+<p:sld xmlns:a="http://schemas.openxmlformats.org/drawingml/2006/main" xmlns:r="http://schemas.openxmlformats.org/officeDocument/2006/relationships" xmlns:p="http://schemas.openxmlformats.org/presentationml/2006/main">
   <p:cSld>
     <p:bg>
       <p:bgPr>
@@ -30852,165 +30147,6 @@
       </p:grpSp>
       <p:grpSp>
         <p:nvGrpSpPr>
-          <p:cNvPr id="26" name="Gruppo 25">
-            <a:extLst>
-              <a:ext uri="{FF2B5EF4-FFF2-40B4-BE49-F238E27FC236}">
-                <a16:creationId xmlns:a16="http://schemas.microsoft.com/office/drawing/2014/main" id="{EB849710-C4FE-65FA-9336-FFD167A36DEB}"/>
-              </a:ext>
-            </a:extLst>
-          </p:cNvPr>
-          <p:cNvGrpSpPr/>
-          <p:nvPr/>
-        </p:nvGrpSpPr>
-        <p:grpSpPr>
-          <a:xfrm>
-            <a:off x="4375418" y="740511"/>
-            <a:ext cx="7128639" cy="1074559"/>
-            <a:chOff x="1671021" y="668698"/>
-            <a:chExt cx="7128639" cy="1074559"/>
-          </a:xfrm>
-        </p:grpSpPr>
-        <p:pic>
-          <p:nvPicPr>
-            <p:cNvPr id="4" name="Immagine 3" descr="Immagine che contiene schizzo, Elementi grafici, clipart, simbolo&#10;&#10;Descrizione generata automaticamente">
-              <a:extLst>
-                <a:ext uri="{FF2B5EF4-FFF2-40B4-BE49-F238E27FC236}">
-                  <a16:creationId xmlns:a16="http://schemas.microsoft.com/office/drawing/2014/main" id="{CEC47EA2-C54C-0C77-BE5C-9B3206FA752E}"/>
-                </a:ext>
-              </a:extLst>
-            </p:cNvPr>
-            <p:cNvPicPr>
-              <a:picLocks noChangeAspect="1"/>
-            </p:cNvPicPr>
-            <p:nvPr/>
-          </p:nvPicPr>
-          <p:blipFill>
-            <a:blip r:embed="rId4">
-              <a:extLst>
-                <a:ext uri="{28A0092B-C50C-407E-A947-70E740481C1C}">
-                  <a14:useLocalDpi xmlns:a14="http://schemas.microsoft.com/office/drawing/2010/main" val="0"/>
-                </a:ext>
-              </a:extLst>
-            </a:blip>
-            <a:stretch>
-              <a:fillRect/>
-            </a:stretch>
-          </p:blipFill>
-          <p:spPr>
-            <a:xfrm>
-              <a:off x="7647676" y="691925"/>
-              <a:ext cx="997456" cy="997456"/>
-            </a:xfrm>
-            <a:prstGeom prst="rect">
-              <a:avLst/>
-            </a:prstGeom>
-          </p:spPr>
-        </p:pic>
-        <p:sp>
-          <p:nvSpPr>
-            <p:cNvPr id="8" name="CasellaDiTesto 7">
-              <a:extLst>
-                <a:ext uri="{FF2B5EF4-FFF2-40B4-BE49-F238E27FC236}">
-                  <a16:creationId xmlns:a16="http://schemas.microsoft.com/office/drawing/2014/main" id="{29851EB1-CEE6-5407-19E5-5AEC130A3B28}"/>
-                </a:ext>
-              </a:extLst>
-            </p:cNvPr>
-            <p:cNvSpPr txBox="1"/>
-            <p:nvPr/>
-          </p:nvSpPr>
-          <p:spPr>
-            <a:xfrm>
-              <a:off x="1671021" y="852034"/>
-              <a:ext cx="5607426" cy="707886"/>
-            </a:xfrm>
-            <a:prstGeom prst="rect">
-              <a:avLst/>
-            </a:prstGeom>
-            <a:noFill/>
-          </p:spPr>
-          <p:txBody>
-            <a:bodyPr wrap="square" rtlCol="0">
-              <a:spAutoFit/>
-            </a:bodyPr>
-            <a:lstStyle/>
-            <a:p>
-              <a:pPr algn="r"/>
-              <a:r>
-                <a:rPr lang="en-US" sz="2000" dirty="0">
-                  <a:solidFill>
-                    <a:srgbClr val="DA627D"/>
-                  </a:solidFill>
-                </a:rPr>
-                <a:t>Subjective</a:t>
-              </a:r>
-              <a:r>
-                <a:rPr lang="en-US" sz="2000" dirty="0">
-                  <a:solidFill>
-                    <a:schemeClr val="bg1"/>
-                  </a:solidFill>
-                </a:rPr>
-                <a:t> passenger ratings can be inconsistent or influenced by temporary emotions.</a:t>
-              </a:r>
-            </a:p>
-          </p:txBody>
-        </p:sp>
-        <p:sp>
-          <p:nvSpPr>
-            <p:cNvPr id="25" name="Rettangolo con angoli arrotondati 24">
-              <a:extLst>
-                <a:ext uri="{FF2B5EF4-FFF2-40B4-BE49-F238E27FC236}">
-                  <a16:creationId xmlns:a16="http://schemas.microsoft.com/office/drawing/2014/main" id="{E1AC107E-3B49-E430-2076-F936849C8648}"/>
-                </a:ext>
-              </a:extLst>
-            </p:cNvPr>
-            <p:cNvSpPr/>
-            <p:nvPr/>
-          </p:nvSpPr>
-          <p:spPr>
-            <a:xfrm>
-              <a:off x="7493147" y="668698"/>
-              <a:ext cx="1306513" cy="1074559"/>
-            </a:xfrm>
-            <a:prstGeom prst="roundRect">
-              <a:avLst>
-                <a:gd name="adj" fmla="val 7027"/>
-              </a:avLst>
-            </a:prstGeom>
-            <a:noFill/>
-            <a:ln w="28575">
-              <a:solidFill>
-                <a:srgbClr val="DA627D"/>
-              </a:solidFill>
-            </a:ln>
-          </p:spPr>
-          <p:style>
-            <a:lnRef idx="2">
-              <a:schemeClr val="accent1">
-                <a:shade val="15000"/>
-              </a:schemeClr>
-            </a:lnRef>
-            <a:fillRef idx="1">
-              <a:schemeClr val="accent1"/>
-            </a:fillRef>
-            <a:effectRef idx="0">
-              <a:schemeClr val="accent1"/>
-            </a:effectRef>
-            <a:fontRef idx="minor">
-              <a:schemeClr val="lt1"/>
-            </a:fontRef>
-          </p:style>
-          <p:txBody>
-            <a:bodyPr rtlCol="0" anchor="ctr"/>
-            <a:lstStyle/>
-            <a:p>
-              <a:pPr algn="ctr"/>
-              <a:endParaRPr lang="it-IT" dirty="0"/>
-            </a:p>
-          </p:txBody>
-        </p:sp>
-      </p:grpSp>
-      <p:grpSp>
-        <p:nvGrpSpPr>
           <p:cNvPr id="30" name="Gruppo 29">
             <a:extLst>
               <a:ext uri="{FF2B5EF4-FFF2-40B4-BE49-F238E27FC236}">
@@ -31023,10 +30159,10 @@
         </p:nvGrpSpPr>
         <p:grpSpPr>
           <a:xfrm>
-            <a:off x="3145660" y="2512323"/>
-            <a:ext cx="8105308" cy="1034390"/>
-            <a:chOff x="333934" y="2159309"/>
-            <a:chExt cx="8105308" cy="1034390"/>
+            <a:off x="3652471" y="2470885"/>
+            <a:ext cx="7591273" cy="1034390"/>
+            <a:chOff x="847969" y="2159309"/>
+            <a:chExt cx="7591273" cy="1034390"/>
           </a:xfrm>
         </p:grpSpPr>
         <p:sp>
@@ -31043,8 +30179,8 @@
           </p:nvSpPr>
           <p:spPr>
             <a:xfrm>
-              <a:off x="333934" y="2322561"/>
-              <a:ext cx="6760385" cy="707886"/>
+              <a:off x="847969" y="2322561"/>
+              <a:ext cx="6246350" cy="707886"/>
             </a:xfrm>
             <a:prstGeom prst="rect">
               <a:avLst/>
@@ -31080,7 +30216,23 @@
                     <a:schemeClr val="bg1"/>
                   </a:solidFill>
                 </a:rPr>
-                <a:t> in providing a comprehensive view of the actual driving quality.</a:t>
+                <a:t> in providing a </a:t>
+              </a:r>
+              <a:r>
+                <a:rPr lang="en-US" sz="2000" dirty="0">
+                  <a:solidFill>
+                    <a:srgbClr val="DA627D"/>
+                  </a:solidFill>
+                </a:rPr>
+                <a:t>comprehensive</a:t>
+              </a:r>
+              <a:r>
+                <a:rPr lang="en-US" sz="2000" dirty="0">
+                  <a:solidFill>
+                    <a:schemeClr val="bg1"/>
+                  </a:solidFill>
+                </a:rPr>
+                <a:t> view of the actual driving quality.</a:t>
               </a:r>
             </a:p>
           </p:txBody>
@@ -31120,10 +30272,10 @@
               <p:nvPr/>
             </p:nvPicPr>
             <p:blipFill>
-              <a:blip r:embed="rId5">
+              <a:blip r:embed="rId4">
                 <a:extLst>
                   <a:ext uri="{96DAC541-7B7A-43D3-8B79-37D633B846F1}">
-                    <asvg:svgBlip xmlns:asvg="http://schemas.microsoft.com/office/drawing/2016/SVG/main" r:embed="rId6"/>
+                    <asvg:svgBlip xmlns:asvg="http://schemas.microsoft.com/office/drawing/2016/SVG/main" r:embed="rId5"/>
                   </a:ext>
                 </a:extLst>
               </a:blip>
@@ -31211,7 +30363,7 @@
         </p:nvGrpSpPr>
         <p:grpSpPr>
           <a:xfrm>
-            <a:off x="3803237" y="4009876"/>
+            <a:off x="3796013" y="4309765"/>
             <a:ext cx="7447731" cy="1034390"/>
             <a:chOff x="1005463" y="3696993"/>
             <a:chExt cx="7447731" cy="1034390"/>
@@ -31316,7 +30468,7 @@
               <p:nvPr/>
             </p:nvPicPr>
             <p:blipFill>
-              <a:blip r:embed="rId7">
+              <a:blip r:embed="rId6">
                 <a:extLst>
                   <a:ext uri="{28A0092B-C50C-407E-A947-70E740481C1C}">
                     <a14:useLocalDpi xmlns:a14="http://schemas.microsoft.com/office/drawing/2010/main" val="0"/>
@@ -31393,6 +30545,292 @@
           </p:sp>
         </p:grpSp>
       </p:grpSp>
+      <p:grpSp>
+        <p:nvGrpSpPr>
+          <p:cNvPr id="9" name="Gruppo 8">
+            <a:extLst>
+              <a:ext uri="{FF2B5EF4-FFF2-40B4-BE49-F238E27FC236}">
+                <a16:creationId xmlns:a16="http://schemas.microsoft.com/office/drawing/2014/main" id="{76AF0BF4-760D-3FC9-066D-45A600F43614}"/>
+              </a:ext>
+            </a:extLst>
+          </p:cNvPr>
+          <p:cNvGrpSpPr/>
+          <p:nvPr/>
+        </p:nvGrpSpPr>
+        <p:grpSpPr>
+          <a:xfrm>
+            <a:off x="4297818" y="632005"/>
+            <a:ext cx="6945926" cy="1034390"/>
+            <a:chOff x="4284667" y="851518"/>
+            <a:chExt cx="6945926" cy="1034390"/>
+          </a:xfrm>
+        </p:grpSpPr>
+        <p:sp>
+          <p:nvSpPr>
+            <p:cNvPr id="8" name="CasellaDiTesto 7">
+              <a:extLst>
+                <a:ext uri="{FF2B5EF4-FFF2-40B4-BE49-F238E27FC236}">
+                  <a16:creationId xmlns:a16="http://schemas.microsoft.com/office/drawing/2014/main" id="{29851EB1-CEE6-5407-19E5-5AEC130A3B28}"/>
+                </a:ext>
+              </a:extLst>
+            </p:cNvPr>
+            <p:cNvSpPr txBox="1"/>
+            <p:nvPr/>
+          </p:nvSpPr>
+          <p:spPr>
+            <a:xfrm>
+              <a:off x="4284667" y="1014770"/>
+              <a:ext cx="5607426" cy="707886"/>
+            </a:xfrm>
+            <a:prstGeom prst="rect">
+              <a:avLst/>
+            </a:prstGeom>
+            <a:noFill/>
+          </p:spPr>
+          <p:txBody>
+            <a:bodyPr wrap="square" rtlCol="0">
+              <a:spAutoFit/>
+            </a:bodyPr>
+            <a:lstStyle/>
+            <a:p>
+              <a:pPr algn="r"/>
+              <a:r>
+                <a:rPr lang="en-US" sz="2000" dirty="0">
+                  <a:solidFill>
+                    <a:srgbClr val="DA627D"/>
+                  </a:solidFill>
+                </a:rPr>
+                <a:t>Subjective</a:t>
+              </a:r>
+              <a:r>
+                <a:rPr lang="en-US" sz="2000" dirty="0">
+                  <a:solidFill>
+                    <a:schemeClr val="bg1"/>
+                  </a:solidFill>
+                </a:rPr>
+                <a:t> passenger ratings can be inconsistent or influenced by </a:t>
+              </a:r>
+              <a:r>
+                <a:rPr lang="en-US" sz="2000" dirty="0">
+                  <a:solidFill>
+                    <a:srgbClr val="DA627D"/>
+                  </a:solidFill>
+                </a:rPr>
+                <a:t>temporary</a:t>
+              </a:r>
+              <a:r>
+                <a:rPr lang="en-US" sz="2000" dirty="0">
+                  <a:solidFill>
+                    <a:schemeClr val="bg1"/>
+                  </a:solidFill>
+                </a:rPr>
+                <a:t> emotions.</a:t>
+              </a:r>
+            </a:p>
+          </p:txBody>
+        </p:sp>
+        <p:grpSp>
+          <p:nvGrpSpPr>
+            <p:cNvPr id="5" name="Gruppo 4">
+              <a:extLst>
+                <a:ext uri="{FF2B5EF4-FFF2-40B4-BE49-F238E27FC236}">
+                  <a16:creationId xmlns:a16="http://schemas.microsoft.com/office/drawing/2014/main" id="{197E68C5-B46A-A12A-BBD8-603119E79C70}"/>
+                </a:ext>
+              </a:extLst>
+            </p:cNvPr>
+            <p:cNvGrpSpPr/>
+            <p:nvPr/>
+          </p:nvGrpSpPr>
+          <p:grpSpPr>
+            <a:xfrm>
+              <a:off x="10100370" y="851518"/>
+              <a:ext cx="1130223" cy="1034390"/>
+              <a:chOff x="10100370" y="851518"/>
+              <a:chExt cx="1130223" cy="1034390"/>
+            </a:xfrm>
+          </p:grpSpPr>
+          <p:pic>
+            <p:nvPicPr>
+              <p:cNvPr id="4" name="Immagine 3" descr="Immagine che contiene schizzo, Elementi grafici, clipart, simbolo&#10;&#10;Descrizione generata automaticamente">
+                <a:extLst>
+                  <a:ext uri="{FF2B5EF4-FFF2-40B4-BE49-F238E27FC236}">
+                    <a16:creationId xmlns:a16="http://schemas.microsoft.com/office/drawing/2014/main" id="{CEC47EA2-C54C-0C77-BE5C-9B3206FA752E}"/>
+                  </a:ext>
+                </a:extLst>
+              </p:cNvPr>
+              <p:cNvPicPr>
+                <a:picLocks noChangeAspect="1"/>
+              </p:cNvPicPr>
+              <p:nvPr/>
+            </p:nvPicPr>
+            <p:blipFill>
+              <a:blip r:embed="rId7">
+                <a:extLst>
+                  <a:ext uri="{28A0092B-C50C-407E-A947-70E740481C1C}">
+                    <a14:useLocalDpi xmlns:a14="http://schemas.microsoft.com/office/drawing/2010/main" val="0"/>
+                  </a:ext>
+                </a:extLst>
+              </a:blip>
+              <a:stretch>
+                <a:fillRect/>
+              </a:stretch>
+            </p:blipFill>
+            <p:spPr>
+              <a:xfrm>
+                <a:off x="10226782" y="903520"/>
+                <a:ext cx="918148" cy="918148"/>
+              </a:xfrm>
+              <a:prstGeom prst="rect">
+                <a:avLst/>
+              </a:prstGeom>
+            </p:spPr>
+          </p:pic>
+          <p:sp>
+            <p:nvSpPr>
+              <p:cNvPr id="3" name="Rettangolo con angoli arrotondati 2">
+                <a:extLst>
+                  <a:ext uri="{FF2B5EF4-FFF2-40B4-BE49-F238E27FC236}">
+                    <a16:creationId xmlns:a16="http://schemas.microsoft.com/office/drawing/2014/main" id="{90C36B40-826A-0539-B1AA-9707B5C982A4}"/>
+                  </a:ext>
+                </a:extLst>
+              </p:cNvPr>
+              <p:cNvSpPr/>
+              <p:nvPr/>
+            </p:nvSpPr>
+            <p:spPr>
+              <a:xfrm>
+                <a:off x="10100370" y="851518"/>
+                <a:ext cx="1130223" cy="1034390"/>
+              </a:xfrm>
+              <a:prstGeom prst="roundRect">
+                <a:avLst>
+                  <a:gd name="adj" fmla="val 7027"/>
+                </a:avLst>
+              </a:prstGeom>
+              <a:noFill/>
+              <a:ln w="28575">
+                <a:solidFill>
+                  <a:srgbClr val="DA627D"/>
+                </a:solidFill>
+              </a:ln>
+            </p:spPr>
+            <p:style>
+              <a:lnRef idx="2">
+                <a:schemeClr val="accent1">
+                  <a:shade val="15000"/>
+                </a:schemeClr>
+              </a:lnRef>
+              <a:fillRef idx="1">
+                <a:schemeClr val="accent1"/>
+              </a:fillRef>
+              <a:effectRef idx="0">
+                <a:schemeClr val="accent1"/>
+              </a:effectRef>
+              <a:fontRef idx="minor">
+                <a:schemeClr val="lt1"/>
+              </a:fontRef>
+            </p:style>
+            <p:txBody>
+              <a:bodyPr rtlCol="0" anchor="ctr"/>
+              <a:lstStyle/>
+              <a:p>
+                <a:pPr algn="ctr"/>
+                <a:endParaRPr lang="it-IT" dirty="0"/>
+              </a:p>
+            </p:txBody>
+          </p:sp>
+        </p:grpSp>
+      </p:grpSp>
+      <p:cxnSp>
+        <p:nvCxnSpPr>
+          <p:cNvPr id="19" name="Connettore diritto 18">
+            <a:extLst>
+              <a:ext uri="{FF2B5EF4-FFF2-40B4-BE49-F238E27FC236}">
+                <a16:creationId xmlns:a16="http://schemas.microsoft.com/office/drawing/2014/main" id="{F9207E36-E9DE-DE53-E34B-552983609168}"/>
+              </a:ext>
+            </a:extLst>
+          </p:cNvPr>
+          <p:cNvCxnSpPr>
+            <a:cxnSpLocks/>
+            <a:stCxn id="27" idx="0"/>
+            <a:endCxn id="3" idx="2"/>
+          </p:cNvCxnSpPr>
+          <p:nvPr/>
+        </p:nvCxnSpPr>
+        <p:spPr>
+          <a:xfrm flipV="1">
+            <a:off x="10678633" y="1666395"/>
+            <a:ext cx="0" cy="804490"/>
+          </a:xfrm>
+          <a:prstGeom prst="line">
+            <a:avLst/>
+          </a:prstGeom>
+          <a:ln w="28575">
+            <a:solidFill>
+              <a:srgbClr val="DA627D"/>
+            </a:solidFill>
+          </a:ln>
+        </p:spPr>
+        <p:style>
+          <a:lnRef idx="2">
+            <a:schemeClr val="accent1"/>
+          </a:lnRef>
+          <a:fillRef idx="0">
+            <a:schemeClr val="accent1"/>
+          </a:fillRef>
+          <a:effectRef idx="1">
+            <a:schemeClr val="accent1"/>
+          </a:effectRef>
+          <a:fontRef idx="minor">
+            <a:schemeClr val="tx1"/>
+          </a:fontRef>
+        </p:style>
+      </p:cxnSp>
+      <p:cxnSp>
+        <p:nvCxnSpPr>
+          <p:cNvPr id="23" name="Connettore diritto 22">
+            <a:extLst>
+              <a:ext uri="{FF2B5EF4-FFF2-40B4-BE49-F238E27FC236}">
+                <a16:creationId xmlns:a16="http://schemas.microsoft.com/office/drawing/2014/main" id="{EC8C411A-3AD3-14B2-E68F-289C51377073}"/>
+              </a:ext>
+            </a:extLst>
+          </p:cNvPr>
+          <p:cNvCxnSpPr>
+            <a:cxnSpLocks/>
+            <a:stCxn id="31" idx="0"/>
+            <a:endCxn id="27" idx="2"/>
+          </p:cNvCxnSpPr>
+          <p:nvPr/>
+        </p:nvCxnSpPr>
+        <p:spPr>
+          <a:xfrm flipV="1">
+            <a:off x="10678633" y="3505275"/>
+            <a:ext cx="0" cy="804490"/>
+          </a:xfrm>
+          <a:prstGeom prst="line">
+            <a:avLst/>
+          </a:prstGeom>
+          <a:ln w="28575">
+            <a:solidFill>
+              <a:srgbClr val="DA627D"/>
+            </a:solidFill>
+          </a:ln>
+        </p:spPr>
+        <p:style>
+          <a:lnRef idx="2">
+            <a:schemeClr val="accent1"/>
+          </a:lnRef>
+          <a:fillRef idx="0">
+            <a:schemeClr val="accent1"/>
+          </a:fillRef>
+          <a:effectRef idx="1">
+            <a:schemeClr val="accent1"/>
+          </a:effectRef>
+          <a:fontRef idx="minor">
+            <a:schemeClr val="tx1"/>
+          </a:fontRef>
+        </p:style>
+      </p:cxnSp>
     </p:spTree>
     <p:extLst>
       <p:ext uri="{BB962C8B-B14F-4D97-AF65-F5344CB8AC3E}">
@@ -31406,8 +30844,8 @@
 </p:sld>
 </file>
 
-<file path=ppt/slides/slide5.xml><?xml version="1.0" encoding="utf-8"?>
-<p:sld xmlns:a="http://schemas.openxmlformats.org/drawingml/2006/main" xmlns:r="http://schemas.openxmlformats.org/officeDocument/2006/relationships" xmlns:p="http://schemas.openxmlformats.org/presentationml/2006/main">
+<file path=ppt/slides/slide4.xml><?xml version="1.0" encoding="utf-8"?>
+<p:sld xmlns:a="http://schemas.openxmlformats.org/drawingml/2006/main" xmlns:r="http://schemas.openxmlformats.org/officeDocument/2006/relationships" xmlns:p="http://schemas.openxmlformats.org/presentationml/2006/main" show="0">
   <p:cSld>
     <p:bg>
       <p:bgPr>
@@ -31437,95 +30875,6 @@
           <a:chExt cx="0" cy="0"/>
         </a:xfrm>
       </p:grpSpPr>
-      <p:sp>
-        <p:nvSpPr>
-          <p:cNvPr id="29" name="CasellaDiTesto 28">
-            <a:extLst>
-              <a:ext uri="{FF2B5EF4-FFF2-40B4-BE49-F238E27FC236}">
-                <a16:creationId xmlns:a16="http://schemas.microsoft.com/office/drawing/2014/main" id="{687AC437-5ED3-0467-B59A-C93FC7913E1E}"/>
-              </a:ext>
-            </a:extLst>
-          </p:cNvPr>
-          <p:cNvSpPr txBox="1"/>
-          <p:nvPr/>
-        </p:nvSpPr>
-        <p:spPr>
-          <a:xfrm>
-            <a:off x="3122795" y="883431"/>
-            <a:ext cx="7353035" cy="400110"/>
-          </a:xfrm>
-          <a:prstGeom prst="rect">
-            <a:avLst/>
-          </a:prstGeom>
-          <a:noFill/>
-        </p:spPr>
-        <p:txBody>
-          <a:bodyPr wrap="square" rtlCol="0">
-            <a:spAutoFit/>
-          </a:bodyPr>
-          <a:lstStyle/>
-          <a:p>
-            <a:pPr algn="ctr"/>
-            <a:r>
-              <a:rPr lang="en-US" sz="2000" dirty="0">
-                <a:solidFill>
-                  <a:schemeClr val="bg1"/>
-                </a:solidFill>
-              </a:rPr>
-              <a:t>IMPACT ON </a:t>
-            </a:r>
-            <a:r>
-              <a:rPr lang="en-US" sz="2000" b="1" dirty="0">
-                <a:solidFill>
-                  <a:schemeClr val="bg1"/>
-                </a:solidFill>
-              </a:rPr>
-              <a:t>STAKEHOLDERS</a:t>
-            </a:r>
-            <a:endParaRPr lang="it-IT" sz="2000" b="1" dirty="0">
-              <a:solidFill>
-                <a:schemeClr val="bg1"/>
-              </a:solidFill>
-            </a:endParaRPr>
-          </a:p>
-        </p:txBody>
-      </p:sp>
-      <p:pic>
-        <p:nvPicPr>
-          <p:cNvPr id="3" name="Immagine 2">
-            <a:extLst>
-              <a:ext uri="{FF2B5EF4-FFF2-40B4-BE49-F238E27FC236}">
-                <a16:creationId xmlns:a16="http://schemas.microsoft.com/office/drawing/2014/main" id="{780C5D07-9B85-3CA1-AC89-46B4836A277A}"/>
-              </a:ext>
-            </a:extLst>
-          </p:cNvPr>
-          <p:cNvPicPr>
-            <a:picLocks noChangeAspect="1"/>
-          </p:cNvPicPr>
-          <p:nvPr/>
-        </p:nvPicPr>
-        <p:blipFill>
-          <a:blip r:embed="rId3">
-            <a:extLst>
-              <a:ext uri="{28A0092B-C50C-407E-A947-70E740481C1C}">
-                <a14:useLocalDpi xmlns:a14="http://schemas.microsoft.com/office/drawing/2010/main" val="0"/>
-              </a:ext>
-            </a:extLst>
-          </a:blip>
-          <a:stretch>
-            <a:fillRect/>
-          </a:stretch>
-        </p:blipFill>
-        <p:spPr>
-          <a:xfrm>
-            <a:off x="3662232" y="199540"/>
-            <a:ext cx="1367782" cy="1367782"/>
-          </a:xfrm>
-          <a:prstGeom prst="rect">
-            <a:avLst/>
-          </a:prstGeom>
-        </p:spPr>
-      </p:pic>
       <p:pic>
         <p:nvPicPr>
           <p:cNvPr id="5" name="Elemento grafico 4" descr="Volante con riempimento a tinta unita">
@@ -31541,10 +30890,10 @@
           <p:nvPr/>
         </p:nvPicPr>
         <p:blipFill>
-          <a:blip r:embed="rId4">
+          <a:blip r:embed="rId3">
             <a:extLst>
               <a:ext uri="{96DAC541-7B7A-43D3-8B79-37D633B846F1}">
-                <asvg:svgBlip xmlns:asvg="http://schemas.microsoft.com/office/drawing/2016/SVG/main" r:embed="rId5"/>
+                <asvg:svgBlip xmlns:asvg="http://schemas.microsoft.com/office/drawing/2016/SVG/main" r:embed="rId4"/>
               </a:ext>
             </a:extLst>
           </a:blip>
@@ -31577,10 +30926,10 @@
           <p:nvPr/>
         </p:nvPicPr>
         <p:blipFill>
-          <a:blip r:embed="rId6">
+          <a:blip r:embed="rId5">
             <a:extLst>
               <a:ext uri="{96DAC541-7B7A-43D3-8B79-37D633B846F1}">
-                <asvg:svgBlip xmlns:asvg="http://schemas.microsoft.com/office/drawing/2016/SVG/main" r:embed="rId7"/>
+                <asvg:svgBlip xmlns:asvg="http://schemas.microsoft.com/office/drawing/2016/SVG/main" r:embed="rId6"/>
               </a:ext>
             </a:extLst>
           </a:blip>
@@ -31658,7 +31007,7 @@
           <p:nvPr/>
         </p:nvPicPr>
         <p:blipFill>
-          <a:blip r:embed="rId8">
+          <a:blip r:embed="rId7">
             <a:extLst>
               <a:ext uri="{28A0092B-C50C-407E-A947-70E740481C1C}">
                 <a14:useLocalDpi xmlns:a14="http://schemas.microsoft.com/office/drawing/2010/main" val="0"/>
@@ -31894,10 +31243,886 @@
           </a:p>
         </p:txBody>
       </p:sp>
+      <p:sp>
+        <p:nvSpPr>
+          <p:cNvPr id="35" name="CasellaDiTesto 34">
+            <a:extLst>
+              <a:ext uri="{FF2B5EF4-FFF2-40B4-BE49-F238E27FC236}">
+                <a16:creationId xmlns:a16="http://schemas.microsoft.com/office/drawing/2014/main" id="{A6105EFF-6473-216F-6149-CFD2B4FCAA67}"/>
+              </a:ext>
+            </a:extLst>
+          </p:cNvPr>
+          <p:cNvSpPr txBox="1"/>
+          <p:nvPr/>
+        </p:nvSpPr>
+        <p:spPr>
+          <a:xfrm>
+            <a:off x="2685183" y="1109203"/>
+            <a:ext cx="7353035" cy="400110"/>
+          </a:xfrm>
+          <a:prstGeom prst="rect">
+            <a:avLst/>
+          </a:prstGeom>
+          <a:noFill/>
+        </p:spPr>
+        <p:txBody>
+          <a:bodyPr wrap="square" rtlCol="0">
+            <a:spAutoFit/>
+          </a:bodyPr>
+          <a:lstStyle/>
+          <a:p>
+            <a:pPr algn="ctr"/>
+            <a:r>
+              <a:rPr lang="en-US" sz="2000" dirty="0">
+                <a:solidFill>
+                  <a:schemeClr val="bg1"/>
+                </a:solidFill>
+              </a:rPr>
+              <a:t>IMPACT ON </a:t>
+            </a:r>
+            <a:r>
+              <a:rPr lang="en-US" sz="2000" b="1" dirty="0">
+                <a:solidFill>
+                  <a:schemeClr val="bg1"/>
+                </a:solidFill>
+              </a:rPr>
+              <a:t>STAKEHOLDERS</a:t>
+            </a:r>
+            <a:endParaRPr lang="it-IT" sz="2000" b="1" dirty="0">
+              <a:solidFill>
+                <a:schemeClr val="bg1"/>
+              </a:solidFill>
+            </a:endParaRPr>
+          </a:p>
+        </p:txBody>
+      </p:sp>
+      <p:pic>
+        <p:nvPicPr>
+          <p:cNvPr id="36" name="Immagine 35">
+            <a:extLst>
+              <a:ext uri="{FF2B5EF4-FFF2-40B4-BE49-F238E27FC236}">
+                <a16:creationId xmlns:a16="http://schemas.microsoft.com/office/drawing/2014/main" id="{3F0161E1-BC5B-3FCE-A7A5-3D2D5E436658}"/>
+              </a:ext>
+            </a:extLst>
+          </p:cNvPr>
+          <p:cNvPicPr>
+            <a:picLocks noChangeAspect="1"/>
+          </p:cNvPicPr>
+          <p:nvPr/>
+        </p:nvPicPr>
+        <p:blipFill>
+          <a:blip r:embed="rId8">
+            <a:extLst>
+              <a:ext uri="{28A0092B-C50C-407E-A947-70E740481C1C}">
+                <a14:useLocalDpi xmlns:a14="http://schemas.microsoft.com/office/drawing/2010/main" val="0"/>
+              </a:ext>
+            </a:extLst>
+          </a:blip>
+          <a:stretch>
+            <a:fillRect/>
+          </a:stretch>
+        </p:blipFill>
+        <p:spPr>
+          <a:xfrm>
+            <a:off x="6022025" y="171242"/>
+            <a:ext cx="770881" cy="770881"/>
+          </a:xfrm>
+          <a:prstGeom prst="rect">
+            <a:avLst/>
+          </a:prstGeom>
+        </p:spPr>
+      </p:pic>
     </p:spTree>
     <p:extLst>
       <p:ext uri="{BB962C8B-B14F-4D97-AF65-F5344CB8AC3E}">
         <p14:creationId xmlns:p14="http://schemas.microsoft.com/office/powerpoint/2010/main" val="41971358"/>
+      </p:ext>
+    </p:extLst>
+  </p:cSld>
+  <p:clrMapOvr>
+    <a:masterClrMapping/>
+  </p:clrMapOvr>
+</p:sld>
+</file>
+
+<file path=ppt/slides/slide5.xml><?xml version="1.0" encoding="utf-8"?>
+<p:sld xmlns:a="http://schemas.openxmlformats.org/drawingml/2006/main" xmlns:r="http://schemas.openxmlformats.org/officeDocument/2006/relationships" xmlns:p="http://schemas.openxmlformats.org/presentationml/2006/main">
+  <p:cSld>
+    <p:bg>
+      <p:bgPr>
+        <a:solidFill>
+          <a:srgbClr val="0D0628"/>
+        </a:solidFill>
+        <a:effectLst/>
+      </p:bgPr>
+    </p:bg>
+    <p:spTree>
+      <p:nvGrpSpPr>
+        <p:cNvPr id="1" name="">
+          <a:extLst>
+            <a:ext uri="{FF2B5EF4-FFF2-40B4-BE49-F238E27FC236}">
+              <a16:creationId xmlns:a16="http://schemas.microsoft.com/office/drawing/2014/main" id="{8A649E5C-703D-A884-0375-1975A9935B2F}"/>
+            </a:ext>
+          </a:extLst>
+        </p:cNvPr>
+        <p:cNvGrpSpPr/>
+        <p:nvPr/>
+      </p:nvGrpSpPr>
+      <p:grpSpPr>
+        <a:xfrm>
+          <a:off x="0" y="0"/>
+          <a:ext cx="0" cy="0"/>
+          <a:chOff x="0" y="0"/>
+          <a:chExt cx="0" cy="0"/>
+        </a:xfrm>
+      </p:grpSpPr>
+      <p:grpSp>
+        <p:nvGrpSpPr>
+          <p:cNvPr id="42" name="Gruppo 41">
+            <a:extLst>
+              <a:ext uri="{FF2B5EF4-FFF2-40B4-BE49-F238E27FC236}">
+                <a16:creationId xmlns:a16="http://schemas.microsoft.com/office/drawing/2014/main" id="{CFC1166C-D26D-80B6-12BA-0D48A4B68D6E}"/>
+              </a:ext>
+            </a:extLst>
+          </p:cNvPr>
+          <p:cNvGrpSpPr/>
+          <p:nvPr/>
+        </p:nvGrpSpPr>
+        <p:grpSpPr>
+          <a:xfrm>
+            <a:off x="480927" y="2622604"/>
+            <a:ext cx="11230145" cy="2698642"/>
+            <a:chOff x="437376" y="2564992"/>
+            <a:chExt cx="11230145" cy="2698642"/>
+          </a:xfrm>
+        </p:grpSpPr>
+        <p:grpSp>
+          <p:nvGrpSpPr>
+            <p:cNvPr id="26" name="Gruppo 25">
+              <a:extLst>
+                <a:ext uri="{FF2B5EF4-FFF2-40B4-BE49-F238E27FC236}">
+                  <a16:creationId xmlns:a16="http://schemas.microsoft.com/office/drawing/2014/main" id="{7F601180-6178-BD94-ECDD-1593700B8137}"/>
+                </a:ext>
+              </a:extLst>
+            </p:cNvPr>
+            <p:cNvGrpSpPr/>
+            <p:nvPr/>
+          </p:nvGrpSpPr>
+          <p:grpSpPr>
+            <a:xfrm>
+              <a:off x="4727683" y="2695416"/>
+              <a:ext cx="2649531" cy="2568218"/>
+              <a:chOff x="723621" y="2657316"/>
+              <a:chExt cx="2649531" cy="2568218"/>
+            </a:xfrm>
+          </p:grpSpPr>
+          <p:grpSp>
+            <p:nvGrpSpPr>
+              <p:cNvPr id="23" name="Gruppo 22">
+                <a:extLst>
+                  <a:ext uri="{FF2B5EF4-FFF2-40B4-BE49-F238E27FC236}">
+                    <a16:creationId xmlns:a16="http://schemas.microsoft.com/office/drawing/2014/main" id="{8F908F71-6699-AD7F-F94D-44E6AF5ADE94}"/>
+                  </a:ext>
+                </a:extLst>
+              </p:cNvPr>
+              <p:cNvGrpSpPr/>
+              <p:nvPr/>
+            </p:nvGrpSpPr>
+            <p:grpSpPr>
+              <a:xfrm>
+                <a:off x="1255784" y="2657316"/>
+                <a:ext cx="1585208" cy="1690887"/>
+                <a:chOff x="1255784" y="2657316"/>
+                <a:chExt cx="1585208" cy="1690887"/>
+              </a:xfrm>
+            </p:grpSpPr>
+            <p:pic>
+              <p:nvPicPr>
+                <p:cNvPr id="5" name="Elemento grafico 4" descr="Volante con riempimento a tinta unita">
+                  <a:extLst>
+                    <a:ext uri="{FF2B5EF4-FFF2-40B4-BE49-F238E27FC236}">
+                      <a16:creationId xmlns:a16="http://schemas.microsoft.com/office/drawing/2014/main" id="{4894E585-7A00-986F-80A6-AA0B84E62657}"/>
+                    </a:ext>
+                  </a:extLst>
+                </p:cNvPr>
+                <p:cNvPicPr>
+                  <a:picLocks noChangeAspect="1"/>
+                </p:cNvPicPr>
+                <p:nvPr/>
+              </p:nvPicPr>
+              <p:blipFill>
+                <a:blip r:embed="rId3">
+                  <a:extLst>
+                    <a:ext uri="{96DAC541-7B7A-43D3-8B79-37D633B846F1}">
+                      <asvg:svgBlip xmlns:asvg="http://schemas.microsoft.com/office/drawing/2016/SVG/main" r:embed="rId4"/>
+                    </a:ext>
+                  </a:extLst>
+                </a:blip>
+                <a:stretch>
+                  <a:fillRect/>
+                </a:stretch>
+              </p:blipFill>
+              <p:spPr>
+                <a:xfrm>
+                  <a:off x="1387610" y="2657316"/>
+                  <a:ext cx="1321555" cy="1321555"/>
+                </a:xfrm>
+                <a:prstGeom prst="rect">
+                  <a:avLst/>
+                </a:prstGeom>
+              </p:spPr>
+            </p:pic>
+            <p:sp>
+              <p:nvSpPr>
+                <p:cNvPr id="11" name="CasellaDiTesto 10">
+                  <a:extLst>
+                    <a:ext uri="{FF2B5EF4-FFF2-40B4-BE49-F238E27FC236}">
+                      <a16:creationId xmlns:a16="http://schemas.microsoft.com/office/drawing/2014/main" id="{E39A07AE-7BF4-B3D9-8921-27007A2E9D68}"/>
+                    </a:ext>
+                  </a:extLst>
+                </p:cNvPr>
+                <p:cNvSpPr txBox="1"/>
+                <p:nvPr/>
+              </p:nvSpPr>
+              <p:spPr>
+                <a:xfrm>
+                  <a:off x="1255784" y="3978871"/>
+                  <a:ext cx="1585208" cy="369332"/>
+                </a:xfrm>
+                <a:prstGeom prst="rect">
+                  <a:avLst/>
+                </a:prstGeom>
+                <a:noFill/>
+              </p:spPr>
+              <p:txBody>
+                <a:bodyPr wrap="square" rtlCol="0">
+                  <a:spAutoFit/>
+                </a:bodyPr>
+                <a:lstStyle/>
+                <a:p>
+                  <a:pPr algn="ctr"/>
+                  <a:r>
+                    <a:rPr lang="en-US" sz="1800" b="1" spc="300" dirty="0">
+                      <a:solidFill>
+                        <a:srgbClr val="DA627D"/>
+                      </a:solidFill>
+                    </a:rPr>
+                    <a:t>DRIVERS</a:t>
+                  </a:r>
+                  <a:endParaRPr lang="it-IT" b="1" spc="300" dirty="0">
+                    <a:solidFill>
+                      <a:srgbClr val="DA627D"/>
+                    </a:solidFill>
+                  </a:endParaRPr>
+                </a:p>
+              </p:txBody>
+            </p:sp>
+          </p:grpSp>
+          <p:sp>
+            <p:nvSpPr>
+              <p:cNvPr id="19" name="CasellaDiTesto 18">
+                <a:extLst>
+                  <a:ext uri="{FF2B5EF4-FFF2-40B4-BE49-F238E27FC236}">
+                    <a16:creationId xmlns:a16="http://schemas.microsoft.com/office/drawing/2014/main" id="{4C80EFE5-B965-224F-6E6C-A3DB69B77915}"/>
+                  </a:ext>
+                </a:extLst>
+              </p:cNvPr>
+              <p:cNvSpPr txBox="1"/>
+              <p:nvPr/>
+            </p:nvSpPr>
+            <p:spPr>
+              <a:xfrm>
+                <a:off x="723621" y="4394537"/>
+                <a:ext cx="2649531" cy="830997"/>
+              </a:xfrm>
+              <a:prstGeom prst="rect">
+                <a:avLst/>
+              </a:prstGeom>
+              <a:noFill/>
+            </p:spPr>
+            <p:txBody>
+              <a:bodyPr wrap="square" rtlCol="0">
+                <a:spAutoFit/>
+              </a:bodyPr>
+              <a:lstStyle/>
+              <a:p>
+                <a:pPr algn="ctr"/>
+                <a:r>
+                  <a:rPr lang="en-US" sz="1600" dirty="0">
+                    <a:solidFill>
+                      <a:schemeClr val="bg1"/>
+                    </a:solidFill>
+                  </a:rPr>
+                  <a:t>Risk of unfair ratings affecting opportunities, lack of actionable feedback.</a:t>
+                </a:r>
+                <a:endParaRPr lang="it-IT" b="1" dirty="0">
+                  <a:solidFill>
+                    <a:schemeClr val="bg1"/>
+                  </a:solidFill>
+                </a:endParaRPr>
+              </a:p>
+            </p:txBody>
+          </p:sp>
+        </p:grpSp>
+        <p:grpSp>
+          <p:nvGrpSpPr>
+            <p:cNvPr id="25" name="Gruppo 24">
+              <a:extLst>
+                <a:ext uri="{FF2B5EF4-FFF2-40B4-BE49-F238E27FC236}">
+                  <a16:creationId xmlns:a16="http://schemas.microsoft.com/office/drawing/2014/main" id="{0E100FE0-4B63-8102-03CE-EB003A9A2D27}"/>
+                </a:ext>
+              </a:extLst>
+            </p:cNvPr>
+            <p:cNvGrpSpPr/>
+            <p:nvPr/>
+          </p:nvGrpSpPr>
+          <p:grpSpPr>
+            <a:xfrm>
+              <a:off x="8301180" y="2564992"/>
+              <a:ext cx="3366341" cy="2698642"/>
+              <a:chOff x="8247768" y="2526892"/>
+              <a:chExt cx="3366341" cy="2698642"/>
+            </a:xfrm>
+          </p:grpSpPr>
+          <p:pic>
+            <p:nvPicPr>
+              <p:cNvPr id="15" name="Immagine 14">
+                <a:extLst>
+                  <a:ext uri="{FF2B5EF4-FFF2-40B4-BE49-F238E27FC236}">
+                    <a16:creationId xmlns:a16="http://schemas.microsoft.com/office/drawing/2014/main" id="{A292F916-9CA0-EE2A-3688-F2C6686750DD}"/>
+                  </a:ext>
+                </a:extLst>
+              </p:cNvPr>
+              <p:cNvPicPr>
+                <a:picLocks noChangeAspect="1"/>
+              </p:cNvPicPr>
+              <p:nvPr/>
+            </p:nvPicPr>
+            <p:blipFill>
+              <a:blip r:embed="rId5">
+                <a:extLst>
+                  <a:ext uri="{28A0092B-C50C-407E-A947-70E740481C1C}">
+                    <a14:useLocalDpi xmlns:a14="http://schemas.microsoft.com/office/drawing/2010/main" val="0"/>
+                  </a:ext>
+                </a:extLst>
+              </a:blip>
+              <a:stretch>
+                <a:fillRect/>
+              </a:stretch>
+            </p:blipFill>
+            <p:spPr>
+              <a:xfrm>
+                <a:off x="9270162" y="2526892"/>
+                <a:ext cx="1321555" cy="1321555"/>
+              </a:xfrm>
+              <a:prstGeom prst="rect">
+                <a:avLst/>
+              </a:prstGeom>
+            </p:spPr>
+          </p:pic>
+          <p:sp>
+            <p:nvSpPr>
+              <p:cNvPr id="17" name="CasellaDiTesto 16">
+                <a:extLst>
+                  <a:ext uri="{FF2B5EF4-FFF2-40B4-BE49-F238E27FC236}">
+                    <a16:creationId xmlns:a16="http://schemas.microsoft.com/office/drawing/2014/main" id="{B99A7C58-3321-931F-9572-97D696A0FE2B}"/>
+                  </a:ext>
+                </a:extLst>
+              </p:cNvPr>
+              <p:cNvSpPr txBox="1"/>
+              <p:nvPr/>
+            </p:nvSpPr>
+            <p:spPr>
+              <a:xfrm>
+                <a:off x="8970249" y="3978871"/>
+                <a:ext cx="1921382" cy="369332"/>
+              </a:xfrm>
+              <a:prstGeom prst="rect">
+                <a:avLst/>
+              </a:prstGeom>
+              <a:noFill/>
+            </p:spPr>
+            <p:txBody>
+              <a:bodyPr wrap="square" rtlCol="0">
+                <a:spAutoFit/>
+              </a:bodyPr>
+              <a:lstStyle/>
+              <a:p>
+                <a:pPr algn="ctr"/>
+                <a:r>
+                  <a:rPr lang="en-US" sz="1800" b="1" spc="300" dirty="0">
+                    <a:solidFill>
+                      <a:srgbClr val="DA627D"/>
+                    </a:solidFill>
+                  </a:rPr>
+                  <a:t>COMPANIES</a:t>
+                </a:r>
+                <a:endParaRPr lang="it-IT" b="1" spc="300" dirty="0">
+                  <a:solidFill>
+                    <a:srgbClr val="DA627D"/>
+                  </a:solidFill>
+                </a:endParaRPr>
+              </a:p>
+            </p:txBody>
+          </p:sp>
+          <p:sp>
+            <p:nvSpPr>
+              <p:cNvPr id="21" name="CasellaDiTesto 20">
+                <a:extLst>
+                  <a:ext uri="{FF2B5EF4-FFF2-40B4-BE49-F238E27FC236}">
+                    <a16:creationId xmlns:a16="http://schemas.microsoft.com/office/drawing/2014/main" id="{5D862880-46AE-3F63-710E-32B0F6C219F0}"/>
+                  </a:ext>
+                </a:extLst>
+              </p:cNvPr>
+              <p:cNvSpPr txBox="1"/>
+              <p:nvPr/>
+            </p:nvSpPr>
+            <p:spPr>
+              <a:xfrm>
+                <a:off x="8247768" y="4394537"/>
+                <a:ext cx="3366341" cy="830997"/>
+              </a:xfrm>
+              <a:prstGeom prst="rect">
+                <a:avLst/>
+              </a:prstGeom>
+              <a:noFill/>
+            </p:spPr>
+            <p:txBody>
+              <a:bodyPr wrap="square" rtlCol="0">
+                <a:spAutoFit/>
+              </a:bodyPr>
+              <a:lstStyle/>
+              <a:p>
+                <a:pPr algn="ctr"/>
+                <a:r>
+                  <a:rPr lang="en-US" sz="1600" dirty="0">
+                    <a:solidFill>
+                      <a:schemeClr val="bg1"/>
+                    </a:solidFill>
+                  </a:rPr>
+                  <a:t>Difficulty in ensuring consistent quality and reliability across drivers, reliance on subjective feedback.</a:t>
+                </a:r>
+              </a:p>
+            </p:txBody>
+          </p:sp>
+        </p:grpSp>
+        <p:grpSp>
+          <p:nvGrpSpPr>
+            <p:cNvPr id="24" name="Gruppo 23">
+              <a:extLst>
+                <a:ext uri="{FF2B5EF4-FFF2-40B4-BE49-F238E27FC236}">
+                  <a16:creationId xmlns:a16="http://schemas.microsoft.com/office/drawing/2014/main" id="{B3F805FE-B960-9560-42F1-193ADEBDE916}"/>
+                </a:ext>
+              </a:extLst>
+            </p:cNvPr>
+            <p:cNvGrpSpPr/>
+            <p:nvPr/>
+          </p:nvGrpSpPr>
+          <p:grpSpPr>
+            <a:xfrm>
+              <a:off x="437376" y="2610102"/>
+              <a:ext cx="3366341" cy="2653531"/>
+              <a:chOff x="4509192" y="2572002"/>
+              <a:chExt cx="3366341" cy="2653531"/>
+            </a:xfrm>
+          </p:grpSpPr>
+          <p:sp>
+            <p:nvSpPr>
+              <p:cNvPr id="16" name="CasellaDiTesto 15">
+                <a:extLst>
+                  <a:ext uri="{FF2B5EF4-FFF2-40B4-BE49-F238E27FC236}">
+                    <a16:creationId xmlns:a16="http://schemas.microsoft.com/office/drawing/2014/main" id="{B8397C32-D653-8596-189A-D3E282600476}"/>
+                  </a:ext>
+                </a:extLst>
+              </p:cNvPr>
+              <p:cNvSpPr txBox="1"/>
+              <p:nvPr/>
+            </p:nvSpPr>
+            <p:spPr>
+              <a:xfrm>
+                <a:off x="5103587" y="3978871"/>
+                <a:ext cx="2177555" cy="369332"/>
+              </a:xfrm>
+              <a:prstGeom prst="rect">
+                <a:avLst/>
+              </a:prstGeom>
+              <a:noFill/>
+            </p:spPr>
+            <p:txBody>
+              <a:bodyPr wrap="square" rtlCol="0">
+                <a:spAutoFit/>
+              </a:bodyPr>
+              <a:lstStyle/>
+              <a:p>
+                <a:pPr algn="ctr"/>
+                <a:r>
+                  <a:rPr lang="en-US" b="1" spc="300" dirty="0">
+                    <a:solidFill>
+                      <a:srgbClr val="DA627D"/>
+                    </a:solidFill>
+                  </a:rPr>
+                  <a:t>PASSENGERS</a:t>
+                </a:r>
+                <a:endParaRPr lang="it-IT" b="1" spc="300" dirty="0">
+                  <a:solidFill>
+                    <a:srgbClr val="DA627D"/>
+                  </a:solidFill>
+                </a:endParaRPr>
+              </a:p>
+            </p:txBody>
+          </p:sp>
+          <p:sp>
+            <p:nvSpPr>
+              <p:cNvPr id="20" name="CasellaDiTesto 19">
+                <a:extLst>
+                  <a:ext uri="{FF2B5EF4-FFF2-40B4-BE49-F238E27FC236}">
+                    <a16:creationId xmlns:a16="http://schemas.microsoft.com/office/drawing/2014/main" id="{65D80F5E-FD56-804A-4DEC-AD8B72241266}"/>
+                  </a:ext>
+                </a:extLst>
+              </p:cNvPr>
+              <p:cNvSpPr txBox="1"/>
+              <p:nvPr/>
+            </p:nvSpPr>
+            <p:spPr>
+              <a:xfrm>
+                <a:off x="4509192" y="4394536"/>
+                <a:ext cx="3366341" cy="830997"/>
+              </a:xfrm>
+              <a:prstGeom prst="rect">
+                <a:avLst/>
+              </a:prstGeom>
+              <a:noFill/>
+            </p:spPr>
+            <p:txBody>
+              <a:bodyPr wrap="square" rtlCol="0">
+                <a:spAutoFit/>
+              </a:bodyPr>
+              <a:lstStyle/>
+              <a:p>
+                <a:pPr algn="ctr"/>
+                <a:r>
+                  <a:rPr lang="en-US" sz="1600" dirty="0">
+                    <a:solidFill>
+                      <a:schemeClr val="bg1"/>
+                    </a:solidFill>
+                  </a:rPr>
+                  <a:t>Limited tools to express real-time concerns. Potential safety and comfort issues not fully addressed.</a:t>
+                </a:r>
+              </a:p>
+            </p:txBody>
+          </p:sp>
+          <p:pic>
+            <p:nvPicPr>
+              <p:cNvPr id="7" name="Immagine 6" descr="Immagine che contiene Elementi grafici, clipart, bianco, design&#10;&#10;Descrizione generata automaticamente">
+                <a:extLst>
+                  <a:ext uri="{FF2B5EF4-FFF2-40B4-BE49-F238E27FC236}">
+                    <a16:creationId xmlns:a16="http://schemas.microsoft.com/office/drawing/2014/main" id="{66C2CE82-1CCC-8DE8-5F10-17BE95EB3538}"/>
+                  </a:ext>
+                </a:extLst>
+              </p:cNvPr>
+              <p:cNvPicPr>
+                <a:picLocks noChangeAspect="1"/>
+              </p:cNvPicPr>
+              <p:nvPr/>
+            </p:nvPicPr>
+            <p:blipFill>
+              <a:blip r:embed="rId6">
+                <a:extLst>
+                  <a:ext uri="{28A0092B-C50C-407E-A947-70E740481C1C}">
+                    <a14:useLocalDpi xmlns:a14="http://schemas.microsoft.com/office/drawing/2010/main" val="0"/>
+                  </a:ext>
+                </a:extLst>
+              </a:blip>
+              <a:stretch>
+                <a:fillRect/>
+              </a:stretch>
+            </p:blipFill>
+            <p:spPr>
+              <a:xfrm>
+                <a:off x="5531586" y="2572002"/>
+                <a:ext cx="1321555" cy="1321555"/>
+              </a:xfrm>
+              <a:prstGeom prst="rect">
+                <a:avLst/>
+              </a:prstGeom>
+            </p:spPr>
+          </p:pic>
+        </p:grpSp>
+      </p:grpSp>
+      <p:grpSp>
+        <p:nvGrpSpPr>
+          <p:cNvPr id="9" name="Gruppo 8">
+            <a:extLst>
+              <a:ext uri="{FF2B5EF4-FFF2-40B4-BE49-F238E27FC236}">
+                <a16:creationId xmlns:a16="http://schemas.microsoft.com/office/drawing/2014/main" id="{58F8FA9E-FB0E-2DB9-29EC-CD0E35D83B9B}"/>
+              </a:ext>
+            </a:extLst>
+          </p:cNvPr>
+          <p:cNvGrpSpPr/>
+          <p:nvPr/>
+        </p:nvGrpSpPr>
+        <p:grpSpPr>
+          <a:xfrm>
+            <a:off x="2822207" y="353977"/>
+            <a:ext cx="6547587" cy="1034390"/>
+            <a:chOff x="2634281" y="325402"/>
+            <a:chExt cx="6547587" cy="1034390"/>
+          </a:xfrm>
+        </p:grpSpPr>
+        <p:sp>
+          <p:nvSpPr>
+            <p:cNvPr id="10" name="CasellaDiTesto 9">
+              <a:extLst>
+                <a:ext uri="{FF2B5EF4-FFF2-40B4-BE49-F238E27FC236}">
+                  <a16:creationId xmlns:a16="http://schemas.microsoft.com/office/drawing/2014/main" id="{7F9C4519-E232-6907-A3D1-3E395B127ED6}"/>
+                </a:ext>
+              </a:extLst>
+            </p:cNvPr>
+            <p:cNvSpPr txBox="1"/>
+            <p:nvPr/>
+          </p:nvSpPr>
+          <p:spPr>
+            <a:xfrm>
+              <a:off x="4915661" y="642542"/>
+              <a:ext cx="4266207" cy="400110"/>
+            </a:xfrm>
+            <a:prstGeom prst="rect">
+              <a:avLst/>
+            </a:prstGeom>
+            <a:noFill/>
+          </p:spPr>
+          <p:txBody>
+            <a:bodyPr wrap="square" rtlCol="0">
+              <a:spAutoFit/>
+            </a:bodyPr>
+            <a:lstStyle/>
+            <a:p>
+              <a:r>
+                <a:rPr lang="en-US" sz="2000" spc="300" dirty="0">
+                  <a:solidFill>
+                    <a:schemeClr val="bg1"/>
+                  </a:solidFill>
+                </a:rPr>
+                <a:t>IMPACT ON </a:t>
+              </a:r>
+              <a:r>
+                <a:rPr lang="en-US" sz="2000" b="1" spc="300" dirty="0">
+                  <a:solidFill>
+                    <a:schemeClr val="bg1"/>
+                  </a:solidFill>
+                </a:rPr>
+                <a:t>STAKEHOLDERS</a:t>
+              </a:r>
+              <a:endParaRPr lang="it-IT" sz="2000" b="1" spc="300" dirty="0">
+                <a:solidFill>
+                  <a:schemeClr val="bg1"/>
+                </a:solidFill>
+              </a:endParaRPr>
+            </a:p>
+          </p:txBody>
+        </p:sp>
+        <p:grpSp>
+          <p:nvGrpSpPr>
+            <p:cNvPr id="12" name="Gruppo 11">
+              <a:extLst>
+                <a:ext uri="{FF2B5EF4-FFF2-40B4-BE49-F238E27FC236}">
+                  <a16:creationId xmlns:a16="http://schemas.microsoft.com/office/drawing/2014/main" id="{D9E48B98-D193-A68E-7464-96FD88816C50}"/>
+                </a:ext>
+              </a:extLst>
+            </p:cNvPr>
+            <p:cNvGrpSpPr/>
+            <p:nvPr/>
+          </p:nvGrpSpPr>
+          <p:grpSpPr>
+            <a:xfrm>
+              <a:off x="2634281" y="325402"/>
+              <a:ext cx="1130223" cy="1034390"/>
+              <a:chOff x="3517946" y="254538"/>
+              <a:chExt cx="1130223" cy="1034390"/>
+            </a:xfrm>
+          </p:grpSpPr>
+          <p:pic>
+            <p:nvPicPr>
+              <p:cNvPr id="14" name="Immagine 13">
+                <a:extLst>
+                  <a:ext uri="{FF2B5EF4-FFF2-40B4-BE49-F238E27FC236}">
+                    <a16:creationId xmlns:a16="http://schemas.microsoft.com/office/drawing/2014/main" id="{F0C10F17-F965-718C-9EE0-34E2DB992020}"/>
+                  </a:ext>
+                </a:extLst>
+              </p:cNvPr>
+              <p:cNvPicPr>
+                <a:picLocks noChangeAspect="1"/>
+              </p:cNvPicPr>
+              <p:nvPr/>
+            </p:nvPicPr>
+            <p:blipFill>
+              <a:blip r:embed="rId7">
+                <a:extLst>
+                  <a:ext uri="{28A0092B-C50C-407E-A947-70E740481C1C}">
+                    <a14:useLocalDpi xmlns:a14="http://schemas.microsoft.com/office/drawing/2010/main" val="0"/>
+                  </a:ext>
+                </a:extLst>
+              </a:blip>
+              <a:stretch>
+                <a:fillRect/>
+              </a:stretch>
+            </p:blipFill>
+            <p:spPr>
+              <a:xfrm>
+                <a:off x="3675353" y="364029"/>
+                <a:ext cx="815408" cy="815408"/>
+              </a:xfrm>
+              <a:prstGeom prst="rect">
+                <a:avLst/>
+              </a:prstGeom>
+            </p:spPr>
+          </p:pic>
+          <p:sp>
+            <p:nvSpPr>
+              <p:cNvPr id="18" name="Rettangolo con angoli arrotondati 17">
+                <a:extLst>
+                  <a:ext uri="{FF2B5EF4-FFF2-40B4-BE49-F238E27FC236}">
+                    <a16:creationId xmlns:a16="http://schemas.microsoft.com/office/drawing/2014/main" id="{0763A41C-C84E-313E-30ED-4E190041B5A3}"/>
+                  </a:ext>
+                </a:extLst>
+              </p:cNvPr>
+              <p:cNvSpPr/>
+              <p:nvPr/>
+            </p:nvSpPr>
+            <p:spPr>
+              <a:xfrm>
+                <a:off x="3517946" y="254538"/>
+                <a:ext cx="1130223" cy="1034390"/>
+              </a:xfrm>
+              <a:prstGeom prst="roundRect">
+                <a:avLst>
+                  <a:gd name="adj" fmla="val 7027"/>
+                </a:avLst>
+              </a:prstGeom>
+              <a:noFill/>
+              <a:ln w="28575">
+                <a:solidFill>
+                  <a:srgbClr val="DA627D"/>
+                </a:solidFill>
+              </a:ln>
+            </p:spPr>
+            <p:style>
+              <a:lnRef idx="2">
+                <a:schemeClr val="accent1">
+                  <a:shade val="15000"/>
+                </a:schemeClr>
+              </a:lnRef>
+              <a:fillRef idx="1">
+                <a:schemeClr val="accent1"/>
+              </a:fillRef>
+              <a:effectRef idx="0">
+                <a:schemeClr val="accent1"/>
+              </a:effectRef>
+              <a:fontRef idx="minor">
+                <a:schemeClr val="lt1"/>
+              </a:fontRef>
+            </p:style>
+            <p:txBody>
+              <a:bodyPr rtlCol="0" anchor="ctr"/>
+              <a:lstStyle/>
+              <a:p>
+                <a:pPr algn="ctr"/>
+                <a:endParaRPr lang="it-IT" dirty="0"/>
+              </a:p>
+            </p:txBody>
+          </p:sp>
+        </p:grpSp>
+        <p:cxnSp>
+          <p:nvCxnSpPr>
+            <p:cNvPr id="13" name="Connettore diritto 12">
+              <a:extLst>
+                <a:ext uri="{FF2B5EF4-FFF2-40B4-BE49-F238E27FC236}">
+                  <a16:creationId xmlns:a16="http://schemas.microsoft.com/office/drawing/2014/main" id="{F5FBAE7F-4D26-A562-32BA-C899AA3A1FBD}"/>
+                </a:ext>
+              </a:extLst>
+            </p:cNvPr>
+            <p:cNvCxnSpPr>
+              <a:cxnSpLocks/>
+            </p:cNvCxnSpPr>
+            <p:nvPr/>
+          </p:nvCxnSpPr>
+          <p:spPr>
+            <a:xfrm>
+              <a:off x="3764504" y="842597"/>
+              <a:ext cx="1114840" cy="0"/>
+            </a:xfrm>
+            <a:prstGeom prst="line">
+              <a:avLst/>
+            </a:prstGeom>
+            <a:ln w="28575">
+              <a:solidFill>
+                <a:srgbClr val="DA627D"/>
+              </a:solidFill>
+            </a:ln>
+          </p:spPr>
+          <p:style>
+            <a:lnRef idx="2">
+              <a:schemeClr val="accent1"/>
+            </a:lnRef>
+            <a:fillRef idx="0">
+              <a:schemeClr val="accent1"/>
+            </a:fillRef>
+            <a:effectRef idx="1">
+              <a:schemeClr val="accent1"/>
+            </a:effectRef>
+            <a:fontRef idx="minor">
+              <a:schemeClr val="tx1"/>
+            </a:fontRef>
+          </p:style>
+        </p:cxnSp>
+      </p:grpSp>
+      <p:cxnSp>
+        <p:nvCxnSpPr>
+          <p:cNvPr id="22" name="Connettore diritto 21">
+            <a:extLst>
+              <a:ext uri="{FF2B5EF4-FFF2-40B4-BE49-F238E27FC236}">
+                <a16:creationId xmlns:a16="http://schemas.microsoft.com/office/drawing/2014/main" id="{B6F9B591-B4B6-E806-27E8-9AF487A82F89}"/>
+              </a:ext>
+            </a:extLst>
+          </p:cNvPr>
+          <p:cNvCxnSpPr>
+            <a:cxnSpLocks/>
+          </p:cNvCxnSpPr>
+          <p:nvPr/>
+        </p:nvCxnSpPr>
+        <p:spPr>
+          <a:xfrm>
+            <a:off x="0" y="885094"/>
+            <a:ext cx="2822207" cy="0"/>
+          </a:xfrm>
+          <a:prstGeom prst="line">
+            <a:avLst/>
+          </a:prstGeom>
+          <a:ln w="28575">
+            <a:solidFill>
+              <a:srgbClr val="DA627D"/>
+            </a:solidFill>
+          </a:ln>
+        </p:spPr>
+        <p:style>
+          <a:lnRef idx="2">
+            <a:schemeClr val="accent1"/>
+          </a:lnRef>
+          <a:fillRef idx="0">
+            <a:schemeClr val="accent1"/>
+          </a:fillRef>
+          <a:effectRef idx="1">
+            <a:schemeClr val="accent1"/>
+          </a:effectRef>
+          <a:fontRef idx="minor">
+            <a:schemeClr val="tx1"/>
+          </a:fontRef>
+        </p:style>
+      </p:cxnSp>
+    </p:spTree>
+    <p:extLst>
+      <p:ext uri="{BB962C8B-B14F-4D97-AF65-F5344CB8AC3E}">
+        <p14:creationId xmlns:p14="http://schemas.microsoft.com/office/powerpoint/2010/main" val="211548583"/>
       </p:ext>
     </p:extLst>
   </p:cSld>

--- a/Idea/Idea_Presentation.pptx
+++ b/Idea/Idea_Presentation.pptx
@@ -215,7 +215,7 @@
           <a:p>
             <a:fld id="{F05F3A0F-052B-4D45-ADDD-90AEB5AB3DF4}" type="datetimeFigureOut">
               <a:rPr lang="it-IT" smtClean="0"/>
-              <a:t>18/11/2024</a:t>
+              <a:t>20/11/2024</a:t>
             </a:fld>
             <a:endParaRPr lang="it-IT"/>
           </a:p>
@@ -2747,7 +2747,7 @@
           <a:p>
             <a:fld id="{F648D57F-990B-4693-B9DF-7283B5F03356}" type="datetimeFigureOut">
               <a:rPr lang="it-IT" smtClean="0"/>
-              <a:t>18/11/2024</a:t>
+              <a:t>20/11/2024</a:t>
             </a:fld>
             <a:endParaRPr lang="it-IT"/>
           </a:p>
@@ -2945,7 +2945,7 @@
           <a:p>
             <a:fld id="{F648D57F-990B-4693-B9DF-7283B5F03356}" type="datetimeFigureOut">
               <a:rPr lang="it-IT" smtClean="0"/>
-              <a:t>18/11/2024</a:t>
+              <a:t>20/11/2024</a:t>
             </a:fld>
             <a:endParaRPr lang="it-IT"/>
           </a:p>
@@ -3153,7 +3153,7 @@
           <a:p>
             <a:fld id="{F648D57F-990B-4693-B9DF-7283B5F03356}" type="datetimeFigureOut">
               <a:rPr lang="it-IT" smtClean="0"/>
-              <a:t>18/11/2024</a:t>
+              <a:t>20/11/2024</a:t>
             </a:fld>
             <a:endParaRPr lang="it-IT"/>
           </a:p>
@@ -3351,7 +3351,7 @@
           <a:p>
             <a:fld id="{F648D57F-990B-4693-B9DF-7283B5F03356}" type="datetimeFigureOut">
               <a:rPr lang="it-IT" smtClean="0"/>
-              <a:t>18/11/2024</a:t>
+              <a:t>20/11/2024</a:t>
             </a:fld>
             <a:endParaRPr lang="it-IT"/>
           </a:p>
@@ -3626,7 +3626,7 @@
           <a:p>
             <a:fld id="{F648D57F-990B-4693-B9DF-7283B5F03356}" type="datetimeFigureOut">
               <a:rPr lang="it-IT" smtClean="0"/>
-              <a:t>18/11/2024</a:t>
+              <a:t>20/11/2024</a:t>
             </a:fld>
             <a:endParaRPr lang="it-IT"/>
           </a:p>
@@ -3891,7 +3891,7 @@
           <a:p>
             <a:fld id="{F648D57F-990B-4693-B9DF-7283B5F03356}" type="datetimeFigureOut">
               <a:rPr lang="it-IT" smtClean="0"/>
-              <a:t>18/11/2024</a:t>
+              <a:t>20/11/2024</a:t>
             </a:fld>
             <a:endParaRPr lang="it-IT"/>
           </a:p>
@@ -4303,7 +4303,7 @@
           <a:p>
             <a:fld id="{F648D57F-990B-4693-B9DF-7283B5F03356}" type="datetimeFigureOut">
               <a:rPr lang="it-IT" smtClean="0"/>
-              <a:t>18/11/2024</a:t>
+              <a:t>20/11/2024</a:t>
             </a:fld>
             <a:endParaRPr lang="it-IT"/>
           </a:p>
@@ -4444,7 +4444,7 @@
           <a:p>
             <a:fld id="{F648D57F-990B-4693-B9DF-7283B5F03356}" type="datetimeFigureOut">
               <a:rPr lang="it-IT" smtClean="0"/>
-              <a:t>18/11/2024</a:t>
+              <a:t>20/11/2024</a:t>
             </a:fld>
             <a:endParaRPr lang="it-IT"/>
           </a:p>
@@ -4557,7 +4557,7 @@
           <a:p>
             <a:fld id="{F648D57F-990B-4693-B9DF-7283B5F03356}" type="datetimeFigureOut">
               <a:rPr lang="it-IT" smtClean="0"/>
-              <a:t>18/11/2024</a:t>
+              <a:t>20/11/2024</a:t>
             </a:fld>
             <a:endParaRPr lang="it-IT"/>
           </a:p>
@@ -4868,7 +4868,7 @@
           <a:p>
             <a:fld id="{F648D57F-990B-4693-B9DF-7283B5F03356}" type="datetimeFigureOut">
               <a:rPr lang="it-IT" smtClean="0"/>
-              <a:t>18/11/2024</a:t>
+              <a:t>20/11/2024</a:t>
             </a:fld>
             <a:endParaRPr lang="it-IT"/>
           </a:p>
@@ -5156,7 +5156,7 @@
           <a:p>
             <a:fld id="{F648D57F-990B-4693-B9DF-7283B5F03356}" type="datetimeFigureOut">
               <a:rPr lang="it-IT" smtClean="0"/>
-              <a:t>18/11/2024</a:t>
+              <a:t>20/11/2024</a:t>
             </a:fld>
             <a:endParaRPr lang="it-IT"/>
           </a:p>
@@ -5397,7 +5397,7 @@
           <a:p>
             <a:fld id="{F648D57F-990B-4693-B9DF-7283B5F03356}" type="datetimeFigureOut">
               <a:rPr lang="it-IT" smtClean="0"/>
-              <a:t>18/11/2024</a:t>
+              <a:t>20/11/2024</a:t>
             </a:fld>
             <a:endParaRPr lang="it-IT"/>
           </a:p>
